--- a/기획/방랑엽사전/스킬 시스템 기획서.pptx
+++ b/기획/방랑엽사전/스킬 시스템 기획서.pptx
@@ -254,7 +254,7 @@
           <a:p>
             <a:fld id="{C8649E71-8129-4905-BAC0-51D65A0C1379}" type="datetimeFigureOut">
               <a:rPr lang="ko-KR" altLang="en-US" smtClean="0"/>
-              <a:t>2024-02-16</a:t>
+              <a:t>2024-02-19</a:t>
             </a:fld>
             <a:endParaRPr lang="ko-KR" altLang="en-US"/>
           </a:p>
@@ -752,7 +752,7 @@
           <a:p>
             <a:fld id="{523D6941-6B33-4834-BC65-A333846D27E6}" type="datetimeFigureOut">
               <a:rPr lang="ko-KR" altLang="en-US" smtClean="0"/>
-              <a:t>2024-02-16</a:t>
+              <a:t>2024-02-19</a:t>
             </a:fld>
             <a:endParaRPr lang="ko-KR" altLang="en-US"/>
           </a:p>
@@ -950,7 +950,7 @@
           <a:p>
             <a:fld id="{523D6941-6B33-4834-BC65-A333846D27E6}" type="datetimeFigureOut">
               <a:rPr lang="ko-KR" altLang="en-US" smtClean="0"/>
-              <a:t>2024-02-16</a:t>
+              <a:t>2024-02-19</a:t>
             </a:fld>
             <a:endParaRPr lang="ko-KR" altLang="en-US"/>
           </a:p>
@@ -1158,7 +1158,7 @@
           <a:p>
             <a:fld id="{523D6941-6B33-4834-BC65-A333846D27E6}" type="datetimeFigureOut">
               <a:rPr lang="ko-KR" altLang="en-US" smtClean="0"/>
-              <a:t>2024-02-16</a:t>
+              <a:t>2024-02-19</a:t>
             </a:fld>
             <a:endParaRPr lang="ko-KR" altLang="en-US"/>
           </a:p>
@@ -1371,7 +1371,7 @@
           <a:p>
             <a:fld id="{523D6941-6B33-4834-BC65-A333846D27E6}" type="datetimeFigureOut">
               <a:rPr lang="ko-KR" altLang="en-US" smtClean="0"/>
-              <a:t>2024-02-16</a:t>
+              <a:t>2024-02-19</a:t>
             </a:fld>
             <a:endParaRPr lang="ko-KR" altLang="en-US"/>
           </a:p>
@@ -1656,7 +1656,7 @@
           <a:p>
             <a:fld id="{523D6941-6B33-4834-BC65-A333846D27E6}" type="datetimeFigureOut">
               <a:rPr lang="ko-KR" altLang="en-US" smtClean="0"/>
-              <a:t>2024-02-16</a:t>
+              <a:t>2024-02-19</a:t>
             </a:fld>
             <a:endParaRPr lang="ko-KR" altLang="en-US"/>
           </a:p>
@@ -1921,7 +1921,7 @@
           <a:p>
             <a:fld id="{523D6941-6B33-4834-BC65-A333846D27E6}" type="datetimeFigureOut">
               <a:rPr lang="ko-KR" altLang="en-US" smtClean="0"/>
-              <a:t>2024-02-16</a:t>
+              <a:t>2024-02-19</a:t>
             </a:fld>
             <a:endParaRPr lang="ko-KR" altLang="en-US"/>
           </a:p>
@@ -2333,7 +2333,7 @@
           <a:p>
             <a:fld id="{523D6941-6B33-4834-BC65-A333846D27E6}" type="datetimeFigureOut">
               <a:rPr lang="ko-KR" altLang="en-US" smtClean="0"/>
-              <a:t>2024-02-16</a:t>
+              <a:t>2024-02-19</a:t>
             </a:fld>
             <a:endParaRPr lang="ko-KR" altLang="en-US"/>
           </a:p>
@@ -2474,7 +2474,7 @@
           <a:p>
             <a:fld id="{523D6941-6B33-4834-BC65-A333846D27E6}" type="datetimeFigureOut">
               <a:rPr lang="ko-KR" altLang="en-US" smtClean="0"/>
-              <a:t>2024-02-16</a:t>
+              <a:t>2024-02-19</a:t>
             </a:fld>
             <a:endParaRPr lang="ko-KR" altLang="en-US"/>
           </a:p>
@@ -2587,7 +2587,7 @@
           <a:p>
             <a:fld id="{523D6941-6B33-4834-BC65-A333846D27E6}" type="datetimeFigureOut">
               <a:rPr lang="ko-KR" altLang="en-US" smtClean="0"/>
-              <a:t>2024-02-16</a:t>
+              <a:t>2024-02-19</a:t>
             </a:fld>
             <a:endParaRPr lang="ko-KR" altLang="en-US"/>
           </a:p>
@@ -2898,7 +2898,7 @@
           <a:p>
             <a:fld id="{523D6941-6B33-4834-BC65-A333846D27E6}" type="datetimeFigureOut">
               <a:rPr lang="ko-KR" altLang="en-US" smtClean="0"/>
-              <a:t>2024-02-16</a:t>
+              <a:t>2024-02-19</a:t>
             </a:fld>
             <a:endParaRPr lang="ko-KR" altLang="en-US"/>
           </a:p>
@@ -3186,7 +3186,7 @@
           <a:p>
             <a:fld id="{523D6941-6B33-4834-BC65-A333846D27E6}" type="datetimeFigureOut">
               <a:rPr lang="ko-KR" altLang="en-US" smtClean="0"/>
-              <a:t>2024-02-16</a:t>
+              <a:t>2024-02-19</a:t>
             </a:fld>
             <a:endParaRPr lang="ko-KR" altLang="en-US"/>
           </a:p>
@@ -3427,7 +3427,7 @@
           <a:p>
             <a:fld id="{523D6941-6B33-4834-BC65-A333846D27E6}" type="datetimeFigureOut">
               <a:rPr lang="ko-KR" altLang="en-US" smtClean="0"/>
-              <a:t>2024-02-16</a:t>
+              <a:t>2024-02-19</a:t>
             </a:fld>
             <a:endParaRPr lang="ko-KR" altLang="en-US"/>
           </a:p>
@@ -3972,190 +3972,6 @@
       </p:grpSpPr>
       <p:sp>
         <p:nvSpPr>
-          <p:cNvPr id="502" name="사각형: 잘린 한쪽 모서리 501">
-            <a:extLst>
-              <a:ext uri="{FF2B5EF4-FFF2-40B4-BE49-F238E27FC236}">
-                <a16:creationId xmlns:a16="http://schemas.microsoft.com/office/drawing/2014/main" id="{83F8C32F-7DE7-4C31-874E-CEE188FCA9A2}"/>
-              </a:ext>
-            </a:extLst>
-          </p:cNvPr>
-          <p:cNvSpPr/>
-          <p:nvPr/>
-        </p:nvSpPr>
-        <p:spPr>
-          <a:xfrm flipH="1">
-            <a:off x="799741" y="3920045"/>
-            <a:ext cx="4970951" cy="1155668"/>
-          </a:xfrm>
-          <a:prstGeom prst="snip1Rect">
-            <a:avLst/>
-          </a:prstGeom>
-          <a:solidFill>
-            <a:schemeClr val="bg1">
-              <a:lumMod val="95000"/>
-            </a:schemeClr>
-          </a:solidFill>
-          <a:ln w="66675">
-            <a:solidFill>
-              <a:srgbClr val="A6A6A6"/>
-            </a:solidFill>
-          </a:ln>
-        </p:spPr>
-        <p:style>
-          <a:lnRef idx="2">
-            <a:schemeClr val="accent1">
-              <a:shade val="50000"/>
-            </a:schemeClr>
-          </a:lnRef>
-          <a:fillRef idx="1">
-            <a:schemeClr val="accent1"/>
-          </a:fillRef>
-          <a:effectRef idx="0">
-            <a:schemeClr val="accent1"/>
-          </a:effectRef>
-          <a:fontRef idx="minor">
-            <a:schemeClr val="lt1"/>
-          </a:fontRef>
-        </p:style>
-        <p:txBody>
-          <a:bodyPr rtlCol="0" anchor="ctr"/>
-          <a:lstStyle/>
-          <a:p>
-            <a:pPr algn="ctr"/>
-            <a:endParaRPr lang="ko-KR" altLang="en-US"/>
-          </a:p>
-        </p:txBody>
-      </p:sp>
-      <p:graphicFrame>
-        <p:nvGraphicFramePr>
-          <p:cNvPr id="504" name="표 499">
-            <a:extLst>
-              <a:ext uri="{FF2B5EF4-FFF2-40B4-BE49-F238E27FC236}">
-                <a16:creationId xmlns:a16="http://schemas.microsoft.com/office/drawing/2014/main" id="{C407A019-CD6A-4B59-8CD5-4297465A8B04}"/>
-              </a:ext>
-            </a:extLst>
-          </p:cNvPr>
-          <p:cNvGraphicFramePr>
-            <a:graphicFrameLocks noGrp="1"/>
-          </p:cNvGraphicFramePr>
-          <p:nvPr>
-            <p:extLst>
-              <p:ext uri="{D42A27DB-BD31-4B8C-83A1-F6EECF244321}">
-                <p14:modId xmlns:p14="http://schemas.microsoft.com/office/powerpoint/2010/main" val="1942521690"/>
-              </p:ext>
-            </p:extLst>
-          </p:nvPr>
-        </p:nvGraphicFramePr>
-        <p:xfrm>
-          <a:off x="1007095" y="4087024"/>
-          <a:ext cx="4656261" cy="806958"/>
-        </p:xfrm>
-        <a:graphic>
-          <a:graphicData uri="http://schemas.openxmlformats.org/drawingml/2006/table">
-            <a:tbl>
-              <a:tblPr firstRow="1" bandRow="1">
-                <a:tableStyleId>{5C22544A-7EE6-4342-B048-85BDC9FD1C3A}</a:tableStyleId>
-              </a:tblPr>
-              <a:tblGrid>
-                <a:gridCol w="4656261">
-                  <a:extLst>
-                    <a:ext uri="{9D8B030D-6E8A-4147-A177-3AD203B41FA5}">
-                      <a16:colId xmlns:a16="http://schemas.microsoft.com/office/drawing/2014/main" val="4130525810"/>
-                    </a:ext>
-                  </a:extLst>
-                </a:gridCol>
-              </a:tblGrid>
-              <a:tr h="806958">
-                <a:tc>
-                  <a:txBody>
-                    <a:bodyPr/>
-                    <a:lstStyle/>
-                    <a:p>
-                      <a:pPr algn="ctr" latinLnBrk="1"/>
-                      <a:r>
-                        <a:rPr lang="ko-KR" altLang="en-US" sz="1000" b="0" dirty="0">
-                          <a:solidFill>
-                            <a:schemeClr val="tx1"/>
-                          </a:solidFill>
-                        </a:rPr>
-                        <a:t>스킬 습득 조건 해설</a:t>
-                      </a:r>
-                    </a:p>
-                  </a:txBody>
-                  <a:tcPr anchor="ctr">
-                    <a:solidFill>
-                      <a:srgbClr val="D0CECE"/>
-                    </a:solidFill>
-                  </a:tcPr>
-                </a:tc>
-                <a:extLst>
-                  <a:ext uri="{0D108BD9-81ED-4DB2-BD59-A6C34878D82A}">
-                    <a16:rowId xmlns:a16="http://schemas.microsoft.com/office/drawing/2014/main" val="3047911488"/>
-                  </a:ext>
-                </a:extLst>
-              </a:tr>
-            </a:tbl>
-          </a:graphicData>
-        </a:graphic>
-      </p:graphicFrame>
-      <p:sp>
-        <p:nvSpPr>
-          <p:cNvPr id="489" name="사각형: 잘린 한쪽 모서리 488">
-            <a:extLst>
-              <a:ext uri="{FF2B5EF4-FFF2-40B4-BE49-F238E27FC236}">
-                <a16:creationId xmlns:a16="http://schemas.microsoft.com/office/drawing/2014/main" id="{49583D3A-8DFC-4CE6-BADD-76051AB3186C}"/>
-              </a:ext>
-            </a:extLst>
-          </p:cNvPr>
-          <p:cNvSpPr/>
-          <p:nvPr/>
-        </p:nvSpPr>
-        <p:spPr>
-          <a:xfrm flipH="1">
-            <a:off x="799742" y="1784360"/>
-            <a:ext cx="4970951" cy="2033125"/>
-          </a:xfrm>
-          <a:prstGeom prst="snip1Rect">
-            <a:avLst/>
-          </a:prstGeom>
-          <a:solidFill>
-            <a:schemeClr val="bg1">
-              <a:lumMod val="95000"/>
-            </a:schemeClr>
-          </a:solidFill>
-          <a:ln w="66675">
-            <a:solidFill>
-              <a:srgbClr val="A6A6A6"/>
-            </a:solidFill>
-          </a:ln>
-        </p:spPr>
-        <p:style>
-          <a:lnRef idx="2">
-            <a:schemeClr val="accent1">
-              <a:shade val="50000"/>
-            </a:schemeClr>
-          </a:lnRef>
-          <a:fillRef idx="1">
-            <a:schemeClr val="accent1"/>
-          </a:fillRef>
-          <a:effectRef idx="0">
-            <a:schemeClr val="accent1"/>
-          </a:effectRef>
-          <a:fontRef idx="minor">
-            <a:schemeClr val="lt1"/>
-          </a:fontRef>
-        </p:style>
-        <p:txBody>
-          <a:bodyPr rtlCol="0" anchor="ctr"/>
-          <a:lstStyle/>
-          <a:p>
-            <a:pPr algn="ctr"/>
-            <a:endParaRPr lang="ko-KR" altLang="en-US"/>
-          </a:p>
-        </p:txBody>
-      </p:sp>
-      <p:sp>
-        <p:nvSpPr>
           <p:cNvPr id="7" name="제목 1">
             <a:extLst>
               <a:ext uri="{FF2B5EF4-FFF2-40B4-BE49-F238E27FC236}">
@@ -4212,445 +4028,6 @@
           </a:p>
         </p:txBody>
       </p:sp>
-      <p:sp>
-        <p:nvSpPr>
-          <p:cNvPr id="487" name="사각형: 둥근 모서리 486">
-            <a:extLst>
-              <a:ext uri="{FF2B5EF4-FFF2-40B4-BE49-F238E27FC236}">
-                <a16:creationId xmlns:a16="http://schemas.microsoft.com/office/drawing/2014/main" id="{7D597A2C-D8C0-4217-98A2-FC98CF5C7686}"/>
-              </a:ext>
-            </a:extLst>
-          </p:cNvPr>
-          <p:cNvSpPr/>
-          <p:nvPr/>
-        </p:nvSpPr>
-        <p:spPr>
-          <a:xfrm>
-            <a:off x="1163135" y="2081015"/>
-            <a:ext cx="720000" cy="720000"/>
-          </a:xfrm>
-          <a:prstGeom prst="roundRect">
-            <a:avLst>
-              <a:gd name="adj" fmla="val 13003"/>
-            </a:avLst>
-          </a:prstGeom>
-          <a:solidFill>
-            <a:schemeClr val="bg1"/>
-          </a:solidFill>
-          <a:ln w="19050">
-            <a:solidFill>
-              <a:schemeClr val="tx1"/>
-            </a:solidFill>
-          </a:ln>
-        </p:spPr>
-        <p:style>
-          <a:lnRef idx="2">
-            <a:schemeClr val="accent1">
-              <a:shade val="50000"/>
-            </a:schemeClr>
-          </a:lnRef>
-          <a:fillRef idx="1">
-            <a:schemeClr val="accent1"/>
-          </a:fillRef>
-          <a:effectRef idx="0">
-            <a:schemeClr val="accent1"/>
-          </a:effectRef>
-          <a:fontRef idx="minor">
-            <a:schemeClr val="lt1"/>
-          </a:fontRef>
-        </p:style>
-        <p:txBody>
-          <a:bodyPr rtlCol="0" anchor="ctr"/>
-          <a:lstStyle/>
-          <a:p>
-            <a:pPr algn="ctr"/>
-            <a:endParaRPr lang="ko-KR" altLang="en-US"/>
-          </a:p>
-        </p:txBody>
-      </p:sp>
-      <p:sp>
-        <p:nvSpPr>
-          <p:cNvPr id="494" name="사각형: 잘린 한쪽 모서리 493">
-            <a:extLst>
-              <a:ext uri="{FF2B5EF4-FFF2-40B4-BE49-F238E27FC236}">
-                <a16:creationId xmlns:a16="http://schemas.microsoft.com/office/drawing/2014/main" id="{F7556DD6-278B-4EBD-A93D-9536E33C4387}"/>
-              </a:ext>
-            </a:extLst>
-          </p:cNvPr>
-          <p:cNvSpPr/>
-          <p:nvPr/>
-        </p:nvSpPr>
-        <p:spPr>
-          <a:xfrm flipV="1">
-            <a:off x="799743" y="1698306"/>
-            <a:ext cx="1639766" cy="305758"/>
-          </a:xfrm>
-          <a:prstGeom prst="snip1Rect">
-            <a:avLst>
-              <a:gd name="adj" fmla="val 50000"/>
-            </a:avLst>
-          </a:prstGeom>
-          <a:solidFill>
-            <a:schemeClr val="bg1">
-              <a:lumMod val="75000"/>
-            </a:schemeClr>
-          </a:solidFill>
-          <a:ln>
-            <a:noFill/>
-          </a:ln>
-        </p:spPr>
-        <p:style>
-          <a:lnRef idx="2">
-            <a:schemeClr val="accent1">
-              <a:shade val="50000"/>
-            </a:schemeClr>
-          </a:lnRef>
-          <a:fillRef idx="1">
-            <a:schemeClr val="accent1"/>
-          </a:fillRef>
-          <a:effectRef idx="0">
-            <a:schemeClr val="accent1"/>
-          </a:effectRef>
-          <a:fontRef idx="minor">
-            <a:schemeClr val="lt1"/>
-          </a:fontRef>
-        </p:style>
-        <p:txBody>
-          <a:bodyPr rtlCol="0" anchor="ctr"/>
-          <a:lstStyle/>
-          <a:p>
-            <a:pPr algn="ctr"/>
-            <a:endParaRPr lang="ko-KR" altLang="en-US" dirty="0"/>
-          </a:p>
-        </p:txBody>
-      </p:sp>
-      <p:sp>
-        <p:nvSpPr>
-          <p:cNvPr id="495" name="TextBox 494">
-            <a:extLst>
-              <a:ext uri="{FF2B5EF4-FFF2-40B4-BE49-F238E27FC236}">
-                <a16:creationId xmlns:a16="http://schemas.microsoft.com/office/drawing/2014/main" id="{0A3F393F-730C-4431-A2A3-6CAC967E4C86}"/>
-              </a:ext>
-            </a:extLst>
-          </p:cNvPr>
-          <p:cNvSpPr txBox="1"/>
-          <p:nvPr/>
-        </p:nvSpPr>
-        <p:spPr>
-          <a:xfrm>
-            <a:off x="908220" y="1681801"/>
-            <a:ext cx="1639766" cy="369332"/>
-          </a:xfrm>
-          <a:prstGeom prst="rect">
-            <a:avLst/>
-          </a:prstGeom>
-          <a:noFill/>
-        </p:spPr>
-        <p:txBody>
-          <a:bodyPr wrap="square" rtlCol="0">
-            <a:spAutoFit/>
-          </a:bodyPr>
-          <a:lstStyle/>
-          <a:p>
-            <a:r>
-              <a:rPr lang="ko-KR" altLang="en-US" dirty="0" err="1"/>
-              <a:t>칠매검</a:t>
-            </a:r>
-            <a:r>
-              <a:rPr lang="en-US" altLang="ko-KR" dirty="0"/>
-              <a:t>-</a:t>
-            </a:r>
-            <a:r>
-              <a:rPr lang="ko-KR" altLang="en-US" dirty="0"/>
-              <a:t>기초</a:t>
-            </a:r>
-          </a:p>
-        </p:txBody>
-      </p:sp>
-      <p:sp>
-        <p:nvSpPr>
-          <p:cNvPr id="496" name="사각형: 둥근 모서리 495">
-            <a:extLst>
-              <a:ext uri="{FF2B5EF4-FFF2-40B4-BE49-F238E27FC236}">
-                <a16:creationId xmlns:a16="http://schemas.microsoft.com/office/drawing/2014/main" id="{89CBA46D-D971-4A24-976A-A1170A7BB563}"/>
-              </a:ext>
-            </a:extLst>
-          </p:cNvPr>
-          <p:cNvSpPr/>
-          <p:nvPr/>
-        </p:nvSpPr>
-        <p:spPr>
-          <a:xfrm>
-            <a:off x="5015230" y="1695999"/>
-            <a:ext cx="847892" cy="242813"/>
-          </a:xfrm>
-          <a:prstGeom prst="roundRect">
-            <a:avLst/>
-          </a:prstGeom>
-          <a:solidFill>
-            <a:schemeClr val="bg1">
-              <a:lumMod val="85000"/>
-            </a:schemeClr>
-          </a:solidFill>
-          <a:ln>
-            <a:noFill/>
-          </a:ln>
-        </p:spPr>
-        <p:style>
-          <a:lnRef idx="2">
-            <a:schemeClr val="accent1">
-              <a:shade val="50000"/>
-            </a:schemeClr>
-          </a:lnRef>
-          <a:fillRef idx="1">
-            <a:schemeClr val="accent1"/>
-          </a:fillRef>
-          <a:effectRef idx="0">
-            <a:schemeClr val="accent1"/>
-          </a:effectRef>
-          <a:fontRef idx="minor">
-            <a:schemeClr val="lt1"/>
-          </a:fontRef>
-        </p:style>
-        <p:txBody>
-          <a:bodyPr rtlCol="0" anchor="ctr"/>
-          <a:lstStyle/>
-          <a:p>
-            <a:pPr algn="ctr"/>
-            <a:r>
-              <a:rPr lang="ko-KR" altLang="en-US" sz="1200" dirty="0"/>
-              <a:t>닫기 </a:t>
-            </a:r>
-            <a:r>
-              <a:rPr lang="en-US" altLang="ko-KR" sz="1200" dirty="0"/>
-              <a:t>ESC</a:t>
-            </a:r>
-            <a:endParaRPr lang="ko-KR" altLang="en-US" sz="1200" dirty="0"/>
-          </a:p>
-        </p:txBody>
-      </p:sp>
-      <p:sp>
-        <p:nvSpPr>
-          <p:cNvPr id="497" name="사각형: 둥근 모서리 496">
-            <a:extLst>
-              <a:ext uri="{FF2B5EF4-FFF2-40B4-BE49-F238E27FC236}">
-                <a16:creationId xmlns:a16="http://schemas.microsoft.com/office/drawing/2014/main" id="{C4470CA3-AD20-4F65-8F35-4DF714E2EB39}"/>
-              </a:ext>
-            </a:extLst>
-          </p:cNvPr>
-          <p:cNvSpPr/>
-          <p:nvPr/>
-        </p:nvSpPr>
-        <p:spPr>
-          <a:xfrm>
-            <a:off x="4906162" y="4921211"/>
-            <a:ext cx="916859" cy="334108"/>
-          </a:xfrm>
-          <a:prstGeom prst="roundRect">
-            <a:avLst/>
-          </a:prstGeom>
-          <a:solidFill>
-            <a:schemeClr val="accent4">
-              <a:lumMod val="60000"/>
-              <a:lumOff val="40000"/>
-            </a:schemeClr>
-          </a:solidFill>
-          <a:ln>
-            <a:noFill/>
-          </a:ln>
-        </p:spPr>
-        <p:style>
-          <a:lnRef idx="2">
-            <a:schemeClr val="accent1">
-              <a:shade val="50000"/>
-            </a:schemeClr>
-          </a:lnRef>
-          <a:fillRef idx="1">
-            <a:schemeClr val="accent1"/>
-          </a:fillRef>
-          <a:effectRef idx="0">
-            <a:schemeClr val="accent1"/>
-          </a:effectRef>
-          <a:fontRef idx="minor">
-            <a:schemeClr val="lt1"/>
-          </a:fontRef>
-        </p:style>
-        <p:txBody>
-          <a:bodyPr rtlCol="0" anchor="ctr"/>
-          <a:lstStyle/>
-          <a:p>
-            <a:pPr algn="ctr"/>
-            <a:r>
-              <a:rPr lang="en-US" altLang="ko-KR" dirty="0"/>
-              <a:t>SP 20</a:t>
-            </a:r>
-            <a:endParaRPr lang="ko-KR" altLang="en-US" dirty="0"/>
-          </a:p>
-        </p:txBody>
-      </p:sp>
-      <p:graphicFrame>
-        <p:nvGraphicFramePr>
-          <p:cNvPr id="505" name="표 505">
-            <a:extLst>
-              <a:ext uri="{FF2B5EF4-FFF2-40B4-BE49-F238E27FC236}">
-                <a16:creationId xmlns:a16="http://schemas.microsoft.com/office/drawing/2014/main" id="{A7981D98-AD3C-4E07-8B2D-D63B22CC16C3}"/>
-              </a:ext>
-            </a:extLst>
-          </p:cNvPr>
-          <p:cNvGraphicFramePr>
-            <a:graphicFrameLocks noGrp="1"/>
-          </p:cNvGraphicFramePr>
-          <p:nvPr>
-            <p:extLst>
-              <p:ext uri="{D42A27DB-BD31-4B8C-83A1-F6EECF244321}">
-                <p14:modId xmlns:p14="http://schemas.microsoft.com/office/powerpoint/2010/main" val="620195184"/>
-              </p:ext>
-            </p:extLst>
-          </p:nvPr>
-        </p:nvGraphicFramePr>
-        <p:xfrm>
-          <a:off x="1256441" y="3259059"/>
-          <a:ext cx="798830" cy="487680"/>
-        </p:xfrm>
-        <a:graphic>
-          <a:graphicData uri="http://schemas.openxmlformats.org/drawingml/2006/table">
-            <a:tbl>
-              <a:tblPr firstRow="1" bandRow="1">
-                <a:tableStyleId>{5C22544A-7EE6-4342-B048-85BDC9FD1C3A}</a:tableStyleId>
-              </a:tblPr>
-              <a:tblGrid>
-                <a:gridCol w="798830">
-                  <a:extLst>
-                    <a:ext uri="{9D8B030D-6E8A-4147-A177-3AD203B41FA5}">
-                      <a16:colId xmlns:a16="http://schemas.microsoft.com/office/drawing/2014/main" val="3479252583"/>
-                    </a:ext>
-                  </a:extLst>
-                </a:gridCol>
-              </a:tblGrid>
-              <a:tr h="0">
-                <a:tc>
-                  <a:txBody>
-                    <a:bodyPr/>
-                    <a:lstStyle/>
-                    <a:p>
-                      <a:pPr algn="l" latinLnBrk="1"/>
-                      <a:r>
-                        <a:rPr lang="ko-KR" altLang="en-US" sz="1000" b="0" dirty="0">
-                          <a:solidFill>
-                            <a:schemeClr val="tx1"/>
-                          </a:solidFill>
-                        </a:rPr>
-                        <a:t>지구력 </a:t>
-                      </a:r>
-                      <a:r>
-                        <a:rPr lang="en-US" altLang="ko-KR" sz="1000" b="0" dirty="0">
-                          <a:solidFill>
-                            <a:schemeClr val="tx1"/>
-                          </a:solidFill>
-                        </a:rPr>
-                        <a:t>15</a:t>
-                      </a:r>
-                      <a:endParaRPr lang="ko-KR" altLang="en-US" sz="1000" b="0" dirty="0">
-                        <a:solidFill>
-                          <a:schemeClr val="tx1"/>
-                        </a:solidFill>
-                      </a:endParaRPr>
-                    </a:p>
-                  </a:txBody>
-                  <a:tcPr>
-                    <a:lnL w="12700" cmpd="sng">
-                      <a:noFill/>
-                    </a:lnL>
-                    <a:lnR w="12700" cmpd="sng">
-                      <a:noFill/>
-                    </a:lnR>
-                    <a:lnT w="12700" cmpd="sng">
-                      <a:noFill/>
-                    </a:lnT>
-                    <a:lnB w="38100" cmpd="sng">
-                      <a:noFill/>
-                    </a:lnB>
-                    <a:lnTlToBr w="12700" cmpd="sng">
-                      <a:noFill/>
-                      <a:prstDash val="solid"/>
-                    </a:lnTlToBr>
-                    <a:lnBlToTr w="12700" cmpd="sng">
-                      <a:noFill/>
-                      <a:prstDash val="solid"/>
-                    </a:lnBlToTr>
-                    <a:noFill/>
-                  </a:tcPr>
-                </a:tc>
-                <a:extLst>
-                  <a:ext uri="{0D108BD9-81ED-4DB2-BD59-A6C34878D82A}">
-                    <a16:rowId xmlns:a16="http://schemas.microsoft.com/office/drawing/2014/main" val="3943163222"/>
-                  </a:ext>
-                </a:extLst>
-              </a:tr>
-              <a:tr h="0">
-                <a:tc>
-                  <a:txBody>
-                    <a:bodyPr/>
-                    <a:lstStyle/>
-                    <a:p>
-                      <a:pPr algn="l" latinLnBrk="1"/>
-                      <a:r>
-                        <a:rPr lang="ko-KR" altLang="en-US" sz="1000" b="0" dirty="0">
-                          <a:solidFill>
-                            <a:schemeClr val="tx1"/>
-                          </a:solidFill>
-                        </a:rPr>
-                        <a:t>쿨 타임 </a:t>
-                      </a:r>
-                      <a:r>
-                        <a:rPr lang="en-US" altLang="ko-KR" sz="1000" b="0" dirty="0">
-                          <a:solidFill>
-                            <a:schemeClr val="tx1"/>
-                          </a:solidFill>
-                        </a:rPr>
-                        <a:t>5</a:t>
-                      </a:r>
-                      <a:endParaRPr lang="ko-KR" altLang="en-US" sz="1000" b="0" dirty="0">
-                        <a:solidFill>
-                          <a:schemeClr val="tx1"/>
-                        </a:solidFill>
-                      </a:endParaRPr>
-                    </a:p>
-                  </a:txBody>
-                  <a:tcPr>
-                    <a:lnL w="12700" cmpd="sng">
-                      <a:noFill/>
-                    </a:lnL>
-                    <a:lnR w="12700" cmpd="sng">
-                      <a:noFill/>
-                    </a:lnR>
-                    <a:lnT w="38100" cmpd="sng">
-                      <a:noFill/>
-                    </a:lnT>
-                    <a:lnB w="12700" cmpd="sng">
-                      <a:noFill/>
-                    </a:lnB>
-                    <a:lnTlToBr w="12700" cmpd="sng">
-                      <a:noFill/>
-                      <a:prstDash val="solid"/>
-                    </a:lnTlToBr>
-                    <a:lnBlToTr w="12700" cmpd="sng">
-                      <a:noFill/>
-                      <a:prstDash val="solid"/>
-                    </a:lnBlToTr>
-                    <a:noFill/>
-                  </a:tcPr>
-                </a:tc>
-                <a:extLst>
-                  <a:ext uri="{0D108BD9-81ED-4DB2-BD59-A6C34878D82A}">
-                    <a16:rowId xmlns:a16="http://schemas.microsoft.com/office/drawing/2014/main" val="3700239382"/>
-                  </a:ext>
-                </a:extLst>
-              </a:tr>
-            </a:tbl>
-          </a:graphicData>
-        </a:graphic>
-      </p:graphicFrame>
       <p:graphicFrame>
         <p:nvGraphicFramePr>
           <p:cNvPr id="40" name="표 507">
@@ -4666,7 +4043,7 @@
           <p:nvPr>
             <p:extLst>
               <p:ext uri="{D42A27DB-BD31-4B8C-83A1-F6EECF244321}">
-                <p14:modId xmlns:p14="http://schemas.microsoft.com/office/powerpoint/2010/main" val="2775185218"/>
+                <p14:modId xmlns:p14="http://schemas.microsoft.com/office/powerpoint/2010/main" val="549294632"/>
               </p:ext>
             </p:extLst>
           </p:nvPr>
@@ -5978,9 +5355,7 @@
                       <a:tailEnd type="none" w="med" len="med"/>
                     </a:lnT>
                     <a:lnB w="12700" cap="flat" cmpd="sng" algn="ctr">
-                      <a:solidFill>
-                        <a:schemeClr val="tx1"/>
-                      </a:solidFill>
+                      <a:noFill/>
                       <a:prstDash val="solid"/>
                       <a:round/>
                       <a:headEnd type="none" w="med" len="med"/>
@@ -6042,9 +5417,7 @@
                       <a:tailEnd type="none" w="med" len="med"/>
                     </a:lnT>
                     <a:lnB w="12700" cap="flat" cmpd="sng" algn="ctr">
-                      <a:solidFill>
-                        <a:schemeClr val="tx1"/>
-                      </a:solidFill>
+                      <a:noFill/>
                       <a:prstDash val="solid"/>
                       <a:round/>
                       <a:headEnd type="none" w="med" len="med"/>
@@ -6116,9 +5489,7 @@
                       <a:tailEnd type="none" w="med" len="med"/>
                     </a:lnT>
                     <a:lnB w="12700" cap="flat" cmpd="sng" algn="ctr">
-                      <a:solidFill>
-                        <a:schemeClr val="tx1"/>
-                      </a:solidFill>
+                      <a:noFill/>
                       <a:prstDash val="solid"/>
                       <a:round/>
                       <a:headEnd type="none" w="med" len="med"/>
@@ -6145,636 +5516,12 @@
           </a:graphicData>
         </a:graphic>
       </p:graphicFrame>
-      <p:sp>
-        <p:nvSpPr>
-          <p:cNvPr id="41" name="직사각형 40">
+      <p:grpSp>
+        <p:nvGrpSpPr>
+          <p:cNvPr id="6" name="그룹 5">
             <a:extLst>
               <a:ext uri="{FF2B5EF4-FFF2-40B4-BE49-F238E27FC236}">
-                <a16:creationId xmlns:a16="http://schemas.microsoft.com/office/drawing/2014/main" id="{BD115E64-ED01-4A18-BA7D-D523CC1F5A21}"/>
-              </a:ext>
-            </a:extLst>
-          </p:cNvPr>
-          <p:cNvSpPr/>
-          <p:nvPr/>
-        </p:nvSpPr>
-        <p:spPr>
-          <a:xfrm>
-            <a:off x="780494" y="1662527"/>
-            <a:ext cx="1667807" cy="375112"/>
-          </a:xfrm>
-          <a:prstGeom prst="rect">
-            <a:avLst/>
-          </a:prstGeom>
-          <a:noFill/>
-          <a:ln w="15875">
-            <a:solidFill>
-              <a:srgbClr val="C00000"/>
-            </a:solidFill>
-          </a:ln>
-        </p:spPr>
-        <p:style>
-          <a:lnRef idx="2">
-            <a:schemeClr val="accent1">
-              <a:shade val="50000"/>
-            </a:schemeClr>
-          </a:lnRef>
-          <a:fillRef idx="1">
-            <a:schemeClr val="accent1"/>
-          </a:fillRef>
-          <a:effectRef idx="0">
-            <a:schemeClr val="accent1"/>
-          </a:effectRef>
-          <a:fontRef idx="minor">
-            <a:schemeClr val="lt1"/>
-          </a:fontRef>
-        </p:style>
-        <p:txBody>
-          <a:bodyPr rtlCol="0" anchor="ctr"/>
-          <a:lstStyle/>
-          <a:p>
-            <a:pPr algn="ctr"/>
-            <a:endParaRPr lang="ko-KR" altLang="en-US"/>
-          </a:p>
-        </p:txBody>
-      </p:sp>
-      <p:sp>
-        <p:nvSpPr>
-          <p:cNvPr id="43" name="직사각형 42">
-            <a:extLst>
-              <a:ext uri="{FF2B5EF4-FFF2-40B4-BE49-F238E27FC236}">
-                <a16:creationId xmlns:a16="http://schemas.microsoft.com/office/drawing/2014/main" id="{074845AE-B862-4141-8EFA-A673F727D747}"/>
-              </a:ext>
-            </a:extLst>
-          </p:cNvPr>
-          <p:cNvSpPr/>
-          <p:nvPr/>
-        </p:nvSpPr>
-        <p:spPr>
-          <a:xfrm>
-            <a:off x="1107355" y="2058053"/>
-            <a:ext cx="826170" cy="776092"/>
-          </a:xfrm>
-          <a:prstGeom prst="rect">
-            <a:avLst/>
-          </a:prstGeom>
-          <a:noFill/>
-          <a:ln w="15875">
-            <a:solidFill>
-              <a:srgbClr val="C00000"/>
-            </a:solidFill>
-          </a:ln>
-        </p:spPr>
-        <p:style>
-          <a:lnRef idx="2">
-            <a:schemeClr val="accent1">
-              <a:shade val="50000"/>
-            </a:schemeClr>
-          </a:lnRef>
-          <a:fillRef idx="1">
-            <a:schemeClr val="accent1"/>
-          </a:fillRef>
-          <a:effectRef idx="0">
-            <a:schemeClr val="accent1"/>
-          </a:effectRef>
-          <a:fontRef idx="minor">
-            <a:schemeClr val="lt1"/>
-          </a:fontRef>
-        </p:style>
-        <p:txBody>
-          <a:bodyPr rtlCol="0" anchor="ctr"/>
-          <a:lstStyle/>
-          <a:p>
-            <a:pPr algn="ctr"/>
-            <a:endParaRPr lang="ko-KR" altLang="en-US"/>
-          </a:p>
-        </p:txBody>
-      </p:sp>
-      <p:sp>
-        <p:nvSpPr>
-          <p:cNvPr id="45" name="직사각형 44">
-            <a:extLst>
-              <a:ext uri="{FF2B5EF4-FFF2-40B4-BE49-F238E27FC236}">
-                <a16:creationId xmlns:a16="http://schemas.microsoft.com/office/drawing/2014/main" id="{6F303173-47C9-408D-A59F-AD7049887A73}"/>
-              </a:ext>
-            </a:extLst>
-          </p:cNvPr>
-          <p:cNvSpPr/>
-          <p:nvPr/>
-        </p:nvSpPr>
-        <p:spPr>
-          <a:xfrm>
-            <a:off x="1289616" y="3280064"/>
-            <a:ext cx="661492" cy="458250"/>
-          </a:xfrm>
-          <a:prstGeom prst="rect">
-            <a:avLst/>
-          </a:prstGeom>
-          <a:noFill/>
-          <a:ln w="15875">
-            <a:solidFill>
-              <a:srgbClr val="C00000"/>
-            </a:solidFill>
-          </a:ln>
-        </p:spPr>
-        <p:style>
-          <a:lnRef idx="2">
-            <a:schemeClr val="accent1">
-              <a:shade val="50000"/>
-            </a:schemeClr>
-          </a:lnRef>
-          <a:fillRef idx="1">
-            <a:schemeClr val="accent1"/>
-          </a:fillRef>
-          <a:effectRef idx="0">
-            <a:schemeClr val="accent1"/>
-          </a:effectRef>
-          <a:fontRef idx="minor">
-            <a:schemeClr val="lt1"/>
-          </a:fontRef>
-        </p:style>
-        <p:txBody>
-          <a:bodyPr rtlCol="0" anchor="ctr"/>
-          <a:lstStyle/>
-          <a:p>
-            <a:pPr algn="ctr"/>
-            <a:endParaRPr lang="ko-KR" altLang="en-US"/>
-          </a:p>
-        </p:txBody>
-      </p:sp>
-      <p:sp>
-        <p:nvSpPr>
-          <p:cNvPr id="47" name="직사각형 46">
-            <a:extLst>
-              <a:ext uri="{FF2B5EF4-FFF2-40B4-BE49-F238E27FC236}">
-                <a16:creationId xmlns:a16="http://schemas.microsoft.com/office/drawing/2014/main" id="{69F666E4-D906-42E9-8FF9-8F531D82286F}"/>
-              </a:ext>
-            </a:extLst>
-          </p:cNvPr>
-          <p:cNvSpPr/>
-          <p:nvPr/>
-        </p:nvSpPr>
-        <p:spPr>
-          <a:xfrm>
-            <a:off x="1005524" y="4084962"/>
-            <a:ext cx="4656261" cy="806957"/>
-          </a:xfrm>
-          <a:prstGeom prst="rect">
-            <a:avLst/>
-          </a:prstGeom>
-          <a:noFill/>
-          <a:ln w="15875">
-            <a:solidFill>
-              <a:srgbClr val="C00000"/>
-            </a:solidFill>
-          </a:ln>
-        </p:spPr>
-        <p:style>
-          <a:lnRef idx="2">
-            <a:schemeClr val="accent1">
-              <a:shade val="50000"/>
-            </a:schemeClr>
-          </a:lnRef>
-          <a:fillRef idx="1">
-            <a:schemeClr val="accent1"/>
-          </a:fillRef>
-          <a:effectRef idx="0">
-            <a:schemeClr val="accent1"/>
-          </a:effectRef>
-          <a:fontRef idx="minor">
-            <a:schemeClr val="lt1"/>
-          </a:fontRef>
-        </p:style>
-        <p:txBody>
-          <a:bodyPr rtlCol="0" anchor="ctr"/>
-          <a:lstStyle/>
-          <a:p>
-            <a:pPr algn="ctr"/>
-            <a:endParaRPr lang="ko-KR" altLang="en-US"/>
-          </a:p>
-        </p:txBody>
-      </p:sp>
-      <p:sp>
-        <p:nvSpPr>
-          <p:cNvPr id="48" name="직사각형 47">
-            <a:extLst>
-              <a:ext uri="{FF2B5EF4-FFF2-40B4-BE49-F238E27FC236}">
-                <a16:creationId xmlns:a16="http://schemas.microsoft.com/office/drawing/2014/main" id="{F833F4CE-DB02-492C-8995-3B133735B89B}"/>
-              </a:ext>
-            </a:extLst>
-          </p:cNvPr>
-          <p:cNvSpPr/>
-          <p:nvPr/>
-        </p:nvSpPr>
-        <p:spPr>
-          <a:xfrm>
-            <a:off x="4879787" y="4912419"/>
-            <a:ext cx="956960" cy="361337"/>
-          </a:xfrm>
-          <a:prstGeom prst="rect">
-            <a:avLst/>
-          </a:prstGeom>
-          <a:noFill/>
-          <a:ln w="15875">
-            <a:solidFill>
-              <a:srgbClr val="C00000"/>
-            </a:solidFill>
-          </a:ln>
-        </p:spPr>
-        <p:style>
-          <a:lnRef idx="2">
-            <a:schemeClr val="accent1">
-              <a:shade val="50000"/>
-            </a:schemeClr>
-          </a:lnRef>
-          <a:fillRef idx="1">
-            <a:schemeClr val="accent1"/>
-          </a:fillRef>
-          <a:effectRef idx="0">
-            <a:schemeClr val="accent1"/>
-          </a:effectRef>
-          <a:fontRef idx="minor">
-            <a:schemeClr val="lt1"/>
-          </a:fontRef>
-        </p:style>
-        <p:txBody>
-          <a:bodyPr rtlCol="0" anchor="ctr"/>
-          <a:lstStyle/>
-          <a:p>
-            <a:pPr algn="ctr"/>
-            <a:endParaRPr lang="ko-KR" altLang="en-US"/>
-          </a:p>
-        </p:txBody>
-      </p:sp>
-      <p:sp>
-        <p:nvSpPr>
-          <p:cNvPr id="49" name="타원 48">
-            <a:extLst>
-              <a:ext uri="{FF2B5EF4-FFF2-40B4-BE49-F238E27FC236}">
-                <a16:creationId xmlns:a16="http://schemas.microsoft.com/office/drawing/2014/main" id="{C38B63FC-E7A7-4985-9E29-BDF593F69CFC}"/>
-              </a:ext>
-            </a:extLst>
-          </p:cNvPr>
-          <p:cNvSpPr>
-            <a:spLocks noChangeAspect="1"/>
-          </p:cNvSpPr>
-          <p:nvPr/>
-        </p:nvSpPr>
-        <p:spPr>
-          <a:xfrm>
-            <a:off x="435472" y="1662527"/>
-            <a:ext cx="310031" cy="310031"/>
-          </a:xfrm>
-          <a:prstGeom prst="ellipse">
-            <a:avLst/>
-          </a:prstGeom>
-        </p:spPr>
-        <p:style>
-          <a:lnRef idx="2">
-            <a:schemeClr val="accent1">
-              <a:shade val="50000"/>
-            </a:schemeClr>
-          </a:lnRef>
-          <a:fillRef idx="1">
-            <a:schemeClr val="accent1"/>
-          </a:fillRef>
-          <a:effectRef idx="0">
-            <a:schemeClr val="accent1"/>
-          </a:effectRef>
-          <a:fontRef idx="minor">
-            <a:schemeClr val="lt1"/>
-          </a:fontRef>
-        </p:style>
-        <p:txBody>
-          <a:bodyPr rtlCol="0" anchor="ctr"/>
-          <a:lstStyle/>
-          <a:p>
-            <a:pPr algn="ctr"/>
-            <a:r>
-              <a:rPr lang="en-US" altLang="ko-KR" dirty="0"/>
-              <a:t>1</a:t>
-            </a:r>
-            <a:endParaRPr lang="ko-KR" altLang="en-US" dirty="0"/>
-          </a:p>
-        </p:txBody>
-      </p:sp>
-      <p:sp>
-        <p:nvSpPr>
-          <p:cNvPr id="50" name="타원 49">
-            <a:extLst>
-              <a:ext uri="{FF2B5EF4-FFF2-40B4-BE49-F238E27FC236}">
-                <a16:creationId xmlns:a16="http://schemas.microsoft.com/office/drawing/2014/main" id="{EA118269-2C08-49DA-A24D-0A22369D5937}"/>
-              </a:ext>
-            </a:extLst>
-          </p:cNvPr>
-          <p:cNvSpPr>
-            <a:spLocks noChangeAspect="1"/>
-          </p:cNvSpPr>
-          <p:nvPr/>
-        </p:nvSpPr>
-        <p:spPr>
-          <a:xfrm>
-            <a:off x="769665" y="2130984"/>
-            <a:ext cx="310031" cy="310031"/>
-          </a:xfrm>
-          <a:prstGeom prst="ellipse">
-            <a:avLst/>
-          </a:prstGeom>
-        </p:spPr>
-        <p:style>
-          <a:lnRef idx="2">
-            <a:schemeClr val="accent1">
-              <a:shade val="50000"/>
-            </a:schemeClr>
-          </a:lnRef>
-          <a:fillRef idx="1">
-            <a:schemeClr val="accent1"/>
-          </a:fillRef>
-          <a:effectRef idx="0">
-            <a:schemeClr val="accent1"/>
-          </a:effectRef>
-          <a:fontRef idx="minor">
-            <a:schemeClr val="lt1"/>
-          </a:fontRef>
-        </p:style>
-        <p:txBody>
-          <a:bodyPr rtlCol="0" anchor="ctr"/>
-          <a:lstStyle/>
-          <a:p>
-            <a:pPr algn="ctr"/>
-            <a:r>
-              <a:rPr lang="en-US" altLang="ko-KR" dirty="0"/>
-              <a:t>2</a:t>
-            </a:r>
-            <a:endParaRPr lang="ko-KR" altLang="en-US" dirty="0"/>
-          </a:p>
-        </p:txBody>
-      </p:sp>
-      <p:sp>
-        <p:nvSpPr>
-          <p:cNvPr id="52" name="타원 51">
-            <a:extLst>
-              <a:ext uri="{FF2B5EF4-FFF2-40B4-BE49-F238E27FC236}">
-                <a16:creationId xmlns:a16="http://schemas.microsoft.com/office/drawing/2014/main" id="{B8704EC7-C75B-4275-9EBD-5D0AF04EA8B2}"/>
-              </a:ext>
-            </a:extLst>
-          </p:cNvPr>
-          <p:cNvSpPr>
-            <a:spLocks noChangeAspect="1"/>
-          </p:cNvSpPr>
-          <p:nvPr/>
-        </p:nvSpPr>
-        <p:spPr>
-          <a:xfrm>
-            <a:off x="904690" y="3288196"/>
-            <a:ext cx="310031" cy="310031"/>
-          </a:xfrm>
-          <a:prstGeom prst="ellipse">
-            <a:avLst/>
-          </a:prstGeom>
-        </p:spPr>
-        <p:style>
-          <a:lnRef idx="2">
-            <a:schemeClr val="accent1">
-              <a:shade val="50000"/>
-            </a:schemeClr>
-          </a:lnRef>
-          <a:fillRef idx="1">
-            <a:schemeClr val="accent1"/>
-          </a:fillRef>
-          <a:effectRef idx="0">
-            <a:schemeClr val="accent1"/>
-          </a:effectRef>
-          <a:fontRef idx="minor">
-            <a:schemeClr val="lt1"/>
-          </a:fontRef>
-        </p:style>
-        <p:txBody>
-          <a:bodyPr rtlCol="0" anchor="ctr"/>
-          <a:lstStyle/>
-          <a:p>
-            <a:pPr algn="ctr"/>
-            <a:r>
-              <a:rPr lang="en-US" altLang="ko-KR" dirty="0"/>
-              <a:t>4</a:t>
-            </a:r>
-            <a:endParaRPr lang="ko-KR" altLang="en-US" dirty="0"/>
-          </a:p>
-        </p:txBody>
-      </p:sp>
-      <p:sp>
-        <p:nvSpPr>
-          <p:cNvPr id="55" name="타원 54">
-            <a:extLst>
-              <a:ext uri="{FF2B5EF4-FFF2-40B4-BE49-F238E27FC236}">
-                <a16:creationId xmlns:a16="http://schemas.microsoft.com/office/drawing/2014/main" id="{BFCE0467-E11E-4337-BEDF-7DCCDBEE75DE}"/>
-              </a:ext>
-            </a:extLst>
-          </p:cNvPr>
-          <p:cNvSpPr>
-            <a:spLocks noChangeAspect="1"/>
-          </p:cNvSpPr>
-          <p:nvPr/>
-        </p:nvSpPr>
-        <p:spPr>
-          <a:xfrm>
-            <a:off x="386033" y="3874548"/>
-            <a:ext cx="310031" cy="310031"/>
-          </a:xfrm>
-          <a:prstGeom prst="ellipse">
-            <a:avLst/>
-          </a:prstGeom>
-        </p:spPr>
-        <p:style>
-          <a:lnRef idx="2">
-            <a:schemeClr val="accent1">
-              <a:shade val="50000"/>
-            </a:schemeClr>
-          </a:lnRef>
-          <a:fillRef idx="1">
-            <a:schemeClr val="accent1"/>
-          </a:fillRef>
-          <a:effectRef idx="0">
-            <a:schemeClr val="accent1"/>
-          </a:effectRef>
-          <a:fontRef idx="minor">
-            <a:schemeClr val="lt1"/>
-          </a:fontRef>
-        </p:style>
-        <p:txBody>
-          <a:bodyPr rtlCol="0" anchor="ctr"/>
-          <a:lstStyle/>
-          <a:p>
-            <a:pPr algn="ctr"/>
-            <a:r>
-              <a:rPr lang="en-US" altLang="ko-KR" dirty="0"/>
-              <a:t>5</a:t>
-            </a:r>
-            <a:endParaRPr lang="ko-KR" altLang="en-US" dirty="0"/>
-          </a:p>
-        </p:txBody>
-      </p:sp>
-      <p:sp>
-        <p:nvSpPr>
-          <p:cNvPr id="56" name="타원 55">
-            <a:extLst>
-              <a:ext uri="{FF2B5EF4-FFF2-40B4-BE49-F238E27FC236}">
-                <a16:creationId xmlns:a16="http://schemas.microsoft.com/office/drawing/2014/main" id="{DF321651-87F7-413C-81E5-C781A5BED2A0}"/>
-              </a:ext>
-            </a:extLst>
-          </p:cNvPr>
-          <p:cNvSpPr>
-            <a:spLocks noChangeAspect="1"/>
-          </p:cNvSpPr>
-          <p:nvPr/>
-        </p:nvSpPr>
-        <p:spPr>
-          <a:xfrm>
-            <a:off x="4495554" y="4945288"/>
-            <a:ext cx="310031" cy="310031"/>
-          </a:xfrm>
-          <a:prstGeom prst="ellipse">
-            <a:avLst/>
-          </a:prstGeom>
-        </p:spPr>
-        <p:style>
-          <a:lnRef idx="2">
-            <a:schemeClr val="accent1">
-              <a:shade val="50000"/>
-            </a:schemeClr>
-          </a:lnRef>
-          <a:fillRef idx="1">
-            <a:schemeClr val="accent1"/>
-          </a:fillRef>
-          <a:effectRef idx="0">
-            <a:schemeClr val="accent1"/>
-          </a:effectRef>
-          <a:fontRef idx="minor">
-            <a:schemeClr val="lt1"/>
-          </a:fontRef>
-        </p:style>
-        <p:txBody>
-          <a:bodyPr rtlCol="0" anchor="ctr"/>
-          <a:lstStyle/>
-          <a:p>
-            <a:pPr algn="ctr"/>
-            <a:r>
-              <a:rPr lang="en-US" altLang="ko-KR" dirty="0"/>
-              <a:t>7</a:t>
-            </a:r>
-            <a:endParaRPr lang="ko-KR" altLang="en-US" dirty="0"/>
-          </a:p>
-        </p:txBody>
-      </p:sp>
-      <p:sp>
-        <p:nvSpPr>
-          <p:cNvPr id="57" name="직사각형 56">
-            <a:extLst>
-              <a:ext uri="{FF2B5EF4-FFF2-40B4-BE49-F238E27FC236}">
-                <a16:creationId xmlns:a16="http://schemas.microsoft.com/office/drawing/2014/main" id="{693820E9-ADF3-4AAF-A732-4763CCA894AB}"/>
-              </a:ext>
-            </a:extLst>
-          </p:cNvPr>
-          <p:cNvSpPr/>
-          <p:nvPr/>
-        </p:nvSpPr>
-        <p:spPr>
-          <a:xfrm>
-            <a:off x="739864" y="3865756"/>
-            <a:ext cx="5096884" cy="1408000"/>
-          </a:xfrm>
-          <a:prstGeom prst="rect">
-            <a:avLst/>
-          </a:prstGeom>
-          <a:noFill/>
-          <a:ln w="15875">
-            <a:solidFill>
-              <a:srgbClr val="C00000"/>
-            </a:solidFill>
-          </a:ln>
-        </p:spPr>
-        <p:style>
-          <a:lnRef idx="2">
-            <a:schemeClr val="accent1">
-              <a:shade val="50000"/>
-            </a:schemeClr>
-          </a:lnRef>
-          <a:fillRef idx="1">
-            <a:schemeClr val="accent1"/>
-          </a:fillRef>
-          <a:effectRef idx="0">
-            <a:schemeClr val="accent1"/>
-          </a:effectRef>
-          <a:fontRef idx="minor">
-            <a:schemeClr val="lt1"/>
-          </a:fontRef>
-        </p:style>
-        <p:txBody>
-          <a:bodyPr rtlCol="0" anchor="ctr"/>
-          <a:lstStyle/>
-          <a:p>
-            <a:pPr algn="ctr"/>
-            <a:endParaRPr lang="ko-KR" altLang="en-US"/>
-          </a:p>
-        </p:txBody>
-      </p:sp>
-      <p:sp>
-        <p:nvSpPr>
-          <p:cNvPr id="58" name="타원 57">
-            <a:extLst>
-              <a:ext uri="{FF2B5EF4-FFF2-40B4-BE49-F238E27FC236}">
-                <a16:creationId xmlns:a16="http://schemas.microsoft.com/office/drawing/2014/main" id="{835A29AD-969E-4EFC-825E-6D3EEEC3EF64}"/>
-              </a:ext>
-            </a:extLst>
-          </p:cNvPr>
-          <p:cNvSpPr>
-            <a:spLocks noChangeAspect="1"/>
-          </p:cNvSpPr>
-          <p:nvPr/>
-        </p:nvSpPr>
-        <p:spPr>
-          <a:xfrm>
-            <a:off x="1107355" y="4333424"/>
-            <a:ext cx="310031" cy="310031"/>
-          </a:xfrm>
-          <a:prstGeom prst="ellipse">
-            <a:avLst/>
-          </a:prstGeom>
-        </p:spPr>
-        <p:style>
-          <a:lnRef idx="2">
-            <a:schemeClr val="accent1">
-              <a:shade val="50000"/>
-            </a:schemeClr>
-          </a:lnRef>
-          <a:fillRef idx="1">
-            <a:schemeClr val="accent1"/>
-          </a:fillRef>
-          <a:effectRef idx="0">
-            <a:schemeClr val="accent1"/>
-          </a:effectRef>
-          <a:fontRef idx="minor">
-            <a:schemeClr val="lt1"/>
-          </a:fontRef>
-        </p:style>
-        <p:txBody>
-          <a:bodyPr rtlCol="0" anchor="ctr"/>
-          <a:lstStyle/>
-          <a:p>
-            <a:pPr algn="ctr"/>
-            <a:r>
-              <a:rPr lang="en-US" altLang="ko-KR" dirty="0"/>
-              <a:t>6</a:t>
-            </a:r>
-            <a:endParaRPr lang="ko-KR" altLang="en-US" dirty="0"/>
-          </a:p>
-        </p:txBody>
-      </p:sp>
-      <p:grpSp>
-        <p:nvGrpSpPr>
-          <p:cNvPr id="32" name="그룹 31">
-            <a:extLst>
-              <a:ext uri="{FF2B5EF4-FFF2-40B4-BE49-F238E27FC236}">
-                <a16:creationId xmlns:a16="http://schemas.microsoft.com/office/drawing/2014/main" id="{C2A903AB-B395-478E-962A-76E93B46A831}"/>
+                <a16:creationId xmlns:a16="http://schemas.microsoft.com/office/drawing/2014/main" id="{7C7CEAD5-96F0-46A0-9BE7-2FCF45DEF764}"/>
               </a:ext>
             </a:extLst>
           </p:cNvPr>
@@ -6783,18 +5530,130 @@
         </p:nvGrpSpPr>
         <p:grpSpPr>
           <a:xfrm>
-            <a:off x="2009079" y="2053195"/>
-            <a:ext cx="3652706" cy="1652491"/>
-            <a:chOff x="5798352" y="2033484"/>
-            <a:chExt cx="3652706" cy="1652491"/>
+            <a:off x="386033" y="1662527"/>
+            <a:ext cx="5477089" cy="3611229"/>
+            <a:chOff x="386033" y="1662527"/>
+            <a:chExt cx="5477089" cy="3611229"/>
           </a:xfrm>
         </p:grpSpPr>
         <p:sp>
           <p:nvSpPr>
-            <p:cNvPr id="33" name="직사각형 32">
+            <p:cNvPr id="502" name="사각형: 잘린 한쪽 모서리 501">
               <a:extLst>
                 <a:ext uri="{FF2B5EF4-FFF2-40B4-BE49-F238E27FC236}">
-                  <a16:creationId xmlns:a16="http://schemas.microsoft.com/office/drawing/2014/main" id="{E3E30DDF-A756-4ACA-B7F8-455009C09225}"/>
+                  <a16:creationId xmlns:a16="http://schemas.microsoft.com/office/drawing/2014/main" id="{83F8C32F-7DE7-4C31-874E-CEE188FCA9A2}"/>
+                </a:ext>
+              </a:extLst>
+            </p:cNvPr>
+            <p:cNvSpPr/>
+            <p:nvPr/>
+          </p:nvSpPr>
+          <p:spPr>
+            <a:xfrm flipH="1">
+              <a:off x="799741" y="3920045"/>
+              <a:ext cx="4970951" cy="1155668"/>
+            </a:xfrm>
+            <a:prstGeom prst="snip1Rect">
+              <a:avLst/>
+            </a:prstGeom>
+            <a:solidFill>
+              <a:schemeClr val="bg1">
+                <a:lumMod val="95000"/>
+              </a:schemeClr>
+            </a:solidFill>
+            <a:ln w="66675">
+              <a:solidFill>
+                <a:srgbClr val="A6A6A6"/>
+              </a:solidFill>
+            </a:ln>
+          </p:spPr>
+          <p:style>
+            <a:lnRef idx="2">
+              <a:schemeClr val="accent1">
+                <a:shade val="50000"/>
+              </a:schemeClr>
+            </a:lnRef>
+            <a:fillRef idx="1">
+              <a:schemeClr val="accent1"/>
+            </a:fillRef>
+            <a:effectRef idx="0">
+              <a:schemeClr val="accent1"/>
+            </a:effectRef>
+            <a:fontRef idx="minor">
+              <a:schemeClr val="lt1"/>
+            </a:fontRef>
+          </p:style>
+          <p:txBody>
+            <a:bodyPr rtlCol="0" anchor="ctr"/>
+            <a:lstStyle/>
+            <a:p>
+              <a:pPr algn="ctr"/>
+              <a:endParaRPr lang="ko-KR" altLang="en-US"/>
+            </a:p>
+          </p:txBody>
+        </p:sp>
+        <p:sp>
+          <p:nvSpPr>
+            <p:cNvPr id="489" name="사각형: 잘린 한쪽 모서리 488">
+              <a:extLst>
+                <a:ext uri="{FF2B5EF4-FFF2-40B4-BE49-F238E27FC236}">
+                  <a16:creationId xmlns:a16="http://schemas.microsoft.com/office/drawing/2014/main" id="{49583D3A-8DFC-4CE6-BADD-76051AB3186C}"/>
+                </a:ext>
+              </a:extLst>
+            </p:cNvPr>
+            <p:cNvSpPr/>
+            <p:nvPr/>
+          </p:nvSpPr>
+          <p:spPr>
+            <a:xfrm flipH="1">
+              <a:off x="799742" y="1784360"/>
+              <a:ext cx="4970951" cy="2033125"/>
+            </a:xfrm>
+            <a:prstGeom prst="snip1Rect">
+              <a:avLst/>
+            </a:prstGeom>
+            <a:solidFill>
+              <a:schemeClr val="bg1">
+                <a:lumMod val="95000"/>
+              </a:schemeClr>
+            </a:solidFill>
+            <a:ln w="66675">
+              <a:solidFill>
+                <a:srgbClr val="A6A6A6"/>
+              </a:solidFill>
+            </a:ln>
+          </p:spPr>
+          <p:style>
+            <a:lnRef idx="2">
+              <a:schemeClr val="accent1">
+                <a:shade val="50000"/>
+              </a:schemeClr>
+            </a:lnRef>
+            <a:fillRef idx="1">
+              <a:schemeClr val="accent1"/>
+            </a:fillRef>
+            <a:effectRef idx="0">
+              <a:schemeClr val="accent1"/>
+            </a:effectRef>
+            <a:fontRef idx="minor">
+              <a:schemeClr val="lt1"/>
+            </a:fontRef>
+          </p:style>
+          <p:txBody>
+            <a:bodyPr rtlCol="0" anchor="ctr"/>
+            <a:lstStyle/>
+            <a:p>
+              <a:pPr algn="ctr"/>
+              <a:endParaRPr lang="ko-KR" altLang="en-US"/>
+            </a:p>
+          </p:txBody>
+        </p:sp>
+        <p:sp>
+          <p:nvSpPr>
+            <p:cNvPr id="487" name="사각형: 둥근 모서리 486">
+              <a:extLst>
+                <a:ext uri="{FF2B5EF4-FFF2-40B4-BE49-F238E27FC236}">
+                  <a16:creationId xmlns:a16="http://schemas.microsoft.com/office/drawing/2014/main" id="{7D597A2C-D8C0-4217-98A2-FC98CF5C7686}"/>
                 </a:ext>
               </a:extLst>
             </p:cNvPr>
@@ -6803,8 +5662,1094 @@
           </p:nvSpPr>
           <p:spPr>
             <a:xfrm>
-              <a:off x="5798352" y="2033484"/>
+              <a:off x="1163135" y="2081015"/>
+              <a:ext cx="720000" cy="720000"/>
+            </a:xfrm>
+            <a:prstGeom prst="roundRect">
+              <a:avLst>
+                <a:gd name="adj" fmla="val 13003"/>
+              </a:avLst>
+            </a:prstGeom>
+            <a:solidFill>
+              <a:schemeClr val="bg1"/>
+            </a:solidFill>
+            <a:ln w="19050">
+              <a:solidFill>
+                <a:schemeClr val="tx1"/>
+              </a:solidFill>
+            </a:ln>
+          </p:spPr>
+          <p:style>
+            <a:lnRef idx="2">
+              <a:schemeClr val="accent1">
+                <a:shade val="50000"/>
+              </a:schemeClr>
+            </a:lnRef>
+            <a:fillRef idx="1">
+              <a:schemeClr val="accent1"/>
+            </a:fillRef>
+            <a:effectRef idx="0">
+              <a:schemeClr val="accent1"/>
+            </a:effectRef>
+            <a:fontRef idx="minor">
+              <a:schemeClr val="lt1"/>
+            </a:fontRef>
+          </p:style>
+          <p:txBody>
+            <a:bodyPr rtlCol="0" anchor="ctr"/>
+            <a:lstStyle/>
+            <a:p>
+              <a:pPr algn="ctr"/>
+              <a:endParaRPr lang="ko-KR" altLang="en-US"/>
+            </a:p>
+          </p:txBody>
+        </p:sp>
+        <p:sp>
+          <p:nvSpPr>
+            <p:cNvPr id="494" name="사각형: 잘린 한쪽 모서리 493">
+              <a:extLst>
+                <a:ext uri="{FF2B5EF4-FFF2-40B4-BE49-F238E27FC236}">
+                  <a16:creationId xmlns:a16="http://schemas.microsoft.com/office/drawing/2014/main" id="{F7556DD6-278B-4EBD-A93D-9536E33C4387}"/>
+                </a:ext>
+              </a:extLst>
+            </p:cNvPr>
+            <p:cNvSpPr/>
+            <p:nvPr/>
+          </p:nvSpPr>
+          <p:spPr>
+            <a:xfrm flipV="1">
+              <a:off x="799743" y="1698306"/>
+              <a:ext cx="1639766" cy="305758"/>
+            </a:xfrm>
+            <a:prstGeom prst="snip1Rect">
+              <a:avLst>
+                <a:gd name="adj" fmla="val 50000"/>
+              </a:avLst>
+            </a:prstGeom>
+            <a:solidFill>
+              <a:schemeClr val="bg1">
+                <a:lumMod val="75000"/>
+              </a:schemeClr>
+            </a:solidFill>
+            <a:ln>
+              <a:noFill/>
+            </a:ln>
+          </p:spPr>
+          <p:style>
+            <a:lnRef idx="2">
+              <a:schemeClr val="accent1">
+                <a:shade val="50000"/>
+              </a:schemeClr>
+            </a:lnRef>
+            <a:fillRef idx="1">
+              <a:schemeClr val="accent1"/>
+            </a:fillRef>
+            <a:effectRef idx="0">
+              <a:schemeClr val="accent1"/>
+            </a:effectRef>
+            <a:fontRef idx="minor">
+              <a:schemeClr val="lt1"/>
+            </a:fontRef>
+          </p:style>
+          <p:txBody>
+            <a:bodyPr rtlCol="0" anchor="ctr"/>
+            <a:lstStyle/>
+            <a:p>
+              <a:pPr algn="ctr"/>
+              <a:endParaRPr lang="ko-KR" altLang="en-US" dirty="0"/>
+            </a:p>
+          </p:txBody>
+        </p:sp>
+        <p:sp>
+          <p:nvSpPr>
+            <p:cNvPr id="495" name="TextBox 494">
+              <a:extLst>
+                <a:ext uri="{FF2B5EF4-FFF2-40B4-BE49-F238E27FC236}">
+                  <a16:creationId xmlns:a16="http://schemas.microsoft.com/office/drawing/2014/main" id="{0A3F393F-730C-4431-A2A3-6CAC967E4C86}"/>
+                </a:ext>
+              </a:extLst>
+            </p:cNvPr>
+            <p:cNvSpPr txBox="1"/>
+            <p:nvPr/>
+          </p:nvSpPr>
+          <p:spPr>
+            <a:xfrm>
+              <a:off x="908220" y="1681801"/>
+              <a:ext cx="1639766" cy="369332"/>
+            </a:xfrm>
+            <a:prstGeom prst="rect">
+              <a:avLst/>
+            </a:prstGeom>
+            <a:noFill/>
+          </p:spPr>
+          <p:txBody>
+            <a:bodyPr wrap="square" rtlCol="0">
+              <a:spAutoFit/>
+            </a:bodyPr>
+            <a:lstStyle/>
+            <a:p>
+              <a:r>
+                <a:rPr lang="ko-KR" altLang="en-US" dirty="0" err="1"/>
+                <a:t>칠매검</a:t>
+              </a:r>
+              <a:r>
+                <a:rPr lang="en-US" altLang="ko-KR" dirty="0"/>
+                <a:t>-</a:t>
+              </a:r>
+              <a:r>
+                <a:rPr lang="ko-KR" altLang="en-US" dirty="0"/>
+                <a:t>기초</a:t>
+              </a:r>
+            </a:p>
+          </p:txBody>
+        </p:sp>
+        <p:sp>
+          <p:nvSpPr>
+            <p:cNvPr id="496" name="사각형: 둥근 모서리 495">
+              <a:extLst>
+                <a:ext uri="{FF2B5EF4-FFF2-40B4-BE49-F238E27FC236}">
+                  <a16:creationId xmlns:a16="http://schemas.microsoft.com/office/drawing/2014/main" id="{89CBA46D-D971-4A24-976A-A1170A7BB563}"/>
+                </a:ext>
+              </a:extLst>
+            </p:cNvPr>
+            <p:cNvSpPr/>
+            <p:nvPr/>
+          </p:nvSpPr>
+          <p:spPr>
+            <a:xfrm>
+              <a:off x="5015230" y="1695999"/>
+              <a:ext cx="847892" cy="242813"/>
+            </a:xfrm>
+            <a:prstGeom prst="roundRect">
+              <a:avLst/>
+            </a:prstGeom>
+            <a:solidFill>
+              <a:schemeClr val="bg1">
+                <a:lumMod val="85000"/>
+              </a:schemeClr>
+            </a:solidFill>
+            <a:ln>
+              <a:noFill/>
+            </a:ln>
+          </p:spPr>
+          <p:style>
+            <a:lnRef idx="2">
+              <a:schemeClr val="accent1">
+                <a:shade val="50000"/>
+              </a:schemeClr>
+            </a:lnRef>
+            <a:fillRef idx="1">
+              <a:schemeClr val="accent1"/>
+            </a:fillRef>
+            <a:effectRef idx="0">
+              <a:schemeClr val="accent1"/>
+            </a:effectRef>
+            <a:fontRef idx="minor">
+              <a:schemeClr val="lt1"/>
+            </a:fontRef>
+          </p:style>
+          <p:txBody>
+            <a:bodyPr rtlCol="0" anchor="ctr"/>
+            <a:lstStyle/>
+            <a:p>
+              <a:pPr algn="ctr"/>
+              <a:r>
+                <a:rPr lang="ko-KR" altLang="en-US" sz="1200" dirty="0"/>
+                <a:t>닫기 </a:t>
+              </a:r>
+              <a:r>
+                <a:rPr lang="en-US" altLang="ko-KR" sz="1200" dirty="0"/>
+                <a:t>ESC</a:t>
+              </a:r>
+              <a:endParaRPr lang="ko-KR" altLang="en-US" sz="1200" dirty="0"/>
+            </a:p>
+          </p:txBody>
+        </p:sp>
+        <p:sp>
+          <p:nvSpPr>
+            <p:cNvPr id="497" name="사각형: 둥근 모서리 496">
+              <a:extLst>
+                <a:ext uri="{FF2B5EF4-FFF2-40B4-BE49-F238E27FC236}">
+                  <a16:creationId xmlns:a16="http://schemas.microsoft.com/office/drawing/2014/main" id="{C4470CA3-AD20-4F65-8F35-4DF714E2EB39}"/>
+                </a:ext>
+              </a:extLst>
+            </p:cNvPr>
+            <p:cNvSpPr/>
+            <p:nvPr/>
+          </p:nvSpPr>
+          <p:spPr>
+            <a:xfrm>
+              <a:off x="4906162" y="4921211"/>
+              <a:ext cx="916859" cy="334108"/>
+            </a:xfrm>
+            <a:prstGeom prst="roundRect">
+              <a:avLst/>
+            </a:prstGeom>
+            <a:solidFill>
+              <a:schemeClr val="accent4">
+                <a:lumMod val="60000"/>
+                <a:lumOff val="40000"/>
+              </a:schemeClr>
+            </a:solidFill>
+            <a:ln>
+              <a:noFill/>
+            </a:ln>
+          </p:spPr>
+          <p:style>
+            <a:lnRef idx="2">
+              <a:schemeClr val="accent1">
+                <a:shade val="50000"/>
+              </a:schemeClr>
+            </a:lnRef>
+            <a:fillRef idx="1">
+              <a:schemeClr val="accent1"/>
+            </a:fillRef>
+            <a:effectRef idx="0">
+              <a:schemeClr val="accent1"/>
+            </a:effectRef>
+            <a:fontRef idx="minor">
+              <a:schemeClr val="lt1"/>
+            </a:fontRef>
+          </p:style>
+          <p:txBody>
+            <a:bodyPr rtlCol="0" anchor="ctr"/>
+            <a:lstStyle/>
+            <a:p>
+              <a:pPr algn="ctr"/>
+              <a:r>
+                <a:rPr lang="en-US" altLang="ko-KR" dirty="0"/>
+                <a:t>SP 20</a:t>
+              </a:r>
+              <a:endParaRPr lang="ko-KR" altLang="en-US" dirty="0"/>
+            </a:p>
+          </p:txBody>
+        </p:sp>
+        <p:sp>
+          <p:nvSpPr>
+            <p:cNvPr id="41" name="직사각형 40">
+              <a:extLst>
+                <a:ext uri="{FF2B5EF4-FFF2-40B4-BE49-F238E27FC236}">
+                  <a16:creationId xmlns:a16="http://schemas.microsoft.com/office/drawing/2014/main" id="{BD115E64-ED01-4A18-BA7D-D523CC1F5A21}"/>
+                </a:ext>
+              </a:extLst>
+            </p:cNvPr>
+            <p:cNvSpPr/>
+            <p:nvPr/>
+          </p:nvSpPr>
+          <p:spPr>
+            <a:xfrm>
+              <a:off x="780494" y="1662527"/>
+              <a:ext cx="1667807" cy="375112"/>
+            </a:xfrm>
+            <a:prstGeom prst="rect">
+              <a:avLst/>
+            </a:prstGeom>
+            <a:noFill/>
+            <a:ln w="15875">
+              <a:solidFill>
+                <a:srgbClr val="C00000"/>
+              </a:solidFill>
+            </a:ln>
+          </p:spPr>
+          <p:style>
+            <a:lnRef idx="2">
+              <a:schemeClr val="accent1">
+                <a:shade val="50000"/>
+              </a:schemeClr>
+            </a:lnRef>
+            <a:fillRef idx="1">
+              <a:schemeClr val="accent1"/>
+            </a:fillRef>
+            <a:effectRef idx="0">
+              <a:schemeClr val="accent1"/>
+            </a:effectRef>
+            <a:fontRef idx="minor">
+              <a:schemeClr val="lt1"/>
+            </a:fontRef>
+          </p:style>
+          <p:txBody>
+            <a:bodyPr rtlCol="0" anchor="ctr"/>
+            <a:lstStyle/>
+            <a:p>
+              <a:pPr algn="ctr"/>
+              <a:endParaRPr lang="ko-KR" altLang="en-US"/>
+            </a:p>
+          </p:txBody>
+        </p:sp>
+        <p:sp>
+          <p:nvSpPr>
+            <p:cNvPr id="43" name="직사각형 42">
+              <a:extLst>
+                <a:ext uri="{FF2B5EF4-FFF2-40B4-BE49-F238E27FC236}">
+                  <a16:creationId xmlns:a16="http://schemas.microsoft.com/office/drawing/2014/main" id="{074845AE-B862-4141-8EFA-A673F727D747}"/>
+                </a:ext>
+              </a:extLst>
+            </p:cNvPr>
+            <p:cNvSpPr/>
+            <p:nvPr/>
+          </p:nvSpPr>
+          <p:spPr>
+            <a:xfrm>
+              <a:off x="1107355" y="2058053"/>
+              <a:ext cx="826170" cy="776092"/>
+            </a:xfrm>
+            <a:prstGeom prst="rect">
+              <a:avLst/>
+            </a:prstGeom>
+            <a:noFill/>
+            <a:ln w="15875">
+              <a:solidFill>
+                <a:srgbClr val="C00000"/>
+              </a:solidFill>
+            </a:ln>
+          </p:spPr>
+          <p:style>
+            <a:lnRef idx="2">
+              <a:schemeClr val="accent1">
+                <a:shade val="50000"/>
+              </a:schemeClr>
+            </a:lnRef>
+            <a:fillRef idx="1">
+              <a:schemeClr val="accent1"/>
+            </a:fillRef>
+            <a:effectRef idx="0">
+              <a:schemeClr val="accent1"/>
+            </a:effectRef>
+            <a:fontRef idx="minor">
+              <a:schemeClr val="lt1"/>
+            </a:fontRef>
+          </p:style>
+          <p:txBody>
+            <a:bodyPr rtlCol="0" anchor="ctr"/>
+            <a:lstStyle/>
+            <a:p>
+              <a:pPr algn="ctr"/>
+              <a:endParaRPr lang="ko-KR" altLang="en-US"/>
+            </a:p>
+          </p:txBody>
+        </p:sp>
+        <p:sp>
+          <p:nvSpPr>
+            <p:cNvPr id="45" name="직사각형 44">
+              <a:extLst>
+                <a:ext uri="{FF2B5EF4-FFF2-40B4-BE49-F238E27FC236}">
+                  <a16:creationId xmlns:a16="http://schemas.microsoft.com/office/drawing/2014/main" id="{6F303173-47C9-408D-A59F-AD7049887A73}"/>
+                </a:ext>
+              </a:extLst>
+            </p:cNvPr>
+            <p:cNvSpPr/>
+            <p:nvPr/>
+          </p:nvSpPr>
+          <p:spPr>
+            <a:xfrm>
+              <a:off x="1289616" y="3280064"/>
+              <a:ext cx="661492" cy="458250"/>
+            </a:xfrm>
+            <a:prstGeom prst="rect">
+              <a:avLst/>
+            </a:prstGeom>
+            <a:noFill/>
+            <a:ln w="15875">
+              <a:solidFill>
+                <a:srgbClr val="C00000"/>
+              </a:solidFill>
+            </a:ln>
+          </p:spPr>
+          <p:style>
+            <a:lnRef idx="2">
+              <a:schemeClr val="accent1">
+                <a:shade val="50000"/>
+              </a:schemeClr>
+            </a:lnRef>
+            <a:fillRef idx="1">
+              <a:schemeClr val="accent1"/>
+            </a:fillRef>
+            <a:effectRef idx="0">
+              <a:schemeClr val="accent1"/>
+            </a:effectRef>
+            <a:fontRef idx="minor">
+              <a:schemeClr val="lt1"/>
+            </a:fontRef>
+          </p:style>
+          <p:txBody>
+            <a:bodyPr rtlCol="0" anchor="ctr"/>
+            <a:lstStyle/>
+            <a:p>
+              <a:pPr algn="ctr"/>
+              <a:endParaRPr lang="ko-KR" altLang="en-US"/>
+            </a:p>
+          </p:txBody>
+        </p:sp>
+        <p:sp>
+          <p:nvSpPr>
+            <p:cNvPr id="48" name="직사각형 47">
+              <a:extLst>
+                <a:ext uri="{FF2B5EF4-FFF2-40B4-BE49-F238E27FC236}">
+                  <a16:creationId xmlns:a16="http://schemas.microsoft.com/office/drawing/2014/main" id="{F833F4CE-DB02-492C-8995-3B133735B89B}"/>
+                </a:ext>
+              </a:extLst>
+            </p:cNvPr>
+            <p:cNvSpPr/>
+            <p:nvPr/>
+          </p:nvSpPr>
+          <p:spPr>
+            <a:xfrm>
+              <a:off x="4879787" y="4912419"/>
+              <a:ext cx="956960" cy="361337"/>
+            </a:xfrm>
+            <a:prstGeom prst="rect">
+              <a:avLst/>
+            </a:prstGeom>
+            <a:noFill/>
+            <a:ln w="15875">
+              <a:solidFill>
+                <a:srgbClr val="C00000"/>
+              </a:solidFill>
+            </a:ln>
+          </p:spPr>
+          <p:style>
+            <a:lnRef idx="2">
+              <a:schemeClr val="accent1">
+                <a:shade val="50000"/>
+              </a:schemeClr>
+            </a:lnRef>
+            <a:fillRef idx="1">
+              <a:schemeClr val="accent1"/>
+            </a:fillRef>
+            <a:effectRef idx="0">
+              <a:schemeClr val="accent1"/>
+            </a:effectRef>
+            <a:fontRef idx="minor">
+              <a:schemeClr val="lt1"/>
+            </a:fontRef>
+          </p:style>
+          <p:txBody>
+            <a:bodyPr rtlCol="0" anchor="ctr"/>
+            <a:lstStyle/>
+            <a:p>
+              <a:pPr algn="ctr"/>
+              <a:endParaRPr lang="ko-KR" altLang="en-US"/>
+            </a:p>
+          </p:txBody>
+        </p:sp>
+        <p:sp>
+          <p:nvSpPr>
+            <p:cNvPr id="49" name="타원 48">
+              <a:extLst>
+                <a:ext uri="{FF2B5EF4-FFF2-40B4-BE49-F238E27FC236}">
+                  <a16:creationId xmlns:a16="http://schemas.microsoft.com/office/drawing/2014/main" id="{C38B63FC-E7A7-4985-9E29-BDF593F69CFC}"/>
+                </a:ext>
+              </a:extLst>
+            </p:cNvPr>
+            <p:cNvSpPr>
+              <a:spLocks noChangeAspect="1"/>
+            </p:cNvSpPr>
+            <p:nvPr/>
+          </p:nvSpPr>
+          <p:spPr>
+            <a:xfrm>
+              <a:off x="435472" y="1662527"/>
+              <a:ext cx="310031" cy="310031"/>
+            </a:xfrm>
+            <a:prstGeom prst="ellipse">
+              <a:avLst/>
+            </a:prstGeom>
+          </p:spPr>
+          <p:style>
+            <a:lnRef idx="2">
+              <a:schemeClr val="accent1">
+                <a:shade val="50000"/>
+              </a:schemeClr>
+            </a:lnRef>
+            <a:fillRef idx="1">
+              <a:schemeClr val="accent1"/>
+            </a:fillRef>
+            <a:effectRef idx="0">
+              <a:schemeClr val="accent1"/>
+            </a:effectRef>
+            <a:fontRef idx="minor">
+              <a:schemeClr val="lt1"/>
+            </a:fontRef>
+          </p:style>
+          <p:txBody>
+            <a:bodyPr rtlCol="0" anchor="ctr"/>
+            <a:lstStyle/>
+            <a:p>
+              <a:pPr algn="ctr"/>
+              <a:r>
+                <a:rPr lang="en-US" altLang="ko-KR" dirty="0"/>
+                <a:t>1</a:t>
+              </a:r>
+              <a:endParaRPr lang="ko-KR" altLang="en-US" dirty="0"/>
+            </a:p>
+          </p:txBody>
+        </p:sp>
+        <p:sp>
+          <p:nvSpPr>
+            <p:cNvPr id="50" name="타원 49">
+              <a:extLst>
+                <a:ext uri="{FF2B5EF4-FFF2-40B4-BE49-F238E27FC236}">
+                  <a16:creationId xmlns:a16="http://schemas.microsoft.com/office/drawing/2014/main" id="{EA118269-2C08-49DA-A24D-0A22369D5937}"/>
+                </a:ext>
+              </a:extLst>
+            </p:cNvPr>
+            <p:cNvSpPr>
+              <a:spLocks noChangeAspect="1"/>
+            </p:cNvSpPr>
+            <p:nvPr/>
+          </p:nvSpPr>
+          <p:spPr>
+            <a:xfrm>
+              <a:off x="769665" y="2130984"/>
+              <a:ext cx="310031" cy="310031"/>
+            </a:xfrm>
+            <a:prstGeom prst="ellipse">
+              <a:avLst/>
+            </a:prstGeom>
+          </p:spPr>
+          <p:style>
+            <a:lnRef idx="2">
+              <a:schemeClr val="accent1">
+                <a:shade val="50000"/>
+              </a:schemeClr>
+            </a:lnRef>
+            <a:fillRef idx="1">
+              <a:schemeClr val="accent1"/>
+            </a:fillRef>
+            <a:effectRef idx="0">
+              <a:schemeClr val="accent1"/>
+            </a:effectRef>
+            <a:fontRef idx="minor">
+              <a:schemeClr val="lt1"/>
+            </a:fontRef>
+          </p:style>
+          <p:txBody>
+            <a:bodyPr rtlCol="0" anchor="ctr"/>
+            <a:lstStyle/>
+            <a:p>
+              <a:pPr algn="ctr"/>
+              <a:r>
+                <a:rPr lang="en-US" altLang="ko-KR" dirty="0"/>
+                <a:t>2</a:t>
+              </a:r>
+              <a:endParaRPr lang="ko-KR" altLang="en-US" dirty="0"/>
+            </a:p>
+          </p:txBody>
+        </p:sp>
+        <p:sp>
+          <p:nvSpPr>
+            <p:cNvPr id="52" name="타원 51">
+              <a:extLst>
+                <a:ext uri="{FF2B5EF4-FFF2-40B4-BE49-F238E27FC236}">
+                  <a16:creationId xmlns:a16="http://schemas.microsoft.com/office/drawing/2014/main" id="{B8704EC7-C75B-4275-9EBD-5D0AF04EA8B2}"/>
+                </a:ext>
+              </a:extLst>
+            </p:cNvPr>
+            <p:cNvSpPr>
+              <a:spLocks noChangeAspect="1"/>
+            </p:cNvSpPr>
+            <p:nvPr/>
+          </p:nvSpPr>
+          <p:spPr>
+            <a:xfrm>
+              <a:off x="904690" y="3288196"/>
+              <a:ext cx="310031" cy="310031"/>
+            </a:xfrm>
+            <a:prstGeom prst="ellipse">
+              <a:avLst/>
+            </a:prstGeom>
+          </p:spPr>
+          <p:style>
+            <a:lnRef idx="2">
+              <a:schemeClr val="accent1">
+                <a:shade val="50000"/>
+              </a:schemeClr>
+            </a:lnRef>
+            <a:fillRef idx="1">
+              <a:schemeClr val="accent1"/>
+            </a:fillRef>
+            <a:effectRef idx="0">
+              <a:schemeClr val="accent1"/>
+            </a:effectRef>
+            <a:fontRef idx="minor">
+              <a:schemeClr val="lt1"/>
+            </a:fontRef>
+          </p:style>
+          <p:txBody>
+            <a:bodyPr rtlCol="0" anchor="ctr"/>
+            <a:lstStyle/>
+            <a:p>
+              <a:pPr algn="ctr"/>
+              <a:r>
+                <a:rPr lang="en-US" altLang="ko-KR" dirty="0"/>
+                <a:t>4</a:t>
+              </a:r>
+              <a:endParaRPr lang="ko-KR" altLang="en-US" dirty="0"/>
+            </a:p>
+          </p:txBody>
+        </p:sp>
+        <p:sp>
+          <p:nvSpPr>
+            <p:cNvPr id="55" name="타원 54">
+              <a:extLst>
+                <a:ext uri="{FF2B5EF4-FFF2-40B4-BE49-F238E27FC236}">
+                  <a16:creationId xmlns:a16="http://schemas.microsoft.com/office/drawing/2014/main" id="{BFCE0467-E11E-4337-BEDF-7DCCDBEE75DE}"/>
+                </a:ext>
+              </a:extLst>
+            </p:cNvPr>
+            <p:cNvSpPr>
+              <a:spLocks noChangeAspect="1"/>
+            </p:cNvSpPr>
+            <p:nvPr/>
+          </p:nvSpPr>
+          <p:spPr>
+            <a:xfrm>
+              <a:off x="386033" y="3874548"/>
+              <a:ext cx="310031" cy="310031"/>
+            </a:xfrm>
+            <a:prstGeom prst="ellipse">
+              <a:avLst/>
+            </a:prstGeom>
+          </p:spPr>
+          <p:style>
+            <a:lnRef idx="2">
+              <a:schemeClr val="accent1">
+                <a:shade val="50000"/>
+              </a:schemeClr>
+            </a:lnRef>
+            <a:fillRef idx="1">
+              <a:schemeClr val="accent1"/>
+            </a:fillRef>
+            <a:effectRef idx="0">
+              <a:schemeClr val="accent1"/>
+            </a:effectRef>
+            <a:fontRef idx="minor">
+              <a:schemeClr val="lt1"/>
+            </a:fontRef>
+          </p:style>
+          <p:txBody>
+            <a:bodyPr rtlCol="0" anchor="ctr"/>
+            <a:lstStyle/>
+            <a:p>
+              <a:pPr algn="ctr"/>
+              <a:r>
+                <a:rPr lang="en-US" altLang="ko-KR" dirty="0"/>
+                <a:t>5</a:t>
+              </a:r>
+              <a:endParaRPr lang="ko-KR" altLang="en-US" dirty="0"/>
+            </a:p>
+          </p:txBody>
+        </p:sp>
+        <p:sp>
+          <p:nvSpPr>
+            <p:cNvPr id="56" name="타원 55">
+              <a:extLst>
+                <a:ext uri="{FF2B5EF4-FFF2-40B4-BE49-F238E27FC236}">
+                  <a16:creationId xmlns:a16="http://schemas.microsoft.com/office/drawing/2014/main" id="{DF321651-87F7-413C-81E5-C781A5BED2A0}"/>
+                </a:ext>
+              </a:extLst>
+            </p:cNvPr>
+            <p:cNvSpPr>
+              <a:spLocks noChangeAspect="1"/>
+            </p:cNvSpPr>
+            <p:nvPr/>
+          </p:nvSpPr>
+          <p:spPr>
+            <a:xfrm>
+              <a:off x="4495554" y="4945288"/>
+              <a:ext cx="310031" cy="310031"/>
+            </a:xfrm>
+            <a:prstGeom prst="ellipse">
+              <a:avLst/>
+            </a:prstGeom>
+          </p:spPr>
+          <p:style>
+            <a:lnRef idx="2">
+              <a:schemeClr val="accent1">
+                <a:shade val="50000"/>
+              </a:schemeClr>
+            </a:lnRef>
+            <a:fillRef idx="1">
+              <a:schemeClr val="accent1"/>
+            </a:fillRef>
+            <a:effectRef idx="0">
+              <a:schemeClr val="accent1"/>
+            </a:effectRef>
+            <a:fontRef idx="minor">
+              <a:schemeClr val="lt1"/>
+            </a:fontRef>
+          </p:style>
+          <p:txBody>
+            <a:bodyPr rtlCol="0" anchor="ctr"/>
+            <a:lstStyle/>
+            <a:p>
+              <a:pPr algn="ctr"/>
+              <a:r>
+                <a:rPr lang="en-US" altLang="ko-KR" dirty="0"/>
+                <a:t>7</a:t>
+              </a:r>
+              <a:endParaRPr lang="ko-KR" altLang="en-US" dirty="0"/>
+            </a:p>
+          </p:txBody>
+        </p:sp>
+        <p:sp>
+          <p:nvSpPr>
+            <p:cNvPr id="57" name="직사각형 56">
+              <a:extLst>
+                <a:ext uri="{FF2B5EF4-FFF2-40B4-BE49-F238E27FC236}">
+                  <a16:creationId xmlns:a16="http://schemas.microsoft.com/office/drawing/2014/main" id="{693820E9-ADF3-4AAF-A732-4763CCA894AB}"/>
+                </a:ext>
+              </a:extLst>
+            </p:cNvPr>
+            <p:cNvSpPr/>
+            <p:nvPr/>
+          </p:nvSpPr>
+          <p:spPr>
+            <a:xfrm>
+              <a:off x="739864" y="3865756"/>
+              <a:ext cx="5096884" cy="1408000"/>
+            </a:xfrm>
+            <a:prstGeom prst="rect">
+              <a:avLst/>
+            </a:prstGeom>
+            <a:noFill/>
+            <a:ln w="15875">
+              <a:solidFill>
+                <a:srgbClr val="C00000"/>
+              </a:solidFill>
+            </a:ln>
+          </p:spPr>
+          <p:style>
+            <a:lnRef idx="2">
+              <a:schemeClr val="accent1">
+                <a:shade val="50000"/>
+              </a:schemeClr>
+            </a:lnRef>
+            <a:fillRef idx="1">
+              <a:schemeClr val="accent1"/>
+            </a:fillRef>
+            <a:effectRef idx="0">
+              <a:schemeClr val="accent1"/>
+            </a:effectRef>
+            <a:fontRef idx="minor">
+              <a:schemeClr val="lt1"/>
+            </a:fontRef>
+          </p:style>
+          <p:txBody>
+            <a:bodyPr rtlCol="0" anchor="ctr"/>
+            <a:lstStyle/>
+            <a:p>
+              <a:pPr algn="ctr"/>
+              <a:endParaRPr lang="ko-KR" altLang="en-US"/>
+            </a:p>
+          </p:txBody>
+        </p:sp>
+        <p:grpSp>
+          <p:nvGrpSpPr>
+            <p:cNvPr id="2" name="그룹 1">
+              <a:extLst>
+                <a:ext uri="{FF2B5EF4-FFF2-40B4-BE49-F238E27FC236}">
+                  <a16:creationId xmlns:a16="http://schemas.microsoft.com/office/drawing/2014/main" id="{78122B71-B4BD-4AEC-B289-1BD2F0BA86E3}"/>
+                </a:ext>
+              </a:extLst>
+            </p:cNvPr>
+            <p:cNvGrpSpPr/>
+            <p:nvPr/>
+          </p:nvGrpSpPr>
+          <p:grpSpPr>
+            <a:xfrm>
+              <a:off x="2009079" y="2053195"/>
               <a:ext cx="3652706" cy="1652491"/>
+              <a:chOff x="2009079" y="2053195"/>
+              <a:chExt cx="3652706" cy="1652491"/>
+            </a:xfrm>
+          </p:grpSpPr>
+          <p:sp>
+            <p:nvSpPr>
+              <p:cNvPr id="33" name="직사각형 32">
+                <a:extLst>
+                  <a:ext uri="{FF2B5EF4-FFF2-40B4-BE49-F238E27FC236}">
+                    <a16:creationId xmlns:a16="http://schemas.microsoft.com/office/drawing/2014/main" id="{E3E30DDF-A756-4ACA-B7F8-455009C09225}"/>
+                  </a:ext>
+                </a:extLst>
+              </p:cNvPr>
+              <p:cNvSpPr/>
+              <p:nvPr/>
+            </p:nvSpPr>
+            <p:spPr>
+              <a:xfrm>
+                <a:off x="2009079" y="2053195"/>
+                <a:ext cx="3652706" cy="1652491"/>
+              </a:xfrm>
+              <a:prstGeom prst="rect">
+                <a:avLst/>
+              </a:prstGeom>
+              <a:solidFill>
+                <a:srgbClr val="D0CECE"/>
+              </a:solidFill>
+              <a:ln>
+                <a:solidFill>
+                  <a:schemeClr val="tx1"/>
+                </a:solidFill>
+              </a:ln>
+            </p:spPr>
+            <p:style>
+              <a:lnRef idx="2">
+                <a:schemeClr val="accent1">
+                  <a:shade val="50000"/>
+                </a:schemeClr>
+              </a:lnRef>
+              <a:fillRef idx="1">
+                <a:schemeClr val="accent1"/>
+              </a:fillRef>
+              <a:effectRef idx="0">
+                <a:schemeClr val="accent1"/>
+              </a:effectRef>
+              <a:fontRef idx="minor">
+                <a:schemeClr val="lt1"/>
+              </a:fontRef>
+            </p:style>
+            <p:txBody>
+              <a:bodyPr rtlCol="0" anchor="ctr"/>
+              <a:lstStyle/>
+              <a:p>
+                <a:pPr algn="ctr"/>
+                <a:endParaRPr lang="ko-KR" altLang="en-US" dirty="0"/>
+              </a:p>
+            </p:txBody>
+          </p:sp>
+          <p:sp>
+            <p:nvSpPr>
+              <p:cNvPr id="34" name="직사각형 33">
+                <a:extLst>
+                  <a:ext uri="{FF2B5EF4-FFF2-40B4-BE49-F238E27FC236}">
+                    <a16:creationId xmlns:a16="http://schemas.microsoft.com/office/drawing/2014/main" id="{CDCC4212-C518-45C5-A377-D700EB16A057}"/>
+                  </a:ext>
+                </a:extLst>
+              </p:cNvPr>
+              <p:cNvSpPr/>
+              <p:nvPr/>
+            </p:nvSpPr>
+            <p:spPr>
+              <a:xfrm>
+                <a:off x="2009079" y="2879440"/>
+                <a:ext cx="3652706" cy="411739"/>
+              </a:xfrm>
+              <a:prstGeom prst="rect">
+                <a:avLst/>
+              </a:prstGeom>
+              <a:solidFill>
+                <a:srgbClr val="D0CECE"/>
+              </a:solidFill>
+              <a:ln>
+                <a:solidFill>
+                  <a:schemeClr val="tx1"/>
+                </a:solidFill>
+              </a:ln>
+            </p:spPr>
+            <p:style>
+              <a:lnRef idx="2">
+                <a:schemeClr val="accent1">
+                  <a:shade val="50000"/>
+                </a:schemeClr>
+              </a:lnRef>
+              <a:fillRef idx="1">
+                <a:schemeClr val="accent1"/>
+              </a:fillRef>
+              <a:effectRef idx="0">
+                <a:schemeClr val="accent1"/>
+              </a:effectRef>
+              <a:fontRef idx="minor">
+                <a:schemeClr val="lt1"/>
+              </a:fontRef>
+            </p:style>
+            <p:txBody>
+              <a:bodyPr rtlCol="0" anchor="ctr"/>
+              <a:lstStyle/>
+              <a:p>
+                <a:pPr algn="ctr"/>
+                <a:endParaRPr lang="ko-KR" altLang="en-US"/>
+              </a:p>
+            </p:txBody>
+          </p:sp>
+          <p:sp>
+            <p:nvSpPr>
+              <p:cNvPr id="35" name="TextBox 34">
+                <a:extLst>
+                  <a:ext uri="{FF2B5EF4-FFF2-40B4-BE49-F238E27FC236}">
+                    <a16:creationId xmlns:a16="http://schemas.microsoft.com/office/drawing/2014/main" id="{88929CEC-8684-4DC5-9E54-10F85A95199E}"/>
+                  </a:ext>
+                </a:extLst>
+              </p:cNvPr>
+              <p:cNvSpPr txBox="1"/>
+              <p:nvPr/>
+            </p:nvSpPr>
+            <p:spPr>
+              <a:xfrm>
+                <a:off x="3285913" y="2334128"/>
+                <a:ext cx="1099038" cy="261610"/>
+              </a:xfrm>
+              <a:prstGeom prst="rect">
+                <a:avLst/>
+              </a:prstGeom>
+              <a:noFill/>
+            </p:spPr>
+            <p:txBody>
+              <a:bodyPr wrap="square" rtlCol="0">
+                <a:spAutoFit/>
+              </a:bodyPr>
+              <a:lstStyle/>
+              <a:p>
+                <a:pPr algn="ctr"/>
+                <a:r>
+                  <a:rPr lang="ko-KR" altLang="en-US" sz="1100" dirty="0"/>
+                  <a:t>스킬 설정</a:t>
+                </a:r>
+              </a:p>
+            </p:txBody>
+          </p:sp>
+          <p:sp>
+            <p:nvSpPr>
+              <p:cNvPr id="36" name="TextBox 35">
+                <a:extLst>
+                  <a:ext uri="{FF2B5EF4-FFF2-40B4-BE49-F238E27FC236}">
+                    <a16:creationId xmlns:a16="http://schemas.microsoft.com/office/drawing/2014/main" id="{A794DCC3-4B11-4940-AC8D-6B48F438396E}"/>
+                  </a:ext>
+                </a:extLst>
+              </p:cNvPr>
+              <p:cNvSpPr txBox="1"/>
+              <p:nvPr/>
+            </p:nvSpPr>
+            <p:spPr>
+              <a:xfrm>
+                <a:off x="3285913" y="2954504"/>
+                <a:ext cx="1099038" cy="261610"/>
+              </a:xfrm>
+              <a:prstGeom prst="rect">
+                <a:avLst/>
+              </a:prstGeom>
+              <a:noFill/>
+            </p:spPr>
+            <p:txBody>
+              <a:bodyPr wrap="square" rtlCol="0">
+                <a:spAutoFit/>
+              </a:bodyPr>
+              <a:lstStyle/>
+              <a:p>
+                <a:pPr algn="ctr"/>
+                <a:r>
+                  <a:rPr lang="ko-KR" altLang="en-US" sz="1100" dirty="0"/>
+                  <a:t>스킬 효과</a:t>
+                </a:r>
+              </a:p>
+            </p:txBody>
+          </p:sp>
+          <p:sp>
+            <p:nvSpPr>
+              <p:cNvPr id="37" name="TextBox 36">
+                <a:extLst>
+                  <a:ext uri="{FF2B5EF4-FFF2-40B4-BE49-F238E27FC236}">
+                    <a16:creationId xmlns:a16="http://schemas.microsoft.com/office/drawing/2014/main" id="{D1208603-E8AB-455C-A5D4-B2DC7AB1885E}"/>
+                  </a:ext>
+                </a:extLst>
+              </p:cNvPr>
+              <p:cNvSpPr txBox="1"/>
+              <p:nvPr/>
+            </p:nvSpPr>
+            <p:spPr>
+              <a:xfrm>
+                <a:off x="3253829" y="3366243"/>
+                <a:ext cx="1163206" cy="261610"/>
+              </a:xfrm>
+              <a:prstGeom prst="rect">
+                <a:avLst/>
+              </a:prstGeom>
+              <a:noFill/>
+            </p:spPr>
+            <p:txBody>
+              <a:bodyPr wrap="square" rtlCol="0">
+                <a:spAutoFit/>
+              </a:bodyPr>
+              <a:lstStyle/>
+              <a:p>
+                <a:pPr algn="ctr"/>
+                <a:r>
+                  <a:rPr lang="ko-KR" altLang="en-US" sz="1100"/>
+                  <a:t>스킬 추가 효과</a:t>
+                </a:r>
+                <a:endParaRPr lang="ko-KR" altLang="en-US" sz="1100" dirty="0"/>
+              </a:p>
+            </p:txBody>
+          </p:sp>
+        </p:grpSp>
+        <p:sp>
+          <p:nvSpPr>
+            <p:cNvPr id="44" name="직사각형 43">
+              <a:extLst>
+                <a:ext uri="{FF2B5EF4-FFF2-40B4-BE49-F238E27FC236}">
+                  <a16:creationId xmlns:a16="http://schemas.microsoft.com/office/drawing/2014/main" id="{E799836C-D8AC-4234-98AD-9BDE3796FCED}"/>
+                </a:ext>
+              </a:extLst>
+            </p:cNvPr>
+            <p:cNvSpPr/>
+            <p:nvPr/>
+          </p:nvSpPr>
+          <p:spPr>
+            <a:xfrm>
+              <a:off x="2000287" y="2047573"/>
+              <a:ext cx="3680653" cy="1666905"/>
+            </a:xfrm>
+            <a:prstGeom prst="rect">
+              <a:avLst/>
+            </a:prstGeom>
+            <a:noFill/>
+            <a:ln w="15875">
+              <a:solidFill>
+                <a:srgbClr val="C00000"/>
+              </a:solidFill>
+            </a:ln>
+          </p:spPr>
+          <p:style>
+            <a:lnRef idx="2">
+              <a:schemeClr val="accent1">
+                <a:shade val="50000"/>
+              </a:schemeClr>
+            </a:lnRef>
+            <a:fillRef idx="1">
+              <a:schemeClr val="accent1"/>
+            </a:fillRef>
+            <a:effectRef idx="0">
+              <a:schemeClr val="accent1"/>
+            </a:effectRef>
+            <a:fontRef idx="minor">
+              <a:schemeClr val="lt1"/>
+            </a:fontRef>
+          </p:style>
+          <p:txBody>
+            <a:bodyPr rtlCol="0" anchor="ctr"/>
+            <a:lstStyle/>
+            <a:p>
+              <a:pPr algn="ctr"/>
+              <a:endParaRPr lang="ko-KR" altLang="en-US"/>
+            </a:p>
+          </p:txBody>
+        </p:sp>
+        <p:sp>
+          <p:nvSpPr>
+            <p:cNvPr id="3" name="직사각형 2">
+              <a:extLst>
+                <a:ext uri="{FF2B5EF4-FFF2-40B4-BE49-F238E27FC236}">
+                  <a16:creationId xmlns:a16="http://schemas.microsoft.com/office/drawing/2014/main" id="{DB6867DD-2A64-46C5-8EEE-9E16914B61EF}"/>
+                </a:ext>
+              </a:extLst>
+            </p:cNvPr>
+            <p:cNvSpPr/>
+            <p:nvPr/>
+          </p:nvSpPr>
+          <p:spPr>
+            <a:xfrm>
+              <a:off x="1005524" y="4078963"/>
+              <a:ext cx="4656261" cy="799948"/>
             </a:xfrm>
             <a:prstGeom prst="rect">
               <a:avLst/>
@@ -6838,17 +6783,76 @@
             <a:bodyPr rtlCol="0" anchor="ctr"/>
             <a:lstStyle/>
             <a:p>
+              <a:pPr algn="ctr" latinLnBrk="1"/>
+              <a:r>
+                <a:rPr lang="ko-KR" altLang="en-US" sz="1000" b="0" dirty="0">
+                  <a:solidFill>
+                    <a:schemeClr val="tx1"/>
+                  </a:solidFill>
+                </a:rPr>
+                <a:t>스킬 습득 조건 해설</a:t>
+              </a:r>
+            </a:p>
+          </p:txBody>
+        </p:sp>
+        <p:sp>
+          <p:nvSpPr>
+            <p:cNvPr id="51" name="타원 50">
+              <a:extLst>
+                <a:ext uri="{FF2B5EF4-FFF2-40B4-BE49-F238E27FC236}">
+                  <a16:creationId xmlns:a16="http://schemas.microsoft.com/office/drawing/2014/main" id="{DD54189F-D34C-4E18-9496-5B6D6F7F30A6}"/>
+                </a:ext>
+              </a:extLst>
+            </p:cNvPr>
+            <p:cNvSpPr>
+              <a:spLocks noChangeAspect="1"/>
+            </p:cNvSpPr>
+            <p:nvPr/>
+          </p:nvSpPr>
+          <p:spPr>
+            <a:xfrm>
+              <a:off x="2144050" y="2715632"/>
+              <a:ext cx="310031" cy="310031"/>
+            </a:xfrm>
+            <a:prstGeom prst="ellipse">
+              <a:avLst/>
+            </a:prstGeom>
+          </p:spPr>
+          <p:style>
+            <a:lnRef idx="2">
+              <a:schemeClr val="accent1">
+                <a:shade val="50000"/>
+              </a:schemeClr>
+            </a:lnRef>
+            <a:fillRef idx="1">
+              <a:schemeClr val="accent1"/>
+            </a:fillRef>
+            <a:effectRef idx="0">
+              <a:schemeClr val="accent1"/>
+            </a:effectRef>
+            <a:fontRef idx="minor">
+              <a:schemeClr val="lt1"/>
+            </a:fontRef>
+          </p:style>
+          <p:txBody>
+            <a:bodyPr rtlCol="0" anchor="ctr"/>
+            <a:lstStyle/>
+            <a:p>
               <a:pPr algn="ctr"/>
+              <a:r>
+                <a:rPr lang="en-US" altLang="ko-KR" dirty="0"/>
+                <a:t>3</a:t>
+              </a:r>
               <a:endParaRPr lang="ko-KR" altLang="en-US" dirty="0"/>
             </a:p>
           </p:txBody>
         </p:sp>
         <p:sp>
           <p:nvSpPr>
-            <p:cNvPr id="34" name="직사각형 33">
+            <p:cNvPr id="47" name="직사각형 46">
               <a:extLst>
                 <a:ext uri="{FF2B5EF4-FFF2-40B4-BE49-F238E27FC236}">
-                  <a16:creationId xmlns:a16="http://schemas.microsoft.com/office/drawing/2014/main" id="{CDCC4212-C518-45C5-A377-D700EB16A057}"/>
+                  <a16:creationId xmlns:a16="http://schemas.microsoft.com/office/drawing/2014/main" id="{69F666E4-D906-42E9-8FF9-8F531D82286F}"/>
                 </a:ext>
               </a:extLst>
             </p:cNvPr>
@@ -6857,18 +6861,16 @@
           </p:nvSpPr>
           <p:spPr>
             <a:xfrm>
-              <a:off x="5798352" y="2859729"/>
-              <a:ext cx="3652706" cy="411739"/>
+              <a:off x="1005524" y="4084962"/>
+              <a:ext cx="4656261" cy="806957"/>
             </a:xfrm>
             <a:prstGeom prst="rect">
               <a:avLst/>
             </a:prstGeom>
-            <a:solidFill>
-              <a:srgbClr val="D0CECE"/>
-            </a:solidFill>
-            <a:ln>
+            <a:noFill/>
+            <a:ln w="15875">
               <a:solidFill>
-                <a:schemeClr val="tx1"/>
+                <a:srgbClr val="C00000"/>
               </a:solidFill>
             </a:ln>
           </p:spPr>
@@ -6899,10 +6901,62 @@
         </p:sp>
         <p:sp>
           <p:nvSpPr>
-            <p:cNvPr id="35" name="TextBox 34">
+            <p:cNvPr id="58" name="타원 57">
               <a:extLst>
                 <a:ext uri="{FF2B5EF4-FFF2-40B4-BE49-F238E27FC236}">
-                  <a16:creationId xmlns:a16="http://schemas.microsoft.com/office/drawing/2014/main" id="{88929CEC-8684-4DC5-9E54-10F85A95199E}"/>
+                  <a16:creationId xmlns:a16="http://schemas.microsoft.com/office/drawing/2014/main" id="{835A29AD-969E-4EFC-825E-6D3EEEC3EF64}"/>
+                </a:ext>
+              </a:extLst>
+            </p:cNvPr>
+            <p:cNvSpPr>
+              <a:spLocks noChangeAspect="1"/>
+            </p:cNvSpPr>
+            <p:nvPr/>
+          </p:nvSpPr>
+          <p:spPr>
+            <a:xfrm>
+              <a:off x="1107355" y="4333424"/>
+              <a:ext cx="310031" cy="310031"/>
+            </a:xfrm>
+            <a:prstGeom prst="ellipse">
+              <a:avLst/>
+            </a:prstGeom>
+          </p:spPr>
+          <p:style>
+            <a:lnRef idx="2">
+              <a:schemeClr val="accent1">
+                <a:shade val="50000"/>
+              </a:schemeClr>
+            </a:lnRef>
+            <a:fillRef idx="1">
+              <a:schemeClr val="accent1"/>
+            </a:fillRef>
+            <a:effectRef idx="0">
+              <a:schemeClr val="accent1"/>
+            </a:effectRef>
+            <a:fontRef idx="minor">
+              <a:schemeClr val="lt1"/>
+            </a:fontRef>
+          </p:style>
+          <p:txBody>
+            <a:bodyPr rtlCol="0" anchor="ctr"/>
+            <a:lstStyle/>
+            <a:p>
+              <a:pPr algn="ctr"/>
+              <a:r>
+                <a:rPr lang="en-US" altLang="ko-KR" dirty="0"/>
+                <a:t>6</a:t>
+              </a:r>
+              <a:endParaRPr lang="ko-KR" altLang="en-US" dirty="0"/>
+            </a:p>
+          </p:txBody>
+        </p:sp>
+        <p:sp>
+          <p:nvSpPr>
+            <p:cNvPr id="5" name="TextBox 4">
+              <a:extLst>
+                <a:ext uri="{FF2B5EF4-FFF2-40B4-BE49-F238E27FC236}">
+                  <a16:creationId xmlns:a16="http://schemas.microsoft.com/office/drawing/2014/main" id="{132A21F7-9E14-4E50-A789-B6F70BE46B09}"/>
                 </a:ext>
               </a:extLst>
             </p:cNvPr>
@@ -6911,8 +6965,8 @@
           </p:nvSpPr>
           <p:spPr>
             <a:xfrm>
-              <a:off x="7075186" y="2314417"/>
-              <a:ext cx="1099038" cy="261610"/>
+              <a:off x="1235745" y="3309285"/>
+              <a:ext cx="778598" cy="253916"/>
             </a:xfrm>
             <a:prstGeom prst="rect">
               <a:avLst/>
@@ -6927,18 +6981,30 @@
             <a:p>
               <a:pPr algn="ctr"/>
               <a:r>
-                <a:rPr lang="ko-KR" altLang="en-US" sz="1100" dirty="0"/>
-                <a:t>스킬 설정</a:t>
+                <a:rPr lang="ko-KR" altLang="en-US" sz="1050" dirty="0">
+                  <a:solidFill>
+                    <a:schemeClr val="tx1"/>
+                  </a:solidFill>
+                </a:rPr>
+                <a:t>지구력 </a:t>
+              </a:r>
+              <a:r>
+                <a:rPr lang="en-US" altLang="ko-KR" sz="1050" dirty="0">
+                  <a:solidFill>
+                    <a:schemeClr val="tx1"/>
+                  </a:solidFill>
+                </a:rPr>
+                <a:t>15</a:t>
               </a:r>
             </a:p>
           </p:txBody>
         </p:sp>
         <p:sp>
           <p:nvSpPr>
-            <p:cNvPr id="36" name="TextBox 35">
+            <p:cNvPr id="38" name="TextBox 37">
               <a:extLst>
                 <a:ext uri="{FF2B5EF4-FFF2-40B4-BE49-F238E27FC236}">
-                  <a16:creationId xmlns:a16="http://schemas.microsoft.com/office/drawing/2014/main" id="{A794DCC3-4B11-4940-AC8D-6B48F438396E}"/>
+                  <a16:creationId xmlns:a16="http://schemas.microsoft.com/office/drawing/2014/main" id="{FF5602AB-617A-43F2-BFE0-E45CC3921437}"/>
                 </a:ext>
               </a:extLst>
             </p:cNvPr>
@@ -6947,8 +7013,8 @@
           </p:nvSpPr>
           <p:spPr>
             <a:xfrm>
-              <a:off x="7075186" y="2934793"/>
-              <a:ext cx="1099038" cy="261610"/>
+              <a:off x="1235745" y="3488149"/>
+              <a:ext cx="778598" cy="253916"/>
             </a:xfrm>
             <a:prstGeom prst="rect">
               <a:avLst/>
@@ -6963,154 +7029,30 @@
             <a:p>
               <a:pPr algn="ctr"/>
               <a:r>
-                <a:rPr lang="ko-KR" altLang="en-US" sz="1100" dirty="0"/>
-                <a:t>스킬 효과</a:t>
+                <a:rPr lang="ko-KR" altLang="en-US" sz="1050" dirty="0">
+                  <a:solidFill>
+                    <a:schemeClr val="tx1"/>
+                  </a:solidFill>
+                </a:rPr>
+                <a:t>쿨 타임 </a:t>
               </a:r>
-            </a:p>
-          </p:txBody>
-        </p:sp>
-        <p:sp>
-          <p:nvSpPr>
-            <p:cNvPr id="37" name="TextBox 36">
-              <a:extLst>
-                <a:ext uri="{FF2B5EF4-FFF2-40B4-BE49-F238E27FC236}">
-                  <a16:creationId xmlns:a16="http://schemas.microsoft.com/office/drawing/2014/main" id="{D1208603-E8AB-455C-A5D4-B2DC7AB1885E}"/>
-                </a:ext>
-              </a:extLst>
-            </p:cNvPr>
-            <p:cNvSpPr txBox="1"/>
-            <p:nvPr/>
-          </p:nvSpPr>
-          <p:spPr>
-            <a:xfrm>
-              <a:off x="7043102" y="3346532"/>
-              <a:ext cx="1163206" cy="261610"/>
-            </a:xfrm>
-            <a:prstGeom prst="rect">
-              <a:avLst/>
-            </a:prstGeom>
-            <a:noFill/>
-          </p:spPr>
-          <p:txBody>
-            <a:bodyPr wrap="square" rtlCol="0">
-              <a:spAutoFit/>
-            </a:bodyPr>
-            <a:lstStyle/>
-            <a:p>
-              <a:pPr algn="ctr"/>
               <a:r>
-                <a:rPr lang="ko-KR" altLang="en-US" sz="1100"/>
-                <a:t>스킬 추가 효과</a:t>
+                <a:rPr lang="en-US" altLang="ko-KR" sz="1050" dirty="0">
+                  <a:solidFill>
+                    <a:schemeClr val="tx1"/>
+                  </a:solidFill>
+                </a:rPr>
+                <a:t>5</a:t>
               </a:r>
-              <a:endParaRPr lang="ko-KR" altLang="en-US" sz="1100" dirty="0"/>
+              <a:endParaRPr lang="ko-KR" altLang="en-US" sz="1050" dirty="0">
+                <a:solidFill>
+                  <a:schemeClr val="tx1"/>
+                </a:solidFill>
+              </a:endParaRPr>
             </a:p>
           </p:txBody>
         </p:sp>
       </p:grpSp>
-      <p:sp>
-        <p:nvSpPr>
-          <p:cNvPr id="44" name="직사각형 43">
-            <a:extLst>
-              <a:ext uri="{FF2B5EF4-FFF2-40B4-BE49-F238E27FC236}">
-                <a16:creationId xmlns:a16="http://schemas.microsoft.com/office/drawing/2014/main" id="{E799836C-D8AC-4234-98AD-9BDE3796FCED}"/>
-              </a:ext>
-            </a:extLst>
-          </p:cNvPr>
-          <p:cNvSpPr/>
-          <p:nvPr/>
-        </p:nvSpPr>
-        <p:spPr>
-          <a:xfrm>
-            <a:off x="2000287" y="2047573"/>
-            <a:ext cx="3680653" cy="1666905"/>
-          </a:xfrm>
-          <a:prstGeom prst="rect">
-            <a:avLst/>
-          </a:prstGeom>
-          <a:noFill/>
-          <a:ln w="15875">
-            <a:solidFill>
-              <a:srgbClr val="C00000"/>
-            </a:solidFill>
-          </a:ln>
-        </p:spPr>
-        <p:style>
-          <a:lnRef idx="2">
-            <a:schemeClr val="accent1">
-              <a:shade val="50000"/>
-            </a:schemeClr>
-          </a:lnRef>
-          <a:fillRef idx="1">
-            <a:schemeClr val="accent1"/>
-          </a:fillRef>
-          <a:effectRef idx="0">
-            <a:schemeClr val="accent1"/>
-          </a:effectRef>
-          <a:fontRef idx="minor">
-            <a:schemeClr val="lt1"/>
-          </a:fontRef>
-        </p:style>
-        <p:txBody>
-          <a:bodyPr rtlCol="0" anchor="ctr"/>
-          <a:lstStyle/>
-          <a:p>
-            <a:pPr algn="ctr"/>
-            <a:endParaRPr lang="ko-KR" altLang="en-US"/>
-          </a:p>
-        </p:txBody>
-      </p:sp>
-      <p:sp>
-        <p:nvSpPr>
-          <p:cNvPr id="51" name="타원 50">
-            <a:extLst>
-              <a:ext uri="{FF2B5EF4-FFF2-40B4-BE49-F238E27FC236}">
-                <a16:creationId xmlns:a16="http://schemas.microsoft.com/office/drawing/2014/main" id="{DD54189F-D34C-4E18-9496-5B6D6F7F30A6}"/>
-              </a:ext>
-            </a:extLst>
-          </p:cNvPr>
-          <p:cNvSpPr>
-            <a:spLocks noChangeAspect="1"/>
-          </p:cNvSpPr>
-          <p:nvPr/>
-        </p:nvSpPr>
-        <p:spPr>
-          <a:xfrm>
-            <a:off x="2144050" y="2715632"/>
-            <a:ext cx="310031" cy="310031"/>
-          </a:xfrm>
-          <a:prstGeom prst="ellipse">
-            <a:avLst/>
-          </a:prstGeom>
-        </p:spPr>
-        <p:style>
-          <a:lnRef idx="2">
-            <a:schemeClr val="accent1">
-              <a:shade val="50000"/>
-            </a:schemeClr>
-          </a:lnRef>
-          <a:fillRef idx="1">
-            <a:schemeClr val="accent1"/>
-          </a:fillRef>
-          <a:effectRef idx="0">
-            <a:schemeClr val="accent1"/>
-          </a:effectRef>
-          <a:fontRef idx="minor">
-            <a:schemeClr val="lt1"/>
-          </a:fontRef>
-        </p:style>
-        <p:txBody>
-          <a:bodyPr rtlCol="0" anchor="ctr"/>
-          <a:lstStyle/>
-          <a:p>
-            <a:pPr algn="ctr"/>
-            <a:r>
-              <a:rPr lang="en-US" altLang="ko-KR" dirty="0"/>
-              <a:t>3</a:t>
-            </a:r>
-            <a:endParaRPr lang="ko-KR" altLang="en-US" dirty="0"/>
-          </a:p>
-        </p:txBody>
-      </p:sp>
     </p:spTree>
     <p:extLst>
       <p:ext uri="{BB962C8B-B14F-4D97-AF65-F5344CB8AC3E}">
@@ -11845,7 +11787,7 @@
           <p:nvPr>
             <p:extLst>
               <p:ext uri="{D42A27DB-BD31-4B8C-83A1-F6EECF244321}">
-                <p14:modId xmlns:p14="http://schemas.microsoft.com/office/powerpoint/2010/main" val="547731403"/>
+                <p14:modId xmlns:p14="http://schemas.microsoft.com/office/powerpoint/2010/main" val="1723791303"/>
               </p:ext>
             </p:extLst>
           </p:nvPr>

--- a/기획/방랑엽사전/스킬 시스템 기획서.pptx
+++ b/기획/방랑엽사전/스킬 시스템 기획서.pptx
@@ -5,7 +5,7 @@
     <p:sldMasterId id="2147483715" r:id="rId1"/>
   </p:sldMasterIdLst>
   <p:notesMasterIdLst>
-    <p:notesMasterId r:id="rId26"/>
+    <p:notesMasterId r:id="rId27"/>
   </p:notesMasterIdLst>
   <p:sldIdLst>
     <p:sldId id="258" r:id="rId2"/>
@@ -32,6 +32,7 @@
     <p:sldId id="328" r:id="rId23"/>
     <p:sldId id="322" r:id="rId24"/>
     <p:sldId id="329" r:id="rId25"/>
+    <p:sldId id="330" r:id="rId26"/>
   </p:sldIdLst>
   <p:sldSz cx="12192000" cy="6858000"/>
   <p:notesSz cx="6858000" cy="9144000"/>
@@ -268,7 +269,7 @@
           <a:p>
             <a:fld id="{C8649E71-8129-4905-BAC0-51D65A0C1379}" type="datetimeFigureOut">
               <a:rPr lang="ko-KR" altLang="en-US" smtClean="0"/>
-              <a:t>2024-02-20</a:t>
+              <a:t>2024-02-21</a:t>
             </a:fld>
             <a:endParaRPr lang="ko-KR" altLang="en-US"/>
           </a:p>
@@ -766,7 +767,7 @@
           <a:p>
             <a:fld id="{523D6941-6B33-4834-BC65-A333846D27E6}" type="datetimeFigureOut">
               <a:rPr lang="ko-KR" altLang="en-US" smtClean="0"/>
-              <a:t>2024-02-20</a:t>
+              <a:t>2024-02-21</a:t>
             </a:fld>
             <a:endParaRPr lang="ko-KR" altLang="en-US"/>
           </a:p>
@@ -964,7 +965,7 @@
           <a:p>
             <a:fld id="{523D6941-6B33-4834-BC65-A333846D27E6}" type="datetimeFigureOut">
               <a:rPr lang="ko-KR" altLang="en-US" smtClean="0"/>
-              <a:t>2024-02-20</a:t>
+              <a:t>2024-02-21</a:t>
             </a:fld>
             <a:endParaRPr lang="ko-KR" altLang="en-US"/>
           </a:p>
@@ -1172,7 +1173,7 @@
           <a:p>
             <a:fld id="{523D6941-6B33-4834-BC65-A333846D27E6}" type="datetimeFigureOut">
               <a:rPr lang="ko-KR" altLang="en-US" smtClean="0"/>
-              <a:t>2024-02-20</a:t>
+              <a:t>2024-02-21</a:t>
             </a:fld>
             <a:endParaRPr lang="ko-KR" altLang="en-US"/>
           </a:p>
@@ -1385,7 +1386,7 @@
           <a:p>
             <a:fld id="{523D6941-6B33-4834-BC65-A333846D27E6}" type="datetimeFigureOut">
               <a:rPr lang="ko-KR" altLang="en-US" smtClean="0"/>
-              <a:t>2024-02-20</a:t>
+              <a:t>2024-02-21</a:t>
             </a:fld>
             <a:endParaRPr lang="ko-KR" altLang="en-US"/>
           </a:p>
@@ -1670,7 +1671,7 @@
           <a:p>
             <a:fld id="{523D6941-6B33-4834-BC65-A333846D27E6}" type="datetimeFigureOut">
               <a:rPr lang="ko-KR" altLang="en-US" smtClean="0"/>
-              <a:t>2024-02-20</a:t>
+              <a:t>2024-02-21</a:t>
             </a:fld>
             <a:endParaRPr lang="ko-KR" altLang="en-US"/>
           </a:p>
@@ -1935,7 +1936,7 @@
           <a:p>
             <a:fld id="{523D6941-6B33-4834-BC65-A333846D27E6}" type="datetimeFigureOut">
               <a:rPr lang="ko-KR" altLang="en-US" smtClean="0"/>
-              <a:t>2024-02-20</a:t>
+              <a:t>2024-02-21</a:t>
             </a:fld>
             <a:endParaRPr lang="ko-KR" altLang="en-US"/>
           </a:p>
@@ -2347,7 +2348,7 @@
           <a:p>
             <a:fld id="{523D6941-6B33-4834-BC65-A333846D27E6}" type="datetimeFigureOut">
               <a:rPr lang="ko-KR" altLang="en-US" smtClean="0"/>
-              <a:t>2024-02-20</a:t>
+              <a:t>2024-02-21</a:t>
             </a:fld>
             <a:endParaRPr lang="ko-KR" altLang="en-US"/>
           </a:p>
@@ -2488,7 +2489,7 @@
           <a:p>
             <a:fld id="{523D6941-6B33-4834-BC65-A333846D27E6}" type="datetimeFigureOut">
               <a:rPr lang="ko-KR" altLang="en-US" smtClean="0"/>
-              <a:t>2024-02-20</a:t>
+              <a:t>2024-02-21</a:t>
             </a:fld>
             <a:endParaRPr lang="ko-KR" altLang="en-US"/>
           </a:p>
@@ -2601,7 +2602,7 @@
           <a:p>
             <a:fld id="{523D6941-6B33-4834-BC65-A333846D27E6}" type="datetimeFigureOut">
               <a:rPr lang="ko-KR" altLang="en-US" smtClean="0"/>
-              <a:t>2024-02-20</a:t>
+              <a:t>2024-02-21</a:t>
             </a:fld>
             <a:endParaRPr lang="ko-KR" altLang="en-US"/>
           </a:p>
@@ -2912,7 +2913,7 @@
           <a:p>
             <a:fld id="{523D6941-6B33-4834-BC65-A333846D27E6}" type="datetimeFigureOut">
               <a:rPr lang="ko-KR" altLang="en-US" smtClean="0"/>
-              <a:t>2024-02-20</a:t>
+              <a:t>2024-02-21</a:t>
             </a:fld>
             <a:endParaRPr lang="ko-KR" altLang="en-US"/>
           </a:p>
@@ -3200,7 +3201,7 @@
           <a:p>
             <a:fld id="{523D6941-6B33-4834-BC65-A333846D27E6}" type="datetimeFigureOut">
               <a:rPr lang="ko-KR" altLang="en-US" smtClean="0"/>
-              <a:t>2024-02-20</a:t>
+              <a:t>2024-02-21</a:t>
             </a:fld>
             <a:endParaRPr lang="ko-KR" altLang="en-US"/>
           </a:p>
@@ -3441,7 +3442,7 @@
           <a:p>
             <a:fld id="{523D6941-6B33-4834-BC65-A333846D27E6}" type="datetimeFigureOut">
               <a:rPr lang="ko-KR" altLang="en-US" smtClean="0"/>
-              <a:t>2024-02-20</a:t>
+              <a:t>2024-02-21</a:t>
             </a:fld>
             <a:endParaRPr lang="ko-KR" altLang="en-US"/>
           </a:p>
@@ -10965,10 +10966,10 @@
       </p:sp>
       <p:pic>
         <p:nvPicPr>
-          <p:cNvPr id="6" name="그림 5">
+          <p:cNvPr id="3" name="그림 2">
             <a:extLst>
               <a:ext uri="{FF2B5EF4-FFF2-40B4-BE49-F238E27FC236}">
-                <a16:creationId xmlns:a16="http://schemas.microsoft.com/office/drawing/2014/main" id="{78097A98-2B2D-4797-BC06-8D9405AC8220}"/>
+                <a16:creationId xmlns:a16="http://schemas.microsoft.com/office/drawing/2014/main" id="{14320167-533D-45E2-8F29-92064253B27B}"/>
               </a:ext>
             </a:extLst>
           </p:cNvPr>
@@ -10991,8 +10992,8 @@
         </p:blipFill>
         <p:spPr>
           <a:xfrm>
-            <a:off x="947737" y="1222375"/>
-            <a:ext cx="10296525" cy="5343525"/>
+            <a:off x="1328737" y="1222375"/>
+            <a:ext cx="9534525" cy="5343525"/>
           </a:xfrm>
           <a:prstGeom prst="rect">
             <a:avLst/>
@@ -11109,11 +11110,17 @@
           <p:cNvGraphicFramePr>
             <a:graphicFrameLocks noGrp="1"/>
           </p:cNvGraphicFramePr>
-          <p:nvPr/>
+          <p:nvPr>
+            <p:extLst>
+              <p:ext uri="{D42A27DB-BD31-4B8C-83A1-F6EECF244321}">
+                <p14:modId xmlns:p14="http://schemas.microsoft.com/office/powerpoint/2010/main" val="1179762189"/>
+              </p:ext>
+            </p:extLst>
+          </p:nvPr>
         </p:nvGraphicFramePr>
         <p:xfrm>
-          <a:off x="3025616" y="1159510"/>
-          <a:ext cx="6140768" cy="5029200"/>
+          <a:off x="2652553" y="1159510"/>
+          <a:ext cx="6886893" cy="5044440"/>
         </p:xfrm>
         <a:graphic>
           <a:graphicData uri="http://schemas.openxmlformats.org/drawingml/2006/table">
@@ -11122,7 +11129,7 @@
                 <a:tableStyleId>{5C22544A-7EE6-4342-B048-85BDC9FD1C3A}</a:tableStyleId>
               </a:tblPr>
               <a:tblGrid>
-                <a:gridCol w="6140768">
+                <a:gridCol w="6886893">
                   <a:extLst>
                     <a:ext uri="{9D8B030D-6E8A-4147-A177-3AD203B41FA5}">
                       <a16:colId xmlns:a16="http://schemas.microsoft.com/office/drawing/2014/main" val="3852552135"/>
@@ -11195,7 +11202,7 @@
                     <a:p>
                       <a:pPr algn="l" latinLnBrk="1"/>
                       <a:r>
-                        <a:rPr lang="ko-KR" altLang="en-US" sz="1600" b="0" dirty="0">
+                        <a:rPr lang="ko-KR" altLang="en-US" sz="1800" b="0" dirty="0">
                           <a:solidFill>
                             <a:schemeClr val="tx1"/>
                           </a:solidFill>
@@ -11203,7 +11210,7 @@
                         <a:t>스킬을 사용하기 위한 아이템의 </a:t>
                       </a:r>
                       <a:r>
-                        <a:rPr lang="en-US" altLang="ko-KR" sz="1600" b="0" dirty="0">
+                        <a:rPr lang="en-US" altLang="ko-KR" sz="1800" b="0" dirty="0">
                           <a:solidFill>
                             <a:schemeClr val="tx1"/>
                           </a:solidFill>
@@ -11211,7 +11218,7 @@
                         <a:t>‘</a:t>
                       </a:r>
                       <a:r>
-                        <a:rPr lang="ko-KR" altLang="en-US" sz="1600" b="0" dirty="0">
+                        <a:rPr lang="ko-KR" altLang="en-US" sz="1800" b="0" dirty="0">
                           <a:solidFill>
                             <a:schemeClr val="tx1"/>
                           </a:solidFill>
@@ -11219,7 +11226,7 @@
                         <a:t>장착</a:t>
                       </a:r>
                       <a:r>
-                        <a:rPr lang="en-US" altLang="ko-KR" sz="1600" b="0" dirty="0">
+                        <a:rPr lang="en-US" altLang="ko-KR" sz="1800" b="0" dirty="0">
                           <a:solidFill>
                             <a:schemeClr val="tx1"/>
                           </a:solidFill>
@@ -11227,7 +11234,7 @@
                         <a:t>’</a:t>
                       </a:r>
                       <a:r>
-                        <a:rPr lang="ko-KR" altLang="en-US" sz="1600" b="0" dirty="0">
+                        <a:rPr lang="ko-KR" altLang="en-US" sz="1800" b="0" dirty="0">
                           <a:solidFill>
                             <a:schemeClr val="tx1"/>
                           </a:solidFill>
@@ -11235,7 +11242,7 @@
                         <a:t> 및 </a:t>
                       </a:r>
                       <a:r>
-                        <a:rPr lang="en-US" altLang="ko-KR" sz="1600" b="0" dirty="0">
+                        <a:rPr lang="en-US" altLang="ko-KR" sz="1800" b="0" dirty="0">
                           <a:solidFill>
                             <a:schemeClr val="tx1"/>
                           </a:solidFill>
@@ -11243,7 +11250,7 @@
                         <a:t>‘</a:t>
                       </a:r>
                       <a:r>
-                        <a:rPr lang="ko-KR" altLang="en-US" sz="1600" b="0" dirty="0">
+                        <a:rPr lang="ko-KR" altLang="en-US" sz="1800" b="0" dirty="0">
                           <a:solidFill>
                             <a:schemeClr val="tx1"/>
                           </a:solidFill>
@@ -11251,7 +11258,7 @@
                         <a:t>보유</a:t>
                       </a:r>
                       <a:r>
-                        <a:rPr lang="en-US" altLang="ko-KR" sz="1600" b="0" dirty="0">
+                        <a:rPr lang="en-US" altLang="ko-KR" sz="1800" b="0" dirty="0">
                           <a:solidFill>
                             <a:schemeClr val="tx1"/>
                           </a:solidFill>
@@ -11259,7 +11266,7 @@
                         <a:t>’</a:t>
                       </a:r>
                       <a:r>
-                        <a:rPr lang="ko-KR" altLang="en-US" sz="1600" b="0" dirty="0">
+                        <a:rPr lang="ko-KR" altLang="en-US" sz="1800" b="0" dirty="0">
                           <a:solidFill>
                             <a:schemeClr val="tx1"/>
                           </a:solidFill>
@@ -11267,7 +11274,7 @@
                         <a:t> 여부를 판단한다</a:t>
                       </a:r>
                       <a:r>
-                        <a:rPr lang="en-US" altLang="ko-KR" sz="1600" b="0" dirty="0">
+                        <a:rPr lang="en-US" altLang="ko-KR" sz="1800" b="0" dirty="0">
                           <a:solidFill>
                             <a:schemeClr val="tx1"/>
                           </a:solidFill>
@@ -11323,7 +11330,7 @@
                     <a:lstStyle/>
                     <a:p>
                       <a:pPr algn="l" latinLnBrk="1"/>
-                      <a:endParaRPr lang="en-US" altLang="ko-KR" sz="1600" b="0" dirty="0">
+                      <a:endParaRPr lang="en-US" altLang="ko-KR" sz="1100" b="0" dirty="0">
                         <a:solidFill>
                           <a:schemeClr val="tx1"/>
                         </a:solidFill>
@@ -11376,7 +11383,7 @@
                     <a:p>
                       <a:pPr algn="l" latinLnBrk="1"/>
                       <a:r>
-                        <a:rPr lang="ko-KR" altLang="en-US" sz="1600" b="0" dirty="0">
+                        <a:rPr lang="ko-KR" altLang="en-US" sz="1800" b="0" dirty="0">
                           <a:solidFill>
                             <a:schemeClr val="tx1"/>
                           </a:solidFill>
@@ -11384,7 +11391,7 @@
                         <a:t>현재 </a:t>
                       </a:r>
                       <a:r>
-                        <a:rPr lang="en-US" altLang="ko-KR" sz="1600" b="0" dirty="0">
+                        <a:rPr lang="en-US" altLang="ko-KR" sz="1800" b="0" dirty="0">
                           <a:solidFill>
                             <a:schemeClr val="tx1"/>
                           </a:solidFill>
@@ -11392,7 +11399,7 @@
                         <a:t>‘</a:t>
                       </a:r>
                       <a:r>
-                        <a:rPr lang="ko-KR" altLang="en-US" sz="1600" b="0" dirty="0">
+                        <a:rPr lang="ko-KR" altLang="en-US" sz="1800" b="0" dirty="0">
                           <a:solidFill>
                             <a:schemeClr val="tx1"/>
                           </a:solidFill>
@@ -11400,7 +11407,7 @@
                         <a:t>장착</a:t>
                       </a:r>
                       <a:r>
-                        <a:rPr lang="en-US" altLang="ko-KR" sz="1600" b="0" dirty="0">
+                        <a:rPr lang="en-US" altLang="ko-KR" sz="1800" b="0" dirty="0">
                           <a:solidFill>
                             <a:schemeClr val="tx1"/>
                           </a:solidFill>
@@ -11408,14 +11415,14 @@
                         <a:t>’</a:t>
                       </a:r>
                       <a:r>
-                        <a:rPr lang="ko-KR" altLang="en-US" sz="1600" b="0" dirty="0">
+                        <a:rPr lang="ko-KR" altLang="en-US" sz="1800" b="0" dirty="0">
                           <a:solidFill>
                             <a:schemeClr val="tx1"/>
                           </a:solidFill>
                         </a:rPr>
                         <a:t>한 무기의 계열</a:t>
                       </a:r>
-                      <a:endParaRPr lang="en-US" altLang="ko-KR" sz="1600" b="0" dirty="0">
+                      <a:endParaRPr lang="en-US" altLang="ko-KR" sz="1800" b="0" dirty="0">
                         <a:solidFill>
                           <a:schemeClr val="tx1"/>
                         </a:solidFill>
@@ -11961,7 +11968,7 @@
                         <a:buNone/>
                       </a:pPr>
                       <a:r>
-                        <a:rPr lang="ko-KR" altLang="en-US" sz="1600" b="0" dirty="0">
+                        <a:rPr lang="ko-KR" altLang="en-US" sz="1800" b="0" dirty="0">
                           <a:solidFill>
                             <a:schemeClr val="tx1"/>
                           </a:solidFill>
@@ -11969,7 +11976,7 @@
                         <a:t>현재 </a:t>
                       </a:r>
                       <a:r>
-                        <a:rPr lang="en-US" altLang="ko-KR" sz="1600" b="0" dirty="0">
+                        <a:rPr lang="en-US" altLang="ko-KR" sz="1800" b="0" dirty="0">
                           <a:solidFill>
                             <a:schemeClr val="tx1"/>
                           </a:solidFill>
@@ -11977,7 +11984,7 @@
                         <a:t>‘</a:t>
                       </a:r>
                       <a:r>
-                        <a:rPr lang="ko-KR" altLang="en-US" sz="1600" b="0" dirty="0">
+                        <a:rPr lang="ko-KR" altLang="en-US" sz="1800" b="0" dirty="0">
                           <a:solidFill>
                             <a:schemeClr val="tx1"/>
                           </a:solidFill>
@@ -11985,7 +11992,7 @@
                         <a:t>보유</a:t>
                       </a:r>
                       <a:r>
-                        <a:rPr lang="en-US" altLang="ko-KR" sz="1600" b="0" dirty="0">
+                        <a:rPr lang="en-US" altLang="ko-KR" sz="1800" b="0" dirty="0">
                           <a:solidFill>
                             <a:schemeClr val="tx1"/>
                           </a:solidFill>
@@ -11993,14 +12000,14 @@
                         <a:t>’</a:t>
                       </a:r>
                       <a:r>
-                        <a:rPr lang="ko-KR" altLang="en-US" sz="1600" b="0" dirty="0">
+                        <a:rPr lang="ko-KR" altLang="en-US" sz="1800" b="0" dirty="0">
                           <a:solidFill>
                             <a:schemeClr val="tx1"/>
                           </a:solidFill>
                         </a:rPr>
                         <a:t>한 소비 아이템</a:t>
                       </a:r>
-                      <a:endParaRPr lang="en-US" altLang="ko-KR" sz="1600" b="0" dirty="0">
+                      <a:endParaRPr lang="en-US" altLang="ko-KR" sz="1800" b="0" dirty="0">
                         <a:solidFill>
                           <a:schemeClr val="tx1"/>
                         </a:solidFill>
@@ -12401,10 +12408,10 @@
       </p:sp>
       <p:pic>
         <p:nvPicPr>
-          <p:cNvPr id="6" name="그림 5">
+          <p:cNvPr id="3" name="그림 2">
             <a:extLst>
               <a:ext uri="{FF2B5EF4-FFF2-40B4-BE49-F238E27FC236}">
-                <a16:creationId xmlns:a16="http://schemas.microsoft.com/office/drawing/2014/main" id="{A430495F-79DC-4D06-9A00-4A4A10E32194}"/>
+                <a16:creationId xmlns:a16="http://schemas.microsoft.com/office/drawing/2014/main" id="{B4E7FA0D-00D1-4E23-A09F-9F624AAC168D}"/>
               </a:ext>
             </a:extLst>
           </p:cNvPr>
@@ -12427,8 +12434,8 @@
         </p:blipFill>
         <p:spPr>
           <a:xfrm>
-            <a:off x="3233737" y="1900237"/>
-            <a:ext cx="5724525" cy="3057525"/>
+            <a:off x="1328737" y="1900237"/>
+            <a:ext cx="9534525" cy="3057525"/>
           </a:xfrm>
           <a:prstGeom prst="rect">
             <a:avLst/>
@@ -12548,14 +12555,14 @@
           <p:nvPr>
             <p:extLst>
               <p:ext uri="{D42A27DB-BD31-4B8C-83A1-F6EECF244321}">
-                <p14:modId xmlns:p14="http://schemas.microsoft.com/office/powerpoint/2010/main" val="1004142792"/>
+                <p14:modId xmlns:p14="http://schemas.microsoft.com/office/powerpoint/2010/main" val="3521590496"/>
               </p:ext>
             </p:extLst>
           </p:nvPr>
         </p:nvGraphicFramePr>
         <p:xfrm>
-          <a:off x="2431097" y="1864360"/>
-          <a:ext cx="7329805" cy="3129280"/>
+          <a:off x="2009616" y="1772920"/>
+          <a:ext cx="8172768" cy="3312160"/>
         </p:xfrm>
         <a:graphic>
           <a:graphicData uri="http://schemas.openxmlformats.org/drawingml/2006/table">
@@ -12564,7 +12571,7 @@
                 <a:tableStyleId>{5C22544A-7EE6-4342-B048-85BDC9FD1C3A}</a:tableStyleId>
               </a:tblPr>
               <a:tblGrid>
-                <a:gridCol w="7329805">
+                <a:gridCol w="8172768">
                   <a:extLst>
                     <a:ext uri="{9D8B030D-6E8A-4147-A177-3AD203B41FA5}">
                       <a16:colId xmlns:a16="http://schemas.microsoft.com/office/drawing/2014/main" val="3852552135"/>
@@ -12580,7 +12587,7 @@
                     <a:p>
                       <a:pPr algn="l" latinLnBrk="1"/>
                       <a:r>
-                        <a:rPr lang="ko-KR" altLang="en-US" sz="1600" b="0" dirty="0">
+                        <a:rPr lang="ko-KR" altLang="en-US" sz="1800" b="0" dirty="0">
                           <a:solidFill>
                             <a:schemeClr val="tx1"/>
                           </a:solidFill>
@@ -12637,14 +12644,14 @@
                     <a:p>
                       <a:pPr algn="l" latinLnBrk="1"/>
                       <a:r>
-                        <a:rPr lang="ko-KR" altLang="en-US" sz="1600" b="0" dirty="0">
+                        <a:rPr lang="ko-KR" altLang="en-US" sz="1800" b="0" dirty="0">
                           <a:solidFill>
                             <a:schemeClr val="tx1"/>
                           </a:solidFill>
                         </a:rPr>
                         <a:t>스킬을 적용할 수 있는 대상의 유무를 판단하는 단계</a:t>
                       </a:r>
-                      <a:endParaRPr lang="en-US" altLang="ko-KR" sz="1600" b="0" dirty="0">
+                      <a:endParaRPr lang="en-US" altLang="ko-KR" sz="1800" b="0" dirty="0">
                         <a:solidFill>
                           <a:schemeClr val="tx1"/>
                         </a:solidFill>
@@ -12699,7 +12706,7 @@
                     <a:p>
                       <a:pPr algn="l" latinLnBrk="1"/>
                       <a:r>
-                        <a:rPr lang="ko-KR" altLang="en-US" sz="1600" b="0" dirty="0">
+                        <a:rPr lang="ko-KR" altLang="en-US" sz="1800" b="0" dirty="0">
                           <a:solidFill>
                             <a:schemeClr val="tx1"/>
                           </a:solidFill>
@@ -12707,7 +12714,7 @@
                         <a:t>크게 </a:t>
                       </a:r>
                       <a:r>
-                        <a:rPr lang="en-US" altLang="ko-KR" sz="1600" b="0" dirty="0">
+                        <a:rPr lang="en-US" altLang="ko-KR" sz="1800" b="0" dirty="0">
                           <a:solidFill>
                             <a:schemeClr val="tx1"/>
                           </a:solidFill>
@@ -12715,7 +12722,7 @@
                         <a:t>‘</a:t>
                       </a:r>
                       <a:r>
-                        <a:rPr lang="ko-KR" altLang="en-US" sz="1600" b="0" dirty="0">
+                        <a:rPr lang="ko-KR" altLang="en-US" sz="1800" b="0" dirty="0">
                           <a:solidFill>
                             <a:schemeClr val="tx1"/>
                           </a:solidFill>
@@ -12723,7 +12730,7 @@
                         <a:t>타겟</a:t>
                       </a:r>
                       <a:r>
-                        <a:rPr lang="en-US" altLang="ko-KR" sz="1600" b="0" dirty="0">
+                        <a:rPr lang="en-US" altLang="ko-KR" sz="1800" b="0" dirty="0">
                           <a:solidFill>
                             <a:schemeClr val="tx1"/>
                           </a:solidFill>
@@ -12731,7 +12738,7 @@
                         <a:t>’</a:t>
                       </a:r>
                       <a:r>
-                        <a:rPr lang="ko-KR" altLang="en-US" sz="1600" b="0" dirty="0">
+                        <a:rPr lang="ko-KR" altLang="en-US" sz="1800" b="0" dirty="0">
                           <a:solidFill>
                             <a:schemeClr val="tx1"/>
                           </a:solidFill>
@@ -12739,7 +12746,7 @@
                         <a:t>과 </a:t>
                       </a:r>
                       <a:r>
-                        <a:rPr lang="en-US" altLang="ko-KR" sz="1600" b="0" dirty="0">
+                        <a:rPr lang="en-US" altLang="ko-KR" sz="1800" b="0" dirty="0">
                           <a:solidFill>
                             <a:schemeClr val="tx1"/>
                           </a:solidFill>
@@ -12747,7 +12754,7 @@
                         <a:t>‘</a:t>
                       </a:r>
                       <a:r>
-                        <a:rPr lang="ko-KR" altLang="en-US" sz="1600" b="0" dirty="0">
+                        <a:rPr lang="ko-KR" altLang="en-US" sz="1800" b="0" dirty="0">
                           <a:solidFill>
                             <a:schemeClr val="tx1"/>
                           </a:solidFill>
@@ -12755,7 +12762,7 @@
                         <a:t>논 타겟</a:t>
                       </a:r>
                       <a:r>
-                        <a:rPr lang="en-US" altLang="ko-KR" sz="1600" b="0" dirty="0">
+                        <a:rPr lang="en-US" altLang="ko-KR" sz="1800" b="0" dirty="0">
                           <a:solidFill>
                             <a:schemeClr val="tx1"/>
                           </a:solidFill>
@@ -12763,7 +12770,7 @@
                         <a:t>’</a:t>
                       </a:r>
                       <a:r>
-                        <a:rPr lang="ko-KR" altLang="en-US" sz="1600" b="0" dirty="0">
+                        <a:rPr lang="ko-KR" altLang="en-US" sz="1800" b="0" dirty="0">
                           <a:solidFill>
                             <a:schemeClr val="tx1"/>
                           </a:solidFill>
@@ -12771,7 +12778,7 @@
                         <a:t>으로 구분한다</a:t>
                       </a:r>
                       <a:r>
-                        <a:rPr lang="en-US" altLang="ko-KR" sz="1600" b="0" dirty="0">
+                        <a:rPr lang="en-US" altLang="ko-KR" sz="1800" b="0" dirty="0">
                           <a:solidFill>
                             <a:schemeClr val="tx1"/>
                           </a:solidFill>
@@ -12825,7 +12832,7 @@
                     <a:lstStyle/>
                     <a:p>
                       <a:pPr algn="l" latinLnBrk="1"/>
-                      <a:endParaRPr lang="en-US" altLang="ko-KR" sz="1600" b="0" dirty="0">
+                      <a:endParaRPr lang="en-US" altLang="ko-KR" sz="1800" b="0" dirty="0">
                         <a:solidFill>
                           <a:schemeClr val="tx1"/>
                         </a:solidFill>
@@ -12881,7 +12888,7 @@
                         <a:buChar char="•"/>
                       </a:pPr>
                       <a:r>
-                        <a:rPr lang="en-US" altLang="ko-KR" sz="1600" b="0" dirty="0">
+                        <a:rPr lang="en-US" altLang="ko-KR" sz="1800" b="0" dirty="0">
                           <a:solidFill>
                             <a:schemeClr val="tx1"/>
                           </a:solidFill>
@@ -12889,7 +12896,7 @@
                         <a:t>‘</a:t>
                       </a:r>
                       <a:r>
-                        <a:rPr lang="ko-KR" altLang="en-US" sz="1600" b="0" dirty="0">
+                        <a:rPr lang="ko-KR" altLang="en-US" sz="1800" b="0" dirty="0">
                           <a:solidFill>
                             <a:schemeClr val="tx1"/>
                           </a:solidFill>
@@ -12897,7 +12904,7 @@
                         <a:t>타겟</a:t>
                       </a:r>
                       <a:r>
-                        <a:rPr lang="en-US" altLang="ko-KR" sz="1600" b="0" dirty="0">
+                        <a:rPr lang="en-US" altLang="ko-KR" sz="1800" b="0" dirty="0">
                           <a:solidFill>
                             <a:schemeClr val="tx1"/>
                           </a:solidFill>
@@ -12911,7 +12918,7 @@
                         <a:buNone/>
                       </a:pPr>
                       <a:r>
-                        <a:rPr lang="ko-KR" altLang="en-US" sz="1600" b="0" dirty="0">
+                        <a:rPr lang="ko-KR" altLang="en-US" sz="1800" b="0" dirty="0">
                           <a:solidFill>
                             <a:schemeClr val="tx1"/>
                           </a:solidFill>
@@ -12919,7 +12926,7 @@
                         <a:t>스킬을 몬스터</a:t>
                       </a:r>
                       <a:r>
-                        <a:rPr lang="en-US" altLang="ko-KR" sz="1600" b="0" dirty="0">
+                        <a:rPr lang="en-US" altLang="ko-KR" sz="1800" b="0" dirty="0">
                           <a:solidFill>
                             <a:schemeClr val="tx1"/>
                           </a:solidFill>
@@ -12927,7 +12934,7 @@
                         <a:t>, </a:t>
                       </a:r>
                       <a:r>
-                        <a:rPr lang="ko-KR" altLang="en-US" sz="1600" b="0" dirty="0">
+                        <a:rPr lang="ko-KR" altLang="en-US" sz="1800" b="0" dirty="0">
                           <a:solidFill>
                             <a:schemeClr val="tx1"/>
                           </a:solidFill>
@@ -12935,7 +12942,7 @@
                         <a:t>오브젝트</a:t>
                       </a:r>
                       <a:r>
-                        <a:rPr lang="en-US" altLang="ko-KR" sz="1600" b="0" dirty="0">
+                        <a:rPr lang="en-US" altLang="ko-KR" sz="1800" b="0" dirty="0">
                           <a:solidFill>
                             <a:schemeClr val="tx1"/>
                           </a:solidFill>
@@ -12943,14 +12950,14 @@
                         <a:t>, NPC </a:t>
                       </a:r>
                       <a:r>
-                        <a:rPr lang="ko-KR" altLang="en-US" sz="1600" b="0" dirty="0">
+                        <a:rPr lang="ko-KR" altLang="en-US" sz="1800" b="0" dirty="0">
                           <a:solidFill>
                             <a:schemeClr val="tx1"/>
                           </a:solidFill>
                         </a:rPr>
                         <a:t>같은 대상에게 시전하는 경우로</a:t>
                       </a:r>
-                      <a:endParaRPr lang="en-US" altLang="ko-KR" sz="1600" b="0" dirty="0">
+                      <a:endParaRPr lang="en-US" altLang="ko-KR" sz="1800" b="0" dirty="0">
                         <a:solidFill>
                           <a:schemeClr val="tx1"/>
                         </a:solidFill>
@@ -12962,15 +12969,15 @@
                         <a:buNone/>
                       </a:pPr>
                       <a:r>
-                        <a:rPr lang="ko-KR" altLang="en-US" sz="1600" b="0" dirty="0">
-                          <a:solidFill>
-                            <a:schemeClr val="tx1"/>
-                          </a:solidFill>
-                        </a:rPr>
-                        <a:t>대상이 없을 경우 시전할 수 없다</a:t>
-                      </a:r>
-                      <a:r>
-                        <a:rPr lang="en-US" altLang="ko-KR" sz="1600" b="0" dirty="0">
+                        <a:rPr lang="ko-KR" altLang="en-US" sz="1800" b="0" dirty="0">
+                          <a:solidFill>
+                            <a:schemeClr val="tx1"/>
+                          </a:solidFill>
+                        </a:rPr>
+                        <a:t>스킬을 사용할 수 있는 대상이 없을 경우 시전할 수 없다</a:t>
+                      </a:r>
+                      <a:r>
+                        <a:rPr lang="en-US" altLang="ko-KR" sz="1800" b="0" dirty="0">
                           <a:solidFill>
                             <a:schemeClr val="tx1"/>
                           </a:solidFill>
@@ -13028,7 +13035,7 @@
                         <a:buChar char="•"/>
                       </a:pPr>
                       <a:r>
-                        <a:rPr lang="en-US" altLang="ko-KR" sz="1600" b="0" dirty="0">
+                        <a:rPr lang="en-US" altLang="ko-KR" sz="1800" b="0" dirty="0">
                           <a:solidFill>
                             <a:schemeClr val="tx1"/>
                           </a:solidFill>
@@ -13036,7 +13043,7 @@
                         <a:t>‘</a:t>
                       </a:r>
                       <a:r>
-                        <a:rPr lang="ko-KR" altLang="en-US" sz="1600" b="0" dirty="0">
+                        <a:rPr lang="ko-KR" altLang="en-US" sz="1800" b="0" dirty="0">
                           <a:solidFill>
                             <a:schemeClr val="tx1"/>
                           </a:solidFill>
@@ -13044,7 +13051,7 @@
                         <a:t>논 타겟</a:t>
                       </a:r>
                       <a:r>
-                        <a:rPr lang="en-US" altLang="ko-KR" sz="1600" b="0" dirty="0">
+                        <a:rPr lang="en-US" altLang="ko-KR" sz="1800" b="0" dirty="0">
                           <a:solidFill>
                             <a:schemeClr val="tx1"/>
                           </a:solidFill>
@@ -13058,7 +13065,7 @@
                         <a:buNone/>
                       </a:pPr>
                       <a:r>
-                        <a:rPr lang="ko-KR" altLang="en-US" sz="1600" b="0" dirty="0">
+                        <a:rPr lang="ko-KR" altLang="en-US" sz="1800" b="0" dirty="0">
                           <a:solidFill>
                             <a:schemeClr val="tx1"/>
                           </a:solidFill>
@@ -13066,7 +13073,7 @@
                         <a:t>스킬을 몬스터</a:t>
                       </a:r>
                       <a:r>
-                        <a:rPr lang="en-US" altLang="ko-KR" sz="1600" b="0" dirty="0">
+                        <a:rPr lang="en-US" altLang="ko-KR" sz="1800" b="0" dirty="0">
                           <a:solidFill>
                             <a:schemeClr val="tx1"/>
                           </a:solidFill>
@@ -13074,7 +13081,7 @@
                         <a:t>, </a:t>
                       </a:r>
                       <a:r>
-                        <a:rPr lang="ko-KR" altLang="en-US" sz="1600" b="0" dirty="0">
+                        <a:rPr lang="ko-KR" altLang="en-US" sz="1800" b="0" dirty="0">
                           <a:solidFill>
                             <a:schemeClr val="tx1"/>
                           </a:solidFill>
@@ -13082,7 +13089,7 @@
                         <a:t>오브젝트</a:t>
                       </a:r>
                       <a:r>
-                        <a:rPr lang="en-US" altLang="ko-KR" sz="1600" b="0" dirty="0">
+                        <a:rPr lang="en-US" altLang="ko-KR" sz="1800" b="0" dirty="0">
                           <a:solidFill>
                             <a:schemeClr val="tx1"/>
                           </a:solidFill>
@@ -13090,14 +13097,14 @@
                         <a:t>, NPC </a:t>
                       </a:r>
                       <a:r>
-                        <a:rPr lang="ko-KR" altLang="en-US" sz="1600" b="0" dirty="0">
+                        <a:rPr lang="ko-KR" altLang="en-US" sz="1800" b="0" dirty="0">
                           <a:solidFill>
                             <a:schemeClr val="tx1"/>
                           </a:solidFill>
                         </a:rPr>
                         <a:t>같은 대상이 아닌 지형에 시전하는 경우로</a:t>
                       </a:r>
-                      <a:endParaRPr lang="en-US" altLang="ko-KR" sz="1600" b="0" dirty="0">
+                      <a:endParaRPr lang="en-US" altLang="ko-KR" sz="1800" b="0" dirty="0">
                         <a:solidFill>
                           <a:schemeClr val="tx1"/>
                         </a:solidFill>
@@ -13109,7 +13116,7 @@
                         <a:buNone/>
                       </a:pPr>
                       <a:r>
-                        <a:rPr lang="ko-KR" altLang="en-US" sz="1600" b="0" dirty="0">
+                        <a:rPr lang="ko-KR" altLang="en-US" sz="1800" b="0" dirty="0">
                           <a:solidFill>
                             <a:schemeClr val="tx1"/>
                           </a:solidFill>
@@ -13117,7 +13124,7 @@
                         <a:t>대상이 없을 경우에도 시전할 수 있다</a:t>
                       </a:r>
                       <a:r>
-                        <a:rPr lang="en-US" altLang="ko-KR" sz="1600" b="0" dirty="0">
+                        <a:rPr lang="en-US" altLang="ko-KR" sz="1800" b="0" dirty="0">
                           <a:solidFill>
                             <a:schemeClr val="tx1"/>
                           </a:solidFill>
@@ -13268,10 +13275,10 @@
       </p:sp>
       <p:pic>
         <p:nvPicPr>
-          <p:cNvPr id="6" name="그림 5">
+          <p:cNvPr id="3" name="그림 2">
             <a:extLst>
               <a:ext uri="{FF2B5EF4-FFF2-40B4-BE49-F238E27FC236}">
-                <a16:creationId xmlns:a16="http://schemas.microsoft.com/office/drawing/2014/main" id="{DDA9925E-710E-4575-8DBF-EA029E2774B5}"/>
+                <a16:creationId xmlns:a16="http://schemas.microsoft.com/office/drawing/2014/main" id="{5FBEDCB4-DC8D-4A82-A241-CA48B94BE44B}"/>
               </a:ext>
             </a:extLst>
           </p:cNvPr>
@@ -13294,8 +13301,8 @@
         </p:blipFill>
         <p:spPr>
           <a:xfrm>
-            <a:off x="3233737" y="1900237"/>
-            <a:ext cx="5724525" cy="3057525"/>
+            <a:off x="3805237" y="1328737"/>
+            <a:ext cx="4581525" cy="4200525"/>
           </a:xfrm>
           <a:prstGeom prst="rect">
             <a:avLst/>
@@ -15872,10 +15879,10 @@
       </p:sp>
       <p:pic>
         <p:nvPicPr>
-          <p:cNvPr id="4" name="그림 3">
+          <p:cNvPr id="3" name="그림 2">
             <a:extLst>
               <a:ext uri="{FF2B5EF4-FFF2-40B4-BE49-F238E27FC236}">
-                <a16:creationId xmlns:a16="http://schemas.microsoft.com/office/drawing/2014/main" id="{5EE901EA-68D9-4BF0-89AA-A425D02E3734}"/>
+                <a16:creationId xmlns:a16="http://schemas.microsoft.com/office/drawing/2014/main" id="{9006AC9B-C969-4268-8D2B-781B814ED8ED}"/>
               </a:ext>
             </a:extLst>
           </p:cNvPr>
@@ -15898,8 +15905,8 @@
         </p:blipFill>
         <p:spPr>
           <a:xfrm>
-            <a:off x="4757737" y="1900237"/>
-            <a:ext cx="2676525" cy="3057525"/>
+            <a:off x="3805237" y="1900237"/>
+            <a:ext cx="4581525" cy="3057525"/>
           </a:xfrm>
           <a:prstGeom prst="rect">
             <a:avLst/>
@@ -16016,7 +16023,13 @@
           <p:cNvGraphicFramePr>
             <a:graphicFrameLocks noGrp="1"/>
           </p:cNvGraphicFramePr>
-          <p:nvPr/>
+          <p:nvPr>
+            <p:extLst>
+              <p:ext uri="{D42A27DB-BD31-4B8C-83A1-F6EECF244321}">
+                <p14:modId xmlns:p14="http://schemas.microsoft.com/office/powerpoint/2010/main" val="1199496378"/>
+              </p:ext>
+            </p:extLst>
+          </p:nvPr>
         </p:nvGraphicFramePr>
         <p:xfrm>
           <a:off x="1754822" y="1945640"/>
@@ -16136,9 +16149,7 @@
                       <a:tailEnd type="none" w="med" len="med"/>
                     </a:lnT>
                     <a:lnB w="12700" cap="flat" cmpd="sng" algn="ctr">
-                      <a:solidFill>
-                        <a:schemeClr val="tx1"/>
-                      </a:solidFill>
+                      <a:noFill/>
                       <a:prstDash val="solid"/>
                       <a:round/>
                       <a:headEnd type="none" w="med" len="med"/>
@@ -16194,9 +16205,7 @@
                       <a:noFill/>
                     </a:lnR>
                     <a:lnT w="12700" cap="flat" cmpd="sng" algn="ctr">
-                      <a:solidFill>
-                        <a:schemeClr val="tx1"/>
-                      </a:solidFill>
+                      <a:noFill/>
                       <a:prstDash val="solid"/>
                       <a:round/>
                       <a:headEnd type="none" w="med" len="med"/>
@@ -16367,7 +16376,7 @@
                             <a:schemeClr val="tx1"/>
                           </a:solidFill>
                         </a:rPr>
-                        <a:t>일반적으로 스킬은 별로 개별의 쿨 타임을 적용한다</a:t>
+                        <a:t>일반적인 스킬은 개별의 쿨 타임을 적용한다</a:t>
                       </a:r>
                       <a:r>
                         <a:rPr lang="en-US" altLang="ko-KR" b="0" dirty="0">
@@ -16660,10 +16669,10 @@
       </p:sp>
       <p:pic>
         <p:nvPicPr>
-          <p:cNvPr id="3" name="그림 2">
+          <p:cNvPr id="4" name="그림 3">
             <a:extLst>
               <a:ext uri="{FF2B5EF4-FFF2-40B4-BE49-F238E27FC236}">
-                <a16:creationId xmlns:a16="http://schemas.microsoft.com/office/drawing/2014/main" id="{D0539100-D94B-4074-ABF5-551B24CC2FE5}"/>
+                <a16:creationId xmlns:a16="http://schemas.microsoft.com/office/drawing/2014/main" id="{71BCE19C-3BA7-4E09-987D-3D899B2A1CC1}"/>
               </a:ext>
             </a:extLst>
           </p:cNvPr>
@@ -16686,8 +16695,8 @@
         </p:blipFill>
         <p:spPr>
           <a:xfrm>
-            <a:off x="3233737" y="1900237"/>
-            <a:ext cx="5724525" cy="3057525"/>
+            <a:off x="1328737" y="1900237"/>
+            <a:ext cx="9534525" cy="3057525"/>
           </a:xfrm>
           <a:prstGeom prst="rect">
             <a:avLst/>
@@ -17877,10 +17886,10 @@
       </p:sp>
       <p:pic>
         <p:nvPicPr>
-          <p:cNvPr id="9" name="그림 8">
+          <p:cNvPr id="3" name="그림 2">
             <a:extLst>
               <a:ext uri="{FF2B5EF4-FFF2-40B4-BE49-F238E27FC236}">
-                <a16:creationId xmlns:a16="http://schemas.microsoft.com/office/drawing/2014/main" id="{B738E8EF-6611-48BE-9432-A69A08E916FA}"/>
+                <a16:creationId xmlns:a16="http://schemas.microsoft.com/office/drawing/2014/main" id="{99B8A820-D1CB-4A90-8188-D07918E17BFF}"/>
               </a:ext>
             </a:extLst>
           </p:cNvPr>
@@ -17903,8 +17912,8 @@
         </p:blipFill>
         <p:spPr>
           <a:xfrm>
-            <a:off x="3233737" y="1900237"/>
-            <a:ext cx="5724525" cy="3057525"/>
+            <a:off x="1328737" y="1900237"/>
+            <a:ext cx="9534525" cy="3057525"/>
           </a:xfrm>
           <a:prstGeom prst="rect">
             <a:avLst/>
@@ -17915,6 +17924,815 @@
     <p:extLst>
       <p:ext uri="{BB962C8B-B14F-4D97-AF65-F5344CB8AC3E}">
         <p14:creationId xmlns:p14="http://schemas.microsoft.com/office/powerpoint/2010/main" val="2841827656"/>
+      </p:ext>
+    </p:extLst>
+  </p:cSld>
+  <p:clrMapOvr>
+    <a:masterClrMapping/>
+  </p:clrMapOvr>
+</p:sld>
+</file>
+
+<file path=ppt/slides/slide25.xml><?xml version="1.0" encoding="utf-8"?>
+<p:sld xmlns:a="http://schemas.openxmlformats.org/drawingml/2006/main" xmlns:r="http://schemas.openxmlformats.org/officeDocument/2006/relationships" xmlns:p="http://schemas.openxmlformats.org/presentationml/2006/main">
+  <p:cSld>
+    <p:spTree>
+      <p:nvGrpSpPr>
+        <p:cNvPr id="1" name="">
+          <a:extLst>
+            <a:ext uri="{FF2B5EF4-FFF2-40B4-BE49-F238E27FC236}">
+              <a16:creationId xmlns:a16="http://schemas.microsoft.com/office/drawing/2014/main" id="{97D197AA-84F0-F5C0-0EFF-4D32AEA6B41D}"/>
+            </a:ext>
+          </a:extLst>
+        </p:cNvPr>
+        <p:cNvGrpSpPr/>
+        <p:nvPr/>
+      </p:nvGrpSpPr>
+      <p:grpSpPr>
+        <a:xfrm>
+          <a:off x="0" y="0"/>
+          <a:ext cx="0" cy="0"/>
+          <a:chOff x="0" y="0"/>
+          <a:chExt cx="0" cy="0"/>
+        </a:xfrm>
+      </p:grpSpPr>
+      <p:sp>
+        <p:nvSpPr>
+          <p:cNvPr id="7" name="제목 1">
+            <a:extLst>
+              <a:ext uri="{FF2B5EF4-FFF2-40B4-BE49-F238E27FC236}">
+                <a16:creationId xmlns:a16="http://schemas.microsoft.com/office/drawing/2014/main" id="{92EDB42B-8FA9-2D56-061E-BBB201499F0D}"/>
+              </a:ext>
+            </a:extLst>
+          </p:cNvPr>
+          <p:cNvSpPr txBox="1">
+            <a:spLocks/>
+          </p:cNvSpPr>
+          <p:nvPr/>
+        </p:nvSpPr>
+        <p:spPr>
+          <a:xfrm>
+            <a:off x="695325" y="292100"/>
+            <a:ext cx="10801350" cy="861695"/>
+          </a:xfrm>
+          <a:prstGeom prst="rect">
+            <a:avLst/>
+          </a:prstGeom>
+        </p:spPr>
+        <p:txBody>
+          <a:bodyPr vert="horz" lIns="91440" tIns="45720" rIns="91440" bIns="45720" rtlCol="0" anchor="ctr">
+            <a:normAutofit/>
+          </a:bodyPr>
+          <a:lstStyle>
+            <a:lvl1pPr algn="l" defTabSz="914400" rtl="0" eaLnBrk="1" latinLnBrk="1" hangingPunct="1">
+              <a:lnSpc>
+                <a:spcPct val="90000"/>
+              </a:lnSpc>
+              <a:spcBef>
+                <a:spcPct val="0"/>
+              </a:spcBef>
+              <a:buNone/>
+              <a:defRPr sz="4400" kern="1200">
+                <a:solidFill>
+                  <a:schemeClr val="tx1"/>
+                </a:solidFill>
+                <a:latin typeface="+mj-lt"/>
+                <a:ea typeface="+mj-ea"/>
+                <a:cs typeface="+mj-cs"/>
+              </a:defRPr>
+            </a:lvl1pPr>
+          </a:lstStyle>
+          <a:p>
+            <a:r>
+              <a:rPr lang="ko-KR" altLang="en-US" dirty="0"/>
+              <a:t>발동 과정</a:t>
+            </a:r>
+          </a:p>
+        </p:txBody>
+      </p:sp>
+      <p:pic>
+        <p:nvPicPr>
+          <p:cNvPr id="1032" name="Picture 8">
+            <a:extLst>
+              <a:ext uri="{FF2B5EF4-FFF2-40B4-BE49-F238E27FC236}">
+                <a16:creationId xmlns:a16="http://schemas.microsoft.com/office/drawing/2014/main" id="{27BF8CA6-583D-1363-2656-A9729C781C72}"/>
+              </a:ext>
+            </a:extLst>
+          </p:cNvPr>
+          <p:cNvPicPr>
+            <a:picLocks noChangeAspect="1" noChangeArrowheads="1"/>
+          </p:cNvPicPr>
+          <p:nvPr/>
+        </p:nvPicPr>
+        <p:blipFill>
+          <a:blip r:embed="rId2">
+            <a:extLst>
+              <a:ext uri="{28A0092B-C50C-407E-A947-70E740481C1C}">
+                <a14:useLocalDpi xmlns:a14="http://schemas.microsoft.com/office/drawing/2010/main" val="0"/>
+              </a:ext>
+            </a:extLst>
+          </a:blip>
+          <a:srcRect/>
+          <a:stretch>
+            <a:fillRect/>
+          </a:stretch>
+        </p:blipFill>
+        <p:spPr bwMode="auto">
+          <a:xfrm>
+            <a:off x="2341714" y="2743200"/>
+            <a:ext cx="657434" cy="685800"/>
+          </a:xfrm>
+          <a:prstGeom prst="rect">
+            <a:avLst/>
+          </a:prstGeom>
+          <a:noFill/>
+          <a:extLst>
+            <a:ext uri="{909E8E84-426E-40DD-AFC4-6F175D3DCCD1}">
+              <a14:hiddenFill xmlns:a14="http://schemas.microsoft.com/office/drawing/2010/main">
+                <a:solidFill>
+                  <a:srgbClr val="FFFFFF"/>
+                </a:solidFill>
+              </a14:hiddenFill>
+            </a:ext>
+          </a:extLst>
+        </p:spPr>
+      </p:pic>
+      <p:sp>
+        <p:nvSpPr>
+          <p:cNvPr id="4" name="사각형: 둥근 대각선 방향 모서리 3">
+            <a:extLst>
+              <a:ext uri="{FF2B5EF4-FFF2-40B4-BE49-F238E27FC236}">
+                <a16:creationId xmlns:a16="http://schemas.microsoft.com/office/drawing/2014/main" id="{C0C72C08-7D11-E145-66FE-C8A7DA2387FF}"/>
+              </a:ext>
+            </a:extLst>
+          </p:cNvPr>
+          <p:cNvSpPr/>
+          <p:nvPr/>
+        </p:nvSpPr>
+        <p:spPr>
+          <a:xfrm flipH="1">
+            <a:off x="690564" y="2349137"/>
+            <a:ext cx="1567015" cy="1079863"/>
+          </a:xfrm>
+          <a:prstGeom prst="round2DiagRect">
+            <a:avLst>
+              <a:gd name="adj1" fmla="val 44086"/>
+              <a:gd name="adj2" fmla="val 0"/>
+            </a:avLst>
+          </a:prstGeom>
+          <a:solidFill>
+            <a:schemeClr val="bg1">
+              <a:lumMod val="95000"/>
+            </a:schemeClr>
+          </a:solidFill>
+          <a:ln>
+            <a:noFill/>
+          </a:ln>
+        </p:spPr>
+        <p:style>
+          <a:lnRef idx="2">
+            <a:schemeClr val="accent1">
+              <a:shade val="15000"/>
+            </a:schemeClr>
+          </a:lnRef>
+          <a:fillRef idx="1">
+            <a:schemeClr val="accent1"/>
+          </a:fillRef>
+          <a:effectRef idx="0">
+            <a:schemeClr val="accent1"/>
+          </a:effectRef>
+          <a:fontRef idx="minor">
+            <a:schemeClr val="lt1"/>
+          </a:fontRef>
+        </p:style>
+        <p:txBody>
+          <a:bodyPr rtlCol="0" anchor="ctr"/>
+          <a:lstStyle/>
+          <a:p>
+            <a:pPr algn="ctr"/>
+            <a:endParaRPr lang="ko-KR" altLang="en-US" dirty="0">
+              <a:solidFill>
+                <a:schemeClr val="tx1"/>
+              </a:solidFill>
+            </a:endParaRPr>
+          </a:p>
+        </p:txBody>
+      </p:sp>
+      <p:sp>
+        <p:nvSpPr>
+          <p:cNvPr id="6" name="TextBox 5">
+            <a:extLst>
+              <a:ext uri="{FF2B5EF4-FFF2-40B4-BE49-F238E27FC236}">
+                <a16:creationId xmlns:a16="http://schemas.microsoft.com/office/drawing/2014/main" id="{25BFE1AA-792E-52B9-B1DC-C7B2154D34BD}"/>
+              </a:ext>
+            </a:extLst>
+          </p:cNvPr>
+          <p:cNvSpPr txBox="1"/>
+          <p:nvPr/>
+        </p:nvSpPr>
+        <p:spPr>
+          <a:xfrm>
+            <a:off x="690563" y="3429000"/>
+            <a:ext cx="1719261" cy="415498"/>
+          </a:xfrm>
+          <a:prstGeom prst="rect">
+            <a:avLst/>
+          </a:prstGeom>
+          <a:noFill/>
+        </p:spPr>
+        <p:txBody>
+          <a:bodyPr wrap="square" rtlCol="0">
+            <a:spAutoFit/>
+          </a:bodyPr>
+          <a:lstStyle/>
+          <a:p>
+            <a:pPr algn="l" latinLnBrk="1"/>
+            <a:r>
+              <a:rPr lang="ko-KR" altLang="en-US" sz="1050" b="0" dirty="0">
+                <a:solidFill>
+                  <a:schemeClr val="tx1"/>
+                </a:solidFill>
+              </a:rPr>
+              <a:t>스킬을 사용 가능 여부를 판단하는 단계</a:t>
+            </a:r>
+            <a:endParaRPr lang="en-US" altLang="ko-KR" sz="1050" b="0" dirty="0">
+              <a:solidFill>
+                <a:schemeClr val="tx1"/>
+              </a:solidFill>
+            </a:endParaRPr>
+          </a:p>
+        </p:txBody>
+      </p:sp>
+      <p:pic>
+        <p:nvPicPr>
+          <p:cNvPr id="14" name="Picture 8">
+            <a:extLst>
+              <a:ext uri="{FF2B5EF4-FFF2-40B4-BE49-F238E27FC236}">
+                <a16:creationId xmlns:a16="http://schemas.microsoft.com/office/drawing/2014/main" id="{6F7544E2-1BD8-A155-E7A1-1FF277BBA805}"/>
+              </a:ext>
+            </a:extLst>
+          </p:cNvPr>
+          <p:cNvPicPr>
+            <a:picLocks noChangeAspect="1" noChangeArrowheads="1"/>
+          </p:cNvPicPr>
+          <p:nvPr/>
+        </p:nvPicPr>
+        <p:blipFill>
+          <a:blip r:embed="rId2">
+            <a:extLst>
+              <a:ext uri="{28A0092B-C50C-407E-A947-70E740481C1C}">
+                <a14:useLocalDpi xmlns:a14="http://schemas.microsoft.com/office/drawing/2010/main" val="0"/>
+              </a:ext>
+            </a:extLst>
+          </a:blip>
+          <a:srcRect/>
+          <a:stretch>
+            <a:fillRect/>
+          </a:stretch>
+        </p:blipFill>
+        <p:spPr bwMode="auto">
+          <a:xfrm>
+            <a:off x="4650298" y="2743200"/>
+            <a:ext cx="657434" cy="685800"/>
+          </a:xfrm>
+          <a:prstGeom prst="rect">
+            <a:avLst/>
+          </a:prstGeom>
+          <a:noFill/>
+          <a:extLst>
+            <a:ext uri="{909E8E84-426E-40DD-AFC4-6F175D3DCCD1}">
+              <a14:hiddenFill xmlns:a14="http://schemas.microsoft.com/office/drawing/2010/main">
+                <a:solidFill>
+                  <a:srgbClr val="FFFFFF"/>
+                </a:solidFill>
+              </a14:hiddenFill>
+            </a:ext>
+          </a:extLst>
+        </p:spPr>
+      </p:pic>
+      <p:sp>
+        <p:nvSpPr>
+          <p:cNvPr id="15" name="사각형: 둥근 대각선 방향 모서리 14">
+            <a:extLst>
+              <a:ext uri="{FF2B5EF4-FFF2-40B4-BE49-F238E27FC236}">
+                <a16:creationId xmlns:a16="http://schemas.microsoft.com/office/drawing/2014/main" id="{D2E6D678-9509-86FD-5B4D-DEF024A79F09}"/>
+              </a:ext>
+            </a:extLst>
+          </p:cNvPr>
+          <p:cNvSpPr/>
+          <p:nvPr/>
+        </p:nvSpPr>
+        <p:spPr>
+          <a:xfrm flipH="1">
+            <a:off x="2999148" y="2349137"/>
+            <a:ext cx="1567015" cy="1079863"/>
+          </a:xfrm>
+          <a:prstGeom prst="round2DiagRect">
+            <a:avLst>
+              <a:gd name="adj1" fmla="val 44086"/>
+              <a:gd name="adj2" fmla="val 0"/>
+            </a:avLst>
+          </a:prstGeom>
+          <a:solidFill>
+            <a:schemeClr val="bg1">
+              <a:lumMod val="95000"/>
+            </a:schemeClr>
+          </a:solidFill>
+          <a:ln>
+            <a:noFill/>
+          </a:ln>
+        </p:spPr>
+        <p:style>
+          <a:lnRef idx="2">
+            <a:schemeClr val="accent1">
+              <a:shade val="15000"/>
+            </a:schemeClr>
+          </a:lnRef>
+          <a:fillRef idx="1">
+            <a:schemeClr val="accent1"/>
+          </a:fillRef>
+          <a:effectRef idx="0">
+            <a:schemeClr val="accent1"/>
+          </a:effectRef>
+          <a:fontRef idx="minor">
+            <a:schemeClr val="lt1"/>
+          </a:fontRef>
+        </p:style>
+        <p:txBody>
+          <a:bodyPr rtlCol="0" anchor="ctr"/>
+          <a:lstStyle/>
+          <a:p>
+            <a:pPr algn="ctr"/>
+            <a:endParaRPr lang="ko-KR" altLang="en-US" dirty="0">
+              <a:solidFill>
+                <a:schemeClr val="tx1"/>
+              </a:solidFill>
+            </a:endParaRPr>
+          </a:p>
+        </p:txBody>
+      </p:sp>
+      <p:sp>
+        <p:nvSpPr>
+          <p:cNvPr id="16" name="TextBox 15">
+            <a:extLst>
+              <a:ext uri="{FF2B5EF4-FFF2-40B4-BE49-F238E27FC236}">
+                <a16:creationId xmlns:a16="http://schemas.microsoft.com/office/drawing/2014/main" id="{8BF89203-C1BA-3CA0-8E5B-59F16614993A}"/>
+              </a:ext>
+            </a:extLst>
+          </p:cNvPr>
+          <p:cNvSpPr txBox="1"/>
+          <p:nvPr/>
+        </p:nvSpPr>
+        <p:spPr>
+          <a:xfrm>
+            <a:off x="2999148" y="3429000"/>
+            <a:ext cx="1567015" cy="261610"/>
+          </a:xfrm>
+          <a:prstGeom prst="rect">
+            <a:avLst/>
+          </a:prstGeom>
+          <a:noFill/>
+        </p:spPr>
+        <p:txBody>
+          <a:bodyPr wrap="square" rtlCol="0">
+            <a:spAutoFit/>
+          </a:bodyPr>
+          <a:lstStyle/>
+          <a:p>
+            <a:r>
+              <a:rPr lang="ko-KR" altLang="en-US" sz="1050" dirty="0"/>
+              <a:t>스킬을 사용하는 단계</a:t>
+            </a:r>
+          </a:p>
+        </p:txBody>
+      </p:sp>
+      <p:pic>
+        <p:nvPicPr>
+          <p:cNvPr id="18" name="Picture 8">
+            <a:extLst>
+              <a:ext uri="{FF2B5EF4-FFF2-40B4-BE49-F238E27FC236}">
+                <a16:creationId xmlns:a16="http://schemas.microsoft.com/office/drawing/2014/main" id="{E2CC0D63-5C80-CBA9-347B-AE2C6D42D4FE}"/>
+              </a:ext>
+            </a:extLst>
+          </p:cNvPr>
+          <p:cNvPicPr>
+            <a:picLocks noChangeAspect="1" noChangeArrowheads="1"/>
+          </p:cNvPicPr>
+          <p:nvPr/>
+        </p:nvPicPr>
+        <p:blipFill>
+          <a:blip r:embed="rId2">
+            <a:extLst>
+              <a:ext uri="{28A0092B-C50C-407E-A947-70E740481C1C}">
+                <a14:useLocalDpi xmlns:a14="http://schemas.microsoft.com/office/drawing/2010/main" val="0"/>
+              </a:ext>
+            </a:extLst>
+          </a:blip>
+          <a:srcRect/>
+          <a:stretch>
+            <a:fillRect/>
+          </a:stretch>
+        </p:blipFill>
+        <p:spPr bwMode="auto">
+          <a:xfrm>
+            <a:off x="6958881" y="2743200"/>
+            <a:ext cx="657434" cy="685800"/>
+          </a:xfrm>
+          <a:prstGeom prst="rect">
+            <a:avLst/>
+          </a:prstGeom>
+          <a:noFill/>
+          <a:extLst>
+            <a:ext uri="{909E8E84-426E-40DD-AFC4-6F175D3DCCD1}">
+              <a14:hiddenFill xmlns:a14="http://schemas.microsoft.com/office/drawing/2010/main">
+                <a:solidFill>
+                  <a:srgbClr val="FFFFFF"/>
+                </a:solidFill>
+              </a14:hiddenFill>
+            </a:ext>
+          </a:extLst>
+        </p:spPr>
+      </p:pic>
+      <p:sp>
+        <p:nvSpPr>
+          <p:cNvPr id="19" name="사각형: 둥근 대각선 방향 모서리 18">
+            <a:extLst>
+              <a:ext uri="{FF2B5EF4-FFF2-40B4-BE49-F238E27FC236}">
+                <a16:creationId xmlns:a16="http://schemas.microsoft.com/office/drawing/2014/main" id="{E8F79191-7407-F6E6-DCC3-EFB11E7F64C2}"/>
+              </a:ext>
+            </a:extLst>
+          </p:cNvPr>
+          <p:cNvSpPr/>
+          <p:nvPr/>
+        </p:nvSpPr>
+        <p:spPr>
+          <a:xfrm flipH="1">
+            <a:off x="5307731" y="2349137"/>
+            <a:ext cx="1567015" cy="1079863"/>
+          </a:xfrm>
+          <a:prstGeom prst="round2DiagRect">
+            <a:avLst>
+              <a:gd name="adj1" fmla="val 44086"/>
+              <a:gd name="adj2" fmla="val 0"/>
+            </a:avLst>
+          </a:prstGeom>
+          <a:solidFill>
+            <a:schemeClr val="bg1">
+              <a:lumMod val="95000"/>
+            </a:schemeClr>
+          </a:solidFill>
+          <a:ln>
+            <a:noFill/>
+          </a:ln>
+        </p:spPr>
+        <p:style>
+          <a:lnRef idx="2">
+            <a:schemeClr val="accent1">
+              <a:shade val="15000"/>
+            </a:schemeClr>
+          </a:lnRef>
+          <a:fillRef idx="1">
+            <a:schemeClr val="accent1"/>
+          </a:fillRef>
+          <a:effectRef idx="0">
+            <a:schemeClr val="accent1"/>
+          </a:effectRef>
+          <a:fontRef idx="minor">
+            <a:schemeClr val="lt1"/>
+          </a:fontRef>
+        </p:style>
+        <p:txBody>
+          <a:bodyPr rtlCol="0" anchor="ctr"/>
+          <a:lstStyle/>
+          <a:p>
+            <a:pPr algn="ctr"/>
+            <a:endParaRPr lang="ko-KR" altLang="en-US" dirty="0">
+              <a:solidFill>
+                <a:schemeClr val="tx1"/>
+              </a:solidFill>
+            </a:endParaRPr>
+          </a:p>
+        </p:txBody>
+      </p:sp>
+      <p:sp>
+        <p:nvSpPr>
+          <p:cNvPr id="20" name="TextBox 19">
+            <a:extLst>
+              <a:ext uri="{FF2B5EF4-FFF2-40B4-BE49-F238E27FC236}">
+                <a16:creationId xmlns:a16="http://schemas.microsoft.com/office/drawing/2014/main" id="{E35EC4F9-F077-3832-FF93-0CDF243A9AB2}"/>
+              </a:ext>
+            </a:extLst>
+          </p:cNvPr>
+          <p:cNvSpPr txBox="1"/>
+          <p:nvPr/>
+        </p:nvSpPr>
+        <p:spPr>
+          <a:xfrm>
+            <a:off x="5307731" y="3429000"/>
+            <a:ext cx="1567015" cy="261610"/>
+          </a:xfrm>
+          <a:prstGeom prst="rect">
+            <a:avLst/>
+          </a:prstGeom>
+          <a:noFill/>
+        </p:spPr>
+        <p:txBody>
+          <a:bodyPr wrap="square" rtlCol="0">
+            <a:spAutoFit/>
+          </a:bodyPr>
+          <a:lstStyle/>
+          <a:p>
+            <a:r>
+              <a:rPr lang="ko-KR" altLang="en-US" sz="1050" dirty="0"/>
+              <a:t>효과를 발동하는 단계</a:t>
+            </a:r>
+          </a:p>
+        </p:txBody>
+      </p:sp>
+      <p:pic>
+        <p:nvPicPr>
+          <p:cNvPr id="22" name="Picture 8">
+            <a:extLst>
+              <a:ext uri="{FF2B5EF4-FFF2-40B4-BE49-F238E27FC236}">
+                <a16:creationId xmlns:a16="http://schemas.microsoft.com/office/drawing/2014/main" id="{5B57B7EB-4DAF-5F77-9BFF-A5DCB384FFDE}"/>
+              </a:ext>
+            </a:extLst>
+          </p:cNvPr>
+          <p:cNvPicPr>
+            <a:picLocks noChangeAspect="1" noChangeArrowheads="1"/>
+          </p:cNvPicPr>
+          <p:nvPr/>
+        </p:nvPicPr>
+        <p:blipFill>
+          <a:blip r:embed="rId2">
+            <a:extLst>
+              <a:ext uri="{28A0092B-C50C-407E-A947-70E740481C1C}">
+                <a14:useLocalDpi xmlns:a14="http://schemas.microsoft.com/office/drawing/2010/main" val="0"/>
+              </a:ext>
+            </a:extLst>
+          </a:blip>
+          <a:srcRect/>
+          <a:stretch>
+            <a:fillRect/>
+          </a:stretch>
+        </p:blipFill>
+        <p:spPr bwMode="auto">
+          <a:xfrm>
+            <a:off x="9267465" y="2743200"/>
+            <a:ext cx="657434" cy="685800"/>
+          </a:xfrm>
+          <a:prstGeom prst="rect">
+            <a:avLst/>
+          </a:prstGeom>
+          <a:noFill/>
+          <a:extLst>
+            <a:ext uri="{909E8E84-426E-40DD-AFC4-6F175D3DCCD1}">
+              <a14:hiddenFill xmlns:a14="http://schemas.microsoft.com/office/drawing/2010/main">
+                <a:solidFill>
+                  <a:srgbClr val="FFFFFF"/>
+                </a:solidFill>
+              </a14:hiddenFill>
+            </a:ext>
+          </a:extLst>
+        </p:spPr>
+      </p:pic>
+      <p:sp>
+        <p:nvSpPr>
+          <p:cNvPr id="23" name="사각형: 둥근 대각선 방향 모서리 22">
+            <a:extLst>
+              <a:ext uri="{FF2B5EF4-FFF2-40B4-BE49-F238E27FC236}">
+                <a16:creationId xmlns:a16="http://schemas.microsoft.com/office/drawing/2014/main" id="{F51646DA-36FC-328C-07F0-D9AC1BAE2D4D}"/>
+              </a:ext>
+            </a:extLst>
+          </p:cNvPr>
+          <p:cNvSpPr/>
+          <p:nvPr/>
+        </p:nvSpPr>
+        <p:spPr>
+          <a:xfrm flipH="1">
+            <a:off x="7616315" y="2349137"/>
+            <a:ext cx="1567015" cy="1079863"/>
+          </a:xfrm>
+          <a:prstGeom prst="round2DiagRect">
+            <a:avLst>
+              <a:gd name="adj1" fmla="val 44086"/>
+              <a:gd name="adj2" fmla="val 0"/>
+            </a:avLst>
+          </a:prstGeom>
+          <a:solidFill>
+            <a:schemeClr val="bg1">
+              <a:lumMod val="95000"/>
+            </a:schemeClr>
+          </a:solidFill>
+          <a:ln>
+            <a:noFill/>
+          </a:ln>
+        </p:spPr>
+        <p:style>
+          <a:lnRef idx="2">
+            <a:schemeClr val="accent1">
+              <a:shade val="15000"/>
+            </a:schemeClr>
+          </a:lnRef>
+          <a:fillRef idx="1">
+            <a:schemeClr val="accent1"/>
+          </a:fillRef>
+          <a:effectRef idx="0">
+            <a:schemeClr val="accent1"/>
+          </a:effectRef>
+          <a:fontRef idx="minor">
+            <a:schemeClr val="lt1"/>
+          </a:fontRef>
+        </p:style>
+        <p:txBody>
+          <a:bodyPr rtlCol="0" anchor="ctr"/>
+          <a:lstStyle/>
+          <a:p>
+            <a:pPr algn="ctr"/>
+            <a:endParaRPr lang="ko-KR" altLang="en-US" dirty="0">
+              <a:solidFill>
+                <a:schemeClr val="tx1"/>
+              </a:solidFill>
+            </a:endParaRPr>
+          </a:p>
+        </p:txBody>
+      </p:sp>
+      <p:sp>
+        <p:nvSpPr>
+          <p:cNvPr id="24" name="TextBox 23">
+            <a:extLst>
+              <a:ext uri="{FF2B5EF4-FFF2-40B4-BE49-F238E27FC236}">
+                <a16:creationId xmlns:a16="http://schemas.microsoft.com/office/drawing/2014/main" id="{92691334-D8E7-FECF-EEEB-A0377D45D062}"/>
+              </a:ext>
+            </a:extLst>
+          </p:cNvPr>
+          <p:cNvSpPr txBox="1"/>
+          <p:nvPr/>
+        </p:nvSpPr>
+        <p:spPr>
+          <a:xfrm>
+            <a:off x="7616315" y="3429000"/>
+            <a:ext cx="1567015" cy="738664"/>
+          </a:xfrm>
+          <a:prstGeom prst="rect">
+            <a:avLst/>
+          </a:prstGeom>
+          <a:noFill/>
+        </p:spPr>
+        <p:txBody>
+          <a:bodyPr wrap="square" rtlCol="0">
+            <a:spAutoFit/>
+          </a:bodyPr>
+          <a:lstStyle/>
+          <a:p>
+            <a:r>
+              <a:rPr lang="ko-KR" altLang="en-US" sz="1050" dirty="0"/>
+              <a:t>스킬 적중</a:t>
+            </a:r>
+            <a:endParaRPr lang="en-US" altLang="ko-KR" sz="1050" dirty="0"/>
+          </a:p>
+          <a:p>
+            <a:r>
+              <a:rPr lang="ko-KR" altLang="en-US" sz="1050" dirty="0"/>
+              <a:t>결과에 따라 효과와 </a:t>
+            </a:r>
+            <a:endParaRPr lang="en-US" altLang="ko-KR" sz="1050" dirty="0"/>
+          </a:p>
+          <a:p>
+            <a:r>
+              <a:rPr lang="ko-KR" altLang="en-US" sz="1050" dirty="0"/>
+              <a:t>결과 값이 표기되는 </a:t>
+            </a:r>
+            <a:endParaRPr lang="en-US" altLang="ko-KR" sz="1050" dirty="0"/>
+          </a:p>
+          <a:p>
+            <a:r>
+              <a:rPr lang="ko-KR" altLang="en-US" sz="1050" dirty="0"/>
+              <a:t>단계</a:t>
+            </a:r>
+          </a:p>
+        </p:txBody>
+      </p:sp>
+      <p:sp>
+        <p:nvSpPr>
+          <p:cNvPr id="27" name="사각형: 둥근 대각선 방향 모서리 26">
+            <a:extLst>
+              <a:ext uri="{FF2B5EF4-FFF2-40B4-BE49-F238E27FC236}">
+                <a16:creationId xmlns:a16="http://schemas.microsoft.com/office/drawing/2014/main" id="{61963E05-1B38-4C47-979E-AA90DDBCD0CE}"/>
+              </a:ext>
+            </a:extLst>
+          </p:cNvPr>
+          <p:cNvSpPr/>
+          <p:nvPr/>
+        </p:nvSpPr>
+        <p:spPr>
+          <a:xfrm flipH="1">
+            <a:off x="9924898" y="2349137"/>
+            <a:ext cx="1567015" cy="1079863"/>
+          </a:xfrm>
+          <a:prstGeom prst="round2DiagRect">
+            <a:avLst>
+              <a:gd name="adj1" fmla="val 44086"/>
+              <a:gd name="adj2" fmla="val 0"/>
+            </a:avLst>
+          </a:prstGeom>
+          <a:solidFill>
+            <a:schemeClr val="bg1">
+              <a:lumMod val="95000"/>
+            </a:schemeClr>
+          </a:solidFill>
+          <a:ln>
+            <a:noFill/>
+          </a:ln>
+        </p:spPr>
+        <p:style>
+          <a:lnRef idx="2">
+            <a:schemeClr val="accent1">
+              <a:shade val="15000"/>
+            </a:schemeClr>
+          </a:lnRef>
+          <a:fillRef idx="1">
+            <a:schemeClr val="accent1"/>
+          </a:fillRef>
+          <a:effectRef idx="0">
+            <a:schemeClr val="accent1"/>
+          </a:effectRef>
+          <a:fontRef idx="minor">
+            <a:schemeClr val="lt1"/>
+          </a:fontRef>
+        </p:style>
+        <p:txBody>
+          <a:bodyPr rtlCol="0" anchor="ctr"/>
+          <a:lstStyle/>
+          <a:p>
+            <a:pPr algn="ctr"/>
+            <a:endParaRPr lang="ko-KR" altLang="en-US" dirty="0">
+              <a:solidFill>
+                <a:schemeClr val="tx1"/>
+              </a:solidFill>
+            </a:endParaRPr>
+          </a:p>
+        </p:txBody>
+      </p:sp>
+      <p:sp>
+        <p:nvSpPr>
+          <p:cNvPr id="28" name="TextBox 27">
+            <a:extLst>
+              <a:ext uri="{FF2B5EF4-FFF2-40B4-BE49-F238E27FC236}">
+                <a16:creationId xmlns:a16="http://schemas.microsoft.com/office/drawing/2014/main" id="{96EBEA0F-176B-F36B-4C4B-9E26802D849D}"/>
+              </a:ext>
+            </a:extLst>
+          </p:cNvPr>
+          <p:cNvSpPr txBox="1"/>
+          <p:nvPr/>
+        </p:nvSpPr>
+        <p:spPr>
+          <a:xfrm>
+            <a:off x="9924898" y="3429000"/>
+            <a:ext cx="1567015" cy="832664"/>
+          </a:xfrm>
+          <a:prstGeom prst="rect">
+            <a:avLst/>
+          </a:prstGeom>
+          <a:noFill/>
+        </p:spPr>
+        <p:txBody>
+          <a:bodyPr wrap="square" rtlCol="0">
+            <a:spAutoFit/>
+          </a:bodyPr>
+          <a:lstStyle/>
+          <a:p>
+            <a:pPr>
+              <a:lnSpc>
+                <a:spcPct val="160000"/>
+              </a:lnSpc>
+              <a:spcBef>
+                <a:spcPts val="0"/>
+              </a:spcBef>
+              <a:spcAft>
+                <a:spcPts val="0"/>
+              </a:spcAft>
+            </a:pPr>
+            <a:r>
+              <a:rPr lang="ko-KR" altLang="en-US" sz="1050" dirty="0">
+                <a:solidFill>
+                  <a:srgbClr val="000000"/>
+                </a:solidFill>
+                <a:effectLst/>
+                <a:latin typeface="함초롬바탕"/>
+              </a:rPr>
+              <a:t>스킬 결과에 발생되는 추가 효과가 표현되는 단계</a:t>
+            </a:r>
+            <a:endParaRPr lang="ko-KR" altLang="en-US" sz="1050" dirty="0">
+              <a:effectLst/>
+            </a:endParaRPr>
+          </a:p>
+        </p:txBody>
+      </p:sp>
+    </p:spTree>
+    <p:extLst>
+      <p:ext uri="{BB962C8B-B14F-4D97-AF65-F5344CB8AC3E}">
+        <p14:creationId xmlns:p14="http://schemas.microsoft.com/office/powerpoint/2010/main" val="96086307"/>
       </p:ext>
     </p:extLst>
   </p:cSld>

--- a/기획/방랑엽사전/스킬 시스템 기획서.pptx
+++ b/기획/방랑엽사전/스킬 시스템 기획서.pptx
@@ -5,7 +5,7 @@
     <p:sldMasterId id="2147483715" r:id="rId1"/>
   </p:sldMasterIdLst>
   <p:notesMasterIdLst>
-    <p:notesMasterId r:id="rId27"/>
+    <p:notesMasterId r:id="rId41"/>
   </p:notesMasterIdLst>
   <p:sldIdLst>
     <p:sldId id="258" r:id="rId2"/>
@@ -33,6 +33,20 @@
     <p:sldId id="322" r:id="rId24"/>
     <p:sldId id="329" r:id="rId25"/>
     <p:sldId id="330" r:id="rId26"/>
+    <p:sldId id="331" r:id="rId27"/>
+    <p:sldId id="332" r:id="rId28"/>
+    <p:sldId id="339" r:id="rId29"/>
+    <p:sldId id="340" r:id="rId30"/>
+    <p:sldId id="341" r:id="rId31"/>
+    <p:sldId id="337" r:id="rId32"/>
+    <p:sldId id="338" r:id="rId33"/>
+    <p:sldId id="333" r:id="rId34"/>
+    <p:sldId id="334" r:id="rId35"/>
+    <p:sldId id="335" r:id="rId36"/>
+    <p:sldId id="336" r:id="rId37"/>
+    <p:sldId id="342" r:id="rId38"/>
+    <p:sldId id="343" r:id="rId39"/>
+    <p:sldId id="344" r:id="rId40"/>
   </p:sldIdLst>
   <p:sldSz cx="12192000" cy="6858000"/>
   <p:notesSz cx="6858000" cy="9144000"/>
@@ -154,7 +168,7 @@
             <a:srgbClr val="A4A3A4"/>
           </p15:clr>
         </p15:guide>
-        <p15:guide id="5" pos="7239" userDrawn="1">
+        <p15:guide id="5" pos="7242" userDrawn="1">
           <p15:clr>
             <a:srgbClr val="A4A3A4"/>
           </p15:clr>
@@ -269,7 +283,7 @@
           <a:p>
             <a:fld id="{C8649E71-8129-4905-BAC0-51D65A0C1379}" type="datetimeFigureOut">
               <a:rPr lang="ko-KR" altLang="en-US" smtClean="0"/>
-              <a:t>2024-02-21</a:t>
+              <a:t>2024-02-22</a:t>
             </a:fld>
             <a:endParaRPr lang="ko-KR" altLang="en-US"/>
           </a:p>
@@ -767,7 +781,7 @@
           <a:p>
             <a:fld id="{523D6941-6B33-4834-BC65-A333846D27E6}" type="datetimeFigureOut">
               <a:rPr lang="ko-KR" altLang="en-US" smtClean="0"/>
-              <a:t>2024-02-21</a:t>
+              <a:t>2024-02-22</a:t>
             </a:fld>
             <a:endParaRPr lang="ko-KR" altLang="en-US"/>
           </a:p>
@@ -965,7 +979,7 @@
           <a:p>
             <a:fld id="{523D6941-6B33-4834-BC65-A333846D27E6}" type="datetimeFigureOut">
               <a:rPr lang="ko-KR" altLang="en-US" smtClean="0"/>
-              <a:t>2024-02-21</a:t>
+              <a:t>2024-02-22</a:t>
             </a:fld>
             <a:endParaRPr lang="ko-KR" altLang="en-US"/>
           </a:p>
@@ -1173,7 +1187,7 @@
           <a:p>
             <a:fld id="{523D6941-6B33-4834-BC65-A333846D27E6}" type="datetimeFigureOut">
               <a:rPr lang="ko-KR" altLang="en-US" smtClean="0"/>
-              <a:t>2024-02-21</a:t>
+              <a:t>2024-02-22</a:t>
             </a:fld>
             <a:endParaRPr lang="ko-KR" altLang="en-US"/>
           </a:p>
@@ -1386,7 +1400,7 @@
           <a:p>
             <a:fld id="{523D6941-6B33-4834-BC65-A333846D27E6}" type="datetimeFigureOut">
               <a:rPr lang="ko-KR" altLang="en-US" smtClean="0"/>
-              <a:t>2024-02-21</a:t>
+              <a:t>2024-02-22</a:t>
             </a:fld>
             <a:endParaRPr lang="ko-KR" altLang="en-US"/>
           </a:p>
@@ -1671,7 +1685,7 @@
           <a:p>
             <a:fld id="{523D6941-6B33-4834-BC65-A333846D27E6}" type="datetimeFigureOut">
               <a:rPr lang="ko-KR" altLang="en-US" smtClean="0"/>
-              <a:t>2024-02-21</a:t>
+              <a:t>2024-02-22</a:t>
             </a:fld>
             <a:endParaRPr lang="ko-KR" altLang="en-US"/>
           </a:p>
@@ -1936,7 +1950,7 @@
           <a:p>
             <a:fld id="{523D6941-6B33-4834-BC65-A333846D27E6}" type="datetimeFigureOut">
               <a:rPr lang="ko-KR" altLang="en-US" smtClean="0"/>
-              <a:t>2024-02-21</a:t>
+              <a:t>2024-02-22</a:t>
             </a:fld>
             <a:endParaRPr lang="ko-KR" altLang="en-US"/>
           </a:p>
@@ -2348,7 +2362,7 @@
           <a:p>
             <a:fld id="{523D6941-6B33-4834-BC65-A333846D27E6}" type="datetimeFigureOut">
               <a:rPr lang="ko-KR" altLang="en-US" smtClean="0"/>
-              <a:t>2024-02-21</a:t>
+              <a:t>2024-02-22</a:t>
             </a:fld>
             <a:endParaRPr lang="ko-KR" altLang="en-US"/>
           </a:p>
@@ -2489,7 +2503,7 @@
           <a:p>
             <a:fld id="{523D6941-6B33-4834-BC65-A333846D27E6}" type="datetimeFigureOut">
               <a:rPr lang="ko-KR" altLang="en-US" smtClean="0"/>
-              <a:t>2024-02-21</a:t>
+              <a:t>2024-02-22</a:t>
             </a:fld>
             <a:endParaRPr lang="ko-KR" altLang="en-US"/>
           </a:p>
@@ -2602,7 +2616,7 @@
           <a:p>
             <a:fld id="{523D6941-6B33-4834-BC65-A333846D27E6}" type="datetimeFigureOut">
               <a:rPr lang="ko-KR" altLang="en-US" smtClean="0"/>
-              <a:t>2024-02-21</a:t>
+              <a:t>2024-02-22</a:t>
             </a:fld>
             <a:endParaRPr lang="ko-KR" altLang="en-US"/>
           </a:p>
@@ -2913,7 +2927,7 @@
           <a:p>
             <a:fld id="{523D6941-6B33-4834-BC65-A333846D27E6}" type="datetimeFigureOut">
               <a:rPr lang="ko-KR" altLang="en-US" smtClean="0"/>
-              <a:t>2024-02-21</a:t>
+              <a:t>2024-02-22</a:t>
             </a:fld>
             <a:endParaRPr lang="ko-KR" altLang="en-US"/>
           </a:p>
@@ -3201,7 +3215,7 @@
           <a:p>
             <a:fld id="{523D6941-6B33-4834-BC65-A333846D27E6}" type="datetimeFigureOut">
               <a:rPr lang="ko-KR" altLang="en-US" smtClean="0"/>
-              <a:t>2024-02-21</a:t>
+              <a:t>2024-02-22</a:t>
             </a:fld>
             <a:endParaRPr lang="ko-KR" altLang="en-US"/>
           </a:p>
@@ -3442,7 +3456,7 @@
           <a:p>
             <a:fld id="{523D6941-6B33-4834-BC65-A333846D27E6}" type="datetimeFigureOut">
               <a:rPr lang="ko-KR" altLang="en-US" smtClean="0"/>
-              <a:t>2024-02-21</a:t>
+              <a:t>2024-02-22</a:t>
             </a:fld>
             <a:endParaRPr lang="ko-KR" altLang="en-US"/>
           </a:p>
@@ -18010,59 +18024,12 @@
           </a:p>
         </p:txBody>
       </p:sp>
-      <p:pic>
-        <p:nvPicPr>
-          <p:cNvPr id="1032" name="Picture 8">
+      <p:sp>
+        <p:nvSpPr>
+          <p:cNvPr id="3" name="사각형: 둥근 대각선 방향 모서리 2">
             <a:extLst>
               <a:ext uri="{FF2B5EF4-FFF2-40B4-BE49-F238E27FC236}">
-                <a16:creationId xmlns:a16="http://schemas.microsoft.com/office/drawing/2014/main" id="{27BF8CA6-583D-1363-2656-A9729C781C72}"/>
-              </a:ext>
-            </a:extLst>
-          </p:cNvPr>
-          <p:cNvPicPr>
-            <a:picLocks noChangeAspect="1" noChangeArrowheads="1"/>
-          </p:cNvPicPr>
-          <p:nvPr/>
-        </p:nvPicPr>
-        <p:blipFill>
-          <a:blip r:embed="rId2">
-            <a:extLst>
-              <a:ext uri="{28A0092B-C50C-407E-A947-70E740481C1C}">
-                <a14:useLocalDpi xmlns:a14="http://schemas.microsoft.com/office/drawing/2010/main" val="0"/>
-              </a:ext>
-            </a:extLst>
-          </a:blip>
-          <a:srcRect/>
-          <a:stretch>
-            <a:fillRect/>
-          </a:stretch>
-        </p:blipFill>
-        <p:spPr bwMode="auto">
-          <a:xfrm>
-            <a:off x="2341714" y="2743200"/>
-            <a:ext cx="657434" cy="685800"/>
-          </a:xfrm>
-          <a:prstGeom prst="rect">
-            <a:avLst/>
-          </a:prstGeom>
-          <a:noFill/>
-          <a:extLst>
-            <a:ext uri="{909E8E84-426E-40DD-AFC4-6F175D3DCCD1}">
-              <a14:hiddenFill xmlns:a14="http://schemas.microsoft.com/office/drawing/2010/main">
-                <a:solidFill>
-                  <a:srgbClr val="FFFFFF"/>
-                </a:solidFill>
-              </a14:hiddenFill>
-            </a:ext>
-          </a:extLst>
-        </p:spPr>
-      </p:pic>
-      <p:sp>
-        <p:nvSpPr>
-          <p:cNvPr id="4" name="사각형: 둥근 대각선 방향 모서리 3">
-            <a:extLst>
-              <a:ext uri="{FF2B5EF4-FFF2-40B4-BE49-F238E27FC236}">
-                <a16:creationId xmlns:a16="http://schemas.microsoft.com/office/drawing/2014/main" id="{C0C72C08-7D11-E145-66FE-C8A7DA2387FF}"/>
+                <a16:creationId xmlns:a16="http://schemas.microsoft.com/office/drawing/2014/main" id="{551DC01F-0881-CCBD-9F81-0888DEC58011}"/>
               </a:ext>
             </a:extLst>
           </p:cNvPr>
@@ -18071,8 +18038,1043 @@
         </p:nvSpPr>
         <p:spPr>
           <a:xfrm flipH="1">
-            <a:off x="690564" y="2349137"/>
-            <a:ext cx="1567015" cy="1079863"/>
+            <a:off x="3476246" y="1382611"/>
+            <a:ext cx="1291642" cy="1079863"/>
+          </a:xfrm>
+          <a:prstGeom prst="round2DiagRect">
+            <a:avLst>
+              <a:gd name="adj1" fmla="val 44086"/>
+              <a:gd name="adj2" fmla="val 0"/>
+            </a:avLst>
+          </a:prstGeom>
+          <a:solidFill>
+            <a:schemeClr val="tx1">
+              <a:lumMod val="65000"/>
+              <a:lumOff val="35000"/>
+            </a:schemeClr>
+          </a:solidFill>
+          <a:ln>
+            <a:noFill/>
+          </a:ln>
+        </p:spPr>
+        <p:style>
+          <a:lnRef idx="2">
+            <a:schemeClr val="accent1">
+              <a:shade val="15000"/>
+            </a:schemeClr>
+          </a:lnRef>
+          <a:fillRef idx="1">
+            <a:schemeClr val="accent1"/>
+          </a:fillRef>
+          <a:effectRef idx="0">
+            <a:schemeClr val="accent1"/>
+          </a:effectRef>
+          <a:fontRef idx="minor">
+            <a:schemeClr val="lt1"/>
+          </a:fontRef>
+        </p:style>
+        <p:txBody>
+          <a:bodyPr rtlCol="0" anchor="ctr"/>
+          <a:lstStyle/>
+          <a:p>
+            <a:pPr algn="ctr"/>
+            <a:r>
+              <a:rPr lang="ko-KR" altLang="en-US" dirty="0">
+                <a:solidFill>
+                  <a:schemeClr val="bg1">
+                    <a:lumMod val="95000"/>
+                  </a:schemeClr>
+                </a:solidFill>
+              </a:rPr>
+              <a:t>캐릭터</a:t>
+            </a:r>
+            <a:endParaRPr lang="en-US" altLang="ko-KR" dirty="0">
+              <a:solidFill>
+                <a:schemeClr val="bg1">
+                  <a:lumMod val="95000"/>
+                </a:schemeClr>
+              </a:solidFill>
+            </a:endParaRPr>
+          </a:p>
+          <a:p>
+            <a:pPr algn="ctr"/>
+            <a:r>
+              <a:rPr lang="ko-KR" altLang="en-US" dirty="0">
+                <a:solidFill>
+                  <a:schemeClr val="bg1">
+                    <a:lumMod val="95000"/>
+                  </a:schemeClr>
+                </a:solidFill>
+              </a:rPr>
+              <a:t>상태</a:t>
+            </a:r>
+          </a:p>
+        </p:txBody>
+      </p:sp>
+      <p:sp>
+        <p:nvSpPr>
+          <p:cNvPr id="5" name="TextBox 4">
+            <a:extLst>
+              <a:ext uri="{FF2B5EF4-FFF2-40B4-BE49-F238E27FC236}">
+                <a16:creationId xmlns:a16="http://schemas.microsoft.com/office/drawing/2014/main" id="{F978DD8B-C07C-1301-8CD4-CF72B469F3FB}"/>
+              </a:ext>
+            </a:extLst>
+          </p:cNvPr>
+          <p:cNvSpPr txBox="1"/>
+          <p:nvPr/>
+        </p:nvSpPr>
+        <p:spPr>
+          <a:xfrm>
+            <a:off x="3476246" y="2462474"/>
+            <a:ext cx="1360992" cy="738664"/>
+          </a:xfrm>
+          <a:prstGeom prst="rect">
+            <a:avLst/>
+          </a:prstGeom>
+          <a:noFill/>
+        </p:spPr>
+        <p:txBody>
+          <a:bodyPr wrap="square" rtlCol="0">
+            <a:spAutoFit/>
+          </a:bodyPr>
+          <a:lstStyle/>
+          <a:p>
+            <a:pPr algn="ctr" latinLnBrk="1"/>
+            <a:r>
+              <a:rPr lang="ko-KR" altLang="en-US" sz="1050" b="0" dirty="0">
+                <a:solidFill>
+                  <a:schemeClr val="tx1"/>
+                </a:solidFill>
+              </a:rPr>
+              <a:t>스킬을 </a:t>
+            </a:r>
+            <a:endParaRPr lang="en-US" altLang="ko-KR" sz="1050" b="0" dirty="0">
+              <a:solidFill>
+                <a:schemeClr val="tx1"/>
+              </a:solidFill>
+            </a:endParaRPr>
+          </a:p>
+          <a:p>
+            <a:pPr algn="ctr" latinLnBrk="1"/>
+            <a:r>
+              <a:rPr lang="ko-KR" altLang="en-US" sz="1050" b="0" dirty="0">
+                <a:solidFill>
+                  <a:schemeClr val="tx1"/>
+                </a:solidFill>
+              </a:rPr>
+              <a:t>시전할 수 있는 </a:t>
+            </a:r>
+            <a:endParaRPr lang="en-US" altLang="ko-KR" sz="1050" b="0" dirty="0">
+              <a:solidFill>
+                <a:schemeClr val="tx1"/>
+              </a:solidFill>
+            </a:endParaRPr>
+          </a:p>
+          <a:p>
+            <a:pPr algn="ctr" latinLnBrk="1"/>
+            <a:r>
+              <a:rPr lang="en-US" altLang="ko-KR" sz="1050" b="0" dirty="0">
+                <a:solidFill>
+                  <a:schemeClr val="tx1"/>
+                </a:solidFill>
+              </a:rPr>
+              <a:t>‘</a:t>
+            </a:r>
+            <a:r>
+              <a:rPr lang="ko-KR" altLang="en-US" sz="1050" b="0" dirty="0">
+                <a:solidFill>
+                  <a:schemeClr val="tx1"/>
+                </a:solidFill>
+              </a:rPr>
+              <a:t>액션</a:t>
+            </a:r>
+            <a:r>
+              <a:rPr lang="en-US" altLang="ko-KR" sz="1050" b="0" dirty="0">
+                <a:solidFill>
+                  <a:schemeClr val="tx1"/>
+                </a:solidFill>
+              </a:rPr>
+              <a:t>’,</a:t>
+            </a:r>
+            <a:r>
+              <a:rPr lang="ko-KR" altLang="en-US" sz="1050" dirty="0"/>
+              <a:t> </a:t>
+            </a:r>
+            <a:r>
+              <a:rPr lang="en-US" altLang="ko-KR" sz="1050" dirty="0"/>
+              <a:t>‘</a:t>
+            </a:r>
+            <a:r>
+              <a:rPr lang="ko-KR" altLang="en-US" sz="1050" dirty="0"/>
+              <a:t>상태 이상</a:t>
+            </a:r>
+            <a:r>
+              <a:rPr lang="en-US" altLang="ko-KR" sz="1050" dirty="0"/>
+              <a:t>’</a:t>
+            </a:r>
+            <a:r>
+              <a:rPr lang="ko-KR" altLang="en-US" sz="1050" dirty="0"/>
+              <a:t>을</a:t>
+            </a:r>
+            <a:r>
+              <a:rPr lang="ko-KR" altLang="en-US" sz="1050" b="0" dirty="0">
+                <a:solidFill>
+                  <a:schemeClr val="tx1"/>
+                </a:solidFill>
+              </a:rPr>
+              <a:t> </a:t>
+            </a:r>
+            <a:endParaRPr lang="en-US" altLang="ko-KR" sz="1050" b="0" dirty="0">
+              <a:solidFill>
+                <a:schemeClr val="tx1"/>
+              </a:solidFill>
+            </a:endParaRPr>
+          </a:p>
+          <a:p>
+            <a:pPr algn="ctr" latinLnBrk="1"/>
+            <a:r>
+              <a:rPr lang="ko-KR" altLang="en-US" sz="1050" b="0" dirty="0">
+                <a:solidFill>
+                  <a:schemeClr val="tx1"/>
+                </a:solidFill>
+              </a:rPr>
+              <a:t>판단하는 단계</a:t>
+            </a:r>
+            <a:endParaRPr lang="en-US" altLang="ko-KR" sz="1050" b="0" dirty="0">
+              <a:solidFill>
+                <a:schemeClr val="tx1"/>
+              </a:solidFill>
+            </a:endParaRPr>
+          </a:p>
+        </p:txBody>
+      </p:sp>
+      <p:sp>
+        <p:nvSpPr>
+          <p:cNvPr id="9" name="사각형: 둥근 대각선 방향 모서리 8">
+            <a:extLst>
+              <a:ext uri="{FF2B5EF4-FFF2-40B4-BE49-F238E27FC236}">
+                <a16:creationId xmlns:a16="http://schemas.microsoft.com/office/drawing/2014/main" id="{6C34DA5E-ABA6-216C-2053-72AEB20BEEF2}"/>
+              </a:ext>
+            </a:extLst>
+          </p:cNvPr>
+          <p:cNvSpPr/>
+          <p:nvPr/>
+        </p:nvSpPr>
+        <p:spPr>
+          <a:xfrm flipH="1">
+            <a:off x="5448489" y="1382611"/>
+            <a:ext cx="1291642" cy="1079863"/>
+          </a:xfrm>
+          <a:prstGeom prst="round2DiagRect">
+            <a:avLst>
+              <a:gd name="adj1" fmla="val 44086"/>
+              <a:gd name="adj2" fmla="val 0"/>
+            </a:avLst>
+          </a:prstGeom>
+          <a:solidFill>
+            <a:schemeClr val="tx1">
+              <a:lumMod val="65000"/>
+              <a:lumOff val="35000"/>
+            </a:schemeClr>
+          </a:solidFill>
+          <a:ln>
+            <a:noFill/>
+          </a:ln>
+        </p:spPr>
+        <p:style>
+          <a:lnRef idx="2">
+            <a:schemeClr val="accent1">
+              <a:shade val="15000"/>
+            </a:schemeClr>
+          </a:lnRef>
+          <a:fillRef idx="1">
+            <a:schemeClr val="accent1"/>
+          </a:fillRef>
+          <a:effectRef idx="0">
+            <a:schemeClr val="accent1"/>
+          </a:effectRef>
+          <a:fontRef idx="minor">
+            <a:schemeClr val="lt1"/>
+          </a:fontRef>
+        </p:style>
+        <p:txBody>
+          <a:bodyPr rtlCol="0" anchor="ctr"/>
+          <a:lstStyle/>
+          <a:p>
+            <a:pPr algn="ctr"/>
+            <a:r>
+              <a:rPr lang="ko-KR" altLang="en-US" dirty="0">
+                <a:solidFill>
+                  <a:schemeClr val="bg1">
+                    <a:lumMod val="95000"/>
+                  </a:schemeClr>
+                </a:solidFill>
+              </a:rPr>
+              <a:t>스킬</a:t>
+            </a:r>
+            <a:endParaRPr lang="en-US" altLang="ko-KR" dirty="0">
+              <a:solidFill>
+                <a:schemeClr val="bg1">
+                  <a:lumMod val="95000"/>
+                </a:schemeClr>
+              </a:solidFill>
+            </a:endParaRPr>
+          </a:p>
+          <a:p>
+            <a:pPr algn="ctr"/>
+            <a:r>
+              <a:rPr lang="ko-KR" altLang="en-US" dirty="0">
+                <a:solidFill>
+                  <a:schemeClr val="bg1">
+                    <a:lumMod val="95000"/>
+                  </a:schemeClr>
+                </a:solidFill>
+              </a:rPr>
+              <a:t>아이템</a:t>
+            </a:r>
+          </a:p>
+        </p:txBody>
+      </p:sp>
+      <p:sp>
+        <p:nvSpPr>
+          <p:cNvPr id="10" name="TextBox 9">
+            <a:extLst>
+              <a:ext uri="{FF2B5EF4-FFF2-40B4-BE49-F238E27FC236}">
+                <a16:creationId xmlns:a16="http://schemas.microsoft.com/office/drawing/2014/main" id="{A3C5E109-001A-09C0-D241-1E22C6704103}"/>
+              </a:ext>
+            </a:extLst>
+          </p:cNvPr>
+          <p:cNvSpPr txBox="1"/>
+          <p:nvPr/>
+        </p:nvSpPr>
+        <p:spPr>
+          <a:xfrm>
+            <a:off x="5448489" y="2462474"/>
+            <a:ext cx="1291642" cy="738664"/>
+          </a:xfrm>
+          <a:prstGeom prst="rect">
+            <a:avLst/>
+          </a:prstGeom>
+          <a:noFill/>
+        </p:spPr>
+        <p:txBody>
+          <a:bodyPr wrap="square" rtlCol="0">
+            <a:spAutoFit/>
+          </a:bodyPr>
+          <a:lstStyle/>
+          <a:p>
+            <a:pPr algn="ctr" latinLnBrk="1"/>
+            <a:r>
+              <a:rPr lang="ko-KR" altLang="en-US" sz="1050" b="0" dirty="0">
+                <a:solidFill>
+                  <a:schemeClr val="tx1"/>
+                </a:solidFill>
+              </a:rPr>
+              <a:t>아이템의 </a:t>
+            </a:r>
+            <a:endParaRPr lang="en-US" altLang="ko-KR" sz="1050" b="0" dirty="0">
+              <a:solidFill>
+                <a:schemeClr val="tx1"/>
+              </a:solidFill>
+            </a:endParaRPr>
+          </a:p>
+          <a:p>
+            <a:pPr algn="ctr" latinLnBrk="1"/>
+            <a:r>
+              <a:rPr lang="en-US" altLang="ko-KR" sz="1050" b="0" dirty="0">
+                <a:solidFill>
+                  <a:schemeClr val="tx1"/>
+                </a:solidFill>
+              </a:rPr>
+              <a:t>‘</a:t>
+            </a:r>
+            <a:r>
+              <a:rPr lang="ko-KR" altLang="en-US" sz="1050" b="0" dirty="0">
+                <a:solidFill>
+                  <a:schemeClr val="tx1"/>
+                </a:solidFill>
+              </a:rPr>
+              <a:t>장착</a:t>
+            </a:r>
+            <a:r>
+              <a:rPr lang="en-US" altLang="ko-KR" sz="1050" b="0" dirty="0">
+                <a:solidFill>
+                  <a:schemeClr val="tx1"/>
+                </a:solidFill>
+              </a:rPr>
+              <a:t>’</a:t>
+            </a:r>
+            <a:r>
+              <a:rPr lang="ko-KR" altLang="en-US" sz="1050" b="0" dirty="0">
+                <a:solidFill>
+                  <a:schemeClr val="tx1"/>
+                </a:solidFill>
+              </a:rPr>
+              <a:t> 및 </a:t>
+            </a:r>
+            <a:r>
+              <a:rPr lang="en-US" altLang="ko-KR" sz="1050" b="0" dirty="0">
+                <a:solidFill>
+                  <a:schemeClr val="tx1"/>
+                </a:solidFill>
+              </a:rPr>
+              <a:t>‘</a:t>
+            </a:r>
+            <a:r>
+              <a:rPr lang="ko-KR" altLang="en-US" sz="1050" b="0" dirty="0">
+                <a:solidFill>
+                  <a:schemeClr val="tx1"/>
+                </a:solidFill>
+              </a:rPr>
+              <a:t>보유</a:t>
+            </a:r>
+            <a:r>
+              <a:rPr lang="en-US" altLang="ko-KR" sz="1050" b="0" dirty="0">
+                <a:solidFill>
+                  <a:schemeClr val="tx1"/>
+                </a:solidFill>
+              </a:rPr>
+              <a:t>’</a:t>
+            </a:r>
+            <a:r>
+              <a:rPr lang="ko-KR" altLang="en-US" sz="1050" b="0" dirty="0">
+                <a:solidFill>
+                  <a:schemeClr val="tx1"/>
+                </a:solidFill>
+              </a:rPr>
+              <a:t> </a:t>
+            </a:r>
+            <a:endParaRPr lang="en-US" altLang="ko-KR" sz="1050" b="0" dirty="0">
+              <a:solidFill>
+                <a:schemeClr val="tx1"/>
+              </a:solidFill>
+            </a:endParaRPr>
+          </a:p>
+          <a:p>
+            <a:pPr algn="ctr" latinLnBrk="1"/>
+            <a:r>
+              <a:rPr lang="ko-KR" altLang="en-US" sz="1050" b="0" dirty="0">
+                <a:solidFill>
+                  <a:schemeClr val="tx1"/>
+                </a:solidFill>
+              </a:rPr>
+              <a:t>여부를 판단하는 단계</a:t>
+            </a:r>
+            <a:endParaRPr lang="en-US" altLang="ko-KR" sz="1050" b="0" dirty="0">
+              <a:solidFill>
+                <a:schemeClr val="tx1"/>
+              </a:solidFill>
+            </a:endParaRPr>
+          </a:p>
+        </p:txBody>
+      </p:sp>
+      <p:sp>
+        <p:nvSpPr>
+          <p:cNvPr id="12" name="사각형: 둥근 대각선 방향 모서리 11">
+            <a:extLst>
+              <a:ext uri="{FF2B5EF4-FFF2-40B4-BE49-F238E27FC236}">
+                <a16:creationId xmlns:a16="http://schemas.microsoft.com/office/drawing/2014/main" id="{534472DD-07A7-C9C0-87D0-FE3870D55493}"/>
+              </a:ext>
+            </a:extLst>
+          </p:cNvPr>
+          <p:cNvSpPr/>
+          <p:nvPr/>
+        </p:nvSpPr>
+        <p:spPr>
+          <a:xfrm flipH="1">
+            <a:off x="1511632" y="4279301"/>
+            <a:ext cx="1291642" cy="1079863"/>
+          </a:xfrm>
+          <a:prstGeom prst="round2DiagRect">
+            <a:avLst>
+              <a:gd name="adj1" fmla="val 44086"/>
+              <a:gd name="adj2" fmla="val 0"/>
+            </a:avLst>
+          </a:prstGeom>
+          <a:solidFill>
+            <a:srgbClr val="F2F2F2"/>
+          </a:solidFill>
+          <a:ln>
+            <a:noFill/>
+          </a:ln>
+        </p:spPr>
+        <p:style>
+          <a:lnRef idx="2">
+            <a:schemeClr val="accent1">
+              <a:shade val="15000"/>
+            </a:schemeClr>
+          </a:lnRef>
+          <a:fillRef idx="1">
+            <a:schemeClr val="accent1"/>
+          </a:fillRef>
+          <a:effectRef idx="0">
+            <a:schemeClr val="accent1"/>
+          </a:effectRef>
+          <a:fontRef idx="minor">
+            <a:schemeClr val="lt1"/>
+          </a:fontRef>
+        </p:style>
+        <p:txBody>
+          <a:bodyPr rtlCol="0" anchor="ctr"/>
+          <a:lstStyle/>
+          <a:p>
+            <a:pPr algn="ctr"/>
+            <a:r>
+              <a:rPr lang="ko-KR" altLang="en-US" dirty="0">
+                <a:solidFill>
+                  <a:schemeClr val="tx1"/>
+                </a:solidFill>
+              </a:rPr>
+              <a:t>거리</a:t>
+            </a:r>
+          </a:p>
+        </p:txBody>
+      </p:sp>
+      <p:sp>
+        <p:nvSpPr>
+          <p:cNvPr id="13" name="TextBox 12">
+            <a:extLst>
+              <a:ext uri="{FF2B5EF4-FFF2-40B4-BE49-F238E27FC236}">
+                <a16:creationId xmlns:a16="http://schemas.microsoft.com/office/drawing/2014/main" id="{519C5F1E-696E-AC86-E648-92C1F035A712}"/>
+              </a:ext>
+            </a:extLst>
+          </p:cNvPr>
+          <p:cNvSpPr txBox="1"/>
+          <p:nvPr/>
+        </p:nvSpPr>
+        <p:spPr>
+          <a:xfrm>
+            <a:off x="1511632" y="5359164"/>
+            <a:ext cx="1291642" cy="738664"/>
+          </a:xfrm>
+          <a:prstGeom prst="rect">
+            <a:avLst/>
+          </a:prstGeom>
+          <a:noFill/>
+        </p:spPr>
+        <p:txBody>
+          <a:bodyPr wrap="square" rtlCol="0">
+            <a:spAutoFit/>
+          </a:bodyPr>
+          <a:lstStyle/>
+          <a:p>
+            <a:pPr algn="ctr" latinLnBrk="1"/>
+            <a:r>
+              <a:rPr lang="ko-KR" altLang="en-US" sz="1050" dirty="0"/>
+              <a:t>스킬 사용자와</a:t>
+            </a:r>
+            <a:endParaRPr lang="en-US" altLang="ko-KR" sz="1050" dirty="0"/>
+          </a:p>
+          <a:p>
+            <a:pPr algn="ctr" latinLnBrk="1"/>
+            <a:r>
+              <a:rPr lang="ko-KR" altLang="en-US" sz="1050" dirty="0"/>
+              <a:t>스킬 대상의</a:t>
+            </a:r>
+            <a:endParaRPr lang="en-US" altLang="ko-KR" sz="1050" dirty="0"/>
+          </a:p>
+          <a:p>
+            <a:pPr algn="ctr" latinLnBrk="1"/>
+            <a:r>
+              <a:rPr lang="ko-KR" altLang="en-US" sz="1050" dirty="0"/>
+              <a:t>거리에 따른</a:t>
+            </a:r>
+            <a:endParaRPr lang="en-US" altLang="ko-KR" sz="1050" dirty="0"/>
+          </a:p>
+          <a:p>
+            <a:pPr algn="ctr" latinLnBrk="1"/>
+            <a:r>
+              <a:rPr lang="ko-KR" altLang="en-US" sz="1050" dirty="0"/>
+              <a:t>처리를 하는 단계</a:t>
+            </a:r>
+            <a:endParaRPr lang="en-US" altLang="ko-KR" sz="1050" dirty="0"/>
+          </a:p>
+        </p:txBody>
+      </p:sp>
+      <p:sp>
+        <p:nvSpPr>
+          <p:cNvPr id="21" name="사각형: 둥근 대각선 방향 모서리 20">
+            <a:extLst>
+              <a:ext uri="{FF2B5EF4-FFF2-40B4-BE49-F238E27FC236}">
+                <a16:creationId xmlns:a16="http://schemas.microsoft.com/office/drawing/2014/main" id="{116F3BBB-ED11-6CF6-E5C9-D84B33F04724}"/>
+              </a:ext>
+            </a:extLst>
+          </p:cNvPr>
+          <p:cNvSpPr/>
+          <p:nvPr/>
+        </p:nvSpPr>
+        <p:spPr>
+          <a:xfrm flipH="1">
+            <a:off x="5452543" y="4287760"/>
+            <a:ext cx="1291642" cy="1079863"/>
+          </a:xfrm>
+          <a:prstGeom prst="round2DiagRect">
+            <a:avLst>
+              <a:gd name="adj1" fmla="val 44086"/>
+              <a:gd name="adj2" fmla="val 0"/>
+            </a:avLst>
+          </a:prstGeom>
+          <a:solidFill>
+            <a:schemeClr val="tx1">
+              <a:lumMod val="65000"/>
+              <a:lumOff val="35000"/>
+            </a:schemeClr>
+          </a:solidFill>
+          <a:ln>
+            <a:noFill/>
+          </a:ln>
+        </p:spPr>
+        <p:style>
+          <a:lnRef idx="2">
+            <a:schemeClr val="accent1">
+              <a:shade val="15000"/>
+            </a:schemeClr>
+          </a:lnRef>
+          <a:fillRef idx="1">
+            <a:schemeClr val="accent1"/>
+          </a:fillRef>
+          <a:effectRef idx="0">
+            <a:schemeClr val="accent1"/>
+          </a:effectRef>
+          <a:fontRef idx="minor">
+            <a:schemeClr val="lt1"/>
+          </a:fontRef>
+        </p:style>
+        <p:txBody>
+          <a:bodyPr rtlCol="0" anchor="ctr"/>
+          <a:lstStyle/>
+          <a:p>
+            <a:pPr algn="ctr"/>
+            <a:r>
+              <a:rPr lang="ko-KR" altLang="en-US" dirty="0">
+                <a:solidFill>
+                  <a:schemeClr val="bg1">
+                    <a:lumMod val="95000"/>
+                  </a:schemeClr>
+                </a:solidFill>
+              </a:rPr>
+              <a:t>스킬</a:t>
+            </a:r>
+            <a:endParaRPr lang="en-US" altLang="ko-KR" dirty="0">
+              <a:solidFill>
+                <a:schemeClr val="bg1">
+                  <a:lumMod val="95000"/>
+                </a:schemeClr>
+              </a:solidFill>
+            </a:endParaRPr>
+          </a:p>
+          <a:p>
+            <a:pPr algn="ctr"/>
+            <a:r>
+              <a:rPr lang="ko-KR" altLang="en-US" dirty="0">
+                <a:solidFill>
+                  <a:schemeClr val="bg1">
+                    <a:lumMod val="95000"/>
+                  </a:schemeClr>
+                </a:solidFill>
+              </a:rPr>
+              <a:t>자원</a:t>
+            </a:r>
+          </a:p>
+        </p:txBody>
+      </p:sp>
+      <p:sp>
+        <p:nvSpPr>
+          <p:cNvPr id="25" name="TextBox 24">
+            <a:extLst>
+              <a:ext uri="{FF2B5EF4-FFF2-40B4-BE49-F238E27FC236}">
+                <a16:creationId xmlns:a16="http://schemas.microsoft.com/office/drawing/2014/main" id="{376BBED2-070F-B0DB-4B64-8AFDEB978263}"/>
+              </a:ext>
+            </a:extLst>
+          </p:cNvPr>
+          <p:cNvSpPr txBox="1"/>
+          <p:nvPr/>
+        </p:nvSpPr>
+        <p:spPr>
+          <a:xfrm>
+            <a:off x="5452542" y="5367623"/>
+            <a:ext cx="1360991" cy="577081"/>
+          </a:xfrm>
+          <a:prstGeom prst="rect">
+            <a:avLst/>
+          </a:prstGeom>
+          <a:noFill/>
+        </p:spPr>
+        <p:txBody>
+          <a:bodyPr wrap="square" rtlCol="0">
+            <a:spAutoFit/>
+          </a:bodyPr>
+          <a:lstStyle/>
+          <a:p>
+            <a:pPr algn="ctr" latinLnBrk="1"/>
+            <a:r>
+              <a:rPr lang="ko-KR" altLang="en-US" sz="1050" b="0" dirty="0">
+                <a:solidFill>
+                  <a:schemeClr val="tx1"/>
+                </a:solidFill>
+              </a:rPr>
+              <a:t>스킬 시전에 필요한 자원의 보유량을 </a:t>
+            </a:r>
+            <a:endParaRPr lang="en-US" altLang="ko-KR" sz="1050" b="0" dirty="0">
+              <a:solidFill>
+                <a:schemeClr val="tx1"/>
+              </a:solidFill>
+            </a:endParaRPr>
+          </a:p>
+          <a:p>
+            <a:pPr algn="ctr" latinLnBrk="1"/>
+            <a:r>
+              <a:rPr lang="ko-KR" altLang="en-US" sz="1050" b="0" dirty="0">
+                <a:solidFill>
+                  <a:schemeClr val="tx1"/>
+                </a:solidFill>
+              </a:rPr>
+              <a:t>확인하는 단계</a:t>
+            </a:r>
+            <a:endParaRPr lang="en-US" altLang="ko-KR" sz="1050" b="0" dirty="0">
+              <a:solidFill>
+                <a:schemeClr val="tx1"/>
+              </a:solidFill>
+            </a:endParaRPr>
+          </a:p>
+        </p:txBody>
+      </p:sp>
+      <p:sp>
+        <p:nvSpPr>
+          <p:cNvPr id="26" name="사각형: 둥근 대각선 방향 모서리 25">
+            <a:extLst>
+              <a:ext uri="{FF2B5EF4-FFF2-40B4-BE49-F238E27FC236}">
+                <a16:creationId xmlns:a16="http://schemas.microsoft.com/office/drawing/2014/main" id="{F6DFD639-B78D-E67D-8DCE-CF11D058672B}"/>
+              </a:ext>
+            </a:extLst>
+          </p:cNvPr>
+          <p:cNvSpPr/>
+          <p:nvPr/>
+        </p:nvSpPr>
+        <p:spPr>
+          <a:xfrm flipH="1">
+            <a:off x="7428838" y="4287760"/>
+            <a:ext cx="1291642" cy="1079863"/>
+          </a:xfrm>
+          <a:prstGeom prst="round2DiagRect">
+            <a:avLst>
+              <a:gd name="adj1" fmla="val 44086"/>
+              <a:gd name="adj2" fmla="val 0"/>
+            </a:avLst>
+          </a:prstGeom>
+          <a:solidFill>
+            <a:schemeClr val="tx1">
+              <a:lumMod val="65000"/>
+              <a:lumOff val="35000"/>
+            </a:schemeClr>
+          </a:solidFill>
+          <a:ln>
+            <a:noFill/>
+          </a:ln>
+        </p:spPr>
+        <p:style>
+          <a:lnRef idx="2">
+            <a:schemeClr val="accent1">
+              <a:shade val="15000"/>
+            </a:schemeClr>
+          </a:lnRef>
+          <a:fillRef idx="1">
+            <a:schemeClr val="accent1"/>
+          </a:fillRef>
+          <a:effectRef idx="0">
+            <a:schemeClr val="accent1"/>
+          </a:effectRef>
+          <a:fontRef idx="minor">
+            <a:schemeClr val="lt1"/>
+          </a:fontRef>
+        </p:style>
+        <p:txBody>
+          <a:bodyPr rtlCol="0" anchor="ctr"/>
+          <a:lstStyle/>
+          <a:p>
+            <a:pPr algn="ctr"/>
+            <a:r>
+              <a:rPr lang="ko-KR" altLang="en-US" dirty="0">
+                <a:solidFill>
+                  <a:schemeClr val="bg1">
+                    <a:lumMod val="95000"/>
+                  </a:schemeClr>
+                </a:solidFill>
+              </a:rPr>
+              <a:t>스킬</a:t>
+            </a:r>
+            <a:endParaRPr lang="en-US" altLang="ko-KR" dirty="0">
+              <a:solidFill>
+                <a:schemeClr val="bg1">
+                  <a:lumMod val="95000"/>
+                </a:schemeClr>
+              </a:solidFill>
+            </a:endParaRPr>
+          </a:p>
+          <a:p>
+            <a:pPr algn="ctr"/>
+            <a:r>
+              <a:rPr lang="ko-KR" altLang="en-US" dirty="0">
+                <a:solidFill>
+                  <a:schemeClr val="bg1">
+                    <a:lumMod val="95000"/>
+                  </a:schemeClr>
+                </a:solidFill>
+              </a:rPr>
+              <a:t>쿨 타임</a:t>
+            </a:r>
+          </a:p>
+        </p:txBody>
+      </p:sp>
+      <p:sp>
+        <p:nvSpPr>
+          <p:cNvPr id="29" name="TextBox 28">
+            <a:extLst>
+              <a:ext uri="{FF2B5EF4-FFF2-40B4-BE49-F238E27FC236}">
+                <a16:creationId xmlns:a16="http://schemas.microsoft.com/office/drawing/2014/main" id="{1A935FE7-FDD2-443D-316D-F94735A8F230}"/>
+              </a:ext>
+            </a:extLst>
+          </p:cNvPr>
+          <p:cNvSpPr txBox="1"/>
+          <p:nvPr/>
+        </p:nvSpPr>
+        <p:spPr>
+          <a:xfrm>
+            <a:off x="7428838" y="5367623"/>
+            <a:ext cx="1291642" cy="738664"/>
+          </a:xfrm>
+          <a:prstGeom prst="rect">
+            <a:avLst/>
+          </a:prstGeom>
+          <a:noFill/>
+        </p:spPr>
+        <p:txBody>
+          <a:bodyPr wrap="square" rtlCol="0">
+            <a:spAutoFit/>
+          </a:bodyPr>
+          <a:lstStyle/>
+          <a:p>
+            <a:pPr algn="ctr" latinLnBrk="1"/>
+            <a:r>
+              <a:rPr lang="ko-KR" altLang="en-US" sz="1050" b="0" dirty="0">
+                <a:solidFill>
+                  <a:schemeClr val="tx1"/>
+                </a:solidFill>
+              </a:rPr>
+              <a:t>스킬을 </a:t>
+            </a:r>
+            <a:endParaRPr lang="en-US" altLang="ko-KR" sz="1050" b="0" dirty="0">
+              <a:solidFill>
+                <a:schemeClr val="tx1"/>
+              </a:solidFill>
+            </a:endParaRPr>
+          </a:p>
+          <a:p>
+            <a:pPr algn="ctr" latinLnBrk="1"/>
+            <a:r>
+              <a:rPr lang="ko-KR" altLang="en-US" sz="1050" b="0" dirty="0">
+                <a:solidFill>
+                  <a:schemeClr val="tx1"/>
+                </a:solidFill>
+              </a:rPr>
+              <a:t>다시 사용하기 </a:t>
+            </a:r>
+            <a:endParaRPr lang="en-US" altLang="ko-KR" sz="1050" b="0" dirty="0">
+              <a:solidFill>
+                <a:schemeClr val="tx1"/>
+              </a:solidFill>
+            </a:endParaRPr>
+          </a:p>
+          <a:p>
+            <a:pPr algn="ctr" latinLnBrk="1"/>
+            <a:r>
+              <a:rPr lang="ko-KR" altLang="en-US" sz="1050" b="0" dirty="0">
+                <a:solidFill>
+                  <a:schemeClr val="tx1"/>
+                </a:solidFill>
+              </a:rPr>
+              <a:t>위한 대기 시간을</a:t>
+            </a:r>
+            <a:endParaRPr lang="en-US" altLang="ko-KR" sz="1050" b="0" dirty="0">
+              <a:solidFill>
+                <a:schemeClr val="tx1"/>
+              </a:solidFill>
+            </a:endParaRPr>
+          </a:p>
+          <a:p>
+            <a:pPr algn="ctr" latinLnBrk="1"/>
+            <a:r>
+              <a:rPr lang="ko-KR" altLang="en-US" sz="1050" dirty="0"/>
+              <a:t>확인하는 단계</a:t>
+            </a:r>
+            <a:endParaRPr lang="en-US" altLang="ko-KR" sz="1050" b="0" dirty="0">
+              <a:solidFill>
+                <a:schemeClr val="tx1"/>
+              </a:solidFill>
+            </a:endParaRPr>
+          </a:p>
+        </p:txBody>
+      </p:sp>
+      <p:sp>
+        <p:nvSpPr>
+          <p:cNvPr id="31" name="사각형: 둥근 대각선 방향 모서리 30">
+            <a:extLst>
+              <a:ext uri="{FF2B5EF4-FFF2-40B4-BE49-F238E27FC236}">
+                <a16:creationId xmlns:a16="http://schemas.microsoft.com/office/drawing/2014/main" id="{53AA4982-8FA5-CAC0-B030-A157DBFA754C}"/>
+              </a:ext>
+            </a:extLst>
+          </p:cNvPr>
+          <p:cNvSpPr/>
+          <p:nvPr/>
+        </p:nvSpPr>
+        <p:spPr>
+          <a:xfrm flipH="1">
+            <a:off x="9405133" y="4287760"/>
+            <a:ext cx="1291642" cy="1079863"/>
+          </a:xfrm>
+          <a:prstGeom prst="round2DiagRect">
+            <a:avLst>
+              <a:gd name="adj1" fmla="val 44086"/>
+              <a:gd name="adj2" fmla="val 0"/>
+            </a:avLst>
+          </a:prstGeom>
+          <a:solidFill>
+            <a:schemeClr val="tx1">
+              <a:lumMod val="65000"/>
+              <a:lumOff val="35000"/>
+            </a:schemeClr>
+          </a:solidFill>
+          <a:ln>
+            <a:noFill/>
+          </a:ln>
+        </p:spPr>
+        <p:style>
+          <a:lnRef idx="2">
+            <a:schemeClr val="accent1">
+              <a:shade val="15000"/>
+            </a:schemeClr>
+          </a:lnRef>
+          <a:fillRef idx="1">
+            <a:schemeClr val="accent1"/>
+          </a:fillRef>
+          <a:effectRef idx="0">
+            <a:schemeClr val="accent1"/>
+          </a:effectRef>
+          <a:fontRef idx="minor">
+            <a:schemeClr val="lt1"/>
+          </a:fontRef>
+        </p:style>
+        <p:txBody>
+          <a:bodyPr rtlCol="0" anchor="ctr"/>
+          <a:lstStyle/>
+          <a:p>
+            <a:pPr algn="ctr"/>
+            <a:r>
+              <a:rPr lang="ko-KR" altLang="en-US" dirty="0">
+                <a:solidFill>
+                  <a:schemeClr val="bg1">
+                    <a:lumMod val="95000"/>
+                  </a:schemeClr>
+                </a:solidFill>
+              </a:rPr>
+              <a:t>기타</a:t>
+            </a:r>
+            <a:endParaRPr lang="en-US" altLang="ko-KR" dirty="0">
+              <a:solidFill>
+                <a:schemeClr val="bg1">
+                  <a:lumMod val="95000"/>
+                </a:schemeClr>
+              </a:solidFill>
+            </a:endParaRPr>
+          </a:p>
+          <a:p>
+            <a:pPr algn="ctr"/>
+            <a:r>
+              <a:rPr lang="ko-KR" altLang="en-US" dirty="0">
+                <a:solidFill>
+                  <a:schemeClr val="bg1">
+                    <a:lumMod val="95000"/>
+                  </a:schemeClr>
+                </a:solidFill>
+              </a:rPr>
+              <a:t>요소</a:t>
+            </a:r>
+          </a:p>
+        </p:txBody>
+      </p:sp>
+      <p:sp>
+        <p:nvSpPr>
+          <p:cNvPr id="32" name="TextBox 31">
+            <a:extLst>
+              <a:ext uri="{FF2B5EF4-FFF2-40B4-BE49-F238E27FC236}">
+                <a16:creationId xmlns:a16="http://schemas.microsoft.com/office/drawing/2014/main" id="{ED016763-9981-BAC6-37B4-460C4C6D05ED}"/>
+              </a:ext>
+            </a:extLst>
+          </p:cNvPr>
+          <p:cNvSpPr txBox="1"/>
+          <p:nvPr/>
+        </p:nvSpPr>
+        <p:spPr>
+          <a:xfrm>
+            <a:off x="9405133" y="5367623"/>
+            <a:ext cx="1291642" cy="577081"/>
+          </a:xfrm>
+          <a:prstGeom prst="rect">
+            <a:avLst/>
+          </a:prstGeom>
+          <a:noFill/>
+        </p:spPr>
+        <p:txBody>
+          <a:bodyPr wrap="square" rtlCol="0">
+            <a:spAutoFit/>
+          </a:bodyPr>
+          <a:lstStyle/>
+          <a:p>
+            <a:pPr algn="ctr" latinLnBrk="1"/>
+            <a:r>
+              <a:rPr lang="ko-KR" altLang="en-US" sz="1050" b="0" dirty="0">
+                <a:solidFill>
+                  <a:schemeClr val="tx1"/>
+                </a:solidFill>
+              </a:rPr>
+              <a:t>일부 스킬에서만 적용하는 요소를</a:t>
+            </a:r>
+            <a:endParaRPr lang="en-US" altLang="ko-KR" sz="1050" b="0" dirty="0">
+              <a:solidFill>
+                <a:schemeClr val="tx1"/>
+              </a:solidFill>
+            </a:endParaRPr>
+          </a:p>
+          <a:p>
+            <a:pPr algn="ctr" latinLnBrk="1"/>
+            <a:r>
+              <a:rPr lang="ko-KR" altLang="en-US" sz="1050" dirty="0"/>
+              <a:t>확인하는 단계</a:t>
+            </a:r>
+            <a:endParaRPr lang="en-US" altLang="ko-KR" sz="1050" b="0" dirty="0">
+              <a:solidFill>
+                <a:schemeClr val="tx1"/>
+              </a:solidFill>
+            </a:endParaRPr>
+          </a:p>
+        </p:txBody>
+      </p:sp>
+      <p:sp>
+        <p:nvSpPr>
+          <p:cNvPr id="34" name="사각형: 둥근 대각선 방향 모서리 33">
+            <a:extLst>
+              <a:ext uri="{FF2B5EF4-FFF2-40B4-BE49-F238E27FC236}">
+                <a16:creationId xmlns:a16="http://schemas.microsoft.com/office/drawing/2014/main" id="{7FC8F533-1979-C7DF-1CE1-8470DD9D185A}"/>
+              </a:ext>
+            </a:extLst>
+          </p:cNvPr>
+          <p:cNvSpPr/>
+          <p:nvPr/>
+        </p:nvSpPr>
+        <p:spPr>
+          <a:xfrm flipH="1">
+            <a:off x="1502109" y="1380911"/>
+            <a:ext cx="1291642" cy="1079863"/>
           </a:xfrm>
           <a:prstGeom prst="round2DiagRect">
             <a:avLst>
@@ -18110,20 +19112,39 @@
           <a:lstStyle/>
           <a:p>
             <a:pPr algn="ctr"/>
-            <a:endParaRPr lang="ko-KR" altLang="en-US" dirty="0">
+            <a:r>
+              <a:rPr lang="ko-KR" altLang="en-US" dirty="0">
+                <a:solidFill>
+                  <a:schemeClr val="tx1"/>
+                </a:solidFill>
+              </a:rPr>
+              <a:t>사용</a:t>
+            </a:r>
+            <a:endParaRPr lang="en-US" altLang="ko-KR" dirty="0">
               <a:solidFill>
                 <a:schemeClr val="tx1"/>
               </a:solidFill>
             </a:endParaRPr>
           </a:p>
+          <a:p>
+            <a:pPr algn="ctr"/>
+            <a:r>
+              <a:rPr lang="ko-KR" altLang="en-US" dirty="0">
+                <a:solidFill>
+                  <a:schemeClr val="tx1"/>
+                </a:solidFill>
+              </a:rPr>
+              <a:t>방법</a:t>
+            </a:r>
+          </a:p>
         </p:txBody>
       </p:sp>
       <p:sp>
         <p:nvSpPr>
-          <p:cNvPr id="6" name="TextBox 5">
+          <p:cNvPr id="35" name="TextBox 34">
             <a:extLst>
               <a:ext uri="{FF2B5EF4-FFF2-40B4-BE49-F238E27FC236}">
-                <a16:creationId xmlns:a16="http://schemas.microsoft.com/office/drawing/2014/main" id="{25BFE1AA-792E-52B9-B1DC-C7B2154D34BD}"/>
+                <a16:creationId xmlns:a16="http://schemas.microsoft.com/office/drawing/2014/main" id="{0FDEE2DC-452E-EC39-BE47-5D45A9A4B5F6}"/>
               </a:ext>
             </a:extLst>
           </p:cNvPr>
@@ -18132,8 +19153,8 @@
         </p:nvSpPr>
         <p:spPr>
           <a:xfrm>
-            <a:off x="690563" y="3429000"/>
-            <a:ext cx="1719261" cy="415498"/>
+            <a:off x="1502109" y="2460774"/>
+            <a:ext cx="1360992" cy="577081"/>
           </a:xfrm>
           <a:prstGeom prst="rect">
             <a:avLst/>
@@ -18146,14 +19167,34 @@
           </a:bodyPr>
           <a:lstStyle/>
           <a:p>
-            <a:pPr algn="l" latinLnBrk="1"/>
+            <a:pPr algn="ctr" latinLnBrk="1"/>
+            <a:r>
+              <a:rPr lang="ko-KR" altLang="en-US" sz="1050" dirty="0"/>
+              <a:t>스킬을 사용하기</a:t>
+            </a:r>
+            <a:endParaRPr lang="en-US" altLang="ko-KR" sz="1050" dirty="0"/>
+          </a:p>
+          <a:p>
+            <a:pPr algn="ctr" latinLnBrk="1"/>
             <a:r>
               <a:rPr lang="ko-KR" altLang="en-US" sz="1050" b="0" dirty="0">
                 <a:solidFill>
                   <a:schemeClr val="tx1"/>
                 </a:solidFill>
               </a:rPr>
-              <a:t>스킬을 사용 가능 여부를 판단하는 단계</a:t>
+              <a:t>위한 조작을 하는</a:t>
+            </a:r>
+            <a:endParaRPr lang="en-US" altLang="ko-KR" sz="1050" b="0" dirty="0">
+              <a:solidFill>
+                <a:schemeClr val="tx1"/>
+              </a:solidFill>
+            </a:endParaRPr>
+          </a:p>
+          <a:p>
+            <a:pPr algn="ctr" latinLnBrk="1"/>
+            <a:r>
+              <a:rPr lang="ko-KR" altLang="en-US" sz="1050" dirty="0"/>
+              <a:t>단계</a:t>
             </a:r>
             <a:endParaRPr lang="en-US" altLang="ko-KR" sz="1050" b="0" dirty="0">
               <a:solidFill>
@@ -18163,59 +19204,12 @@
           </a:p>
         </p:txBody>
       </p:sp>
-      <p:pic>
-        <p:nvPicPr>
-          <p:cNvPr id="14" name="Picture 8">
+      <p:sp>
+        <p:nvSpPr>
+          <p:cNvPr id="38" name="사각형: 둥근 대각선 방향 모서리 37">
             <a:extLst>
               <a:ext uri="{FF2B5EF4-FFF2-40B4-BE49-F238E27FC236}">
-                <a16:creationId xmlns:a16="http://schemas.microsoft.com/office/drawing/2014/main" id="{6F7544E2-1BD8-A155-E7A1-1FF277BBA805}"/>
-              </a:ext>
-            </a:extLst>
-          </p:cNvPr>
-          <p:cNvPicPr>
-            <a:picLocks noChangeAspect="1" noChangeArrowheads="1"/>
-          </p:cNvPicPr>
-          <p:nvPr/>
-        </p:nvPicPr>
-        <p:blipFill>
-          <a:blip r:embed="rId2">
-            <a:extLst>
-              <a:ext uri="{28A0092B-C50C-407E-A947-70E740481C1C}">
-                <a14:useLocalDpi xmlns:a14="http://schemas.microsoft.com/office/drawing/2010/main" val="0"/>
-              </a:ext>
-            </a:extLst>
-          </a:blip>
-          <a:srcRect/>
-          <a:stretch>
-            <a:fillRect/>
-          </a:stretch>
-        </p:blipFill>
-        <p:spPr bwMode="auto">
-          <a:xfrm>
-            <a:off x="4650298" y="2743200"/>
-            <a:ext cx="657434" cy="685800"/>
-          </a:xfrm>
-          <a:prstGeom prst="rect">
-            <a:avLst/>
-          </a:prstGeom>
-          <a:noFill/>
-          <a:extLst>
-            <a:ext uri="{909E8E84-426E-40DD-AFC4-6F175D3DCCD1}">
-              <a14:hiddenFill xmlns:a14="http://schemas.microsoft.com/office/drawing/2010/main">
-                <a:solidFill>
-                  <a:srgbClr val="FFFFFF"/>
-                </a:solidFill>
-              </a14:hiddenFill>
-            </a:ext>
-          </a:extLst>
-        </p:spPr>
-      </p:pic>
-      <p:sp>
-        <p:nvSpPr>
-          <p:cNvPr id="15" name="사각형: 둥근 대각선 방향 모서리 14">
-            <a:extLst>
-              <a:ext uri="{FF2B5EF4-FFF2-40B4-BE49-F238E27FC236}">
-                <a16:creationId xmlns:a16="http://schemas.microsoft.com/office/drawing/2014/main" id="{D2E6D678-9509-86FD-5B4D-DEF024A79F09}"/>
+                <a16:creationId xmlns:a16="http://schemas.microsoft.com/office/drawing/2014/main" id="{65897E34-1C34-9FB4-DD83-CE0FA939B973}"/>
               </a:ext>
             </a:extLst>
           </p:cNvPr>
@@ -18224,8 +19218,8 @@
         </p:nvSpPr>
         <p:spPr>
           <a:xfrm flipH="1">
-            <a:off x="2999148" y="2349137"/>
-            <a:ext cx="1567015" cy="1079863"/>
+            <a:off x="3476246" y="4287760"/>
+            <a:ext cx="1291642" cy="1079863"/>
           </a:xfrm>
           <a:prstGeom prst="round2DiagRect">
             <a:avLst>
@@ -18263,20 +19257,23 @@
           <a:lstStyle/>
           <a:p>
             <a:pPr algn="ctr"/>
-            <a:endParaRPr lang="ko-KR" altLang="en-US" dirty="0">
-              <a:solidFill>
-                <a:schemeClr val="tx1"/>
-              </a:solidFill>
-            </a:endParaRPr>
+            <a:r>
+              <a:rPr lang="ko-KR" altLang="en-US" dirty="0">
+                <a:solidFill>
+                  <a:schemeClr val="tx1"/>
+                </a:solidFill>
+              </a:rPr>
+              <a:t>장애물</a:t>
+            </a:r>
           </a:p>
         </p:txBody>
       </p:sp>
       <p:sp>
         <p:nvSpPr>
-          <p:cNvPr id="16" name="TextBox 15">
+          <p:cNvPr id="39" name="TextBox 38">
             <a:extLst>
               <a:ext uri="{FF2B5EF4-FFF2-40B4-BE49-F238E27FC236}">
-                <a16:creationId xmlns:a16="http://schemas.microsoft.com/office/drawing/2014/main" id="{8BF89203-C1BA-3CA0-8E5B-59F16614993A}"/>
+                <a16:creationId xmlns:a16="http://schemas.microsoft.com/office/drawing/2014/main" id="{4EB4D84A-2853-785B-291E-AB7BE3E00E25}"/>
               </a:ext>
             </a:extLst>
           </p:cNvPr>
@@ -18285,8 +19282,8 @@
         </p:nvSpPr>
         <p:spPr>
           <a:xfrm>
-            <a:off x="2999148" y="3429000"/>
-            <a:ext cx="1567015" cy="261610"/>
+            <a:off x="3476245" y="5367623"/>
+            <a:ext cx="1360991" cy="738664"/>
           </a:xfrm>
           <a:prstGeom prst="rect">
             <a:avLst/>
@@ -18299,66 +19296,61 @@
           </a:bodyPr>
           <a:lstStyle/>
           <a:p>
+            <a:pPr algn="ctr" latinLnBrk="1"/>
             <a:r>
               <a:rPr lang="ko-KR" altLang="en-US" sz="1050" dirty="0"/>
-              <a:t>스킬을 사용하는 단계</a:t>
+              <a:t>스킬 사용자와</a:t>
             </a:r>
+            <a:endParaRPr lang="en-US" altLang="ko-KR" sz="1050" dirty="0"/>
+          </a:p>
+          <a:p>
+            <a:pPr algn="ctr" latinLnBrk="1"/>
+            <a:r>
+              <a:rPr lang="ko-KR" altLang="en-US" sz="1050" b="0" dirty="0">
+                <a:solidFill>
+                  <a:schemeClr val="tx1"/>
+                </a:solidFill>
+              </a:rPr>
+              <a:t>스킬 대상 사이에</a:t>
+            </a:r>
+            <a:endParaRPr lang="en-US" altLang="ko-KR" sz="1050" b="0" dirty="0">
+              <a:solidFill>
+                <a:schemeClr val="tx1"/>
+              </a:solidFill>
+            </a:endParaRPr>
+          </a:p>
+          <a:p>
+            <a:pPr algn="ctr" latinLnBrk="1"/>
+            <a:r>
+              <a:rPr lang="ko-KR" altLang="en-US" sz="1050" dirty="0"/>
+              <a:t>장애물에 따른</a:t>
+            </a:r>
+            <a:endParaRPr lang="en-US" altLang="ko-KR" sz="1050" dirty="0"/>
+          </a:p>
+          <a:p>
+            <a:pPr algn="ctr" latinLnBrk="1"/>
+            <a:r>
+              <a:rPr lang="ko-KR" altLang="en-US" sz="1050" b="0" dirty="0">
+                <a:solidFill>
+                  <a:schemeClr val="tx1"/>
+                </a:solidFill>
+              </a:rPr>
+              <a:t>처리를 하는 단계</a:t>
+            </a:r>
+            <a:endParaRPr lang="en-US" altLang="ko-KR" sz="1050" b="0" dirty="0">
+              <a:solidFill>
+                <a:schemeClr val="tx1"/>
+              </a:solidFill>
+            </a:endParaRPr>
           </a:p>
         </p:txBody>
       </p:sp>
-      <p:pic>
-        <p:nvPicPr>
-          <p:cNvPr id="18" name="Picture 8">
+      <p:sp>
+        <p:nvSpPr>
+          <p:cNvPr id="40" name="사각형: 둥근 대각선 방향 모서리 39">
             <a:extLst>
               <a:ext uri="{FF2B5EF4-FFF2-40B4-BE49-F238E27FC236}">
-                <a16:creationId xmlns:a16="http://schemas.microsoft.com/office/drawing/2014/main" id="{E2CC0D63-5C80-CBA9-347B-AE2C6D42D4FE}"/>
-              </a:ext>
-            </a:extLst>
-          </p:cNvPr>
-          <p:cNvPicPr>
-            <a:picLocks noChangeAspect="1" noChangeArrowheads="1"/>
-          </p:cNvPicPr>
-          <p:nvPr/>
-        </p:nvPicPr>
-        <p:blipFill>
-          <a:blip r:embed="rId2">
-            <a:extLst>
-              <a:ext uri="{28A0092B-C50C-407E-A947-70E740481C1C}">
-                <a14:useLocalDpi xmlns:a14="http://schemas.microsoft.com/office/drawing/2010/main" val="0"/>
-              </a:ext>
-            </a:extLst>
-          </a:blip>
-          <a:srcRect/>
-          <a:stretch>
-            <a:fillRect/>
-          </a:stretch>
-        </p:blipFill>
-        <p:spPr bwMode="auto">
-          <a:xfrm>
-            <a:off x="6958881" y="2743200"/>
-            <a:ext cx="657434" cy="685800"/>
-          </a:xfrm>
-          <a:prstGeom prst="rect">
-            <a:avLst/>
-          </a:prstGeom>
-          <a:noFill/>
-          <a:extLst>
-            <a:ext uri="{909E8E84-426E-40DD-AFC4-6F175D3DCCD1}">
-              <a14:hiddenFill xmlns:a14="http://schemas.microsoft.com/office/drawing/2010/main">
-                <a:solidFill>
-                  <a:srgbClr val="FFFFFF"/>
-                </a:solidFill>
-              </a14:hiddenFill>
-            </a:ext>
-          </a:extLst>
-        </p:spPr>
-      </p:pic>
-      <p:sp>
-        <p:nvSpPr>
-          <p:cNvPr id="19" name="사각형: 둥근 대각선 방향 모서리 18">
-            <a:extLst>
-              <a:ext uri="{FF2B5EF4-FFF2-40B4-BE49-F238E27FC236}">
-                <a16:creationId xmlns:a16="http://schemas.microsoft.com/office/drawing/2014/main" id="{E8F79191-7407-F6E6-DCC3-EFB11E7F64C2}"/>
+                <a16:creationId xmlns:a16="http://schemas.microsoft.com/office/drawing/2014/main" id="{09EF3E2A-B8E0-6E22-D52F-CC56F2A8E21B}"/>
               </a:ext>
             </a:extLst>
           </p:cNvPr>
@@ -18367,8 +19359,169 @@
         </p:nvSpPr>
         <p:spPr>
           <a:xfrm flipH="1">
-            <a:off x="5307731" y="2349137"/>
-            <a:ext cx="1567015" cy="1079863"/>
+            <a:off x="7428838" y="1380911"/>
+            <a:ext cx="1291642" cy="1079863"/>
+          </a:xfrm>
+          <a:prstGeom prst="round2DiagRect">
+            <a:avLst>
+              <a:gd name="adj1" fmla="val 44086"/>
+              <a:gd name="adj2" fmla="val 0"/>
+            </a:avLst>
+          </a:prstGeom>
+          <a:solidFill>
+            <a:srgbClr val="595959"/>
+          </a:solidFill>
+          <a:ln>
+            <a:noFill/>
+          </a:ln>
+        </p:spPr>
+        <p:style>
+          <a:lnRef idx="2">
+            <a:schemeClr val="accent1">
+              <a:shade val="15000"/>
+            </a:schemeClr>
+          </a:lnRef>
+          <a:fillRef idx="1">
+            <a:schemeClr val="accent1"/>
+          </a:fillRef>
+          <a:effectRef idx="0">
+            <a:schemeClr val="accent1"/>
+          </a:effectRef>
+          <a:fontRef idx="minor">
+            <a:schemeClr val="lt1"/>
+          </a:fontRef>
+        </p:style>
+        <p:txBody>
+          <a:bodyPr rtlCol="0" anchor="ctr"/>
+          <a:lstStyle/>
+          <a:p>
+            <a:pPr algn="ctr"/>
+            <a:r>
+              <a:rPr lang="ko-KR" altLang="en-US" dirty="0">
+                <a:solidFill>
+                  <a:schemeClr val="bg1">
+                    <a:lumMod val="95000"/>
+                  </a:schemeClr>
+                </a:solidFill>
+              </a:rPr>
+              <a:t>적용</a:t>
+            </a:r>
+            <a:endParaRPr lang="en-US" altLang="ko-KR" dirty="0">
+              <a:solidFill>
+                <a:schemeClr val="bg1">
+                  <a:lumMod val="95000"/>
+                </a:schemeClr>
+              </a:solidFill>
+            </a:endParaRPr>
+          </a:p>
+          <a:p>
+            <a:pPr algn="ctr"/>
+            <a:r>
+              <a:rPr lang="ko-KR" altLang="en-US" dirty="0">
+                <a:solidFill>
+                  <a:schemeClr val="bg1">
+                    <a:lumMod val="95000"/>
+                  </a:schemeClr>
+                </a:solidFill>
+              </a:rPr>
+              <a:t>대상</a:t>
+            </a:r>
+          </a:p>
+        </p:txBody>
+      </p:sp>
+      <p:sp>
+        <p:nvSpPr>
+          <p:cNvPr id="41" name="TextBox 40">
+            <a:extLst>
+              <a:ext uri="{FF2B5EF4-FFF2-40B4-BE49-F238E27FC236}">
+                <a16:creationId xmlns:a16="http://schemas.microsoft.com/office/drawing/2014/main" id="{D9F16F65-50F2-2694-2335-8F6415179AA5}"/>
+              </a:ext>
+            </a:extLst>
+          </p:cNvPr>
+          <p:cNvSpPr txBox="1"/>
+          <p:nvPr/>
+        </p:nvSpPr>
+        <p:spPr>
+          <a:xfrm>
+            <a:off x="7428838" y="2460774"/>
+            <a:ext cx="1291642" cy="577081"/>
+          </a:xfrm>
+          <a:prstGeom prst="rect">
+            <a:avLst/>
+          </a:prstGeom>
+          <a:noFill/>
+        </p:spPr>
+        <p:txBody>
+          <a:bodyPr wrap="square" rtlCol="0">
+            <a:spAutoFit/>
+          </a:bodyPr>
+          <a:lstStyle/>
+          <a:p>
+            <a:pPr algn="ctr" latinLnBrk="1"/>
+            <a:r>
+              <a:rPr lang="ko-KR" altLang="en-US" sz="1050" b="0" dirty="0">
+                <a:solidFill>
+                  <a:schemeClr val="tx1"/>
+                </a:solidFill>
+              </a:rPr>
+              <a:t>스킬을 시전할 </a:t>
+            </a:r>
+            <a:endParaRPr lang="en-US" altLang="ko-KR" sz="1050" b="0" dirty="0">
+              <a:solidFill>
+                <a:schemeClr val="tx1"/>
+              </a:solidFill>
+            </a:endParaRPr>
+          </a:p>
+          <a:p>
+            <a:pPr algn="ctr" latinLnBrk="1"/>
+            <a:r>
+              <a:rPr lang="ko-KR" altLang="en-US" sz="1050" b="0" dirty="0">
+                <a:solidFill>
+                  <a:schemeClr val="tx1"/>
+                </a:solidFill>
+              </a:rPr>
+              <a:t>대상의 유무를 </a:t>
+            </a:r>
+            <a:endParaRPr lang="en-US" altLang="ko-KR" sz="1050" b="0" dirty="0">
+              <a:solidFill>
+                <a:schemeClr val="tx1"/>
+              </a:solidFill>
+            </a:endParaRPr>
+          </a:p>
+          <a:p>
+            <a:pPr algn="ctr" latinLnBrk="1"/>
+            <a:r>
+              <a:rPr lang="ko-KR" altLang="en-US" sz="1050" b="0" dirty="0">
+                <a:solidFill>
+                  <a:schemeClr val="tx1"/>
+                </a:solidFill>
+              </a:rPr>
+              <a:t>판단하는 단계</a:t>
+            </a:r>
+            <a:endParaRPr lang="en-US" altLang="ko-KR" sz="1050" b="0" dirty="0">
+              <a:solidFill>
+                <a:schemeClr val="tx1"/>
+              </a:solidFill>
+            </a:endParaRPr>
+          </a:p>
+        </p:txBody>
+      </p:sp>
+      <p:sp>
+        <p:nvSpPr>
+          <p:cNvPr id="43" name="사각형: 둥근 대각선 방향 모서리 42">
+            <a:extLst>
+              <a:ext uri="{FF2B5EF4-FFF2-40B4-BE49-F238E27FC236}">
+                <a16:creationId xmlns:a16="http://schemas.microsoft.com/office/drawing/2014/main" id="{3E8354D8-059E-1966-1295-A2C8586B4824}"/>
+              </a:ext>
+            </a:extLst>
+          </p:cNvPr>
+          <p:cNvSpPr/>
+          <p:nvPr/>
+        </p:nvSpPr>
+        <p:spPr>
+          <a:xfrm flipH="1">
+            <a:off x="9409187" y="1380911"/>
+            <a:ext cx="1291642" cy="1079863"/>
           </a:xfrm>
           <a:prstGeom prst="round2DiagRect">
             <a:avLst>
@@ -18406,20 +19559,39 @@
           <a:lstStyle/>
           <a:p>
             <a:pPr algn="ctr"/>
-            <a:endParaRPr lang="ko-KR" altLang="en-US" dirty="0">
+            <a:r>
+              <a:rPr lang="ko-KR" altLang="en-US" dirty="0">
+                <a:solidFill>
+                  <a:schemeClr val="tx1"/>
+                </a:solidFill>
+              </a:rPr>
+              <a:t>발동</a:t>
+            </a:r>
+            <a:endParaRPr lang="en-US" altLang="ko-KR" dirty="0">
               <a:solidFill>
                 <a:schemeClr val="tx1"/>
               </a:solidFill>
             </a:endParaRPr>
           </a:p>
+          <a:p>
+            <a:pPr algn="ctr"/>
+            <a:r>
+              <a:rPr lang="ko-KR" altLang="en-US" dirty="0">
+                <a:solidFill>
+                  <a:schemeClr val="tx1"/>
+                </a:solidFill>
+              </a:rPr>
+              <a:t>대상</a:t>
+            </a:r>
+          </a:p>
         </p:txBody>
       </p:sp>
       <p:sp>
         <p:nvSpPr>
-          <p:cNvPr id="20" name="TextBox 19">
+          <p:cNvPr id="44" name="TextBox 43">
             <a:extLst>
               <a:ext uri="{FF2B5EF4-FFF2-40B4-BE49-F238E27FC236}">
-                <a16:creationId xmlns:a16="http://schemas.microsoft.com/office/drawing/2014/main" id="{E35EC4F9-F077-3832-FF93-0CDF243A9AB2}"/>
+                <a16:creationId xmlns:a16="http://schemas.microsoft.com/office/drawing/2014/main" id="{021937EE-900B-B0DF-A34C-42FBC72E2101}"/>
               </a:ext>
             </a:extLst>
           </p:cNvPr>
@@ -18428,8 +19600,8 @@
         </p:nvSpPr>
         <p:spPr>
           <a:xfrm>
-            <a:off x="5307731" y="3429000"/>
-            <a:ext cx="1567015" cy="261610"/>
+            <a:off x="9409187" y="2460774"/>
+            <a:ext cx="1420738" cy="415498"/>
           </a:xfrm>
           <a:prstGeom prst="rect">
             <a:avLst/>
@@ -18442,24 +19614,1584 @@
           </a:bodyPr>
           <a:lstStyle/>
           <a:p>
+            <a:pPr algn="ctr" latinLnBrk="1"/>
             <a:r>
               <a:rPr lang="ko-KR" altLang="en-US" sz="1050" dirty="0"/>
-              <a:t>효과를 발동하는 단계</a:t>
+              <a:t>스킬의 대상에 따른</a:t>
+            </a:r>
+            <a:endParaRPr lang="en-US" altLang="ko-KR" sz="1050" dirty="0"/>
+          </a:p>
+          <a:p>
+            <a:pPr algn="ctr" latinLnBrk="1"/>
+            <a:r>
+              <a:rPr lang="ko-KR" altLang="en-US" sz="1050" b="0" dirty="0">
+                <a:solidFill>
+                  <a:schemeClr val="tx1"/>
+                </a:solidFill>
+              </a:rPr>
+              <a:t>처리를 하는 단계</a:t>
+            </a:r>
+            <a:endParaRPr lang="en-US" altLang="ko-KR" sz="1050" b="0" dirty="0">
+              <a:solidFill>
+                <a:schemeClr val="tx1"/>
+              </a:solidFill>
+            </a:endParaRPr>
+          </a:p>
+        </p:txBody>
+      </p:sp>
+      <p:cxnSp>
+        <p:nvCxnSpPr>
+          <p:cNvPr id="1035" name="연결선: 꺾임 1034">
+            <a:extLst>
+              <a:ext uri="{FF2B5EF4-FFF2-40B4-BE49-F238E27FC236}">
+                <a16:creationId xmlns:a16="http://schemas.microsoft.com/office/drawing/2014/main" id="{D9CC990C-098D-9500-2D75-8C16315F6677}"/>
+              </a:ext>
+            </a:extLst>
+          </p:cNvPr>
+          <p:cNvCxnSpPr>
+            <a:cxnSpLocks/>
+            <a:stCxn id="34" idx="2"/>
+            <a:endCxn id="3" idx="0"/>
+          </p:cNvCxnSpPr>
+          <p:nvPr/>
+        </p:nvCxnSpPr>
+        <p:spPr>
+          <a:xfrm>
+            <a:off x="2793751" y="1920843"/>
+            <a:ext cx="682495" cy="1700"/>
+          </a:xfrm>
+          <a:prstGeom prst="bentConnector3">
+            <a:avLst>
+              <a:gd name="adj1" fmla="val 50000"/>
+            </a:avLst>
+          </a:prstGeom>
+          <a:ln w="127000">
+            <a:solidFill>
+              <a:srgbClr val="A6A6A6"/>
+            </a:solidFill>
+            <a:tailEnd type="triangle"/>
+          </a:ln>
+        </p:spPr>
+        <p:style>
+          <a:lnRef idx="1">
+            <a:schemeClr val="accent1"/>
+          </a:lnRef>
+          <a:fillRef idx="0">
+            <a:schemeClr val="accent1"/>
+          </a:fillRef>
+          <a:effectRef idx="0">
+            <a:schemeClr val="accent1"/>
+          </a:effectRef>
+          <a:fontRef idx="minor">
+            <a:schemeClr val="tx1"/>
+          </a:fontRef>
+        </p:style>
+      </p:cxnSp>
+      <p:cxnSp>
+        <p:nvCxnSpPr>
+          <p:cNvPr id="1038" name="연결선: 꺾임 1037">
+            <a:extLst>
+              <a:ext uri="{FF2B5EF4-FFF2-40B4-BE49-F238E27FC236}">
+                <a16:creationId xmlns:a16="http://schemas.microsoft.com/office/drawing/2014/main" id="{5DD6A8BC-0FF5-D50D-A6B3-B03E653E6C3A}"/>
+              </a:ext>
+            </a:extLst>
+          </p:cNvPr>
+          <p:cNvCxnSpPr>
+            <a:cxnSpLocks/>
+            <a:stCxn id="3" idx="2"/>
+            <a:endCxn id="9" idx="0"/>
+          </p:cNvCxnSpPr>
+          <p:nvPr/>
+        </p:nvCxnSpPr>
+        <p:spPr>
+          <a:xfrm>
+            <a:off x="4767888" y="1922543"/>
+            <a:ext cx="680601" cy="12700"/>
+          </a:xfrm>
+          <a:prstGeom prst="bentConnector3">
+            <a:avLst>
+              <a:gd name="adj1" fmla="val 50000"/>
+            </a:avLst>
+          </a:prstGeom>
+          <a:ln w="127000">
+            <a:solidFill>
+              <a:srgbClr val="A6A6A6"/>
+            </a:solidFill>
+            <a:tailEnd type="triangle"/>
+          </a:ln>
+        </p:spPr>
+        <p:style>
+          <a:lnRef idx="1">
+            <a:schemeClr val="accent1"/>
+          </a:lnRef>
+          <a:fillRef idx="0">
+            <a:schemeClr val="accent1"/>
+          </a:fillRef>
+          <a:effectRef idx="0">
+            <a:schemeClr val="accent1"/>
+          </a:effectRef>
+          <a:fontRef idx="minor">
+            <a:schemeClr val="tx1"/>
+          </a:fontRef>
+        </p:style>
+      </p:cxnSp>
+      <p:cxnSp>
+        <p:nvCxnSpPr>
+          <p:cNvPr id="1039" name="연결선: 꺾임 1038">
+            <a:extLst>
+              <a:ext uri="{FF2B5EF4-FFF2-40B4-BE49-F238E27FC236}">
+                <a16:creationId xmlns:a16="http://schemas.microsoft.com/office/drawing/2014/main" id="{C9B61609-0185-BD66-44F6-68347AC8D034}"/>
+              </a:ext>
+            </a:extLst>
+          </p:cNvPr>
+          <p:cNvCxnSpPr>
+            <a:cxnSpLocks/>
+            <a:stCxn id="9" idx="2"/>
+            <a:endCxn id="40" idx="0"/>
+          </p:cNvCxnSpPr>
+          <p:nvPr/>
+        </p:nvCxnSpPr>
+        <p:spPr>
+          <a:xfrm flipV="1">
+            <a:off x="6740131" y="1920843"/>
+            <a:ext cx="688707" cy="1700"/>
+          </a:xfrm>
+          <a:prstGeom prst="bentConnector3">
+            <a:avLst>
+              <a:gd name="adj1" fmla="val 50000"/>
+            </a:avLst>
+          </a:prstGeom>
+          <a:ln w="127000">
+            <a:solidFill>
+              <a:srgbClr val="A6A6A6"/>
+            </a:solidFill>
+            <a:tailEnd type="triangle"/>
+          </a:ln>
+        </p:spPr>
+        <p:style>
+          <a:lnRef idx="1">
+            <a:schemeClr val="accent1"/>
+          </a:lnRef>
+          <a:fillRef idx="0">
+            <a:schemeClr val="accent1"/>
+          </a:fillRef>
+          <a:effectRef idx="0">
+            <a:schemeClr val="accent1"/>
+          </a:effectRef>
+          <a:fontRef idx="minor">
+            <a:schemeClr val="tx1"/>
+          </a:fontRef>
+        </p:style>
+      </p:cxnSp>
+      <p:cxnSp>
+        <p:nvCxnSpPr>
+          <p:cNvPr id="1040" name="연결선: 꺾임 1039">
+            <a:extLst>
+              <a:ext uri="{FF2B5EF4-FFF2-40B4-BE49-F238E27FC236}">
+                <a16:creationId xmlns:a16="http://schemas.microsoft.com/office/drawing/2014/main" id="{DDEEEC26-1B47-CC7C-79AC-AD99CFC6B291}"/>
+              </a:ext>
+            </a:extLst>
+          </p:cNvPr>
+          <p:cNvCxnSpPr>
+            <a:cxnSpLocks/>
+            <a:stCxn id="40" idx="2"/>
+            <a:endCxn id="43" idx="0"/>
+          </p:cNvCxnSpPr>
+          <p:nvPr/>
+        </p:nvCxnSpPr>
+        <p:spPr>
+          <a:xfrm>
+            <a:off x="8720480" y="1920843"/>
+            <a:ext cx="688707" cy="12700"/>
+          </a:xfrm>
+          <a:prstGeom prst="bentConnector3">
+            <a:avLst>
+              <a:gd name="adj1" fmla="val 50000"/>
+            </a:avLst>
+          </a:prstGeom>
+          <a:ln w="127000">
+            <a:solidFill>
+              <a:srgbClr val="A6A6A6"/>
+            </a:solidFill>
+            <a:tailEnd type="triangle"/>
+          </a:ln>
+        </p:spPr>
+        <p:style>
+          <a:lnRef idx="1">
+            <a:schemeClr val="accent1"/>
+          </a:lnRef>
+          <a:fillRef idx="0">
+            <a:schemeClr val="accent1"/>
+          </a:fillRef>
+          <a:effectRef idx="0">
+            <a:schemeClr val="accent1"/>
+          </a:effectRef>
+          <a:fontRef idx="minor">
+            <a:schemeClr val="tx1"/>
+          </a:fontRef>
+        </p:style>
+      </p:cxnSp>
+      <p:cxnSp>
+        <p:nvCxnSpPr>
+          <p:cNvPr id="1041" name="연결선: 꺾임 1040">
+            <a:extLst>
+              <a:ext uri="{FF2B5EF4-FFF2-40B4-BE49-F238E27FC236}">
+                <a16:creationId xmlns:a16="http://schemas.microsoft.com/office/drawing/2014/main" id="{A15C9A83-C599-53AD-CC64-6C9D57F53F8E}"/>
+              </a:ext>
+            </a:extLst>
+          </p:cNvPr>
+          <p:cNvCxnSpPr>
+            <a:cxnSpLocks/>
+            <a:stCxn id="12" idx="2"/>
+            <a:endCxn id="38" idx="0"/>
+          </p:cNvCxnSpPr>
+          <p:nvPr/>
+        </p:nvCxnSpPr>
+        <p:spPr>
+          <a:xfrm>
+            <a:off x="2803274" y="4819233"/>
+            <a:ext cx="672972" cy="8459"/>
+          </a:xfrm>
+          <a:prstGeom prst="bentConnector3">
+            <a:avLst>
+              <a:gd name="adj1" fmla="val 50000"/>
+            </a:avLst>
+          </a:prstGeom>
+          <a:ln w="127000">
+            <a:solidFill>
+              <a:srgbClr val="A6A6A6"/>
+            </a:solidFill>
+            <a:tailEnd type="triangle"/>
+          </a:ln>
+        </p:spPr>
+        <p:style>
+          <a:lnRef idx="1">
+            <a:schemeClr val="accent1"/>
+          </a:lnRef>
+          <a:fillRef idx="0">
+            <a:schemeClr val="accent1"/>
+          </a:fillRef>
+          <a:effectRef idx="0">
+            <a:schemeClr val="accent1"/>
+          </a:effectRef>
+          <a:fontRef idx="minor">
+            <a:schemeClr val="tx1"/>
+          </a:fontRef>
+        </p:style>
+      </p:cxnSp>
+      <p:cxnSp>
+        <p:nvCxnSpPr>
+          <p:cNvPr id="1042" name="연결선: 꺾임 1041">
+            <a:extLst>
+              <a:ext uri="{FF2B5EF4-FFF2-40B4-BE49-F238E27FC236}">
+                <a16:creationId xmlns:a16="http://schemas.microsoft.com/office/drawing/2014/main" id="{F77A4ED4-3707-0CD1-2FB4-C57A2784B517}"/>
+              </a:ext>
+            </a:extLst>
+          </p:cNvPr>
+          <p:cNvCxnSpPr>
+            <a:cxnSpLocks/>
+            <a:stCxn id="38" idx="2"/>
+            <a:endCxn id="21" idx="0"/>
+          </p:cNvCxnSpPr>
+          <p:nvPr/>
+        </p:nvCxnSpPr>
+        <p:spPr>
+          <a:xfrm>
+            <a:off x="4767888" y="4827692"/>
+            <a:ext cx="684655" cy="12700"/>
+          </a:xfrm>
+          <a:prstGeom prst="bentConnector3">
+            <a:avLst>
+              <a:gd name="adj1" fmla="val 50000"/>
+            </a:avLst>
+          </a:prstGeom>
+          <a:ln w="127000">
+            <a:solidFill>
+              <a:srgbClr val="A6A6A6"/>
+            </a:solidFill>
+            <a:tailEnd type="triangle"/>
+          </a:ln>
+        </p:spPr>
+        <p:style>
+          <a:lnRef idx="1">
+            <a:schemeClr val="accent1"/>
+          </a:lnRef>
+          <a:fillRef idx="0">
+            <a:schemeClr val="accent1"/>
+          </a:fillRef>
+          <a:effectRef idx="0">
+            <a:schemeClr val="accent1"/>
+          </a:effectRef>
+          <a:fontRef idx="minor">
+            <a:schemeClr val="tx1"/>
+          </a:fontRef>
+        </p:style>
+      </p:cxnSp>
+      <p:cxnSp>
+        <p:nvCxnSpPr>
+          <p:cNvPr id="1043" name="연결선: 꺾임 1042">
+            <a:extLst>
+              <a:ext uri="{FF2B5EF4-FFF2-40B4-BE49-F238E27FC236}">
+                <a16:creationId xmlns:a16="http://schemas.microsoft.com/office/drawing/2014/main" id="{F9D32761-4E08-C11A-7294-0C00B371F97C}"/>
+              </a:ext>
+            </a:extLst>
+          </p:cNvPr>
+          <p:cNvCxnSpPr>
+            <a:cxnSpLocks/>
+            <a:stCxn id="21" idx="2"/>
+            <a:endCxn id="26" idx="0"/>
+          </p:cNvCxnSpPr>
+          <p:nvPr/>
+        </p:nvCxnSpPr>
+        <p:spPr>
+          <a:xfrm>
+            <a:off x="6744185" y="4827692"/>
+            <a:ext cx="684653" cy="12700"/>
+          </a:xfrm>
+          <a:prstGeom prst="bentConnector3">
+            <a:avLst>
+              <a:gd name="adj1" fmla="val 50000"/>
+            </a:avLst>
+          </a:prstGeom>
+          <a:ln w="127000">
+            <a:solidFill>
+              <a:srgbClr val="A6A6A6"/>
+            </a:solidFill>
+            <a:tailEnd type="triangle"/>
+          </a:ln>
+        </p:spPr>
+        <p:style>
+          <a:lnRef idx="1">
+            <a:schemeClr val="accent1"/>
+          </a:lnRef>
+          <a:fillRef idx="0">
+            <a:schemeClr val="accent1"/>
+          </a:fillRef>
+          <a:effectRef idx="0">
+            <a:schemeClr val="accent1"/>
+          </a:effectRef>
+          <a:fontRef idx="minor">
+            <a:schemeClr val="tx1"/>
+          </a:fontRef>
+        </p:style>
+      </p:cxnSp>
+      <p:cxnSp>
+        <p:nvCxnSpPr>
+          <p:cNvPr id="1044" name="연결선: 꺾임 1043">
+            <a:extLst>
+              <a:ext uri="{FF2B5EF4-FFF2-40B4-BE49-F238E27FC236}">
+                <a16:creationId xmlns:a16="http://schemas.microsoft.com/office/drawing/2014/main" id="{D1F9BD05-19B0-32A4-6360-0B406CBA2991}"/>
+              </a:ext>
+            </a:extLst>
+          </p:cNvPr>
+          <p:cNvCxnSpPr>
+            <a:cxnSpLocks/>
+            <a:stCxn id="26" idx="2"/>
+            <a:endCxn id="31" idx="0"/>
+          </p:cNvCxnSpPr>
+          <p:nvPr/>
+        </p:nvCxnSpPr>
+        <p:spPr>
+          <a:xfrm>
+            <a:off x="8720480" y="4827692"/>
+            <a:ext cx="684653" cy="12700"/>
+          </a:xfrm>
+          <a:prstGeom prst="bentConnector3">
+            <a:avLst>
+              <a:gd name="adj1" fmla="val 50000"/>
+            </a:avLst>
+          </a:prstGeom>
+          <a:ln w="127000">
+            <a:solidFill>
+              <a:srgbClr val="A6A6A6"/>
+            </a:solidFill>
+            <a:tailEnd type="triangle"/>
+          </a:ln>
+        </p:spPr>
+        <p:style>
+          <a:lnRef idx="1">
+            <a:schemeClr val="accent1"/>
+          </a:lnRef>
+          <a:fillRef idx="0">
+            <a:schemeClr val="accent1"/>
+          </a:fillRef>
+          <a:effectRef idx="0">
+            <a:schemeClr val="accent1"/>
+          </a:effectRef>
+          <a:fontRef idx="minor">
+            <a:schemeClr val="tx1"/>
+          </a:fontRef>
+        </p:style>
+      </p:cxnSp>
+      <p:cxnSp>
+        <p:nvCxnSpPr>
+          <p:cNvPr id="1049" name="연결선: 꺾임 1048">
+            <a:extLst>
+              <a:ext uri="{FF2B5EF4-FFF2-40B4-BE49-F238E27FC236}">
+                <a16:creationId xmlns:a16="http://schemas.microsoft.com/office/drawing/2014/main" id="{6E7CB02C-EA36-8F8C-9287-44364C8A8E5A}"/>
+              </a:ext>
+            </a:extLst>
+          </p:cNvPr>
+          <p:cNvCxnSpPr>
+            <a:cxnSpLocks/>
+            <a:stCxn id="43" idx="2"/>
+            <a:endCxn id="12" idx="3"/>
+          </p:cNvCxnSpPr>
+          <p:nvPr/>
+        </p:nvCxnSpPr>
+        <p:spPr>
+          <a:xfrm flipH="1">
+            <a:off x="2157453" y="1920843"/>
+            <a:ext cx="8543376" cy="2358458"/>
+          </a:xfrm>
+          <a:prstGeom prst="bentConnector4">
+            <a:avLst>
+              <a:gd name="adj1" fmla="val -2676"/>
+              <a:gd name="adj2" fmla="val 61447"/>
+            </a:avLst>
+          </a:prstGeom>
+          <a:ln w="127000">
+            <a:solidFill>
+              <a:srgbClr val="A6A6A6"/>
+            </a:solidFill>
+            <a:tailEnd type="triangle"/>
+          </a:ln>
+        </p:spPr>
+        <p:style>
+          <a:lnRef idx="1">
+            <a:schemeClr val="accent1"/>
+          </a:lnRef>
+          <a:fillRef idx="0">
+            <a:schemeClr val="accent1"/>
+          </a:fillRef>
+          <a:effectRef idx="0">
+            <a:schemeClr val="accent1"/>
+          </a:effectRef>
+          <a:fontRef idx="minor">
+            <a:schemeClr val="tx1"/>
+          </a:fontRef>
+        </p:style>
+      </p:cxnSp>
+      <p:grpSp>
+        <p:nvGrpSpPr>
+          <p:cNvPr id="1075" name="그룹 1074">
+            <a:extLst>
+              <a:ext uri="{FF2B5EF4-FFF2-40B4-BE49-F238E27FC236}">
+                <a16:creationId xmlns:a16="http://schemas.microsoft.com/office/drawing/2014/main" id="{860C88C0-5601-6E83-2ACC-9B9883687581}"/>
+              </a:ext>
+            </a:extLst>
+          </p:cNvPr>
+          <p:cNvGrpSpPr/>
+          <p:nvPr/>
+        </p:nvGrpSpPr>
+        <p:grpSpPr>
+          <a:xfrm>
+            <a:off x="10436225" y="6431914"/>
+            <a:ext cx="1632889" cy="241176"/>
+            <a:chOff x="1502109" y="6106287"/>
+            <a:chExt cx="1632889" cy="241176"/>
+          </a:xfrm>
+        </p:grpSpPr>
+        <p:sp>
+          <p:nvSpPr>
+            <p:cNvPr id="1071" name="사각형: 둥근 대각선 방향 모서리 1070">
+              <a:extLst>
+                <a:ext uri="{FF2B5EF4-FFF2-40B4-BE49-F238E27FC236}">
+                  <a16:creationId xmlns:a16="http://schemas.microsoft.com/office/drawing/2014/main" id="{21C20803-ABAF-07BB-E02F-DDE02DCF614F}"/>
+                </a:ext>
+              </a:extLst>
+            </p:cNvPr>
+            <p:cNvSpPr/>
+            <p:nvPr/>
+          </p:nvSpPr>
+          <p:spPr>
+            <a:xfrm flipH="1">
+              <a:off x="1502109" y="6106287"/>
+              <a:ext cx="288475" cy="241176"/>
+            </a:xfrm>
+            <a:prstGeom prst="round2DiagRect">
+              <a:avLst>
+                <a:gd name="adj1" fmla="val 44086"/>
+                <a:gd name="adj2" fmla="val 0"/>
+              </a:avLst>
+            </a:prstGeom>
+            <a:solidFill>
+              <a:schemeClr val="tx1">
+                <a:lumMod val="65000"/>
+                <a:lumOff val="35000"/>
+              </a:schemeClr>
+            </a:solidFill>
+            <a:ln>
+              <a:noFill/>
+            </a:ln>
+          </p:spPr>
+          <p:style>
+            <a:lnRef idx="2">
+              <a:schemeClr val="accent1">
+                <a:shade val="15000"/>
+              </a:schemeClr>
+            </a:lnRef>
+            <a:fillRef idx="1">
+              <a:schemeClr val="accent1"/>
+            </a:fillRef>
+            <a:effectRef idx="0">
+              <a:schemeClr val="accent1"/>
+            </a:effectRef>
+            <a:fontRef idx="minor">
+              <a:schemeClr val="lt1"/>
+            </a:fontRef>
+          </p:style>
+          <p:txBody>
+            <a:bodyPr rtlCol="0" anchor="ctr"/>
+            <a:lstStyle/>
+            <a:p>
+              <a:pPr algn="ctr"/>
+              <a:endParaRPr lang="ko-KR" altLang="en-US" dirty="0">
+                <a:solidFill>
+                  <a:schemeClr val="bg1">
+                    <a:lumMod val="95000"/>
+                  </a:schemeClr>
+                </a:solidFill>
+              </a:endParaRPr>
+            </a:p>
+          </p:txBody>
+        </p:sp>
+        <p:sp>
+          <p:nvSpPr>
+            <p:cNvPr id="1073" name="TextBox 1072">
+              <a:extLst>
+                <a:ext uri="{FF2B5EF4-FFF2-40B4-BE49-F238E27FC236}">
+                  <a16:creationId xmlns:a16="http://schemas.microsoft.com/office/drawing/2014/main" id="{21D95417-2CD5-F36B-F1DA-4B092EFA76EE}"/>
+                </a:ext>
+              </a:extLst>
+            </p:cNvPr>
+            <p:cNvSpPr txBox="1"/>
+            <p:nvPr/>
+          </p:nvSpPr>
+          <p:spPr>
+            <a:xfrm>
+              <a:off x="1774007" y="6116631"/>
+              <a:ext cx="1360991" cy="230832"/>
+            </a:xfrm>
+            <a:prstGeom prst="rect">
+              <a:avLst/>
+            </a:prstGeom>
+            <a:noFill/>
+          </p:spPr>
+          <p:txBody>
+            <a:bodyPr wrap="square" rtlCol="0">
+              <a:spAutoFit/>
+            </a:bodyPr>
+            <a:lstStyle/>
+            <a:p>
+              <a:r>
+                <a:rPr lang="ko-KR" altLang="en-US" sz="900" dirty="0"/>
+                <a:t>준비 과정과 중복 과정</a:t>
+              </a:r>
+            </a:p>
+          </p:txBody>
+        </p:sp>
+      </p:grpSp>
+    </p:spTree>
+    <p:extLst>
+      <p:ext uri="{BB962C8B-B14F-4D97-AF65-F5344CB8AC3E}">
+        <p14:creationId xmlns:p14="http://schemas.microsoft.com/office/powerpoint/2010/main" val="96086307"/>
+      </p:ext>
+    </p:extLst>
+  </p:cSld>
+  <p:clrMapOvr>
+    <a:masterClrMapping/>
+  </p:clrMapOvr>
+</p:sld>
+</file>
+
+<file path=ppt/slides/slide26.xml><?xml version="1.0" encoding="utf-8"?>
+<p:sld xmlns:a="http://schemas.openxmlformats.org/drawingml/2006/main" xmlns:r="http://schemas.openxmlformats.org/officeDocument/2006/relationships" xmlns:p="http://schemas.openxmlformats.org/presentationml/2006/main">
+  <p:cSld>
+    <p:spTree>
+      <p:nvGrpSpPr>
+        <p:cNvPr id="1" name="">
+          <a:extLst>
+            <a:ext uri="{FF2B5EF4-FFF2-40B4-BE49-F238E27FC236}">
+              <a16:creationId xmlns:a16="http://schemas.microsoft.com/office/drawing/2014/main" id="{29369221-47D7-44E0-CF83-2E9FA5A3B3C8}"/>
+            </a:ext>
+          </a:extLst>
+        </p:cNvPr>
+        <p:cNvGrpSpPr/>
+        <p:nvPr/>
+      </p:nvGrpSpPr>
+      <p:grpSpPr>
+        <a:xfrm>
+          <a:off x="0" y="0"/>
+          <a:ext cx="0" cy="0"/>
+          <a:chOff x="0" y="0"/>
+          <a:chExt cx="0" cy="0"/>
+        </a:xfrm>
+      </p:grpSpPr>
+      <p:sp>
+        <p:nvSpPr>
+          <p:cNvPr id="7" name="제목 1">
+            <a:extLst>
+              <a:ext uri="{FF2B5EF4-FFF2-40B4-BE49-F238E27FC236}">
+                <a16:creationId xmlns:a16="http://schemas.microsoft.com/office/drawing/2014/main" id="{693214EB-F01B-891D-5E6A-A798452239D4}"/>
+              </a:ext>
+            </a:extLst>
+          </p:cNvPr>
+          <p:cNvSpPr txBox="1">
+            <a:spLocks/>
+          </p:cNvSpPr>
+          <p:nvPr/>
+        </p:nvSpPr>
+        <p:spPr>
+          <a:xfrm>
+            <a:off x="695325" y="292100"/>
+            <a:ext cx="10801350" cy="861695"/>
+          </a:xfrm>
+          <a:prstGeom prst="rect">
+            <a:avLst/>
+          </a:prstGeom>
+        </p:spPr>
+        <p:txBody>
+          <a:bodyPr vert="horz" lIns="91440" tIns="45720" rIns="91440" bIns="45720" rtlCol="0" anchor="ctr">
+            <a:normAutofit/>
+          </a:bodyPr>
+          <a:lstStyle>
+            <a:lvl1pPr algn="l" defTabSz="914400" rtl="0" eaLnBrk="1" latinLnBrk="1" hangingPunct="1">
+              <a:lnSpc>
+                <a:spcPct val="90000"/>
+              </a:lnSpc>
+              <a:spcBef>
+                <a:spcPct val="0"/>
+              </a:spcBef>
+              <a:buNone/>
+              <a:defRPr sz="4400" kern="1200">
+                <a:solidFill>
+                  <a:schemeClr val="tx1"/>
+                </a:solidFill>
+                <a:latin typeface="+mj-lt"/>
+                <a:ea typeface="+mj-ea"/>
+                <a:cs typeface="+mj-cs"/>
+              </a:defRPr>
+            </a:lvl1pPr>
+          </a:lstStyle>
+          <a:p>
+            <a:r>
+              <a:rPr lang="ko-KR" altLang="en-US" dirty="0"/>
+              <a:t>발동 </a:t>
+            </a:r>
+            <a:r>
+              <a:rPr lang="en-US" altLang="ko-KR" dirty="0"/>
+              <a:t>– 1. </a:t>
+            </a:r>
+            <a:r>
+              <a:rPr lang="ko-KR" altLang="en-US" dirty="0"/>
+              <a:t>사용 방법</a:t>
+            </a:r>
+          </a:p>
+        </p:txBody>
+      </p:sp>
+      <p:graphicFrame>
+        <p:nvGraphicFramePr>
+          <p:cNvPr id="2" name="표 1">
+            <a:extLst>
+              <a:ext uri="{FF2B5EF4-FFF2-40B4-BE49-F238E27FC236}">
+                <a16:creationId xmlns:a16="http://schemas.microsoft.com/office/drawing/2014/main" id="{2843A08F-C2EE-9EA0-5345-9513742C3B9D}"/>
+              </a:ext>
+            </a:extLst>
+          </p:cNvPr>
+          <p:cNvGraphicFramePr>
+            <a:graphicFrameLocks noGrp="1"/>
+          </p:cNvGraphicFramePr>
+          <p:nvPr>
+            <p:extLst>
+              <p:ext uri="{D42A27DB-BD31-4B8C-83A1-F6EECF244321}">
+                <p14:modId xmlns:p14="http://schemas.microsoft.com/office/powerpoint/2010/main" val="3455790402"/>
+              </p:ext>
+            </p:extLst>
+          </p:nvPr>
+        </p:nvGraphicFramePr>
+        <p:xfrm>
+          <a:off x="1969770" y="1981200"/>
+          <a:ext cx="8252460" cy="2895600"/>
+        </p:xfrm>
+        <a:graphic>
+          <a:graphicData uri="http://schemas.openxmlformats.org/drawingml/2006/table">
+            <a:tbl>
+              <a:tblPr firstRow="1" bandRow="1">
+                <a:tableStyleId>{5C22544A-7EE6-4342-B048-85BDC9FD1C3A}</a:tableStyleId>
+              </a:tblPr>
+              <a:tblGrid>
+                <a:gridCol w="8252460">
+                  <a:extLst>
+                    <a:ext uri="{9D8B030D-6E8A-4147-A177-3AD203B41FA5}">
+                      <a16:colId xmlns:a16="http://schemas.microsoft.com/office/drawing/2014/main" val="3852552135"/>
+                    </a:ext>
+                  </a:extLst>
+                </a:gridCol>
+              </a:tblGrid>
+              <a:tr h="0">
+                <a:tc>
+                  <a:txBody>
+                    <a:bodyPr/>
+                    <a:lstStyle/>
+                    <a:p>
+                      <a:pPr algn="l" latinLnBrk="1"/>
+                      <a:r>
+                        <a:rPr lang="ko-KR" altLang="en-US" sz="1400" b="0" dirty="0">
+                          <a:solidFill>
+                            <a:schemeClr val="tx1"/>
+                          </a:solidFill>
+                        </a:rPr>
+                        <a:t>사용 방법</a:t>
+                      </a:r>
+                    </a:p>
+                  </a:txBody>
+                  <a:tcPr>
+                    <a:lnL w="12700" cmpd="sng">
+                      <a:noFill/>
+                    </a:lnL>
+                    <a:lnR w="12700" cmpd="sng">
+                      <a:noFill/>
+                    </a:lnR>
+                    <a:lnT w="12700" cmpd="sng">
+                      <a:noFill/>
+                    </a:lnT>
+                    <a:lnB w="12700" cap="flat" cmpd="sng" algn="ctr">
+                      <a:solidFill>
+                        <a:schemeClr val="tx1"/>
+                      </a:solidFill>
+                      <a:prstDash val="solid"/>
+                      <a:round/>
+                      <a:headEnd type="none" w="med" len="med"/>
+                      <a:tailEnd type="none" w="med" len="med"/>
+                    </a:lnB>
+                    <a:lnTlToBr w="12700" cmpd="sng">
+                      <a:noFill/>
+                      <a:prstDash val="solid"/>
+                    </a:lnTlToBr>
+                    <a:lnBlToTr w="12700" cmpd="sng">
+                      <a:noFill/>
+                      <a:prstDash val="solid"/>
+                    </a:lnBlToTr>
+                    <a:solidFill>
+                      <a:schemeClr val="bg1">
+                        <a:lumMod val="95000"/>
+                      </a:schemeClr>
+                    </a:solidFill>
+                  </a:tcPr>
+                </a:tc>
+                <a:extLst>
+                  <a:ext uri="{0D108BD9-81ED-4DB2-BD59-A6C34878D82A}">
+                    <a16:rowId xmlns:a16="http://schemas.microsoft.com/office/drawing/2014/main" val="4129766453"/>
+                  </a:ext>
+                </a:extLst>
+              </a:tr>
+              <a:tr h="0">
+                <a:tc>
+                  <a:txBody>
+                    <a:bodyPr/>
+                    <a:lstStyle/>
+                    <a:p>
+                      <a:pPr algn="l" latinLnBrk="1"/>
+                      <a:r>
+                        <a:rPr lang="ko-KR" altLang="en-US" sz="1400" b="0" dirty="0">
+                          <a:solidFill>
+                            <a:schemeClr val="tx1"/>
+                          </a:solidFill>
+                        </a:rPr>
+                        <a:t>스킬을 사용하기 위한 조작이다</a:t>
+                      </a:r>
+                      <a:r>
+                        <a:rPr lang="en-US" altLang="ko-KR" sz="1400" b="0" dirty="0">
+                          <a:solidFill>
+                            <a:schemeClr val="tx1"/>
+                          </a:solidFill>
+                        </a:rPr>
+                        <a:t>.</a:t>
+                      </a:r>
+                    </a:p>
+                    <a:p>
+                      <a:pPr algn="l" latinLnBrk="1"/>
+                      <a:r>
+                        <a:rPr lang="ko-KR" altLang="en-US" sz="1400" b="0" dirty="0">
+                          <a:solidFill>
+                            <a:schemeClr val="tx1"/>
+                          </a:solidFill>
+                        </a:rPr>
+                        <a:t>조작법에는 </a:t>
+                      </a:r>
+                      <a:r>
+                        <a:rPr lang="en-US" altLang="ko-KR" sz="1400" b="0" dirty="0">
+                          <a:solidFill>
+                            <a:schemeClr val="tx1"/>
+                          </a:solidFill>
+                        </a:rPr>
+                        <a:t>‘</a:t>
+                      </a:r>
+                      <a:r>
+                        <a:rPr lang="ko-KR" altLang="en-US" sz="1400" b="0" dirty="0" err="1">
+                          <a:solidFill>
+                            <a:schemeClr val="tx1"/>
+                          </a:solidFill>
+                        </a:rPr>
+                        <a:t>퀵</a:t>
+                      </a:r>
+                      <a:r>
+                        <a:rPr lang="ko-KR" altLang="en-US" sz="1400" b="0" dirty="0">
+                          <a:solidFill>
+                            <a:schemeClr val="tx1"/>
+                          </a:solidFill>
+                        </a:rPr>
+                        <a:t> 슬롯</a:t>
+                      </a:r>
+                      <a:r>
+                        <a:rPr lang="en-US" altLang="ko-KR" sz="1400" b="0" dirty="0">
+                          <a:solidFill>
+                            <a:schemeClr val="tx1"/>
+                          </a:solidFill>
+                        </a:rPr>
+                        <a:t>’</a:t>
+                      </a:r>
+                      <a:r>
+                        <a:rPr lang="ko-KR" altLang="en-US" sz="1400" b="0" dirty="0">
+                          <a:solidFill>
+                            <a:schemeClr val="tx1"/>
+                          </a:solidFill>
+                        </a:rPr>
+                        <a:t>과 </a:t>
+                      </a:r>
+                      <a:r>
+                        <a:rPr lang="en-US" altLang="ko-KR" sz="1400" b="0" dirty="0">
+                          <a:solidFill>
+                            <a:schemeClr val="tx1"/>
+                          </a:solidFill>
+                        </a:rPr>
+                        <a:t>‘</a:t>
+                      </a:r>
+                      <a:r>
+                        <a:rPr lang="ko-KR" altLang="en-US" sz="1400" b="0" dirty="0" err="1">
+                          <a:solidFill>
+                            <a:schemeClr val="tx1"/>
+                          </a:solidFill>
+                        </a:rPr>
+                        <a:t>커맨트</a:t>
+                      </a:r>
+                      <a:r>
+                        <a:rPr lang="en-US" altLang="ko-KR" sz="1400" b="0" dirty="0">
+                          <a:solidFill>
+                            <a:schemeClr val="tx1"/>
+                          </a:solidFill>
+                        </a:rPr>
+                        <a:t>’</a:t>
+                      </a:r>
+                      <a:r>
+                        <a:rPr lang="ko-KR" altLang="en-US" sz="1400" b="0" dirty="0">
+                          <a:solidFill>
+                            <a:schemeClr val="tx1"/>
+                          </a:solidFill>
+                        </a:rPr>
+                        <a:t>가 있다</a:t>
+                      </a:r>
+                      <a:r>
+                        <a:rPr lang="en-US" altLang="ko-KR" sz="1400" b="0" dirty="0">
+                          <a:solidFill>
+                            <a:schemeClr val="tx1"/>
+                          </a:solidFill>
+                        </a:rPr>
+                        <a:t>.</a:t>
+                      </a:r>
+                    </a:p>
+                  </a:txBody>
+                  <a:tcPr>
+                    <a:lnL w="12700" cmpd="sng">
+                      <a:noFill/>
+                    </a:lnL>
+                    <a:lnR w="12700" cmpd="sng">
+                      <a:noFill/>
+                    </a:lnR>
+                    <a:lnT w="12700" cap="flat" cmpd="sng" algn="ctr">
+                      <a:solidFill>
+                        <a:schemeClr val="tx1"/>
+                      </a:solidFill>
+                      <a:prstDash val="solid"/>
+                      <a:round/>
+                      <a:headEnd type="none" w="med" len="med"/>
+                      <a:tailEnd type="none" w="med" len="med"/>
+                    </a:lnT>
+                    <a:lnB w="12700" cap="flat" cmpd="sng" algn="ctr">
+                      <a:noFill/>
+                      <a:prstDash val="solid"/>
+                      <a:round/>
+                      <a:headEnd type="none" w="med" len="med"/>
+                      <a:tailEnd type="none" w="med" len="med"/>
+                    </a:lnB>
+                    <a:lnTlToBr w="12700" cmpd="sng">
+                      <a:noFill/>
+                      <a:prstDash val="solid"/>
+                    </a:lnTlToBr>
+                    <a:lnBlToTr w="12700" cmpd="sng">
+                      <a:noFill/>
+                      <a:prstDash val="solid"/>
+                    </a:lnBlToTr>
+                    <a:noFill/>
+                  </a:tcPr>
+                </a:tc>
+                <a:extLst>
+                  <a:ext uri="{0D108BD9-81ED-4DB2-BD59-A6C34878D82A}">
+                    <a16:rowId xmlns:a16="http://schemas.microsoft.com/office/drawing/2014/main" val="3386730004"/>
+                  </a:ext>
+                </a:extLst>
+              </a:tr>
+              <a:tr h="0">
+                <a:tc>
+                  <a:txBody>
+                    <a:bodyPr/>
+                    <a:lstStyle/>
+                    <a:p>
+                      <a:pPr algn="l" latinLnBrk="1"/>
+                      <a:endParaRPr lang="en-US" altLang="ko-KR" sz="1400" b="0" dirty="0">
+                        <a:solidFill>
+                          <a:schemeClr val="tx1"/>
+                        </a:solidFill>
+                      </a:endParaRPr>
+                    </a:p>
+                  </a:txBody>
+                  <a:tcPr>
+                    <a:lnL w="12700" cmpd="sng">
+                      <a:noFill/>
+                    </a:lnL>
+                    <a:lnR w="12700" cmpd="sng">
+                      <a:noFill/>
+                    </a:lnR>
+                    <a:lnT w="12700" cap="flat" cmpd="sng" algn="ctr">
+                      <a:noFill/>
+                      <a:prstDash val="solid"/>
+                      <a:round/>
+                      <a:headEnd type="none" w="med" len="med"/>
+                      <a:tailEnd type="none" w="med" len="med"/>
+                    </a:lnT>
+                    <a:lnB w="12700" cap="flat" cmpd="sng" algn="ctr">
+                      <a:noFill/>
+                      <a:prstDash val="solid"/>
+                      <a:round/>
+                      <a:headEnd type="none" w="med" len="med"/>
+                      <a:tailEnd type="none" w="med" len="med"/>
+                    </a:lnB>
+                    <a:lnTlToBr w="12700" cmpd="sng">
+                      <a:noFill/>
+                      <a:prstDash val="solid"/>
+                    </a:lnTlToBr>
+                    <a:lnBlToTr w="12700" cmpd="sng">
+                      <a:noFill/>
+                      <a:prstDash val="solid"/>
+                    </a:lnBlToTr>
+                    <a:noFill/>
+                  </a:tcPr>
+                </a:tc>
+                <a:extLst>
+                  <a:ext uri="{0D108BD9-81ED-4DB2-BD59-A6C34878D82A}">
+                    <a16:rowId xmlns:a16="http://schemas.microsoft.com/office/drawing/2014/main" val="1470410232"/>
+                  </a:ext>
+                </a:extLst>
+              </a:tr>
+              <a:tr h="0">
+                <a:tc>
+                  <a:txBody>
+                    <a:bodyPr/>
+                    <a:lstStyle/>
+                    <a:p>
+                      <a:pPr algn="l" latinLnBrk="1"/>
+                      <a:r>
+                        <a:rPr lang="ko-KR" altLang="en-US" sz="1400" b="0" dirty="0">
+                          <a:solidFill>
+                            <a:schemeClr val="tx1"/>
+                          </a:solidFill>
+                        </a:rPr>
+                        <a:t>조작법 목록</a:t>
+                      </a:r>
+                      <a:endParaRPr lang="en-US" altLang="ko-KR" sz="1400" b="0" dirty="0">
+                        <a:solidFill>
+                          <a:schemeClr val="tx1"/>
+                        </a:solidFill>
+                      </a:endParaRPr>
+                    </a:p>
+                  </a:txBody>
+                  <a:tcPr>
+                    <a:lnL w="12700" cmpd="sng">
+                      <a:noFill/>
+                    </a:lnL>
+                    <a:lnR w="12700" cmpd="sng">
+                      <a:noFill/>
+                    </a:lnR>
+                    <a:lnT w="12700" cap="flat" cmpd="sng" algn="ctr">
+                      <a:noFill/>
+                      <a:prstDash val="solid"/>
+                      <a:round/>
+                      <a:headEnd type="none" w="med" len="med"/>
+                      <a:tailEnd type="none" w="med" len="med"/>
+                    </a:lnT>
+                    <a:lnB w="12700" cap="flat" cmpd="sng" algn="ctr">
+                      <a:solidFill>
+                        <a:schemeClr val="tx1"/>
+                      </a:solidFill>
+                      <a:prstDash val="solid"/>
+                      <a:round/>
+                      <a:headEnd type="none" w="med" len="med"/>
+                      <a:tailEnd type="none" w="med" len="med"/>
+                    </a:lnB>
+                    <a:lnTlToBr w="12700" cmpd="sng">
+                      <a:noFill/>
+                      <a:prstDash val="solid"/>
+                    </a:lnTlToBr>
+                    <a:lnBlToTr w="12700" cmpd="sng">
+                      <a:noFill/>
+                      <a:prstDash val="solid"/>
+                    </a:lnBlToTr>
+                    <a:solidFill>
+                      <a:schemeClr val="bg1">
+                        <a:lumMod val="95000"/>
+                      </a:schemeClr>
+                    </a:solidFill>
+                  </a:tcPr>
+                </a:tc>
+                <a:extLst>
+                  <a:ext uri="{0D108BD9-81ED-4DB2-BD59-A6C34878D82A}">
+                    <a16:rowId xmlns:a16="http://schemas.microsoft.com/office/drawing/2014/main" val="4103515606"/>
+                  </a:ext>
+                </a:extLst>
+              </a:tr>
+              <a:tr h="246289">
+                <a:tc>
+                  <a:txBody>
+                    <a:bodyPr/>
+                    <a:lstStyle/>
+                    <a:p>
+                      <a:pPr marL="742950" lvl="1" indent="-285750" algn="l" latinLnBrk="1">
+                        <a:buFont typeface="Arial" panose="020B0604020202020204" pitchFamily="34" charset="0"/>
+                        <a:buChar char="•"/>
+                      </a:pPr>
+                      <a:r>
+                        <a:rPr lang="en-US" altLang="ko-KR" sz="1400" b="0" dirty="0">
+                          <a:solidFill>
+                            <a:schemeClr val="tx1"/>
+                          </a:solidFill>
+                        </a:rPr>
+                        <a:t>‘</a:t>
+                      </a:r>
+                      <a:r>
+                        <a:rPr lang="ko-KR" altLang="en-US" sz="1400" b="0" dirty="0" err="1">
+                          <a:solidFill>
+                            <a:schemeClr val="tx1"/>
+                          </a:solidFill>
+                        </a:rPr>
+                        <a:t>퀵</a:t>
+                      </a:r>
+                      <a:r>
+                        <a:rPr lang="ko-KR" altLang="en-US" sz="1400" b="0" dirty="0">
+                          <a:solidFill>
+                            <a:schemeClr val="tx1"/>
+                          </a:solidFill>
+                        </a:rPr>
+                        <a:t> 슬롯</a:t>
+                      </a:r>
+                      <a:r>
+                        <a:rPr lang="en-US" altLang="ko-KR" sz="1400" b="0" dirty="0">
+                          <a:solidFill>
+                            <a:schemeClr val="tx1"/>
+                          </a:solidFill>
+                        </a:rPr>
+                        <a:t>’</a:t>
+                      </a:r>
+                    </a:p>
+                    <a:p>
+                      <a:pPr marL="914400" lvl="2" indent="0" algn="l" latinLnBrk="1">
+                        <a:buFont typeface="Arial" panose="020B0604020202020204" pitchFamily="34" charset="0"/>
+                        <a:buNone/>
+                      </a:pPr>
+                      <a:r>
+                        <a:rPr lang="ko-KR" altLang="en-US" sz="1400" b="0" dirty="0">
+                          <a:solidFill>
+                            <a:schemeClr val="tx1"/>
+                          </a:solidFill>
+                        </a:rPr>
+                        <a:t>스킬을 </a:t>
+                      </a:r>
+                      <a:r>
+                        <a:rPr lang="en-US" altLang="ko-KR" sz="1400" b="0" dirty="0">
+                          <a:solidFill>
+                            <a:schemeClr val="tx1"/>
+                          </a:solidFill>
+                        </a:rPr>
+                        <a:t>key</a:t>
+                      </a:r>
+                      <a:r>
+                        <a:rPr lang="ko-KR" altLang="en-US" sz="1400" b="0" dirty="0">
+                          <a:solidFill>
+                            <a:schemeClr val="tx1"/>
+                          </a:solidFill>
+                        </a:rPr>
+                        <a:t>에</a:t>
+                      </a:r>
+                      <a:r>
+                        <a:rPr lang="en-US" altLang="ko-KR" sz="1400" b="0" dirty="0">
+                          <a:solidFill>
+                            <a:schemeClr val="tx1"/>
+                          </a:solidFill>
+                        </a:rPr>
+                        <a:t> </a:t>
+                      </a:r>
+                      <a:r>
+                        <a:rPr lang="ko-KR" altLang="en-US" sz="1400" b="0" dirty="0">
+                          <a:solidFill>
+                            <a:schemeClr val="tx1"/>
+                          </a:solidFill>
+                        </a:rPr>
+                        <a:t>지정하여 스킬을 사용하는 방법이다</a:t>
+                      </a:r>
+                      <a:r>
+                        <a:rPr lang="en-US" altLang="ko-KR" sz="1400" b="0" dirty="0">
+                          <a:solidFill>
+                            <a:schemeClr val="tx1"/>
+                          </a:solidFill>
+                        </a:rPr>
+                        <a:t>.</a:t>
+                      </a:r>
+                    </a:p>
+                    <a:p>
+                      <a:pPr marL="914400" lvl="2" indent="0" algn="l" latinLnBrk="1">
+                        <a:buFont typeface="Arial" panose="020B0604020202020204" pitchFamily="34" charset="0"/>
+                        <a:buNone/>
+                      </a:pPr>
+                      <a:r>
+                        <a:rPr lang="ko-KR" altLang="en-US" sz="1400" b="0" dirty="0">
+                          <a:solidFill>
+                            <a:schemeClr val="tx1"/>
+                          </a:solidFill>
+                        </a:rPr>
+                        <a:t>지정된 </a:t>
+                      </a:r>
+                      <a:r>
+                        <a:rPr lang="en-US" altLang="ko-KR" sz="1400" b="0" dirty="0">
+                          <a:solidFill>
+                            <a:schemeClr val="tx1"/>
+                          </a:solidFill>
+                        </a:rPr>
+                        <a:t>key</a:t>
+                      </a:r>
+                      <a:r>
+                        <a:rPr lang="ko-KR" altLang="en-US" sz="1400" b="0" dirty="0">
+                          <a:solidFill>
+                            <a:schemeClr val="tx1"/>
+                          </a:solidFill>
+                        </a:rPr>
+                        <a:t>를</a:t>
+                      </a:r>
+                      <a:r>
+                        <a:rPr lang="en-US" altLang="ko-KR" sz="1400" b="0" dirty="0">
+                          <a:solidFill>
+                            <a:schemeClr val="tx1"/>
+                          </a:solidFill>
+                        </a:rPr>
+                        <a:t> </a:t>
+                      </a:r>
+                      <a:r>
+                        <a:rPr lang="ko-KR" altLang="en-US" sz="1400" b="0" dirty="0">
+                          <a:solidFill>
+                            <a:schemeClr val="tx1"/>
+                          </a:solidFill>
+                        </a:rPr>
+                        <a:t>누르는 것으로 스킬 사용을 시도할 수 있다</a:t>
+                      </a:r>
+                      <a:r>
+                        <a:rPr lang="en-US" altLang="ko-KR" sz="1400" b="0" dirty="0">
+                          <a:solidFill>
+                            <a:schemeClr val="tx1"/>
+                          </a:solidFill>
+                        </a:rPr>
+                        <a:t>.</a:t>
+                      </a:r>
+                    </a:p>
+                  </a:txBody>
+                  <a:tcPr>
+                    <a:lnL w="12700" cmpd="sng">
+                      <a:noFill/>
+                    </a:lnL>
+                    <a:lnR w="12700" cmpd="sng">
+                      <a:noFill/>
+                    </a:lnR>
+                    <a:lnT w="12700" cap="flat" cmpd="sng" algn="ctr">
+                      <a:solidFill>
+                        <a:schemeClr val="tx1"/>
+                      </a:solidFill>
+                      <a:prstDash val="solid"/>
+                      <a:round/>
+                      <a:headEnd type="none" w="med" len="med"/>
+                      <a:tailEnd type="none" w="med" len="med"/>
+                    </a:lnT>
+                    <a:lnB w="12700" cap="flat" cmpd="sng" algn="ctr">
+                      <a:noFill/>
+                      <a:prstDash val="solid"/>
+                      <a:round/>
+                      <a:headEnd type="none" w="med" len="med"/>
+                      <a:tailEnd type="none" w="med" len="med"/>
+                    </a:lnB>
+                    <a:lnTlToBr w="12700" cmpd="sng">
+                      <a:noFill/>
+                      <a:prstDash val="solid"/>
+                    </a:lnTlToBr>
+                    <a:lnBlToTr w="12700" cmpd="sng">
+                      <a:noFill/>
+                      <a:prstDash val="solid"/>
+                    </a:lnBlToTr>
+                    <a:noFill/>
+                  </a:tcPr>
+                </a:tc>
+                <a:extLst>
+                  <a:ext uri="{0D108BD9-81ED-4DB2-BD59-A6C34878D82A}">
+                    <a16:rowId xmlns:a16="http://schemas.microsoft.com/office/drawing/2014/main" val="1458965696"/>
+                  </a:ext>
+                </a:extLst>
+              </a:tr>
+              <a:tr h="246289">
+                <a:tc>
+                  <a:txBody>
+                    <a:bodyPr/>
+                    <a:lstStyle/>
+                    <a:p>
+                      <a:pPr marL="742950" lvl="1" indent="-285750" algn="l" latinLnBrk="1">
+                        <a:buFont typeface="Arial" panose="020B0604020202020204" pitchFamily="34" charset="0"/>
+                        <a:buChar char="•"/>
+                      </a:pPr>
+                      <a:r>
+                        <a:rPr lang="en-US" altLang="ko-KR" sz="1400" b="0" dirty="0">
+                          <a:solidFill>
+                            <a:schemeClr val="tx1"/>
+                          </a:solidFill>
+                        </a:rPr>
+                        <a:t>‘</a:t>
+                      </a:r>
+                      <a:r>
+                        <a:rPr lang="ko-KR" altLang="en-US" sz="1400" b="0" dirty="0">
+                          <a:solidFill>
+                            <a:schemeClr val="tx1"/>
+                          </a:solidFill>
+                        </a:rPr>
+                        <a:t>커맨드</a:t>
+                      </a:r>
+                      <a:r>
+                        <a:rPr lang="en-US" altLang="ko-KR" sz="1400" b="0" dirty="0">
+                          <a:solidFill>
+                            <a:schemeClr val="tx1"/>
+                          </a:solidFill>
+                        </a:rPr>
+                        <a:t>’</a:t>
+                      </a:r>
+                    </a:p>
+                    <a:p>
+                      <a:pPr marL="914400" lvl="2" indent="0" algn="l" latinLnBrk="1">
+                        <a:buFont typeface="Arial" panose="020B0604020202020204" pitchFamily="34" charset="0"/>
+                        <a:buNone/>
+                      </a:pPr>
+                      <a:r>
+                        <a:rPr lang="en-US" altLang="ko-KR" sz="1400" b="0" dirty="0">
+                          <a:solidFill>
+                            <a:schemeClr val="tx1"/>
+                          </a:solidFill>
+                        </a:rPr>
+                        <a:t>‘</a:t>
+                      </a:r>
+                      <a:r>
+                        <a:rPr lang="ko-KR" altLang="en-US" sz="1400" b="0" dirty="0">
+                          <a:solidFill>
+                            <a:schemeClr val="tx1"/>
+                          </a:solidFill>
+                        </a:rPr>
+                        <a:t>특수 </a:t>
+                      </a:r>
+                      <a:r>
+                        <a:rPr lang="en-US" altLang="ko-KR" sz="1400" b="0" dirty="0">
+                          <a:solidFill>
+                            <a:schemeClr val="tx1"/>
+                          </a:solidFill>
+                        </a:rPr>
+                        <a:t>key’</a:t>
+                      </a:r>
+                      <a:r>
+                        <a:rPr lang="ko-KR" altLang="en-US" sz="1400" b="0" dirty="0">
+                          <a:solidFill>
+                            <a:schemeClr val="tx1"/>
+                          </a:solidFill>
+                        </a:rPr>
+                        <a:t>와</a:t>
+                      </a:r>
+                      <a:r>
+                        <a:rPr lang="en-US" altLang="ko-KR" sz="1400" b="0" dirty="0">
+                          <a:solidFill>
+                            <a:schemeClr val="tx1"/>
+                          </a:solidFill>
+                        </a:rPr>
+                        <a:t> </a:t>
+                      </a:r>
+                      <a:r>
+                        <a:rPr lang="ko-KR" altLang="en-US" sz="1400" b="0" dirty="0">
+                          <a:solidFill>
+                            <a:schemeClr val="tx1"/>
+                          </a:solidFill>
+                        </a:rPr>
+                        <a:t>다른 키를 연속으로 입력하여 스킬을 사용하는 방법이다</a:t>
+                      </a:r>
+                      <a:r>
+                        <a:rPr lang="en-US" altLang="ko-KR" sz="1400" b="0" dirty="0">
+                          <a:solidFill>
+                            <a:schemeClr val="tx1"/>
+                          </a:solidFill>
+                        </a:rPr>
+                        <a:t>.</a:t>
+                      </a:r>
+                    </a:p>
+                    <a:p>
+                      <a:pPr marL="914400" lvl="2" indent="0" algn="l" latinLnBrk="1">
+                        <a:buFont typeface="Arial" panose="020B0604020202020204" pitchFamily="34" charset="0"/>
+                        <a:buNone/>
+                      </a:pPr>
+                      <a:r>
+                        <a:rPr lang="en-US" altLang="ko-KR" sz="1400" b="0" dirty="0">
+                          <a:solidFill>
+                            <a:schemeClr val="tx1"/>
+                          </a:solidFill>
+                        </a:rPr>
+                        <a:t>‘</a:t>
+                      </a:r>
+                      <a:r>
+                        <a:rPr lang="ko-KR" altLang="en-US" sz="1400" b="0" dirty="0">
+                          <a:solidFill>
+                            <a:schemeClr val="tx1"/>
+                          </a:solidFill>
+                        </a:rPr>
+                        <a:t>특수 </a:t>
+                      </a:r>
+                      <a:r>
+                        <a:rPr lang="en-US" altLang="ko-KR" sz="1400" b="0" dirty="0">
+                          <a:solidFill>
+                            <a:schemeClr val="tx1"/>
+                          </a:solidFill>
+                        </a:rPr>
+                        <a:t>key’</a:t>
+                      </a:r>
+                      <a:r>
+                        <a:rPr lang="ko-KR" altLang="en-US" sz="1400" b="0" dirty="0">
+                          <a:solidFill>
+                            <a:schemeClr val="tx1"/>
+                          </a:solidFill>
+                        </a:rPr>
+                        <a:t>와 특정 </a:t>
+                      </a:r>
+                      <a:r>
+                        <a:rPr lang="en-US" altLang="ko-KR" sz="1400" b="0" dirty="0">
+                          <a:solidFill>
+                            <a:schemeClr val="tx1"/>
+                          </a:solidFill>
+                        </a:rPr>
+                        <a:t>key</a:t>
+                      </a:r>
+                      <a:r>
+                        <a:rPr lang="ko-KR" altLang="en-US" sz="1400" b="0" dirty="0">
+                          <a:solidFill>
+                            <a:schemeClr val="tx1"/>
+                          </a:solidFill>
+                        </a:rPr>
+                        <a:t>를</a:t>
+                      </a:r>
+                      <a:r>
+                        <a:rPr lang="en-US" altLang="ko-KR" sz="1400" b="0" dirty="0">
+                          <a:solidFill>
+                            <a:schemeClr val="tx1"/>
+                          </a:solidFill>
+                        </a:rPr>
+                        <a:t> </a:t>
+                      </a:r>
+                      <a:r>
+                        <a:rPr lang="ko-KR" altLang="en-US" sz="1400" b="0" dirty="0">
+                          <a:solidFill>
+                            <a:schemeClr val="tx1"/>
+                          </a:solidFill>
+                        </a:rPr>
+                        <a:t>짧은 시간 내에 순차적으로 입력하여 스킬을 사용하는 방법이다</a:t>
+                      </a:r>
+                      <a:r>
+                        <a:rPr lang="en-US" altLang="ko-KR" sz="1400" b="0" dirty="0">
+                          <a:solidFill>
+                            <a:schemeClr val="tx1"/>
+                          </a:solidFill>
+                        </a:rPr>
+                        <a:t>.</a:t>
+                      </a:r>
+                      <a:r>
+                        <a:rPr lang="ko-KR" altLang="en-US" sz="1400" b="0" dirty="0">
+                          <a:solidFill>
+                            <a:schemeClr val="tx1"/>
+                          </a:solidFill>
+                        </a:rPr>
+                        <a:t> </a:t>
+                      </a:r>
+                      <a:endParaRPr lang="en-US" altLang="ko-KR" sz="1400" b="0" dirty="0">
+                        <a:solidFill>
+                          <a:schemeClr val="tx1"/>
+                        </a:solidFill>
+                      </a:endParaRPr>
+                    </a:p>
+                  </a:txBody>
+                  <a:tcPr>
+                    <a:lnL w="12700" cmpd="sng">
+                      <a:noFill/>
+                    </a:lnL>
+                    <a:lnR w="12700" cmpd="sng">
+                      <a:noFill/>
+                    </a:lnR>
+                    <a:lnT w="12700" cap="flat" cmpd="sng" algn="ctr">
+                      <a:noFill/>
+                      <a:prstDash val="solid"/>
+                      <a:round/>
+                      <a:headEnd type="none" w="med" len="med"/>
+                      <a:tailEnd type="none" w="med" len="med"/>
+                    </a:lnT>
+                    <a:lnB w="12700" cap="flat" cmpd="sng" algn="ctr">
+                      <a:noFill/>
+                      <a:prstDash val="solid"/>
+                      <a:round/>
+                      <a:headEnd type="none" w="med" len="med"/>
+                      <a:tailEnd type="none" w="med" len="med"/>
+                    </a:lnB>
+                    <a:lnTlToBr w="12700" cmpd="sng">
+                      <a:noFill/>
+                      <a:prstDash val="solid"/>
+                    </a:lnTlToBr>
+                    <a:lnBlToTr w="12700" cmpd="sng">
+                      <a:noFill/>
+                      <a:prstDash val="solid"/>
+                    </a:lnBlToTr>
+                    <a:noFill/>
+                  </a:tcPr>
+                </a:tc>
+                <a:extLst>
+                  <a:ext uri="{0D108BD9-81ED-4DB2-BD59-A6C34878D82A}">
+                    <a16:rowId xmlns:a16="http://schemas.microsoft.com/office/drawing/2014/main" val="2418085743"/>
+                  </a:ext>
+                </a:extLst>
+              </a:tr>
+            </a:tbl>
+          </a:graphicData>
+        </a:graphic>
+      </p:graphicFrame>
+    </p:spTree>
+    <p:extLst>
+      <p:ext uri="{BB962C8B-B14F-4D97-AF65-F5344CB8AC3E}">
+        <p14:creationId xmlns:p14="http://schemas.microsoft.com/office/powerpoint/2010/main" val="864204987"/>
+      </p:ext>
+    </p:extLst>
+  </p:cSld>
+  <p:clrMapOvr>
+    <a:masterClrMapping/>
+  </p:clrMapOvr>
+</p:sld>
+</file>
+
+<file path=ppt/slides/slide27.xml><?xml version="1.0" encoding="utf-8"?>
+<p:sld xmlns:a="http://schemas.openxmlformats.org/drawingml/2006/main" xmlns:r="http://schemas.openxmlformats.org/officeDocument/2006/relationships" xmlns:p="http://schemas.openxmlformats.org/presentationml/2006/main">
+  <p:cSld>
+    <p:spTree>
+      <p:nvGrpSpPr>
+        <p:cNvPr id="1" name="">
+          <a:extLst>
+            <a:ext uri="{FF2B5EF4-FFF2-40B4-BE49-F238E27FC236}">
+              <a16:creationId xmlns:a16="http://schemas.microsoft.com/office/drawing/2014/main" id="{31FBA62D-6305-A55B-58B6-42A0D03DCF67}"/>
+            </a:ext>
+          </a:extLst>
+        </p:cNvPr>
+        <p:cNvGrpSpPr/>
+        <p:nvPr/>
+      </p:nvGrpSpPr>
+      <p:grpSpPr>
+        <a:xfrm>
+          <a:off x="0" y="0"/>
+          <a:ext cx="0" cy="0"/>
+          <a:chOff x="0" y="0"/>
+          <a:chExt cx="0" cy="0"/>
+        </a:xfrm>
+      </p:grpSpPr>
+      <p:sp>
+        <p:nvSpPr>
+          <p:cNvPr id="7" name="제목 1">
+            <a:extLst>
+              <a:ext uri="{FF2B5EF4-FFF2-40B4-BE49-F238E27FC236}">
+                <a16:creationId xmlns:a16="http://schemas.microsoft.com/office/drawing/2014/main" id="{7AB32D84-8E43-6C14-9962-3E3DCB12F557}"/>
+              </a:ext>
+            </a:extLst>
+          </p:cNvPr>
+          <p:cNvSpPr txBox="1">
+            <a:spLocks/>
+          </p:cNvSpPr>
+          <p:nvPr/>
+        </p:nvSpPr>
+        <p:spPr>
+          <a:xfrm>
+            <a:off x="695325" y="292100"/>
+            <a:ext cx="10801350" cy="861695"/>
+          </a:xfrm>
+          <a:prstGeom prst="rect">
+            <a:avLst/>
+          </a:prstGeom>
+        </p:spPr>
+        <p:txBody>
+          <a:bodyPr vert="horz" lIns="91440" tIns="45720" rIns="91440" bIns="45720" rtlCol="0" anchor="ctr">
+            <a:normAutofit/>
+          </a:bodyPr>
+          <a:lstStyle>
+            <a:lvl1pPr algn="l" defTabSz="914400" rtl="0" eaLnBrk="1" latinLnBrk="1" hangingPunct="1">
+              <a:lnSpc>
+                <a:spcPct val="90000"/>
+              </a:lnSpc>
+              <a:spcBef>
+                <a:spcPct val="0"/>
+              </a:spcBef>
+              <a:buNone/>
+              <a:defRPr sz="4400" kern="1200">
+                <a:solidFill>
+                  <a:schemeClr val="tx1"/>
+                </a:solidFill>
+                <a:latin typeface="+mj-lt"/>
+                <a:ea typeface="+mj-ea"/>
+                <a:cs typeface="+mj-cs"/>
+              </a:defRPr>
+            </a:lvl1pPr>
+          </a:lstStyle>
+          <a:p>
+            <a:r>
+              <a:rPr lang="ko-KR" altLang="en-US" dirty="0"/>
+              <a:t>발동 </a:t>
+            </a:r>
+            <a:r>
+              <a:rPr lang="en-US" altLang="ko-KR" dirty="0"/>
+              <a:t>– 1. </a:t>
+            </a:r>
+            <a:r>
+              <a:rPr lang="ko-KR" altLang="en-US" dirty="0"/>
+              <a:t>사용 방법 차트</a:t>
             </a:r>
           </a:p>
         </p:txBody>
       </p:sp>
       <p:pic>
         <p:nvPicPr>
-          <p:cNvPr id="22" name="Picture 8">
+          <p:cNvPr id="4" name="그림 3" descr="텍스트, 스크린샷, 폰트, 원이(가) 표시된 사진&#10;&#10;자동 생성된 설명">
             <a:extLst>
               <a:ext uri="{FF2B5EF4-FFF2-40B4-BE49-F238E27FC236}">
-                <a16:creationId xmlns:a16="http://schemas.microsoft.com/office/drawing/2014/main" id="{5B57B7EB-4DAF-5F77-9BFF-A5DCB384FFDE}"/>
+                <a16:creationId xmlns:a16="http://schemas.microsoft.com/office/drawing/2014/main" id="{499627F8-AEF3-F306-E3DA-995C158CBD61}"/>
               </a:ext>
             </a:extLst>
           </p:cNvPr>
           <p:cNvPicPr>
-            <a:picLocks noChangeAspect="1" noChangeArrowheads="1"/>
+            <a:picLocks noChangeAspect="1"/>
           </p:cNvPicPr>
           <p:nvPr/>
         </p:nvPicPr>
@@ -18471,268 +21203,292 @@
               </a:ext>
             </a:extLst>
           </a:blip>
-          <a:srcRect/>
           <a:stretch>
             <a:fillRect/>
           </a:stretch>
         </p:blipFill>
-        <p:spPr bwMode="auto">
+        <p:spPr>
           <a:xfrm>
-            <a:off x="9267465" y="2743200"/>
-            <a:ext cx="657434" cy="685800"/>
+            <a:off x="3233737" y="1900237"/>
+            <a:ext cx="5724525" cy="3057525"/>
           </a:xfrm>
           <a:prstGeom prst="rect">
             <a:avLst/>
           </a:prstGeom>
-          <a:noFill/>
+        </p:spPr>
+      </p:pic>
+    </p:spTree>
+    <p:extLst>
+      <p:ext uri="{BB962C8B-B14F-4D97-AF65-F5344CB8AC3E}">
+        <p14:creationId xmlns:p14="http://schemas.microsoft.com/office/powerpoint/2010/main" val="4245476360"/>
+      </p:ext>
+    </p:extLst>
+  </p:cSld>
+  <p:clrMapOvr>
+    <a:masterClrMapping/>
+  </p:clrMapOvr>
+</p:sld>
+</file>
+
+<file path=ppt/slides/slide28.xml><?xml version="1.0" encoding="utf-8"?>
+<p:sld xmlns:a="http://schemas.openxmlformats.org/drawingml/2006/main" xmlns:r="http://schemas.openxmlformats.org/officeDocument/2006/relationships" xmlns:p="http://schemas.openxmlformats.org/presentationml/2006/main">
+  <p:cSld>
+    <p:spTree>
+      <p:nvGrpSpPr>
+        <p:cNvPr id="1" name="">
           <a:extLst>
-            <a:ext uri="{909E8E84-426E-40DD-AFC4-6F175D3DCCD1}">
-              <a14:hiddenFill xmlns:a14="http://schemas.microsoft.com/office/drawing/2010/main">
-                <a:solidFill>
-                  <a:srgbClr val="FFFFFF"/>
-                </a:solidFill>
-              </a14:hiddenFill>
+            <a:ext uri="{FF2B5EF4-FFF2-40B4-BE49-F238E27FC236}">
+              <a16:creationId xmlns:a16="http://schemas.microsoft.com/office/drawing/2014/main" id="{D9083452-FAF4-BA39-6749-50D581C59676}"/>
             </a:ext>
           </a:extLst>
-        </p:spPr>
-      </p:pic>
+        </p:cNvPr>
+        <p:cNvGrpSpPr/>
+        <p:nvPr/>
+      </p:nvGrpSpPr>
+      <p:grpSpPr>
+        <a:xfrm>
+          <a:off x="0" y="0"/>
+          <a:ext cx="0" cy="0"/>
+          <a:chOff x="0" y="0"/>
+          <a:chExt cx="0" cy="0"/>
+        </a:xfrm>
+      </p:grpSpPr>
       <p:sp>
         <p:nvSpPr>
-          <p:cNvPr id="23" name="사각형: 둥근 대각선 방향 모서리 22">
+          <p:cNvPr id="7" name="제목 1">
             <a:extLst>
               <a:ext uri="{FF2B5EF4-FFF2-40B4-BE49-F238E27FC236}">
-                <a16:creationId xmlns:a16="http://schemas.microsoft.com/office/drawing/2014/main" id="{F51646DA-36FC-328C-07F0-D9AC1BAE2D4D}"/>
+                <a16:creationId xmlns:a16="http://schemas.microsoft.com/office/drawing/2014/main" id="{6F8369C0-C685-8FDD-61A3-49E4CD704A3E}"/>
               </a:ext>
             </a:extLst>
           </p:cNvPr>
-          <p:cNvSpPr/>
-          <p:nvPr/>
-        </p:nvSpPr>
-        <p:spPr>
-          <a:xfrm flipH="1">
-            <a:off x="7616315" y="2349137"/>
-            <a:ext cx="1567015" cy="1079863"/>
-          </a:xfrm>
-          <a:prstGeom prst="round2DiagRect">
-            <a:avLst>
-              <a:gd name="adj1" fmla="val 44086"/>
-              <a:gd name="adj2" fmla="val 0"/>
-            </a:avLst>
-          </a:prstGeom>
-          <a:solidFill>
-            <a:schemeClr val="bg1">
-              <a:lumMod val="95000"/>
-            </a:schemeClr>
-          </a:solidFill>
-          <a:ln>
-            <a:noFill/>
-          </a:ln>
-        </p:spPr>
-        <p:style>
-          <a:lnRef idx="2">
-            <a:schemeClr val="accent1">
-              <a:shade val="15000"/>
-            </a:schemeClr>
-          </a:lnRef>
-          <a:fillRef idx="1">
-            <a:schemeClr val="accent1"/>
-          </a:fillRef>
-          <a:effectRef idx="0">
-            <a:schemeClr val="accent1"/>
-          </a:effectRef>
-          <a:fontRef idx="minor">
-            <a:schemeClr val="lt1"/>
-          </a:fontRef>
-        </p:style>
-        <p:txBody>
-          <a:bodyPr rtlCol="0" anchor="ctr"/>
-          <a:lstStyle/>
-          <a:p>
-            <a:pPr algn="ctr"/>
-            <a:endParaRPr lang="ko-KR" altLang="en-US" dirty="0">
-              <a:solidFill>
-                <a:schemeClr val="tx1"/>
-              </a:solidFill>
-            </a:endParaRPr>
-          </a:p>
-        </p:txBody>
-      </p:sp>
-      <p:sp>
-        <p:nvSpPr>
-          <p:cNvPr id="24" name="TextBox 23">
-            <a:extLst>
-              <a:ext uri="{FF2B5EF4-FFF2-40B4-BE49-F238E27FC236}">
-                <a16:creationId xmlns:a16="http://schemas.microsoft.com/office/drawing/2014/main" id="{92691334-D8E7-FECF-EEEB-A0377D45D062}"/>
-              </a:ext>
-            </a:extLst>
-          </p:cNvPr>
-          <p:cNvSpPr txBox="1"/>
+          <p:cNvSpPr txBox="1">
+            <a:spLocks/>
+          </p:cNvSpPr>
           <p:nvPr/>
         </p:nvSpPr>
         <p:spPr>
           <a:xfrm>
-            <a:off x="7616315" y="3429000"/>
-            <a:ext cx="1567015" cy="738664"/>
+            <a:off x="695325" y="292100"/>
+            <a:ext cx="10801350" cy="861695"/>
           </a:xfrm>
           <a:prstGeom prst="rect">
             <a:avLst/>
           </a:prstGeom>
-          <a:noFill/>
         </p:spPr>
         <p:txBody>
-          <a:bodyPr wrap="square" rtlCol="0">
-            <a:spAutoFit/>
+          <a:bodyPr vert="horz" lIns="91440" tIns="45720" rIns="91440" bIns="45720" rtlCol="0" anchor="ctr">
+            <a:normAutofit/>
           </a:bodyPr>
-          <a:lstStyle/>
+          <a:lstStyle>
+            <a:lvl1pPr algn="l" defTabSz="914400" rtl="0" eaLnBrk="1" latinLnBrk="1" hangingPunct="1">
+              <a:lnSpc>
+                <a:spcPct val="90000"/>
+              </a:lnSpc>
+              <a:spcBef>
+                <a:spcPct val="0"/>
+              </a:spcBef>
+              <a:buNone/>
+              <a:defRPr sz="4400" kern="1200">
+                <a:solidFill>
+                  <a:schemeClr val="tx1"/>
+                </a:solidFill>
+                <a:latin typeface="+mj-lt"/>
+                <a:ea typeface="+mj-ea"/>
+                <a:cs typeface="+mj-cs"/>
+              </a:defRPr>
+            </a:lvl1pPr>
+          </a:lstStyle>
           <a:p>
             <a:r>
-              <a:rPr lang="ko-KR" altLang="en-US" sz="1050" dirty="0"/>
-              <a:t>스킬 적중</a:t>
+              <a:rPr lang="ko-KR" altLang="en-US" dirty="0"/>
+              <a:t>발동 </a:t>
             </a:r>
-            <a:endParaRPr lang="en-US" altLang="ko-KR" sz="1050" dirty="0"/>
-          </a:p>
-          <a:p>
             <a:r>
-              <a:rPr lang="ko-KR" altLang="en-US" sz="1050" dirty="0"/>
-              <a:t>결과에 따라 효과와 </a:t>
+              <a:rPr lang="en-US" altLang="ko-KR" dirty="0"/>
+              <a:t>– 2. </a:t>
             </a:r>
-            <a:endParaRPr lang="en-US" altLang="ko-KR" sz="1050" dirty="0"/>
-          </a:p>
-          <a:p>
             <a:r>
-              <a:rPr lang="ko-KR" altLang="en-US" sz="1050" dirty="0"/>
-              <a:t>결과 값이 표기되는 </a:t>
-            </a:r>
-            <a:endParaRPr lang="en-US" altLang="ko-KR" sz="1050" dirty="0"/>
-          </a:p>
-          <a:p>
-            <a:r>
-              <a:rPr lang="ko-KR" altLang="en-US" sz="1050" dirty="0"/>
-              <a:t>단계</a:t>
+              <a:rPr lang="ko-KR" altLang="en-US" dirty="0"/>
+              <a:t>캐릭터 상태 차트</a:t>
             </a:r>
           </a:p>
         </p:txBody>
       </p:sp>
-      <p:sp>
-        <p:nvSpPr>
-          <p:cNvPr id="27" name="사각형: 둥근 대각선 방향 모서리 26">
+      <p:pic>
+        <p:nvPicPr>
+          <p:cNvPr id="3" name="그림 2" descr="텍스트, 스크린샷, 원, 폰트이(가) 표시된 사진&#10;&#10;자동 생성된 설명">
             <a:extLst>
               <a:ext uri="{FF2B5EF4-FFF2-40B4-BE49-F238E27FC236}">
-                <a16:creationId xmlns:a16="http://schemas.microsoft.com/office/drawing/2014/main" id="{61963E05-1B38-4C47-979E-AA90DDBCD0CE}"/>
+                <a16:creationId xmlns:a16="http://schemas.microsoft.com/office/drawing/2014/main" id="{CCE27A83-D4C2-0118-0684-5072C7AE1F71}"/>
               </a:ext>
             </a:extLst>
           </p:cNvPr>
-          <p:cNvSpPr/>
+          <p:cNvPicPr>
+            <a:picLocks noChangeAspect="1"/>
+          </p:cNvPicPr>
           <p:nvPr/>
-        </p:nvSpPr>
+        </p:nvPicPr>
+        <p:blipFill>
+          <a:blip r:embed="rId2">
+            <a:extLst>
+              <a:ext uri="{28A0092B-C50C-407E-A947-70E740481C1C}">
+                <a14:useLocalDpi xmlns:a14="http://schemas.microsoft.com/office/drawing/2010/main" val="0"/>
+              </a:ext>
+            </a:extLst>
+          </a:blip>
+          <a:stretch>
+            <a:fillRect/>
+          </a:stretch>
+        </p:blipFill>
         <p:spPr>
-          <a:xfrm flipH="1">
-            <a:off x="9924898" y="2349137"/>
-            <a:ext cx="1567015" cy="1079863"/>
+          <a:xfrm>
+            <a:off x="1519237" y="1222375"/>
+            <a:ext cx="9153525" cy="5343525"/>
           </a:xfrm>
-          <a:prstGeom prst="round2DiagRect">
-            <a:avLst>
-              <a:gd name="adj1" fmla="val 44086"/>
-              <a:gd name="adj2" fmla="val 0"/>
-            </a:avLst>
+          <a:prstGeom prst="rect">
+            <a:avLst/>
           </a:prstGeom>
-          <a:solidFill>
-            <a:schemeClr val="bg1">
-              <a:lumMod val="95000"/>
-            </a:schemeClr>
-          </a:solidFill>
-          <a:ln>
-            <a:noFill/>
-          </a:ln>
         </p:spPr>
-        <p:style>
-          <a:lnRef idx="2">
-            <a:schemeClr val="accent1">
-              <a:shade val="15000"/>
-            </a:schemeClr>
-          </a:lnRef>
-          <a:fillRef idx="1">
-            <a:schemeClr val="accent1"/>
-          </a:fillRef>
-          <a:effectRef idx="0">
-            <a:schemeClr val="accent1"/>
-          </a:effectRef>
-          <a:fontRef idx="minor">
-            <a:schemeClr val="lt1"/>
-          </a:fontRef>
-        </p:style>
-        <p:txBody>
-          <a:bodyPr rtlCol="0" anchor="ctr"/>
-          <a:lstStyle/>
-          <a:p>
-            <a:pPr algn="ctr"/>
-            <a:endParaRPr lang="ko-KR" altLang="en-US" dirty="0">
-              <a:solidFill>
-                <a:schemeClr val="tx1"/>
-              </a:solidFill>
-            </a:endParaRPr>
-          </a:p>
-        </p:txBody>
-      </p:sp>
+      </p:pic>
+    </p:spTree>
+    <p:extLst>
+      <p:ext uri="{BB962C8B-B14F-4D97-AF65-F5344CB8AC3E}">
+        <p14:creationId xmlns:p14="http://schemas.microsoft.com/office/powerpoint/2010/main" val="2921124895"/>
+      </p:ext>
+    </p:extLst>
+  </p:cSld>
+  <p:clrMapOvr>
+    <a:masterClrMapping/>
+  </p:clrMapOvr>
+</p:sld>
+</file>
+
+<file path=ppt/slides/slide29.xml><?xml version="1.0" encoding="utf-8"?>
+<p:sld xmlns:a="http://schemas.openxmlformats.org/drawingml/2006/main" xmlns:r="http://schemas.openxmlformats.org/officeDocument/2006/relationships" xmlns:p="http://schemas.openxmlformats.org/presentationml/2006/main">
+  <p:cSld>
+    <p:spTree>
+      <p:nvGrpSpPr>
+        <p:cNvPr id="1" name="">
+          <a:extLst>
+            <a:ext uri="{FF2B5EF4-FFF2-40B4-BE49-F238E27FC236}">
+              <a16:creationId xmlns:a16="http://schemas.microsoft.com/office/drawing/2014/main" id="{3AF8F941-340D-2816-A16A-8ADB5699A076}"/>
+            </a:ext>
+          </a:extLst>
+        </p:cNvPr>
+        <p:cNvGrpSpPr/>
+        <p:nvPr/>
+      </p:nvGrpSpPr>
+      <p:grpSpPr>
+        <a:xfrm>
+          <a:off x="0" y="0"/>
+          <a:ext cx="0" cy="0"/>
+          <a:chOff x="0" y="0"/>
+          <a:chExt cx="0" cy="0"/>
+        </a:xfrm>
+      </p:grpSpPr>
       <p:sp>
         <p:nvSpPr>
-          <p:cNvPr id="28" name="TextBox 27">
+          <p:cNvPr id="7" name="제목 1">
             <a:extLst>
               <a:ext uri="{FF2B5EF4-FFF2-40B4-BE49-F238E27FC236}">
-                <a16:creationId xmlns:a16="http://schemas.microsoft.com/office/drawing/2014/main" id="{96EBEA0F-176B-F36B-4C4B-9E26802D849D}"/>
+                <a16:creationId xmlns:a16="http://schemas.microsoft.com/office/drawing/2014/main" id="{3F121E82-34C5-5058-F085-F05DA2B31DC2}"/>
               </a:ext>
             </a:extLst>
           </p:cNvPr>
-          <p:cNvSpPr txBox="1"/>
+          <p:cNvSpPr txBox="1">
+            <a:spLocks/>
+          </p:cNvSpPr>
           <p:nvPr/>
         </p:nvSpPr>
         <p:spPr>
           <a:xfrm>
-            <a:off x="9924898" y="3429000"/>
-            <a:ext cx="1567015" cy="832664"/>
+            <a:off x="695325" y="292100"/>
+            <a:ext cx="10801350" cy="861695"/>
           </a:xfrm>
           <a:prstGeom prst="rect">
             <a:avLst/>
           </a:prstGeom>
-          <a:noFill/>
         </p:spPr>
         <p:txBody>
-          <a:bodyPr wrap="square" rtlCol="0">
-            <a:spAutoFit/>
+          <a:bodyPr vert="horz" lIns="91440" tIns="45720" rIns="91440" bIns="45720" rtlCol="0" anchor="ctr">
+            <a:normAutofit/>
           </a:bodyPr>
-          <a:lstStyle/>
-          <a:p>
-            <a:pPr>
+          <a:lstStyle>
+            <a:lvl1pPr algn="l" defTabSz="914400" rtl="0" eaLnBrk="1" latinLnBrk="1" hangingPunct="1">
               <a:lnSpc>
-                <a:spcPct val="160000"/>
+                <a:spcPct val="90000"/>
               </a:lnSpc>
               <a:spcBef>
-                <a:spcPts val="0"/>
+                <a:spcPct val="0"/>
               </a:spcBef>
-              <a:spcAft>
-                <a:spcPts val="0"/>
-              </a:spcAft>
-            </a:pPr>
+              <a:buNone/>
+              <a:defRPr sz="4400" kern="1200">
+                <a:solidFill>
+                  <a:schemeClr val="tx1"/>
+                </a:solidFill>
+                <a:latin typeface="+mj-lt"/>
+                <a:ea typeface="+mj-ea"/>
+                <a:cs typeface="+mj-cs"/>
+              </a:defRPr>
+            </a:lvl1pPr>
+          </a:lstStyle>
+          <a:p>
             <a:r>
-              <a:rPr lang="ko-KR" altLang="en-US" sz="1050" dirty="0">
-                <a:solidFill>
-                  <a:srgbClr val="000000"/>
-                </a:solidFill>
-                <a:effectLst/>
-                <a:latin typeface="함초롬바탕"/>
-              </a:rPr>
-              <a:t>스킬 결과에 발생되는 추가 효과가 표현되는 단계</a:t>
+              <a:rPr lang="ko-KR" altLang="en-US" dirty="0"/>
+              <a:t>발동 </a:t>
             </a:r>
-            <a:endParaRPr lang="ko-KR" altLang="en-US" sz="1050" dirty="0">
-              <a:effectLst/>
-            </a:endParaRPr>
+            <a:r>
+              <a:rPr lang="en-US" altLang="ko-KR" dirty="0"/>
+              <a:t>– 3. </a:t>
+            </a:r>
+            <a:r>
+              <a:rPr lang="ko-KR" altLang="en-US" dirty="0"/>
+              <a:t>스킬 아이템 차트</a:t>
+            </a:r>
           </a:p>
         </p:txBody>
       </p:sp>
+      <p:pic>
+        <p:nvPicPr>
+          <p:cNvPr id="3" name="그림 2" descr="텍스트, 스크린샷, 폰트, 원이(가) 표시된 사진&#10;&#10;자동 생성된 설명">
+            <a:extLst>
+              <a:ext uri="{FF2B5EF4-FFF2-40B4-BE49-F238E27FC236}">
+                <a16:creationId xmlns:a16="http://schemas.microsoft.com/office/drawing/2014/main" id="{A83DD35E-87A3-FAF8-83A9-6FEC68F018EF}"/>
+              </a:ext>
+            </a:extLst>
+          </p:cNvPr>
+          <p:cNvPicPr>
+            <a:picLocks noChangeAspect="1"/>
+          </p:cNvPicPr>
+          <p:nvPr/>
+        </p:nvPicPr>
+        <p:blipFill>
+          <a:blip r:embed="rId2">
+            <a:extLst>
+              <a:ext uri="{28A0092B-C50C-407E-A947-70E740481C1C}">
+                <a14:useLocalDpi xmlns:a14="http://schemas.microsoft.com/office/drawing/2010/main" val="0"/>
+              </a:ext>
+            </a:extLst>
+          </a:blip>
+          <a:stretch>
+            <a:fillRect/>
+          </a:stretch>
+        </p:blipFill>
+        <p:spPr>
+          <a:xfrm>
+            <a:off x="1900237" y="1328737"/>
+            <a:ext cx="8391525" cy="4200525"/>
+          </a:xfrm>
+          <a:prstGeom prst="rect">
+            <a:avLst/>
+          </a:prstGeom>
+        </p:spPr>
+      </p:pic>
     </p:spTree>
     <p:extLst>
       <p:ext uri="{BB962C8B-B14F-4D97-AF65-F5344CB8AC3E}">
-        <p14:creationId xmlns:p14="http://schemas.microsoft.com/office/powerpoint/2010/main" val="96086307"/>
+        <p14:creationId xmlns:p14="http://schemas.microsoft.com/office/powerpoint/2010/main" val="3613467698"/>
       </p:ext>
     </p:extLst>
   </p:cSld>
@@ -19318,6 +22074,3319 @@
     <p:extLst>
       <p:ext uri="{BB962C8B-B14F-4D97-AF65-F5344CB8AC3E}">
         <p14:creationId xmlns:p14="http://schemas.microsoft.com/office/powerpoint/2010/main" val="330603124"/>
+      </p:ext>
+    </p:extLst>
+  </p:cSld>
+  <p:clrMapOvr>
+    <a:masterClrMapping/>
+  </p:clrMapOvr>
+</p:sld>
+</file>
+
+<file path=ppt/slides/slide30.xml><?xml version="1.0" encoding="utf-8"?>
+<p:sld xmlns:a="http://schemas.openxmlformats.org/drawingml/2006/main" xmlns:r="http://schemas.openxmlformats.org/officeDocument/2006/relationships" xmlns:p="http://schemas.openxmlformats.org/presentationml/2006/main">
+  <p:cSld>
+    <p:spTree>
+      <p:nvGrpSpPr>
+        <p:cNvPr id="1" name="">
+          <a:extLst>
+            <a:ext uri="{FF2B5EF4-FFF2-40B4-BE49-F238E27FC236}">
+              <a16:creationId xmlns:a16="http://schemas.microsoft.com/office/drawing/2014/main" id="{DD175DA1-7FA8-2636-AA69-48FAE7EE099D}"/>
+            </a:ext>
+          </a:extLst>
+        </p:cNvPr>
+        <p:cNvGrpSpPr/>
+        <p:nvPr/>
+      </p:nvGrpSpPr>
+      <p:grpSpPr>
+        <a:xfrm>
+          <a:off x="0" y="0"/>
+          <a:ext cx="0" cy="0"/>
+          <a:chOff x="0" y="0"/>
+          <a:chExt cx="0" cy="0"/>
+        </a:xfrm>
+      </p:grpSpPr>
+      <p:sp>
+        <p:nvSpPr>
+          <p:cNvPr id="7" name="제목 1">
+            <a:extLst>
+              <a:ext uri="{FF2B5EF4-FFF2-40B4-BE49-F238E27FC236}">
+                <a16:creationId xmlns:a16="http://schemas.microsoft.com/office/drawing/2014/main" id="{F291D4F5-FB8E-9F1F-9E24-ED0924BF46BB}"/>
+              </a:ext>
+            </a:extLst>
+          </p:cNvPr>
+          <p:cNvSpPr txBox="1">
+            <a:spLocks/>
+          </p:cNvSpPr>
+          <p:nvPr/>
+        </p:nvSpPr>
+        <p:spPr>
+          <a:xfrm>
+            <a:off x="695325" y="292100"/>
+            <a:ext cx="10801350" cy="861695"/>
+          </a:xfrm>
+          <a:prstGeom prst="rect">
+            <a:avLst/>
+          </a:prstGeom>
+        </p:spPr>
+        <p:txBody>
+          <a:bodyPr vert="horz" lIns="91440" tIns="45720" rIns="91440" bIns="45720" rtlCol="0" anchor="ctr">
+            <a:normAutofit/>
+          </a:bodyPr>
+          <a:lstStyle>
+            <a:lvl1pPr algn="l" defTabSz="914400" rtl="0" eaLnBrk="1" latinLnBrk="1" hangingPunct="1">
+              <a:lnSpc>
+                <a:spcPct val="90000"/>
+              </a:lnSpc>
+              <a:spcBef>
+                <a:spcPct val="0"/>
+              </a:spcBef>
+              <a:buNone/>
+              <a:defRPr sz="4400" kern="1200">
+                <a:solidFill>
+                  <a:schemeClr val="tx1"/>
+                </a:solidFill>
+                <a:latin typeface="+mj-lt"/>
+                <a:ea typeface="+mj-ea"/>
+                <a:cs typeface="+mj-cs"/>
+              </a:defRPr>
+            </a:lvl1pPr>
+          </a:lstStyle>
+          <a:p>
+            <a:r>
+              <a:rPr lang="ko-KR" altLang="en-US" dirty="0"/>
+              <a:t>발동 </a:t>
+            </a:r>
+            <a:r>
+              <a:rPr lang="en-US" altLang="ko-KR" dirty="0"/>
+              <a:t>– 4. </a:t>
+            </a:r>
+            <a:r>
+              <a:rPr lang="ko-KR" altLang="en-US" dirty="0"/>
+              <a:t>적용 대상 차트</a:t>
+            </a:r>
+          </a:p>
+        </p:txBody>
+      </p:sp>
+      <p:pic>
+        <p:nvPicPr>
+          <p:cNvPr id="3" name="그림 2" descr="텍스트, 스크린샷, 원, 폰트이(가) 표시된 사진&#10;&#10;자동 생성된 설명">
+            <a:extLst>
+              <a:ext uri="{FF2B5EF4-FFF2-40B4-BE49-F238E27FC236}">
+                <a16:creationId xmlns:a16="http://schemas.microsoft.com/office/drawing/2014/main" id="{1125F3CE-560D-8434-886E-45A67464126D}"/>
+              </a:ext>
+            </a:extLst>
+          </p:cNvPr>
+          <p:cNvPicPr>
+            <a:picLocks noChangeAspect="1"/>
+          </p:cNvPicPr>
+          <p:nvPr/>
+        </p:nvPicPr>
+        <p:blipFill>
+          <a:blip r:embed="rId2">
+            <a:extLst>
+              <a:ext uri="{28A0092B-C50C-407E-A947-70E740481C1C}">
+                <a14:useLocalDpi xmlns:a14="http://schemas.microsoft.com/office/drawing/2010/main" val="0"/>
+              </a:ext>
+            </a:extLst>
+          </a:blip>
+          <a:stretch>
+            <a:fillRect/>
+          </a:stretch>
+        </p:blipFill>
+        <p:spPr>
+          <a:xfrm>
+            <a:off x="4376737" y="1222375"/>
+            <a:ext cx="3438525" cy="5343525"/>
+          </a:xfrm>
+          <a:prstGeom prst="rect">
+            <a:avLst/>
+          </a:prstGeom>
+        </p:spPr>
+      </p:pic>
+    </p:spTree>
+    <p:extLst>
+      <p:ext uri="{BB962C8B-B14F-4D97-AF65-F5344CB8AC3E}">
+        <p14:creationId xmlns:p14="http://schemas.microsoft.com/office/powerpoint/2010/main" val="2868728268"/>
+      </p:ext>
+    </p:extLst>
+  </p:cSld>
+  <p:clrMapOvr>
+    <a:masterClrMapping/>
+  </p:clrMapOvr>
+</p:sld>
+</file>
+
+<file path=ppt/slides/slide31.xml><?xml version="1.0" encoding="utf-8"?>
+<p:sld xmlns:a="http://schemas.openxmlformats.org/drawingml/2006/main" xmlns:r="http://schemas.openxmlformats.org/officeDocument/2006/relationships" xmlns:p="http://schemas.openxmlformats.org/presentationml/2006/main">
+  <p:cSld>
+    <p:spTree>
+      <p:nvGrpSpPr>
+        <p:cNvPr id="1" name="">
+          <a:extLst>
+            <a:ext uri="{FF2B5EF4-FFF2-40B4-BE49-F238E27FC236}">
+              <a16:creationId xmlns:a16="http://schemas.microsoft.com/office/drawing/2014/main" id="{589357D6-0616-BC33-55B1-6371D432618B}"/>
+            </a:ext>
+          </a:extLst>
+        </p:cNvPr>
+        <p:cNvGrpSpPr/>
+        <p:nvPr/>
+      </p:nvGrpSpPr>
+      <p:grpSpPr>
+        <a:xfrm>
+          <a:off x="0" y="0"/>
+          <a:ext cx="0" cy="0"/>
+          <a:chOff x="0" y="0"/>
+          <a:chExt cx="0" cy="0"/>
+        </a:xfrm>
+      </p:grpSpPr>
+      <p:sp>
+        <p:nvSpPr>
+          <p:cNvPr id="7" name="제목 1">
+            <a:extLst>
+              <a:ext uri="{FF2B5EF4-FFF2-40B4-BE49-F238E27FC236}">
+                <a16:creationId xmlns:a16="http://schemas.microsoft.com/office/drawing/2014/main" id="{E02A2AAD-2BD8-35D8-D4EE-D3367F775E10}"/>
+              </a:ext>
+            </a:extLst>
+          </p:cNvPr>
+          <p:cNvSpPr txBox="1">
+            <a:spLocks/>
+          </p:cNvSpPr>
+          <p:nvPr/>
+        </p:nvSpPr>
+        <p:spPr>
+          <a:xfrm>
+            <a:off x="695325" y="292100"/>
+            <a:ext cx="10801350" cy="861695"/>
+          </a:xfrm>
+          <a:prstGeom prst="rect">
+            <a:avLst/>
+          </a:prstGeom>
+        </p:spPr>
+        <p:txBody>
+          <a:bodyPr vert="horz" lIns="91440" tIns="45720" rIns="91440" bIns="45720" rtlCol="0" anchor="ctr">
+            <a:normAutofit/>
+          </a:bodyPr>
+          <a:lstStyle>
+            <a:lvl1pPr algn="l" defTabSz="914400" rtl="0" eaLnBrk="1" latinLnBrk="1" hangingPunct="1">
+              <a:lnSpc>
+                <a:spcPct val="90000"/>
+              </a:lnSpc>
+              <a:spcBef>
+                <a:spcPct val="0"/>
+              </a:spcBef>
+              <a:buNone/>
+              <a:defRPr sz="4400" kern="1200">
+                <a:solidFill>
+                  <a:schemeClr val="tx1"/>
+                </a:solidFill>
+                <a:latin typeface="+mj-lt"/>
+                <a:ea typeface="+mj-ea"/>
+                <a:cs typeface="+mj-cs"/>
+              </a:defRPr>
+            </a:lvl1pPr>
+          </a:lstStyle>
+          <a:p>
+            <a:r>
+              <a:rPr lang="ko-KR" altLang="en-US" dirty="0"/>
+              <a:t>발동 </a:t>
+            </a:r>
+            <a:r>
+              <a:rPr lang="en-US" altLang="ko-KR" dirty="0"/>
+              <a:t>– 5. </a:t>
+            </a:r>
+            <a:r>
+              <a:rPr lang="ko-KR" altLang="en-US" dirty="0"/>
+              <a:t>발동 대상</a:t>
+            </a:r>
+          </a:p>
+        </p:txBody>
+      </p:sp>
+      <p:graphicFrame>
+        <p:nvGraphicFramePr>
+          <p:cNvPr id="2" name="표 1">
+            <a:extLst>
+              <a:ext uri="{FF2B5EF4-FFF2-40B4-BE49-F238E27FC236}">
+                <a16:creationId xmlns:a16="http://schemas.microsoft.com/office/drawing/2014/main" id="{E0B84977-5DFB-A1AB-EC9F-5B4F8B8A5133}"/>
+              </a:ext>
+            </a:extLst>
+          </p:cNvPr>
+          <p:cNvGraphicFramePr>
+            <a:graphicFrameLocks noGrp="1"/>
+          </p:cNvGraphicFramePr>
+          <p:nvPr>
+            <p:extLst>
+              <p:ext uri="{D42A27DB-BD31-4B8C-83A1-F6EECF244321}">
+                <p14:modId xmlns:p14="http://schemas.microsoft.com/office/powerpoint/2010/main" val="445152937"/>
+              </p:ext>
+            </p:extLst>
+          </p:nvPr>
+        </p:nvGraphicFramePr>
+        <p:xfrm>
+          <a:off x="1969770" y="1981200"/>
+          <a:ext cx="8252460" cy="2987040"/>
+        </p:xfrm>
+        <a:graphic>
+          <a:graphicData uri="http://schemas.openxmlformats.org/drawingml/2006/table">
+            <a:tbl>
+              <a:tblPr firstRow="1" bandRow="1">
+                <a:tableStyleId>{5C22544A-7EE6-4342-B048-85BDC9FD1C3A}</a:tableStyleId>
+              </a:tblPr>
+              <a:tblGrid>
+                <a:gridCol w="8252460">
+                  <a:extLst>
+                    <a:ext uri="{9D8B030D-6E8A-4147-A177-3AD203B41FA5}">
+                      <a16:colId xmlns:a16="http://schemas.microsoft.com/office/drawing/2014/main" val="3852552135"/>
+                    </a:ext>
+                  </a:extLst>
+                </a:gridCol>
+              </a:tblGrid>
+              <a:tr h="0">
+                <a:tc>
+                  <a:txBody>
+                    <a:bodyPr/>
+                    <a:lstStyle/>
+                    <a:p>
+                      <a:pPr algn="l" latinLnBrk="1"/>
+                      <a:r>
+                        <a:rPr lang="ko-KR" altLang="en-US" sz="1400" b="0" dirty="0">
+                          <a:solidFill>
+                            <a:schemeClr val="tx1"/>
+                          </a:solidFill>
+                        </a:rPr>
+                        <a:t>발동 대상</a:t>
+                      </a:r>
+                    </a:p>
+                  </a:txBody>
+                  <a:tcPr>
+                    <a:lnL w="12700" cmpd="sng">
+                      <a:noFill/>
+                    </a:lnL>
+                    <a:lnR w="12700" cmpd="sng">
+                      <a:noFill/>
+                    </a:lnR>
+                    <a:lnT w="12700" cmpd="sng">
+                      <a:noFill/>
+                    </a:lnT>
+                    <a:lnB w="12700" cap="flat" cmpd="sng" algn="ctr">
+                      <a:solidFill>
+                        <a:schemeClr val="tx1"/>
+                      </a:solidFill>
+                      <a:prstDash val="solid"/>
+                      <a:round/>
+                      <a:headEnd type="none" w="med" len="med"/>
+                      <a:tailEnd type="none" w="med" len="med"/>
+                    </a:lnB>
+                    <a:lnTlToBr w="12700" cmpd="sng">
+                      <a:noFill/>
+                      <a:prstDash val="solid"/>
+                    </a:lnTlToBr>
+                    <a:lnBlToTr w="12700" cmpd="sng">
+                      <a:noFill/>
+                      <a:prstDash val="solid"/>
+                    </a:lnBlToTr>
+                    <a:solidFill>
+                      <a:schemeClr val="bg1">
+                        <a:lumMod val="95000"/>
+                      </a:schemeClr>
+                    </a:solidFill>
+                  </a:tcPr>
+                </a:tc>
+                <a:extLst>
+                  <a:ext uri="{0D108BD9-81ED-4DB2-BD59-A6C34878D82A}">
+                    <a16:rowId xmlns:a16="http://schemas.microsoft.com/office/drawing/2014/main" val="4129766453"/>
+                  </a:ext>
+                </a:extLst>
+              </a:tr>
+              <a:tr h="0">
+                <a:tc>
+                  <a:txBody>
+                    <a:bodyPr/>
+                    <a:lstStyle/>
+                    <a:p>
+                      <a:pPr algn="l" latinLnBrk="1"/>
+                      <a:r>
+                        <a:rPr lang="ko-KR" altLang="en-US" sz="1400" b="0" dirty="0">
+                          <a:solidFill>
+                            <a:schemeClr val="tx1"/>
+                          </a:solidFill>
+                        </a:rPr>
+                        <a:t>발동 대상에 따른 처리를 판단하는 단계이다</a:t>
+                      </a:r>
+                      <a:r>
+                        <a:rPr lang="en-US" altLang="ko-KR" sz="1400" b="0" dirty="0">
+                          <a:solidFill>
+                            <a:schemeClr val="tx1"/>
+                          </a:solidFill>
+                        </a:rPr>
+                        <a:t>.</a:t>
+                      </a:r>
+                    </a:p>
+                    <a:p>
+                      <a:pPr algn="l" latinLnBrk="1"/>
+                      <a:r>
+                        <a:rPr lang="ko-KR" altLang="en-US" sz="1400" b="0" dirty="0">
+                          <a:solidFill>
+                            <a:schemeClr val="tx1"/>
+                          </a:solidFill>
+                        </a:rPr>
+                        <a:t>발동 대상에는 </a:t>
+                      </a:r>
+                      <a:r>
+                        <a:rPr lang="en-US" altLang="ko-KR" sz="1400" b="0" dirty="0">
+                          <a:solidFill>
+                            <a:schemeClr val="tx1"/>
+                          </a:solidFill>
+                        </a:rPr>
+                        <a:t>‘</a:t>
+                      </a:r>
+                      <a:r>
+                        <a:rPr lang="ko-KR" altLang="en-US" sz="1400" b="0" dirty="0">
+                          <a:solidFill>
+                            <a:schemeClr val="tx1"/>
+                          </a:solidFill>
+                        </a:rPr>
+                        <a:t>자신</a:t>
+                      </a:r>
+                      <a:r>
+                        <a:rPr lang="en-US" altLang="ko-KR" sz="1400" b="0" dirty="0">
+                          <a:solidFill>
+                            <a:schemeClr val="tx1"/>
+                          </a:solidFill>
+                        </a:rPr>
+                        <a:t>’,</a:t>
+                      </a:r>
+                      <a:r>
+                        <a:rPr lang="ko-KR" altLang="en-US" sz="1400" b="0" dirty="0">
+                          <a:solidFill>
+                            <a:schemeClr val="tx1"/>
+                          </a:solidFill>
+                        </a:rPr>
+                        <a:t> </a:t>
+                      </a:r>
+                      <a:r>
+                        <a:rPr lang="en-US" altLang="ko-KR" sz="1400" b="0" dirty="0">
+                          <a:solidFill>
+                            <a:schemeClr val="tx1"/>
+                          </a:solidFill>
+                        </a:rPr>
+                        <a:t>‘</a:t>
+                      </a:r>
+                      <a:r>
+                        <a:rPr lang="ko-KR" altLang="en-US" sz="1400" b="0" dirty="0">
+                          <a:solidFill>
+                            <a:schemeClr val="tx1"/>
+                          </a:solidFill>
+                        </a:rPr>
+                        <a:t>다른 대상</a:t>
+                      </a:r>
+                      <a:r>
+                        <a:rPr lang="en-US" altLang="ko-KR" sz="1400" b="0" dirty="0">
+                          <a:solidFill>
+                            <a:schemeClr val="tx1"/>
+                          </a:solidFill>
+                        </a:rPr>
+                        <a:t>’, ‘</a:t>
+                      </a:r>
+                      <a:r>
+                        <a:rPr lang="ko-KR" altLang="en-US" sz="1400" b="0" dirty="0">
+                          <a:solidFill>
+                            <a:schemeClr val="tx1"/>
+                          </a:solidFill>
+                        </a:rPr>
+                        <a:t>지형</a:t>
+                      </a:r>
+                      <a:r>
+                        <a:rPr lang="en-US" altLang="ko-KR" sz="1400" b="0" dirty="0">
+                          <a:solidFill>
+                            <a:schemeClr val="tx1"/>
+                          </a:solidFill>
+                        </a:rPr>
+                        <a:t>’</a:t>
+                      </a:r>
+                      <a:r>
+                        <a:rPr lang="ko-KR" altLang="en-US" sz="1400" b="0" dirty="0">
+                          <a:solidFill>
+                            <a:schemeClr val="tx1"/>
+                          </a:solidFill>
+                        </a:rPr>
+                        <a:t>에 따라서 처리가 다르다</a:t>
+                      </a:r>
+                      <a:r>
+                        <a:rPr lang="en-US" altLang="ko-KR" sz="1400" b="0" dirty="0">
+                          <a:solidFill>
+                            <a:schemeClr val="tx1"/>
+                          </a:solidFill>
+                        </a:rPr>
+                        <a:t>.</a:t>
+                      </a:r>
+                      <a:r>
+                        <a:rPr lang="ko-KR" altLang="en-US" sz="1400" b="0" dirty="0">
+                          <a:solidFill>
+                            <a:schemeClr val="tx1"/>
+                          </a:solidFill>
+                        </a:rPr>
+                        <a:t> </a:t>
+                      </a:r>
+                      <a:endParaRPr lang="en-US" altLang="ko-KR" sz="1400" b="0" dirty="0">
+                        <a:solidFill>
+                          <a:schemeClr val="tx1"/>
+                        </a:solidFill>
+                      </a:endParaRPr>
+                    </a:p>
+                  </a:txBody>
+                  <a:tcPr>
+                    <a:lnL w="12700" cmpd="sng">
+                      <a:noFill/>
+                    </a:lnL>
+                    <a:lnR w="12700" cmpd="sng">
+                      <a:noFill/>
+                    </a:lnR>
+                    <a:lnT w="12700" cap="flat" cmpd="sng" algn="ctr">
+                      <a:solidFill>
+                        <a:schemeClr val="tx1"/>
+                      </a:solidFill>
+                      <a:prstDash val="solid"/>
+                      <a:round/>
+                      <a:headEnd type="none" w="med" len="med"/>
+                      <a:tailEnd type="none" w="med" len="med"/>
+                    </a:lnT>
+                    <a:lnB w="12700" cap="flat" cmpd="sng" algn="ctr">
+                      <a:noFill/>
+                      <a:prstDash val="solid"/>
+                      <a:round/>
+                      <a:headEnd type="none" w="med" len="med"/>
+                      <a:tailEnd type="none" w="med" len="med"/>
+                    </a:lnB>
+                    <a:lnTlToBr w="12700" cmpd="sng">
+                      <a:noFill/>
+                      <a:prstDash val="solid"/>
+                    </a:lnTlToBr>
+                    <a:lnBlToTr w="12700" cmpd="sng">
+                      <a:noFill/>
+                      <a:prstDash val="solid"/>
+                    </a:lnBlToTr>
+                    <a:noFill/>
+                  </a:tcPr>
+                </a:tc>
+                <a:extLst>
+                  <a:ext uri="{0D108BD9-81ED-4DB2-BD59-A6C34878D82A}">
+                    <a16:rowId xmlns:a16="http://schemas.microsoft.com/office/drawing/2014/main" val="3386730004"/>
+                  </a:ext>
+                </a:extLst>
+              </a:tr>
+              <a:tr h="0">
+                <a:tc>
+                  <a:txBody>
+                    <a:bodyPr/>
+                    <a:lstStyle/>
+                    <a:p>
+                      <a:pPr algn="l" latinLnBrk="1"/>
+                      <a:endParaRPr lang="en-US" altLang="ko-KR" sz="1400" b="0" dirty="0">
+                        <a:solidFill>
+                          <a:schemeClr val="tx1"/>
+                        </a:solidFill>
+                      </a:endParaRPr>
+                    </a:p>
+                  </a:txBody>
+                  <a:tcPr>
+                    <a:lnL w="12700" cmpd="sng">
+                      <a:noFill/>
+                    </a:lnL>
+                    <a:lnR w="12700" cmpd="sng">
+                      <a:noFill/>
+                    </a:lnR>
+                    <a:lnT w="12700" cap="flat" cmpd="sng" algn="ctr">
+                      <a:noFill/>
+                      <a:prstDash val="solid"/>
+                      <a:round/>
+                      <a:headEnd type="none" w="med" len="med"/>
+                      <a:tailEnd type="none" w="med" len="med"/>
+                    </a:lnT>
+                    <a:lnB w="12700" cap="flat" cmpd="sng" algn="ctr">
+                      <a:noFill/>
+                      <a:prstDash val="solid"/>
+                      <a:round/>
+                      <a:headEnd type="none" w="med" len="med"/>
+                      <a:tailEnd type="none" w="med" len="med"/>
+                    </a:lnB>
+                    <a:lnTlToBr w="12700" cmpd="sng">
+                      <a:noFill/>
+                      <a:prstDash val="solid"/>
+                    </a:lnTlToBr>
+                    <a:lnBlToTr w="12700" cmpd="sng">
+                      <a:noFill/>
+                      <a:prstDash val="solid"/>
+                    </a:lnBlToTr>
+                    <a:noFill/>
+                  </a:tcPr>
+                </a:tc>
+                <a:extLst>
+                  <a:ext uri="{0D108BD9-81ED-4DB2-BD59-A6C34878D82A}">
+                    <a16:rowId xmlns:a16="http://schemas.microsoft.com/office/drawing/2014/main" val="1470410232"/>
+                  </a:ext>
+                </a:extLst>
+              </a:tr>
+              <a:tr h="0">
+                <a:tc>
+                  <a:txBody>
+                    <a:bodyPr/>
+                    <a:lstStyle/>
+                    <a:p>
+                      <a:pPr algn="l" latinLnBrk="1"/>
+                      <a:r>
+                        <a:rPr lang="ko-KR" altLang="en-US" sz="1400" b="0" dirty="0">
+                          <a:solidFill>
+                            <a:schemeClr val="tx1"/>
+                          </a:solidFill>
+                        </a:rPr>
+                        <a:t>발동 대상 목록</a:t>
+                      </a:r>
+                      <a:endParaRPr lang="en-US" altLang="ko-KR" sz="1400" b="0" dirty="0">
+                        <a:solidFill>
+                          <a:schemeClr val="tx1"/>
+                        </a:solidFill>
+                      </a:endParaRPr>
+                    </a:p>
+                  </a:txBody>
+                  <a:tcPr>
+                    <a:lnL w="12700" cmpd="sng">
+                      <a:noFill/>
+                    </a:lnL>
+                    <a:lnR w="12700" cmpd="sng">
+                      <a:noFill/>
+                    </a:lnR>
+                    <a:lnT w="12700" cap="flat" cmpd="sng" algn="ctr">
+                      <a:noFill/>
+                      <a:prstDash val="solid"/>
+                      <a:round/>
+                      <a:headEnd type="none" w="med" len="med"/>
+                      <a:tailEnd type="none" w="med" len="med"/>
+                    </a:lnT>
+                    <a:lnB w="12700" cap="flat" cmpd="sng" algn="ctr">
+                      <a:solidFill>
+                        <a:schemeClr val="tx1"/>
+                      </a:solidFill>
+                      <a:prstDash val="solid"/>
+                      <a:round/>
+                      <a:headEnd type="none" w="med" len="med"/>
+                      <a:tailEnd type="none" w="med" len="med"/>
+                    </a:lnB>
+                    <a:lnTlToBr w="12700" cmpd="sng">
+                      <a:noFill/>
+                      <a:prstDash val="solid"/>
+                    </a:lnTlToBr>
+                    <a:lnBlToTr w="12700" cmpd="sng">
+                      <a:noFill/>
+                      <a:prstDash val="solid"/>
+                    </a:lnBlToTr>
+                    <a:solidFill>
+                      <a:schemeClr val="bg1">
+                        <a:lumMod val="95000"/>
+                      </a:schemeClr>
+                    </a:solidFill>
+                  </a:tcPr>
+                </a:tc>
+                <a:extLst>
+                  <a:ext uri="{0D108BD9-81ED-4DB2-BD59-A6C34878D82A}">
+                    <a16:rowId xmlns:a16="http://schemas.microsoft.com/office/drawing/2014/main" val="4103515606"/>
+                  </a:ext>
+                </a:extLst>
+              </a:tr>
+              <a:tr h="246289">
+                <a:tc>
+                  <a:txBody>
+                    <a:bodyPr/>
+                    <a:lstStyle/>
+                    <a:p>
+                      <a:pPr marL="742950" lvl="1" indent="-285750" algn="l" latinLnBrk="1">
+                        <a:buFont typeface="Arial" panose="020B0604020202020204" pitchFamily="34" charset="0"/>
+                        <a:buChar char="•"/>
+                      </a:pPr>
+                      <a:r>
+                        <a:rPr lang="en-US" altLang="ko-KR" sz="1400" b="0" dirty="0">
+                          <a:solidFill>
+                            <a:schemeClr val="tx1"/>
+                          </a:solidFill>
+                        </a:rPr>
+                        <a:t>‘</a:t>
+                      </a:r>
+                      <a:r>
+                        <a:rPr lang="ko-KR" altLang="en-US" sz="1400" b="0" dirty="0">
+                          <a:solidFill>
+                            <a:schemeClr val="tx1"/>
+                          </a:solidFill>
+                        </a:rPr>
+                        <a:t>자신</a:t>
+                      </a:r>
+                      <a:r>
+                        <a:rPr lang="en-US" altLang="ko-KR" sz="1400" b="0" dirty="0">
+                          <a:solidFill>
+                            <a:schemeClr val="tx1"/>
+                          </a:solidFill>
+                        </a:rPr>
+                        <a:t>’</a:t>
+                      </a:r>
+                    </a:p>
+                    <a:p>
+                      <a:pPr marL="914400" lvl="2" indent="0" algn="l" latinLnBrk="1">
+                        <a:buFont typeface="Arial" panose="020B0604020202020204" pitchFamily="34" charset="0"/>
+                        <a:buNone/>
+                      </a:pPr>
+                      <a:r>
+                        <a:rPr lang="ko-KR" altLang="en-US" sz="1400" b="0" dirty="0">
+                          <a:solidFill>
+                            <a:schemeClr val="tx1"/>
+                          </a:solidFill>
+                        </a:rPr>
+                        <a:t>사용하는 본인을 대상으로 사용하는 방법이다</a:t>
+                      </a:r>
+                      <a:r>
+                        <a:rPr lang="en-US" altLang="ko-KR" sz="1400" b="0" dirty="0">
+                          <a:solidFill>
+                            <a:schemeClr val="tx1"/>
+                          </a:solidFill>
+                        </a:rPr>
+                        <a:t>.</a:t>
+                      </a:r>
+                    </a:p>
+                  </a:txBody>
+                  <a:tcPr>
+                    <a:lnL w="12700" cmpd="sng">
+                      <a:noFill/>
+                    </a:lnL>
+                    <a:lnR w="12700" cmpd="sng">
+                      <a:noFill/>
+                    </a:lnR>
+                    <a:lnT w="12700" cap="flat" cmpd="sng" algn="ctr">
+                      <a:solidFill>
+                        <a:schemeClr val="tx1"/>
+                      </a:solidFill>
+                      <a:prstDash val="solid"/>
+                      <a:round/>
+                      <a:headEnd type="none" w="med" len="med"/>
+                      <a:tailEnd type="none" w="med" len="med"/>
+                    </a:lnT>
+                    <a:lnB w="12700" cap="flat" cmpd="sng" algn="ctr">
+                      <a:noFill/>
+                      <a:prstDash val="solid"/>
+                      <a:round/>
+                      <a:headEnd type="none" w="med" len="med"/>
+                      <a:tailEnd type="none" w="med" len="med"/>
+                    </a:lnB>
+                    <a:lnTlToBr w="12700" cmpd="sng">
+                      <a:noFill/>
+                      <a:prstDash val="solid"/>
+                    </a:lnTlToBr>
+                    <a:lnBlToTr w="12700" cmpd="sng">
+                      <a:noFill/>
+                      <a:prstDash val="solid"/>
+                    </a:lnBlToTr>
+                    <a:noFill/>
+                  </a:tcPr>
+                </a:tc>
+                <a:extLst>
+                  <a:ext uri="{0D108BD9-81ED-4DB2-BD59-A6C34878D82A}">
+                    <a16:rowId xmlns:a16="http://schemas.microsoft.com/office/drawing/2014/main" val="1458965696"/>
+                  </a:ext>
+                </a:extLst>
+              </a:tr>
+              <a:tr h="246289">
+                <a:tc>
+                  <a:txBody>
+                    <a:bodyPr/>
+                    <a:lstStyle/>
+                    <a:p>
+                      <a:pPr marL="742950" lvl="1" indent="-285750" algn="l" latinLnBrk="1">
+                        <a:buFont typeface="Arial" panose="020B0604020202020204" pitchFamily="34" charset="0"/>
+                        <a:buChar char="•"/>
+                      </a:pPr>
+                      <a:r>
+                        <a:rPr lang="en-US" altLang="ko-KR" sz="1400" b="0" dirty="0">
+                          <a:solidFill>
+                            <a:schemeClr val="tx1"/>
+                          </a:solidFill>
+                        </a:rPr>
+                        <a:t>‘</a:t>
+                      </a:r>
+                      <a:r>
+                        <a:rPr lang="ko-KR" altLang="en-US" sz="1400" b="0" dirty="0">
+                          <a:solidFill>
+                            <a:schemeClr val="tx1"/>
+                          </a:solidFill>
+                        </a:rPr>
+                        <a:t>다른 대상</a:t>
+                      </a:r>
+                      <a:r>
+                        <a:rPr lang="en-US" altLang="ko-KR" sz="1400" b="0" dirty="0">
+                          <a:solidFill>
+                            <a:schemeClr val="tx1"/>
+                          </a:solidFill>
+                        </a:rPr>
+                        <a:t>’</a:t>
+                      </a:r>
+                    </a:p>
+                    <a:p>
+                      <a:pPr marL="914400" lvl="2" indent="0" algn="l" latinLnBrk="1">
+                        <a:buFont typeface="Arial" panose="020B0604020202020204" pitchFamily="34" charset="0"/>
+                        <a:buNone/>
+                      </a:pPr>
+                      <a:r>
+                        <a:rPr lang="ko-KR" altLang="en-US" sz="1400" b="0" dirty="0">
+                          <a:solidFill>
+                            <a:schemeClr val="tx1"/>
+                          </a:solidFill>
+                        </a:rPr>
+                        <a:t>아군</a:t>
+                      </a:r>
+                      <a:r>
+                        <a:rPr lang="en-US" altLang="ko-KR" sz="1400" b="0" dirty="0">
+                          <a:solidFill>
+                            <a:schemeClr val="tx1"/>
+                          </a:solidFill>
+                        </a:rPr>
+                        <a:t>, </a:t>
+                      </a:r>
+                      <a:r>
+                        <a:rPr lang="ko-KR" altLang="en-US" sz="1400" b="0" dirty="0">
+                          <a:solidFill>
+                            <a:schemeClr val="tx1"/>
+                          </a:solidFill>
+                        </a:rPr>
+                        <a:t>몬스터</a:t>
+                      </a:r>
+                      <a:r>
+                        <a:rPr lang="en-US" altLang="ko-KR" sz="1400" b="0" dirty="0">
+                          <a:solidFill>
+                            <a:schemeClr val="tx1"/>
+                          </a:solidFill>
+                        </a:rPr>
+                        <a:t>, </a:t>
+                      </a:r>
+                      <a:r>
+                        <a:rPr lang="ko-KR" altLang="en-US" sz="1400" b="0" dirty="0">
+                          <a:solidFill>
+                            <a:schemeClr val="tx1"/>
+                          </a:solidFill>
+                        </a:rPr>
+                        <a:t>오브젝트를 대상으로 사용하는 방법이다</a:t>
+                      </a:r>
+                      <a:r>
+                        <a:rPr lang="en-US" altLang="ko-KR" sz="1400" b="0" dirty="0">
+                          <a:solidFill>
+                            <a:schemeClr val="tx1"/>
+                          </a:solidFill>
+                        </a:rPr>
+                        <a:t>.</a:t>
+                      </a:r>
+                    </a:p>
+                  </a:txBody>
+                  <a:tcPr>
+                    <a:lnL w="12700" cmpd="sng">
+                      <a:noFill/>
+                    </a:lnL>
+                    <a:lnR w="12700" cmpd="sng">
+                      <a:noFill/>
+                    </a:lnR>
+                    <a:lnT w="12700" cap="flat" cmpd="sng" algn="ctr">
+                      <a:noFill/>
+                      <a:prstDash val="solid"/>
+                      <a:round/>
+                      <a:headEnd type="none" w="med" len="med"/>
+                      <a:tailEnd type="none" w="med" len="med"/>
+                    </a:lnT>
+                    <a:lnB w="12700" cap="flat" cmpd="sng" algn="ctr">
+                      <a:noFill/>
+                      <a:prstDash val="solid"/>
+                      <a:round/>
+                      <a:headEnd type="none" w="med" len="med"/>
+                      <a:tailEnd type="none" w="med" len="med"/>
+                    </a:lnB>
+                    <a:lnTlToBr w="12700" cmpd="sng">
+                      <a:noFill/>
+                      <a:prstDash val="solid"/>
+                    </a:lnTlToBr>
+                    <a:lnBlToTr w="12700" cmpd="sng">
+                      <a:noFill/>
+                      <a:prstDash val="solid"/>
+                    </a:lnBlToTr>
+                    <a:noFill/>
+                  </a:tcPr>
+                </a:tc>
+                <a:extLst>
+                  <a:ext uri="{0D108BD9-81ED-4DB2-BD59-A6C34878D82A}">
+                    <a16:rowId xmlns:a16="http://schemas.microsoft.com/office/drawing/2014/main" val="2418085743"/>
+                  </a:ext>
+                </a:extLst>
+              </a:tr>
+              <a:tr h="246289">
+                <a:tc>
+                  <a:txBody>
+                    <a:bodyPr/>
+                    <a:lstStyle/>
+                    <a:p>
+                      <a:pPr marL="742950" lvl="1" indent="-285750" algn="l" latinLnBrk="1">
+                        <a:buFont typeface="Arial" panose="020B0604020202020204" pitchFamily="34" charset="0"/>
+                        <a:buChar char="•"/>
+                      </a:pPr>
+                      <a:r>
+                        <a:rPr lang="en-US" altLang="ko-KR" sz="1400" b="0" dirty="0">
+                          <a:solidFill>
+                            <a:schemeClr val="tx1"/>
+                          </a:solidFill>
+                        </a:rPr>
+                        <a:t>‘</a:t>
+                      </a:r>
+                      <a:r>
+                        <a:rPr lang="ko-KR" altLang="en-US" sz="1400" b="0" dirty="0">
+                          <a:solidFill>
+                            <a:schemeClr val="tx1"/>
+                          </a:solidFill>
+                        </a:rPr>
+                        <a:t>지형</a:t>
+                      </a:r>
+                      <a:r>
+                        <a:rPr lang="en-US" altLang="ko-KR" sz="1400" b="0" dirty="0">
+                          <a:solidFill>
+                            <a:schemeClr val="tx1"/>
+                          </a:solidFill>
+                        </a:rPr>
+                        <a:t>’</a:t>
+                      </a:r>
+                    </a:p>
+                    <a:p>
+                      <a:pPr marL="914400" lvl="2" indent="0" algn="l" latinLnBrk="1">
+                        <a:buFont typeface="Arial" panose="020B0604020202020204" pitchFamily="34" charset="0"/>
+                        <a:buNone/>
+                      </a:pPr>
+                      <a:r>
+                        <a:rPr lang="ko-KR" altLang="en-US" sz="1400" b="0" dirty="0">
+                          <a:solidFill>
+                            <a:schemeClr val="tx1"/>
+                          </a:solidFill>
+                        </a:rPr>
+                        <a:t>지형을 대상으로 사용하는 방법이다</a:t>
+                      </a:r>
+                      <a:r>
+                        <a:rPr lang="en-US" altLang="ko-KR" sz="1400" b="0" dirty="0">
+                          <a:solidFill>
+                            <a:schemeClr val="tx1"/>
+                          </a:solidFill>
+                        </a:rPr>
+                        <a:t>.</a:t>
+                      </a:r>
+                    </a:p>
+                  </a:txBody>
+                  <a:tcPr>
+                    <a:lnL w="12700" cmpd="sng">
+                      <a:noFill/>
+                    </a:lnL>
+                    <a:lnR w="12700" cmpd="sng">
+                      <a:noFill/>
+                    </a:lnR>
+                    <a:lnT w="12700" cap="flat" cmpd="sng" algn="ctr">
+                      <a:noFill/>
+                      <a:prstDash val="solid"/>
+                      <a:round/>
+                      <a:headEnd type="none" w="med" len="med"/>
+                      <a:tailEnd type="none" w="med" len="med"/>
+                    </a:lnT>
+                    <a:lnB w="12700" cap="flat" cmpd="sng" algn="ctr">
+                      <a:noFill/>
+                      <a:prstDash val="solid"/>
+                      <a:round/>
+                      <a:headEnd type="none" w="med" len="med"/>
+                      <a:tailEnd type="none" w="med" len="med"/>
+                    </a:lnB>
+                    <a:lnTlToBr w="12700" cmpd="sng">
+                      <a:noFill/>
+                      <a:prstDash val="solid"/>
+                    </a:lnTlToBr>
+                    <a:lnBlToTr w="12700" cmpd="sng">
+                      <a:noFill/>
+                      <a:prstDash val="solid"/>
+                    </a:lnBlToTr>
+                    <a:noFill/>
+                  </a:tcPr>
+                </a:tc>
+                <a:extLst>
+                  <a:ext uri="{0D108BD9-81ED-4DB2-BD59-A6C34878D82A}">
+                    <a16:rowId xmlns:a16="http://schemas.microsoft.com/office/drawing/2014/main" val="1759704100"/>
+                  </a:ext>
+                </a:extLst>
+              </a:tr>
+            </a:tbl>
+          </a:graphicData>
+        </a:graphic>
+      </p:graphicFrame>
+    </p:spTree>
+    <p:extLst>
+      <p:ext uri="{BB962C8B-B14F-4D97-AF65-F5344CB8AC3E}">
+        <p14:creationId xmlns:p14="http://schemas.microsoft.com/office/powerpoint/2010/main" val="1478409533"/>
+      </p:ext>
+    </p:extLst>
+  </p:cSld>
+  <p:clrMapOvr>
+    <a:masterClrMapping/>
+  </p:clrMapOvr>
+</p:sld>
+</file>
+
+<file path=ppt/slides/slide32.xml><?xml version="1.0" encoding="utf-8"?>
+<p:sld xmlns:a="http://schemas.openxmlformats.org/drawingml/2006/main" xmlns:r="http://schemas.openxmlformats.org/officeDocument/2006/relationships" xmlns:p="http://schemas.openxmlformats.org/presentationml/2006/main">
+  <p:cSld>
+    <p:spTree>
+      <p:nvGrpSpPr>
+        <p:cNvPr id="1" name="">
+          <a:extLst>
+            <a:ext uri="{FF2B5EF4-FFF2-40B4-BE49-F238E27FC236}">
+              <a16:creationId xmlns:a16="http://schemas.microsoft.com/office/drawing/2014/main" id="{F68EAD78-BB2A-3C95-4D75-EAF0983190B7}"/>
+            </a:ext>
+          </a:extLst>
+        </p:cNvPr>
+        <p:cNvGrpSpPr/>
+        <p:nvPr/>
+      </p:nvGrpSpPr>
+      <p:grpSpPr>
+        <a:xfrm>
+          <a:off x="0" y="0"/>
+          <a:ext cx="0" cy="0"/>
+          <a:chOff x="0" y="0"/>
+          <a:chExt cx="0" cy="0"/>
+        </a:xfrm>
+      </p:grpSpPr>
+      <p:sp>
+        <p:nvSpPr>
+          <p:cNvPr id="7" name="제목 1">
+            <a:extLst>
+              <a:ext uri="{FF2B5EF4-FFF2-40B4-BE49-F238E27FC236}">
+                <a16:creationId xmlns:a16="http://schemas.microsoft.com/office/drawing/2014/main" id="{FFFEC0B4-0388-4FE7-223C-6405E144AF65}"/>
+              </a:ext>
+            </a:extLst>
+          </p:cNvPr>
+          <p:cNvSpPr txBox="1">
+            <a:spLocks/>
+          </p:cNvSpPr>
+          <p:nvPr/>
+        </p:nvSpPr>
+        <p:spPr>
+          <a:xfrm>
+            <a:off x="695325" y="292100"/>
+            <a:ext cx="10801350" cy="861695"/>
+          </a:xfrm>
+          <a:prstGeom prst="rect">
+            <a:avLst/>
+          </a:prstGeom>
+        </p:spPr>
+        <p:txBody>
+          <a:bodyPr vert="horz" lIns="91440" tIns="45720" rIns="91440" bIns="45720" rtlCol="0" anchor="ctr">
+            <a:normAutofit/>
+          </a:bodyPr>
+          <a:lstStyle>
+            <a:lvl1pPr algn="l" defTabSz="914400" rtl="0" eaLnBrk="1" latinLnBrk="1" hangingPunct="1">
+              <a:lnSpc>
+                <a:spcPct val="90000"/>
+              </a:lnSpc>
+              <a:spcBef>
+                <a:spcPct val="0"/>
+              </a:spcBef>
+              <a:buNone/>
+              <a:defRPr sz="4400" kern="1200">
+                <a:solidFill>
+                  <a:schemeClr val="tx1"/>
+                </a:solidFill>
+                <a:latin typeface="+mj-lt"/>
+                <a:ea typeface="+mj-ea"/>
+                <a:cs typeface="+mj-cs"/>
+              </a:defRPr>
+            </a:lvl1pPr>
+          </a:lstStyle>
+          <a:p>
+            <a:r>
+              <a:rPr lang="ko-KR" altLang="en-US" dirty="0"/>
+              <a:t>발동 </a:t>
+            </a:r>
+            <a:r>
+              <a:rPr lang="en-US" altLang="ko-KR" dirty="0"/>
+              <a:t>– 5. </a:t>
+            </a:r>
+            <a:r>
+              <a:rPr lang="ko-KR" altLang="en-US" dirty="0"/>
+              <a:t>발동 대상 차트</a:t>
+            </a:r>
+          </a:p>
+        </p:txBody>
+      </p:sp>
+      <p:pic>
+        <p:nvPicPr>
+          <p:cNvPr id="5" name="그림 4" descr="스크린샷, 텍스트, 폰트, 원이(가) 표시된 사진&#10;&#10;자동 생성된 설명">
+            <a:extLst>
+              <a:ext uri="{FF2B5EF4-FFF2-40B4-BE49-F238E27FC236}">
+                <a16:creationId xmlns:a16="http://schemas.microsoft.com/office/drawing/2014/main" id="{A54A0CB2-A372-13D0-0F6F-5DE74DC134C5}"/>
+              </a:ext>
+            </a:extLst>
+          </p:cNvPr>
+          <p:cNvPicPr>
+            <a:picLocks noChangeAspect="1"/>
+          </p:cNvPicPr>
+          <p:nvPr/>
+        </p:nvPicPr>
+        <p:blipFill>
+          <a:blip r:embed="rId2">
+            <a:extLst>
+              <a:ext uri="{28A0092B-C50C-407E-A947-70E740481C1C}">
+                <a14:useLocalDpi xmlns:a14="http://schemas.microsoft.com/office/drawing/2010/main" val="0"/>
+              </a:ext>
+            </a:extLst>
+          </a:blip>
+          <a:stretch>
+            <a:fillRect/>
+          </a:stretch>
+        </p:blipFill>
+        <p:spPr>
+          <a:xfrm>
+            <a:off x="0" y="1510130"/>
+            <a:ext cx="12192000" cy="3837739"/>
+          </a:xfrm>
+          <a:prstGeom prst="rect">
+            <a:avLst/>
+          </a:prstGeom>
+        </p:spPr>
+      </p:pic>
+    </p:spTree>
+    <p:extLst>
+      <p:ext uri="{BB962C8B-B14F-4D97-AF65-F5344CB8AC3E}">
+        <p14:creationId xmlns:p14="http://schemas.microsoft.com/office/powerpoint/2010/main" val="2924938477"/>
+      </p:ext>
+    </p:extLst>
+  </p:cSld>
+  <p:clrMapOvr>
+    <a:masterClrMapping/>
+  </p:clrMapOvr>
+</p:sld>
+</file>
+
+<file path=ppt/slides/slide33.xml><?xml version="1.0" encoding="utf-8"?>
+<p:sld xmlns:a="http://schemas.openxmlformats.org/drawingml/2006/main" xmlns:r="http://schemas.openxmlformats.org/officeDocument/2006/relationships" xmlns:p="http://schemas.openxmlformats.org/presentationml/2006/main">
+  <p:cSld>
+    <p:spTree>
+      <p:nvGrpSpPr>
+        <p:cNvPr id="1" name="">
+          <a:extLst>
+            <a:ext uri="{FF2B5EF4-FFF2-40B4-BE49-F238E27FC236}">
+              <a16:creationId xmlns:a16="http://schemas.microsoft.com/office/drawing/2014/main" id="{8C12F902-7996-D24F-456A-E2D53FB241E2}"/>
+            </a:ext>
+          </a:extLst>
+        </p:cNvPr>
+        <p:cNvGrpSpPr/>
+        <p:nvPr/>
+      </p:nvGrpSpPr>
+      <p:grpSpPr>
+        <a:xfrm>
+          <a:off x="0" y="0"/>
+          <a:ext cx="0" cy="0"/>
+          <a:chOff x="0" y="0"/>
+          <a:chExt cx="0" cy="0"/>
+        </a:xfrm>
+      </p:grpSpPr>
+      <p:sp>
+        <p:nvSpPr>
+          <p:cNvPr id="7" name="제목 1">
+            <a:extLst>
+              <a:ext uri="{FF2B5EF4-FFF2-40B4-BE49-F238E27FC236}">
+                <a16:creationId xmlns:a16="http://schemas.microsoft.com/office/drawing/2014/main" id="{FD32D089-6C31-A621-CEC5-79477CE7C558}"/>
+              </a:ext>
+            </a:extLst>
+          </p:cNvPr>
+          <p:cNvSpPr txBox="1">
+            <a:spLocks/>
+          </p:cNvSpPr>
+          <p:nvPr/>
+        </p:nvSpPr>
+        <p:spPr>
+          <a:xfrm>
+            <a:off x="695325" y="292100"/>
+            <a:ext cx="10801350" cy="861695"/>
+          </a:xfrm>
+          <a:prstGeom prst="rect">
+            <a:avLst/>
+          </a:prstGeom>
+        </p:spPr>
+        <p:txBody>
+          <a:bodyPr vert="horz" lIns="91440" tIns="45720" rIns="91440" bIns="45720" rtlCol="0" anchor="ctr">
+            <a:normAutofit/>
+          </a:bodyPr>
+          <a:lstStyle>
+            <a:lvl1pPr algn="l" defTabSz="914400" rtl="0" eaLnBrk="1" latinLnBrk="1" hangingPunct="1">
+              <a:lnSpc>
+                <a:spcPct val="90000"/>
+              </a:lnSpc>
+              <a:spcBef>
+                <a:spcPct val="0"/>
+              </a:spcBef>
+              <a:buNone/>
+              <a:defRPr sz="4400" kern="1200">
+                <a:solidFill>
+                  <a:schemeClr val="tx1"/>
+                </a:solidFill>
+                <a:latin typeface="+mj-lt"/>
+                <a:ea typeface="+mj-ea"/>
+                <a:cs typeface="+mj-cs"/>
+              </a:defRPr>
+            </a:lvl1pPr>
+          </a:lstStyle>
+          <a:p>
+            <a:r>
+              <a:rPr lang="ko-KR" altLang="en-US" dirty="0"/>
+              <a:t>발동 </a:t>
+            </a:r>
+            <a:r>
+              <a:rPr lang="en-US" altLang="ko-KR" dirty="0"/>
+              <a:t>– 6. </a:t>
+            </a:r>
+            <a:r>
+              <a:rPr lang="ko-KR" altLang="en-US" dirty="0"/>
+              <a:t>거리</a:t>
+            </a:r>
+          </a:p>
+        </p:txBody>
+      </p:sp>
+      <p:graphicFrame>
+        <p:nvGraphicFramePr>
+          <p:cNvPr id="2" name="표 1">
+            <a:extLst>
+              <a:ext uri="{FF2B5EF4-FFF2-40B4-BE49-F238E27FC236}">
+                <a16:creationId xmlns:a16="http://schemas.microsoft.com/office/drawing/2014/main" id="{B8A7D427-EFAA-3285-BCA4-D1B433563E75}"/>
+              </a:ext>
+            </a:extLst>
+          </p:cNvPr>
+          <p:cNvGraphicFramePr>
+            <a:graphicFrameLocks noGrp="1"/>
+          </p:cNvGraphicFramePr>
+          <p:nvPr>
+            <p:extLst>
+              <p:ext uri="{D42A27DB-BD31-4B8C-83A1-F6EECF244321}">
+                <p14:modId xmlns:p14="http://schemas.microsoft.com/office/powerpoint/2010/main" val="114984228"/>
+              </p:ext>
+            </p:extLst>
+          </p:nvPr>
+        </p:nvGraphicFramePr>
+        <p:xfrm>
+          <a:off x="1969770" y="1981200"/>
+          <a:ext cx="8252460" cy="2682240"/>
+        </p:xfrm>
+        <a:graphic>
+          <a:graphicData uri="http://schemas.openxmlformats.org/drawingml/2006/table">
+            <a:tbl>
+              <a:tblPr firstRow="1" bandRow="1">
+                <a:tableStyleId>{5C22544A-7EE6-4342-B048-85BDC9FD1C3A}</a:tableStyleId>
+              </a:tblPr>
+              <a:tblGrid>
+                <a:gridCol w="8252460">
+                  <a:extLst>
+                    <a:ext uri="{9D8B030D-6E8A-4147-A177-3AD203B41FA5}">
+                      <a16:colId xmlns:a16="http://schemas.microsoft.com/office/drawing/2014/main" val="3852552135"/>
+                    </a:ext>
+                  </a:extLst>
+                </a:gridCol>
+              </a:tblGrid>
+              <a:tr h="0">
+                <a:tc>
+                  <a:txBody>
+                    <a:bodyPr/>
+                    <a:lstStyle/>
+                    <a:p>
+                      <a:pPr algn="l" latinLnBrk="1"/>
+                      <a:r>
+                        <a:rPr lang="ko-KR" altLang="en-US" sz="1400" b="0" dirty="0">
+                          <a:solidFill>
+                            <a:schemeClr val="tx1"/>
+                          </a:solidFill>
+                        </a:rPr>
+                        <a:t>거리</a:t>
+                      </a:r>
+                    </a:p>
+                  </a:txBody>
+                  <a:tcPr>
+                    <a:lnL w="12700" cmpd="sng">
+                      <a:noFill/>
+                    </a:lnL>
+                    <a:lnR w="12700" cmpd="sng">
+                      <a:noFill/>
+                    </a:lnR>
+                    <a:lnT w="12700" cmpd="sng">
+                      <a:noFill/>
+                    </a:lnT>
+                    <a:lnB w="12700" cap="flat" cmpd="sng" algn="ctr">
+                      <a:solidFill>
+                        <a:schemeClr val="tx1"/>
+                      </a:solidFill>
+                      <a:prstDash val="solid"/>
+                      <a:round/>
+                      <a:headEnd type="none" w="med" len="med"/>
+                      <a:tailEnd type="none" w="med" len="med"/>
+                    </a:lnB>
+                    <a:lnTlToBr w="12700" cmpd="sng">
+                      <a:noFill/>
+                      <a:prstDash val="solid"/>
+                    </a:lnTlToBr>
+                    <a:lnBlToTr w="12700" cmpd="sng">
+                      <a:noFill/>
+                      <a:prstDash val="solid"/>
+                    </a:lnBlToTr>
+                    <a:solidFill>
+                      <a:schemeClr val="bg1">
+                        <a:lumMod val="95000"/>
+                      </a:schemeClr>
+                    </a:solidFill>
+                  </a:tcPr>
+                </a:tc>
+                <a:extLst>
+                  <a:ext uri="{0D108BD9-81ED-4DB2-BD59-A6C34878D82A}">
+                    <a16:rowId xmlns:a16="http://schemas.microsoft.com/office/drawing/2014/main" val="4129766453"/>
+                  </a:ext>
+                </a:extLst>
+              </a:tr>
+              <a:tr h="0">
+                <a:tc>
+                  <a:txBody>
+                    <a:bodyPr/>
+                    <a:lstStyle/>
+                    <a:p>
+                      <a:pPr algn="l" latinLnBrk="1"/>
+                      <a:r>
+                        <a:rPr lang="ko-KR" altLang="en-US" sz="1400" b="0" dirty="0">
+                          <a:solidFill>
+                            <a:schemeClr val="tx1"/>
+                          </a:solidFill>
+                        </a:rPr>
+                        <a:t>스킬을 사용하는 캐릭터와 스킬의 발동 대상과의 거리에 따른 처리를 하는 단계이다</a:t>
+                      </a:r>
+                      <a:r>
+                        <a:rPr lang="en-US" altLang="ko-KR" sz="1400" b="0" dirty="0">
+                          <a:solidFill>
+                            <a:schemeClr val="tx1"/>
+                          </a:solidFill>
+                        </a:rPr>
+                        <a:t>.</a:t>
+                      </a:r>
+                    </a:p>
+                    <a:p>
+                      <a:pPr algn="l" latinLnBrk="1"/>
+                      <a:r>
+                        <a:rPr lang="en-US" altLang="ko-KR" sz="1400" b="0" dirty="0">
+                          <a:solidFill>
+                            <a:schemeClr val="tx1"/>
+                          </a:solidFill>
+                        </a:rPr>
+                        <a:t>‘</a:t>
+                      </a:r>
+                      <a:r>
+                        <a:rPr lang="ko-KR" altLang="en-US" sz="1400" b="0" dirty="0">
+                          <a:solidFill>
+                            <a:schemeClr val="tx1"/>
+                          </a:solidFill>
+                        </a:rPr>
+                        <a:t>타겟</a:t>
+                      </a:r>
+                      <a:r>
+                        <a:rPr lang="en-US" altLang="ko-KR" sz="1400" b="0" dirty="0">
+                          <a:solidFill>
+                            <a:schemeClr val="tx1"/>
+                          </a:solidFill>
+                        </a:rPr>
+                        <a:t>’</a:t>
+                      </a:r>
+                      <a:r>
+                        <a:rPr lang="ko-KR" altLang="en-US" sz="1400" b="0" dirty="0">
+                          <a:solidFill>
+                            <a:schemeClr val="tx1"/>
+                          </a:solidFill>
+                        </a:rPr>
+                        <a:t>과 </a:t>
+                      </a:r>
+                      <a:r>
+                        <a:rPr lang="en-US" altLang="ko-KR" sz="1400" b="0" dirty="0">
+                          <a:solidFill>
+                            <a:schemeClr val="tx1"/>
+                          </a:solidFill>
+                        </a:rPr>
+                        <a:t>‘</a:t>
+                      </a:r>
+                      <a:r>
+                        <a:rPr lang="ko-KR" altLang="en-US" sz="1400" b="0" dirty="0">
+                          <a:solidFill>
+                            <a:schemeClr val="tx1"/>
+                          </a:solidFill>
+                        </a:rPr>
+                        <a:t>논 타겟</a:t>
+                      </a:r>
+                      <a:r>
+                        <a:rPr lang="en-US" altLang="ko-KR" sz="1400" b="0" dirty="0">
+                          <a:solidFill>
+                            <a:schemeClr val="tx1"/>
+                          </a:solidFill>
+                        </a:rPr>
+                        <a:t>’</a:t>
+                      </a:r>
+                      <a:r>
+                        <a:rPr lang="ko-KR" altLang="en-US" sz="1400" b="0" dirty="0">
+                          <a:solidFill>
+                            <a:schemeClr val="tx1"/>
+                          </a:solidFill>
+                        </a:rPr>
+                        <a:t>에 따라서 처리가 다르다</a:t>
+                      </a:r>
+                      <a:r>
+                        <a:rPr lang="en-US" altLang="ko-KR" sz="1400" b="0" dirty="0">
+                          <a:solidFill>
+                            <a:schemeClr val="tx1"/>
+                          </a:solidFill>
+                        </a:rPr>
+                        <a:t>.</a:t>
+                      </a:r>
+                    </a:p>
+                  </a:txBody>
+                  <a:tcPr>
+                    <a:lnL w="12700" cmpd="sng">
+                      <a:noFill/>
+                    </a:lnL>
+                    <a:lnR w="12700" cmpd="sng">
+                      <a:noFill/>
+                    </a:lnR>
+                    <a:lnT w="12700" cap="flat" cmpd="sng" algn="ctr">
+                      <a:solidFill>
+                        <a:schemeClr val="tx1"/>
+                      </a:solidFill>
+                      <a:prstDash val="solid"/>
+                      <a:round/>
+                      <a:headEnd type="none" w="med" len="med"/>
+                      <a:tailEnd type="none" w="med" len="med"/>
+                    </a:lnT>
+                    <a:lnB w="12700" cap="flat" cmpd="sng" algn="ctr">
+                      <a:noFill/>
+                      <a:prstDash val="solid"/>
+                      <a:round/>
+                      <a:headEnd type="none" w="med" len="med"/>
+                      <a:tailEnd type="none" w="med" len="med"/>
+                    </a:lnB>
+                    <a:lnTlToBr w="12700" cmpd="sng">
+                      <a:noFill/>
+                      <a:prstDash val="solid"/>
+                    </a:lnTlToBr>
+                    <a:lnBlToTr w="12700" cmpd="sng">
+                      <a:noFill/>
+                      <a:prstDash val="solid"/>
+                    </a:lnBlToTr>
+                    <a:noFill/>
+                  </a:tcPr>
+                </a:tc>
+                <a:extLst>
+                  <a:ext uri="{0D108BD9-81ED-4DB2-BD59-A6C34878D82A}">
+                    <a16:rowId xmlns:a16="http://schemas.microsoft.com/office/drawing/2014/main" val="3386730004"/>
+                  </a:ext>
+                </a:extLst>
+              </a:tr>
+              <a:tr h="0">
+                <a:tc>
+                  <a:txBody>
+                    <a:bodyPr/>
+                    <a:lstStyle/>
+                    <a:p>
+                      <a:pPr algn="l" latinLnBrk="1"/>
+                      <a:endParaRPr lang="en-US" altLang="ko-KR" sz="1400" b="0" dirty="0">
+                        <a:solidFill>
+                          <a:schemeClr val="tx1"/>
+                        </a:solidFill>
+                      </a:endParaRPr>
+                    </a:p>
+                  </a:txBody>
+                  <a:tcPr>
+                    <a:lnL w="12700" cmpd="sng">
+                      <a:noFill/>
+                    </a:lnL>
+                    <a:lnR w="12700" cmpd="sng">
+                      <a:noFill/>
+                    </a:lnR>
+                    <a:lnT w="12700" cap="flat" cmpd="sng" algn="ctr">
+                      <a:noFill/>
+                      <a:prstDash val="solid"/>
+                      <a:round/>
+                      <a:headEnd type="none" w="med" len="med"/>
+                      <a:tailEnd type="none" w="med" len="med"/>
+                    </a:lnT>
+                    <a:lnB w="12700" cap="flat" cmpd="sng" algn="ctr">
+                      <a:noFill/>
+                      <a:prstDash val="solid"/>
+                      <a:round/>
+                      <a:headEnd type="none" w="med" len="med"/>
+                      <a:tailEnd type="none" w="med" len="med"/>
+                    </a:lnB>
+                    <a:lnTlToBr w="12700" cmpd="sng">
+                      <a:noFill/>
+                      <a:prstDash val="solid"/>
+                    </a:lnTlToBr>
+                    <a:lnBlToTr w="12700" cmpd="sng">
+                      <a:noFill/>
+                      <a:prstDash val="solid"/>
+                    </a:lnBlToTr>
+                    <a:noFill/>
+                  </a:tcPr>
+                </a:tc>
+                <a:extLst>
+                  <a:ext uri="{0D108BD9-81ED-4DB2-BD59-A6C34878D82A}">
+                    <a16:rowId xmlns:a16="http://schemas.microsoft.com/office/drawing/2014/main" val="1470410232"/>
+                  </a:ext>
+                </a:extLst>
+              </a:tr>
+              <a:tr h="0">
+                <a:tc>
+                  <a:txBody>
+                    <a:bodyPr/>
+                    <a:lstStyle/>
+                    <a:p>
+                      <a:pPr algn="l" latinLnBrk="1"/>
+                      <a:r>
+                        <a:rPr lang="ko-KR" altLang="en-US" sz="1400" b="0" dirty="0">
+                          <a:solidFill>
+                            <a:schemeClr val="tx1"/>
+                          </a:solidFill>
+                        </a:rPr>
+                        <a:t>조작법</a:t>
+                      </a:r>
+                      <a:endParaRPr lang="en-US" altLang="ko-KR" sz="1400" b="0" dirty="0">
+                        <a:solidFill>
+                          <a:schemeClr val="tx1"/>
+                        </a:solidFill>
+                      </a:endParaRPr>
+                    </a:p>
+                  </a:txBody>
+                  <a:tcPr>
+                    <a:lnL w="12700" cmpd="sng">
+                      <a:noFill/>
+                    </a:lnL>
+                    <a:lnR w="12700" cmpd="sng">
+                      <a:noFill/>
+                    </a:lnR>
+                    <a:lnT w="12700" cap="flat" cmpd="sng" algn="ctr">
+                      <a:noFill/>
+                      <a:prstDash val="solid"/>
+                      <a:round/>
+                      <a:headEnd type="none" w="med" len="med"/>
+                      <a:tailEnd type="none" w="med" len="med"/>
+                    </a:lnT>
+                    <a:lnB w="12700" cap="flat" cmpd="sng" algn="ctr">
+                      <a:solidFill>
+                        <a:schemeClr val="tx1"/>
+                      </a:solidFill>
+                      <a:prstDash val="solid"/>
+                      <a:round/>
+                      <a:headEnd type="none" w="med" len="med"/>
+                      <a:tailEnd type="none" w="med" len="med"/>
+                    </a:lnB>
+                    <a:lnTlToBr w="12700" cmpd="sng">
+                      <a:noFill/>
+                      <a:prstDash val="solid"/>
+                    </a:lnTlToBr>
+                    <a:lnBlToTr w="12700" cmpd="sng">
+                      <a:noFill/>
+                      <a:prstDash val="solid"/>
+                    </a:lnBlToTr>
+                    <a:solidFill>
+                      <a:schemeClr val="bg1">
+                        <a:lumMod val="95000"/>
+                      </a:schemeClr>
+                    </a:solidFill>
+                  </a:tcPr>
+                </a:tc>
+                <a:extLst>
+                  <a:ext uri="{0D108BD9-81ED-4DB2-BD59-A6C34878D82A}">
+                    <a16:rowId xmlns:a16="http://schemas.microsoft.com/office/drawing/2014/main" val="4103515606"/>
+                  </a:ext>
+                </a:extLst>
+              </a:tr>
+              <a:tr h="246289">
+                <a:tc>
+                  <a:txBody>
+                    <a:bodyPr/>
+                    <a:lstStyle/>
+                    <a:p>
+                      <a:pPr marL="742950" lvl="1" indent="-285750" algn="l" latinLnBrk="1">
+                        <a:buFont typeface="Arial" panose="020B0604020202020204" pitchFamily="34" charset="0"/>
+                        <a:buChar char="•"/>
+                      </a:pPr>
+                      <a:r>
+                        <a:rPr lang="en-US" altLang="ko-KR" sz="1400" b="0" dirty="0">
+                          <a:solidFill>
+                            <a:schemeClr val="tx1"/>
+                          </a:solidFill>
+                        </a:rPr>
+                        <a:t>‘</a:t>
+                      </a:r>
+                      <a:r>
+                        <a:rPr lang="ko-KR" altLang="en-US" sz="1400" b="0" dirty="0">
+                          <a:solidFill>
+                            <a:schemeClr val="tx1"/>
+                          </a:solidFill>
+                        </a:rPr>
+                        <a:t>타겟</a:t>
+                      </a:r>
+                      <a:r>
+                        <a:rPr lang="en-US" altLang="ko-KR" sz="1400" b="0" dirty="0">
+                          <a:solidFill>
+                            <a:schemeClr val="tx1"/>
+                          </a:solidFill>
+                        </a:rPr>
+                        <a:t>’</a:t>
+                      </a:r>
+                    </a:p>
+                    <a:p>
+                      <a:pPr marL="914400" lvl="2" indent="0" algn="l" latinLnBrk="1">
+                        <a:buFont typeface="Arial" panose="020B0604020202020204" pitchFamily="34" charset="0"/>
+                        <a:buNone/>
+                      </a:pPr>
+                      <a:r>
+                        <a:rPr lang="en-US" altLang="ko-KR" sz="1400" b="0" dirty="0">
+                          <a:solidFill>
+                            <a:schemeClr val="tx1"/>
+                          </a:solidFill>
+                        </a:rPr>
+                        <a:t>‘</a:t>
+                      </a:r>
+                      <a:r>
+                        <a:rPr lang="ko-KR" altLang="en-US" sz="1400" b="0" dirty="0">
+                          <a:solidFill>
+                            <a:schemeClr val="tx1"/>
+                          </a:solidFill>
+                        </a:rPr>
+                        <a:t>타겟</a:t>
+                      </a:r>
+                      <a:r>
+                        <a:rPr lang="en-US" altLang="ko-KR" sz="1400" b="0" dirty="0">
+                          <a:solidFill>
+                            <a:schemeClr val="tx1"/>
+                          </a:solidFill>
+                        </a:rPr>
+                        <a:t>’</a:t>
+                      </a:r>
+                      <a:r>
+                        <a:rPr lang="ko-KR" altLang="en-US" sz="1400" b="0" dirty="0">
+                          <a:solidFill>
+                            <a:schemeClr val="tx1"/>
+                          </a:solidFill>
+                        </a:rPr>
+                        <a:t>이 스킬의 발동 대상이 스킬 사거리 밖에 있을 경우 스킬을 사용할 수 있는 거리까지 이동한다</a:t>
+                      </a:r>
+                      <a:r>
+                        <a:rPr lang="en-US" altLang="ko-KR" sz="1400" b="0" dirty="0">
+                          <a:solidFill>
+                            <a:schemeClr val="tx1"/>
+                          </a:solidFill>
+                        </a:rPr>
+                        <a:t>.</a:t>
+                      </a:r>
+                    </a:p>
+                  </a:txBody>
+                  <a:tcPr>
+                    <a:lnL w="12700" cmpd="sng">
+                      <a:noFill/>
+                    </a:lnL>
+                    <a:lnR w="12700" cmpd="sng">
+                      <a:noFill/>
+                    </a:lnR>
+                    <a:lnT w="12700" cap="flat" cmpd="sng" algn="ctr">
+                      <a:solidFill>
+                        <a:schemeClr val="tx1"/>
+                      </a:solidFill>
+                      <a:prstDash val="solid"/>
+                      <a:round/>
+                      <a:headEnd type="none" w="med" len="med"/>
+                      <a:tailEnd type="none" w="med" len="med"/>
+                    </a:lnT>
+                    <a:lnB w="12700" cap="flat" cmpd="sng" algn="ctr">
+                      <a:noFill/>
+                      <a:prstDash val="solid"/>
+                      <a:round/>
+                      <a:headEnd type="none" w="med" len="med"/>
+                      <a:tailEnd type="none" w="med" len="med"/>
+                    </a:lnB>
+                    <a:lnTlToBr w="12700" cmpd="sng">
+                      <a:noFill/>
+                      <a:prstDash val="solid"/>
+                    </a:lnTlToBr>
+                    <a:lnBlToTr w="12700" cmpd="sng">
+                      <a:noFill/>
+                      <a:prstDash val="solid"/>
+                    </a:lnBlToTr>
+                    <a:noFill/>
+                  </a:tcPr>
+                </a:tc>
+                <a:extLst>
+                  <a:ext uri="{0D108BD9-81ED-4DB2-BD59-A6C34878D82A}">
+                    <a16:rowId xmlns:a16="http://schemas.microsoft.com/office/drawing/2014/main" val="1458965696"/>
+                  </a:ext>
+                </a:extLst>
+              </a:tr>
+              <a:tr h="246289">
+                <a:tc>
+                  <a:txBody>
+                    <a:bodyPr/>
+                    <a:lstStyle/>
+                    <a:p>
+                      <a:pPr marL="742950" lvl="1" indent="-285750" algn="l" latinLnBrk="1">
+                        <a:buFont typeface="Arial" panose="020B0604020202020204" pitchFamily="34" charset="0"/>
+                        <a:buChar char="•"/>
+                      </a:pPr>
+                      <a:r>
+                        <a:rPr lang="en-US" altLang="ko-KR" sz="1400" b="0" dirty="0">
+                          <a:solidFill>
+                            <a:schemeClr val="tx1"/>
+                          </a:solidFill>
+                        </a:rPr>
+                        <a:t>‘</a:t>
+                      </a:r>
+                      <a:r>
+                        <a:rPr lang="ko-KR" altLang="en-US" sz="1400" b="0" dirty="0">
+                          <a:solidFill>
+                            <a:schemeClr val="tx1"/>
+                          </a:solidFill>
+                        </a:rPr>
+                        <a:t>논 타겟</a:t>
+                      </a:r>
+                      <a:r>
+                        <a:rPr lang="en-US" altLang="ko-KR" sz="1400" b="0" dirty="0">
+                          <a:solidFill>
+                            <a:schemeClr val="tx1"/>
+                          </a:solidFill>
+                        </a:rPr>
+                        <a:t>’</a:t>
+                      </a:r>
+                    </a:p>
+                    <a:p>
+                      <a:pPr marL="914400" lvl="2" indent="0" algn="l" latinLnBrk="1">
+                        <a:buFont typeface="Arial" panose="020B0604020202020204" pitchFamily="34" charset="0"/>
+                        <a:buNone/>
+                      </a:pPr>
+                      <a:r>
+                        <a:rPr lang="ko-KR" altLang="en-US" sz="1400" b="0" dirty="0">
+                          <a:solidFill>
+                            <a:schemeClr val="tx1"/>
+                          </a:solidFill>
+                        </a:rPr>
+                        <a:t>스킬의 발동 대상과의 거리를 따지지 않는다</a:t>
+                      </a:r>
+                      <a:r>
+                        <a:rPr lang="en-US" altLang="ko-KR" sz="1400" b="0" dirty="0">
+                          <a:solidFill>
+                            <a:schemeClr val="tx1"/>
+                          </a:solidFill>
+                        </a:rPr>
+                        <a:t>.</a:t>
+                      </a:r>
+                    </a:p>
+                  </a:txBody>
+                  <a:tcPr>
+                    <a:lnL w="12700" cmpd="sng">
+                      <a:noFill/>
+                    </a:lnL>
+                    <a:lnR w="12700" cmpd="sng">
+                      <a:noFill/>
+                    </a:lnR>
+                    <a:lnT w="12700" cap="flat" cmpd="sng" algn="ctr">
+                      <a:noFill/>
+                      <a:prstDash val="solid"/>
+                      <a:round/>
+                      <a:headEnd type="none" w="med" len="med"/>
+                      <a:tailEnd type="none" w="med" len="med"/>
+                    </a:lnT>
+                    <a:lnB w="12700" cap="flat" cmpd="sng" algn="ctr">
+                      <a:noFill/>
+                      <a:prstDash val="solid"/>
+                      <a:round/>
+                      <a:headEnd type="none" w="med" len="med"/>
+                      <a:tailEnd type="none" w="med" len="med"/>
+                    </a:lnB>
+                    <a:lnTlToBr w="12700" cmpd="sng">
+                      <a:noFill/>
+                      <a:prstDash val="solid"/>
+                    </a:lnTlToBr>
+                    <a:lnBlToTr w="12700" cmpd="sng">
+                      <a:noFill/>
+                      <a:prstDash val="solid"/>
+                    </a:lnBlToTr>
+                    <a:noFill/>
+                  </a:tcPr>
+                </a:tc>
+                <a:extLst>
+                  <a:ext uri="{0D108BD9-81ED-4DB2-BD59-A6C34878D82A}">
+                    <a16:rowId xmlns:a16="http://schemas.microsoft.com/office/drawing/2014/main" val="2418085743"/>
+                  </a:ext>
+                </a:extLst>
+              </a:tr>
+            </a:tbl>
+          </a:graphicData>
+        </a:graphic>
+      </p:graphicFrame>
+    </p:spTree>
+    <p:extLst>
+      <p:ext uri="{BB962C8B-B14F-4D97-AF65-F5344CB8AC3E}">
+        <p14:creationId xmlns:p14="http://schemas.microsoft.com/office/powerpoint/2010/main" val="993619463"/>
+      </p:ext>
+    </p:extLst>
+  </p:cSld>
+  <p:clrMapOvr>
+    <a:masterClrMapping/>
+  </p:clrMapOvr>
+</p:sld>
+</file>
+
+<file path=ppt/slides/slide34.xml><?xml version="1.0" encoding="utf-8"?>
+<p:sld xmlns:a="http://schemas.openxmlformats.org/drawingml/2006/main" xmlns:r="http://schemas.openxmlformats.org/officeDocument/2006/relationships" xmlns:p="http://schemas.openxmlformats.org/presentationml/2006/main">
+  <p:cSld>
+    <p:spTree>
+      <p:nvGrpSpPr>
+        <p:cNvPr id="1" name="">
+          <a:extLst>
+            <a:ext uri="{FF2B5EF4-FFF2-40B4-BE49-F238E27FC236}">
+              <a16:creationId xmlns:a16="http://schemas.microsoft.com/office/drawing/2014/main" id="{5E84DC1C-7836-590B-6D1C-D2009C8EF36E}"/>
+            </a:ext>
+          </a:extLst>
+        </p:cNvPr>
+        <p:cNvGrpSpPr/>
+        <p:nvPr/>
+      </p:nvGrpSpPr>
+      <p:grpSpPr>
+        <a:xfrm>
+          <a:off x="0" y="0"/>
+          <a:ext cx="0" cy="0"/>
+          <a:chOff x="0" y="0"/>
+          <a:chExt cx="0" cy="0"/>
+        </a:xfrm>
+      </p:grpSpPr>
+      <p:sp>
+        <p:nvSpPr>
+          <p:cNvPr id="7" name="제목 1">
+            <a:extLst>
+              <a:ext uri="{FF2B5EF4-FFF2-40B4-BE49-F238E27FC236}">
+                <a16:creationId xmlns:a16="http://schemas.microsoft.com/office/drawing/2014/main" id="{8B6B167A-B56D-2E2D-90B9-ED342291FB3C}"/>
+              </a:ext>
+            </a:extLst>
+          </p:cNvPr>
+          <p:cNvSpPr txBox="1">
+            <a:spLocks/>
+          </p:cNvSpPr>
+          <p:nvPr/>
+        </p:nvSpPr>
+        <p:spPr>
+          <a:xfrm>
+            <a:off x="695325" y="292100"/>
+            <a:ext cx="10801350" cy="861695"/>
+          </a:xfrm>
+          <a:prstGeom prst="rect">
+            <a:avLst/>
+          </a:prstGeom>
+        </p:spPr>
+        <p:txBody>
+          <a:bodyPr vert="horz" lIns="91440" tIns="45720" rIns="91440" bIns="45720" rtlCol="0" anchor="ctr">
+            <a:normAutofit/>
+          </a:bodyPr>
+          <a:lstStyle>
+            <a:lvl1pPr algn="l" defTabSz="914400" rtl="0" eaLnBrk="1" latinLnBrk="1" hangingPunct="1">
+              <a:lnSpc>
+                <a:spcPct val="90000"/>
+              </a:lnSpc>
+              <a:spcBef>
+                <a:spcPct val="0"/>
+              </a:spcBef>
+              <a:buNone/>
+              <a:defRPr sz="4400" kern="1200">
+                <a:solidFill>
+                  <a:schemeClr val="tx1"/>
+                </a:solidFill>
+                <a:latin typeface="+mj-lt"/>
+                <a:ea typeface="+mj-ea"/>
+                <a:cs typeface="+mj-cs"/>
+              </a:defRPr>
+            </a:lvl1pPr>
+          </a:lstStyle>
+          <a:p>
+            <a:r>
+              <a:rPr lang="ko-KR" altLang="en-US" dirty="0"/>
+              <a:t>준비 </a:t>
+            </a:r>
+            <a:r>
+              <a:rPr lang="en-US" altLang="ko-KR" dirty="0"/>
+              <a:t>– 6. </a:t>
+            </a:r>
+            <a:r>
+              <a:rPr lang="ko-KR" altLang="en-US" dirty="0"/>
+              <a:t>거리 차트</a:t>
+            </a:r>
+          </a:p>
+        </p:txBody>
+      </p:sp>
+      <p:pic>
+        <p:nvPicPr>
+          <p:cNvPr id="3" name="그림 2" descr="텍스트, 스크린샷, 폰트, 도표이(가) 표시된 사진&#10;&#10;자동 생성된 설명">
+            <a:extLst>
+              <a:ext uri="{FF2B5EF4-FFF2-40B4-BE49-F238E27FC236}">
+                <a16:creationId xmlns:a16="http://schemas.microsoft.com/office/drawing/2014/main" id="{8A499FBE-3E98-2E7B-F849-52004A5935AA}"/>
+              </a:ext>
+            </a:extLst>
+          </p:cNvPr>
+          <p:cNvPicPr>
+            <a:picLocks noChangeAspect="1"/>
+          </p:cNvPicPr>
+          <p:nvPr/>
+        </p:nvPicPr>
+        <p:blipFill>
+          <a:blip r:embed="rId2">
+            <a:extLst>
+              <a:ext uri="{28A0092B-C50C-407E-A947-70E740481C1C}">
+                <a14:useLocalDpi xmlns:a14="http://schemas.microsoft.com/office/drawing/2010/main" val="0"/>
+              </a:ext>
+            </a:extLst>
+          </a:blip>
+          <a:stretch>
+            <a:fillRect/>
+          </a:stretch>
+        </p:blipFill>
+        <p:spPr>
+          <a:xfrm>
+            <a:off x="2471737" y="1900237"/>
+            <a:ext cx="7248525" cy="3057525"/>
+          </a:xfrm>
+          <a:prstGeom prst="rect">
+            <a:avLst/>
+          </a:prstGeom>
+        </p:spPr>
+      </p:pic>
+    </p:spTree>
+    <p:extLst>
+      <p:ext uri="{BB962C8B-B14F-4D97-AF65-F5344CB8AC3E}">
+        <p14:creationId xmlns:p14="http://schemas.microsoft.com/office/powerpoint/2010/main" val="947227579"/>
+      </p:ext>
+    </p:extLst>
+  </p:cSld>
+  <p:clrMapOvr>
+    <a:masterClrMapping/>
+  </p:clrMapOvr>
+</p:sld>
+</file>
+
+<file path=ppt/slides/slide35.xml><?xml version="1.0" encoding="utf-8"?>
+<p:sld xmlns:a="http://schemas.openxmlformats.org/drawingml/2006/main" xmlns:r="http://schemas.openxmlformats.org/officeDocument/2006/relationships" xmlns:p="http://schemas.openxmlformats.org/presentationml/2006/main">
+  <p:cSld>
+    <p:spTree>
+      <p:nvGrpSpPr>
+        <p:cNvPr id="1" name="">
+          <a:extLst>
+            <a:ext uri="{FF2B5EF4-FFF2-40B4-BE49-F238E27FC236}">
+              <a16:creationId xmlns:a16="http://schemas.microsoft.com/office/drawing/2014/main" id="{282F166C-3178-6AEA-D9A6-CB56CEE2D082}"/>
+            </a:ext>
+          </a:extLst>
+        </p:cNvPr>
+        <p:cNvGrpSpPr/>
+        <p:nvPr/>
+      </p:nvGrpSpPr>
+      <p:grpSpPr>
+        <a:xfrm>
+          <a:off x="0" y="0"/>
+          <a:ext cx="0" cy="0"/>
+          <a:chOff x="0" y="0"/>
+          <a:chExt cx="0" cy="0"/>
+        </a:xfrm>
+      </p:grpSpPr>
+      <p:sp>
+        <p:nvSpPr>
+          <p:cNvPr id="7" name="제목 1">
+            <a:extLst>
+              <a:ext uri="{FF2B5EF4-FFF2-40B4-BE49-F238E27FC236}">
+                <a16:creationId xmlns:a16="http://schemas.microsoft.com/office/drawing/2014/main" id="{8832117A-46B4-742D-5EE3-D47544485273}"/>
+              </a:ext>
+            </a:extLst>
+          </p:cNvPr>
+          <p:cNvSpPr txBox="1">
+            <a:spLocks/>
+          </p:cNvSpPr>
+          <p:nvPr/>
+        </p:nvSpPr>
+        <p:spPr>
+          <a:xfrm>
+            <a:off x="695325" y="292100"/>
+            <a:ext cx="10801350" cy="861695"/>
+          </a:xfrm>
+          <a:prstGeom prst="rect">
+            <a:avLst/>
+          </a:prstGeom>
+        </p:spPr>
+        <p:txBody>
+          <a:bodyPr vert="horz" lIns="91440" tIns="45720" rIns="91440" bIns="45720" rtlCol="0" anchor="ctr">
+            <a:normAutofit/>
+          </a:bodyPr>
+          <a:lstStyle>
+            <a:lvl1pPr algn="l" defTabSz="914400" rtl="0" eaLnBrk="1" latinLnBrk="1" hangingPunct="1">
+              <a:lnSpc>
+                <a:spcPct val="90000"/>
+              </a:lnSpc>
+              <a:spcBef>
+                <a:spcPct val="0"/>
+              </a:spcBef>
+              <a:buNone/>
+              <a:defRPr sz="4400" kern="1200">
+                <a:solidFill>
+                  <a:schemeClr val="tx1"/>
+                </a:solidFill>
+                <a:latin typeface="+mj-lt"/>
+                <a:ea typeface="+mj-ea"/>
+                <a:cs typeface="+mj-cs"/>
+              </a:defRPr>
+            </a:lvl1pPr>
+          </a:lstStyle>
+          <a:p>
+            <a:r>
+              <a:rPr lang="ko-KR" altLang="en-US" dirty="0"/>
+              <a:t>발동 </a:t>
+            </a:r>
+            <a:r>
+              <a:rPr lang="en-US" altLang="ko-KR" dirty="0"/>
+              <a:t>– 7. </a:t>
+            </a:r>
+            <a:r>
+              <a:rPr lang="ko-KR" altLang="en-US" dirty="0"/>
+              <a:t>장애물</a:t>
+            </a:r>
+          </a:p>
+        </p:txBody>
+      </p:sp>
+      <p:graphicFrame>
+        <p:nvGraphicFramePr>
+          <p:cNvPr id="2" name="표 1">
+            <a:extLst>
+              <a:ext uri="{FF2B5EF4-FFF2-40B4-BE49-F238E27FC236}">
+                <a16:creationId xmlns:a16="http://schemas.microsoft.com/office/drawing/2014/main" id="{74AABB7A-265F-3733-3283-36684A768CDC}"/>
+              </a:ext>
+            </a:extLst>
+          </p:cNvPr>
+          <p:cNvGraphicFramePr>
+            <a:graphicFrameLocks noGrp="1"/>
+          </p:cNvGraphicFramePr>
+          <p:nvPr>
+            <p:extLst>
+              <p:ext uri="{D42A27DB-BD31-4B8C-83A1-F6EECF244321}">
+                <p14:modId xmlns:p14="http://schemas.microsoft.com/office/powerpoint/2010/main" val="1999736585"/>
+              </p:ext>
+            </p:extLst>
+          </p:nvPr>
+        </p:nvGraphicFramePr>
+        <p:xfrm>
+          <a:off x="1416050" y="2009775"/>
+          <a:ext cx="9401493" cy="3962400"/>
+        </p:xfrm>
+        <a:graphic>
+          <a:graphicData uri="http://schemas.openxmlformats.org/drawingml/2006/table">
+            <a:tbl>
+              <a:tblPr firstRow="1" bandRow="1">
+                <a:tableStyleId>{5C22544A-7EE6-4342-B048-85BDC9FD1C3A}</a:tableStyleId>
+              </a:tblPr>
+              <a:tblGrid>
+                <a:gridCol w="9401493">
+                  <a:extLst>
+                    <a:ext uri="{9D8B030D-6E8A-4147-A177-3AD203B41FA5}">
+                      <a16:colId xmlns:a16="http://schemas.microsoft.com/office/drawing/2014/main" val="3852552135"/>
+                    </a:ext>
+                  </a:extLst>
+                </a:gridCol>
+              </a:tblGrid>
+              <a:tr h="0">
+                <a:tc>
+                  <a:txBody>
+                    <a:bodyPr/>
+                    <a:lstStyle/>
+                    <a:p>
+                      <a:pPr algn="l" latinLnBrk="1"/>
+                      <a:r>
+                        <a:rPr lang="ko-KR" altLang="en-US" sz="1400" b="0" dirty="0">
+                          <a:solidFill>
+                            <a:schemeClr val="tx1"/>
+                          </a:solidFill>
+                        </a:rPr>
+                        <a:t>사용 방법</a:t>
+                      </a:r>
+                    </a:p>
+                  </a:txBody>
+                  <a:tcPr>
+                    <a:lnL w="12700" cmpd="sng">
+                      <a:noFill/>
+                    </a:lnL>
+                    <a:lnR w="12700" cmpd="sng">
+                      <a:noFill/>
+                    </a:lnR>
+                    <a:lnT w="12700" cmpd="sng">
+                      <a:noFill/>
+                    </a:lnT>
+                    <a:lnB w="12700" cap="flat" cmpd="sng" algn="ctr">
+                      <a:solidFill>
+                        <a:schemeClr val="tx1"/>
+                      </a:solidFill>
+                      <a:prstDash val="solid"/>
+                      <a:round/>
+                      <a:headEnd type="none" w="med" len="med"/>
+                      <a:tailEnd type="none" w="med" len="med"/>
+                    </a:lnB>
+                    <a:lnTlToBr w="12700" cmpd="sng">
+                      <a:noFill/>
+                      <a:prstDash val="solid"/>
+                    </a:lnTlToBr>
+                    <a:lnBlToTr w="12700" cmpd="sng">
+                      <a:noFill/>
+                      <a:prstDash val="solid"/>
+                    </a:lnBlToTr>
+                    <a:solidFill>
+                      <a:schemeClr val="bg1">
+                        <a:lumMod val="95000"/>
+                      </a:schemeClr>
+                    </a:solidFill>
+                  </a:tcPr>
+                </a:tc>
+                <a:extLst>
+                  <a:ext uri="{0D108BD9-81ED-4DB2-BD59-A6C34878D82A}">
+                    <a16:rowId xmlns:a16="http://schemas.microsoft.com/office/drawing/2014/main" val="4129766453"/>
+                  </a:ext>
+                </a:extLst>
+              </a:tr>
+              <a:tr h="0">
+                <a:tc>
+                  <a:txBody>
+                    <a:bodyPr/>
+                    <a:lstStyle/>
+                    <a:p>
+                      <a:pPr algn="l" latinLnBrk="1"/>
+                      <a:r>
+                        <a:rPr lang="ko-KR" altLang="en-US" sz="1400" b="0" dirty="0">
+                          <a:solidFill>
+                            <a:schemeClr val="tx1"/>
+                          </a:solidFill>
+                        </a:rPr>
+                        <a:t>스킬을 사용하는 캐릭터와 스킬의 발동 대상과의 사이에 장애물에 따른 처리를 하는 단계이다</a:t>
+                      </a:r>
+                      <a:r>
+                        <a:rPr lang="en-US" altLang="ko-KR" sz="1400" b="0" dirty="0">
+                          <a:solidFill>
+                            <a:schemeClr val="tx1"/>
+                          </a:solidFill>
+                        </a:rPr>
+                        <a:t>.</a:t>
+                      </a:r>
+                    </a:p>
+                    <a:p>
+                      <a:pPr algn="l" latinLnBrk="1"/>
+                      <a:r>
+                        <a:rPr lang="ko-KR" altLang="en-US" sz="1400" b="0" dirty="0">
+                          <a:solidFill>
+                            <a:schemeClr val="tx1"/>
+                          </a:solidFill>
+                        </a:rPr>
+                        <a:t>스킬을 사용하는 캐릭터가 발동 대상을 봤을 때 장애물이 완전히 </a:t>
+                      </a:r>
+                      <a:r>
+                        <a:rPr lang="en-US" altLang="ko-KR" sz="1400" b="0" dirty="0">
+                          <a:solidFill>
+                            <a:schemeClr val="tx1"/>
+                          </a:solidFill>
+                        </a:rPr>
+                        <a:t>‘</a:t>
+                      </a:r>
+                      <a:r>
+                        <a:rPr lang="ko-KR" altLang="en-US" sz="1400" b="0" dirty="0">
+                          <a:solidFill>
+                            <a:schemeClr val="tx1"/>
+                          </a:solidFill>
+                        </a:rPr>
+                        <a:t>가리는 경우</a:t>
+                      </a:r>
+                      <a:r>
+                        <a:rPr lang="en-US" altLang="ko-KR" sz="1400" b="0" dirty="0">
+                          <a:solidFill>
+                            <a:schemeClr val="tx1"/>
+                          </a:solidFill>
+                        </a:rPr>
+                        <a:t>’</a:t>
+                      </a:r>
+                      <a:r>
+                        <a:rPr lang="ko-KR" altLang="en-US" sz="1400" b="0" dirty="0">
+                          <a:solidFill>
+                            <a:schemeClr val="tx1"/>
+                          </a:solidFill>
+                        </a:rPr>
+                        <a:t>와 </a:t>
+                      </a:r>
+                      <a:r>
+                        <a:rPr lang="en-US" altLang="ko-KR" sz="1400" b="0" dirty="0">
+                          <a:solidFill>
+                            <a:schemeClr val="tx1"/>
+                          </a:solidFill>
+                        </a:rPr>
+                        <a:t>‘</a:t>
+                      </a:r>
+                      <a:r>
+                        <a:rPr lang="ko-KR" altLang="en-US" sz="1400" b="0" dirty="0">
+                          <a:solidFill>
+                            <a:schemeClr val="tx1"/>
+                          </a:solidFill>
+                        </a:rPr>
+                        <a:t>가리지 않는 경우</a:t>
+                      </a:r>
+                      <a:r>
+                        <a:rPr lang="en-US" altLang="ko-KR" sz="1400" b="0" dirty="0">
+                          <a:solidFill>
+                            <a:schemeClr val="tx1"/>
+                          </a:solidFill>
+                        </a:rPr>
+                        <a:t>’</a:t>
+                      </a:r>
+                      <a:r>
+                        <a:rPr lang="ko-KR" altLang="en-US" sz="1400" b="0" dirty="0">
+                          <a:solidFill>
+                            <a:schemeClr val="tx1"/>
+                          </a:solidFill>
+                        </a:rPr>
+                        <a:t>에 따른 처리와 </a:t>
+                      </a:r>
+                      <a:endParaRPr lang="en-US" altLang="ko-KR" sz="1400" b="0" dirty="0">
+                        <a:solidFill>
+                          <a:schemeClr val="tx1"/>
+                        </a:solidFill>
+                      </a:endParaRPr>
+                    </a:p>
+                    <a:p>
+                      <a:pPr algn="l" latinLnBrk="1"/>
+                      <a:r>
+                        <a:rPr lang="ko-KR" altLang="en-US" sz="1400" b="0" dirty="0">
+                          <a:solidFill>
+                            <a:schemeClr val="tx1"/>
+                          </a:solidFill>
+                        </a:rPr>
+                        <a:t>발동 대상의 </a:t>
+                      </a:r>
+                      <a:r>
+                        <a:rPr lang="en-US" altLang="ko-KR" sz="1400" b="0" dirty="0">
+                          <a:solidFill>
+                            <a:schemeClr val="tx1"/>
+                          </a:solidFill>
+                        </a:rPr>
+                        <a:t>‘</a:t>
+                      </a:r>
+                      <a:r>
+                        <a:rPr lang="ko-KR" altLang="en-US" sz="1400" b="0" dirty="0">
+                          <a:solidFill>
+                            <a:schemeClr val="tx1"/>
+                          </a:solidFill>
+                        </a:rPr>
+                        <a:t>타겟</a:t>
+                      </a:r>
+                      <a:r>
+                        <a:rPr lang="en-US" altLang="ko-KR" sz="1400" b="0" dirty="0">
+                          <a:solidFill>
+                            <a:schemeClr val="tx1"/>
+                          </a:solidFill>
+                        </a:rPr>
+                        <a:t>’, ‘</a:t>
+                      </a:r>
+                      <a:r>
+                        <a:rPr lang="ko-KR" altLang="en-US" sz="1400" b="0" dirty="0">
+                          <a:solidFill>
+                            <a:schemeClr val="tx1"/>
+                          </a:solidFill>
+                        </a:rPr>
+                        <a:t>논 타겟</a:t>
+                      </a:r>
+                      <a:r>
+                        <a:rPr lang="en-US" altLang="ko-KR" sz="1400" b="0" dirty="0">
+                          <a:solidFill>
+                            <a:schemeClr val="tx1"/>
+                          </a:solidFill>
+                        </a:rPr>
+                        <a:t>’</a:t>
+                      </a:r>
+                      <a:r>
+                        <a:rPr lang="ko-KR" altLang="en-US" sz="1400" b="0" dirty="0">
+                          <a:solidFill>
+                            <a:schemeClr val="tx1"/>
+                          </a:solidFill>
+                        </a:rPr>
+                        <a:t>에 따라서 처리가 다르다</a:t>
+                      </a:r>
+                      <a:r>
+                        <a:rPr lang="en-US" altLang="ko-KR" sz="1400" b="0" dirty="0">
+                          <a:solidFill>
+                            <a:schemeClr val="tx1"/>
+                          </a:solidFill>
+                        </a:rPr>
+                        <a:t>.</a:t>
+                      </a:r>
+                    </a:p>
+                  </a:txBody>
+                  <a:tcPr>
+                    <a:lnL w="12700" cmpd="sng">
+                      <a:noFill/>
+                    </a:lnL>
+                    <a:lnR w="12700" cmpd="sng">
+                      <a:noFill/>
+                    </a:lnR>
+                    <a:lnT w="12700" cap="flat" cmpd="sng" algn="ctr">
+                      <a:solidFill>
+                        <a:schemeClr val="tx1"/>
+                      </a:solidFill>
+                      <a:prstDash val="solid"/>
+                      <a:round/>
+                      <a:headEnd type="none" w="med" len="med"/>
+                      <a:tailEnd type="none" w="med" len="med"/>
+                    </a:lnT>
+                    <a:lnB w="12700" cap="flat" cmpd="sng" algn="ctr">
+                      <a:noFill/>
+                      <a:prstDash val="solid"/>
+                      <a:round/>
+                      <a:headEnd type="none" w="med" len="med"/>
+                      <a:tailEnd type="none" w="med" len="med"/>
+                    </a:lnB>
+                    <a:lnTlToBr w="12700" cmpd="sng">
+                      <a:noFill/>
+                      <a:prstDash val="solid"/>
+                    </a:lnTlToBr>
+                    <a:lnBlToTr w="12700" cmpd="sng">
+                      <a:noFill/>
+                      <a:prstDash val="solid"/>
+                    </a:lnBlToTr>
+                    <a:noFill/>
+                  </a:tcPr>
+                </a:tc>
+                <a:extLst>
+                  <a:ext uri="{0D108BD9-81ED-4DB2-BD59-A6C34878D82A}">
+                    <a16:rowId xmlns:a16="http://schemas.microsoft.com/office/drawing/2014/main" val="3386730004"/>
+                  </a:ext>
+                </a:extLst>
+              </a:tr>
+              <a:tr h="0">
+                <a:tc>
+                  <a:txBody>
+                    <a:bodyPr/>
+                    <a:lstStyle/>
+                    <a:p>
+                      <a:pPr algn="l" latinLnBrk="1"/>
+                      <a:endParaRPr lang="en-US" altLang="ko-KR" sz="1400" b="0" dirty="0">
+                        <a:solidFill>
+                          <a:schemeClr val="tx1"/>
+                        </a:solidFill>
+                      </a:endParaRPr>
+                    </a:p>
+                  </a:txBody>
+                  <a:tcPr>
+                    <a:lnL w="12700" cmpd="sng">
+                      <a:noFill/>
+                    </a:lnL>
+                    <a:lnR w="12700" cmpd="sng">
+                      <a:noFill/>
+                    </a:lnR>
+                    <a:lnT w="12700" cap="flat" cmpd="sng" algn="ctr">
+                      <a:noFill/>
+                      <a:prstDash val="solid"/>
+                      <a:round/>
+                      <a:headEnd type="none" w="med" len="med"/>
+                      <a:tailEnd type="none" w="med" len="med"/>
+                    </a:lnT>
+                    <a:lnB w="12700" cap="flat" cmpd="sng" algn="ctr">
+                      <a:noFill/>
+                      <a:prstDash val="solid"/>
+                      <a:round/>
+                      <a:headEnd type="none" w="med" len="med"/>
+                      <a:tailEnd type="none" w="med" len="med"/>
+                    </a:lnB>
+                    <a:lnTlToBr w="12700" cmpd="sng">
+                      <a:noFill/>
+                      <a:prstDash val="solid"/>
+                    </a:lnTlToBr>
+                    <a:lnBlToTr w="12700" cmpd="sng">
+                      <a:noFill/>
+                      <a:prstDash val="solid"/>
+                    </a:lnBlToTr>
+                    <a:noFill/>
+                  </a:tcPr>
+                </a:tc>
+                <a:extLst>
+                  <a:ext uri="{0D108BD9-81ED-4DB2-BD59-A6C34878D82A}">
+                    <a16:rowId xmlns:a16="http://schemas.microsoft.com/office/drawing/2014/main" val="1470410232"/>
+                  </a:ext>
+                </a:extLst>
+              </a:tr>
+              <a:tr h="0">
+                <a:tc>
+                  <a:txBody>
+                    <a:bodyPr/>
+                    <a:lstStyle/>
+                    <a:p>
+                      <a:pPr algn="l" latinLnBrk="1"/>
+                      <a:r>
+                        <a:rPr lang="ko-KR" altLang="en-US" sz="1400" b="0" dirty="0">
+                          <a:solidFill>
+                            <a:schemeClr val="tx1"/>
+                          </a:solidFill>
+                        </a:rPr>
+                        <a:t>조작법</a:t>
+                      </a:r>
+                      <a:endParaRPr lang="en-US" altLang="ko-KR" sz="1400" b="0" dirty="0">
+                        <a:solidFill>
+                          <a:schemeClr val="tx1"/>
+                        </a:solidFill>
+                      </a:endParaRPr>
+                    </a:p>
+                  </a:txBody>
+                  <a:tcPr>
+                    <a:lnL w="12700" cmpd="sng">
+                      <a:noFill/>
+                    </a:lnL>
+                    <a:lnR w="12700" cmpd="sng">
+                      <a:noFill/>
+                    </a:lnR>
+                    <a:lnT w="12700" cap="flat" cmpd="sng" algn="ctr">
+                      <a:noFill/>
+                      <a:prstDash val="solid"/>
+                      <a:round/>
+                      <a:headEnd type="none" w="med" len="med"/>
+                      <a:tailEnd type="none" w="med" len="med"/>
+                    </a:lnT>
+                    <a:lnB w="12700" cap="flat" cmpd="sng" algn="ctr">
+                      <a:solidFill>
+                        <a:schemeClr val="tx1"/>
+                      </a:solidFill>
+                      <a:prstDash val="solid"/>
+                      <a:round/>
+                      <a:headEnd type="none" w="med" len="med"/>
+                      <a:tailEnd type="none" w="med" len="med"/>
+                    </a:lnB>
+                    <a:lnTlToBr w="12700" cmpd="sng">
+                      <a:noFill/>
+                      <a:prstDash val="solid"/>
+                    </a:lnTlToBr>
+                    <a:lnBlToTr w="12700" cmpd="sng">
+                      <a:noFill/>
+                      <a:prstDash val="solid"/>
+                    </a:lnBlToTr>
+                    <a:solidFill>
+                      <a:schemeClr val="bg1">
+                        <a:lumMod val="95000"/>
+                      </a:schemeClr>
+                    </a:solidFill>
+                  </a:tcPr>
+                </a:tc>
+                <a:extLst>
+                  <a:ext uri="{0D108BD9-81ED-4DB2-BD59-A6C34878D82A}">
+                    <a16:rowId xmlns:a16="http://schemas.microsoft.com/office/drawing/2014/main" val="4103515606"/>
+                  </a:ext>
+                </a:extLst>
+              </a:tr>
+              <a:tr h="246289">
+                <a:tc>
+                  <a:txBody>
+                    <a:bodyPr/>
+                    <a:lstStyle/>
+                    <a:p>
+                      <a:pPr marL="742950" lvl="1" indent="-285750" algn="l" latinLnBrk="1">
+                        <a:buFont typeface="Arial" panose="020B0604020202020204" pitchFamily="34" charset="0"/>
+                        <a:buChar char="•"/>
+                      </a:pPr>
+                      <a:r>
+                        <a:rPr lang="en-US" altLang="ko-KR" sz="1400" b="0" dirty="0">
+                          <a:solidFill>
+                            <a:schemeClr val="tx1"/>
+                          </a:solidFill>
+                        </a:rPr>
+                        <a:t>‘</a:t>
+                      </a:r>
+                      <a:r>
+                        <a:rPr lang="ko-KR" altLang="en-US" sz="1400" b="0" dirty="0">
+                          <a:solidFill>
+                            <a:schemeClr val="tx1"/>
+                          </a:solidFill>
+                        </a:rPr>
+                        <a:t>가리는 경우</a:t>
+                      </a:r>
+                      <a:r>
+                        <a:rPr lang="en-US" altLang="ko-KR" sz="1400" b="0" dirty="0">
+                          <a:solidFill>
+                            <a:schemeClr val="tx1"/>
+                          </a:solidFill>
+                        </a:rPr>
+                        <a:t>’</a:t>
+                      </a:r>
+                    </a:p>
+                    <a:p>
+                      <a:pPr marL="1200150" lvl="2" indent="-285750" algn="l" latinLnBrk="1">
+                        <a:buFont typeface="Wingdings" panose="05000000000000000000" pitchFamily="2" charset="2"/>
+                        <a:buChar char="§"/>
+                      </a:pPr>
+                      <a:r>
+                        <a:rPr lang="en-US" altLang="ko-KR" sz="1400" b="0" dirty="0">
+                          <a:solidFill>
+                            <a:schemeClr val="tx1"/>
+                          </a:solidFill>
+                        </a:rPr>
+                        <a:t>‘</a:t>
+                      </a:r>
+                      <a:r>
+                        <a:rPr lang="ko-KR" altLang="en-US" sz="1400" b="0" dirty="0">
+                          <a:solidFill>
+                            <a:schemeClr val="tx1"/>
+                          </a:solidFill>
+                        </a:rPr>
+                        <a:t>타겟</a:t>
+                      </a:r>
+                      <a:r>
+                        <a:rPr lang="en-US" altLang="ko-KR" sz="1400" b="0" dirty="0">
+                          <a:solidFill>
+                            <a:schemeClr val="tx1"/>
+                          </a:solidFill>
+                        </a:rPr>
+                        <a:t>’</a:t>
+                      </a:r>
+                    </a:p>
+                    <a:p>
+                      <a:pPr marL="1371600" lvl="3" indent="0" algn="l" latinLnBrk="1">
+                        <a:buFont typeface="Wingdings" panose="05000000000000000000" pitchFamily="2" charset="2"/>
+                        <a:buNone/>
+                      </a:pPr>
+                      <a:r>
+                        <a:rPr lang="ko-KR" altLang="en-US" sz="1400" b="0" dirty="0">
+                          <a:solidFill>
+                            <a:schemeClr val="tx1"/>
+                          </a:solidFill>
+                        </a:rPr>
+                        <a:t>스킬을 사용하지 않는다</a:t>
+                      </a:r>
+                      <a:r>
+                        <a:rPr lang="en-US" altLang="ko-KR" sz="1400" b="0" dirty="0">
+                          <a:solidFill>
+                            <a:schemeClr val="tx1"/>
+                          </a:solidFill>
+                        </a:rPr>
+                        <a:t>.</a:t>
+                      </a:r>
+                    </a:p>
+                    <a:p>
+                      <a:pPr marL="1200150" lvl="2" indent="-285750" algn="l" latinLnBrk="1">
+                        <a:buFont typeface="Wingdings" panose="05000000000000000000" pitchFamily="2" charset="2"/>
+                        <a:buChar char="§"/>
+                      </a:pPr>
+                      <a:r>
+                        <a:rPr lang="en-US" altLang="ko-KR" sz="1400" b="0" dirty="0">
+                          <a:solidFill>
+                            <a:schemeClr val="tx1"/>
+                          </a:solidFill>
+                        </a:rPr>
+                        <a:t>‘</a:t>
+                      </a:r>
+                      <a:r>
+                        <a:rPr lang="ko-KR" altLang="en-US" sz="1400" b="0" dirty="0">
+                          <a:solidFill>
+                            <a:schemeClr val="tx1"/>
+                          </a:solidFill>
+                        </a:rPr>
+                        <a:t>논 타겟</a:t>
+                      </a:r>
+                      <a:r>
+                        <a:rPr lang="en-US" altLang="ko-KR" sz="1400" b="0" dirty="0">
+                          <a:solidFill>
+                            <a:schemeClr val="tx1"/>
+                          </a:solidFill>
+                        </a:rPr>
+                        <a:t>’</a:t>
+                      </a:r>
+                    </a:p>
+                    <a:p>
+                      <a:pPr marL="1371600" lvl="3" indent="0" algn="l" latinLnBrk="1">
+                        <a:buFont typeface="Arial" panose="020B0604020202020204" pitchFamily="34" charset="0"/>
+                        <a:buNone/>
+                      </a:pPr>
+                      <a:r>
+                        <a:rPr lang="ko-KR" altLang="en-US" sz="1400" b="0" dirty="0">
+                          <a:solidFill>
+                            <a:schemeClr val="tx1"/>
+                          </a:solidFill>
+                        </a:rPr>
+                        <a:t>스킬이 사용된다</a:t>
+                      </a:r>
+                      <a:r>
+                        <a:rPr lang="en-US" altLang="ko-KR" sz="1400" b="0" dirty="0">
+                          <a:solidFill>
+                            <a:schemeClr val="tx1"/>
+                          </a:solidFill>
+                        </a:rPr>
+                        <a:t>.</a:t>
+                      </a:r>
+                    </a:p>
+                  </a:txBody>
+                  <a:tcPr>
+                    <a:lnL w="12700" cmpd="sng">
+                      <a:noFill/>
+                    </a:lnL>
+                    <a:lnR w="12700" cmpd="sng">
+                      <a:noFill/>
+                    </a:lnR>
+                    <a:lnT w="12700" cap="flat" cmpd="sng" algn="ctr">
+                      <a:solidFill>
+                        <a:schemeClr val="tx1"/>
+                      </a:solidFill>
+                      <a:prstDash val="solid"/>
+                      <a:round/>
+                      <a:headEnd type="none" w="med" len="med"/>
+                      <a:tailEnd type="none" w="med" len="med"/>
+                    </a:lnT>
+                    <a:lnB w="12700" cap="flat" cmpd="sng" algn="ctr">
+                      <a:noFill/>
+                      <a:prstDash val="solid"/>
+                      <a:round/>
+                      <a:headEnd type="none" w="med" len="med"/>
+                      <a:tailEnd type="none" w="med" len="med"/>
+                    </a:lnB>
+                    <a:lnTlToBr w="12700" cmpd="sng">
+                      <a:noFill/>
+                      <a:prstDash val="solid"/>
+                    </a:lnTlToBr>
+                    <a:lnBlToTr w="12700" cmpd="sng">
+                      <a:noFill/>
+                      <a:prstDash val="solid"/>
+                    </a:lnBlToTr>
+                    <a:noFill/>
+                  </a:tcPr>
+                </a:tc>
+                <a:extLst>
+                  <a:ext uri="{0D108BD9-81ED-4DB2-BD59-A6C34878D82A}">
+                    <a16:rowId xmlns:a16="http://schemas.microsoft.com/office/drawing/2014/main" val="1458965696"/>
+                  </a:ext>
+                </a:extLst>
+              </a:tr>
+              <a:tr h="246289">
+                <a:tc>
+                  <a:txBody>
+                    <a:bodyPr/>
+                    <a:lstStyle/>
+                    <a:p>
+                      <a:pPr marL="742950" lvl="1" indent="-285750" algn="l" latinLnBrk="1">
+                        <a:buFont typeface="Arial" panose="020B0604020202020204" pitchFamily="34" charset="0"/>
+                        <a:buChar char="•"/>
+                      </a:pPr>
+                      <a:r>
+                        <a:rPr lang="en-US" altLang="ko-KR" sz="1400" b="0" dirty="0">
+                          <a:solidFill>
+                            <a:schemeClr val="tx1"/>
+                          </a:solidFill>
+                        </a:rPr>
+                        <a:t>‘</a:t>
+                      </a:r>
+                      <a:r>
+                        <a:rPr lang="ko-KR" altLang="en-US" sz="1400" b="0" dirty="0">
+                          <a:solidFill>
+                            <a:schemeClr val="tx1"/>
+                          </a:solidFill>
+                        </a:rPr>
+                        <a:t>가리지 않는 경우</a:t>
+                      </a:r>
+                      <a:r>
+                        <a:rPr lang="en-US" altLang="ko-KR" sz="1400" b="0" dirty="0">
+                          <a:solidFill>
+                            <a:schemeClr val="tx1"/>
+                          </a:solidFill>
+                        </a:rPr>
+                        <a:t>‘</a:t>
+                      </a:r>
+                    </a:p>
+                    <a:p>
+                      <a:pPr marL="1200150" lvl="2" indent="-285750" algn="l" latinLnBrk="1">
+                        <a:buFont typeface="Wingdings" panose="05000000000000000000" pitchFamily="2" charset="2"/>
+                        <a:buChar char="§"/>
+                      </a:pPr>
+                      <a:r>
+                        <a:rPr lang="en-US" altLang="ko-KR" sz="1400" b="0" dirty="0">
+                          <a:solidFill>
+                            <a:schemeClr val="tx1"/>
+                          </a:solidFill>
+                        </a:rPr>
+                        <a:t>‘</a:t>
+                      </a:r>
+                      <a:r>
+                        <a:rPr lang="ko-KR" altLang="en-US" sz="1400" b="0" dirty="0">
+                          <a:solidFill>
+                            <a:schemeClr val="tx1"/>
+                          </a:solidFill>
+                        </a:rPr>
+                        <a:t>타겟</a:t>
+                      </a:r>
+                      <a:r>
+                        <a:rPr lang="en-US" altLang="ko-KR" sz="1400" b="0" dirty="0">
+                          <a:solidFill>
+                            <a:schemeClr val="tx1"/>
+                          </a:solidFill>
+                        </a:rPr>
+                        <a:t>’</a:t>
+                      </a:r>
+                    </a:p>
+                    <a:p>
+                      <a:pPr marL="1371600" lvl="3" indent="0" algn="l" latinLnBrk="1">
+                        <a:buFont typeface="Wingdings" panose="05000000000000000000" pitchFamily="2" charset="2"/>
+                        <a:buNone/>
+                      </a:pPr>
+                      <a:r>
+                        <a:rPr lang="ko-KR" altLang="en-US" sz="1400" b="0" dirty="0">
+                          <a:solidFill>
+                            <a:schemeClr val="tx1"/>
+                          </a:solidFill>
+                        </a:rPr>
+                        <a:t>장애물을 피해서 이동한다</a:t>
+                      </a:r>
+                      <a:r>
+                        <a:rPr lang="en-US" altLang="ko-KR" sz="1400" b="0" dirty="0">
+                          <a:solidFill>
+                            <a:schemeClr val="tx1"/>
+                          </a:solidFill>
+                        </a:rPr>
+                        <a:t>.</a:t>
+                      </a:r>
+                    </a:p>
+                    <a:p>
+                      <a:pPr marL="1200150" lvl="2" indent="-285750" algn="l" latinLnBrk="1">
+                        <a:buFont typeface="Wingdings" panose="05000000000000000000" pitchFamily="2" charset="2"/>
+                        <a:buChar char="§"/>
+                      </a:pPr>
+                      <a:r>
+                        <a:rPr lang="en-US" altLang="ko-KR" sz="1400" b="0" dirty="0">
+                          <a:solidFill>
+                            <a:schemeClr val="tx1"/>
+                          </a:solidFill>
+                        </a:rPr>
+                        <a:t>‘</a:t>
+                      </a:r>
+                      <a:r>
+                        <a:rPr lang="ko-KR" altLang="en-US" sz="1400" b="0" dirty="0">
+                          <a:solidFill>
+                            <a:schemeClr val="tx1"/>
+                          </a:solidFill>
+                        </a:rPr>
+                        <a:t>논 타겟</a:t>
+                      </a:r>
+                      <a:r>
+                        <a:rPr lang="en-US" altLang="ko-KR" sz="1400" b="0" dirty="0">
+                          <a:solidFill>
+                            <a:schemeClr val="tx1"/>
+                          </a:solidFill>
+                        </a:rPr>
+                        <a:t>’</a:t>
+                      </a:r>
+                    </a:p>
+                    <a:p>
+                      <a:pPr marL="1371600" lvl="3" indent="0" algn="l" latinLnBrk="1">
+                        <a:buFont typeface="Arial" panose="020B0604020202020204" pitchFamily="34" charset="0"/>
+                        <a:buNone/>
+                      </a:pPr>
+                      <a:r>
+                        <a:rPr lang="ko-KR" altLang="en-US" sz="1400" b="0" dirty="0">
+                          <a:solidFill>
+                            <a:schemeClr val="tx1"/>
+                          </a:solidFill>
+                        </a:rPr>
+                        <a:t>스킬이 사용된다</a:t>
+                      </a:r>
+                      <a:r>
+                        <a:rPr lang="en-US" altLang="ko-KR" sz="1400" b="0" dirty="0">
+                          <a:solidFill>
+                            <a:schemeClr val="tx1"/>
+                          </a:solidFill>
+                        </a:rPr>
+                        <a:t>.</a:t>
+                      </a:r>
+                    </a:p>
+                  </a:txBody>
+                  <a:tcPr>
+                    <a:lnL w="12700" cmpd="sng">
+                      <a:noFill/>
+                    </a:lnL>
+                    <a:lnR w="12700" cmpd="sng">
+                      <a:noFill/>
+                    </a:lnR>
+                    <a:lnT w="12700" cap="flat" cmpd="sng" algn="ctr">
+                      <a:noFill/>
+                      <a:prstDash val="solid"/>
+                      <a:round/>
+                      <a:headEnd type="none" w="med" len="med"/>
+                      <a:tailEnd type="none" w="med" len="med"/>
+                    </a:lnT>
+                    <a:lnB w="12700" cap="flat" cmpd="sng" algn="ctr">
+                      <a:noFill/>
+                      <a:prstDash val="solid"/>
+                      <a:round/>
+                      <a:headEnd type="none" w="med" len="med"/>
+                      <a:tailEnd type="none" w="med" len="med"/>
+                    </a:lnB>
+                    <a:lnTlToBr w="12700" cmpd="sng">
+                      <a:noFill/>
+                      <a:prstDash val="solid"/>
+                    </a:lnTlToBr>
+                    <a:lnBlToTr w="12700" cmpd="sng">
+                      <a:noFill/>
+                      <a:prstDash val="solid"/>
+                    </a:lnBlToTr>
+                    <a:noFill/>
+                  </a:tcPr>
+                </a:tc>
+                <a:extLst>
+                  <a:ext uri="{0D108BD9-81ED-4DB2-BD59-A6C34878D82A}">
+                    <a16:rowId xmlns:a16="http://schemas.microsoft.com/office/drawing/2014/main" val="2418085743"/>
+                  </a:ext>
+                </a:extLst>
+              </a:tr>
+            </a:tbl>
+          </a:graphicData>
+        </a:graphic>
+      </p:graphicFrame>
+    </p:spTree>
+    <p:extLst>
+      <p:ext uri="{BB962C8B-B14F-4D97-AF65-F5344CB8AC3E}">
+        <p14:creationId xmlns:p14="http://schemas.microsoft.com/office/powerpoint/2010/main" val="2555180522"/>
+      </p:ext>
+    </p:extLst>
+  </p:cSld>
+  <p:clrMapOvr>
+    <a:masterClrMapping/>
+  </p:clrMapOvr>
+</p:sld>
+</file>
+
+<file path=ppt/slides/slide36.xml><?xml version="1.0" encoding="utf-8"?>
+<p:sld xmlns:a="http://schemas.openxmlformats.org/drawingml/2006/main" xmlns:r="http://schemas.openxmlformats.org/officeDocument/2006/relationships" xmlns:p="http://schemas.openxmlformats.org/presentationml/2006/main">
+  <p:cSld>
+    <p:spTree>
+      <p:nvGrpSpPr>
+        <p:cNvPr id="1" name="">
+          <a:extLst>
+            <a:ext uri="{FF2B5EF4-FFF2-40B4-BE49-F238E27FC236}">
+              <a16:creationId xmlns:a16="http://schemas.microsoft.com/office/drawing/2014/main" id="{F0804FAD-2C50-0CBB-35D6-99E3556E38EF}"/>
+            </a:ext>
+          </a:extLst>
+        </p:cNvPr>
+        <p:cNvGrpSpPr/>
+        <p:nvPr/>
+      </p:nvGrpSpPr>
+      <p:grpSpPr>
+        <a:xfrm>
+          <a:off x="0" y="0"/>
+          <a:ext cx="0" cy="0"/>
+          <a:chOff x="0" y="0"/>
+          <a:chExt cx="0" cy="0"/>
+        </a:xfrm>
+      </p:grpSpPr>
+      <p:sp>
+        <p:nvSpPr>
+          <p:cNvPr id="7" name="제목 1">
+            <a:extLst>
+              <a:ext uri="{FF2B5EF4-FFF2-40B4-BE49-F238E27FC236}">
+                <a16:creationId xmlns:a16="http://schemas.microsoft.com/office/drawing/2014/main" id="{CCCBCC7A-9CB9-0F1A-F5FE-E087CA45DB9D}"/>
+              </a:ext>
+            </a:extLst>
+          </p:cNvPr>
+          <p:cNvSpPr txBox="1">
+            <a:spLocks/>
+          </p:cNvSpPr>
+          <p:nvPr/>
+        </p:nvSpPr>
+        <p:spPr>
+          <a:xfrm>
+            <a:off x="695325" y="292100"/>
+            <a:ext cx="10801350" cy="861695"/>
+          </a:xfrm>
+          <a:prstGeom prst="rect">
+            <a:avLst/>
+          </a:prstGeom>
+        </p:spPr>
+        <p:txBody>
+          <a:bodyPr vert="horz" lIns="91440" tIns="45720" rIns="91440" bIns="45720" rtlCol="0" anchor="ctr">
+            <a:normAutofit/>
+          </a:bodyPr>
+          <a:lstStyle>
+            <a:lvl1pPr algn="l" defTabSz="914400" rtl="0" eaLnBrk="1" latinLnBrk="1" hangingPunct="1">
+              <a:lnSpc>
+                <a:spcPct val="90000"/>
+              </a:lnSpc>
+              <a:spcBef>
+                <a:spcPct val="0"/>
+              </a:spcBef>
+              <a:buNone/>
+              <a:defRPr sz="4400" kern="1200">
+                <a:solidFill>
+                  <a:schemeClr val="tx1"/>
+                </a:solidFill>
+                <a:latin typeface="+mj-lt"/>
+                <a:ea typeface="+mj-ea"/>
+                <a:cs typeface="+mj-cs"/>
+              </a:defRPr>
+            </a:lvl1pPr>
+          </a:lstStyle>
+          <a:p>
+            <a:r>
+              <a:rPr lang="ko-KR" altLang="en-US" dirty="0"/>
+              <a:t>발동 </a:t>
+            </a:r>
+            <a:r>
+              <a:rPr lang="en-US" altLang="ko-KR" dirty="0"/>
+              <a:t>– 7. </a:t>
+            </a:r>
+            <a:r>
+              <a:rPr lang="ko-KR" altLang="en-US" dirty="0"/>
+              <a:t>장애물 차트</a:t>
+            </a:r>
+          </a:p>
+        </p:txBody>
+      </p:sp>
+      <p:pic>
+        <p:nvPicPr>
+          <p:cNvPr id="3" name="그림 2" descr="텍스트, 스크린샷, 폰트, 원이(가) 표시된 사진&#10;&#10;자동 생성된 설명">
+            <a:extLst>
+              <a:ext uri="{FF2B5EF4-FFF2-40B4-BE49-F238E27FC236}">
+                <a16:creationId xmlns:a16="http://schemas.microsoft.com/office/drawing/2014/main" id="{7536E508-E79A-3F45-2A79-443042FC9E07}"/>
+              </a:ext>
+            </a:extLst>
+          </p:cNvPr>
+          <p:cNvPicPr>
+            <a:picLocks noChangeAspect="1"/>
+          </p:cNvPicPr>
+          <p:nvPr/>
+        </p:nvPicPr>
+        <p:blipFill>
+          <a:blip r:embed="rId2">
+            <a:extLst>
+              <a:ext uri="{28A0092B-C50C-407E-A947-70E740481C1C}">
+                <a14:useLocalDpi xmlns:a14="http://schemas.microsoft.com/office/drawing/2010/main" val="0"/>
+              </a:ext>
+            </a:extLst>
+          </a:blip>
+          <a:stretch>
+            <a:fillRect/>
+          </a:stretch>
+        </p:blipFill>
+        <p:spPr>
+          <a:xfrm>
+            <a:off x="2471737" y="1222375"/>
+            <a:ext cx="7248525" cy="5343525"/>
+          </a:xfrm>
+          <a:prstGeom prst="rect">
+            <a:avLst/>
+          </a:prstGeom>
+        </p:spPr>
+      </p:pic>
+    </p:spTree>
+    <p:extLst>
+      <p:ext uri="{BB962C8B-B14F-4D97-AF65-F5344CB8AC3E}">
+        <p14:creationId xmlns:p14="http://schemas.microsoft.com/office/powerpoint/2010/main" val="2130726583"/>
+      </p:ext>
+    </p:extLst>
+  </p:cSld>
+  <p:clrMapOvr>
+    <a:masterClrMapping/>
+  </p:clrMapOvr>
+</p:sld>
+</file>
+
+<file path=ppt/slides/slide37.xml><?xml version="1.0" encoding="utf-8"?>
+<p:sld xmlns:a="http://schemas.openxmlformats.org/drawingml/2006/main" xmlns:r="http://schemas.openxmlformats.org/officeDocument/2006/relationships" xmlns:p="http://schemas.openxmlformats.org/presentationml/2006/main">
+  <p:cSld>
+    <p:spTree>
+      <p:nvGrpSpPr>
+        <p:cNvPr id="1" name="">
+          <a:extLst>
+            <a:ext uri="{FF2B5EF4-FFF2-40B4-BE49-F238E27FC236}">
+              <a16:creationId xmlns:a16="http://schemas.microsoft.com/office/drawing/2014/main" id="{B63F5266-2A3E-86E9-A6B9-1080D2BEAF89}"/>
+            </a:ext>
+          </a:extLst>
+        </p:cNvPr>
+        <p:cNvGrpSpPr/>
+        <p:nvPr/>
+      </p:nvGrpSpPr>
+      <p:grpSpPr>
+        <a:xfrm>
+          <a:off x="0" y="0"/>
+          <a:ext cx="0" cy="0"/>
+          <a:chOff x="0" y="0"/>
+          <a:chExt cx="0" cy="0"/>
+        </a:xfrm>
+      </p:grpSpPr>
+      <p:sp>
+        <p:nvSpPr>
+          <p:cNvPr id="7" name="제목 1">
+            <a:extLst>
+              <a:ext uri="{FF2B5EF4-FFF2-40B4-BE49-F238E27FC236}">
+                <a16:creationId xmlns:a16="http://schemas.microsoft.com/office/drawing/2014/main" id="{D6B7708E-46E9-11AB-2B97-75920A3C0995}"/>
+              </a:ext>
+            </a:extLst>
+          </p:cNvPr>
+          <p:cNvSpPr txBox="1">
+            <a:spLocks/>
+          </p:cNvSpPr>
+          <p:nvPr/>
+        </p:nvSpPr>
+        <p:spPr>
+          <a:xfrm>
+            <a:off x="695325" y="292100"/>
+            <a:ext cx="10801350" cy="861695"/>
+          </a:xfrm>
+          <a:prstGeom prst="rect">
+            <a:avLst/>
+          </a:prstGeom>
+        </p:spPr>
+        <p:txBody>
+          <a:bodyPr vert="horz" lIns="91440" tIns="45720" rIns="91440" bIns="45720" rtlCol="0" anchor="ctr">
+            <a:normAutofit/>
+          </a:bodyPr>
+          <a:lstStyle>
+            <a:lvl1pPr algn="l" defTabSz="914400" rtl="0" eaLnBrk="1" latinLnBrk="1" hangingPunct="1">
+              <a:lnSpc>
+                <a:spcPct val="90000"/>
+              </a:lnSpc>
+              <a:spcBef>
+                <a:spcPct val="0"/>
+              </a:spcBef>
+              <a:buNone/>
+              <a:defRPr sz="4400" kern="1200">
+                <a:solidFill>
+                  <a:schemeClr val="tx1"/>
+                </a:solidFill>
+                <a:latin typeface="+mj-lt"/>
+                <a:ea typeface="+mj-ea"/>
+                <a:cs typeface="+mj-cs"/>
+              </a:defRPr>
+            </a:lvl1pPr>
+          </a:lstStyle>
+          <a:p>
+            <a:r>
+              <a:rPr lang="ko-KR" altLang="en-US" dirty="0"/>
+              <a:t>발동 </a:t>
+            </a:r>
+            <a:r>
+              <a:rPr lang="en-US" altLang="ko-KR" dirty="0"/>
+              <a:t>– 8. </a:t>
+            </a:r>
+            <a:r>
+              <a:rPr lang="ko-KR" altLang="en-US" dirty="0"/>
+              <a:t>스킬 자원 차트</a:t>
+            </a:r>
+          </a:p>
+        </p:txBody>
+      </p:sp>
+      <p:pic>
+        <p:nvPicPr>
+          <p:cNvPr id="6" name="그림 5" descr="텍스트, 스크린샷, 폰트, 그래픽이(가) 표시된 사진&#10;&#10;자동 생성된 설명">
+            <a:extLst>
+              <a:ext uri="{FF2B5EF4-FFF2-40B4-BE49-F238E27FC236}">
+                <a16:creationId xmlns:a16="http://schemas.microsoft.com/office/drawing/2014/main" id="{C68EF5CA-D16F-CF3C-E2A6-D99E5F4AFC68}"/>
+              </a:ext>
+            </a:extLst>
+          </p:cNvPr>
+          <p:cNvPicPr>
+            <a:picLocks noChangeAspect="1"/>
+          </p:cNvPicPr>
+          <p:nvPr/>
+        </p:nvPicPr>
+        <p:blipFill>
+          <a:blip r:embed="rId2">
+            <a:extLst>
+              <a:ext uri="{28A0092B-C50C-407E-A947-70E740481C1C}">
+                <a14:useLocalDpi xmlns:a14="http://schemas.microsoft.com/office/drawing/2010/main" val="0"/>
+              </a:ext>
+            </a:extLst>
+          </a:blip>
+          <a:stretch>
+            <a:fillRect/>
+          </a:stretch>
+        </p:blipFill>
+        <p:spPr>
+          <a:xfrm>
+            <a:off x="4376737" y="1328737"/>
+            <a:ext cx="3438525" cy="4200525"/>
+          </a:xfrm>
+          <a:prstGeom prst="rect">
+            <a:avLst/>
+          </a:prstGeom>
+        </p:spPr>
+      </p:pic>
+    </p:spTree>
+    <p:extLst>
+      <p:ext uri="{BB962C8B-B14F-4D97-AF65-F5344CB8AC3E}">
+        <p14:creationId xmlns:p14="http://schemas.microsoft.com/office/powerpoint/2010/main" val="4062135345"/>
+      </p:ext>
+    </p:extLst>
+  </p:cSld>
+  <p:clrMapOvr>
+    <a:masterClrMapping/>
+  </p:clrMapOvr>
+</p:sld>
+</file>
+
+<file path=ppt/slides/slide38.xml><?xml version="1.0" encoding="utf-8"?>
+<p:sld xmlns:a="http://schemas.openxmlformats.org/drawingml/2006/main" xmlns:r="http://schemas.openxmlformats.org/officeDocument/2006/relationships" xmlns:p="http://schemas.openxmlformats.org/presentationml/2006/main">
+  <p:cSld>
+    <p:spTree>
+      <p:nvGrpSpPr>
+        <p:cNvPr id="1" name="">
+          <a:extLst>
+            <a:ext uri="{FF2B5EF4-FFF2-40B4-BE49-F238E27FC236}">
+              <a16:creationId xmlns:a16="http://schemas.microsoft.com/office/drawing/2014/main" id="{AC58F728-8578-FA29-9812-DD7403E118DB}"/>
+            </a:ext>
+          </a:extLst>
+        </p:cNvPr>
+        <p:cNvGrpSpPr/>
+        <p:nvPr/>
+      </p:nvGrpSpPr>
+      <p:grpSpPr>
+        <a:xfrm>
+          <a:off x="0" y="0"/>
+          <a:ext cx="0" cy="0"/>
+          <a:chOff x="0" y="0"/>
+          <a:chExt cx="0" cy="0"/>
+        </a:xfrm>
+      </p:grpSpPr>
+      <p:sp>
+        <p:nvSpPr>
+          <p:cNvPr id="7" name="제목 1">
+            <a:extLst>
+              <a:ext uri="{FF2B5EF4-FFF2-40B4-BE49-F238E27FC236}">
+                <a16:creationId xmlns:a16="http://schemas.microsoft.com/office/drawing/2014/main" id="{D534AA7E-643B-FF29-E4C1-21256BD8884F}"/>
+              </a:ext>
+            </a:extLst>
+          </p:cNvPr>
+          <p:cNvSpPr txBox="1">
+            <a:spLocks/>
+          </p:cNvSpPr>
+          <p:nvPr/>
+        </p:nvSpPr>
+        <p:spPr>
+          <a:xfrm>
+            <a:off x="695325" y="292100"/>
+            <a:ext cx="10801350" cy="861695"/>
+          </a:xfrm>
+          <a:prstGeom prst="rect">
+            <a:avLst/>
+          </a:prstGeom>
+        </p:spPr>
+        <p:txBody>
+          <a:bodyPr vert="horz" lIns="91440" tIns="45720" rIns="91440" bIns="45720" rtlCol="0" anchor="ctr">
+            <a:normAutofit/>
+          </a:bodyPr>
+          <a:lstStyle>
+            <a:lvl1pPr algn="l" defTabSz="914400" rtl="0" eaLnBrk="1" latinLnBrk="1" hangingPunct="1">
+              <a:lnSpc>
+                <a:spcPct val="90000"/>
+              </a:lnSpc>
+              <a:spcBef>
+                <a:spcPct val="0"/>
+              </a:spcBef>
+              <a:buNone/>
+              <a:defRPr sz="4400" kern="1200">
+                <a:solidFill>
+                  <a:schemeClr val="tx1"/>
+                </a:solidFill>
+                <a:latin typeface="+mj-lt"/>
+                <a:ea typeface="+mj-ea"/>
+                <a:cs typeface="+mj-cs"/>
+              </a:defRPr>
+            </a:lvl1pPr>
+          </a:lstStyle>
+          <a:p>
+            <a:r>
+              <a:rPr lang="ko-KR" altLang="en-US" dirty="0"/>
+              <a:t>발동 </a:t>
+            </a:r>
+            <a:r>
+              <a:rPr lang="en-US" altLang="ko-KR" dirty="0"/>
+              <a:t>– 9. </a:t>
+            </a:r>
+            <a:r>
+              <a:rPr lang="ko-KR" altLang="en-US" dirty="0"/>
+              <a:t>스킬 쿨 타임 차트</a:t>
+            </a:r>
+          </a:p>
+        </p:txBody>
+      </p:sp>
+      <p:pic>
+        <p:nvPicPr>
+          <p:cNvPr id="6" name="그림 5" descr="텍스트, 스크린샷, 폰트, 원이(가) 표시된 사진&#10;&#10;자동 생성된 설명">
+            <a:extLst>
+              <a:ext uri="{FF2B5EF4-FFF2-40B4-BE49-F238E27FC236}">
+                <a16:creationId xmlns:a16="http://schemas.microsoft.com/office/drawing/2014/main" id="{BF092F0E-AFB8-922C-A248-B7AD3D2C254D}"/>
+              </a:ext>
+            </a:extLst>
+          </p:cNvPr>
+          <p:cNvPicPr>
+            <a:picLocks noChangeAspect="1"/>
+          </p:cNvPicPr>
+          <p:nvPr/>
+        </p:nvPicPr>
+        <p:blipFill>
+          <a:blip r:embed="rId2">
+            <a:extLst>
+              <a:ext uri="{28A0092B-C50C-407E-A947-70E740481C1C}">
+                <a14:useLocalDpi xmlns:a14="http://schemas.microsoft.com/office/drawing/2010/main" val="0"/>
+              </a:ext>
+            </a:extLst>
+          </a:blip>
+          <a:stretch>
+            <a:fillRect/>
+          </a:stretch>
+        </p:blipFill>
+        <p:spPr>
+          <a:xfrm>
+            <a:off x="1900237" y="1328737"/>
+            <a:ext cx="8391525" cy="4200525"/>
+          </a:xfrm>
+          <a:prstGeom prst="rect">
+            <a:avLst/>
+          </a:prstGeom>
+        </p:spPr>
+      </p:pic>
+    </p:spTree>
+    <p:extLst>
+      <p:ext uri="{BB962C8B-B14F-4D97-AF65-F5344CB8AC3E}">
+        <p14:creationId xmlns:p14="http://schemas.microsoft.com/office/powerpoint/2010/main" val="784711552"/>
+      </p:ext>
+    </p:extLst>
+  </p:cSld>
+  <p:clrMapOvr>
+    <a:masterClrMapping/>
+  </p:clrMapOvr>
+</p:sld>
+</file>
+
+<file path=ppt/slides/slide39.xml><?xml version="1.0" encoding="utf-8"?>
+<p:sld xmlns:a="http://schemas.openxmlformats.org/drawingml/2006/main" xmlns:r="http://schemas.openxmlformats.org/officeDocument/2006/relationships" xmlns:p="http://schemas.openxmlformats.org/presentationml/2006/main">
+  <p:cSld>
+    <p:spTree>
+      <p:nvGrpSpPr>
+        <p:cNvPr id="1" name="">
+          <a:extLst>
+            <a:ext uri="{FF2B5EF4-FFF2-40B4-BE49-F238E27FC236}">
+              <a16:creationId xmlns:a16="http://schemas.microsoft.com/office/drawing/2014/main" id="{23062BA6-F9A6-A42D-1AE1-5521B876FB7E}"/>
+            </a:ext>
+          </a:extLst>
+        </p:cNvPr>
+        <p:cNvGrpSpPr/>
+        <p:nvPr/>
+      </p:nvGrpSpPr>
+      <p:grpSpPr>
+        <a:xfrm>
+          <a:off x="0" y="0"/>
+          <a:ext cx="0" cy="0"/>
+          <a:chOff x="0" y="0"/>
+          <a:chExt cx="0" cy="0"/>
+        </a:xfrm>
+      </p:grpSpPr>
+      <p:sp>
+        <p:nvSpPr>
+          <p:cNvPr id="7" name="제목 1">
+            <a:extLst>
+              <a:ext uri="{FF2B5EF4-FFF2-40B4-BE49-F238E27FC236}">
+                <a16:creationId xmlns:a16="http://schemas.microsoft.com/office/drawing/2014/main" id="{38FED6A2-7085-EF9E-D6BC-06A5F1AB0381}"/>
+              </a:ext>
+            </a:extLst>
+          </p:cNvPr>
+          <p:cNvSpPr txBox="1">
+            <a:spLocks/>
+          </p:cNvSpPr>
+          <p:nvPr/>
+        </p:nvSpPr>
+        <p:spPr>
+          <a:xfrm>
+            <a:off x="695325" y="292100"/>
+            <a:ext cx="10801350" cy="861695"/>
+          </a:xfrm>
+          <a:prstGeom prst="rect">
+            <a:avLst/>
+          </a:prstGeom>
+        </p:spPr>
+        <p:txBody>
+          <a:bodyPr vert="horz" lIns="91440" tIns="45720" rIns="91440" bIns="45720" rtlCol="0" anchor="ctr">
+            <a:normAutofit/>
+          </a:bodyPr>
+          <a:lstStyle>
+            <a:lvl1pPr algn="l" defTabSz="914400" rtl="0" eaLnBrk="1" latinLnBrk="1" hangingPunct="1">
+              <a:lnSpc>
+                <a:spcPct val="90000"/>
+              </a:lnSpc>
+              <a:spcBef>
+                <a:spcPct val="0"/>
+              </a:spcBef>
+              <a:buNone/>
+              <a:defRPr sz="4400" kern="1200">
+                <a:solidFill>
+                  <a:schemeClr val="tx1"/>
+                </a:solidFill>
+                <a:latin typeface="+mj-lt"/>
+                <a:ea typeface="+mj-ea"/>
+                <a:cs typeface="+mj-cs"/>
+              </a:defRPr>
+            </a:lvl1pPr>
+          </a:lstStyle>
+          <a:p>
+            <a:r>
+              <a:rPr lang="ko-KR" altLang="en-US" dirty="0"/>
+              <a:t>발동 </a:t>
+            </a:r>
+            <a:r>
+              <a:rPr lang="en-US" altLang="ko-KR" dirty="0"/>
+              <a:t>– 10. </a:t>
+            </a:r>
+            <a:r>
+              <a:rPr lang="ko-KR" altLang="en-US" dirty="0"/>
+              <a:t>기타 요소 차트</a:t>
+            </a:r>
+          </a:p>
+        </p:txBody>
+      </p:sp>
+      <p:pic>
+        <p:nvPicPr>
+          <p:cNvPr id="6" name="그림 5" descr="텍스트, 스크린샷, 폰트, 원이(가) 표시된 사진&#10;&#10;자동 생성된 설명">
+            <a:extLst>
+              <a:ext uri="{FF2B5EF4-FFF2-40B4-BE49-F238E27FC236}">
+                <a16:creationId xmlns:a16="http://schemas.microsoft.com/office/drawing/2014/main" id="{93055391-8375-93FF-D915-3C068E7E3BFC}"/>
+              </a:ext>
+            </a:extLst>
+          </p:cNvPr>
+          <p:cNvPicPr>
+            <a:picLocks noChangeAspect="1"/>
+          </p:cNvPicPr>
+          <p:nvPr/>
+        </p:nvPicPr>
+        <p:blipFill>
+          <a:blip r:embed="rId2">
+            <a:extLst>
+              <a:ext uri="{28A0092B-C50C-407E-A947-70E740481C1C}">
+                <a14:useLocalDpi xmlns:a14="http://schemas.microsoft.com/office/drawing/2010/main" val="0"/>
+              </a:ext>
+            </a:extLst>
+          </a:blip>
+          <a:stretch>
+            <a:fillRect/>
+          </a:stretch>
+        </p:blipFill>
+        <p:spPr>
+          <a:xfrm>
+            <a:off x="1900237" y="1328737"/>
+            <a:ext cx="8391525" cy="4200525"/>
+          </a:xfrm>
+          <a:prstGeom prst="rect">
+            <a:avLst/>
+          </a:prstGeom>
+        </p:spPr>
+      </p:pic>
+    </p:spTree>
+    <p:extLst>
+      <p:ext uri="{BB962C8B-B14F-4D97-AF65-F5344CB8AC3E}">
+        <p14:creationId xmlns:p14="http://schemas.microsoft.com/office/powerpoint/2010/main" val="3370780817"/>
       </p:ext>
     </p:extLst>
   </p:cSld>

--- a/기획/방랑엽사전/스킬 시스템 기획서.pptx
+++ b/기획/방랑엽사전/스킬 시스템 기획서.pptx
@@ -7869,7 +7869,7 @@
         <p:spPr>
           <a:xfrm>
             <a:off x="9924898" y="3429000"/>
-            <a:ext cx="1567015" cy="832664"/>
+            <a:ext cx="1567015" cy="577081"/>
           </a:xfrm>
           <a:prstGeom prst="rect">
             <a:avLst/>
@@ -7883,9 +7883,6 @@
           <a:lstStyle/>
           <a:p>
             <a:pPr>
-              <a:lnSpc>
-                <a:spcPct val="160000"/>
-              </a:lnSpc>
               <a:spcBef>
                 <a:spcPts val="0"/>
               </a:spcBef>
@@ -9409,7 +9406,7 @@
           <p:nvPr>
             <p:extLst>
               <p:ext uri="{D42A27DB-BD31-4B8C-83A1-F6EECF244321}">
-                <p14:modId xmlns:p14="http://schemas.microsoft.com/office/powerpoint/2010/main" val="3812377823"/>
+                <p14:modId xmlns:p14="http://schemas.microsoft.com/office/powerpoint/2010/main" val="2382290050"/>
               </p:ext>
             </p:extLst>
           </p:nvPr>
@@ -10101,8 +10098,8 @@
                         </a:spcAft>
                         <a:buClrTx/>
                         <a:buSzTx/>
-                        <a:buFont typeface="Arial" panose="020B0604020202020204" pitchFamily="34" charset="0"/>
-                        <a:buChar char="•"/>
+                        <a:buFont typeface="Wingdings" panose="05000000000000000000" pitchFamily="2" charset="2"/>
+                        <a:buChar char="u"/>
                         <a:tabLst/>
                         <a:defRPr/>
                       </a:pPr>
@@ -10186,8 +10183,8 @@
                     <a:lstStyle/>
                     <a:p>
                       <a:pPr marL="742950" lvl="1" indent="-285750" algn="l" latinLnBrk="1">
-                        <a:buFont typeface="Arial" panose="020B0604020202020204" pitchFamily="34" charset="0"/>
-                        <a:buChar char="•"/>
+                        <a:buFont typeface="Wingdings" panose="05000000000000000000" pitchFamily="2" charset="2"/>
+                        <a:buChar char="u"/>
                       </a:pPr>
                       <a:r>
                         <a:rPr lang="ko-KR" altLang="en-US" sz="1200" b="0" dirty="0">
@@ -10269,8 +10266,8 @@
                     <a:lstStyle/>
                     <a:p>
                       <a:pPr marL="742950" lvl="1" indent="-285750" algn="l" latinLnBrk="1">
-                        <a:buFont typeface="Arial" panose="020B0604020202020204" pitchFamily="34" charset="0"/>
-                        <a:buChar char="•"/>
+                        <a:buFont typeface="Wingdings" panose="05000000000000000000" pitchFamily="2" charset="2"/>
+                        <a:buChar char="u"/>
                       </a:pPr>
                       <a:r>
                         <a:rPr lang="ko-KR" altLang="en-US" sz="1200" b="0" dirty="0">
@@ -10370,8 +10367,8 @@
                     <a:lstStyle/>
                     <a:p>
                       <a:pPr marL="742950" lvl="1" indent="-285750" algn="l" latinLnBrk="1">
-                        <a:buFont typeface="Arial" panose="020B0604020202020204" pitchFamily="34" charset="0"/>
-                        <a:buChar char="•"/>
+                        <a:buFont typeface="Wingdings" panose="05000000000000000000" pitchFamily="2" charset="2"/>
+                        <a:buChar char="u"/>
                       </a:pPr>
                       <a:r>
                         <a:rPr lang="ko-KR" altLang="en-US" sz="1200" b="0" dirty="0">
@@ -10542,8 +10539,8 @@
                     <a:lstStyle/>
                     <a:p>
                       <a:pPr marL="628650" lvl="1" indent="-171450" algn="l" latinLnBrk="1">
-                        <a:buFont typeface="Arial" panose="020B0604020202020204" pitchFamily="34" charset="0"/>
-                        <a:buChar char="•"/>
+                        <a:buFont typeface="Wingdings" panose="05000000000000000000" pitchFamily="2" charset="2"/>
+                        <a:buChar char="u"/>
                       </a:pPr>
                       <a:r>
                         <a:rPr lang="ko-KR" altLang="en-US" sz="1200" b="0" dirty="0">
@@ -10713,8 +10710,8 @@
                     </a:p>
                     <a:p>
                       <a:pPr marL="628650" lvl="1" indent="-171450" algn="l" latinLnBrk="1">
-                        <a:buFont typeface="Arial" panose="020B0604020202020204" pitchFamily="34" charset="0"/>
-                        <a:buChar char="•"/>
+                        <a:buFont typeface="Wingdings" panose="05000000000000000000" pitchFamily="2" charset="2"/>
+                        <a:buChar char="u"/>
                       </a:pPr>
                       <a:r>
                         <a:rPr lang="ko-KR" altLang="en-US" sz="1200" b="0" dirty="0">
@@ -10776,8 +10773,8 @@
                     </a:p>
                     <a:p>
                       <a:pPr marL="628650" lvl="1" indent="-171450" algn="l" latinLnBrk="1">
-                        <a:buFont typeface="Arial" panose="020B0604020202020204" pitchFamily="34" charset="0"/>
-                        <a:buChar char="•"/>
+                        <a:buFont typeface="Wingdings" panose="05000000000000000000" pitchFamily="2" charset="2"/>
+                        <a:buChar char="u"/>
                       </a:pPr>
                       <a:r>
                         <a:rPr lang="ko-KR" altLang="en-US" sz="1200" b="0" dirty="0">
@@ -11127,7 +11124,7 @@
           <p:nvPr>
             <p:extLst>
               <p:ext uri="{D42A27DB-BD31-4B8C-83A1-F6EECF244321}">
-                <p14:modId xmlns:p14="http://schemas.microsoft.com/office/powerpoint/2010/main" val="1179762189"/>
+                <p14:modId xmlns:p14="http://schemas.microsoft.com/office/powerpoint/2010/main" val="650502186"/>
               </p:ext>
             </p:extLst>
           </p:nvPr>
@@ -11488,8 +11485,8 @@
                     <a:lstStyle/>
                     <a:p>
                       <a:pPr marL="742950" lvl="1" indent="-285750" algn="l" latinLnBrk="1">
-                        <a:buFont typeface="Arial" panose="020B0604020202020204" pitchFamily="34" charset="0"/>
-                        <a:buChar char="•"/>
+                        <a:buFont typeface="Wingdings" panose="05000000000000000000" pitchFamily="2" charset="2"/>
+                        <a:buChar char="u"/>
                       </a:pPr>
                       <a:r>
                         <a:rPr lang="ko-KR" altLang="en-US" sz="1600" b="0" dirty="0">
@@ -11567,8 +11564,8 @@
                     <a:lstStyle/>
                     <a:p>
                       <a:pPr marL="742950" lvl="1" indent="-285750" algn="l" latinLnBrk="1">
-                        <a:buFont typeface="Arial" panose="020B0604020202020204" pitchFamily="34" charset="0"/>
-                        <a:buChar char="•"/>
+                        <a:buFont typeface="Wingdings" panose="05000000000000000000" pitchFamily="2" charset="2"/>
+                        <a:buChar char="u"/>
                       </a:pPr>
                       <a:r>
                         <a:rPr lang="ko-KR" altLang="en-US" sz="1600" b="0" dirty="0">
@@ -11646,8 +11643,8 @@
                     <a:lstStyle/>
                     <a:p>
                       <a:pPr marL="742950" lvl="1" indent="-285750" algn="l" latinLnBrk="1">
-                        <a:buFont typeface="Arial" panose="020B0604020202020204" pitchFamily="34" charset="0"/>
-                        <a:buChar char="•"/>
+                        <a:buFont typeface="Wingdings" panose="05000000000000000000" pitchFamily="2" charset="2"/>
+                        <a:buChar char="u"/>
                       </a:pPr>
                       <a:r>
                         <a:rPr lang="ko-KR" altLang="en-US" sz="1600" b="0" dirty="0">
@@ -11725,8 +11722,8 @@
                     <a:lstStyle/>
                     <a:p>
                       <a:pPr marL="742950" lvl="1" indent="-285750" algn="l" latinLnBrk="1">
-                        <a:buFont typeface="Arial" panose="020B0604020202020204" pitchFamily="34" charset="0"/>
-                        <a:buChar char="•"/>
+                        <a:buFont typeface="Wingdings" panose="05000000000000000000" pitchFamily="2" charset="2"/>
+                        <a:buChar char="u"/>
                       </a:pPr>
                       <a:r>
                         <a:rPr lang="ko-KR" altLang="en-US" sz="1600" b="0" dirty="0">
@@ -11820,8 +11817,8 @@
                     <a:lstStyle/>
                     <a:p>
                       <a:pPr marL="742950" lvl="1" indent="-285750" algn="l" latinLnBrk="1">
-                        <a:buFont typeface="Arial" panose="020B0604020202020204" pitchFamily="34" charset="0"/>
-                        <a:buChar char="•"/>
+                        <a:buFont typeface="Wingdings" panose="05000000000000000000" pitchFamily="2" charset="2"/>
+                        <a:buChar char="u"/>
                       </a:pPr>
                       <a:r>
                         <a:rPr lang="ko-KR" altLang="en-US" sz="1600" b="0" dirty="0">
@@ -11915,8 +11912,8 @@
                     <a:lstStyle/>
                     <a:p>
                       <a:pPr marL="742950" lvl="1" indent="-285750" algn="l" latinLnBrk="1">
-                        <a:buFont typeface="Arial" panose="020B0604020202020204" pitchFamily="34" charset="0"/>
-                        <a:buChar char="•"/>
+                        <a:buFont typeface="Wingdings" panose="05000000000000000000" pitchFamily="2" charset="2"/>
+                        <a:buChar char="u"/>
                       </a:pPr>
                       <a:r>
                         <a:rPr lang="ko-KR" altLang="en-US" sz="1600" b="0" dirty="0">
@@ -12073,8 +12070,8 @@
                     <a:lstStyle/>
                     <a:p>
                       <a:pPr marL="742950" lvl="1" indent="-285750" algn="l" latinLnBrk="1">
-                        <a:buFont typeface="Arial" panose="020B0604020202020204" pitchFamily="34" charset="0"/>
-                        <a:buChar char="•"/>
+                        <a:buFont typeface="Wingdings" panose="05000000000000000000" pitchFamily="2" charset="2"/>
+                        <a:buChar char="u"/>
                       </a:pPr>
                       <a:r>
                         <a:rPr lang="ko-KR" altLang="en-US" sz="1600" b="0" dirty="0">
@@ -12136,8 +12133,8 @@
                     <a:lstStyle/>
                     <a:p>
                       <a:pPr marL="742950" lvl="1" indent="-285750" algn="l" latinLnBrk="1">
-                        <a:buFont typeface="Arial" panose="020B0604020202020204" pitchFamily="34" charset="0"/>
-                        <a:buChar char="•"/>
+                        <a:buFont typeface="Wingdings" panose="05000000000000000000" pitchFamily="2" charset="2"/>
+                        <a:buChar char="u"/>
                       </a:pPr>
                       <a:r>
                         <a:rPr lang="ko-KR" altLang="en-US" sz="1600" b="0" dirty="0">
@@ -12199,8 +12196,8 @@
                     <a:lstStyle/>
                     <a:p>
                       <a:pPr marL="742950" lvl="1" indent="-285750" algn="l" latinLnBrk="1">
-                        <a:buFont typeface="Arial" panose="020B0604020202020204" pitchFamily="34" charset="0"/>
-                        <a:buChar char="•"/>
+                        <a:buFont typeface="Wingdings" panose="05000000000000000000" pitchFamily="2" charset="2"/>
+                        <a:buChar char="u"/>
                       </a:pPr>
                       <a:r>
                         <a:rPr lang="ko-KR" altLang="en-US" sz="1600" b="0" dirty="0" err="1">
@@ -12262,8 +12259,8 @@
                     <a:lstStyle/>
                     <a:p>
                       <a:pPr marL="742950" lvl="1" indent="-285750" algn="l" latinLnBrk="1">
-                        <a:buFont typeface="Arial" panose="020B0604020202020204" pitchFamily="34" charset="0"/>
-                        <a:buChar char="•"/>
+                        <a:buFont typeface="Wingdings" panose="05000000000000000000" pitchFamily="2" charset="2"/>
+                        <a:buChar char="u"/>
                       </a:pPr>
                       <a:r>
                         <a:rPr lang="ko-KR" altLang="en-US" sz="1600" b="0" dirty="0">
@@ -12569,7 +12566,7 @@
           <p:nvPr>
             <p:extLst>
               <p:ext uri="{D42A27DB-BD31-4B8C-83A1-F6EECF244321}">
-                <p14:modId xmlns:p14="http://schemas.microsoft.com/office/powerpoint/2010/main" val="3521590496"/>
+                <p14:modId xmlns:p14="http://schemas.microsoft.com/office/powerpoint/2010/main" val="2536179343"/>
               </p:ext>
             </p:extLst>
           </p:nvPr>
@@ -12898,8 +12895,8 @@
                     <a:lstStyle/>
                     <a:p>
                       <a:pPr marL="285750" lvl="0" indent="-285750" algn="l" latinLnBrk="1">
-                        <a:buFont typeface="Arial" panose="020B0604020202020204" pitchFamily="34" charset="0"/>
-                        <a:buChar char="•"/>
+                        <a:buFont typeface="Wingdings" panose="05000000000000000000" pitchFamily="2" charset="2"/>
+                        <a:buChar char="u"/>
                       </a:pPr>
                       <a:r>
                         <a:rPr lang="en-US" altLang="ko-KR" sz="1800" b="0" dirty="0">
@@ -13045,8 +13042,8 @@
                     <a:lstStyle/>
                     <a:p>
                       <a:pPr marL="285750" lvl="0" indent="-285750" algn="l" latinLnBrk="1">
-                        <a:buFont typeface="Arial" panose="020B0604020202020204" pitchFamily="34" charset="0"/>
-                        <a:buChar char="•"/>
+                        <a:buFont typeface="Wingdings" panose="05000000000000000000" pitchFamily="2" charset="2"/>
+                        <a:buChar char="u"/>
                       </a:pPr>
                       <a:r>
                         <a:rPr lang="en-US" altLang="ko-KR" sz="1800" b="0" dirty="0">
@@ -13433,7 +13430,13 @@
           <p:cNvGraphicFramePr>
             <a:graphicFrameLocks noGrp="1"/>
           </p:cNvGraphicFramePr>
-          <p:nvPr/>
+          <p:nvPr>
+            <p:extLst>
+              <p:ext uri="{D42A27DB-BD31-4B8C-83A1-F6EECF244321}">
+                <p14:modId xmlns:p14="http://schemas.microsoft.com/office/powerpoint/2010/main" val="2400630872"/>
+              </p:ext>
+            </p:extLst>
+          </p:nvPr>
         </p:nvGraphicFramePr>
         <p:xfrm>
           <a:off x="1518285" y="1587500"/>
@@ -13692,8 +13695,8 @@
                     <a:lstStyle/>
                     <a:p>
                       <a:pPr marL="742950" lvl="1" indent="-285750" algn="l" latinLnBrk="1">
-                        <a:buFont typeface="Arial" panose="020B0604020202020204" pitchFamily="34" charset="0"/>
-                        <a:buChar char="•"/>
+                        <a:buFont typeface="Wingdings" panose="05000000000000000000" pitchFamily="2" charset="2"/>
+                        <a:buChar char="u"/>
                       </a:pPr>
                       <a:r>
                         <a:rPr lang="ko-KR" altLang="en-US" b="0" dirty="0">
@@ -13714,8 +13717,8 @@
                     </a:p>
                     <a:p>
                       <a:pPr marL="742950" lvl="1" indent="-285750" algn="l" latinLnBrk="1">
-                        <a:buFont typeface="Arial" panose="020B0604020202020204" pitchFamily="34" charset="0"/>
-                        <a:buChar char="•"/>
+                        <a:buFont typeface="Wingdings" panose="05000000000000000000" pitchFamily="2" charset="2"/>
+                        <a:buChar char="u"/>
                       </a:pPr>
                       <a:r>
                         <a:rPr lang="ko-KR" altLang="en-US" b="0" dirty="0">
@@ -13752,8 +13755,8 @@
                     </a:p>
                     <a:p>
                       <a:pPr marL="742950" lvl="1" indent="-285750" algn="l" latinLnBrk="1">
-                        <a:buFont typeface="Arial" panose="020B0604020202020204" pitchFamily="34" charset="0"/>
-                        <a:buChar char="•"/>
+                        <a:buFont typeface="Wingdings" panose="05000000000000000000" pitchFamily="2" charset="2"/>
+                        <a:buChar char="u"/>
                       </a:pPr>
                       <a:r>
                         <a:rPr lang="ko-KR" altLang="en-US" b="0" dirty="0">
@@ -13894,8 +13897,8 @@
                     <a:lstStyle/>
                     <a:p>
                       <a:pPr marL="742950" lvl="1" indent="-285750" algn="l" latinLnBrk="1">
-                        <a:buFont typeface="Arial" panose="020B0604020202020204" pitchFamily="34" charset="0"/>
-                        <a:buChar char="•"/>
+                        <a:buFont typeface="Wingdings" panose="05000000000000000000" pitchFamily="2" charset="2"/>
+                        <a:buChar char="u"/>
                       </a:pPr>
                       <a:r>
                         <a:rPr lang="ko-KR" altLang="en-US" b="0" dirty="0">
@@ -13916,8 +13919,8 @@
                     </a:p>
                     <a:p>
                       <a:pPr marL="742950" lvl="1" indent="-285750" algn="l" latinLnBrk="1">
-                        <a:buFont typeface="Arial" panose="020B0604020202020204" pitchFamily="34" charset="0"/>
-                        <a:buChar char="•"/>
+                        <a:buFont typeface="Wingdings" panose="05000000000000000000" pitchFamily="2" charset="2"/>
+                        <a:buChar char="u"/>
                       </a:pPr>
                       <a:r>
                         <a:rPr lang="en-US" altLang="ko-KR" b="0" dirty="0">
@@ -13946,8 +13949,8 @@
                     </a:p>
                     <a:p>
                       <a:pPr marL="742950" lvl="1" indent="-285750" algn="l" latinLnBrk="1">
-                        <a:buFont typeface="Arial" panose="020B0604020202020204" pitchFamily="34" charset="0"/>
-                        <a:buChar char="•"/>
+                        <a:buFont typeface="Wingdings" panose="05000000000000000000" pitchFamily="2" charset="2"/>
+                        <a:buChar char="u"/>
                       </a:pPr>
                       <a:r>
                         <a:rPr lang="ko-KR" altLang="en-US" b="0" dirty="0">
@@ -16040,7 +16043,7 @@
           <p:nvPr>
             <p:extLst>
               <p:ext uri="{D42A27DB-BD31-4B8C-83A1-F6EECF244321}">
-                <p14:modId xmlns:p14="http://schemas.microsoft.com/office/powerpoint/2010/main" val="1199496378"/>
+                <p14:modId xmlns:p14="http://schemas.microsoft.com/office/powerpoint/2010/main" val="2458265187"/>
               </p:ext>
             </p:extLst>
           </p:nvPr>
@@ -16379,8 +16382,8 @@
                         </a:spcAft>
                         <a:buClrTx/>
                         <a:buSzTx/>
-                        <a:buFont typeface="Arial" panose="020B0604020202020204" pitchFamily="34" charset="0"/>
-                        <a:buChar char="•"/>
+                        <a:buFont typeface="Wingdings" panose="05000000000000000000" pitchFamily="2" charset="2"/>
+                        <a:buChar char="u"/>
                         <a:tabLst/>
                         <a:defRPr/>
                       </a:pPr>
@@ -16518,8 +16521,8 @@
                         </a:spcAft>
                         <a:buClrTx/>
                         <a:buSzTx/>
-                        <a:buFont typeface="Arial" panose="020B0604020202020204" pitchFamily="34" charset="0"/>
-                        <a:buChar char="•"/>
+                        <a:buFont typeface="Wingdings" panose="05000000000000000000" pitchFamily="2" charset="2"/>
+                        <a:buChar char="u"/>
                         <a:tabLst/>
                         <a:defRPr/>
                       </a:pPr>
@@ -16827,7 +16830,13 @@
           <p:cNvGraphicFramePr>
             <a:graphicFrameLocks noGrp="1"/>
           </p:cNvGraphicFramePr>
-          <p:nvPr/>
+          <p:nvPr>
+            <p:extLst>
+              <p:ext uri="{D42A27DB-BD31-4B8C-83A1-F6EECF244321}">
+                <p14:modId xmlns:p14="http://schemas.microsoft.com/office/powerpoint/2010/main" val="3736638191"/>
+              </p:ext>
+            </p:extLst>
+          </p:nvPr>
         </p:nvGraphicFramePr>
         <p:xfrm>
           <a:off x="2995453" y="1159510"/>
@@ -17200,8 +17209,8 @@
                     <a:lstStyle/>
                     <a:p>
                       <a:pPr marL="742950" lvl="1" indent="-285750" algn="l" latinLnBrk="1">
-                        <a:buFont typeface="Arial" panose="020B0604020202020204" pitchFamily="34" charset="0"/>
-                        <a:buChar char="•"/>
+                        <a:buFont typeface="Wingdings" panose="05000000000000000000" pitchFamily="2" charset="2"/>
+                        <a:buChar char="u"/>
                       </a:pPr>
                       <a:r>
                         <a:rPr lang="ko-KR" altLang="en-US" sz="1400" b="0" dirty="0">
@@ -17366,8 +17375,8 @@
                     <a:lstStyle/>
                     <a:p>
                       <a:pPr marL="742950" lvl="1" indent="-285750" algn="l" latinLnBrk="1">
-                        <a:buFont typeface="Arial" panose="020B0604020202020204" pitchFamily="34" charset="0"/>
-                        <a:buChar char="•"/>
+                        <a:buFont typeface="Wingdings" panose="05000000000000000000" pitchFamily="2" charset="2"/>
+                        <a:buChar char="u"/>
                       </a:pPr>
                       <a:r>
                         <a:rPr lang="ko-KR" altLang="en-US" sz="1400" b="0" dirty="0">
@@ -17508,8 +17517,8 @@
                     <a:lstStyle/>
                     <a:p>
                       <a:pPr marL="742950" lvl="1" indent="-285750" algn="l" latinLnBrk="1">
-                        <a:buFont typeface="Arial" panose="020B0604020202020204" pitchFamily="34" charset="0"/>
-                        <a:buChar char="•"/>
+                        <a:buFont typeface="Wingdings" panose="05000000000000000000" pitchFamily="2" charset="2"/>
+                        <a:buChar char="u"/>
                       </a:pPr>
                       <a:r>
                         <a:rPr lang="ko-KR" altLang="en-US" sz="1400" b="0" dirty="0" err="1">
@@ -20305,14 +20314,14 @@
           <p:nvPr>
             <p:extLst>
               <p:ext uri="{D42A27DB-BD31-4B8C-83A1-F6EECF244321}">
-                <p14:modId xmlns:p14="http://schemas.microsoft.com/office/powerpoint/2010/main" val="3455790402"/>
+                <p14:modId xmlns:p14="http://schemas.microsoft.com/office/powerpoint/2010/main" val="3723946923"/>
               </p:ext>
             </p:extLst>
           </p:nvPr>
         </p:nvGraphicFramePr>
         <p:xfrm>
           <a:off x="1969770" y="1981200"/>
-          <a:ext cx="8252460" cy="2895600"/>
+          <a:ext cx="8252460" cy="3108960"/>
         </p:xfrm>
         <a:graphic>
           <a:graphicData uri="http://schemas.openxmlformats.org/drawingml/2006/table">
@@ -20667,8 +20676,8 @@
                     <a:lstStyle/>
                     <a:p>
                       <a:pPr marL="742950" lvl="1" indent="-285750" algn="l" latinLnBrk="1">
-                        <a:buFont typeface="Arial" panose="020B0604020202020204" pitchFamily="34" charset="0"/>
-                        <a:buChar char="•"/>
+                        <a:buFont typeface="Wingdings" panose="05000000000000000000" pitchFamily="2" charset="2"/>
+                        <a:buChar char="u"/>
                       </a:pPr>
                       <a:r>
                         <a:rPr lang="en-US" altLang="ko-KR" sz="1400" b="0" dirty="0">
@@ -20859,8 +20868,8 @@
                     <a:lstStyle/>
                     <a:p>
                       <a:pPr marL="742950" lvl="1" indent="-285750" algn="l" latinLnBrk="1">
-                        <a:buFont typeface="Arial" panose="020B0604020202020204" pitchFamily="34" charset="0"/>
-                        <a:buChar char="•"/>
+                        <a:buFont typeface="Wingdings" panose="05000000000000000000" pitchFamily="2" charset="2"/>
+                        <a:buChar char="u"/>
                       </a:pPr>
                       <a:r>
                         <a:rPr lang="en-US" altLang="ko-KR" sz="1400" b="0" dirty="0">
@@ -21026,19 +21035,68 @@
                         </a:rPr>
                         <a:t>.</a:t>
                       </a:r>
+                    </a:p>
+                    <a:p>
+                      <a:pPr marL="914400" lvl="2" indent="0" algn="r" latinLnBrk="1">
+                        <a:buFont typeface="Arial" panose="020B0604020202020204" pitchFamily="34" charset="0"/>
+                        <a:buNone/>
+                      </a:pPr>
+                      <a:r>
+                        <a:rPr lang="en-US" altLang="ko-KR" sz="1400" b="0" dirty="0">
+                          <a:solidFill>
+                            <a:schemeClr val="tx1"/>
+                          </a:solidFill>
+                        </a:rPr>
+                        <a:t>(</a:t>
+                      </a:r>
                       <a:r>
                         <a:rPr lang="ko-KR" altLang="en-US" sz="1400" b="0" dirty="0">
                           <a:solidFill>
                             <a:schemeClr val="tx1"/>
                           </a:solidFill>
                         </a:rPr>
-                        <a:t> </a:t>
-                      </a:r>
-                      <a:endParaRPr lang="en-US" altLang="ko-KR" sz="1400" b="0" dirty="0">
-                        <a:solidFill>
-                          <a:schemeClr val="tx1"/>
-                        </a:solidFill>
-                      </a:endParaRPr>
+                        <a:t>자세한 내용은 </a:t>
+                      </a:r>
+                      <a:r>
+                        <a:rPr lang="en-US" altLang="ko-KR" sz="1400" b="0" dirty="0">
+                          <a:solidFill>
+                            <a:schemeClr val="tx1"/>
+                          </a:solidFill>
+                        </a:rPr>
+                        <a:t>‘</a:t>
+                      </a:r>
+                      <a:r>
+                        <a:rPr lang="ko-KR" altLang="en-US" sz="1400" b="0" dirty="0">
+                          <a:solidFill>
+                            <a:schemeClr val="tx1"/>
+                          </a:solidFill>
+                        </a:rPr>
+                        <a:t>커맨드 시스템 기획서</a:t>
+                      </a:r>
+                      <a:r>
+                        <a:rPr lang="en-US" altLang="ko-KR" sz="1400" b="0" dirty="0">
+                          <a:solidFill>
+                            <a:schemeClr val="tx1"/>
+                          </a:solidFill>
+                        </a:rPr>
+                        <a:t>’ </a:t>
+                      </a:r>
+                      <a:r>
+                        <a:rPr lang="ko-KR" altLang="en-US" sz="1400" b="0" dirty="0">
+                          <a:solidFill>
+                            <a:schemeClr val="tx1"/>
+                          </a:solidFill>
+                        </a:rPr>
+                        <a:t>참조</a:t>
+                      </a:r>
+                      <a:r>
+                        <a:rPr lang="en-US" altLang="ko-KR" sz="1400" b="0" dirty="0">
+                          <a:solidFill>
+                            <a:schemeClr val="tx1"/>
+                          </a:solidFill>
+                        </a:rPr>
+                        <a:t>.)</a:t>
+                      </a:r>
                     </a:p>
                   </a:txBody>
                   <a:tcPr>
@@ -21183,10 +21241,10 @@
       </p:sp>
       <p:pic>
         <p:nvPicPr>
-          <p:cNvPr id="4" name="그림 3" descr="텍스트, 스크린샷, 폰트, 원이(가) 표시된 사진&#10;&#10;자동 생성된 설명">
+          <p:cNvPr id="6" name="그림 5">
             <a:extLst>
               <a:ext uri="{FF2B5EF4-FFF2-40B4-BE49-F238E27FC236}">
-                <a16:creationId xmlns:a16="http://schemas.microsoft.com/office/drawing/2014/main" id="{499627F8-AEF3-F306-E3DA-995C158CBD61}"/>
+                <a16:creationId xmlns:a16="http://schemas.microsoft.com/office/drawing/2014/main" id="{857F00A8-05AF-4F17-A70C-D2A5C6DE82D7}"/>
               </a:ext>
             </a:extLst>
           </p:cNvPr>
@@ -21317,10 +21375,10 @@
       </p:sp>
       <p:pic>
         <p:nvPicPr>
-          <p:cNvPr id="3" name="그림 2" descr="텍스트, 스크린샷, 원, 폰트이(가) 표시된 사진&#10;&#10;자동 생성된 설명">
+          <p:cNvPr id="4" name="그림 3">
             <a:extLst>
               <a:ext uri="{FF2B5EF4-FFF2-40B4-BE49-F238E27FC236}">
-                <a16:creationId xmlns:a16="http://schemas.microsoft.com/office/drawing/2014/main" id="{CCE27A83-D4C2-0118-0684-5072C7AE1F71}"/>
+                <a16:creationId xmlns:a16="http://schemas.microsoft.com/office/drawing/2014/main" id="{3E4B41E7-398E-4E70-AABB-9C9BEC836E76}"/>
               </a:ext>
             </a:extLst>
           </p:cNvPr>
@@ -21451,10 +21509,10 @@
       </p:sp>
       <p:pic>
         <p:nvPicPr>
-          <p:cNvPr id="3" name="그림 2" descr="텍스트, 스크린샷, 폰트, 원이(가) 표시된 사진&#10;&#10;자동 생성된 설명">
+          <p:cNvPr id="4" name="그림 3">
             <a:extLst>
               <a:ext uri="{FF2B5EF4-FFF2-40B4-BE49-F238E27FC236}">
-                <a16:creationId xmlns:a16="http://schemas.microsoft.com/office/drawing/2014/main" id="{A83DD35E-87A3-FAF8-83A9-6FEC68F018EF}"/>
+                <a16:creationId xmlns:a16="http://schemas.microsoft.com/office/drawing/2014/main" id="{86671606-D8DA-4EF9-88A9-EFB9661BF082}"/>
               </a:ext>
             </a:extLst>
           </p:cNvPr>
@@ -21477,8 +21535,8 @@
         </p:blipFill>
         <p:spPr>
           <a:xfrm>
-            <a:off x="1900237" y="1328737"/>
-            <a:ext cx="8391525" cy="4200525"/>
+            <a:off x="1900237" y="1194044"/>
+            <a:ext cx="8391525" cy="4772025"/>
           </a:xfrm>
           <a:prstGeom prst="rect">
             <a:avLst/>
@@ -22170,10 +22228,10 @@
       </p:sp>
       <p:pic>
         <p:nvPicPr>
-          <p:cNvPr id="3" name="그림 2" descr="텍스트, 스크린샷, 원, 폰트이(가) 표시된 사진&#10;&#10;자동 생성된 설명">
+          <p:cNvPr id="9" name="그림 8">
             <a:extLst>
               <a:ext uri="{FF2B5EF4-FFF2-40B4-BE49-F238E27FC236}">
-                <a16:creationId xmlns:a16="http://schemas.microsoft.com/office/drawing/2014/main" id="{1125F3CE-560D-8434-886E-45A67464126D}"/>
+                <a16:creationId xmlns:a16="http://schemas.microsoft.com/office/drawing/2014/main" id="{C8FE37D7-1FF6-4862-AC39-E9648F5384C9}"/>
               </a:ext>
             </a:extLst>
           </p:cNvPr>
@@ -22196,8 +22254,8 @@
         </p:blipFill>
         <p:spPr>
           <a:xfrm>
-            <a:off x="4376737" y="1222375"/>
-            <a:ext cx="3438525" cy="5343525"/>
+            <a:off x="3424237" y="1222375"/>
+            <a:ext cx="5343525" cy="5343525"/>
           </a:xfrm>
           <a:prstGeom prst="rect">
             <a:avLst/>
@@ -22317,14 +22375,14 @@
           <p:nvPr>
             <p:extLst>
               <p:ext uri="{D42A27DB-BD31-4B8C-83A1-F6EECF244321}">
-                <p14:modId xmlns:p14="http://schemas.microsoft.com/office/powerpoint/2010/main" val="445152937"/>
+                <p14:modId xmlns:p14="http://schemas.microsoft.com/office/powerpoint/2010/main" val="727016959"/>
               </p:ext>
             </p:extLst>
           </p:nvPr>
         </p:nvGraphicFramePr>
         <p:xfrm>
-          <a:off x="1969770" y="1981200"/>
-          <a:ext cx="8252460" cy="2987040"/>
+          <a:off x="2678747" y="2087880"/>
+          <a:ext cx="6834505" cy="2682240"/>
         </p:xfrm>
         <a:graphic>
           <a:graphicData uri="http://schemas.openxmlformats.org/drawingml/2006/table">
@@ -22333,7 +22391,7 @@
                 <a:tableStyleId>{5C22544A-7EE6-4342-B048-85BDC9FD1C3A}</a:tableStyleId>
               </a:tblPr>
               <a:tblGrid>
-                <a:gridCol w="8252460">
+                <a:gridCol w="6834505">
                   <a:extLst>
                     <a:ext uri="{9D8B030D-6E8A-4147-A177-3AD203B41FA5}">
                       <a16:colId xmlns:a16="http://schemas.microsoft.com/office/drawing/2014/main" val="3852552135"/>
@@ -22446,7 +22504,7 @@
                             <a:schemeClr val="tx1"/>
                           </a:solidFill>
                         </a:rPr>
-                        <a:t>자신</a:t>
+                        <a:t>타겟</a:t>
                       </a:r>
                       <a:r>
                         <a:rPr lang="en-US" altLang="ko-KR" sz="1400" b="0" dirty="0">
@@ -22454,7 +22512,7 @@
                             <a:schemeClr val="tx1"/>
                           </a:solidFill>
                         </a:rPr>
-                        <a:t>’,</a:t>
+                        <a:t>’</a:t>
                       </a:r>
                       <a:r>
                         <a:rPr lang="ko-KR" altLang="en-US" sz="1400" b="0" dirty="0">
@@ -22462,7 +22520,7 @@
                             <a:schemeClr val="tx1"/>
                           </a:solidFill>
                         </a:rPr>
-                        <a:t> </a:t>
+                        <a:t>과 </a:t>
                       </a:r>
                       <a:r>
                         <a:rPr lang="en-US" altLang="ko-KR" sz="1400" b="0" dirty="0">
@@ -22478,23 +22536,7 @@
                             <a:schemeClr val="tx1"/>
                           </a:solidFill>
                         </a:rPr>
-                        <a:t>다른 대상</a:t>
-                      </a:r>
-                      <a:r>
-                        <a:rPr lang="en-US" altLang="ko-KR" sz="1400" b="0" dirty="0">
-                          <a:solidFill>
-                            <a:schemeClr val="tx1"/>
-                          </a:solidFill>
-                        </a:rPr>
-                        <a:t>’, ‘</a:t>
-                      </a:r>
-                      <a:r>
-                        <a:rPr lang="ko-KR" altLang="en-US" sz="1400" b="0" dirty="0">
-                          <a:solidFill>
-                            <a:schemeClr val="tx1"/>
-                          </a:solidFill>
-                        </a:rPr>
-                        <a:t>지형</a:t>
+                        <a:t>논 타겟</a:t>
                       </a:r>
                       <a:r>
                         <a:rPr lang="en-US" altLang="ko-KR" sz="1400" b="0" dirty="0">
@@ -22700,8 +22742,8 @@
                     <a:lstStyle/>
                     <a:p>
                       <a:pPr marL="742950" lvl="1" indent="-285750" algn="l" latinLnBrk="1">
-                        <a:buFont typeface="Arial" panose="020B0604020202020204" pitchFamily="34" charset="0"/>
-                        <a:buChar char="•"/>
+                        <a:buFont typeface="Wingdings" panose="05000000000000000000" pitchFamily="2" charset="2"/>
+                        <a:buChar char="u"/>
                       </a:pPr>
                       <a:r>
                         <a:rPr lang="en-US" altLang="ko-KR" sz="1400" b="0" dirty="0">
@@ -22717,7 +22759,7 @@
                             <a:schemeClr val="tx1"/>
                           </a:solidFill>
                         </a:rPr>
-                        <a:t>자신</a:t>
+                        <a:t>타겟</a:t>
                       </a:r>
                       <a:r>
                         <a:rPr lang="en-US" altLang="ko-KR" sz="1400" b="0" dirty="0">
@@ -22729,9 +22771,22 @@
                       </a:r>
                     </a:p>
                     <a:p>
-                      <a:pPr marL="914400" lvl="2" indent="0" algn="l" latinLnBrk="1">
+                      <a:pPr marL="914400" marR="0" lvl="2" indent="0" algn="l" defTabSz="914400" rtl="0" eaLnBrk="1" fontAlgn="auto" latinLnBrk="1" hangingPunct="1">
+                        <a:lnSpc>
+                          <a:spcPct val="100000"/>
+                        </a:lnSpc>
+                        <a:spcBef>
+                          <a:spcPts val="0"/>
+                        </a:spcBef>
+                        <a:spcAft>
+                          <a:spcPts val="0"/>
+                        </a:spcAft>
+                        <a:buClrTx/>
+                        <a:buSzTx/>
                         <a:buFont typeface="Arial" panose="020B0604020202020204" pitchFamily="34" charset="0"/>
                         <a:buNone/>
+                        <a:tabLst/>
+                        <a:defRPr/>
                       </a:pPr>
                       <a:r>
                         <a:rPr lang="ko-KR" altLang="en-US" sz="1400" b="0" dirty="0">
@@ -22739,7 +22794,135 @@
                             <a:schemeClr val="tx1"/>
                           </a:solidFill>
                         </a:rPr>
-                        <a:t>사용하는 본인을 대상으로 사용하는 방법이다</a:t>
+                        <a:t>스킬을 사용하는 캐릭터 </a:t>
+                      </a:r>
+                      <a:r>
+                        <a:rPr lang="en-US" altLang="ko-KR" sz="1400" b="0" dirty="0">
+                          <a:solidFill>
+                            <a:schemeClr val="tx1"/>
+                          </a:solidFill>
+                        </a:rPr>
+                        <a:t>‘</a:t>
+                      </a:r>
+                      <a:r>
+                        <a:rPr lang="ko-KR" altLang="en-US" sz="1400" b="0" dirty="0">
+                          <a:solidFill>
+                            <a:schemeClr val="tx1"/>
+                          </a:solidFill>
+                        </a:rPr>
+                        <a:t>자신</a:t>
+                      </a:r>
+                      <a:r>
+                        <a:rPr lang="en-US" altLang="ko-KR" sz="1400" b="0" dirty="0">
+                          <a:solidFill>
+                            <a:schemeClr val="tx1"/>
+                          </a:solidFill>
+                        </a:rPr>
+                        <a:t>’</a:t>
+                      </a:r>
+                      <a:r>
+                        <a:rPr lang="ko-KR" altLang="en-US" sz="1400" b="0" dirty="0">
+                          <a:solidFill>
+                            <a:schemeClr val="tx1"/>
+                          </a:solidFill>
+                        </a:rPr>
+                        <a:t>을 대상으로 사용하거나 </a:t>
+                      </a:r>
+                      <a:endParaRPr lang="en-US" altLang="ko-KR" sz="1400" b="0" dirty="0">
+                        <a:solidFill>
+                          <a:schemeClr val="tx1"/>
+                        </a:solidFill>
+                      </a:endParaRPr>
+                    </a:p>
+                    <a:p>
+                      <a:pPr marL="914400" marR="0" lvl="2" indent="0" algn="l" defTabSz="914400" rtl="0" eaLnBrk="1" fontAlgn="auto" latinLnBrk="1" hangingPunct="1">
+                        <a:lnSpc>
+                          <a:spcPct val="100000"/>
+                        </a:lnSpc>
+                        <a:spcBef>
+                          <a:spcPts val="0"/>
+                        </a:spcBef>
+                        <a:spcAft>
+                          <a:spcPts val="0"/>
+                        </a:spcAft>
+                        <a:buClrTx/>
+                        <a:buSzTx/>
+                        <a:buFont typeface="Arial" panose="020B0604020202020204" pitchFamily="34" charset="0"/>
+                        <a:buNone/>
+                        <a:tabLst/>
+                        <a:defRPr/>
+                      </a:pPr>
+                      <a:r>
+                        <a:rPr lang="ko-KR" altLang="en-US" sz="1400" b="0" dirty="0">
+                          <a:solidFill>
+                            <a:schemeClr val="tx1"/>
+                          </a:solidFill>
+                        </a:rPr>
+                        <a:t>아군</a:t>
+                      </a:r>
+                      <a:r>
+                        <a:rPr lang="en-US" altLang="ko-KR" sz="1400" b="0" dirty="0">
+                          <a:solidFill>
+                            <a:schemeClr val="tx1"/>
+                          </a:solidFill>
+                        </a:rPr>
+                        <a:t>, </a:t>
+                      </a:r>
+                      <a:r>
+                        <a:rPr lang="ko-KR" altLang="en-US" sz="1400" b="0" dirty="0">
+                          <a:solidFill>
+                            <a:schemeClr val="tx1"/>
+                          </a:solidFill>
+                        </a:rPr>
+                        <a:t>몬스터</a:t>
+                      </a:r>
+                      <a:r>
+                        <a:rPr lang="en-US" altLang="ko-KR" sz="1400" b="0" dirty="0">
+                          <a:solidFill>
+                            <a:schemeClr val="tx1"/>
+                          </a:solidFill>
+                        </a:rPr>
+                        <a:t>, </a:t>
+                      </a:r>
+                      <a:r>
+                        <a:rPr lang="ko-KR" altLang="en-US" sz="1400" b="0" dirty="0">
+                          <a:solidFill>
+                            <a:schemeClr val="tx1"/>
+                          </a:solidFill>
+                        </a:rPr>
+                        <a:t>오브젝트 같은 </a:t>
+                      </a:r>
+                      <a:r>
+                        <a:rPr lang="en-US" altLang="ko-KR" sz="1400" b="0" dirty="0">
+                          <a:solidFill>
+                            <a:schemeClr val="tx1"/>
+                          </a:solidFill>
+                        </a:rPr>
+                        <a:t>‘</a:t>
+                      </a:r>
+                      <a:r>
+                        <a:rPr lang="ko-KR" altLang="en-US" sz="1400" b="0" dirty="0">
+                          <a:solidFill>
+                            <a:schemeClr val="tx1"/>
+                          </a:solidFill>
+                        </a:rPr>
+                        <a:t>다른 대상</a:t>
+                      </a:r>
+                      <a:r>
+                        <a:rPr lang="en-US" altLang="ko-KR" sz="1400" b="0" dirty="0">
+                          <a:solidFill>
+                            <a:schemeClr val="tx1"/>
+                          </a:solidFill>
+                        </a:rPr>
+                        <a:t>’</a:t>
+                      </a:r>
+                      <a:r>
+                        <a:rPr lang="ko-KR" altLang="en-US" sz="1400" b="0" dirty="0">
+                          <a:solidFill>
+                            <a:schemeClr val="tx1"/>
+                          </a:solidFill>
+                        </a:rPr>
+                        <a:t>을 대상으로 사용하는 방법이다</a:t>
                       </a:r>
                       <a:r>
                         <a:rPr lang="en-US" altLang="ko-KR" sz="1400" b="0" dirty="0">
@@ -22798,8 +22981,8 @@
                     <a:lstStyle/>
                     <a:p>
                       <a:pPr marL="742950" lvl="1" indent="-285750" algn="l" latinLnBrk="1">
-                        <a:buFont typeface="Arial" panose="020B0604020202020204" pitchFamily="34" charset="0"/>
-                        <a:buChar char="•"/>
+                        <a:buFont typeface="Wingdings" panose="05000000000000000000" pitchFamily="2" charset="2"/>
+                        <a:buChar char="u"/>
                       </a:pPr>
                       <a:r>
                         <a:rPr lang="en-US" altLang="ko-KR" sz="1400" b="0" dirty="0">
@@ -22815,7 +22998,7 @@
                             <a:schemeClr val="tx1"/>
                           </a:solidFill>
                         </a:rPr>
-                        <a:t>다른 대상</a:t>
+                        <a:t>논 타겟</a:t>
                       </a:r>
                       <a:r>
                         <a:rPr lang="en-US" altLang="ko-KR" sz="1400" b="0" dirty="0">
@@ -22832,12 +23015,20 @@
                         <a:buNone/>
                       </a:pPr>
                       <a:r>
+                        <a:rPr lang="en-US" altLang="ko-KR" sz="1400" b="0" dirty="0">
+                          <a:solidFill>
+                            <a:schemeClr val="tx1"/>
+                          </a:solidFill>
+                        </a:rPr>
+                        <a:t>‘</a:t>
+                      </a:r>
+                      <a:r>
                         <a:rPr lang="ko-KR" altLang="en-US" sz="1400" b="0" dirty="0">
                           <a:solidFill>
                             <a:schemeClr val="tx1"/>
                           </a:solidFill>
                         </a:rPr>
-                        <a:t>아군</a:t>
+                        <a:t>지형</a:t>
                       </a:r>
                       <a:r>
                         <a:rPr lang="en-US" altLang="ko-KR" sz="1400" b="0" dirty="0">
@@ -22845,7 +23036,7 @@
                             <a:schemeClr val="tx1"/>
                           </a:solidFill>
                         </a:rPr>
-                        <a:t>, </a:t>
+                        <a:t>’</a:t>
                       </a:r>
                       <a:r>
                         <a:rPr lang="ko-KR" altLang="en-US" sz="1400" b="0" dirty="0">
@@ -22853,119 +23044,7 @@
                             <a:schemeClr val="tx1"/>
                           </a:solidFill>
                         </a:rPr>
-                        <a:t>몬스터</a:t>
-                      </a:r>
-                      <a:r>
-                        <a:rPr lang="en-US" altLang="ko-KR" sz="1400" b="0" dirty="0">
-                          <a:solidFill>
-                            <a:schemeClr val="tx1"/>
-                          </a:solidFill>
-                        </a:rPr>
-                        <a:t>, </a:t>
-                      </a:r>
-                      <a:r>
-                        <a:rPr lang="ko-KR" altLang="en-US" sz="1400" b="0" dirty="0">
-                          <a:solidFill>
-                            <a:schemeClr val="tx1"/>
-                          </a:solidFill>
-                        </a:rPr>
-                        <a:t>오브젝트를 대상으로 사용하는 방법이다</a:t>
-                      </a:r>
-                      <a:r>
-                        <a:rPr lang="en-US" altLang="ko-KR" sz="1400" b="0" dirty="0">
-                          <a:solidFill>
-                            <a:schemeClr val="tx1"/>
-                          </a:solidFill>
-                        </a:rPr>
-                        <a:t>.</a:t>
-                      </a:r>
-                    </a:p>
-                  </a:txBody>
-                  <a:tcPr>
-                    <a:lnL w="12700" cmpd="sng">
-                      <a:noFill/>
-                    </a:lnL>
-                    <a:lnR w="12700" cmpd="sng">
-                      <a:noFill/>
-                    </a:lnR>
-                    <a:lnT w="12700" cap="flat" cmpd="sng" algn="ctr">
-                      <a:noFill/>
-                      <a:prstDash val="solid"/>
-                      <a:round/>
-                      <a:headEnd type="none" w="med" len="med"/>
-                      <a:tailEnd type="none" w="med" len="med"/>
-                    </a:lnT>
-                    <a:lnB w="12700" cap="flat" cmpd="sng" algn="ctr">
-                      <a:noFill/>
-                      <a:prstDash val="solid"/>
-                      <a:round/>
-                      <a:headEnd type="none" w="med" len="med"/>
-                      <a:tailEnd type="none" w="med" len="med"/>
-                    </a:lnB>
-                    <a:lnTlToBr w="12700" cmpd="sng">
-                      <a:noFill/>
-                      <a:prstDash val="solid"/>
-                    </a:lnTlToBr>
-                    <a:lnBlToTr w="12700" cmpd="sng">
-                      <a:noFill/>
-                      <a:prstDash val="solid"/>
-                    </a:lnBlToTr>
-                    <a:noFill/>
-                  </a:tcPr>
-                </a:tc>
-                <a:extLst>
-                  <a:ext uri="{0D108BD9-81ED-4DB2-BD59-A6C34878D82A}">
-                    <a16:rowId xmlns:a16="http://schemas.microsoft.com/office/drawing/2014/main" val="2418085743"/>
-                  </a:ext>
-                </a:extLst>
-              </a:tr>
-              <a:tr h="246289">
-                <a:tc>
-                  <a:txBody>
-                    <a:bodyPr/>
-                    <a:lstStyle/>
-                    <a:p>
-                      <a:pPr marL="742950" lvl="1" indent="-285750" algn="l" latinLnBrk="1">
-                        <a:buFont typeface="Arial" panose="020B0604020202020204" pitchFamily="34" charset="0"/>
-                        <a:buChar char="•"/>
-                      </a:pPr>
-                      <a:r>
-                        <a:rPr lang="en-US" altLang="ko-KR" sz="1400" b="0" dirty="0">
-                          <a:solidFill>
-                            <a:schemeClr val="tx1"/>
-                          </a:solidFill>
-                        </a:rPr>
-                        <a:t>‘</a:t>
-                      </a:r>
-                      <a:r>
-                        <a:rPr lang="ko-KR" altLang="en-US" sz="1400" b="0" dirty="0">
-                          <a:solidFill>
-                            <a:schemeClr val="tx1"/>
-                          </a:solidFill>
-                        </a:rPr>
-                        <a:t>지형</a:t>
-                      </a:r>
-                      <a:r>
-                        <a:rPr lang="en-US" altLang="ko-KR" sz="1400" b="0" dirty="0">
-                          <a:solidFill>
-                            <a:schemeClr val="tx1"/>
-                          </a:solidFill>
-                        </a:rPr>
-                        <a:t>’</a:t>
-                      </a:r>
-                    </a:p>
-                    <a:p>
-                      <a:pPr marL="914400" lvl="2" indent="0" algn="l" latinLnBrk="1">
-                        <a:buFont typeface="Arial" panose="020B0604020202020204" pitchFamily="34" charset="0"/>
-                        <a:buNone/>
-                      </a:pPr>
-                      <a:r>
-                        <a:rPr lang="ko-KR" altLang="en-US" sz="1400" b="0" dirty="0">
-                          <a:solidFill>
-                            <a:schemeClr val="tx1"/>
-                          </a:solidFill>
-                        </a:rPr>
-                        <a:t>지형을 대상으로 사용하는 방법이다</a:t>
+                        <a:t>을 대상으로 사용하는 방법이다</a:t>
                       </a:r>
                       <a:r>
                         <a:rPr lang="en-US" altLang="ko-KR" sz="1400" b="0" dirty="0">
@@ -23119,10 +23198,10 @@
       </p:sp>
       <p:pic>
         <p:nvPicPr>
-          <p:cNvPr id="5" name="그림 4" descr="스크린샷, 텍스트, 폰트, 원이(가) 표시된 사진&#10;&#10;자동 생성된 설명">
+          <p:cNvPr id="9" name="그림 8">
             <a:extLst>
               <a:ext uri="{FF2B5EF4-FFF2-40B4-BE49-F238E27FC236}">
-                <a16:creationId xmlns:a16="http://schemas.microsoft.com/office/drawing/2014/main" id="{A54A0CB2-A372-13D0-0F6F-5DE74DC134C5}"/>
+                <a16:creationId xmlns:a16="http://schemas.microsoft.com/office/drawing/2014/main" id="{FC13210A-728F-4B5E-BB1F-2004598A0042}"/>
               </a:ext>
             </a:extLst>
           </p:cNvPr>
@@ -23145,8 +23224,8 @@
         </p:blipFill>
         <p:spPr>
           <a:xfrm>
-            <a:off x="0" y="1510130"/>
-            <a:ext cx="12192000" cy="3837739"/>
+            <a:off x="2338387" y="1328737"/>
+            <a:ext cx="7515225" cy="4200525"/>
           </a:xfrm>
           <a:prstGeom prst="rect">
             <a:avLst/>
@@ -23266,7 +23345,7 @@
           <p:nvPr>
             <p:extLst>
               <p:ext uri="{D42A27DB-BD31-4B8C-83A1-F6EECF244321}">
-                <p14:modId xmlns:p14="http://schemas.microsoft.com/office/powerpoint/2010/main" val="114984228"/>
+                <p14:modId xmlns:p14="http://schemas.microsoft.com/office/powerpoint/2010/main" val="1744196305"/>
               </p:ext>
             </p:extLst>
           </p:nvPr>
@@ -23612,8 +23691,8 @@
                     <a:lstStyle/>
                     <a:p>
                       <a:pPr marL="742950" lvl="1" indent="-285750" algn="l" latinLnBrk="1">
-                        <a:buFont typeface="Arial" panose="020B0604020202020204" pitchFamily="34" charset="0"/>
-                        <a:buChar char="•"/>
+                        <a:buFont typeface="Wingdings" panose="05000000000000000000" pitchFamily="2" charset="2"/>
+                        <a:buChar char="u"/>
                       </a:pPr>
                       <a:r>
                         <a:rPr lang="en-US" altLang="ko-KR" sz="1400" b="0" dirty="0">
@@ -23734,8 +23813,8 @@
                     <a:lstStyle/>
                     <a:p>
                       <a:pPr marL="742950" lvl="1" indent="-285750" algn="l" latinLnBrk="1">
-                        <a:buFont typeface="Arial" panose="020B0604020202020204" pitchFamily="34" charset="0"/>
-                        <a:buChar char="•"/>
+                        <a:buFont typeface="Wingdings" panose="05000000000000000000" pitchFamily="2" charset="2"/>
+                        <a:buChar char="u"/>
                       </a:pPr>
                       <a:r>
                         <a:rPr lang="en-US" altLang="ko-KR" sz="1400" b="0" dirty="0">
@@ -23927,10 +24006,10 @@
       </p:sp>
       <p:pic>
         <p:nvPicPr>
-          <p:cNvPr id="3" name="그림 2" descr="텍스트, 스크린샷, 폰트, 도표이(가) 표시된 사진&#10;&#10;자동 생성된 설명">
+          <p:cNvPr id="4" name="그림 3">
             <a:extLst>
               <a:ext uri="{FF2B5EF4-FFF2-40B4-BE49-F238E27FC236}">
-                <a16:creationId xmlns:a16="http://schemas.microsoft.com/office/drawing/2014/main" id="{8A499FBE-3E98-2E7B-F849-52004A5935AA}"/>
+                <a16:creationId xmlns:a16="http://schemas.microsoft.com/office/drawing/2014/main" id="{72E2533F-1357-40CA-B001-5E6819E5B178}"/>
               </a:ext>
             </a:extLst>
           </p:cNvPr>
@@ -23953,8 +24032,8 @@
         </p:blipFill>
         <p:spPr>
           <a:xfrm>
-            <a:off x="2471737" y="1900237"/>
-            <a:ext cx="7248525" cy="3057525"/>
+            <a:off x="1519237" y="1766887"/>
+            <a:ext cx="9153525" cy="3324225"/>
           </a:xfrm>
           <a:prstGeom prst="rect">
             <a:avLst/>
@@ -24074,14 +24153,14 @@
           <p:nvPr>
             <p:extLst>
               <p:ext uri="{D42A27DB-BD31-4B8C-83A1-F6EECF244321}">
-                <p14:modId xmlns:p14="http://schemas.microsoft.com/office/powerpoint/2010/main" val="1999736585"/>
+                <p14:modId xmlns:p14="http://schemas.microsoft.com/office/powerpoint/2010/main" val="1579301680"/>
               </p:ext>
             </p:extLst>
           </p:nvPr>
         </p:nvGraphicFramePr>
         <p:xfrm>
-          <a:off x="1416050" y="2009775"/>
-          <a:ext cx="9401493" cy="3962400"/>
+          <a:off x="2235041" y="1722120"/>
+          <a:ext cx="7721918" cy="4693920"/>
         </p:xfrm>
         <a:graphic>
           <a:graphicData uri="http://schemas.openxmlformats.org/drawingml/2006/table">
@@ -24090,7 +24169,7 @@
                 <a:tableStyleId>{5C22544A-7EE6-4342-B048-85BDC9FD1C3A}</a:tableStyleId>
               </a:tblPr>
               <a:tblGrid>
-                <a:gridCol w="9401493">
+                <a:gridCol w="7721918">
                   <a:extLst>
                     <a:ext uri="{9D8B030D-6E8A-4147-A177-3AD203B41FA5}">
                       <a16:colId xmlns:a16="http://schemas.microsoft.com/office/drawing/2014/main" val="3852552135"/>
@@ -24187,135 +24266,7 @@
                             <a:schemeClr val="tx1"/>
                           </a:solidFill>
                         </a:rPr>
-                        <a:t>스킬을 사용하는 캐릭터가 발동 대상을 봤을 때 장애물이 완전히 </a:t>
-                      </a:r>
-                      <a:r>
-                        <a:rPr lang="en-US" altLang="ko-KR" sz="1400" b="0" dirty="0">
-                          <a:solidFill>
-                            <a:schemeClr val="tx1"/>
-                          </a:solidFill>
-                        </a:rPr>
-                        <a:t>‘</a:t>
-                      </a:r>
-                      <a:r>
-                        <a:rPr lang="ko-KR" altLang="en-US" sz="1400" b="0" dirty="0">
-                          <a:solidFill>
-                            <a:schemeClr val="tx1"/>
-                          </a:solidFill>
-                        </a:rPr>
-                        <a:t>가리는 경우</a:t>
-                      </a:r>
-                      <a:r>
-                        <a:rPr lang="en-US" altLang="ko-KR" sz="1400" b="0" dirty="0">
-                          <a:solidFill>
-                            <a:schemeClr val="tx1"/>
-                          </a:solidFill>
-                        </a:rPr>
-                        <a:t>’</a:t>
-                      </a:r>
-                      <a:r>
-                        <a:rPr lang="ko-KR" altLang="en-US" sz="1400" b="0" dirty="0">
-                          <a:solidFill>
-                            <a:schemeClr val="tx1"/>
-                          </a:solidFill>
-                        </a:rPr>
-                        <a:t>와 </a:t>
-                      </a:r>
-                      <a:r>
-                        <a:rPr lang="en-US" altLang="ko-KR" sz="1400" b="0" dirty="0">
-                          <a:solidFill>
-                            <a:schemeClr val="tx1"/>
-                          </a:solidFill>
-                        </a:rPr>
-                        <a:t>‘</a:t>
-                      </a:r>
-                      <a:r>
-                        <a:rPr lang="ko-KR" altLang="en-US" sz="1400" b="0" dirty="0">
-                          <a:solidFill>
-                            <a:schemeClr val="tx1"/>
-                          </a:solidFill>
-                        </a:rPr>
-                        <a:t>가리지 않는 경우</a:t>
-                      </a:r>
-                      <a:r>
-                        <a:rPr lang="en-US" altLang="ko-KR" sz="1400" b="0" dirty="0">
-                          <a:solidFill>
-                            <a:schemeClr val="tx1"/>
-                          </a:solidFill>
-                        </a:rPr>
-                        <a:t>’</a:t>
-                      </a:r>
-                      <a:r>
-                        <a:rPr lang="ko-KR" altLang="en-US" sz="1400" b="0" dirty="0">
-                          <a:solidFill>
-                            <a:schemeClr val="tx1"/>
-                          </a:solidFill>
-                        </a:rPr>
-                        <a:t>에 따른 처리와 </a:t>
-                      </a:r>
-                      <a:endParaRPr lang="en-US" altLang="ko-KR" sz="1400" b="0" dirty="0">
-                        <a:solidFill>
-                          <a:schemeClr val="tx1"/>
-                        </a:solidFill>
-                      </a:endParaRPr>
-                    </a:p>
-                    <a:p>
-                      <a:pPr algn="l" latinLnBrk="1"/>
-                      <a:r>
-                        <a:rPr lang="ko-KR" altLang="en-US" sz="1400" b="0" dirty="0">
-                          <a:solidFill>
-                            <a:schemeClr val="tx1"/>
-                          </a:solidFill>
-                        </a:rPr>
-                        <a:t>발동 대상의 </a:t>
-                      </a:r>
-                      <a:r>
-                        <a:rPr lang="en-US" altLang="ko-KR" sz="1400" b="0" dirty="0">
-                          <a:solidFill>
-                            <a:schemeClr val="tx1"/>
-                          </a:solidFill>
-                        </a:rPr>
-                        <a:t>‘</a:t>
-                      </a:r>
-                      <a:r>
-                        <a:rPr lang="ko-KR" altLang="en-US" sz="1400" b="0" dirty="0">
-                          <a:solidFill>
-                            <a:schemeClr val="tx1"/>
-                          </a:solidFill>
-                        </a:rPr>
-                        <a:t>타겟</a:t>
-                      </a:r>
-                      <a:r>
-                        <a:rPr lang="en-US" altLang="ko-KR" sz="1400" b="0" dirty="0">
-                          <a:solidFill>
-                            <a:schemeClr val="tx1"/>
-                          </a:solidFill>
-                        </a:rPr>
-                        <a:t>’, ‘</a:t>
-                      </a:r>
-                      <a:r>
-                        <a:rPr lang="ko-KR" altLang="en-US" sz="1400" b="0" dirty="0">
-                          <a:solidFill>
-                            <a:schemeClr val="tx1"/>
-                          </a:solidFill>
-                        </a:rPr>
-                        <a:t>논 타겟</a:t>
-                      </a:r>
-                      <a:r>
-                        <a:rPr lang="en-US" altLang="ko-KR" sz="1400" b="0" dirty="0">
-                          <a:solidFill>
-                            <a:schemeClr val="tx1"/>
-                          </a:solidFill>
-                        </a:rPr>
-                        <a:t>’</a:t>
-                      </a:r>
-                      <a:r>
-                        <a:rPr lang="ko-KR" altLang="en-US" sz="1400" b="0" dirty="0">
-                          <a:solidFill>
-                            <a:schemeClr val="tx1"/>
-                          </a:solidFill>
-                        </a:rPr>
-                        <a:t>에 따라서 처리가 다르다</a:t>
+                        <a:t>장애물의 타입과 스킬에 타입에 따라서 처리가 다르다</a:t>
                       </a:r>
                       <a:r>
                         <a:rPr lang="en-US" altLang="ko-KR" sz="1400" b="0" dirty="0">
@@ -24492,8 +24443,8 @@
                     <a:lstStyle/>
                     <a:p>
                       <a:pPr marL="742950" lvl="1" indent="-285750" algn="l" latinLnBrk="1">
-                        <a:buFont typeface="Arial" panose="020B0604020202020204" pitchFamily="34" charset="0"/>
-                        <a:buChar char="•"/>
+                        <a:buFont typeface="Wingdings" panose="05000000000000000000" pitchFamily="2" charset="2"/>
+                        <a:buChar char="u"/>
                       </a:pPr>
                       <a:r>
                         <a:rPr lang="en-US" altLang="ko-KR" sz="1400" b="0" dirty="0">
@@ -24509,7 +24460,7 @@
                             <a:schemeClr val="tx1"/>
                           </a:solidFill>
                         </a:rPr>
-                        <a:t>가리는 경우</a:t>
+                        <a:t>무시 가능한 경우</a:t>
                       </a:r>
                       <a:r>
                         <a:rPr lang="en-US" altLang="ko-KR" sz="1400" b="0" dirty="0">
@@ -24539,7 +24490,7 @@
                             <a:schemeClr val="tx1"/>
                           </a:solidFill>
                         </a:rPr>
-                        <a:t>타겟</a:t>
+                        <a:t>장애물이 작은 경우</a:t>
                       </a:r>
                       <a:r>
                         <a:rPr lang="en-US" altLang="ko-KR" sz="1400" b="0" dirty="0">
@@ -24551,17 +24502,25 @@
                       </a:r>
                     </a:p>
                     <a:p>
-                      <a:pPr marL="1371600" lvl="3" indent="0" algn="l" latinLnBrk="1">
-                        <a:buFont typeface="Wingdings" panose="05000000000000000000" pitchFamily="2" charset="2"/>
-                        <a:buNone/>
+                      <a:pPr marL="1657350" lvl="3" indent="-285750" algn="l" latinLnBrk="1">
+                        <a:buFont typeface="Arial" panose="020B0604020202020204" pitchFamily="34" charset="0"/>
+                        <a:buChar char="•"/>
                       </a:pPr>
                       <a:r>
+                        <a:rPr lang="en-US" altLang="ko-KR" sz="1400" b="0" dirty="0">
+                          <a:solidFill>
+                            <a:schemeClr val="tx1"/>
+                          </a:solidFill>
+                        </a:rPr>
+                        <a:t>‘</a:t>
+                      </a:r>
+                      <a:r>
                         <a:rPr lang="ko-KR" altLang="en-US" sz="1400" b="0" dirty="0">
                           <a:solidFill>
                             <a:schemeClr val="tx1"/>
                           </a:solidFill>
                         </a:rPr>
-                        <a:t>스킬을 사용하지 않는다</a:t>
+                        <a:t>장애물 위로 이동이 가능한 경우</a:t>
                       </a:r>
                       <a:r>
                         <a:rPr lang="en-US" altLang="ko-KR" sz="1400" b="0" dirty="0">
@@ -24569,7 +24528,37 @@
                             <a:schemeClr val="tx1"/>
                           </a:solidFill>
                         </a:rPr>
-                        <a:t>.</a:t>
+                        <a:t>’</a:t>
+                      </a:r>
+                    </a:p>
+                    <a:p>
+                      <a:pPr marL="1657350" lvl="3" indent="-285750" algn="l" latinLnBrk="1">
+                        <a:buFont typeface="Arial" panose="020B0604020202020204" pitchFamily="34" charset="0"/>
+                        <a:buChar char="•"/>
+                      </a:pPr>
+                      <a:r>
+                        <a:rPr lang="en-US" altLang="ko-KR" sz="1400" b="0" dirty="0">
+                          <a:solidFill>
+                            <a:schemeClr val="tx1"/>
+                          </a:solidFill>
+                        </a:rPr>
+                        <a:t>‘</a:t>
+                      </a:r>
+                      <a:r>
+                        <a:rPr lang="ko-KR" altLang="en-US" sz="1400" b="0" dirty="0">
+                          <a:solidFill>
+                            <a:schemeClr val="tx1"/>
+                          </a:solidFill>
+                        </a:rPr>
+                        <a:t>장애물 위로 이동이 불가능한 경우</a:t>
+                      </a:r>
+                      <a:r>
+                        <a:rPr lang="en-US" altLang="ko-KR" sz="1400" b="0" dirty="0">
+                          <a:solidFill>
+                            <a:schemeClr val="tx1"/>
+                          </a:solidFill>
+                        </a:rPr>
+                        <a:t>’</a:t>
                       </a:r>
                     </a:p>
                     <a:p>
@@ -24591,7 +24580,7 @@
                             <a:schemeClr val="tx1"/>
                           </a:solidFill>
                         </a:rPr>
-                        <a:t>논 타겟</a:t>
+                        <a:t>통과 가능한 경우</a:t>
                       </a:r>
                       <a:r>
                         <a:rPr lang="en-US" altLang="ko-KR" sz="1400" b="0" dirty="0">
@@ -24603,17 +24592,25 @@
                       </a:r>
                     </a:p>
                     <a:p>
-                      <a:pPr marL="1371600" lvl="3" indent="0" algn="l" latinLnBrk="1">
+                      <a:pPr marL="1657350" lvl="3" indent="-285750" algn="l" latinLnBrk="1">
                         <a:buFont typeface="Arial" panose="020B0604020202020204" pitchFamily="34" charset="0"/>
-                        <a:buNone/>
+                        <a:buChar char="•"/>
                       </a:pPr>
                       <a:r>
+                        <a:rPr lang="en-US" altLang="ko-KR" sz="1400" b="0" dirty="0">
+                          <a:solidFill>
+                            <a:schemeClr val="tx1"/>
+                          </a:solidFill>
+                        </a:rPr>
+                        <a:t>‘</a:t>
+                      </a:r>
+                      <a:r>
                         <a:rPr lang="ko-KR" altLang="en-US" sz="1400" b="0" dirty="0">
                           <a:solidFill>
                             <a:schemeClr val="tx1"/>
                           </a:solidFill>
                         </a:rPr>
-                        <a:t>스킬이 사용된다</a:t>
+                        <a:t>파괴 가능한 경우</a:t>
                       </a:r>
                       <a:r>
                         <a:rPr lang="en-US" altLang="ko-KR" sz="1400" b="0" dirty="0">
@@ -24621,7 +24618,50 @@
                             <a:schemeClr val="tx1"/>
                           </a:solidFill>
                         </a:rPr>
-                        <a:t>.</a:t>
+                        <a:t>’</a:t>
+                      </a:r>
+                    </a:p>
+                    <a:p>
+                      <a:pPr marL="1657350" marR="0" lvl="3" indent="-285750" algn="l" defTabSz="914400" rtl="0" eaLnBrk="1" fontAlgn="auto" latinLnBrk="1" hangingPunct="1">
+                        <a:lnSpc>
+                          <a:spcPct val="100000"/>
+                        </a:lnSpc>
+                        <a:spcBef>
+                          <a:spcPts val="0"/>
+                        </a:spcBef>
+                        <a:spcAft>
+                          <a:spcPts val="0"/>
+                        </a:spcAft>
+                        <a:buClrTx/>
+                        <a:buSzTx/>
+                        <a:buFont typeface="Arial" panose="020B0604020202020204" pitchFamily="34" charset="0"/>
+                        <a:buChar char="•"/>
+                        <a:tabLst/>
+                        <a:defRPr/>
+                      </a:pPr>
+                      <a:r>
+                        <a:rPr lang="en-US" altLang="ko-KR" sz="1400" b="0" dirty="0">
+                          <a:solidFill>
+                            <a:schemeClr val="tx1"/>
+                          </a:solidFill>
+                        </a:rPr>
+                        <a:t>‘</a:t>
+                      </a:r>
+                      <a:r>
+                        <a:rPr lang="ko-KR" altLang="en-US" sz="1400" b="0" dirty="0">
+                          <a:solidFill>
+                            <a:schemeClr val="tx1"/>
+                          </a:solidFill>
+                        </a:rPr>
+                        <a:t>파괴 불가능한 경우</a:t>
+                      </a:r>
+                      <a:r>
+                        <a:rPr lang="en-US" altLang="ko-KR" sz="1400" b="0" dirty="0">
+                          <a:solidFill>
+                            <a:schemeClr val="tx1"/>
+                          </a:solidFill>
+                        </a:rPr>
+                        <a:t>’</a:t>
                       </a:r>
                     </a:p>
                   </a:txBody>
@@ -24672,8 +24712,8 @@
                     <a:lstStyle/>
                     <a:p>
                       <a:pPr marL="742950" lvl="1" indent="-285750" algn="l" latinLnBrk="1">
-                        <a:buFont typeface="Arial" panose="020B0604020202020204" pitchFamily="34" charset="0"/>
-                        <a:buChar char="•"/>
+                        <a:buFont typeface="Wingdings" panose="05000000000000000000" pitchFamily="2" charset="2"/>
+                        <a:buChar char="u"/>
                       </a:pPr>
                       <a:r>
                         <a:rPr lang="en-US" altLang="ko-KR" sz="1400" b="0" dirty="0">
@@ -24689,7 +24729,7 @@
                             <a:schemeClr val="tx1"/>
                           </a:solidFill>
                         </a:rPr>
-                        <a:t>가리지 않는 경우</a:t>
+                        <a:t>무시 못하는 경우</a:t>
                       </a:r>
                       <a:r>
                         <a:rPr lang="en-US" altLang="ko-KR" sz="1400" b="0" dirty="0">
@@ -24698,6 +24738,49 @@
                           </a:solidFill>
                         </a:rPr>
                         <a:t>‘</a:t>
+                      </a:r>
+                    </a:p>
+                    <a:p>
+                      <a:pPr marL="1200150" marR="0" lvl="2" indent="-285750" algn="l" defTabSz="914400" rtl="0" eaLnBrk="1" fontAlgn="auto" latinLnBrk="1" hangingPunct="1">
+                        <a:lnSpc>
+                          <a:spcPct val="100000"/>
+                        </a:lnSpc>
+                        <a:spcBef>
+                          <a:spcPts val="0"/>
+                        </a:spcBef>
+                        <a:spcAft>
+                          <a:spcPts val="0"/>
+                        </a:spcAft>
+                        <a:buClrTx/>
+                        <a:buSzTx/>
+                        <a:buFont typeface="Wingdings" panose="05000000000000000000" pitchFamily="2" charset="2"/>
+                        <a:buChar char="§"/>
+                        <a:tabLst/>
+                        <a:defRPr/>
+                      </a:pPr>
+                      <a:r>
+                        <a:rPr lang="en-US" altLang="ko-KR" sz="1400" b="0" dirty="0">
+                          <a:solidFill>
+                            <a:schemeClr val="tx1"/>
+                          </a:solidFill>
+                        </a:rPr>
+                        <a:t>‘</a:t>
+                      </a:r>
+                      <a:r>
+                        <a:rPr lang="ko-KR" altLang="en-US" sz="1400" b="0" dirty="0">
+                          <a:solidFill>
+                            <a:schemeClr val="tx1"/>
+                          </a:solidFill>
+                        </a:rPr>
+                        <a:t>파괴 가능한 경우</a:t>
+                      </a:r>
+                      <a:r>
+                        <a:rPr lang="en-US" altLang="ko-KR" sz="1400" b="0" dirty="0">
+                          <a:solidFill>
+                            <a:schemeClr val="tx1"/>
+                          </a:solidFill>
+                        </a:rPr>
+                        <a:t>’</a:t>
                       </a:r>
                     </a:p>
                     <a:p>
@@ -24719,7 +24802,7 @@
                             <a:schemeClr val="tx1"/>
                           </a:solidFill>
                         </a:rPr>
-                        <a:t>타겟</a:t>
+                        <a:t>파괴 불가능한 경우</a:t>
                       </a:r>
                       <a:r>
                         <a:rPr lang="en-US" altLang="ko-KR" sz="1400" b="0" dirty="0">
@@ -24728,80 +24811,6 @@
                           </a:solidFill>
                         </a:rPr>
                         <a:t>’</a:t>
-                      </a:r>
-                    </a:p>
-                    <a:p>
-                      <a:pPr marL="1371600" lvl="3" indent="0" algn="l" latinLnBrk="1">
-                        <a:buFont typeface="Wingdings" panose="05000000000000000000" pitchFamily="2" charset="2"/>
-                        <a:buNone/>
-                      </a:pPr>
-                      <a:r>
-                        <a:rPr lang="ko-KR" altLang="en-US" sz="1400" b="0" dirty="0">
-                          <a:solidFill>
-                            <a:schemeClr val="tx1"/>
-                          </a:solidFill>
-                        </a:rPr>
-                        <a:t>장애물을 피해서 이동한다</a:t>
-                      </a:r>
-                      <a:r>
-                        <a:rPr lang="en-US" altLang="ko-KR" sz="1400" b="0" dirty="0">
-                          <a:solidFill>
-                            <a:schemeClr val="tx1"/>
-                          </a:solidFill>
-                        </a:rPr>
-                        <a:t>.</a:t>
-                      </a:r>
-                    </a:p>
-                    <a:p>
-                      <a:pPr marL="1200150" lvl="2" indent="-285750" algn="l" latinLnBrk="1">
-                        <a:buFont typeface="Wingdings" panose="05000000000000000000" pitchFamily="2" charset="2"/>
-                        <a:buChar char="§"/>
-                      </a:pPr>
-                      <a:r>
-                        <a:rPr lang="en-US" altLang="ko-KR" sz="1400" b="0" dirty="0">
-                          <a:solidFill>
-                            <a:schemeClr val="tx1"/>
-                          </a:solidFill>
-                        </a:rPr>
-                        <a:t>‘</a:t>
-                      </a:r>
-                      <a:r>
-                        <a:rPr lang="ko-KR" altLang="en-US" sz="1400" b="0" dirty="0">
-                          <a:solidFill>
-                            <a:schemeClr val="tx1"/>
-                          </a:solidFill>
-                        </a:rPr>
-                        <a:t>논 타겟</a:t>
-                      </a:r>
-                      <a:r>
-                        <a:rPr lang="en-US" altLang="ko-KR" sz="1400" b="0" dirty="0">
-                          <a:solidFill>
-                            <a:schemeClr val="tx1"/>
-                          </a:solidFill>
-                        </a:rPr>
-                        <a:t>’</a:t>
-                      </a:r>
-                    </a:p>
-                    <a:p>
-                      <a:pPr marL="1371600" lvl="3" indent="0" algn="l" latinLnBrk="1">
-                        <a:buFont typeface="Arial" panose="020B0604020202020204" pitchFamily="34" charset="0"/>
-                        <a:buNone/>
-                      </a:pPr>
-                      <a:r>
-                        <a:rPr lang="ko-KR" altLang="en-US" sz="1400" b="0" dirty="0">
-                          <a:solidFill>
-                            <a:schemeClr val="tx1"/>
-                          </a:solidFill>
-                        </a:rPr>
-                        <a:t>스킬이 사용된다</a:t>
-                      </a:r>
-                      <a:r>
-                        <a:rPr lang="en-US" altLang="ko-KR" sz="1400" b="0" dirty="0">
-                          <a:solidFill>
-                            <a:schemeClr val="tx1"/>
-                          </a:solidFill>
-                        </a:rPr>
-                        <a:t>.</a:t>
                       </a:r>
                     </a:p>
                   </a:txBody>
@@ -24840,6 +24849,151 @@
                 <a:extLst>
                   <a:ext uri="{0D108BD9-81ED-4DB2-BD59-A6C34878D82A}">
                     <a16:rowId xmlns:a16="http://schemas.microsoft.com/office/drawing/2014/main" val="2418085743"/>
+                  </a:ext>
+                </a:extLst>
+              </a:tr>
+              <a:tr h="246289">
+                <a:tc>
+                  <a:txBody>
+                    <a:bodyPr/>
+                    <a:lstStyle/>
+                    <a:p>
+                      <a:pPr marL="742950" lvl="1" indent="-285750" algn="l" latinLnBrk="1">
+                        <a:buFont typeface="Wingdings" panose="05000000000000000000" pitchFamily="2" charset="2"/>
+                        <a:buChar char="u"/>
+                      </a:pPr>
+                      <a:r>
+                        <a:rPr lang="en-US" altLang="ko-KR" sz="1400" b="0" dirty="0">
+                          <a:solidFill>
+                            <a:schemeClr val="tx1"/>
+                          </a:solidFill>
+                        </a:rPr>
+                        <a:t>‘</a:t>
+                      </a:r>
+                      <a:r>
+                        <a:rPr lang="ko-KR" altLang="en-US" sz="1400" b="0" dirty="0">
+                          <a:solidFill>
+                            <a:schemeClr val="tx1"/>
+                          </a:solidFill>
+                        </a:rPr>
+                        <a:t>사용 중간에 장애물 생기는 경우</a:t>
+                      </a:r>
+                      <a:r>
+                        <a:rPr lang="en-US" altLang="ko-KR" sz="1400" b="0" dirty="0">
+                          <a:solidFill>
+                            <a:schemeClr val="tx1"/>
+                          </a:solidFill>
+                        </a:rPr>
+                        <a:t>’</a:t>
+                      </a:r>
+                    </a:p>
+                    <a:p>
+                      <a:pPr marL="1200150" lvl="2" indent="-285750" algn="l" latinLnBrk="1">
+                        <a:buFont typeface="Wingdings" panose="05000000000000000000" pitchFamily="2" charset="2"/>
+                        <a:buChar char="§"/>
+                      </a:pPr>
+                      <a:r>
+                        <a:rPr lang="en-US" altLang="ko-KR" sz="1400" b="0" dirty="0">
+                          <a:solidFill>
+                            <a:schemeClr val="tx1"/>
+                          </a:solidFill>
+                        </a:rPr>
+                        <a:t>‘</a:t>
+                      </a:r>
+                      <a:r>
+                        <a:rPr lang="ko-KR" altLang="en-US" sz="1400" b="0" dirty="0">
+                          <a:solidFill>
+                            <a:schemeClr val="tx1"/>
+                          </a:solidFill>
+                        </a:rPr>
+                        <a:t>무시 가능한 경우</a:t>
+                      </a:r>
+                      <a:r>
+                        <a:rPr lang="en-US" altLang="ko-KR" sz="1400" b="0" dirty="0">
+                          <a:solidFill>
+                            <a:schemeClr val="tx1"/>
+                          </a:solidFill>
+                        </a:rPr>
+                        <a:t>’</a:t>
+                      </a:r>
+                    </a:p>
+                    <a:p>
+                      <a:pPr marL="1200150" lvl="2" indent="-285750" algn="l" latinLnBrk="1">
+                        <a:buFont typeface="Wingdings" panose="05000000000000000000" pitchFamily="2" charset="2"/>
+                        <a:buChar char="§"/>
+                      </a:pPr>
+                      <a:r>
+                        <a:rPr lang="en-US" altLang="ko-KR" sz="1400" b="0" dirty="0">
+                          <a:solidFill>
+                            <a:schemeClr val="tx1"/>
+                          </a:solidFill>
+                        </a:rPr>
+                        <a:t>‘</a:t>
+                      </a:r>
+                      <a:r>
+                        <a:rPr lang="ko-KR" altLang="en-US" sz="1400" b="0" dirty="0">
+                          <a:solidFill>
+                            <a:schemeClr val="tx1"/>
+                          </a:solidFill>
+                        </a:rPr>
+                        <a:t>무시 불가능한 경우</a:t>
+                      </a:r>
+                      <a:r>
+                        <a:rPr lang="en-US" altLang="ko-KR" sz="1400" b="0" dirty="0">
+                          <a:solidFill>
+                            <a:schemeClr val="tx1"/>
+                          </a:solidFill>
+                        </a:rPr>
+                        <a:t>’</a:t>
+                      </a:r>
+                    </a:p>
+                    <a:p>
+                      <a:pPr marL="1200150" lvl="2" indent="-285750" algn="l" latinLnBrk="1">
+                        <a:buFont typeface="Wingdings" panose="05000000000000000000" pitchFamily="2" charset="2"/>
+                        <a:buChar char="§"/>
+                      </a:pPr>
+                      <a:endParaRPr lang="en-US" altLang="ko-KR" sz="1400" b="0" dirty="0">
+                        <a:solidFill>
+                          <a:schemeClr val="tx1"/>
+                        </a:solidFill>
+                      </a:endParaRPr>
+                    </a:p>
+                  </a:txBody>
+                  <a:tcPr>
+                    <a:lnL w="12700" cmpd="sng">
+                      <a:noFill/>
+                    </a:lnL>
+                    <a:lnR w="12700" cmpd="sng">
+                      <a:noFill/>
+                    </a:lnR>
+                    <a:lnT w="12700" cap="flat" cmpd="sng" algn="ctr">
+                      <a:noFill/>
+                      <a:prstDash val="solid"/>
+                      <a:round/>
+                      <a:headEnd type="none" w="med" len="med"/>
+                      <a:tailEnd type="none" w="med" len="med"/>
+                    </a:lnT>
+                    <a:lnB w="12700" cap="flat" cmpd="sng" algn="ctr">
+                      <a:noFill/>
+                      <a:prstDash val="solid"/>
+                      <a:round/>
+                      <a:headEnd type="none" w="med" len="med"/>
+                      <a:tailEnd type="none" w="med" len="med"/>
+                    </a:lnB>
+                    <a:lnTlToBr w="12700" cmpd="sng">
+                      <a:noFill/>
+                      <a:prstDash val="solid"/>
+                    </a:lnTlToBr>
+                    <a:lnBlToTr w="12700" cmpd="sng">
+                      <a:noFill/>
+                      <a:prstDash val="solid"/>
+                    </a:lnBlToTr>
+                    <a:noFill/>
+                  </a:tcPr>
+                </a:tc>
+                <a:extLst>
+                  <a:ext uri="{0D108BD9-81ED-4DB2-BD59-A6C34878D82A}">
+                    <a16:rowId xmlns:a16="http://schemas.microsoft.com/office/drawing/2014/main" val="345720511"/>
                   </a:ext>
                 </a:extLst>
               </a:tr>
@@ -25081,10 +25235,10 @@
       </p:sp>
       <p:pic>
         <p:nvPicPr>
-          <p:cNvPr id="6" name="그림 5" descr="텍스트, 스크린샷, 폰트, 그래픽이(가) 표시된 사진&#10;&#10;자동 생성된 설명">
+          <p:cNvPr id="3" name="그림 2">
             <a:extLst>
               <a:ext uri="{FF2B5EF4-FFF2-40B4-BE49-F238E27FC236}">
-                <a16:creationId xmlns:a16="http://schemas.microsoft.com/office/drawing/2014/main" id="{C68EF5CA-D16F-CF3C-E2A6-D99E5F4AFC68}"/>
+                <a16:creationId xmlns:a16="http://schemas.microsoft.com/office/drawing/2014/main" id="{DFFA9A80-5575-4BD3-BC45-8C7D3479C7DE}"/>
               </a:ext>
             </a:extLst>
           </p:cNvPr>
@@ -25107,8 +25261,8 @@
         </p:blipFill>
         <p:spPr>
           <a:xfrm>
-            <a:off x="4376737" y="1328737"/>
-            <a:ext cx="3438525" cy="4200525"/>
+            <a:off x="4376737" y="1194043"/>
+            <a:ext cx="3438525" cy="4772025"/>
           </a:xfrm>
           <a:prstGeom prst="rect">
             <a:avLst/>
@@ -25215,10 +25369,10 @@
       </p:sp>
       <p:pic>
         <p:nvPicPr>
-          <p:cNvPr id="6" name="그림 5" descr="텍스트, 스크린샷, 폰트, 원이(가) 표시된 사진&#10;&#10;자동 생성된 설명">
+          <p:cNvPr id="3" name="그림 2">
             <a:extLst>
               <a:ext uri="{FF2B5EF4-FFF2-40B4-BE49-F238E27FC236}">
-                <a16:creationId xmlns:a16="http://schemas.microsoft.com/office/drawing/2014/main" id="{BF092F0E-AFB8-922C-A248-B7AD3D2C254D}"/>
+                <a16:creationId xmlns:a16="http://schemas.microsoft.com/office/drawing/2014/main" id="{AEA615EF-7191-46A6-B906-7D8C582E4F94}"/>
               </a:ext>
             </a:extLst>
           </p:cNvPr>
@@ -25241,8 +25395,8 @@
         </p:blipFill>
         <p:spPr>
           <a:xfrm>
-            <a:off x="1900237" y="1328737"/>
-            <a:ext cx="8391525" cy="4200525"/>
+            <a:off x="4376737" y="1328737"/>
+            <a:ext cx="3438525" cy="4200525"/>
           </a:xfrm>
           <a:prstGeom prst="rect">
             <a:avLst/>
@@ -25349,10 +25503,10 @@
       </p:sp>
       <p:pic>
         <p:nvPicPr>
-          <p:cNvPr id="6" name="그림 5" descr="텍스트, 스크린샷, 폰트, 원이(가) 표시된 사진&#10;&#10;자동 생성된 설명">
+          <p:cNvPr id="3" name="그림 2">
             <a:extLst>
               <a:ext uri="{FF2B5EF4-FFF2-40B4-BE49-F238E27FC236}">
-                <a16:creationId xmlns:a16="http://schemas.microsoft.com/office/drawing/2014/main" id="{93055391-8375-93FF-D915-3C068E7E3BFC}"/>
+                <a16:creationId xmlns:a16="http://schemas.microsoft.com/office/drawing/2014/main" id="{900F17F0-56AE-4ACE-98AA-1D04F289D5CD}"/>
               </a:ext>
             </a:extLst>
           </p:cNvPr>
@@ -25375,8 +25529,8 @@
         </p:blipFill>
         <p:spPr>
           <a:xfrm>
-            <a:off x="1900237" y="1328737"/>
-            <a:ext cx="8391525" cy="4200525"/>
+            <a:off x="2471737" y="1289172"/>
+            <a:ext cx="7248525" cy="4772025"/>
           </a:xfrm>
           <a:prstGeom prst="rect">
             <a:avLst/>

--- a/기획/방랑엽사전/스킬 시스템 기획서.pptx
+++ b/기획/방랑엽사전/스킬 시스템 기획서.pptx
@@ -5,7 +5,7 @@
     <p:sldMasterId id="2147483715" r:id="rId1"/>
   </p:sldMasterIdLst>
   <p:notesMasterIdLst>
-    <p:notesMasterId r:id="rId41"/>
+    <p:notesMasterId r:id="rId44"/>
   </p:notesMasterIdLst>
   <p:sldIdLst>
     <p:sldId id="258" r:id="rId2"/>
@@ -42,11 +42,14 @@
     <p:sldId id="338" r:id="rId33"/>
     <p:sldId id="333" r:id="rId34"/>
     <p:sldId id="334" r:id="rId35"/>
-    <p:sldId id="335" r:id="rId36"/>
+    <p:sldId id="345" r:id="rId36"/>
     <p:sldId id="336" r:id="rId37"/>
-    <p:sldId id="342" r:id="rId38"/>
-    <p:sldId id="343" r:id="rId39"/>
-    <p:sldId id="344" r:id="rId40"/>
+    <p:sldId id="346" r:id="rId38"/>
+    <p:sldId id="347" r:id="rId39"/>
+    <p:sldId id="348" r:id="rId40"/>
+    <p:sldId id="342" r:id="rId41"/>
+    <p:sldId id="343" r:id="rId42"/>
+    <p:sldId id="344" r:id="rId43"/>
   </p:sldIdLst>
   <p:sldSz cx="12192000" cy="6858000"/>
   <p:notesSz cx="6858000" cy="9144000"/>
@@ -283,7 +286,7 @@
           <a:p>
             <a:fld id="{C8649E71-8129-4905-BAC0-51D65A0C1379}" type="datetimeFigureOut">
               <a:rPr lang="ko-KR" altLang="en-US" smtClean="0"/>
-              <a:t>2024-02-22</a:t>
+              <a:t>2024-02-23</a:t>
             </a:fld>
             <a:endParaRPr lang="ko-KR" altLang="en-US"/>
           </a:p>
@@ -781,7 +784,7 @@
           <a:p>
             <a:fld id="{523D6941-6B33-4834-BC65-A333846D27E6}" type="datetimeFigureOut">
               <a:rPr lang="ko-KR" altLang="en-US" smtClean="0"/>
-              <a:t>2024-02-22</a:t>
+              <a:t>2024-02-23</a:t>
             </a:fld>
             <a:endParaRPr lang="ko-KR" altLang="en-US"/>
           </a:p>
@@ -979,7 +982,7 @@
           <a:p>
             <a:fld id="{523D6941-6B33-4834-BC65-A333846D27E6}" type="datetimeFigureOut">
               <a:rPr lang="ko-KR" altLang="en-US" smtClean="0"/>
-              <a:t>2024-02-22</a:t>
+              <a:t>2024-02-23</a:t>
             </a:fld>
             <a:endParaRPr lang="ko-KR" altLang="en-US"/>
           </a:p>
@@ -1187,7 +1190,7 @@
           <a:p>
             <a:fld id="{523D6941-6B33-4834-BC65-A333846D27E6}" type="datetimeFigureOut">
               <a:rPr lang="ko-KR" altLang="en-US" smtClean="0"/>
-              <a:t>2024-02-22</a:t>
+              <a:t>2024-02-23</a:t>
             </a:fld>
             <a:endParaRPr lang="ko-KR" altLang="en-US"/>
           </a:p>
@@ -1400,7 +1403,7 @@
           <a:p>
             <a:fld id="{523D6941-6B33-4834-BC65-A333846D27E6}" type="datetimeFigureOut">
               <a:rPr lang="ko-KR" altLang="en-US" smtClean="0"/>
-              <a:t>2024-02-22</a:t>
+              <a:t>2024-02-23</a:t>
             </a:fld>
             <a:endParaRPr lang="ko-KR" altLang="en-US"/>
           </a:p>
@@ -1685,7 +1688,7 @@
           <a:p>
             <a:fld id="{523D6941-6B33-4834-BC65-A333846D27E6}" type="datetimeFigureOut">
               <a:rPr lang="ko-KR" altLang="en-US" smtClean="0"/>
-              <a:t>2024-02-22</a:t>
+              <a:t>2024-02-23</a:t>
             </a:fld>
             <a:endParaRPr lang="ko-KR" altLang="en-US"/>
           </a:p>
@@ -1950,7 +1953,7 @@
           <a:p>
             <a:fld id="{523D6941-6B33-4834-BC65-A333846D27E6}" type="datetimeFigureOut">
               <a:rPr lang="ko-KR" altLang="en-US" smtClean="0"/>
-              <a:t>2024-02-22</a:t>
+              <a:t>2024-02-23</a:t>
             </a:fld>
             <a:endParaRPr lang="ko-KR" altLang="en-US"/>
           </a:p>
@@ -2362,7 +2365,7 @@
           <a:p>
             <a:fld id="{523D6941-6B33-4834-BC65-A333846D27E6}" type="datetimeFigureOut">
               <a:rPr lang="ko-KR" altLang="en-US" smtClean="0"/>
-              <a:t>2024-02-22</a:t>
+              <a:t>2024-02-23</a:t>
             </a:fld>
             <a:endParaRPr lang="ko-KR" altLang="en-US"/>
           </a:p>
@@ -2503,7 +2506,7 @@
           <a:p>
             <a:fld id="{523D6941-6B33-4834-BC65-A333846D27E6}" type="datetimeFigureOut">
               <a:rPr lang="ko-KR" altLang="en-US" smtClean="0"/>
-              <a:t>2024-02-22</a:t>
+              <a:t>2024-02-23</a:t>
             </a:fld>
             <a:endParaRPr lang="ko-KR" altLang="en-US"/>
           </a:p>
@@ -2616,7 +2619,7 @@
           <a:p>
             <a:fld id="{523D6941-6B33-4834-BC65-A333846D27E6}" type="datetimeFigureOut">
               <a:rPr lang="ko-KR" altLang="en-US" smtClean="0"/>
-              <a:t>2024-02-22</a:t>
+              <a:t>2024-02-23</a:t>
             </a:fld>
             <a:endParaRPr lang="ko-KR" altLang="en-US"/>
           </a:p>
@@ -2927,7 +2930,7 @@
           <a:p>
             <a:fld id="{523D6941-6B33-4834-BC65-A333846D27E6}" type="datetimeFigureOut">
               <a:rPr lang="ko-KR" altLang="en-US" smtClean="0"/>
-              <a:t>2024-02-22</a:t>
+              <a:t>2024-02-23</a:t>
             </a:fld>
             <a:endParaRPr lang="ko-KR" altLang="en-US"/>
           </a:p>
@@ -3215,7 +3218,7 @@
           <a:p>
             <a:fld id="{523D6941-6B33-4834-BC65-A333846D27E6}" type="datetimeFigureOut">
               <a:rPr lang="ko-KR" altLang="en-US" smtClean="0"/>
-              <a:t>2024-02-22</a:t>
+              <a:t>2024-02-23</a:t>
             </a:fld>
             <a:endParaRPr lang="ko-KR" altLang="en-US"/>
           </a:p>
@@ -3456,7 +3459,7 @@
           <a:p>
             <a:fld id="{523D6941-6B33-4834-BC65-A333846D27E6}" type="datetimeFigureOut">
               <a:rPr lang="ko-KR" altLang="en-US" smtClean="0"/>
-              <a:t>2024-02-22</a:t>
+              <a:t>2024-02-23</a:t>
             </a:fld>
             <a:endParaRPr lang="ko-KR" altLang="en-US"/>
           </a:p>
@@ -24061,7 +24064,7 @@
         <p:cNvPr id="1" name="">
           <a:extLst>
             <a:ext uri="{FF2B5EF4-FFF2-40B4-BE49-F238E27FC236}">
-              <a16:creationId xmlns:a16="http://schemas.microsoft.com/office/drawing/2014/main" id="{282F166C-3178-6AEA-D9A6-CB56CEE2D082}"/>
+              <a16:creationId xmlns:a16="http://schemas.microsoft.com/office/drawing/2014/main" id="{3BA077D9-6117-6562-FFD1-10478E0FFF6E}"/>
             </a:ext>
           </a:extLst>
         </p:cNvPr>
@@ -24081,7 +24084,7 @@
           <p:cNvPr id="7" name="제목 1">
             <a:extLst>
               <a:ext uri="{FF2B5EF4-FFF2-40B4-BE49-F238E27FC236}">
-                <a16:creationId xmlns:a16="http://schemas.microsoft.com/office/drawing/2014/main" id="{8832117A-46B4-742D-5EE3-D47544485273}"/>
+                <a16:creationId xmlns:a16="http://schemas.microsoft.com/office/drawing/2014/main" id="{20B891F4-D744-6802-C91F-09674862FB68}"/>
               </a:ext>
             </a:extLst>
           </p:cNvPr>
@@ -24143,7 +24146,7 @@
           <p:cNvPr id="2" name="표 1">
             <a:extLst>
               <a:ext uri="{FF2B5EF4-FFF2-40B4-BE49-F238E27FC236}">
-                <a16:creationId xmlns:a16="http://schemas.microsoft.com/office/drawing/2014/main" id="{74AABB7A-265F-3733-3283-36684A768CDC}"/>
+                <a16:creationId xmlns:a16="http://schemas.microsoft.com/office/drawing/2014/main" id="{7630A44C-1203-D703-5AB0-B4F1D306A4F9}"/>
               </a:ext>
             </a:extLst>
           </p:cNvPr>
@@ -24153,14 +24156,14 @@
           <p:nvPr>
             <p:extLst>
               <p:ext uri="{D42A27DB-BD31-4B8C-83A1-F6EECF244321}">
-                <p14:modId xmlns:p14="http://schemas.microsoft.com/office/powerpoint/2010/main" val="1579301680"/>
+                <p14:modId xmlns:p14="http://schemas.microsoft.com/office/powerpoint/2010/main" val="882611270"/>
               </p:ext>
             </p:extLst>
           </p:nvPr>
         </p:nvGraphicFramePr>
         <p:xfrm>
           <a:off x="2235041" y="1722120"/>
-          <a:ext cx="7721918" cy="4693920"/>
+          <a:ext cx="7721918" cy="3505200"/>
         </p:xfrm>
         <a:graphic>
           <a:graphicData uri="http://schemas.openxmlformats.org/drawingml/2006/table">
@@ -24383,7 +24386,7 @@
                             <a:schemeClr val="tx1"/>
                           </a:solidFill>
                         </a:rPr>
-                        <a:t>조작법</a:t>
+                        <a:t>장애물 목록</a:t>
                       </a:r>
                       <a:endParaRPr lang="en-US" altLang="ko-KR" sz="1400" b="0" dirty="0">
                         <a:solidFill>
@@ -24460,7 +24463,7 @@
                             <a:schemeClr val="tx1"/>
                           </a:solidFill>
                         </a:rPr>
-                        <a:t>무시 가능한 경우</a:t>
+                        <a:t>들어갈 수 있는 경우</a:t>
                       </a:r>
                       <a:r>
                         <a:rPr lang="en-US" altLang="ko-KR" sz="1400" b="0" dirty="0">
@@ -24477,192 +24480,18 @@
                         <a:buChar char="§"/>
                       </a:pPr>
                       <a:r>
-                        <a:rPr lang="en-US" altLang="ko-KR" sz="1400" b="0" dirty="0">
-                          <a:solidFill>
-                            <a:schemeClr val="tx1"/>
-                          </a:solidFill>
-                        </a:rPr>
-                        <a:t>‘</a:t>
-                      </a:r>
-                      <a:r>
                         <a:rPr lang="ko-KR" altLang="en-US" sz="1400" b="0" dirty="0">
                           <a:solidFill>
                             <a:schemeClr val="tx1"/>
                           </a:solidFill>
                         </a:rPr>
-                        <a:t>장애물이 작은 경우</a:t>
-                      </a:r>
-                      <a:r>
-                        <a:rPr lang="en-US" altLang="ko-KR" sz="1400" b="0" dirty="0">
-                          <a:solidFill>
-                            <a:schemeClr val="tx1"/>
-                          </a:solidFill>
-                        </a:rPr>
-                        <a:t>’</a:t>
-                      </a:r>
-                    </a:p>
-                    <a:p>
-                      <a:pPr marL="1657350" lvl="3" indent="-285750" algn="l" latinLnBrk="1">
-                        <a:buFont typeface="Arial" panose="020B0604020202020204" pitchFamily="34" charset="0"/>
-                        <a:buChar char="•"/>
-                      </a:pPr>
-                      <a:r>
-                        <a:rPr lang="en-US" altLang="ko-KR" sz="1400" b="0" dirty="0">
-                          <a:solidFill>
-                            <a:schemeClr val="tx1"/>
-                          </a:solidFill>
-                        </a:rPr>
-                        <a:t>‘</a:t>
-                      </a:r>
-                      <a:r>
-                        <a:rPr lang="ko-KR" altLang="en-US" sz="1400" b="0" dirty="0">
-                          <a:solidFill>
-                            <a:schemeClr val="tx1"/>
-                          </a:solidFill>
-                        </a:rPr>
-                        <a:t>장애물 위로 이동이 가능한 경우</a:t>
-                      </a:r>
-                      <a:r>
-                        <a:rPr lang="en-US" altLang="ko-KR" sz="1400" b="0" dirty="0">
-                          <a:solidFill>
-                            <a:schemeClr val="tx1"/>
-                          </a:solidFill>
-                        </a:rPr>
-                        <a:t>’</a:t>
-                      </a:r>
-                    </a:p>
-                    <a:p>
-                      <a:pPr marL="1657350" lvl="3" indent="-285750" algn="l" latinLnBrk="1">
-                        <a:buFont typeface="Arial" panose="020B0604020202020204" pitchFamily="34" charset="0"/>
-                        <a:buChar char="•"/>
-                      </a:pPr>
-                      <a:r>
-                        <a:rPr lang="en-US" altLang="ko-KR" sz="1400" b="0" dirty="0">
-                          <a:solidFill>
-                            <a:schemeClr val="tx1"/>
-                          </a:solidFill>
-                        </a:rPr>
-                        <a:t>‘</a:t>
-                      </a:r>
-                      <a:r>
-                        <a:rPr lang="ko-KR" altLang="en-US" sz="1400" b="0" dirty="0">
-                          <a:solidFill>
-                            <a:schemeClr val="tx1"/>
-                          </a:solidFill>
-                        </a:rPr>
-                        <a:t>장애물 위로 이동이 불가능한 경우</a:t>
-                      </a:r>
-                      <a:r>
-                        <a:rPr lang="en-US" altLang="ko-KR" sz="1400" b="0" dirty="0">
-                          <a:solidFill>
-                            <a:schemeClr val="tx1"/>
-                          </a:solidFill>
-                        </a:rPr>
-                        <a:t>’</a:t>
-                      </a:r>
-                    </a:p>
-                    <a:p>
-                      <a:pPr marL="1200150" lvl="2" indent="-285750" algn="l" latinLnBrk="1">
-                        <a:buFont typeface="Wingdings" panose="05000000000000000000" pitchFamily="2" charset="2"/>
-                        <a:buChar char="§"/>
-                      </a:pPr>
-                      <a:r>
-                        <a:rPr lang="en-US" altLang="ko-KR" sz="1400" b="0" dirty="0">
-                          <a:solidFill>
-                            <a:schemeClr val="tx1"/>
-                          </a:solidFill>
-                        </a:rPr>
-                        <a:t>‘</a:t>
-                      </a:r>
-                      <a:r>
-                        <a:rPr lang="ko-KR" altLang="en-US" sz="1400" b="0" dirty="0">
-                          <a:solidFill>
-                            <a:schemeClr val="tx1"/>
-                          </a:solidFill>
-                        </a:rPr>
-                        <a:t>통과 가능한 경우</a:t>
-                      </a:r>
-                      <a:r>
-                        <a:rPr lang="en-US" altLang="ko-KR" sz="1400" b="0" dirty="0">
-                          <a:solidFill>
-                            <a:schemeClr val="tx1"/>
-                          </a:solidFill>
-                        </a:rPr>
-                        <a:t>’</a:t>
-                      </a:r>
-                    </a:p>
-                    <a:p>
-                      <a:pPr marL="1657350" lvl="3" indent="-285750" algn="l" latinLnBrk="1">
-                        <a:buFont typeface="Arial" panose="020B0604020202020204" pitchFamily="34" charset="0"/>
-                        <a:buChar char="•"/>
-                      </a:pPr>
-                      <a:r>
-                        <a:rPr lang="en-US" altLang="ko-KR" sz="1400" b="0" dirty="0">
-                          <a:solidFill>
-                            <a:schemeClr val="tx1"/>
-                          </a:solidFill>
-                        </a:rPr>
-                        <a:t>‘</a:t>
-                      </a:r>
-                      <a:r>
-                        <a:rPr lang="ko-KR" altLang="en-US" sz="1400" b="0" dirty="0">
-                          <a:solidFill>
-                            <a:schemeClr val="tx1"/>
-                          </a:solidFill>
-                        </a:rPr>
-                        <a:t>파괴 가능한 경우</a:t>
-                      </a:r>
-                      <a:r>
-                        <a:rPr lang="en-US" altLang="ko-KR" sz="1400" b="0" dirty="0">
-                          <a:solidFill>
-                            <a:schemeClr val="tx1"/>
-                          </a:solidFill>
-                        </a:rPr>
-                        <a:t>’</a:t>
-                      </a:r>
-                    </a:p>
-                    <a:p>
-                      <a:pPr marL="1657350" marR="0" lvl="3" indent="-285750" algn="l" defTabSz="914400" rtl="0" eaLnBrk="1" fontAlgn="auto" latinLnBrk="1" hangingPunct="1">
-                        <a:lnSpc>
-                          <a:spcPct val="100000"/>
-                        </a:lnSpc>
-                        <a:spcBef>
-                          <a:spcPts val="0"/>
-                        </a:spcBef>
-                        <a:spcAft>
-                          <a:spcPts val="0"/>
-                        </a:spcAft>
-                        <a:buClrTx/>
-                        <a:buSzTx/>
-                        <a:buFont typeface="Arial" panose="020B0604020202020204" pitchFamily="34" charset="0"/>
-                        <a:buChar char="•"/>
-                        <a:tabLst/>
-                        <a:defRPr/>
-                      </a:pPr>
-                      <a:r>
-                        <a:rPr lang="en-US" altLang="ko-KR" sz="1400" b="0" dirty="0">
-                          <a:solidFill>
-                            <a:schemeClr val="tx1"/>
-                          </a:solidFill>
-                        </a:rPr>
-                        <a:t>‘</a:t>
-                      </a:r>
-                      <a:r>
-                        <a:rPr lang="ko-KR" altLang="en-US" sz="1400" b="0" dirty="0">
-                          <a:solidFill>
-                            <a:schemeClr val="tx1"/>
-                          </a:solidFill>
-                        </a:rPr>
-                        <a:t>파괴 불가능한 경우</a:t>
-                      </a:r>
-                      <a:r>
-                        <a:rPr lang="en-US" altLang="ko-KR" sz="1400" b="0" dirty="0">
-                          <a:solidFill>
-                            <a:schemeClr val="tx1"/>
-                          </a:solidFill>
-                        </a:rPr>
-                        <a:t>’</a:t>
-                      </a:r>
+                        <a:t>풀숲 등</a:t>
+                      </a:r>
+                      <a:endParaRPr lang="en-US" altLang="ko-KR" sz="1400" b="0" dirty="0">
+                        <a:solidFill>
+                          <a:schemeClr val="tx1"/>
+                        </a:solidFill>
+                      </a:endParaRPr>
                     </a:p>
                   </a:txBody>
                   <a:tcPr>
@@ -24729,7 +24558,7 @@
                             <a:schemeClr val="tx1"/>
                           </a:solidFill>
                         </a:rPr>
-                        <a:t>무시 못하는 경우</a:t>
+                        <a:t>파괴 가능한 경우</a:t>
                       </a:r>
                       <a:r>
                         <a:rPr lang="en-US" altLang="ko-KR" sz="1400" b="0" dirty="0">
@@ -24738,49 +24567,6 @@
                           </a:solidFill>
                         </a:rPr>
                         <a:t>‘</a:t>
-                      </a:r>
-                    </a:p>
-                    <a:p>
-                      <a:pPr marL="1200150" marR="0" lvl="2" indent="-285750" algn="l" defTabSz="914400" rtl="0" eaLnBrk="1" fontAlgn="auto" latinLnBrk="1" hangingPunct="1">
-                        <a:lnSpc>
-                          <a:spcPct val="100000"/>
-                        </a:lnSpc>
-                        <a:spcBef>
-                          <a:spcPts val="0"/>
-                        </a:spcBef>
-                        <a:spcAft>
-                          <a:spcPts val="0"/>
-                        </a:spcAft>
-                        <a:buClrTx/>
-                        <a:buSzTx/>
-                        <a:buFont typeface="Wingdings" panose="05000000000000000000" pitchFamily="2" charset="2"/>
-                        <a:buChar char="§"/>
-                        <a:tabLst/>
-                        <a:defRPr/>
-                      </a:pPr>
-                      <a:r>
-                        <a:rPr lang="en-US" altLang="ko-KR" sz="1400" b="0" dirty="0">
-                          <a:solidFill>
-                            <a:schemeClr val="tx1"/>
-                          </a:solidFill>
-                        </a:rPr>
-                        <a:t>‘</a:t>
-                      </a:r>
-                      <a:r>
-                        <a:rPr lang="ko-KR" altLang="en-US" sz="1400" b="0" dirty="0">
-                          <a:solidFill>
-                            <a:schemeClr val="tx1"/>
-                          </a:solidFill>
-                        </a:rPr>
-                        <a:t>파괴 가능한 경우</a:t>
-                      </a:r>
-                      <a:r>
-                        <a:rPr lang="en-US" altLang="ko-KR" sz="1400" b="0" dirty="0">
-                          <a:solidFill>
-                            <a:schemeClr val="tx1"/>
-                          </a:solidFill>
-                        </a:rPr>
-                        <a:t>’</a:t>
                       </a:r>
                     </a:p>
                     <a:p>
@@ -24789,29 +24575,18 @@
                         <a:buChar char="§"/>
                       </a:pPr>
                       <a:r>
-                        <a:rPr lang="en-US" altLang="ko-KR" sz="1400" b="0" dirty="0">
-                          <a:solidFill>
-                            <a:schemeClr val="tx1"/>
-                          </a:solidFill>
-                        </a:rPr>
-                        <a:t>‘</a:t>
-                      </a:r>
-                      <a:r>
                         <a:rPr lang="ko-KR" altLang="en-US" sz="1400" b="0" dirty="0">
                           <a:solidFill>
                             <a:schemeClr val="tx1"/>
                           </a:solidFill>
                         </a:rPr>
-                        <a:t>파괴 불가능한 경우</a:t>
-                      </a:r>
-                      <a:r>
-                        <a:rPr lang="en-US" altLang="ko-KR" sz="1400" b="0" dirty="0">
-                          <a:solidFill>
-                            <a:schemeClr val="tx1"/>
-                          </a:solidFill>
-                        </a:rPr>
-                        <a:t>’</a:t>
-                      </a:r>
+                        <a:t>항아리 등</a:t>
+                      </a:r>
+                      <a:endParaRPr lang="en-US" altLang="ko-KR" sz="1400" b="0" dirty="0">
+                        <a:solidFill>
+                          <a:schemeClr val="tx1"/>
+                        </a:solidFill>
+                      </a:endParaRPr>
                     </a:p>
                   </a:txBody>
                   <a:tcPr>
@@ -24876,7 +24651,7 @@
                             <a:schemeClr val="tx1"/>
                           </a:solidFill>
                         </a:rPr>
-                        <a:t>사용 중간에 장애물 생기는 경우</a:t>
+                        <a:t>넘을 수 없는 경우</a:t>
                       </a:r>
                       <a:r>
                         <a:rPr lang="en-US" altLang="ko-KR" sz="1400" b="0" dirty="0">
@@ -24893,65 +24668,13 @@
                         <a:buChar char="§"/>
                       </a:pPr>
                       <a:r>
-                        <a:rPr lang="en-US" altLang="ko-KR" sz="1400" b="0" dirty="0">
-                          <a:solidFill>
-                            <a:schemeClr val="tx1"/>
-                          </a:solidFill>
-                        </a:rPr>
-                        <a:t>‘</a:t>
-                      </a:r>
-                      <a:r>
                         <a:rPr lang="ko-KR" altLang="en-US" sz="1400" b="0" dirty="0">
                           <a:solidFill>
                             <a:schemeClr val="tx1"/>
                           </a:solidFill>
                         </a:rPr>
-                        <a:t>무시 가능한 경우</a:t>
-                      </a:r>
-                      <a:r>
-                        <a:rPr lang="en-US" altLang="ko-KR" sz="1400" b="0" dirty="0">
-                          <a:solidFill>
-                            <a:schemeClr val="tx1"/>
-                          </a:solidFill>
-                        </a:rPr>
-                        <a:t>’</a:t>
-                      </a:r>
-                    </a:p>
-                    <a:p>
-                      <a:pPr marL="1200150" lvl="2" indent="-285750" algn="l" latinLnBrk="1">
-                        <a:buFont typeface="Wingdings" panose="05000000000000000000" pitchFamily="2" charset="2"/>
-                        <a:buChar char="§"/>
-                      </a:pPr>
-                      <a:r>
-                        <a:rPr lang="en-US" altLang="ko-KR" sz="1400" b="0" dirty="0">
-                          <a:solidFill>
-                            <a:schemeClr val="tx1"/>
-                          </a:solidFill>
-                        </a:rPr>
-                        <a:t>‘</a:t>
-                      </a:r>
-                      <a:r>
-                        <a:rPr lang="ko-KR" altLang="en-US" sz="1400" b="0" dirty="0">
-                          <a:solidFill>
-                            <a:schemeClr val="tx1"/>
-                          </a:solidFill>
-                        </a:rPr>
-                        <a:t>무시 불가능한 경우</a:t>
-                      </a:r>
-                      <a:r>
-                        <a:rPr lang="en-US" altLang="ko-KR" sz="1400" b="0" dirty="0">
-                          <a:solidFill>
-                            <a:schemeClr val="tx1"/>
-                          </a:solidFill>
-                        </a:rPr>
-                        <a:t>’</a:t>
-                      </a:r>
-                    </a:p>
-                    <a:p>
-                      <a:pPr marL="1200150" lvl="2" indent="-285750" algn="l" latinLnBrk="1">
-                        <a:buFont typeface="Wingdings" panose="05000000000000000000" pitchFamily="2" charset="2"/>
-                        <a:buChar char="§"/>
-                      </a:pPr>
+                        <a:t>벽 등</a:t>
+                      </a:r>
                       <a:endParaRPr lang="en-US" altLang="ko-KR" sz="1400" b="0" dirty="0">
                         <a:solidFill>
                           <a:schemeClr val="tx1"/>
@@ -24993,7 +24716,100 @@
                 </a:tc>
                 <a:extLst>
                   <a:ext uri="{0D108BD9-81ED-4DB2-BD59-A6C34878D82A}">
-                    <a16:rowId xmlns:a16="http://schemas.microsoft.com/office/drawing/2014/main" val="345720511"/>
+                    <a16:rowId xmlns:a16="http://schemas.microsoft.com/office/drawing/2014/main" val="779709036"/>
+                  </a:ext>
+                </a:extLst>
+              </a:tr>
+              <a:tr h="246289">
+                <a:tc>
+                  <a:txBody>
+                    <a:bodyPr/>
+                    <a:lstStyle/>
+                    <a:p>
+                      <a:pPr marL="742950" lvl="1" indent="-285750" algn="l" latinLnBrk="1">
+                        <a:buFont typeface="Wingdings" panose="05000000000000000000" pitchFamily="2" charset="2"/>
+                        <a:buChar char="u"/>
+                      </a:pPr>
+                      <a:r>
+                        <a:rPr lang="en-US" altLang="ko-KR" sz="1400" b="0" dirty="0">
+                          <a:solidFill>
+                            <a:schemeClr val="tx1"/>
+                          </a:solidFill>
+                        </a:rPr>
+                        <a:t>‘</a:t>
+                      </a:r>
+                      <a:r>
+                        <a:rPr lang="ko-KR" altLang="en-US" sz="1400" b="0" dirty="0">
+                          <a:solidFill>
+                            <a:schemeClr val="tx1"/>
+                          </a:solidFill>
+                        </a:rPr>
+                        <a:t>나타나는 경우</a:t>
+                      </a:r>
+                      <a:r>
+                        <a:rPr lang="en-US" altLang="ko-KR" sz="1400" b="0" dirty="0">
+                          <a:solidFill>
+                            <a:schemeClr val="tx1"/>
+                          </a:solidFill>
+                        </a:rPr>
+                        <a:t>’</a:t>
+                      </a:r>
+                    </a:p>
+                    <a:p>
+                      <a:pPr marL="1200150" lvl="2" indent="-285750" algn="l" latinLnBrk="1">
+                        <a:buFont typeface="Wingdings" panose="05000000000000000000" pitchFamily="2" charset="2"/>
+                        <a:buChar char="§"/>
+                      </a:pPr>
+                      <a:r>
+                        <a:rPr lang="ko-KR" altLang="en-US" sz="1400" b="0" dirty="0">
+                          <a:solidFill>
+                            <a:schemeClr val="tx1"/>
+                          </a:solidFill>
+                        </a:rPr>
+                        <a:t>자동문 등</a:t>
+                      </a:r>
+                      <a:endParaRPr lang="en-US" altLang="ko-KR" sz="1400" b="0" dirty="0">
+                        <a:solidFill>
+                          <a:schemeClr val="tx1"/>
+                        </a:solidFill>
+                      </a:endParaRPr>
+                    </a:p>
+                  </a:txBody>
+                  <a:tcPr>
+                    <a:lnL w="12700" cmpd="sng">
+                      <a:noFill/>
+                    </a:lnL>
+                    <a:lnR w="12700" cmpd="sng">
+                      <a:noFill/>
+                    </a:lnR>
+                    <a:lnT w="12700" cap="flat" cmpd="sng" algn="ctr">
+                      <a:noFill/>
+                      <a:prstDash val="solid"/>
+                      <a:round/>
+                      <a:headEnd type="none" w="med" len="med"/>
+                      <a:tailEnd type="none" w="med" len="med"/>
+                    </a:lnT>
+                    <a:lnB w="12700" cap="flat" cmpd="sng" algn="ctr">
+                      <a:noFill/>
+                      <a:prstDash val="solid"/>
+                      <a:round/>
+                      <a:headEnd type="none" w="med" len="med"/>
+                      <a:tailEnd type="none" w="med" len="med"/>
+                    </a:lnB>
+                    <a:lnTlToBr w="12700" cmpd="sng">
+                      <a:noFill/>
+                      <a:prstDash val="solid"/>
+                    </a:lnTlToBr>
+                    <a:lnBlToTr w="12700" cmpd="sng">
+                      <a:noFill/>
+                      <a:prstDash val="solid"/>
+                    </a:lnBlToTr>
+                    <a:noFill/>
+                  </a:tcPr>
+                </a:tc>
+                <a:extLst>
+                  <a:ext uri="{0D108BD9-81ED-4DB2-BD59-A6C34878D82A}">
+                    <a16:rowId xmlns:a16="http://schemas.microsoft.com/office/drawing/2014/main" val="4273800425"/>
                   </a:ext>
                 </a:extLst>
               </a:tr>
@@ -25004,7 +24820,7 @@
     </p:spTree>
     <p:extLst>
       <p:ext uri="{BB962C8B-B14F-4D97-AF65-F5344CB8AC3E}">
-        <p14:creationId xmlns:p14="http://schemas.microsoft.com/office/powerpoint/2010/main" val="2555180522"/>
+        <p14:creationId xmlns:p14="http://schemas.microsoft.com/office/powerpoint/2010/main" val="1231354984"/>
       </p:ext>
     </p:extLst>
   </p:cSld>
@@ -25096,15 +24912,20 @@
               <a:rPr lang="ko-KR" altLang="en-US" dirty="0"/>
               <a:t>장애물 차트</a:t>
             </a:r>
+            <a:r>
+              <a:rPr lang="en-US" altLang="ko-KR" dirty="0"/>
+              <a:t>1</a:t>
+            </a:r>
+            <a:endParaRPr lang="ko-KR" altLang="en-US" dirty="0"/>
           </a:p>
         </p:txBody>
       </p:sp>
       <p:pic>
         <p:nvPicPr>
-          <p:cNvPr id="3" name="그림 2" descr="텍스트, 스크린샷, 폰트, 원이(가) 표시된 사진&#10;&#10;자동 생성된 설명">
+          <p:cNvPr id="6" name="그림 5" descr="텍스트, 스크린샷, 폰트, 도표이(가) 표시된 사진&#10;&#10;자동 생성된 설명">
             <a:extLst>
               <a:ext uri="{FF2B5EF4-FFF2-40B4-BE49-F238E27FC236}">
-                <a16:creationId xmlns:a16="http://schemas.microsoft.com/office/drawing/2014/main" id="{7536E508-E79A-3F45-2A79-443042FC9E07}"/>
+                <a16:creationId xmlns:a16="http://schemas.microsoft.com/office/drawing/2014/main" id="{A19068F3-3585-A1B1-8A85-80C9DD61F216}"/>
               </a:ext>
             </a:extLst>
           </p:cNvPr>
@@ -25127,8 +24948,8 @@
         </p:blipFill>
         <p:spPr>
           <a:xfrm>
-            <a:off x="2471737" y="1222375"/>
-            <a:ext cx="7248525" cy="5343525"/>
+            <a:off x="4371975" y="1236617"/>
+            <a:ext cx="2887724" cy="5440408"/>
           </a:xfrm>
           <a:prstGeom prst="rect">
             <a:avLst/>
@@ -25156,7 +24977,7 @@
         <p:cNvPr id="1" name="">
           <a:extLst>
             <a:ext uri="{FF2B5EF4-FFF2-40B4-BE49-F238E27FC236}">
-              <a16:creationId xmlns:a16="http://schemas.microsoft.com/office/drawing/2014/main" id="{B63F5266-2A3E-86E9-A6B9-1080D2BEAF89}"/>
+              <a16:creationId xmlns:a16="http://schemas.microsoft.com/office/drawing/2014/main" id="{0054E294-3F5B-CEE6-4108-850616D443C8}"/>
             </a:ext>
           </a:extLst>
         </p:cNvPr>
@@ -25176,7 +24997,7 @@
           <p:cNvPr id="7" name="제목 1">
             <a:extLst>
               <a:ext uri="{FF2B5EF4-FFF2-40B4-BE49-F238E27FC236}">
-                <a16:creationId xmlns:a16="http://schemas.microsoft.com/office/drawing/2014/main" id="{D6B7708E-46E9-11AB-2B97-75920A3C0995}"/>
+                <a16:creationId xmlns:a16="http://schemas.microsoft.com/office/drawing/2014/main" id="{588632A8-A6B2-D76A-38A4-DE1DB8FA6569}"/>
               </a:ext>
             </a:extLst>
           </p:cNvPr>
@@ -25224,21 +25045,26 @@
             </a:r>
             <a:r>
               <a:rPr lang="en-US" altLang="ko-KR" dirty="0"/>
-              <a:t>– 8. </a:t>
+              <a:t>– 7. </a:t>
             </a:r>
             <a:r>
               <a:rPr lang="ko-KR" altLang="en-US" dirty="0"/>
-              <a:t>스킬 자원 차트</a:t>
+              <a:t>장애물 차트</a:t>
             </a:r>
+            <a:r>
+              <a:rPr lang="en-US" altLang="ko-KR" dirty="0"/>
+              <a:t>2</a:t>
+            </a:r>
+            <a:endParaRPr lang="ko-KR" altLang="en-US" dirty="0"/>
           </a:p>
         </p:txBody>
       </p:sp>
       <p:pic>
         <p:nvPicPr>
-          <p:cNvPr id="3" name="그림 2">
+          <p:cNvPr id="3" name="그림 2" descr="텍스트, 폰트, 스크린샷, 그래픽이(가) 표시된 사진&#10;&#10;자동 생성된 설명">
             <a:extLst>
               <a:ext uri="{FF2B5EF4-FFF2-40B4-BE49-F238E27FC236}">
-                <a16:creationId xmlns:a16="http://schemas.microsoft.com/office/drawing/2014/main" id="{DFFA9A80-5575-4BD3-BC45-8C7D3479C7DE}"/>
+                <a16:creationId xmlns:a16="http://schemas.microsoft.com/office/drawing/2014/main" id="{7C977A3F-EA80-B340-C710-BCE292F9A43E}"/>
               </a:ext>
             </a:extLst>
           </p:cNvPr>
@@ -25261,8 +25087,8 @@
         </p:blipFill>
         <p:spPr>
           <a:xfrm>
-            <a:off x="4376737" y="1194043"/>
-            <a:ext cx="3438525" cy="4772025"/>
+            <a:off x="1381125" y="1195387"/>
+            <a:ext cx="9429750" cy="4467225"/>
           </a:xfrm>
           <a:prstGeom prst="rect">
             <a:avLst/>
@@ -25272,7 +25098,7 @@
     </p:spTree>
     <p:extLst>
       <p:ext uri="{BB962C8B-B14F-4D97-AF65-F5344CB8AC3E}">
-        <p14:creationId xmlns:p14="http://schemas.microsoft.com/office/powerpoint/2010/main" val="4062135345"/>
+        <p14:creationId xmlns:p14="http://schemas.microsoft.com/office/powerpoint/2010/main" val="3669119205"/>
       </p:ext>
     </p:extLst>
   </p:cSld>
@@ -25290,7 +25116,7 @@
         <p:cNvPr id="1" name="">
           <a:extLst>
             <a:ext uri="{FF2B5EF4-FFF2-40B4-BE49-F238E27FC236}">
-              <a16:creationId xmlns:a16="http://schemas.microsoft.com/office/drawing/2014/main" id="{AC58F728-8578-FA29-9812-DD7403E118DB}"/>
+              <a16:creationId xmlns:a16="http://schemas.microsoft.com/office/drawing/2014/main" id="{F630D22F-0368-0273-F9BA-1DAB4277E43D}"/>
             </a:ext>
           </a:extLst>
         </p:cNvPr>
@@ -25310,7 +25136,7 @@
           <p:cNvPr id="7" name="제목 1">
             <a:extLst>
               <a:ext uri="{FF2B5EF4-FFF2-40B4-BE49-F238E27FC236}">
-                <a16:creationId xmlns:a16="http://schemas.microsoft.com/office/drawing/2014/main" id="{D534AA7E-643B-FF29-E4C1-21256BD8884F}"/>
+                <a16:creationId xmlns:a16="http://schemas.microsoft.com/office/drawing/2014/main" id="{EE66B553-75C8-33CC-67EB-17760B544EA1}"/>
               </a:ext>
             </a:extLst>
           </p:cNvPr>
@@ -25358,21 +25184,26 @@
             </a:r>
             <a:r>
               <a:rPr lang="en-US" altLang="ko-KR" dirty="0"/>
-              <a:t>– 9. </a:t>
+              <a:t>– 7. </a:t>
             </a:r>
             <a:r>
               <a:rPr lang="ko-KR" altLang="en-US" dirty="0"/>
-              <a:t>스킬 쿨 타임 차트</a:t>
+              <a:t>장애물 차트</a:t>
             </a:r>
+            <a:r>
+              <a:rPr lang="en-US" altLang="ko-KR" dirty="0"/>
+              <a:t>3</a:t>
+            </a:r>
+            <a:endParaRPr lang="ko-KR" altLang="en-US" dirty="0"/>
           </a:p>
         </p:txBody>
       </p:sp>
       <p:pic>
         <p:nvPicPr>
-          <p:cNvPr id="3" name="그림 2">
+          <p:cNvPr id="3" name="그림 2" descr="텍스트, 폰트, 스크린샷, 그래픽이(가) 표시된 사진&#10;&#10;자동 생성된 설명">
             <a:extLst>
               <a:ext uri="{FF2B5EF4-FFF2-40B4-BE49-F238E27FC236}">
-                <a16:creationId xmlns:a16="http://schemas.microsoft.com/office/drawing/2014/main" id="{AEA615EF-7191-46A6-B906-7D8C582E4F94}"/>
+                <a16:creationId xmlns:a16="http://schemas.microsoft.com/office/drawing/2014/main" id="{DFA73811-9A57-F8CE-FCBB-DF82FC586C43}"/>
               </a:ext>
             </a:extLst>
           </p:cNvPr>
@@ -25395,8 +25226,8 @@
         </p:blipFill>
         <p:spPr>
           <a:xfrm>
-            <a:off x="4376737" y="1328737"/>
-            <a:ext cx="3438525" cy="4200525"/>
+            <a:off x="1514475" y="1895475"/>
+            <a:ext cx="9163050" cy="3067050"/>
           </a:xfrm>
           <a:prstGeom prst="rect">
             <a:avLst/>
@@ -25406,7 +25237,7 @@
     </p:spTree>
     <p:extLst>
       <p:ext uri="{BB962C8B-B14F-4D97-AF65-F5344CB8AC3E}">
-        <p14:creationId xmlns:p14="http://schemas.microsoft.com/office/powerpoint/2010/main" val="784711552"/>
+        <p14:creationId xmlns:p14="http://schemas.microsoft.com/office/powerpoint/2010/main" val="1675600784"/>
       </p:ext>
     </p:extLst>
   </p:cSld>
@@ -25424,7 +25255,7 @@
         <p:cNvPr id="1" name="">
           <a:extLst>
             <a:ext uri="{FF2B5EF4-FFF2-40B4-BE49-F238E27FC236}">
-              <a16:creationId xmlns:a16="http://schemas.microsoft.com/office/drawing/2014/main" id="{23062BA6-F9A6-A42D-1AE1-5521B876FB7E}"/>
+              <a16:creationId xmlns:a16="http://schemas.microsoft.com/office/drawing/2014/main" id="{EA46DBDC-2026-024A-7B57-9A2A0D7F4744}"/>
             </a:ext>
           </a:extLst>
         </p:cNvPr>
@@ -25444,7 +25275,7 @@
           <p:cNvPr id="7" name="제목 1">
             <a:extLst>
               <a:ext uri="{FF2B5EF4-FFF2-40B4-BE49-F238E27FC236}">
-                <a16:creationId xmlns:a16="http://schemas.microsoft.com/office/drawing/2014/main" id="{38FED6A2-7085-EF9E-D6BC-06A5F1AB0381}"/>
+                <a16:creationId xmlns:a16="http://schemas.microsoft.com/office/drawing/2014/main" id="{CC66999F-E3E7-12B6-34AE-FC154CC7BC3D}"/>
               </a:ext>
             </a:extLst>
           </p:cNvPr>
@@ -25492,21 +25323,26 @@
             </a:r>
             <a:r>
               <a:rPr lang="en-US" altLang="ko-KR" dirty="0"/>
-              <a:t>– 10. </a:t>
+              <a:t>– 7. </a:t>
             </a:r>
             <a:r>
               <a:rPr lang="ko-KR" altLang="en-US" dirty="0"/>
-              <a:t>기타 요소 차트</a:t>
+              <a:t>장애물 차트</a:t>
             </a:r>
+            <a:r>
+              <a:rPr lang="en-US" altLang="ko-KR" dirty="0"/>
+              <a:t>4</a:t>
+            </a:r>
+            <a:endParaRPr lang="ko-KR" altLang="en-US" dirty="0"/>
           </a:p>
         </p:txBody>
       </p:sp>
       <p:pic>
         <p:nvPicPr>
-          <p:cNvPr id="3" name="그림 2">
+          <p:cNvPr id="3" name="그림 2" descr="텍스트, 폰트, 스크린샷, 원이(가) 표시된 사진&#10;&#10;자동 생성된 설명">
             <a:extLst>
               <a:ext uri="{FF2B5EF4-FFF2-40B4-BE49-F238E27FC236}">
-                <a16:creationId xmlns:a16="http://schemas.microsoft.com/office/drawing/2014/main" id="{900F17F0-56AE-4ACE-98AA-1D04F289D5CD}"/>
+                <a16:creationId xmlns:a16="http://schemas.microsoft.com/office/drawing/2014/main" id="{CAD0C9FE-5133-7EC7-B900-B086DD357ABA}"/>
               </a:ext>
             </a:extLst>
           </p:cNvPr>
@@ -25529,8 +25365,8 @@
         </p:blipFill>
         <p:spPr>
           <a:xfrm>
-            <a:off x="2471737" y="1289172"/>
-            <a:ext cx="7248525" cy="4772025"/>
+            <a:off x="3424237" y="1323975"/>
+            <a:ext cx="5343525" cy="4210050"/>
           </a:xfrm>
           <a:prstGeom prst="rect">
             <a:avLst/>
@@ -25540,7 +25376,7 @@
     </p:spTree>
     <p:extLst>
       <p:ext uri="{BB962C8B-B14F-4D97-AF65-F5344CB8AC3E}">
-        <p14:creationId xmlns:p14="http://schemas.microsoft.com/office/powerpoint/2010/main" val="3370780817"/>
+        <p14:creationId xmlns:p14="http://schemas.microsoft.com/office/powerpoint/2010/main" val="83408655"/>
       </p:ext>
     </p:extLst>
   </p:cSld>
@@ -26294,6 +26130,408 @@
     <p:extLst>
       <p:ext uri="{BB962C8B-B14F-4D97-AF65-F5344CB8AC3E}">
         <p14:creationId xmlns:p14="http://schemas.microsoft.com/office/powerpoint/2010/main" val="1172213061"/>
+      </p:ext>
+    </p:extLst>
+  </p:cSld>
+  <p:clrMapOvr>
+    <a:masterClrMapping/>
+  </p:clrMapOvr>
+</p:sld>
+</file>
+
+<file path=ppt/slides/slide40.xml><?xml version="1.0" encoding="utf-8"?>
+<p:sld xmlns:a="http://schemas.openxmlformats.org/drawingml/2006/main" xmlns:r="http://schemas.openxmlformats.org/officeDocument/2006/relationships" xmlns:p="http://schemas.openxmlformats.org/presentationml/2006/main">
+  <p:cSld>
+    <p:spTree>
+      <p:nvGrpSpPr>
+        <p:cNvPr id="1" name="">
+          <a:extLst>
+            <a:ext uri="{FF2B5EF4-FFF2-40B4-BE49-F238E27FC236}">
+              <a16:creationId xmlns:a16="http://schemas.microsoft.com/office/drawing/2014/main" id="{B63F5266-2A3E-86E9-A6B9-1080D2BEAF89}"/>
+            </a:ext>
+          </a:extLst>
+        </p:cNvPr>
+        <p:cNvGrpSpPr/>
+        <p:nvPr/>
+      </p:nvGrpSpPr>
+      <p:grpSpPr>
+        <a:xfrm>
+          <a:off x="0" y="0"/>
+          <a:ext cx="0" cy="0"/>
+          <a:chOff x="0" y="0"/>
+          <a:chExt cx="0" cy="0"/>
+        </a:xfrm>
+      </p:grpSpPr>
+      <p:sp>
+        <p:nvSpPr>
+          <p:cNvPr id="7" name="제목 1">
+            <a:extLst>
+              <a:ext uri="{FF2B5EF4-FFF2-40B4-BE49-F238E27FC236}">
+                <a16:creationId xmlns:a16="http://schemas.microsoft.com/office/drawing/2014/main" id="{D6B7708E-46E9-11AB-2B97-75920A3C0995}"/>
+              </a:ext>
+            </a:extLst>
+          </p:cNvPr>
+          <p:cNvSpPr txBox="1">
+            <a:spLocks/>
+          </p:cNvSpPr>
+          <p:nvPr/>
+        </p:nvSpPr>
+        <p:spPr>
+          <a:xfrm>
+            <a:off x="695325" y="292100"/>
+            <a:ext cx="10801350" cy="861695"/>
+          </a:xfrm>
+          <a:prstGeom prst="rect">
+            <a:avLst/>
+          </a:prstGeom>
+        </p:spPr>
+        <p:txBody>
+          <a:bodyPr vert="horz" lIns="91440" tIns="45720" rIns="91440" bIns="45720" rtlCol="0" anchor="ctr">
+            <a:normAutofit/>
+          </a:bodyPr>
+          <a:lstStyle>
+            <a:lvl1pPr algn="l" defTabSz="914400" rtl="0" eaLnBrk="1" latinLnBrk="1" hangingPunct="1">
+              <a:lnSpc>
+                <a:spcPct val="90000"/>
+              </a:lnSpc>
+              <a:spcBef>
+                <a:spcPct val="0"/>
+              </a:spcBef>
+              <a:buNone/>
+              <a:defRPr sz="4400" kern="1200">
+                <a:solidFill>
+                  <a:schemeClr val="tx1"/>
+                </a:solidFill>
+                <a:latin typeface="+mj-lt"/>
+                <a:ea typeface="+mj-ea"/>
+                <a:cs typeface="+mj-cs"/>
+              </a:defRPr>
+            </a:lvl1pPr>
+          </a:lstStyle>
+          <a:p>
+            <a:r>
+              <a:rPr lang="ko-KR" altLang="en-US" dirty="0"/>
+              <a:t>발동 </a:t>
+            </a:r>
+            <a:r>
+              <a:rPr lang="en-US" altLang="ko-KR" dirty="0"/>
+              <a:t>– 8. </a:t>
+            </a:r>
+            <a:r>
+              <a:rPr lang="ko-KR" altLang="en-US" dirty="0"/>
+              <a:t>스킬 자원 차트</a:t>
+            </a:r>
+          </a:p>
+        </p:txBody>
+      </p:sp>
+      <p:pic>
+        <p:nvPicPr>
+          <p:cNvPr id="3" name="그림 2">
+            <a:extLst>
+              <a:ext uri="{FF2B5EF4-FFF2-40B4-BE49-F238E27FC236}">
+                <a16:creationId xmlns:a16="http://schemas.microsoft.com/office/drawing/2014/main" id="{DFFA9A80-5575-4BD3-BC45-8C7D3479C7DE}"/>
+              </a:ext>
+            </a:extLst>
+          </p:cNvPr>
+          <p:cNvPicPr>
+            <a:picLocks noChangeAspect="1"/>
+          </p:cNvPicPr>
+          <p:nvPr/>
+        </p:nvPicPr>
+        <p:blipFill>
+          <a:blip r:embed="rId2">
+            <a:extLst>
+              <a:ext uri="{28A0092B-C50C-407E-A947-70E740481C1C}">
+                <a14:useLocalDpi xmlns:a14="http://schemas.microsoft.com/office/drawing/2010/main" val="0"/>
+              </a:ext>
+            </a:extLst>
+          </a:blip>
+          <a:stretch>
+            <a:fillRect/>
+          </a:stretch>
+        </p:blipFill>
+        <p:spPr>
+          <a:xfrm>
+            <a:off x="4376737" y="1194043"/>
+            <a:ext cx="3438525" cy="4772025"/>
+          </a:xfrm>
+          <a:prstGeom prst="rect">
+            <a:avLst/>
+          </a:prstGeom>
+        </p:spPr>
+      </p:pic>
+    </p:spTree>
+    <p:extLst>
+      <p:ext uri="{BB962C8B-B14F-4D97-AF65-F5344CB8AC3E}">
+        <p14:creationId xmlns:p14="http://schemas.microsoft.com/office/powerpoint/2010/main" val="4062135345"/>
+      </p:ext>
+    </p:extLst>
+  </p:cSld>
+  <p:clrMapOvr>
+    <a:masterClrMapping/>
+  </p:clrMapOvr>
+</p:sld>
+</file>
+
+<file path=ppt/slides/slide41.xml><?xml version="1.0" encoding="utf-8"?>
+<p:sld xmlns:a="http://schemas.openxmlformats.org/drawingml/2006/main" xmlns:r="http://schemas.openxmlformats.org/officeDocument/2006/relationships" xmlns:p="http://schemas.openxmlformats.org/presentationml/2006/main">
+  <p:cSld>
+    <p:spTree>
+      <p:nvGrpSpPr>
+        <p:cNvPr id="1" name="">
+          <a:extLst>
+            <a:ext uri="{FF2B5EF4-FFF2-40B4-BE49-F238E27FC236}">
+              <a16:creationId xmlns:a16="http://schemas.microsoft.com/office/drawing/2014/main" id="{AC58F728-8578-FA29-9812-DD7403E118DB}"/>
+            </a:ext>
+          </a:extLst>
+        </p:cNvPr>
+        <p:cNvGrpSpPr/>
+        <p:nvPr/>
+      </p:nvGrpSpPr>
+      <p:grpSpPr>
+        <a:xfrm>
+          <a:off x="0" y="0"/>
+          <a:ext cx="0" cy="0"/>
+          <a:chOff x="0" y="0"/>
+          <a:chExt cx="0" cy="0"/>
+        </a:xfrm>
+      </p:grpSpPr>
+      <p:sp>
+        <p:nvSpPr>
+          <p:cNvPr id="7" name="제목 1">
+            <a:extLst>
+              <a:ext uri="{FF2B5EF4-FFF2-40B4-BE49-F238E27FC236}">
+                <a16:creationId xmlns:a16="http://schemas.microsoft.com/office/drawing/2014/main" id="{D534AA7E-643B-FF29-E4C1-21256BD8884F}"/>
+              </a:ext>
+            </a:extLst>
+          </p:cNvPr>
+          <p:cNvSpPr txBox="1">
+            <a:spLocks/>
+          </p:cNvSpPr>
+          <p:nvPr/>
+        </p:nvSpPr>
+        <p:spPr>
+          <a:xfrm>
+            <a:off x="695325" y="292100"/>
+            <a:ext cx="10801350" cy="861695"/>
+          </a:xfrm>
+          <a:prstGeom prst="rect">
+            <a:avLst/>
+          </a:prstGeom>
+        </p:spPr>
+        <p:txBody>
+          <a:bodyPr vert="horz" lIns="91440" tIns="45720" rIns="91440" bIns="45720" rtlCol="0" anchor="ctr">
+            <a:normAutofit/>
+          </a:bodyPr>
+          <a:lstStyle>
+            <a:lvl1pPr algn="l" defTabSz="914400" rtl="0" eaLnBrk="1" latinLnBrk="1" hangingPunct="1">
+              <a:lnSpc>
+                <a:spcPct val="90000"/>
+              </a:lnSpc>
+              <a:spcBef>
+                <a:spcPct val="0"/>
+              </a:spcBef>
+              <a:buNone/>
+              <a:defRPr sz="4400" kern="1200">
+                <a:solidFill>
+                  <a:schemeClr val="tx1"/>
+                </a:solidFill>
+                <a:latin typeface="+mj-lt"/>
+                <a:ea typeface="+mj-ea"/>
+                <a:cs typeface="+mj-cs"/>
+              </a:defRPr>
+            </a:lvl1pPr>
+          </a:lstStyle>
+          <a:p>
+            <a:r>
+              <a:rPr lang="ko-KR" altLang="en-US" dirty="0"/>
+              <a:t>발동 </a:t>
+            </a:r>
+            <a:r>
+              <a:rPr lang="en-US" altLang="ko-KR" dirty="0"/>
+              <a:t>– 9. </a:t>
+            </a:r>
+            <a:r>
+              <a:rPr lang="ko-KR" altLang="en-US" dirty="0"/>
+              <a:t>스킬 쿨 타임 차트</a:t>
+            </a:r>
+          </a:p>
+        </p:txBody>
+      </p:sp>
+      <p:pic>
+        <p:nvPicPr>
+          <p:cNvPr id="3" name="그림 2">
+            <a:extLst>
+              <a:ext uri="{FF2B5EF4-FFF2-40B4-BE49-F238E27FC236}">
+                <a16:creationId xmlns:a16="http://schemas.microsoft.com/office/drawing/2014/main" id="{AEA615EF-7191-46A6-B906-7D8C582E4F94}"/>
+              </a:ext>
+            </a:extLst>
+          </p:cNvPr>
+          <p:cNvPicPr>
+            <a:picLocks noChangeAspect="1"/>
+          </p:cNvPicPr>
+          <p:nvPr/>
+        </p:nvPicPr>
+        <p:blipFill>
+          <a:blip r:embed="rId2">
+            <a:extLst>
+              <a:ext uri="{28A0092B-C50C-407E-A947-70E740481C1C}">
+                <a14:useLocalDpi xmlns:a14="http://schemas.microsoft.com/office/drawing/2010/main" val="0"/>
+              </a:ext>
+            </a:extLst>
+          </a:blip>
+          <a:stretch>
+            <a:fillRect/>
+          </a:stretch>
+        </p:blipFill>
+        <p:spPr>
+          <a:xfrm>
+            <a:off x="4376737" y="1328737"/>
+            <a:ext cx="3438525" cy="4200525"/>
+          </a:xfrm>
+          <a:prstGeom prst="rect">
+            <a:avLst/>
+          </a:prstGeom>
+        </p:spPr>
+      </p:pic>
+    </p:spTree>
+    <p:extLst>
+      <p:ext uri="{BB962C8B-B14F-4D97-AF65-F5344CB8AC3E}">
+        <p14:creationId xmlns:p14="http://schemas.microsoft.com/office/powerpoint/2010/main" val="784711552"/>
+      </p:ext>
+    </p:extLst>
+  </p:cSld>
+  <p:clrMapOvr>
+    <a:masterClrMapping/>
+  </p:clrMapOvr>
+</p:sld>
+</file>
+
+<file path=ppt/slides/slide42.xml><?xml version="1.0" encoding="utf-8"?>
+<p:sld xmlns:a="http://schemas.openxmlformats.org/drawingml/2006/main" xmlns:r="http://schemas.openxmlformats.org/officeDocument/2006/relationships" xmlns:p="http://schemas.openxmlformats.org/presentationml/2006/main">
+  <p:cSld>
+    <p:spTree>
+      <p:nvGrpSpPr>
+        <p:cNvPr id="1" name="">
+          <a:extLst>
+            <a:ext uri="{FF2B5EF4-FFF2-40B4-BE49-F238E27FC236}">
+              <a16:creationId xmlns:a16="http://schemas.microsoft.com/office/drawing/2014/main" id="{23062BA6-F9A6-A42D-1AE1-5521B876FB7E}"/>
+            </a:ext>
+          </a:extLst>
+        </p:cNvPr>
+        <p:cNvGrpSpPr/>
+        <p:nvPr/>
+      </p:nvGrpSpPr>
+      <p:grpSpPr>
+        <a:xfrm>
+          <a:off x="0" y="0"/>
+          <a:ext cx="0" cy="0"/>
+          <a:chOff x="0" y="0"/>
+          <a:chExt cx="0" cy="0"/>
+        </a:xfrm>
+      </p:grpSpPr>
+      <p:sp>
+        <p:nvSpPr>
+          <p:cNvPr id="7" name="제목 1">
+            <a:extLst>
+              <a:ext uri="{FF2B5EF4-FFF2-40B4-BE49-F238E27FC236}">
+                <a16:creationId xmlns:a16="http://schemas.microsoft.com/office/drawing/2014/main" id="{38FED6A2-7085-EF9E-D6BC-06A5F1AB0381}"/>
+              </a:ext>
+            </a:extLst>
+          </p:cNvPr>
+          <p:cNvSpPr txBox="1">
+            <a:spLocks/>
+          </p:cNvSpPr>
+          <p:nvPr/>
+        </p:nvSpPr>
+        <p:spPr>
+          <a:xfrm>
+            <a:off x="695325" y="292100"/>
+            <a:ext cx="10801350" cy="861695"/>
+          </a:xfrm>
+          <a:prstGeom prst="rect">
+            <a:avLst/>
+          </a:prstGeom>
+        </p:spPr>
+        <p:txBody>
+          <a:bodyPr vert="horz" lIns="91440" tIns="45720" rIns="91440" bIns="45720" rtlCol="0" anchor="ctr">
+            <a:normAutofit/>
+          </a:bodyPr>
+          <a:lstStyle>
+            <a:lvl1pPr algn="l" defTabSz="914400" rtl="0" eaLnBrk="1" latinLnBrk="1" hangingPunct="1">
+              <a:lnSpc>
+                <a:spcPct val="90000"/>
+              </a:lnSpc>
+              <a:spcBef>
+                <a:spcPct val="0"/>
+              </a:spcBef>
+              <a:buNone/>
+              <a:defRPr sz="4400" kern="1200">
+                <a:solidFill>
+                  <a:schemeClr val="tx1"/>
+                </a:solidFill>
+                <a:latin typeface="+mj-lt"/>
+                <a:ea typeface="+mj-ea"/>
+                <a:cs typeface="+mj-cs"/>
+              </a:defRPr>
+            </a:lvl1pPr>
+          </a:lstStyle>
+          <a:p>
+            <a:r>
+              <a:rPr lang="ko-KR" altLang="en-US" dirty="0"/>
+              <a:t>발동 </a:t>
+            </a:r>
+            <a:r>
+              <a:rPr lang="en-US" altLang="ko-KR" dirty="0"/>
+              <a:t>– 10. </a:t>
+            </a:r>
+            <a:r>
+              <a:rPr lang="ko-KR" altLang="en-US" dirty="0"/>
+              <a:t>기타 요소 차트</a:t>
+            </a:r>
+          </a:p>
+        </p:txBody>
+      </p:sp>
+      <p:pic>
+        <p:nvPicPr>
+          <p:cNvPr id="3" name="그림 2">
+            <a:extLst>
+              <a:ext uri="{FF2B5EF4-FFF2-40B4-BE49-F238E27FC236}">
+                <a16:creationId xmlns:a16="http://schemas.microsoft.com/office/drawing/2014/main" id="{900F17F0-56AE-4ACE-98AA-1D04F289D5CD}"/>
+              </a:ext>
+            </a:extLst>
+          </p:cNvPr>
+          <p:cNvPicPr>
+            <a:picLocks noChangeAspect="1"/>
+          </p:cNvPicPr>
+          <p:nvPr/>
+        </p:nvPicPr>
+        <p:blipFill>
+          <a:blip r:embed="rId2">
+            <a:extLst>
+              <a:ext uri="{28A0092B-C50C-407E-A947-70E740481C1C}">
+                <a14:useLocalDpi xmlns:a14="http://schemas.microsoft.com/office/drawing/2010/main" val="0"/>
+              </a:ext>
+            </a:extLst>
+          </a:blip>
+          <a:stretch>
+            <a:fillRect/>
+          </a:stretch>
+        </p:blipFill>
+        <p:spPr>
+          <a:xfrm>
+            <a:off x="2471737" y="1289172"/>
+            <a:ext cx="7248525" cy="4772025"/>
+          </a:xfrm>
+          <a:prstGeom prst="rect">
+            <a:avLst/>
+          </a:prstGeom>
+        </p:spPr>
+      </p:pic>
+    </p:spTree>
+    <p:extLst>
+      <p:ext uri="{BB962C8B-B14F-4D97-AF65-F5344CB8AC3E}">
+        <p14:creationId xmlns:p14="http://schemas.microsoft.com/office/powerpoint/2010/main" val="3370780817"/>
       </p:ext>
     </p:extLst>
   </p:cSld>

--- a/기획/방랑엽사전/스킬 시스템 기획서.pptx
+++ b/기획/방랑엽사전/스킬 시스템 기획서.pptx
@@ -21244,10 +21244,10 @@
       </p:sp>
       <p:pic>
         <p:nvPicPr>
-          <p:cNvPr id="6" name="그림 5">
+          <p:cNvPr id="3" name="그림 2">
             <a:extLst>
               <a:ext uri="{FF2B5EF4-FFF2-40B4-BE49-F238E27FC236}">
-                <a16:creationId xmlns:a16="http://schemas.microsoft.com/office/drawing/2014/main" id="{857F00A8-05AF-4F17-A70C-D2A5C6DE82D7}"/>
+                <a16:creationId xmlns:a16="http://schemas.microsoft.com/office/drawing/2014/main" id="{16199C59-FB23-4A72-B40B-2B16EE61438E}"/>
               </a:ext>
             </a:extLst>
           </p:cNvPr>
@@ -21270,8 +21270,44 @@
         </p:blipFill>
         <p:spPr>
           <a:xfrm>
-            <a:off x="3233737" y="1900237"/>
-            <a:ext cx="5724525" cy="3057525"/>
+            <a:off x="3156927" y="1900237"/>
+            <a:ext cx="2676525" cy="3057525"/>
+          </a:xfrm>
+          <a:prstGeom prst="rect">
+            <a:avLst/>
+          </a:prstGeom>
+        </p:spPr>
+      </p:pic>
+      <p:pic>
+        <p:nvPicPr>
+          <p:cNvPr id="4" name="그림 3">
+            <a:extLst>
+              <a:ext uri="{FF2B5EF4-FFF2-40B4-BE49-F238E27FC236}">
+                <a16:creationId xmlns:a16="http://schemas.microsoft.com/office/drawing/2014/main" id="{2D58B3F9-C9DC-44C1-ACB9-3072F03E1CB0}"/>
+              </a:ext>
+            </a:extLst>
+          </p:cNvPr>
+          <p:cNvPicPr>
+            <a:picLocks noChangeAspect="1"/>
+          </p:cNvPicPr>
+          <p:nvPr/>
+        </p:nvPicPr>
+        <p:blipFill>
+          <a:blip r:embed="rId3">
+            <a:extLst>
+              <a:ext uri="{28A0092B-C50C-407E-A947-70E740481C1C}">
+                <a14:useLocalDpi xmlns:a14="http://schemas.microsoft.com/office/drawing/2010/main" val="0"/>
+              </a:ext>
+            </a:extLst>
+          </a:blip>
+          <a:stretch>
+            <a:fillRect/>
+          </a:stretch>
+        </p:blipFill>
+        <p:spPr>
+          <a:xfrm>
+            <a:off x="6095999" y="1328736"/>
+            <a:ext cx="3438525" cy="4200525"/>
           </a:xfrm>
           <a:prstGeom prst="rect">
             <a:avLst/>
@@ -22378,14 +22414,14 @@
           <p:nvPr>
             <p:extLst>
               <p:ext uri="{D42A27DB-BD31-4B8C-83A1-F6EECF244321}">
-                <p14:modId xmlns:p14="http://schemas.microsoft.com/office/powerpoint/2010/main" val="727016959"/>
+                <p14:modId xmlns:p14="http://schemas.microsoft.com/office/powerpoint/2010/main" val="1775332691"/>
               </p:ext>
             </p:extLst>
           </p:nvPr>
         </p:nvGraphicFramePr>
         <p:xfrm>
           <a:off x="2678747" y="2087880"/>
-          <a:ext cx="6834505" cy="2682240"/>
+          <a:ext cx="6834505" cy="2468880"/>
         </p:xfrm>
         <a:graphic>
           <a:graphicData uri="http://schemas.openxmlformats.org/drawingml/2006/table">
@@ -22491,7 +22527,7 @@
                             <a:schemeClr val="tx1"/>
                           </a:solidFill>
                         </a:rPr>
-                        <a:t>발동 대상에는 </a:t>
+                        <a:t>적용 대상이 </a:t>
                       </a:r>
                       <a:r>
                         <a:rPr lang="en-US" altLang="ko-KR" sz="1400" b="0" dirty="0">
@@ -22507,7 +22543,7 @@
                             <a:schemeClr val="tx1"/>
                           </a:solidFill>
                         </a:rPr>
-                        <a:t>타겟</a:t>
+                        <a:t>논 타겟</a:t>
                       </a:r>
                       <a:r>
                         <a:rPr lang="en-US" altLang="ko-KR" sz="1400" b="0" dirty="0">
@@ -22523,7 +22559,7 @@
                             <a:schemeClr val="tx1"/>
                           </a:solidFill>
                         </a:rPr>
-                        <a:t>과 </a:t>
+                        <a:t>일 경우 처리를 하지 않는다</a:t>
                       </a:r>
                       <a:r>
                         <a:rPr lang="en-US" altLang="ko-KR" sz="1400" b="0" dirty="0">
@@ -22531,53 +22567,8 @@
                             <a:schemeClr val="tx1"/>
                           </a:solidFill>
                         </a:rPr>
-                        <a:t>‘</a:t>
-                      </a:r>
-                      <a:r>
-                        <a:rPr lang="ko-KR" altLang="en-US" sz="1400" b="0" dirty="0">
-                          <a:solidFill>
-                            <a:schemeClr val="tx1"/>
-                          </a:solidFill>
-                        </a:rPr>
-                        <a:t>논 타겟</a:t>
-                      </a:r>
-                      <a:r>
-                        <a:rPr lang="en-US" altLang="ko-KR" sz="1400" b="0" dirty="0">
-                          <a:solidFill>
-                            <a:schemeClr val="tx1"/>
-                          </a:solidFill>
-                        </a:rPr>
-                        <a:t>’</a:t>
-                      </a:r>
-                      <a:r>
-                        <a:rPr lang="ko-KR" altLang="en-US" sz="1400" b="0" dirty="0">
-                          <a:solidFill>
-                            <a:schemeClr val="tx1"/>
-                          </a:solidFill>
-                        </a:rPr>
-                        <a:t>에 따라서 처리가 다르다</a:t>
-                      </a:r>
-                      <a:r>
-                        <a:rPr lang="en-US" altLang="ko-KR" sz="1400" b="0" dirty="0">
-                          <a:solidFill>
-                            <a:schemeClr val="tx1"/>
-                          </a:solidFill>
-                        </a:rPr>
                         <a:t>.</a:t>
                       </a:r>
-                      <a:r>
-                        <a:rPr lang="ko-KR" altLang="en-US" sz="1400" b="0" dirty="0">
-                          <a:solidFill>
-                            <a:schemeClr val="tx1"/>
-                          </a:solidFill>
-                        </a:rPr>
-                        <a:t> </a:t>
-                      </a:r>
-                      <a:endParaRPr lang="en-US" altLang="ko-KR" sz="1400" b="0" dirty="0">
-                        <a:solidFill>
-                          <a:schemeClr val="tx1"/>
-                        </a:solidFill>
-                      </a:endParaRPr>
                     </a:p>
                   </a:txBody>
                   <a:tcPr>
@@ -22762,7 +22753,7 @@
                             <a:schemeClr val="tx1"/>
                           </a:solidFill>
                         </a:rPr>
-                        <a:t>타겟</a:t>
+                        <a:t>자신</a:t>
                       </a:r>
                       <a:r>
                         <a:rPr lang="en-US" altLang="ko-KR" sz="1400" b="0" dirty="0">
@@ -22814,102 +22805,6 @@
                           </a:solidFill>
                         </a:rPr>
                         <a:t>자신</a:t>
-                      </a:r>
-                      <a:r>
-                        <a:rPr lang="en-US" altLang="ko-KR" sz="1400" b="0" dirty="0">
-                          <a:solidFill>
-                            <a:schemeClr val="tx1"/>
-                          </a:solidFill>
-                        </a:rPr>
-                        <a:t>’</a:t>
-                      </a:r>
-                      <a:r>
-                        <a:rPr lang="ko-KR" altLang="en-US" sz="1400" b="0" dirty="0">
-                          <a:solidFill>
-                            <a:schemeClr val="tx1"/>
-                          </a:solidFill>
-                        </a:rPr>
-                        <a:t>을 대상으로 사용하거나 </a:t>
-                      </a:r>
-                      <a:endParaRPr lang="en-US" altLang="ko-KR" sz="1400" b="0" dirty="0">
-                        <a:solidFill>
-                          <a:schemeClr val="tx1"/>
-                        </a:solidFill>
-                      </a:endParaRPr>
-                    </a:p>
-                    <a:p>
-                      <a:pPr marL="914400" marR="0" lvl="2" indent="0" algn="l" defTabSz="914400" rtl="0" eaLnBrk="1" fontAlgn="auto" latinLnBrk="1" hangingPunct="1">
-                        <a:lnSpc>
-                          <a:spcPct val="100000"/>
-                        </a:lnSpc>
-                        <a:spcBef>
-                          <a:spcPts val="0"/>
-                        </a:spcBef>
-                        <a:spcAft>
-                          <a:spcPts val="0"/>
-                        </a:spcAft>
-                        <a:buClrTx/>
-                        <a:buSzTx/>
-                        <a:buFont typeface="Arial" panose="020B0604020202020204" pitchFamily="34" charset="0"/>
-                        <a:buNone/>
-                        <a:tabLst/>
-                        <a:defRPr/>
-                      </a:pPr>
-                      <a:r>
-                        <a:rPr lang="ko-KR" altLang="en-US" sz="1400" b="0" dirty="0">
-                          <a:solidFill>
-                            <a:schemeClr val="tx1"/>
-                          </a:solidFill>
-                        </a:rPr>
-                        <a:t>아군</a:t>
-                      </a:r>
-                      <a:r>
-                        <a:rPr lang="en-US" altLang="ko-KR" sz="1400" b="0" dirty="0">
-                          <a:solidFill>
-                            <a:schemeClr val="tx1"/>
-                          </a:solidFill>
-                        </a:rPr>
-                        <a:t>, </a:t>
-                      </a:r>
-                      <a:r>
-                        <a:rPr lang="ko-KR" altLang="en-US" sz="1400" b="0" dirty="0">
-                          <a:solidFill>
-                            <a:schemeClr val="tx1"/>
-                          </a:solidFill>
-                        </a:rPr>
-                        <a:t>몬스터</a:t>
-                      </a:r>
-                      <a:r>
-                        <a:rPr lang="en-US" altLang="ko-KR" sz="1400" b="0" dirty="0">
-                          <a:solidFill>
-                            <a:schemeClr val="tx1"/>
-                          </a:solidFill>
-                        </a:rPr>
-                        <a:t>, </a:t>
-                      </a:r>
-                      <a:r>
-                        <a:rPr lang="ko-KR" altLang="en-US" sz="1400" b="0" dirty="0">
-                          <a:solidFill>
-                            <a:schemeClr val="tx1"/>
-                          </a:solidFill>
-                        </a:rPr>
-                        <a:t>오브젝트 같은 </a:t>
-                      </a:r>
-                      <a:r>
-                        <a:rPr lang="en-US" altLang="ko-KR" sz="1400" b="0" dirty="0">
-                          <a:solidFill>
-                            <a:schemeClr val="tx1"/>
-                          </a:solidFill>
-                        </a:rPr>
-                        <a:t>‘</a:t>
-                      </a:r>
-                      <a:r>
-                        <a:rPr lang="ko-KR" altLang="en-US" sz="1400" b="0" dirty="0">
-                          <a:solidFill>
-                            <a:schemeClr val="tx1"/>
-                          </a:solidFill>
-                        </a:rPr>
-                        <a:t>다른 대상</a:t>
                       </a:r>
                       <a:r>
                         <a:rPr lang="en-US" altLang="ko-KR" sz="1400" b="0" dirty="0">
@@ -23001,7 +22896,7 @@
                             <a:schemeClr val="tx1"/>
                           </a:solidFill>
                         </a:rPr>
-                        <a:t>논 타겟</a:t>
+                        <a:t>다른 대상</a:t>
                       </a:r>
                       <a:r>
                         <a:rPr lang="en-US" altLang="ko-KR" sz="1400" b="0" dirty="0">
@@ -23013,16 +22908,69 @@
                       </a:r>
                     </a:p>
                     <a:p>
-                      <a:pPr marL="914400" lvl="2" indent="0" algn="l" latinLnBrk="1">
+                      <a:pPr marL="914400" marR="0" lvl="2" indent="0" algn="l" defTabSz="914400" rtl="0" eaLnBrk="1" fontAlgn="auto" latinLnBrk="1" hangingPunct="1">
+                        <a:lnSpc>
+                          <a:spcPct val="100000"/>
+                        </a:lnSpc>
+                        <a:spcBef>
+                          <a:spcPts val="0"/>
+                        </a:spcBef>
+                        <a:spcAft>
+                          <a:spcPts val="0"/>
+                        </a:spcAft>
+                        <a:buClrTx/>
+                        <a:buSzTx/>
                         <a:buFont typeface="Arial" panose="020B0604020202020204" pitchFamily="34" charset="0"/>
                         <a:buNone/>
+                        <a:tabLst/>
+                        <a:defRPr/>
                       </a:pPr>
                       <a:r>
+                        <a:rPr lang="ko-KR" altLang="en-US" sz="1400" b="0" dirty="0">
+                          <a:solidFill>
+                            <a:schemeClr val="tx1"/>
+                          </a:solidFill>
+                        </a:rPr>
+                        <a:t>아군</a:t>
+                      </a:r>
+                      <a:r>
                         <a:rPr lang="en-US" altLang="ko-KR" sz="1400" b="0" dirty="0">
                           <a:solidFill>
                             <a:schemeClr val="tx1"/>
                           </a:solidFill>
                         </a:rPr>
+                        <a:t>, </a:t>
+                      </a:r>
+                      <a:r>
+                        <a:rPr lang="ko-KR" altLang="en-US" sz="1400" b="0" dirty="0">
+                          <a:solidFill>
+                            <a:schemeClr val="tx1"/>
+                          </a:solidFill>
+                        </a:rPr>
+                        <a:t>몬스터</a:t>
+                      </a:r>
+                      <a:r>
+                        <a:rPr lang="en-US" altLang="ko-KR" sz="1400" b="0" dirty="0">
+                          <a:solidFill>
+                            <a:schemeClr val="tx1"/>
+                          </a:solidFill>
+                        </a:rPr>
+                        <a:t>, </a:t>
+                      </a:r>
+                      <a:r>
+                        <a:rPr lang="ko-KR" altLang="en-US" sz="1400" b="0" dirty="0">
+                          <a:solidFill>
+                            <a:schemeClr val="tx1"/>
+                          </a:solidFill>
+                        </a:rPr>
+                        <a:t>오브젝트 같은 </a:t>
+                      </a:r>
+                      <a:r>
+                        <a:rPr lang="en-US" altLang="ko-KR" sz="1400" b="0" dirty="0">
+                          <a:solidFill>
+                            <a:schemeClr val="tx1"/>
+                          </a:solidFill>
+                        </a:rPr>
                         <a:t>‘</a:t>
                       </a:r>
                       <a:r>
@@ -23031,7 +22979,7 @@
                             <a:schemeClr val="tx1"/>
                           </a:solidFill>
                         </a:rPr>
-                        <a:t>지형</a:t>
+                        <a:t>다른 대상</a:t>
                       </a:r>
                       <a:r>
                         <a:rPr lang="en-US" altLang="ko-KR" sz="1400" b="0" dirty="0">
@@ -23348,7 +23296,7 @@
           <p:nvPr>
             <p:extLst>
               <p:ext uri="{D42A27DB-BD31-4B8C-83A1-F6EECF244321}">
-                <p14:modId xmlns:p14="http://schemas.microsoft.com/office/powerpoint/2010/main" val="1744196305"/>
+                <p14:modId xmlns:p14="http://schemas.microsoft.com/office/powerpoint/2010/main" val="4159500610"/>
               </p:ext>
             </p:extLst>
           </p:nvPr>
@@ -23454,7 +23402,31 @@
                       </a:r>
                     </a:p>
                     <a:p>
-                      <a:pPr algn="l" latinLnBrk="1"/>
+                      <a:pPr marL="0" marR="0" lvl="0" indent="0" algn="l" defTabSz="914400" rtl="0" eaLnBrk="1" fontAlgn="auto" latinLnBrk="1" hangingPunct="1">
+                        <a:lnSpc>
+                          <a:spcPct val="100000"/>
+                        </a:lnSpc>
+                        <a:spcBef>
+                          <a:spcPts val="0"/>
+                        </a:spcBef>
+                        <a:spcAft>
+                          <a:spcPts val="0"/>
+                        </a:spcAft>
+                        <a:buClrTx/>
+                        <a:buSzTx/>
+                        <a:buFontTx/>
+                        <a:buNone/>
+                        <a:tabLst/>
+                        <a:defRPr/>
+                      </a:pPr>
+                      <a:r>
+                        <a:rPr lang="ko-KR" altLang="en-US" sz="1400" b="0" dirty="0">
+                          <a:solidFill>
+                            <a:schemeClr val="tx1"/>
+                          </a:solidFill>
+                        </a:rPr>
+                        <a:t>적용 대상이 </a:t>
+                      </a:r>
                       <a:r>
                         <a:rPr lang="en-US" altLang="ko-KR" sz="1400" b="0" dirty="0">
                           <a:solidFill>
@@ -23469,7 +23441,7 @@
                             <a:schemeClr val="tx1"/>
                           </a:solidFill>
                         </a:rPr>
-                        <a:t>타겟</a:t>
+                        <a:t>논 타겟</a:t>
                       </a:r>
                       <a:r>
                         <a:rPr lang="en-US" altLang="ko-KR" sz="1400" b="0" dirty="0">
@@ -23485,39 +23457,7 @@
                             <a:schemeClr val="tx1"/>
                           </a:solidFill>
                         </a:rPr>
-                        <a:t>과 </a:t>
-                      </a:r>
-                      <a:r>
-                        <a:rPr lang="en-US" altLang="ko-KR" sz="1400" b="0" dirty="0">
-                          <a:solidFill>
-                            <a:schemeClr val="tx1"/>
-                          </a:solidFill>
-                        </a:rPr>
-                        <a:t>‘</a:t>
-                      </a:r>
-                      <a:r>
-                        <a:rPr lang="ko-KR" altLang="en-US" sz="1400" b="0" dirty="0">
-                          <a:solidFill>
-                            <a:schemeClr val="tx1"/>
-                          </a:solidFill>
-                        </a:rPr>
-                        <a:t>논 타겟</a:t>
-                      </a:r>
-                      <a:r>
-                        <a:rPr lang="en-US" altLang="ko-KR" sz="1400" b="0" dirty="0">
-                          <a:solidFill>
-                            <a:schemeClr val="tx1"/>
-                          </a:solidFill>
-                        </a:rPr>
-                        <a:t>’</a:t>
-                      </a:r>
-                      <a:r>
-                        <a:rPr lang="ko-KR" altLang="en-US" sz="1400" b="0" dirty="0">
-                          <a:solidFill>
-                            <a:schemeClr val="tx1"/>
-                          </a:solidFill>
-                        </a:rPr>
-                        <a:t>에 따라서 처리가 다르다</a:t>
+                        <a:t>일 경우 처리를 하지 않는다</a:t>
                       </a:r>
                       <a:r>
                         <a:rPr lang="en-US" altLang="ko-KR" sz="1400" b="0" dirty="0">
@@ -23634,7 +23574,7 @@
                             <a:schemeClr val="tx1"/>
                           </a:solidFill>
                         </a:rPr>
-                        <a:t>조작법</a:t>
+                        <a:t>발동 대상과의 거리에 따른 처리</a:t>
                       </a:r>
                       <a:endParaRPr lang="en-US" altLang="ko-KR" sz="1400" b="0" dirty="0">
                         <a:solidFill>
@@ -23711,7 +23651,7 @@
                             <a:schemeClr val="tx1"/>
                           </a:solidFill>
                         </a:rPr>
-                        <a:t>타겟</a:t>
+                        <a:t>스킬 범위 안</a:t>
                       </a:r>
                       <a:r>
                         <a:rPr lang="en-US" altLang="ko-KR" sz="1400" b="0" dirty="0">
@@ -23723,41 +23663,17 @@
                       </a:r>
                     </a:p>
                     <a:p>
-                      <a:pPr marL="914400" lvl="2" indent="0" algn="l" latinLnBrk="1">
-                        <a:buFont typeface="Arial" panose="020B0604020202020204" pitchFamily="34" charset="0"/>
-                        <a:buNone/>
+                      <a:pPr marL="1200150" lvl="2" indent="-285750" algn="l" latinLnBrk="1">
+                        <a:buFont typeface="Wingdings" panose="05000000000000000000" pitchFamily="2" charset="2"/>
+                        <a:buChar char="§"/>
                       </a:pPr>
                       <a:r>
-                        <a:rPr lang="en-US" altLang="ko-KR" sz="1400" b="0" dirty="0">
-                          <a:solidFill>
-                            <a:schemeClr val="tx1"/>
-                          </a:solidFill>
-                        </a:rPr>
-                        <a:t>‘</a:t>
-                      </a:r>
-                      <a:r>
                         <a:rPr lang="ko-KR" altLang="en-US" sz="1400" b="0" dirty="0">
                           <a:solidFill>
                             <a:schemeClr val="tx1"/>
                           </a:solidFill>
                         </a:rPr>
-                        <a:t>타겟</a:t>
-                      </a:r>
-                      <a:r>
-                        <a:rPr lang="en-US" altLang="ko-KR" sz="1400" b="0" dirty="0">
-                          <a:solidFill>
-                            <a:schemeClr val="tx1"/>
-                          </a:solidFill>
-                        </a:rPr>
-                        <a:t>’</a:t>
-                      </a:r>
-                      <a:r>
-                        <a:rPr lang="ko-KR" altLang="en-US" sz="1400" b="0" dirty="0">
-                          <a:solidFill>
-                            <a:schemeClr val="tx1"/>
-                          </a:solidFill>
-                        </a:rPr>
-                        <a:t>이 스킬의 발동 대상이 스킬 사거리 밖에 있을 경우 스킬을 사용할 수 있는 거리까지 이동한다</a:t>
+                        <a:t>다른 처리를 하지 않는다</a:t>
                       </a:r>
                       <a:r>
                         <a:rPr lang="en-US" altLang="ko-KR" sz="1400" b="0" dirty="0">
@@ -23833,7 +23749,7 @@
                             <a:schemeClr val="tx1"/>
                           </a:solidFill>
                         </a:rPr>
-                        <a:t>논 타겟</a:t>
+                        <a:t>스킬 범위 밖</a:t>
                       </a:r>
                       <a:r>
                         <a:rPr lang="en-US" altLang="ko-KR" sz="1400" b="0" dirty="0">
@@ -23845,17 +23761,25 @@
                       </a:r>
                     </a:p>
                     <a:p>
-                      <a:pPr marL="914400" lvl="2" indent="0" algn="l" latinLnBrk="1">
-                        <a:buFont typeface="Arial" panose="020B0604020202020204" pitchFamily="34" charset="0"/>
-                        <a:buNone/>
+                      <a:pPr marL="1200150" lvl="2" indent="-285750" algn="l" latinLnBrk="1">
+                        <a:buFont typeface="Wingdings" panose="05000000000000000000" pitchFamily="2" charset="2"/>
+                        <a:buChar char="§"/>
                       </a:pPr>
                       <a:r>
+                        <a:rPr lang="en-US" altLang="ko-KR" sz="1400" b="0" dirty="0">
+                          <a:solidFill>
+                            <a:schemeClr val="tx1"/>
+                          </a:solidFill>
+                        </a:rPr>
+                        <a:t>‘</a:t>
+                      </a:r>
+                      <a:r>
                         <a:rPr lang="ko-KR" altLang="en-US" sz="1400" b="0" dirty="0">
                           <a:solidFill>
                             <a:schemeClr val="tx1"/>
                           </a:solidFill>
                         </a:rPr>
-                        <a:t>스킬의 발동 대상과의 거리를 따지지 않는다</a:t>
+                        <a:t>타겟</a:t>
                       </a:r>
                       <a:r>
                         <a:rPr lang="en-US" altLang="ko-KR" sz="1400" b="0" dirty="0">
@@ -23863,8 +23787,21 @@
                             <a:schemeClr val="tx1"/>
                           </a:solidFill>
                         </a:rPr>
-                        <a:t>.</a:t>
-                      </a:r>
+                        <a:t>’</a:t>
+                      </a:r>
+                      <a:r>
+                        <a:rPr lang="ko-KR" altLang="en-US" sz="1400" b="0" dirty="0">
+                          <a:solidFill>
+                            <a:schemeClr val="tx1"/>
+                          </a:solidFill>
+                        </a:rPr>
+                        <a:t>이 스킬의 발동 대상이 스킬 사거리 밖에 있을 경우 스킬을 사용할 수 있는 거리까지 이동한다</a:t>
+                      </a:r>
+                      <a:endParaRPr lang="en-US" altLang="ko-KR" sz="1400" b="0" dirty="0">
+                        <a:solidFill>
+                          <a:schemeClr val="tx1"/>
+                        </a:solidFill>
+                      </a:endParaRPr>
                     </a:p>
                   </a:txBody>
                   <a:tcPr>
@@ -24009,10 +23946,10 @@
       </p:sp>
       <p:pic>
         <p:nvPicPr>
-          <p:cNvPr id="4" name="그림 3">
+          <p:cNvPr id="3" name="그림 2">
             <a:extLst>
               <a:ext uri="{FF2B5EF4-FFF2-40B4-BE49-F238E27FC236}">
-                <a16:creationId xmlns:a16="http://schemas.microsoft.com/office/drawing/2014/main" id="{72E2533F-1357-40CA-B001-5E6819E5B178}"/>
+                <a16:creationId xmlns:a16="http://schemas.microsoft.com/office/drawing/2014/main" id="{53D5D88E-6A70-47E1-A729-7092AA061CBF}"/>
               </a:ext>
             </a:extLst>
           </p:cNvPr>
@@ -24035,8 +23972,8 @@
         </p:blipFill>
         <p:spPr>
           <a:xfrm>
-            <a:off x="1519237" y="1766887"/>
-            <a:ext cx="9153525" cy="3324225"/>
+            <a:off x="1385887" y="1471612"/>
+            <a:ext cx="9420225" cy="3914775"/>
           </a:xfrm>
           <a:prstGeom prst="rect">
             <a:avLst/>
@@ -24156,14 +24093,14 @@
           <p:nvPr>
             <p:extLst>
               <p:ext uri="{D42A27DB-BD31-4B8C-83A1-F6EECF244321}">
-                <p14:modId xmlns:p14="http://schemas.microsoft.com/office/powerpoint/2010/main" val="882611270"/>
+                <p14:modId xmlns:p14="http://schemas.microsoft.com/office/powerpoint/2010/main" val="119491772"/>
               </p:ext>
             </p:extLst>
           </p:nvPr>
         </p:nvGraphicFramePr>
         <p:xfrm>
           <a:off x="2235041" y="1722120"/>
-          <a:ext cx="7721918" cy="3505200"/>
+          <a:ext cx="7721918" cy="3718560"/>
         </p:xfrm>
         <a:graphic>
           <a:graphicData uri="http://schemas.openxmlformats.org/drawingml/2006/table">
@@ -24270,6 +24207,57 @@
                           </a:solidFill>
                         </a:rPr>
                         <a:t>장애물의 타입과 스킬에 타입에 따라서 처리가 다르다</a:t>
+                      </a:r>
+                      <a:r>
+                        <a:rPr lang="en-US" altLang="ko-KR" sz="1400" b="0" dirty="0">
+                          <a:solidFill>
+                            <a:schemeClr val="tx1"/>
+                          </a:solidFill>
+                        </a:rPr>
+                        <a:t>.</a:t>
+                      </a:r>
+                    </a:p>
+                    <a:p>
+                      <a:pPr algn="l" latinLnBrk="1"/>
+                      <a:r>
+                        <a:rPr lang="ko-KR" altLang="en-US" sz="1400" b="0" dirty="0">
+                          <a:solidFill>
+                            <a:schemeClr val="tx1"/>
+                          </a:solidFill>
+                        </a:rPr>
+                        <a:t>적용 대상이 </a:t>
+                      </a:r>
+                      <a:r>
+                        <a:rPr lang="en-US" altLang="ko-KR" sz="1400" b="0" dirty="0">
+                          <a:solidFill>
+                            <a:schemeClr val="tx1"/>
+                          </a:solidFill>
+                        </a:rPr>
+                        <a:t>‘</a:t>
+                      </a:r>
+                      <a:r>
+                        <a:rPr lang="ko-KR" altLang="en-US" sz="1400" b="0" dirty="0">
+                          <a:solidFill>
+                            <a:schemeClr val="tx1"/>
+                          </a:solidFill>
+                        </a:rPr>
+                        <a:t>논 타겟</a:t>
+                      </a:r>
+                      <a:r>
+                        <a:rPr lang="en-US" altLang="ko-KR" sz="1400" b="0" dirty="0">
+                          <a:solidFill>
+                            <a:schemeClr val="tx1"/>
+                          </a:solidFill>
+                        </a:rPr>
+                        <a:t>’</a:t>
+                      </a:r>
+                      <a:r>
+                        <a:rPr lang="ko-KR" altLang="en-US" sz="1400" b="0" dirty="0">
+                          <a:solidFill>
+                            <a:schemeClr val="tx1"/>
+                          </a:solidFill>
+                        </a:rPr>
+                        <a:t>일 경우 처리를 하지 않는다</a:t>
                       </a:r>
                       <a:r>
                         <a:rPr lang="en-US" altLang="ko-KR" sz="1400" b="0" dirty="0">
@@ -24922,10 +24910,10 @@
       </p:sp>
       <p:pic>
         <p:nvPicPr>
-          <p:cNvPr id="6" name="그림 5" descr="텍스트, 스크린샷, 폰트, 도표이(가) 표시된 사진&#10;&#10;자동 생성된 설명">
+          <p:cNvPr id="3" name="그림 2">
             <a:extLst>
               <a:ext uri="{FF2B5EF4-FFF2-40B4-BE49-F238E27FC236}">
-                <a16:creationId xmlns:a16="http://schemas.microsoft.com/office/drawing/2014/main" id="{A19068F3-3585-A1B1-8A85-80C9DD61F216}"/>
+                <a16:creationId xmlns:a16="http://schemas.microsoft.com/office/drawing/2014/main" id="{9C58B288-E176-4D63-91D6-27437919114F}"/>
               </a:ext>
             </a:extLst>
           </p:cNvPr>
@@ -24948,8 +24936,8 @@
         </p:blipFill>
         <p:spPr>
           <a:xfrm>
-            <a:off x="4371975" y="1236617"/>
-            <a:ext cx="2887724" cy="5440408"/>
+            <a:off x="4376737" y="1328737"/>
+            <a:ext cx="3438525" cy="4200525"/>
           </a:xfrm>
           <a:prstGeom prst="rect">
             <a:avLst/>
@@ -25061,10 +25049,10 @@
       </p:sp>
       <p:pic>
         <p:nvPicPr>
-          <p:cNvPr id="3" name="그림 2" descr="텍스트, 폰트, 스크린샷, 그래픽이(가) 표시된 사진&#10;&#10;자동 생성된 설명">
+          <p:cNvPr id="4" name="그림 3">
             <a:extLst>
               <a:ext uri="{FF2B5EF4-FFF2-40B4-BE49-F238E27FC236}">
-                <a16:creationId xmlns:a16="http://schemas.microsoft.com/office/drawing/2014/main" id="{7C977A3F-EA80-B340-C710-BCE292F9A43E}"/>
+                <a16:creationId xmlns:a16="http://schemas.microsoft.com/office/drawing/2014/main" id="{9CB5D902-5D72-4E5F-9BD5-5E86E2712770}"/>
               </a:ext>
             </a:extLst>
           </p:cNvPr>
@@ -25087,8 +25075,8 @@
         </p:blipFill>
         <p:spPr>
           <a:xfrm>
-            <a:off x="1381125" y="1195387"/>
-            <a:ext cx="9429750" cy="4467225"/>
+            <a:off x="4003727" y="1153795"/>
+            <a:ext cx="4184546" cy="5681053"/>
           </a:xfrm>
           <a:prstGeom prst="rect">
             <a:avLst/>
@@ -25200,10 +25188,10 @@
       </p:sp>
       <p:pic>
         <p:nvPicPr>
-          <p:cNvPr id="3" name="그림 2" descr="텍스트, 폰트, 스크린샷, 그래픽이(가) 표시된 사진&#10;&#10;자동 생성된 설명">
+          <p:cNvPr id="4" name="그림 3">
             <a:extLst>
               <a:ext uri="{FF2B5EF4-FFF2-40B4-BE49-F238E27FC236}">
-                <a16:creationId xmlns:a16="http://schemas.microsoft.com/office/drawing/2014/main" id="{DFA73811-9A57-F8CE-FCBB-DF82FC586C43}"/>
+                <a16:creationId xmlns:a16="http://schemas.microsoft.com/office/drawing/2014/main" id="{747A1C20-E9F3-405E-92C0-5C9E1BA79032}"/>
               </a:ext>
             </a:extLst>
           </p:cNvPr>
@@ -25226,8 +25214,8 @@
         </p:blipFill>
         <p:spPr>
           <a:xfrm>
-            <a:off x="1514475" y="1895475"/>
-            <a:ext cx="9163050" cy="3067050"/>
+            <a:off x="2466975" y="1190625"/>
+            <a:ext cx="7258050" cy="4476750"/>
           </a:xfrm>
           <a:prstGeom prst="rect">
             <a:avLst/>
@@ -25339,10 +25327,10 @@
       </p:sp>
       <p:pic>
         <p:nvPicPr>
-          <p:cNvPr id="3" name="그림 2" descr="텍스트, 폰트, 스크린샷, 원이(가) 표시된 사진&#10;&#10;자동 생성된 설명">
+          <p:cNvPr id="4" name="그림 3">
             <a:extLst>
               <a:ext uri="{FF2B5EF4-FFF2-40B4-BE49-F238E27FC236}">
-                <a16:creationId xmlns:a16="http://schemas.microsoft.com/office/drawing/2014/main" id="{CAD0C9FE-5133-7EC7-B900-B086DD357ABA}"/>
+                <a16:creationId xmlns:a16="http://schemas.microsoft.com/office/drawing/2014/main" id="{C1A90333-387B-4796-8871-58C0ED25D52C}"/>
               </a:ext>
             </a:extLst>
           </p:cNvPr>
@@ -25365,8 +25353,8 @@
         </p:blipFill>
         <p:spPr>
           <a:xfrm>
-            <a:off x="3424237" y="1323975"/>
-            <a:ext cx="5343525" cy="4210050"/>
+            <a:off x="4376737" y="1328737"/>
+            <a:ext cx="3438525" cy="4200525"/>
           </a:xfrm>
           <a:prstGeom prst="rect">
             <a:avLst/>

--- a/기획/방랑엽사전/스킬 시스템 기획서.pptx
+++ b/기획/방랑엽사전/스킬 시스템 기획서.pptx
@@ -5,7 +5,7 @@
     <p:sldMasterId id="2147483715" r:id="rId1"/>
   </p:sldMasterIdLst>
   <p:notesMasterIdLst>
-    <p:notesMasterId r:id="rId44"/>
+    <p:notesMasterId r:id="rId53"/>
   </p:notesMasterIdLst>
   <p:sldIdLst>
     <p:sldId id="258" r:id="rId2"/>
@@ -50,6 +50,15 @@
     <p:sldId id="342" r:id="rId41"/>
     <p:sldId id="343" r:id="rId42"/>
     <p:sldId id="344" r:id="rId43"/>
+    <p:sldId id="349" r:id="rId44"/>
+    <p:sldId id="350" r:id="rId45"/>
+    <p:sldId id="351" r:id="rId46"/>
+    <p:sldId id="354" r:id="rId47"/>
+    <p:sldId id="355" r:id="rId48"/>
+    <p:sldId id="352" r:id="rId49"/>
+    <p:sldId id="353" r:id="rId50"/>
+    <p:sldId id="356" r:id="rId51"/>
+    <p:sldId id="357" r:id="rId52"/>
   </p:sldIdLst>
   <p:sldSz cx="12192000" cy="6858000"/>
   <p:notesSz cx="6858000" cy="9144000"/>
@@ -286,7 +295,7 @@
           <a:p>
             <a:fld id="{C8649E71-8129-4905-BAC0-51D65A0C1379}" type="datetimeFigureOut">
               <a:rPr lang="ko-KR" altLang="en-US" smtClean="0"/>
-              <a:t>2024-02-23</a:t>
+              <a:t>2024-02-26</a:t>
             </a:fld>
             <a:endParaRPr lang="ko-KR" altLang="en-US"/>
           </a:p>
@@ -784,7 +793,7 @@
           <a:p>
             <a:fld id="{523D6941-6B33-4834-BC65-A333846D27E6}" type="datetimeFigureOut">
               <a:rPr lang="ko-KR" altLang="en-US" smtClean="0"/>
-              <a:t>2024-02-23</a:t>
+              <a:t>2024-02-26</a:t>
             </a:fld>
             <a:endParaRPr lang="ko-KR" altLang="en-US"/>
           </a:p>
@@ -982,7 +991,7 @@
           <a:p>
             <a:fld id="{523D6941-6B33-4834-BC65-A333846D27E6}" type="datetimeFigureOut">
               <a:rPr lang="ko-KR" altLang="en-US" smtClean="0"/>
-              <a:t>2024-02-23</a:t>
+              <a:t>2024-02-26</a:t>
             </a:fld>
             <a:endParaRPr lang="ko-KR" altLang="en-US"/>
           </a:p>
@@ -1190,7 +1199,7 @@
           <a:p>
             <a:fld id="{523D6941-6B33-4834-BC65-A333846D27E6}" type="datetimeFigureOut">
               <a:rPr lang="ko-KR" altLang="en-US" smtClean="0"/>
-              <a:t>2024-02-23</a:t>
+              <a:t>2024-02-26</a:t>
             </a:fld>
             <a:endParaRPr lang="ko-KR" altLang="en-US"/>
           </a:p>
@@ -1403,7 +1412,7 @@
           <a:p>
             <a:fld id="{523D6941-6B33-4834-BC65-A333846D27E6}" type="datetimeFigureOut">
               <a:rPr lang="ko-KR" altLang="en-US" smtClean="0"/>
-              <a:t>2024-02-23</a:t>
+              <a:t>2024-02-26</a:t>
             </a:fld>
             <a:endParaRPr lang="ko-KR" altLang="en-US"/>
           </a:p>
@@ -1688,7 +1697,7 @@
           <a:p>
             <a:fld id="{523D6941-6B33-4834-BC65-A333846D27E6}" type="datetimeFigureOut">
               <a:rPr lang="ko-KR" altLang="en-US" smtClean="0"/>
-              <a:t>2024-02-23</a:t>
+              <a:t>2024-02-26</a:t>
             </a:fld>
             <a:endParaRPr lang="ko-KR" altLang="en-US"/>
           </a:p>
@@ -1953,7 +1962,7 @@
           <a:p>
             <a:fld id="{523D6941-6B33-4834-BC65-A333846D27E6}" type="datetimeFigureOut">
               <a:rPr lang="ko-KR" altLang="en-US" smtClean="0"/>
-              <a:t>2024-02-23</a:t>
+              <a:t>2024-02-26</a:t>
             </a:fld>
             <a:endParaRPr lang="ko-KR" altLang="en-US"/>
           </a:p>
@@ -2365,7 +2374,7 @@
           <a:p>
             <a:fld id="{523D6941-6B33-4834-BC65-A333846D27E6}" type="datetimeFigureOut">
               <a:rPr lang="ko-KR" altLang="en-US" smtClean="0"/>
-              <a:t>2024-02-23</a:t>
+              <a:t>2024-02-26</a:t>
             </a:fld>
             <a:endParaRPr lang="ko-KR" altLang="en-US"/>
           </a:p>
@@ -2506,7 +2515,7 @@
           <a:p>
             <a:fld id="{523D6941-6B33-4834-BC65-A333846D27E6}" type="datetimeFigureOut">
               <a:rPr lang="ko-KR" altLang="en-US" smtClean="0"/>
-              <a:t>2024-02-23</a:t>
+              <a:t>2024-02-26</a:t>
             </a:fld>
             <a:endParaRPr lang="ko-KR" altLang="en-US"/>
           </a:p>
@@ -2619,7 +2628,7 @@
           <a:p>
             <a:fld id="{523D6941-6B33-4834-BC65-A333846D27E6}" type="datetimeFigureOut">
               <a:rPr lang="ko-KR" altLang="en-US" smtClean="0"/>
-              <a:t>2024-02-23</a:t>
+              <a:t>2024-02-26</a:t>
             </a:fld>
             <a:endParaRPr lang="ko-KR" altLang="en-US"/>
           </a:p>
@@ -2930,7 +2939,7 @@
           <a:p>
             <a:fld id="{523D6941-6B33-4834-BC65-A333846D27E6}" type="datetimeFigureOut">
               <a:rPr lang="ko-KR" altLang="en-US" smtClean="0"/>
-              <a:t>2024-02-23</a:t>
+              <a:t>2024-02-26</a:t>
             </a:fld>
             <a:endParaRPr lang="ko-KR" altLang="en-US"/>
           </a:p>
@@ -3218,7 +3227,7 @@
           <a:p>
             <a:fld id="{523D6941-6B33-4834-BC65-A333846D27E6}" type="datetimeFigureOut">
               <a:rPr lang="ko-KR" altLang="en-US" smtClean="0"/>
-              <a:t>2024-02-23</a:t>
+              <a:t>2024-02-26</a:t>
             </a:fld>
             <a:endParaRPr lang="ko-KR" altLang="en-US"/>
           </a:p>
@@ -3459,7 +3468,7 @@
           <a:p>
             <a:fld id="{523D6941-6B33-4834-BC65-A333846D27E6}" type="datetimeFigureOut">
               <a:rPr lang="ko-KR" altLang="en-US" smtClean="0"/>
-              <a:t>2024-02-23</a:t>
+              <a:t>2024-02-26</a:t>
             </a:fld>
             <a:endParaRPr lang="ko-KR" altLang="en-US"/>
           </a:p>
@@ -26529,6 +26538,3507 @@
 </p:sld>
 </file>
 
+<file path=ppt/slides/slide43.xml><?xml version="1.0" encoding="utf-8"?>
+<p:sld xmlns:a="http://schemas.openxmlformats.org/drawingml/2006/main" xmlns:r="http://schemas.openxmlformats.org/officeDocument/2006/relationships" xmlns:p="http://schemas.openxmlformats.org/presentationml/2006/main">
+  <p:cSld>
+    <p:spTree>
+      <p:nvGrpSpPr>
+        <p:cNvPr id="1" name="">
+          <a:extLst>
+            <a:ext uri="{FF2B5EF4-FFF2-40B4-BE49-F238E27FC236}">
+              <a16:creationId xmlns:a16="http://schemas.microsoft.com/office/drawing/2014/main" id="{D8C07216-A188-E874-5FF0-1F5DA143128F}"/>
+            </a:ext>
+          </a:extLst>
+        </p:cNvPr>
+        <p:cNvGrpSpPr/>
+        <p:nvPr/>
+      </p:nvGrpSpPr>
+      <p:grpSpPr>
+        <a:xfrm>
+          <a:off x="0" y="0"/>
+          <a:ext cx="0" cy="0"/>
+          <a:chOff x="0" y="0"/>
+          <a:chExt cx="0" cy="0"/>
+        </a:xfrm>
+      </p:grpSpPr>
+      <p:sp>
+        <p:nvSpPr>
+          <p:cNvPr id="7" name="제목 1">
+            <a:extLst>
+              <a:ext uri="{FF2B5EF4-FFF2-40B4-BE49-F238E27FC236}">
+                <a16:creationId xmlns:a16="http://schemas.microsoft.com/office/drawing/2014/main" id="{A0364276-2C9C-D729-1B5B-0743110A3164}"/>
+              </a:ext>
+            </a:extLst>
+          </p:cNvPr>
+          <p:cNvSpPr txBox="1">
+            <a:spLocks/>
+          </p:cNvSpPr>
+          <p:nvPr/>
+        </p:nvSpPr>
+        <p:spPr>
+          <a:xfrm>
+            <a:off x="695325" y="292100"/>
+            <a:ext cx="10801350" cy="861695"/>
+          </a:xfrm>
+          <a:prstGeom prst="rect">
+            <a:avLst/>
+          </a:prstGeom>
+        </p:spPr>
+        <p:txBody>
+          <a:bodyPr vert="horz" lIns="91440" tIns="45720" rIns="91440" bIns="45720" rtlCol="0" anchor="ctr">
+            <a:normAutofit/>
+          </a:bodyPr>
+          <a:lstStyle>
+            <a:lvl1pPr algn="l" defTabSz="914400" rtl="0" eaLnBrk="1" latinLnBrk="1" hangingPunct="1">
+              <a:lnSpc>
+                <a:spcPct val="90000"/>
+              </a:lnSpc>
+              <a:spcBef>
+                <a:spcPct val="0"/>
+              </a:spcBef>
+              <a:buNone/>
+              <a:defRPr sz="4400" kern="1200">
+                <a:solidFill>
+                  <a:schemeClr val="tx1"/>
+                </a:solidFill>
+                <a:latin typeface="+mj-lt"/>
+                <a:ea typeface="+mj-ea"/>
+                <a:cs typeface="+mj-cs"/>
+              </a:defRPr>
+            </a:lvl1pPr>
+          </a:lstStyle>
+          <a:p>
+            <a:r>
+              <a:rPr lang="ko-KR" altLang="en-US" dirty="0"/>
+              <a:t>액션 </a:t>
+            </a:r>
+            <a:r>
+              <a:rPr lang="en-US" altLang="ko-KR" dirty="0"/>
+              <a:t>&amp; </a:t>
+            </a:r>
+            <a:r>
+              <a:rPr lang="ko-KR" altLang="en-US" dirty="0"/>
+              <a:t>슈팅</a:t>
+            </a:r>
+          </a:p>
+        </p:txBody>
+      </p:sp>
+      <p:pic>
+        <p:nvPicPr>
+          <p:cNvPr id="5" name="Picture 8">
+            <a:extLst>
+              <a:ext uri="{FF2B5EF4-FFF2-40B4-BE49-F238E27FC236}">
+                <a16:creationId xmlns:a16="http://schemas.microsoft.com/office/drawing/2014/main" id="{F633AF0D-E4A8-AF63-F2AB-EFFE0CA92C00}"/>
+              </a:ext>
+            </a:extLst>
+          </p:cNvPr>
+          <p:cNvPicPr>
+            <a:picLocks noChangeAspect="1" noChangeArrowheads="1"/>
+          </p:cNvPicPr>
+          <p:nvPr/>
+        </p:nvPicPr>
+        <p:blipFill>
+          <a:blip r:embed="rId2">
+            <a:extLst>
+              <a:ext uri="{28A0092B-C50C-407E-A947-70E740481C1C}">
+                <a14:useLocalDpi xmlns:a14="http://schemas.microsoft.com/office/drawing/2010/main" val="0"/>
+              </a:ext>
+            </a:extLst>
+          </a:blip>
+          <a:srcRect/>
+          <a:stretch>
+            <a:fillRect/>
+          </a:stretch>
+        </p:blipFill>
+        <p:spPr bwMode="auto">
+          <a:xfrm>
+            <a:off x="2222894" y="2752216"/>
+            <a:ext cx="612021" cy="685800"/>
+          </a:xfrm>
+          <a:prstGeom prst="rect">
+            <a:avLst/>
+          </a:prstGeom>
+          <a:noFill/>
+          <a:ln>
+            <a:solidFill>
+              <a:schemeClr val="bg1"/>
+            </a:solidFill>
+          </a:ln>
+        </p:spPr>
+      </p:pic>
+      <p:sp>
+        <p:nvSpPr>
+          <p:cNvPr id="6" name="사각형: 둥근 대각선 방향 모서리 5">
+            <a:extLst>
+              <a:ext uri="{FF2B5EF4-FFF2-40B4-BE49-F238E27FC236}">
+                <a16:creationId xmlns:a16="http://schemas.microsoft.com/office/drawing/2014/main" id="{9D6D2FC3-FE7C-1A1F-D381-40FC3297E420}"/>
+              </a:ext>
+            </a:extLst>
+          </p:cNvPr>
+          <p:cNvSpPr/>
+          <p:nvPr/>
+        </p:nvSpPr>
+        <p:spPr>
+          <a:xfrm flipH="1">
+            <a:off x="685801" y="2358153"/>
+            <a:ext cx="1458770" cy="1079863"/>
+          </a:xfrm>
+          <a:prstGeom prst="round2DiagRect">
+            <a:avLst>
+              <a:gd name="adj1" fmla="val 44086"/>
+              <a:gd name="adj2" fmla="val 0"/>
+            </a:avLst>
+          </a:prstGeom>
+          <a:solidFill>
+            <a:schemeClr val="tx1">
+              <a:lumMod val="65000"/>
+              <a:lumOff val="35000"/>
+            </a:schemeClr>
+          </a:solidFill>
+          <a:ln>
+            <a:noFill/>
+          </a:ln>
+        </p:spPr>
+        <p:style>
+          <a:lnRef idx="2">
+            <a:schemeClr val="accent1">
+              <a:shade val="15000"/>
+            </a:schemeClr>
+          </a:lnRef>
+          <a:fillRef idx="1">
+            <a:schemeClr val="accent1"/>
+          </a:fillRef>
+          <a:effectRef idx="0">
+            <a:schemeClr val="accent1"/>
+          </a:effectRef>
+          <a:fontRef idx="minor">
+            <a:schemeClr val="lt1"/>
+          </a:fontRef>
+        </p:style>
+        <p:txBody>
+          <a:bodyPr rtlCol="0" anchor="ctr"/>
+          <a:lstStyle/>
+          <a:p>
+            <a:pPr algn="ctr"/>
+            <a:r>
+              <a:rPr lang="ko-KR" altLang="en-US" dirty="0">
+                <a:solidFill>
+                  <a:schemeClr val="bg1">
+                    <a:lumMod val="95000"/>
+                  </a:schemeClr>
+                </a:solidFill>
+              </a:rPr>
+              <a:t>시전</a:t>
+            </a:r>
+            <a:endParaRPr lang="en-US" altLang="ko-KR" dirty="0">
+              <a:solidFill>
+                <a:schemeClr val="bg1">
+                  <a:lumMod val="95000"/>
+                </a:schemeClr>
+              </a:solidFill>
+            </a:endParaRPr>
+          </a:p>
+          <a:p>
+            <a:pPr algn="ctr"/>
+            <a:r>
+              <a:rPr lang="ko-KR" altLang="en-US" dirty="0">
+                <a:solidFill>
+                  <a:schemeClr val="bg1">
+                    <a:lumMod val="95000"/>
+                  </a:schemeClr>
+                </a:solidFill>
+              </a:rPr>
+              <a:t>방식</a:t>
+            </a:r>
+          </a:p>
+        </p:txBody>
+      </p:sp>
+      <p:sp>
+        <p:nvSpPr>
+          <p:cNvPr id="8" name="TextBox 7">
+            <a:extLst>
+              <a:ext uri="{FF2B5EF4-FFF2-40B4-BE49-F238E27FC236}">
+                <a16:creationId xmlns:a16="http://schemas.microsoft.com/office/drawing/2014/main" id="{2765311F-A1E1-A115-9D9F-410895EB9C5A}"/>
+              </a:ext>
+            </a:extLst>
+          </p:cNvPr>
+          <p:cNvSpPr txBox="1"/>
+          <p:nvPr/>
+        </p:nvSpPr>
+        <p:spPr>
+          <a:xfrm>
+            <a:off x="685801" y="3438016"/>
+            <a:ext cx="1537093" cy="253916"/>
+          </a:xfrm>
+          <a:prstGeom prst="rect">
+            <a:avLst/>
+          </a:prstGeom>
+          <a:noFill/>
+        </p:spPr>
+        <p:txBody>
+          <a:bodyPr wrap="square" rtlCol="0">
+            <a:spAutoFit/>
+          </a:bodyPr>
+          <a:lstStyle/>
+          <a:p>
+            <a:pPr algn="ctr" latinLnBrk="1"/>
+            <a:r>
+              <a:rPr lang="ko-KR" altLang="en-US" sz="1050" b="0" dirty="0">
+                <a:solidFill>
+                  <a:schemeClr val="tx1"/>
+                </a:solidFill>
+              </a:rPr>
+              <a:t>스킬 </a:t>
+            </a:r>
+            <a:r>
+              <a:rPr lang="ko-KR" altLang="en-US" sz="1050" dirty="0"/>
+              <a:t>방식에 대한 처리</a:t>
+            </a:r>
+            <a:endParaRPr lang="en-US" altLang="ko-KR" sz="1050" b="0" dirty="0">
+              <a:solidFill>
+                <a:schemeClr val="tx1"/>
+              </a:solidFill>
+            </a:endParaRPr>
+          </a:p>
+        </p:txBody>
+      </p:sp>
+      <p:pic>
+        <p:nvPicPr>
+          <p:cNvPr id="9" name="Picture 8">
+            <a:extLst>
+              <a:ext uri="{FF2B5EF4-FFF2-40B4-BE49-F238E27FC236}">
+                <a16:creationId xmlns:a16="http://schemas.microsoft.com/office/drawing/2014/main" id="{46542F77-A2B3-4779-50A0-E00AEFC9812E}"/>
+              </a:ext>
+            </a:extLst>
+          </p:cNvPr>
+          <p:cNvPicPr>
+            <a:picLocks noChangeAspect="1" noChangeArrowheads="1"/>
+          </p:cNvPicPr>
+          <p:nvPr/>
+        </p:nvPicPr>
+        <p:blipFill>
+          <a:blip r:embed="rId2">
+            <a:extLst>
+              <a:ext uri="{28A0092B-C50C-407E-A947-70E740481C1C}">
+                <a14:useLocalDpi xmlns:a14="http://schemas.microsoft.com/office/drawing/2010/main" val="0"/>
+              </a:ext>
+            </a:extLst>
+          </a:blip>
+          <a:srcRect/>
+          <a:stretch>
+            <a:fillRect/>
+          </a:stretch>
+        </p:blipFill>
+        <p:spPr bwMode="auto">
+          <a:xfrm>
+            <a:off x="4372008" y="2752216"/>
+            <a:ext cx="612021" cy="685800"/>
+          </a:xfrm>
+          <a:prstGeom prst="rect">
+            <a:avLst/>
+          </a:prstGeom>
+          <a:noFill/>
+          <a:ln>
+            <a:solidFill>
+              <a:schemeClr val="bg1"/>
+            </a:solidFill>
+          </a:ln>
+        </p:spPr>
+      </p:pic>
+      <p:sp>
+        <p:nvSpPr>
+          <p:cNvPr id="10" name="사각형: 둥근 대각선 방향 모서리 9">
+            <a:extLst>
+              <a:ext uri="{FF2B5EF4-FFF2-40B4-BE49-F238E27FC236}">
+                <a16:creationId xmlns:a16="http://schemas.microsoft.com/office/drawing/2014/main" id="{433933B9-2F0D-7D07-EEFD-EB2E206BCCCE}"/>
+              </a:ext>
+            </a:extLst>
+          </p:cNvPr>
+          <p:cNvSpPr/>
+          <p:nvPr/>
+        </p:nvSpPr>
+        <p:spPr>
+          <a:xfrm flipH="1">
+            <a:off x="2834914" y="2358153"/>
+            <a:ext cx="1458770" cy="1079863"/>
+          </a:xfrm>
+          <a:prstGeom prst="round2DiagRect">
+            <a:avLst>
+              <a:gd name="adj1" fmla="val 44086"/>
+              <a:gd name="adj2" fmla="val 0"/>
+            </a:avLst>
+          </a:prstGeom>
+          <a:solidFill>
+            <a:schemeClr val="tx1">
+              <a:lumMod val="65000"/>
+              <a:lumOff val="35000"/>
+            </a:schemeClr>
+          </a:solidFill>
+          <a:ln>
+            <a:noFill/>
+          </a:ln>
+        </p:spPr>
+        <p:style>
+          <a:lnRef idx="2">
+            <a:schemeClr val="accent1">
+              <a:shade val="15000"/>
+            </a:schemeClr>
+          </a:lnRef>
+          <a:fillRef idx="1">
+            <a:schemeClr val="accent1"/>
+          </a:fillRef>
+          <a:effectRef idx="0">
+            <a:schemeClr val="accent1"/>
+          </a:effectRef>
+          <a:fontRef idx="minor">
+            <a:schemeClr val="lt1"/>
+          </a:fontRef>
+        </p:style>
+        <p:txBody>
+          <a:bodyPr rtlCol="0" anchor="ctr"/>
+          <a:lstStyle/>
+          <a:p>
+            <a:pPr algn="ctr"/>
+            <a:r>
+              <a:rPr lang="ko-KR" altLang="en-US">
+                <a:solidFill>
+                  <a:schemeClr val="bg1">
+                    <a:lumMod val="95000"/>
+                  </a:schemeClr>
+                </a:solidFill>
+              </a:rPr>
+              <a:t>투사체</a:t>
+            </a:r>
+            <a:endParaRPr lang="ko-KR" altLang="en-US" dirty="0">
+              <a:solidFill>
+                <a:schemeClr val="bg1">
+                  <a:lumMod val="95000"/>
+                </a:schemeClr>
+              </a:solidFill>
+            </a:endParaRPr>
+          </a:p>
+        </p:txBody>
+      </p:sp>
+      <p:sp>
+        <p:nvSpPr>
+          <p:cNvPr id="11" name="TextBox 10">
+            <a:extLst>
+              <a:ext uri="{FF2B5EF4-FFF2-40B4-BE49-F238E27FC236}">
+                <a16:creationId xmlns:a16="http://schemas.microsoft.com/office/drawing/2014/main" id="{7C8E03FB-3723-06E0-C23C-E78FB5EE437F}"/>
+              </a:ext>
+            </a:extLst>
+          </p:cNvPr>
+          <p:cNvSpPr txBox="1"/>
+          <p:nvPr/>
+        </p:nvSpPr>
+        <p:spPr>
+          <a:xfrm>
+            <a:off x="2834914" y="3438016"/>
+            <a:ext cx="1458770" cy="577081"/>
+          </a:xfrm>
+          <a:prstGeom prst="rect">
+            <a:avLst/>
+          </a:prstGeom>
+          <a:noFill/>
+        </p:spPr>
+        <p:txBody>
+          <a:bodyPr wrap="square" rtlCol="0">
+            <a:spAutoFit/>
+          </a:bodyPr>
+          <a:lstStyle/>
+          <a:p>
+            <a:pPr algn="ctr" latinLnBrk="1"/>
+            <a:r>
+              <a:rPr lang="ko-KR" altLang="en-US" sz="1050" b="0" dirty="0">
+                <a:solidFill>
+                  <a:schemeClr val="tx1"/>
+                </a:solidFill>
+              </a:rPr>
+              <a:t>스킬로 인해 </a:t>
+            </a:r>
+            <a:endParaRPr lang="en-US" altLang="ko-KR" sz="1050" b="0" dirty="0">
+              <a:solidFill>
+                <a:schemeClr val="tx1"/>
+              </a:solidFill>
+            </a:endParaRPr>
+          </a:p>
+          <a:p>
+            <a:pPr algn="ctr" latinLnBrk="1"/>
+            <a:r>
+              <a:rPr lang="ko-KR" altLang="en-US" sz="1050" dirty="0"/>
+              <a:t>사출되는 투사체에 대한 처리</a:t>
+            </a:r>
+            <a:endParaRPr lang="en-US" altLang="ko-KR" sz="1050" b="0" dirty="0">
+              <a:solidFill>
+                <a:schemeClr val="tx1"/>
+              </a:solidFill>
+            </a:endParaRPr>
+          </a:p>
+        </p:txBody>
+      </p:sp>
+      <p:pic>
+        <p:nvPicPr>
+          <p:cNvPr id="12" name="Picture 8">
+            <a:extLst>
+              <a:ext uri="{FF2B5EF4-FFF2-40B4-BE49-F238E27FC236}">
+                <a16:creationId xmlns:a16="http://schemas.microsoft.com/office/drawing/2014/main" id="{D3771C95-A0F9-0811-5A5E-3AB150084BFF}"/>
+              </a:ext>
+            </a:extLst>
+          </p:cNvPr>
+          <p:cNvPicPr>
+            <a:picLocks noChangeAspect="1" noChangeArrowheads="1"/>
+          </p:cNvPicPr>
+          <p:nvPr/>
+        </p:nvPicPr>
+        <p:blipFill>
+          <a:blip r:embed="rId2">
+            <a:extLst>
+              <a:ext uri="{28A0092B-C50C-407E-A947-70E740481C1C}">
+                <a14:useLocalDpi xmlns:a14="http://schemas.microsoft.com/office/drawing/2010/main" val="0"/>
+              </a:ext>
+            </a:extLst>
+          </a:blip>
+          <a:srcRect/>
+          <a:stretch>
+            <a:fillRect/>
+          </a:stretch>
+        </p:blipFill>
+        <p:spPr bwMode="auto">
+          <a:xfrm>
+            <a:off x="6521121" y="2752216"/>
+            <a:ext cx="612021" cy="685800"/>
+          </a:xfrm>
+          <a:prstGeom prst="rect">
+            <a:avLst/>
+          </a:prstGeom>
+          <a:noFill/>
+          <a:ln>
+            <a:solidFill>
+              <a:schemeClr val="bg1"/>
+            </a:solidFill>
+          </a:ln>
+        </p:spPr>
+      </p:pic>
+      <p:sp>
+        <p:nvSpPr>
+          <p:cNvPr id="13" name="사각형: 둥근 대각선 방향 모서리 12">
+            <a:extLst>
+              <a:ext uri="{FF2B5EF4-FFF2-40B4-BE49-F238E27FC236}">
+                <a16:creationId xmlns:a16="http://schemas.microsoft.com/office/drawing/2014/main" id="{855E2854-E7E6-8F8C-B7AC-ADA34E0F31CF}"/>
+              </a:ext>
+            </a:extLst>
+          </p:cNvPr>
+          <p:cNvSpPr/>
+          <p:nvPr/>
+        </p:nvSpPr>
+        <p:spPr>
+          <a:xfrm flipH="1">
+            <a:off x="4984027" y="2358153"/>
+            <a:ext cx="1458770" cy="1079863"/>
+          </a:xfrm>
+          <a:prstGeom prst="round2DiagRect">
+            <a:avLst>
+              <a:gd name="adj1" fmla="val 44086"/>
+              <a:gd name="adj2" fmla="val 0"/>
+            </a:avLst>
+          </a:prstGeom>
+          <a:solidFill>
+            <a:schemeClr val="tx1">
+              <a:lumMod val="65000"/>
+              <a:lumOff val="35000"/>
+            </a:schemeClr>
+          </a:solidFill>
+          <a:ln>
+            <a:noFill/>
+          </a:ln>
+        </p:spPr>
+        <p:style>
+          <a:lnRef idx="2">
+            <a:schemeClr val="accent1">
+              <a:shade val="15000"/>
+            </a:schemeClr>
+          </a:lnRef>
+          <a:fillRef idx="1">
+            <a:schemeClr val="accent1"/>
+          </a:fillRef>
+          <a:effectRef idx="0">
+            <a:schemeClr val="accent1"/>
+          </a:effectRef>
+          <a:fontRef idx="minor">
+            <a:schemeClr val="lt1"/>
+          </a:fontRef>
+        </p:style>
+        <p:txBody>
+          <a:bodyPr rtlCol="0" anchor="ctr"/>
+          <a:lstStyle/>
+          <a:p>
+            <a:pPr algn="ctr"/>
+            <a:r>
+              <a:rPr lang="ko-KR" altLang="en-US" dirty="0">
+                <a:solidFill>
+                  <a:schemeClr val="bg1">
+                    <a:lumMod val="95000"/>
+                  </a:schemeClr>
+                </a:solidFill>
+              </a:rPr>
+              <a:t>변화</a:t>
+            </a:r>
+            <a:endParaRPr lang="en-US" altLang="ko-KR" dirty="0">
+              <a:solidFill>
+                <a:schemeClr val="bg1">
+                  <a:lumMod val="95000"/>
+                </a:schemeClr>
+              </a:solidFill>
+            </a:endParaRPr>
+          </a:p>
+          <a:p>
+            <a:pPr algn="ctr"/>
+            <a:r>
+              <a:rPr lang="ko-KR" altLang="en-US" dirty="0">
+                <a:solidFill>
+                  <a:schemeClr val="bg1">
+                    <a:lumMod val="95000"/>
+                  </a:schemeClr>
+                </a:solidFill>
+              </a:rPr>
+              <a:t>요소</a:t>
+            </a:r>
+          </a:p>
+        </p:txBody>
+      </p:sp>
+      <p:sp>
+        <p:nvSpPr>
+          <p:cNvPr id="14" name="TextBox 13">
+            <a:extLst>
+              <a:ext uri="{FF2B5EF4-FFF2-40B4-BE49-F238E27FC236}">
+                <a16:creationId xmlns:a16="http://schemas.microsoft.com/office/drawing/2014/main" id="{7CA188BF-2DE0-090A-323C-503092232DAE}"/>
+              </a:ext>
+            </a:extLst>
+          </p:cNvPr>
+          <p:cNvSpPr txBox="1"/>
+          <p:nvPr/>
+        </p:nvSpPr>
+        <p:spPr>
+          <a:xfrm>
+            <a:off x="4984027" y="3438016"/>
+            <a:ext cx="1458770" cy="577081"/>
+          </a:xfrm>
+          <a:prstGeom prst="rect">
+            <a:avLst/>
+          </a:prstGeom>
+          <a:noFill/>
+        </p:spPr>
+        <p:txBody>
+          <a:bodyPr wrap="square" rtlCol="0">
+            <a:spAutoFit/>
+          </a:bodyPr>
+          <a:lstStyle/>
+          <a:p>
+            <a:pPr algn="ctr" latinLnBrk="1"/>
+            <a:r>
+              <a:rPr lang="ko-KR" altLang="en-US" sz="1050" b="0" dirty="0">
+                <a:solidFill>
+                  <a:schemeClr val="tx1"/>
+                </a:solidFill>
+              </a:rPr>
+              <a:t>스킬이 다양한 </a:t>
+            </a:r>
+            <a:endParaRPr lang="en-US" altLang="ko-KR" sz="1050" b="0" dirty="0">
+              <a:solidFill>
+                <a:schemeClr val="tx1"/>
+              </a:solidFill>
+            </a:endParaRPr>
+          </a:p>
+          <a:p>
+            <a:pPr algn="ctr" latinLnBrk="1"/>
+            <a:r>
+              <a:rPr lang="ko-KR" altLang="en-US" sz="1050" b="0" dirty="0">
+                <a:solidFill>
+                  <a:schemeClr val="tx1"/>
+                </a:solidFill>
+              </a:rPr>
+              <a:t>요소에 따른 </a:t>
+            </a:r>
+            <a:endParaRPr lang="en-US" altLang="ko-KR" sz="1050" b="0" dirty="0">
+              <a:solidFill>
+                <a:schemeClr val="tx1"/>
+              </a:solidFill>
+            </a:endParaRPr>
+          </a:p>
+          <a:p>
+            <a:pPr algn="ctr" latinLnBrk="1"/>
+            <a:r>
+              <a:rPr lang="ko-KR" altLang="en-US" sz="1050" b="0" dirty="0">
+                <a:solidFill>
+                  <a:schemeClr val="tx1"/>
+                </a:solidFill>
+              </a:rPr>
+              <a:t>변화 처리 </a:t>
+            </a:r>
+            <a:endParaRPr lang="en-US" altLang="ko-KR" sz="1050" b="0" dirty="0">
+              <a:solidFill>
+                <a:schemeClr val="tx1"/>
+              </a:solidFill>
+            </a:endParaRPr>
+          </a:p>
+        </p:txBody>
+      </p:sp>
+      <p:pic>
+        <p:nvPicPr>
+          <p:cNvPr id="15" name="Picture 8">
+            <a:extLst>
+              <a:ext uri="{FF2B5EF4-FFF2-40B4-BE49-F238E27FC236}">
+                <a16:creationId xmlns:a16="http://schemas.microsoft.com/office/drawing/2014/main" id="{7A4FC2E1-D974-23A8-9487-504DFF89BAAB}"/>
+              </a:ext>
+            </a:extLst>
+          </p:cNvPr>
+          <p:cNvPicPr>
+            <a:picLocks noChangeAspect="1" noChangeArrowheads="1"/>
+          </p:cNvPicPr>
+          <p:nvPr/>
+        </p:nvPicPr>
+        <p:blipFill>
+          <a:blip r:embed="rId2">
+            <a:extLst>
+              <a:ext uri="{28A0092B-C50C-407E-A947-70E740481C1C}">
+                <a14:useLocalDpi xmlns:a14="http://schemas.microsoft.com/office/drawing/2010/main" val="0"/>
+              </a:ext>
+            </a:extLst>
+          </a:blip>
+          <a:srcRect/>
+          <a:stretch>
+            <a:fillRect/>
+          </a:stretch>
+        </p:blipFill>
+        <p:spPr bwMode="auto">
+          <a:xfrm>
+            <a:off x="8670234" y="2752216"/>
+            <a:ext cx="612021" cy="685800"/>
+          </a:xfrm>
+          <a:prstGeom prst="rect">
+            <a:avLst/>
+          </a:prstGeom>
+          <a:noFill/>
+          <a:ln>
+            <a:solidFill>
+              <a:schemeClr val="bg1"/>
+            </a:solidFill>
+          </a:ln>
+        </p:spPr>
+      </p:pic>
+      <p:sp>
+        <p:nvSpPr>
+          <p:cNvPr id="16" name="사각형: 둥근 대각선 방향 모서리 15">
+            <a:extLst>
+              <a:ext uri="{FF2B5EF4-FFF2-40B4-BE49-F238E27FC236}">
+                <a16:creationId xmlns:a16="http://schemas.microsoft.com/office/drawing/2014/main" id="{3F4DF2E7-77EA-DA3F-6DF2-6903F7B4B578}"/>
+              </a:ext>
+            </a:extLst>
+          </p:cNvPr>
+          <p:cNvSpPr/>
+          <p:nvPr/>
+        </p:nvSpPr>
+        <p:spPr>
+          <a:xfrm flipH="1">
+            <a:off x="7133142" y="2358153"/>
+            <a:ext cx="1458770" cy="1079863"/>
+          </a:xfrm>
+          <a:prstGeom prst="round2DiagRect">
+            <a:avLst>
+              <a:gd name="adj1" fmla="val 44086"/>
+              <a:gd name="adj2" fmla="val 0"/>
+            </a:avLst>
+          </a:prstGeom>
+          <a:solidFill>
+            <a:schemeClr val="tx1">
+              <a:lumMod val="65000"/>
+              <a:lumOff val="35000"/>
+            </a:schemeClr>
+          </a:solidFill>
+          <a:ln>
+            <a:noFill/>
+          </a:ln>
+        </p:spPr>
+        <p:style>
+          <a:lnRef idx="2">
+            <a:schemeClr val="accent1">
+              <a:shade val="15000"/>
+            </a:schemeClr>
+          </a:lnRef>
+          <a:fillRef idx="1">
+            <a:schemeClr val="accent1"/>
+          </a:fillRef>
+          <a:effectRef idx="0">
+            <a:schemeClr val="accent1"/>
+          </a:effectRef>
+          <a:fontRef idx="minor">
+            <a:schemeClr val="lt1"/>
+          </a:fontRef>
+        </p:style>
+        <p:txBody>
+          <a:bodyPr rtlCol="0" anchor="ctr"/>
+          <a:lstStyle/>
+          <a:p>
+            <a:pPr algn="ctr"/>
+            <a:r>
+              <a:rPr lang="ko-KR" altLang="en-US" dirty="0">
+                <a:solidFill>
+                  <a:schemeClr val="bg1">
+                    <a:lumMod val="95000"/>
+                  </a:schemeClr>
+                </a:solidFill>
+              </a:rPr>
+              <a:t>기타</a:t>
+            </a:r>
+            <a:endParaRPr lang="en-US" altLang="ko-KR" dirty="0">
+              <a:solidFill>
+                <a:schemeClr val="bg1">
+                  <a:lumMod val="95000"/>
+                </a:schemeClr>
+              </a:solidFill>
+            </a:endParaRPr>
+          </a:p>
+          <a:p>
+            <a:pPr algn="ctr"/>
+            <a:r>
+              <a:rPr lang="ko-KR" altLang="en-US" dirty="0">
+                <a:solidFill>
+                  <a:schemeClr val="bg1">
+                    <a:lumMod val="95000"/>
+                  </a:schemeClr>
+                </a:solidFill>
+              </a:rPr>
+              <a:t>요소</a:t>
+            </a:r>
+          </a:p>
+        </p:txBody>
+      </p:sp>
+      <p:sp>
+        <p:nvSpPr>
+          <p:cNvPr id="17" name="TextBox 16">
+            <a:extLst>
+              <a:ext uri="{FF2B5EF4-FFF2-40B4-BE49-F238E27FC236}">
+                <a16:creationId xmlns:a16="http://schemas.microsoft.com/office/drawing/2014/main" id="{EBA6B711-FDD0-C4EA-D9B1-AB132F565FFC}"/>
+              </a:ext>
+            </a:extLst>
+          </p:cNvPr>
+          <p:cNvSpPr txBox="1"/>
+          <p:nvPr/>
+        </p:nvSpPr>
+        <p:spPr>
+          <a:xfrm>
+            <a:off x="7133141" y="3438016"/>
+            <a:ext cx="1537092" cy="577081"/>
+          </a:xfrm>
+          <a:prstGeom prst="rect">
+            <a:avLst/>
+          </a:prstGeom>
+          <a:noFill/>
+        </p:spPr>
+        <p:txBody>
+          <a:bodyPr wrap="square" rtlCol="0">
+            <a:spAutoFit/>
+          </a:bodyPr>
+          <a:lstStyle/>
+          <a:p>
+            <a:pPr algn="ctr" latinLnBrk="1"/>
+            <a:r>
+              <a:rPr lang="ko-KR" altLang="en-US" sz="1050" b="0" dirty="0">
+                <a:solidFill>
+                  <a:schemeClr val="tx1"/>
+                </a:solidFill>
+              </a:rPr>
+              <a:t>일부 상황에서</a:t>
+            </a:r>
+            <a:endParaRPr lang="en-US" altLang="ko-KR" sz="1050" b="0" dirty="0">
+              <a:solidFill>
+                <a:schemeClr val="tx1"/>
+              </a:solidFill>
+            </a:endParaRPr>
+          </a:p>
+          <a:p>
+            <a:pPr algn="ctr" latinLnBrk="1"/>
+            <a:r>
+              <a:rPr lang="ko-KR" altLang="en-US" sz="1050" b="0" dirty="0">
+                <a:solidFill>
+                  <a:schemeClr val="tx1"/>
+                </a:solidFill>
+              </a:rPr>
+              <a:t> 적용되는 요소에 </a:t>
+            </a:r>
+            <a:endParaRPr lang="en-US" altLang="ko-KR" sz="1050" b="0" dirty="0">
+              <a:solidFill>
+                <a:schemeClr val="tx1"/>
+              </a:solidFill>
+            </a:endParaRPr>
+          </a:p>
+          <a:p>
+            <a:pPr algn="ctr" latinLnBrk="1"/>
+            <a:r>
+              <a:rPr lang="ko-KR" altLang="en-US" sz="1050" b="0" dirty="0">
+                <a:solidFill>
+                  <a:schemeClr val="tx1"/>
+                </a:solidFill>
+              </a:rPr>
+              <a:t>대한 처리</a:t>
+            </a:r>
+            <a:endParaRPr lang="en-US" altLang="ko-KR" sz="1050" b="0" dirty="0">
+              <a:solidFill>
+                <a:schemeClr val="tx1"/>
+              </a:solidFill>
+            </a:endParaRPr>
+          </a:p>
+        </p:txBody>
+      </p:sp>
+      <p:sp>
+        <p:nvSpPr>
+          <p:cNvPr id="18" name="사각형: 둥근 대각선 방향 모서리 17">
+            <a:extLst>
+              <a:ext uri="{FF2B5EF4-FFF2-40B4-BE49-F238E27FC236}">
+                <a16:creationId xmlns:a16="http://schemas.microsoft.com/office/drawing/2014/main" id="{21C9495A-6768-B42F-9526-C7092C33C61C}"/>
+              </a:ext>
+            </a:extLst>
+          </p:cNvPr>
+          <p:cNvSpPr/>
+          <p:nvPr/>
+        </p:nvSpPr>
+        <p:spPr>
+          <a:xfrm flipH="1">
+            <a:off x="9282254" y="2358153"/>
+            <a:ext cx="1458770" cy="1079863"/>
+          </a:xfrm>
+          <a:prstGeom prst="round2DiagRect">
+            <a:avLst>
+              <a:gd name="adj1" fmla="val 44086"/>
+              <a:gd name="adj2" fmla="val 0"/>
+            </a:avLst>
+          </a:prstGeom>
+          <a:solidFill>
+            <a:schemeClr val="tx1">
+              <a:lumMod val="65000"/>
+              <a:lumOff val="35000"/>
+            </a:schemeClr>
+          </a:solidFill>
+          <a:ln>
+            <a:noFill/>
+          </a:ln>
+        </p:spPr>
+        <p:style>
+          <a:lnRef idx="2">
+            <a:schemeClr val="accent1">
+              <a:shade val="15000"/>
+            </a:schemeClr>
+          </a:lnRef>
+          <a:fillRef idx="1">
+            <a:schemeClr val="accent1"/>
+          </a:fillRef>
+          <a:effectRef idx="0">
+            <a:schemeClr val="accent1"/>
+          </a:effectRef>
+          <a:fontRef idx="minor">
+            <a:schemeClr val="lt1"/>
+          </a:fontRef>
+        </p:style>
+        <p:txBody>
+          <a:bodyPr rtlCol="0" anchor="ctr"/>
+          <a:lstStyle/>
+          <a:p>
+            <a:pPr algn="ctr"/>
+            <a:r>
+              <a:rPr lang="ko-KR" altLang="en-US" dirty="0">
+                <a:solidFill>
+                  <a:schemeClr val="bg1">
+                    <a:lumMod val="95000"/>
+                  </a:schemeClr>
+                </a:solidFill>
+              </a:rPr>
+              <a:t>연출</a:t>
+            </a:r>
+          </a:p>
+        </p:txBody>
+      </p:sp>
+      <p:sp>
+        <p:nvSpPr>
+          <p:cNvPr id="19" name="TextBox 18">
+            <a:extLst>
+              <a:ext uri="{FF2B5EF4-FFF2-40B4-BE49-F238E27FC236}">
+                <a16:creationId xmlns:a16="http://schemas.microsoft.com/office/drawing/2014/main" id="{DC8A7FAE-06A1-24DC-66A1-8506FB98D60B}"/>
+              </a:ext>
+            </a:extLst>
+          </p:cNvPr>
+          <p:cNvSpPr txBox="1"/>
+          <p:nvPr/>
+        </p:nvSpPr>
+        <p:spPr>
+          <a:xfrm>
+            <a:off x="9282254" y="3438016"/>
+            <a:ext cx="1458770" cy="253916"/>
+          </a:xfrm>
+          <a:prstGeom prst="rect">
+            <a:avLst/>
+          </a:prstGeom>
+          <a:noFill/>
+        </p:spPr>
+        <p:txBody>
+          <a:bodyPr wrap="square" rtlCol="0">
+            <a:spAutoFit/>
+          </a:bodyPr>
+          <a:lstStyle/>
+          <a:p>
+            <a:pPr algn="ctr" latinLnBrk="1"/>
+            <a:r>
+              <a:rPr lang="ko-KR" altLang="en-US" sz="1050" b="0" dirty="0">
+                <a:solidFill>
+                  <a:schemeClr val="tx1"/>
+                </a:solidFill>
+              </a:rPr>
+              <a:t>사용한 스킬에 연출</a:t>
+            </a:r>
+            <a:endParaRPr lang="en-US" altLang="ko-KR" sz="1050" b="0" dirty="0">
+              <a:solidFill>
+                <a:schemeClr val="tx1"/>
+              </a:solidFill>
+            </a:endParaRPr>
+          </a:p>
+        </p:txBody>
+      </p:sp>
+    </p:spTree>
+    <p:extLst>
+      <p:ext uri="{BB962C8B-B14F-4D97-AF65-F5344CB8AC3E}">
+        <p14:creationId xmlns:p14="http://schemas.microsoft.com/office/powerpoint/2010/main" val="18206160"/>
+      </p:ext>
+    </p:extLst>
+  </p:cSld>
+  <p:clrMapOvr>
+    <a:masterClrMapping/>
+  </p:clrMapOvr>
+</p:sld>
+</file>
+
+<file path=ppt/slides/slide44.xml><?xml version="1.0" encoding="utf-8"?>
+<p:sld xmlns:a="http://schemas.openxmlformats.org/drawingml/2006/main" xmlns:r="http://schemas.openxmlformats.org/officeDocument/2006/relationships" xmlns:p="http://schemas.openxmlformats.org/presentationml/2006/main">
+  <p:cSld>
+    <p:spTree>
+      <p:nvGrpSpPr>
+        <p:cNvPr id="1" name="">
+          <a:extLst>
+            <a:ext uri="{FF2B5EF4-FFF2-40B4-BE49-F238E27FC236}">
+              <a16:creationId xmlns:a16="http://schemas.microsoft.com/office/drawing/2014/main" id="{3ADE9537-1EFC-43E1-39F5-1ECAAAEE2343}"/>
+            </a:ext>
+          </a:extLst>
+        </p:cNvPr>
+        <p:cNvGrpSpPr/>
+        <p:nvPr/>
+      </p:nvGrpSpPr>
+      <p:grpSpPr>
+        <a:xfrm>
+          <a:off x="0" y="0"/>
+          <a:ext cx="0" cy="0"/>
+          <a:chOff x="0" y="0"/>
+          <a:chExt cx="0" cy="0"/>
+        </a:xfrm>
+      </p:grpSpPr>
+      <p:sp>
+        <p:nvSpPr>
+          <p:cNvPr id="7" name="제목 1">
+            <a:extLst>
+              <a:ext uri="{FF2B5EF4-FFF2-40B4-BE49-F238E27FC236}">
+                <a16:creationId xmlns:a16="http://schemas.microsoft.com/office/drawing/2014/main" id="{8D7573E3-C75B-4FA7-765B-BB9E1FD355BE}"/>
+              </a:ext>
+            </a:extLst>
+          </p:cNvPr>
+          <p:cNvSpPr txBox="1">
+            <a:spLocks/>
+          </p:cNvSpPr>
+          <p:nvPr/>
+        </p:nvSpPr>
+        <p:spPr>
+          <a:xfrm>
+            <a:off x="695325" y="292100"/>
+            <a:ext cx="10801350" cy="861695"/>
+          </a:xfrm>
+          <a:prstGeom prst="rect">
+            <a:avLst/>
+          </a:prstGeom>
+        </p:spPr>
+        <p:txBody>
+          <a:bodyPr vert="horz" lIns="91440" tIns="45720" rIns="91440" bIns="45720" rtlCol="0" anchor="ctr">
+            <a:normAutofit/>
+          </a:bodyPr>
+          <a:lstStyle>
+            <a:lvl1pPr algn="l" defTabSz="914400" rtl="0" eaLnBrk="1" latinLnBrk="1" hangingPunct="1">
+              <a:lnSpc>
+                <a:spcPct val="90000"/>
+              </a:lnSpc>
+              <a:spcBef>
+                <a:spcPct val="0"/>
+              </a:spcBef>
+              <a:buNone/>
+              <a:defRPr sz="4400" kern="1200">
+                <a:solidFill>
+                  <a:schemeClr val="tx1"/>
+                </a:solidFill>
+                <a:latin typeface="+mj-lt"/>
+                <a:ea typeface="+mj-ea"/>
+                <a:cs typeface="+mj-cs"/>
+              </a:defRPr>
+            </a:lvl1pPr>
+          </a:lstStyle>
+          <a:p>
+            <a:r>
+              <a:rPr lang="ko-KR" altLang="en-US" dirty="0"/>
+              <a:t>액션 </a:t>
+            </a:r>
+            <a:r>
+              <a:rPr lang="en-US" altLang="ko-KR" dirty="0"/>
+              <a:t>&amp; </a:t>
+            </a:r>
+            <a:r>
+              <a:rPr lang="ko-KR" altLang="en-US" dirty="0"/>
+              <a:t>슈팅 </a:t>
+            </a:r>
+            <a:r>
+              <a:rPr lang="en-US" altLang="ko-KR" dirty="0"/>
+              <a:t>– 1. </a:t>
+            </a:r>
+            <a:r>
+              <a:rPr lang="ko-KR" altLang="en-US" dirty="0"/>
+              <a:t>시전 방식</a:t>
+            </a:r>
+          </a:p>
+        </p:txBody>
+      </p:sp>
+      <p:graphicFrame>
+        <p:nvGraphicFramePr>
+          <p:cNvPr id="2" name="표 1">
+            <a:extLst>
+              <a:ext uri="{FF2B5EF4-FFF2-40B4-BE49-F238E27FC236}">
+                <a16:creationId xmlns:a16="http://schemas.microsoft.com/office/drawing/2014/main" id="{72F6FDA8-C573-7C9C-B172-828CF811DE0D}"/>
+              </a:ext>
+            </a:extLst>
+          </p:cNvPr>
+          <p:cNvGraphicFramePr>
+            <a:graphicFrameLocks noGrp="1"/>
+          </p:cNvGraphicFramePr>
+          <p:nvPr>
+            <p:extLst>
+              <p:ext uri="{D42A27DB-BD31-4B8C-83A1-F6EECF244321}">
+                <p14:modId xmlns:p14="http://schemas.microsoft.com/office/powerpoint/2010/main" val="4023791504"/>
+              </p:ext>
+            </p:extLst>
+          </p:nvPr>
+        </p:nvGraphicFramePr>
+        <p:xfrm>
+          <a:off x="3061335" y="1463040"/>
+          <a:ext cx="6069330" cy="3505200"/>
+        </p:xfrm>
+        <a:graphic>
+          <a:graphicData uri="http://schemas.openxmlformats.org/drawingml/2006/table">
+            <a:tbl>
+              <a:tblPr firstRow="1" bandRow="1">
+                <a:tableStyleId>{5C22544A-7EE6-4342-B048-85BDC9FD1C3A}</a:tableStyleId>
+              </a:tblPr>
+              <a:tblGrid>
+                <a:gridCol w="6069330">
+                  <a:extLst>
+                    <a:ext uri="{9D8B030D-6E8A-4147-A177-3AD203B41FA5}">
+                      <a16:colId xmlns:a16="http://schemas.microsoft.com/office/drawing/2014/main" val="3852552135"/>
+                    </a:ext>
+                  </a:extLst>
+                </a:gridCol>
+              </a:tblGrid>
+              <a:tr h="0">
+                <a:tc>
+                  <a:txBody>
+                    <a:bodyPr/>
+                    <a:lstStyle/>
+                    <a:p>
+                      <a:pPr algn="l" latinLnBrk="1"/>
+                      <a:r>
+                        <a:rPr lang="ko-KR" altLang="en-US" sz="1400" b="0" dirty="0">
+                          <a:solidFill>
+                            <a:schemeClr val="tx1"/>
+                          </a:solidFill>
+                        </a:rPr>
+                        <a:t>시전 방식</a:t>
+                      </a:r>
+                    </a:p>
+                  </a:txBody>
+                  <a:tcPr>
+                    <a:lnL w="12700" cmpd="sng">
+                      <a:noFill/>
+                    </a:lnL>
+                    <a:lnR w="12700" cmpd="sng">
+                      <a:noFill/>
+                    </a:lnR>
+                    <a:lnT w="12700" cmpd="sng">
+                      <a:noFill/>
+                    </a:lnT>
+                    <a:lnB w="12700" cap="flat" cmpd="sng" algn="ctr">
+                      <a:solidFill>
+                        <a:schemeClr val="tx1"/>
+                      </a:solidFill>
+                      <a:prstDash val="solid"/>
+                      <a:round/>
+                      <a:headEnd type="none" w="med" len="med"/>
+                      <a:tailEnd type="none" w="med" len="med"/>
+                    </a:lnB>
+                    <a:lnTlToBr w="12700" cmpd="sng">
+                      <a:noFill/>
+                      <a:prstDash val="solid"/>
+                    </a:lnTlToBr>
+                    <a:lnBlToTr w="12700" cmpd="sng">
+                      <a:noFill/>
+                      <a:prstDash val="solid"/>
+                    </a:lnBlToTr>
+                    <a:solidFill>
+                      <a:schemeClr val="bg1">
+                        <a:lumMod val="95000"/>
+                      </a:schemeClr>
+                    </a:solidFill>
+                  </a:tcPr>
+                </a:tc>
+                <a:extLst>
+                  <a:ext uri="{0D108BD9-81ED-4DB2-BD59-A6C34878D82A}">
+                    <a16:rowId xmlns:a16="http://schemas.microsoft.com/office/drawing/2014/main" val="4129766453"/>
+                  </a:ext>
+                </a:extLst>
+              </a:tr>
+              <a:tr h="0">
+                <a:tc>
+                  <a:txBody>
+                    <a:bodyPr/>
+                    <a:lstStyle/>
+                    <a:p>
+                      <a:pPr algn="l" latinLnBrk="1"/>
+                      <a:r>
+                        <a:rPr lang="ko-KR" altLang="en-US" sz="1400" b="0" dirty="0">
+                          <a:solidFill>
+                            <a:schemeClr val="tx1"/>
+                          </a:solidFill>
+                        </a:rPr>
+                        <a:t>스킬을 시전하는 방식에 따른 처리 방법이다</a:t>
+                      </a:r>
+                      <a:r>
+                        <a:rPr lang="en-US" altLang="ko-KR" sz="1400" b="0" dirty="0">
+                          <a:solidFill>
+                            <a:schemeClr val="tx1"/>
+                          </a:solidFill>
+                        </a:rPr>
+                        <a:t>.</a:t>
+                      </a:r>
+                    </a:p>
+                  </a:txBody>
+                  <a:tcPr>
+                    <a:lnL w="12700" cmpd="sng">
+                      <a:noFill/>
+                    </a:lnL>
+                    <a:lnR w="12700" cmpd="sng">
+                      <a:noFill/>
+                    </a:lnR>
+                    <a:lnT w="12700" cap="flat" cmpd="sng" algn="ctr">
+                      <a:solidFill>
+                        <a:schemeClr val="tx1"/>
+                      </a:solidFill>
+                      <a:prstDash val="solid"/>
+                      <a:round/>
+                      <a:headEnd type="none" w="med" len="med"/>
+                      <a:tailEnd type="none" w="med" len="med"/>
+                    </a:lnT>
+                    <a:lnB w="12700" cap="flat" cmpd="sng" algn="ctr">
+                      <a:noFill/>
+                      <a:prstDash val="solid"/>
+                      <a:round/>
+                      <a:headEnd type="none" w="med" len="med"/>
+                      <a:tailEnd type="none" w="med" len="med"/>
+                    </a:lnB>
+                    <a:lnTlToBr w="12700" cmpd="sng">
+                      <a:noFill/>
+                      <a:prstDash val="solid"/>
+                    </a:lnTlToBr>
+                    <a:lnBlToTr w="12700" cmpd="sng">
+                      <a:noFill/>
+                      <a:prstDash val="solid"/>
+                    </a:lnBlToTr>
+                    <a:noFill/>
+                  </a:tcPr>
+                </a:tc>
+                <a:extLst>
+                  <a:ext uri="{0D108BD9-81ED-4DB2-BD59-A6C34878D82A}">
+                    <a16:rowId xmlns:a16="http://schemas.microsoft.com/office/drawing/2014/main" val="3386730004"/>
+                  </a:ext>
+                </a:extLst>
+              </a:tr>
+              <a:tr h="0">
+                <a:tc>
+                  <a:txBody>
+                    <a:bodyPr/>
+                    <a:lstStyle/>
+                    <a:p>
+                      <a:pPr algn="l" latinLnBrk="1"/>
+                      <a:endParaRPr lang="en-US" altLang="ko-KR" sz="1400" b="0" dirty="0">
+                        <a:solidFill>
+                          <a:schemeClr val="tx1"/>
+                        </a:solidFill>
+                      </a:endParaRPr>
+                    </a:p>
+                  </a:txBody>
+                  <a:tcPr>
+                    <a:lnL w="12700" cmpd="sng">
+                      <a:noFill/>
+                    </a:lnL>
+                    <a:lnR w="12700" cmpd="sng">
+                      <a:noFill/>
+                    </a:lnR>
+                    <a:lnT w="12700" cap="flat" cmpd="sng" algn="ctr">
+                      <a:noFill/>
+                      <a:prstDash val="solid"/>
+                      <a:round/>
+                      <a:headEnd type="none" w="med" len="med"/>
+                      <a:tailEnd type="none" w="med" len="med"/>
+                    </a:lnT>
+                    <a:lnB w="12700" cap="flat" cmpd="sng" algn="ctr">
+                      <a:noFill/>
+                      <a:prstDash val="solid"/>
+                      <a:round/>
+                      <a:headEnd type="none" w="med" len="med"/>
+                      <a:tailEnd type="none" w="med" len="med"/>
+                    </a:lnB>
+                    <a:lnTlToBr w="12700" cmpd="sng">
+                      <a:noFill/>
+                      <a:prstDash val="solid"/>
+                    </a:lnTlToBr>
+                    <a:lnBlToTr w="12700" cmpd="sng">
+                      <a:noFill/>
+                      <a:prstDash val="solid"/>
+                    </a:lnBlToTr>
+                    <a:noFill/>
+                  </a:tcPr>
+                </a:tc>
+                <a:extLst>
+                  <a:ext uri="{0D108BD9-81ED-4DB2-BD59-A6C34878D82A}">
+                    <a16:rowId xmlns:a16="http://schemas.microsoft.com/office/drawing/2014/main" val="3050612628"/>
+                  </a:ext>
+                </a:extLst>
+              </a:tr>
+              <a:tr h="0">
+                <a:tc>
+                  <a:txBody>
+                    <a:bodyPr/>
+                    <a:lstStyle/>
+                    <a:p>
+                      <a:pPr algn="l" latinLnBrk="1"/>
+                      <a:r>
+                        <a:rPr lang="ko-KR" altLang="en-US" sz="1400" b="0" dirty="0">
+                          <a:solidFill>
+                            <a:schemeClr val="tx1"/>
+                          </a:solidFill>
+                        </a:rPr>
+                        <a:t>시전 방식 목록</a:t>
+                      </a:r>
+                      <a:endParaRPr lang="en-US" altLang="ko-KR" sz="1400" b="0" dirty="0">
+                        <a:solidFill>
+                          <a:schemeClr val="tx1"/>
+                        </a:solidFill>
+                      </a:endParaRPr>
+                    </a:p>
+                  </a:txBody>
+                  <a:tcPr>
+                    <a:lnL w="12700" cmpd="sng">
+                      <a:noFill/>
+                    </a:lnL>
+                    <a:lnR w="12700" cmpd="sng">
+                      <a:noFill/>
+                    </a:lnR>
+                    <a:lnT w="12700" cap="flat" cmpd="sng" algn="ctr">
+                      <a:noFill/>
+                      <a:prstDash val="solid"/>
+                      <a:round/>
+                      <a:headEnd type="none" w="med" len="med"/>
+                      <a:tailEnd type="none" w="med" len="med"/>
+                    </a:lnT>
+                    <a:lnB w="12700" cap="flat" cmpd="sng" algn="ctr">
+                      <a:solidFill>
+                        <a:schemeClr val="tx1"/>
+                      </a:solidFill>
+                      <a:prstDash val="solid"/>
+                      <a:round/>
+                      <a:headEnd type="none" w="med" len="med"/>
+                      <a:tailEnd type="none" w="med" len="med"/>
+                    </a:lnB>
+                    <a:lnTlToBr w="12700" cmpd="sng">
+                      <a:noFill/>
+                      <a:prstDash val="solid"/>
+                    </a:lnTlToBr>
+                    <a:lnBlToTr w="12700" cmpd="sng">
+                      <a:noFill/>
+                      <a:prstDash val="solid"/>
+                    </a:lnBlToTr>
+                    <a:solidFill>
+                      <a:schemeClr val="bg1">
+                        <a:lumMod val="95000"/>
+                      </a:schemeClr>
+                    </a:solidFill>
+                  </a:tcPr>
+                </a:tc>
+                <a:extLst>
+                  <a:ext uri="{0D108BD9-81ED-4DB2-BD59-A6C34878D82A}">
+                    <a16:rowId xmlns:a16="http://schemas.microsoft.com/office/drawing/2014/main" val="4103515606"/>
+                  </a:ext>
+                </a:extLst>
+              </a:tr>
+              <a:tr h="246289">
+                <a:tc>
+                  <a:txBody>
+                    <a:bodyPr/>
+                    <a:lstStyle/>
+                    <a:p>
+                      <a:pPr marL="742950" lvl="1" indent="-285750" algn="l" latinLnBrk="1">
+                        <a:buFont typeface="Wingdings" panose="05000000000000000000" pitchFamily="2" charset="2"/>
+                        <a:buChar char="u"/>
+                      </a:pPr>
+                      <a:r>
+                        <a:rPr lang="ko-KR" altLang="en-US" sz="1400" b="0" dirty="0">
+                          <a:solidFill>
+                            <a:schemeClr val="tx1"/>
+                          </a:solidFill>
+                        </a:rPr>
+                        <a:t>즉시</a:t>
+                      </a:r>
+                      <a:endParaRPr lang="en-US" altLang="ko-KR" sz="1400" b="0" dirty="0">
+                        <a:solidFill>
+                          <a:schemeClr val="tx1"/>
+                        </a:solidFill>
+                      </a:endParaRPr>
+                    </a:p>
+                    <a:p>
+                      <a:pPr marL="1200150" lvl="2" indent="-285750" algn="l" latinLnBrk="1">
+                        <a:buFont typeface="Wingdings" panose="05000000000000000000" pitchFamily="2" charset="2"/>
+                        <a:buChar char="§"/>
+                      </a:pPr>
+                      <a:r>
+                        <a:rPr lang="ko-KR" altLang="en-US" sz="1400" b="0" dirty="0">
+                          <a:solidFill>
+                            <a:schemeClr val="tx1"/>
+                          </a:solidFill>
+                        </a:rPr>
+                        <a:t>스킬 사용 시도를 하는 즉시 발동되는 방식이다</a:t>
+                      </a:r>
+                      <a:r>
+                        <a:rPr lang="en-US" altLang="ko-KR" sz="1400" b="0" dirty="0">
+                          <a:solidFill>
+                            <a:schemeClr val="tx1"/>
+                          </a:solidFill>
+                        </a:rPr>
+                        <a:t>.</a:t>
+                      </a:r>
+                    </a:p>
+                  </a:txBody>
+                  <a:tcPr>
+                    <a:lnL w="12700" cmpd="sng">
+                      <a:noFill/>
+                    </a:lnL>
+                    <a:lnR w="12700" cmpd="sng">
+                      <a:noFill/>
+                    </a:lnR>
+                    <a:lnT w="12700" cap="flat" cmpd="sng" algn="ctr">
+                      <a:solidFill>
+                        <a:schemeClr val="tx1"/>
+                      </a:solidFill>
+                      <a:prstDash val="solid"/>
+                      <a:round/>
+                      <a:headEnd type="none" w="med" len="med"/>
+                      <a:tailEnd type="none" w="med" len="med"/>
+                    </a:lnT>
+                    <a:lnB w="12700" cap="flat" cmpd="sng" algn="ctr">
+                      <a:noFill/>
+                      <a:prstDash val="solid"/>
+                      <a:round/>
+                      <a:headEnd type="none" w="med" len="med"/>
+                      <a:tailEnd type="none" w="med" len="med"/>
+                    </a:lnB>
+                    <a:lnTlToBr w="12700" cmpd="sng">
+                      <a:noFill/>
+                      <a:prstDash val="solid"/>
+                    </a:lnTlToBr>
+                    <a:lnBlToTr w="12700" cmpd="sng">
+                      <a:noFill/>
+                      <a:prstDash val="solid"/>
+                    </a:lnBlToTr>
+                    <a:noFill/>
+                  </a:tcPr>
+                </a:tc>
+                <a:extLst>
+                  <a:ext uri="{0D108BD9-81ED-4DB2-BD59-A6C34878D82A}">
+                    <a16:rowId xmlns:a16="http://schemas.microsoft.com/office/drawing/2014/main" val="1458965696"/>
+                  </a:ext>
+                </a:extLst>
+              </a:tr>
+              <a:tr h="246289">
+                <a:tc>
+                  <a:txBody>
+                    <a:bodyPr/>
+                    <a:lstStyle/>
+                    <a:p>
+                      <a:pPr marL="742950" lvl="1" indent="-285750" algn="l" latinLnBrk="1">
+                        <a:buFont typeface="Wingdings" panose="05000000000000000000" pitchFamily="2" charset="2"/>
+                        <a:buChar char="u"/>
+                      </a:pPr>
+                      <a:r>
+                        <a:rPr lang="ko-KR" altLang="en-US" sz="1400" b="0" dirty="0">
+                          <a:solidFill>
+                            <a:schemeClr val="tx1"/>
+                          </a:solidFill>
+                        </a:rPr>
+                        <a:t>충전</a:t>
+                      </a:r>
+                    </a:p>
+                    <a:p>
+                      <a:pPr marL="1200150" lvl="2" indent="-285750" algn="l" latinLnBrk="1">
+                        <a:buFont typeface="Wingdings" panose="05000000000000000000" pitchFamily="2" charset="2"/>
+                        <a:buChar char="§"/>
+                      </a:pPr>
+                      <a:r>
+                        <a:rPr lang="ko-KR" altLang="en-US" sz="1400" b="0" dirty="0">
+                          <a:solidFill>
+                            <a:schemeClr val="tx1"/>
+                          </a:solidFill>
+                        </a:rPr>
+                        <a:t>스킬을 사용할 때 충전하여 발동할 수 있는 방식이다</a:t>
+                      </a:r>
+                      <a:r>
+                        <a:rPr lang="en-US" altLang="ko-KR" sz="1400" b="0" dirty="0">
+                          <a:solidFill>
+                            <a:schemeClr val="tx1"/>
+                          </a:solidFill>
+                        </a:rPr>
+                        <a:t>.</a:t>
+                      </a:r>
+                    </a:p>
+                  </a:txBody>
+                  <a:tcPr>
+                    <a:lnL w="12700" cmpd="sng">
+                      <a:noFill/>
+                    </a:lnL>
+                    <a:lnR w="12700" cmpd="sng">
+                      <a:noFill/>
+                    </a:lnR>
+                    <a:lnT w="12700" cap="flat" cmpd="sng" algn="ctr">
+                      <a:noFill/>
+                      <a:prstDash val="solid"/>
+                      <a:round/>
+                      <a:headEnd type="none" w="med" len="med"/>
+                      <a:tailEnd type="none" w="med" len="med"/>
+                    </a:lnT>
+                    <a:lnB w="12700" cap="flat" cmpd="sng" algn="ctr">
+                      <a:noFill/>
+                      <a:prstDash val="solid"/>
+                      <a:round/>
+                      <a:headEnd type="none" w="med" len="med"/>
+                      <a:tailEnd type="none" w="med" len="med"/>
+                    </a:lnB>
+                    <a:lnTlToBr w="12700" cmpd="sng">
+                      <a:noFill/>
+                      <a:prstDash val="solid"/>
+                    </a:lnTlToBr>
+                    <a:lnBlToTr w="12700" cmpd="sng">
+                      <a:noFill/>
+                      <a:prstDash val="solid"/>
+                    </a:lnBlToTr>
+                    <a:noFill/>
+                  </a:tcPr>
+                </a:tc>
+                <a:extLst>
+                  <a:ext uri="{0D108BD9-81ED-4DB2-BD59-A6C34878D82A}">
+                    <a16:rowId xmlns:a16="http://schemas.microsoft.com/office/drawing/2014/main" val="2418085743"/>
+                  </a:ext>
+                </a:extLst>
+              </a:tr>
+              <a:tr h="246289">
+                <a:tc>
+                  <a:txBody>
+                    <a:bodyPr/>
+                    <a:lstStyle/>
+                    <a:p>
+                      <a:pPr marL="742950" lvl="1" indent="-285750" algn="l" latinLnBrk="1">
+                        <a:buFont typeface="Wingdings" panose="05000000000000000000" pitchFamily="2" charset="2"/>
+                        <a:buChar char="u"/>
+                      </a:pPr>
+                      <a:r>
+                        <a:rPr lang="ko-KR" altLang="en-US" sz="1400" b="0" dirty="0">
+                          <a:solidFill>
+                            <a:schemeClr val="tx1"/>
+                          </a:solidFill>
+                        </a:rPr>
+                        <a:t>캐스팅</a:t>
+                      </a:r>
+                    </a:p>
+                    <a:p>
+                      <a:pPr marL="1200150" lvl="2" indent="-285750" algn="l" latinLnBrk="1">
+                        <a:buFont typeface="Wingdings" panose="05000000000000000000" pitchFamily="2" charset="2"/>
+                        <a:buChar char="§"/>
+                      </a:pPr>
+                      <a:r>
+                        <a:rPr lang="ko-KR" altLang="en-US" sz="1400" b="0" dirty="0">
+                          <a:solidFill>
+                            <a:schemeClr val="tx1"/>
+                          </a:solidFill>
+                        </a:rPr>
+                        <a:t>스킬을 사용할 때 시전 시간을 가지고 발동하는 방식이다</a:t>
+                      </a:r>
+                      <a:r>
+                        <a:rPr lang="en-US" altLang="ko-KR" sz="1400" b="0" dirty="0">
+                          <a:solidFill>
+                            <a:schemeClr val="tx1"/>
+                          </a:solidFill>
+                        </a:rPr>
+                        <a:t>.</a:t>
+                      </a:r>
+                    </a:p>
+                  </a:txBody>
+                  <a:tcPr>
+                    <a:lnL w="12700" cmpd="sng">
+                      <a:noFill/>
+                    </a:lnL>
+                    <a:lnR w="12700" cmpd="sng">
+                      <a:noFill/>
+                    </a:lnR>
+                    <a:lnT w="12700" cap="flat" cmpd="sng" algn="ctr">
+                      <a:noFill/>
+                      <a:prstDash val="solid"/>
+                      <a:round/>
+                      <a:headEnd type="none" w="med" len="med"/>
+                      <a:tailEnd type="none" w="med" len="med"/>
+                    </a:lnT>
+                    <a:lnB w="12700" cap="flat" cmpd="sng" algn="ctr">
+                      <a:noFill/>
+                      <a:prstDash val="solid"/>
+                      <a:round/>
+                      <a:headEnd type="none" w="med" len="med"/>
+                      <a:tailEnd type="none" w="med" len="med"/>
+                    </a:lnB>
+                    <a:lnTlToBr w="12700" cmpd="sng">
+                      <a:noFill/>
+                      <a:prstDash val="solid"/>
+                    </a:lnTlToBr>
+                    <a:lnBlToTr w="12700" cmpd="sng">
+                      <a:noFill/>
+                      <a:prstDash val="solid"/>
+                    </a:lnBlToTr>
+                    <a:noFill/>
+                  </a:tcPr>
+                </a:tc>
+                <a:extLst>
+                  <a:ext uri="{0D108BD9-81ED-4DB2-BD59-A6C34878D82A}">
+                    <a16:rowId xmlns:a16="http://schemas.microsoft.com/office/drawing/2014/main" val="779709036"/>
+                  </a:ext>
+                </a:extLst>
+              </a:tr>
+              <a:tr h="246289">
+                <a:tc>
+                  <a:txBody>
+                    <a:bodyPr/>
+                    <a:lstStyle/>
+                    <a:p>
+                      <a:pPr marL="742950" lvl="1" indent="-285750" algn="l" latinLnBrk="1">
+                        <a:buFont typeface="Wingdings" panose="05000000000000000000" pitchFamily="2" charset="2"/>
+                        <a:buChar char="u"/>
+                      </a:pPr>
+                      <a:r>
+                        <a:rPr lang="ko-KR" altLang="en-US" sz="1400" b="0" dirty="0" err="1">
+                          <a:solidFill>
+                            <a:schemeClr val="tx1"/>
+                          </a:solidFill>
+                        </a:rPr>
+                        <a:t>채널링</a:t>
+                      </a:r>
+                      <a:endParaRPr lang="ko-KR" altLang="en-US" sz="1400" b="0" dirty="0">
+                        <a:solidFill>
+                          <a:schemeClr val="tx1"/>
+                        </a:solidFill>
+                      </a:endParaRPr>
+                    </a:p>
+                    <a:p>
+                      <a:pPr marL="1200150" lvl="2" indent="-285750" algn="l" latinLnBrk="1">
+                        <a:buFont typeface="Wingdings" panose="05000000000000000000" pitchFamily="2" charset="2"/>
+                        <a:buChar char="§"/>
+                      </a:pPr>
+                      <a:r>
+                        <a:rPr lang="ko-KR" altLang="en-US" sz="1400" b="0" dirty="0">
+                          <a:solidFill>
+                            <a:schemeClr val="tx1"/>
+                          </a:solidFill>
+                        </a:rPr>
+                        <a:t>스킬을 사용할 때 집중을 하면서 사용할 수 있는 방식이다</a:t>
+                      </a:r>
+                      <a:r>
+                        <a:rPr lang="en-US" altLang="ko-KR" sz="1400" b="0" dirty="0">
+                          <a:solidFill>
+                            <a:schemeClr val="tx1"/>
+                          </a:solidFill>
+                        </a:rPr>
+                        <a:t>.</a:t>
+                      </a:r>
+                    </a:p>
+                    <a:p>
+                      <a:pPr marL="1200150" lvl="2" indent="-285750" algn="l" latinLnBrk="1">
+                        <a:buFont typeface="Wingdings" panose="05000000000000000000" pitchFamily="2" charset="2"/>
+                        <a:buChar char="§"/>
+                      </a:pPr>
+                      <a:r>
+                        <a:rPr lang="ko-KR" altLang="en-US" sz="1400" b="0" dirty="0">
+                          <a:solidFill>
+                            <a:schemeClr val="tx1"/>
+                          </a:solidFill>
+                        </a:rPr>
+                        <a:t>집중 중에 이동할 수 있다</a:t>
+                      </a:r>
+                      <a:r>
+                        <a:rPr lang="en-US" altLang="ko-KR" sz="1400" b="0" dirty="0">
+                          <a:solidFill>
+                            <a:schemeClr val="tx1"/>
+                          </a:solidFill>
+                        </a:rPr>
+                        <a:t>.</a:t>
+                      </a:r>
+                    </a:p>
+                  </a:txBody>
+                  <a:tcPr>
+                    <a:lnL w="12700" cmpd="sng">
+                      <a:noFill/>
+                    </a:lnL>
+                    <a:lnR w="12700" cmpd="sng">
+                      <a:noFill/>
+                    </a:lnR>
+                    <a:lnT w="12700" cap="flat" cmpd="sng" algn="ctr">
+                      <a:noFill/>
+                      <a:prstDash val="solid"/>
+                      <a:round/>
+                      <a:headEnd type="none" w="med" len="med"/>
+                      <a:tailEnd type="none" w="med" len="med"/>
+                    </a:lnT>
+                    <a:lnB w="12700" cap="flat" cmpd="sng" algn="ctr">
+                      <a:noFill/>
+                      <a:prstDash val="solid"/>
+                      <a:round/>
+                      <a:headEnd type="none" w="med" len="med"/>
+                      <a:tailEnd type="none" w="med" len="med"/>
+                    </a:lnB>
+                    <a:lnTlToBr w="12700" cmpd="sng">
+                      <a:noFill/>
+                      <a:prstDash val="solid"/>
+                    </a:lnTlToBr>
+                    <a:lnBlToTr w="12700" cmpd="sng">
+                      <a:noFill/>
+                      <a:prstDash val="solid"/>
+                    </a:lnBlToTr>
+                    <a:noFill/>
+                  </a:tcPr>
+                </a:tc>
+                <a:extLst>
+                  <a:ext uri="{0D108BD9-81ED-4DB2-BD59-A6C34878D82A}">
+                    <a16:rowId xmlns:a16="http://schemas.microsoft.com/office/drawing/2014/main" val="4273800425"/>
+                  </a:ext>
+                </a:extLst>
+              </a:tr>
+            </a:tbl>
+          </a:graphicData>
+        </a:graphic>
+      </p:graphicFrame>
+    </p:spTree>
+    <p:extLst>
+      <p:ext uri="{BB962C8B-B14F-4D97-AF65-F5344CB8AC3E}">
+        <p14:creationId xmlns:p14="http://schemas.microsoft.com/office/powerpoint/2010/main" val="454695263"/>
+      </p:ext>
+    </p:extLst>
+  </p:cSld>
+  <p:clrMapOvr>
+    <a:masterClrMapping/>
+  </p:clrMapOvr>
+</p:sld>
+</file>
+
+<file path=ppt/slides/slide45.xml><?xml version="1.0" encoding="utf-8"?>
+<p:sld xmlns:a="http://schemas.openxmlformats.org/drawingml/2006/main" xmlns:r="http://schemas.openxmlformats.org/officeDocument/2006/relationships" xmlns:p="http://schemas.openxmlformats.org/presentationml/2006/main">
+  <p:cSld>
+    <p:spTree>
+      <p:nvGrpSpPr>
+        <p:cNvPr id="1" name="">
+          <a:extLst>
+            <a:ext uri="{FF2B5EF4-FFF2-40B4-BE49-F238E27FC236}">
+              <a16:creationId xmlns:a16="http://schemas.microsoft.com/office/drawing/2014/main" id="{D9B489F1-1369-D05C-11F5-D2858117635A}"/>
+            </a:ext>
+          </a:extLst>
+        </p:cNvPr>
+        <p:cNvGrpSpPr/>
+        <p:nvPr/>
+      </p:nvGrpSpPr>
+      <p:grpSpPr>
+        <a:xfrm>
+          <a:off x="0" y="0"/>
+          <a:ext cx="0" cy="0"/>
+          <a:chOff x="0" y="0"/>
+          <a:chExt cx="0" cy="0"/>
+        </a:xfrm>
+      </p:grpSpPr>
+      <p:sp>
+        <p:nvSpPr>
+          <p:cNvPr id="7" name="제목 1">
+            <a:extLst>
+              <a:ext uri="{FF2B5EF4-FFF2-40B4-BE49-F238E27FC236}">
+                <a16:creationId xmlns:a16="http://schemas.microsoft.com/office/drawing/2014/main" id="{4A17963E-6CCC-7B56-8B35-6EC12F5E1621}"/>
+              </a:ext>
+            </a:extLst>
+          </p:cNvPr>
+          <p:cNvSpPr txBox="1">
+            <a:spLocks/>
+          </p:cNvSpPr>
+          <p:nvPr/>
+        </p:nvSpPr>
+        <p:spPr>
+          <a:xfrm>
+            <a:off x="695325" y="292100"/>
+            <a:ext cx="10801350" cy="861695"/>
+          </a:xfrm>
+          <a:prstGeom prst="rect">
+            <a:avLst/>
+          </a:prstGeom>
+        </p:spPr>
+        <p:txBody>
+          <a:bodyPr vert="horz" lIns="91440" tIns="45720" rIns="91440" bIns="45720" rtlCol="0" anchor="ctr">
+            <a:normAutofit/>
+          </a:bodyPr>
+          <a:lstStyle>
+            <a:lvl1pPr algn="l" defTabSz="914400" rtl="0" eaLnBrk="1" latinLnBrk="1" hangingPunct="1">
+              <a:lnSpc>
+                <a:spcPct val="90000"/>
+              </a:lnSpc>
+              <a:spcBef>
+                <a:spcPct val="0"/>
+              </a:spcBef>
+              <a:buNone/>
+              <a:defRPr sz="4400" kern="1200">
+                <a:solidFill>
+                  <a:schemeClr val="tx1"/>
+                </a:solidFill>
+                <a:latin typeface="+mj-lt"/>
+                <a:ea typeface="+mj-ea"/>
+                <a:cs typeface="+mj-cs"/>
+              </a:defRPr>
+            </a:lvl1pPr>
+          </a:lstStyle>
+          <a:p>
+            <a:r>
+              <a:rPr lang="ko-KR" altLang="en-US" dirty="0"/>
+              <a:t>액션 </a:t>
+            </a:r>
+            <a:r>
+              <a:rPr lang="en-US" altLang="ko-KR" dirty="0"/>
+              <a:t>&amp; </a:t>
+            </a:r>
+            <a:r>
+              <a:rPr lang="ko-KR" altLang="en-US" dirty="0"/>
+              <a:t>슈팅 </a:t>
+            </a:r>
+            <a:r>
+              <a:rPr lang="en-US" altLang="ko-KR" dirty="0"/>
+              <a:t>– 1. </a:t>
+            </a:r>
+            <a:r>
+              <a:rPr lang="ko-KR" altLang="en-US" dirty="0"/>
+              <a:t>시전 방식 차트</a:t>
+            </a:r>
+          </a:p>
+        </p:txBody>
+      </p:sp>
+    </p:spTree>
+    <p:extLst>
+      <p:ext uri="{BB962C8B-B14F-4D97-AF65-F5344CB8AC3E}">
+        <p14:creationId xmlns:p14="http://schemas.microsoft.com/office/powerpoint/2010/main" val="421615531"/>
+      </p:ext>
+    </p:extLst>
+  </p:cSld>
+  <p:clrMapOvr>
+    <a:masterClrMapping/>
+  </p:clrMapOvr>
+</p:sld>
+</file>
+
+<file path=ppt/slides/slide46.xml><?xml version="1.0" encoding="utf-8"?>
+<p:sld xmlns:a="http://schemas.openxmlformats.org/drawingml/2006/main" xmlns:r="http://schemas.openxmlformats.org/officeDocument/2006/relationships" xmlns:p="http://schemas.openxmlformats.org/presentationml/2006/main">
+  <p:cSld>
+    <p:spTree>
+      <p:nvGrpSpPr>
+        <p:cNvPr id="1" name="">
+          <a:extLst>
+            <a:ext uri="{FF2B5EF4-FFF2-40B4-BE49-F238E27FC236}">
+              <a16:creationId xmlns:a16="http://schemas.microsoft.com/office/drawing/2014/main" id="{825058DD-7B33-04DF-964E-FFB072747405}"/>
+            </a:ext>
+          </a:extLst>
+        </p:cNvPr>
+        <p:cNvGrpSpPr/>
+        <p:nvPr/>
+      </p:nvGrpSpPr>
+      <p:grpSpPr>
+        <a:xfrm>
+          <a:off x="0" y="0"/>
+          <a:ext cx="0" cy="0"/>
+          <a:chOff x="0" y="0"/>
+          <a:chExt cx="0" cy="0"/>
+        </a:xfrm>
+      </p:grpSpPr>
+      <p:sp>
+        <p:nvSpPr>
+          <p:cNvPr id="7" name="제목 1">
+            <a:extLst>
+              <a:ext uri="{FF2B5EF4-FFF2-40B4-BE49-F238E27FC236}">
+                <a16:creationId xmlns:a16="http://schemas.microsoft.com/office/drawing/2014/main" id="{8DD79921-F610-C53A-F7D2-55674A9A2E2A}"/>
+              </a:ext>
+            </a:extLst>
+          </p:cNvPr>
+          <p:cNvSpPr txBox="1">
+            <a:spLocks/>
+          </p:cNvSpPr>
+          <p:nvPr/>
+        </p:nvSpPr>
+        <p:spPr>
+          <a:xfrm>
+            <a:off x="695325" y="292100"/>
+            <a:ext cx="10801350" cy="861695"/>
+          </a:xfrm>
+          <a:prstGeom prst="rect">
+            <a:avLst/>
+          </a:prstGeom>
+        </p:spPr>
+        <p:txBody>
+          <a:bodyPr vert="horz" lIns="91440" tIns="45720" rIns="91440" bIns="45720" rtlCol="0" anchor="ctr">
+            <a:normAutofit/>
+          </a:bodyPr>
+          <a:lstStyle>
+            <a:lvl1pPr algn="l" defTabSz="914400" rtl="0" eaLnBrk="1" latinLnBrk="1" hangingPunct="1">
+              <a:lnSpc>
+                <a:spcPct val="90000"/>
+              </a:lnSpc>
+              <a:spcBef>
+                <a:spcPct val="0"/>
+              </a:spcBef>
+              <a:buNone/>
+              <a:defRPr sz="4400" kern="1200">
+                <a:solidFill>
+                  <a:schemeClr val="tx1"/>
+                </a:solidFill>
+                <a:latin typeface="+mj-lt"/>
+                <a:ea typeface="+mj-ea"/>
+                <a:cs typeface="+mj-cs"/>
+              </a:defRPr>
+            </a:lvl1pPr>
+          </a:lstStyle>
+          <a:p>
+            <a:r>
+              <a:rPr lang="ko-KR" altLang="en-US" dirty="0"/>
+              <a:t>액션 </a:t>
+            </a:r>
+            <a:r>
+              <a:rPr lang="en-US" altLang="ko-KR" dirty="0"/>
+              <a:t>&amp; </a:t>
+            </a:r>
+            <a:r>
+              <a:rPr lang="ko-KR" altLang="en-US" dirty="0"/>
+              <a:t>슈팅 </a:t>
+            </a:r>
+            <a:r>
+              <a:rPr lang="en-US" altLang="ko-KR" dirty="0"/>
+              <a:t>– 2. </a:t>
+            </a:r>
+            <a:r>
+              <a:rPr lang="ko-KR" altLang="en-US" dirty="0"/>
+              <a:t>투사체</a:t>
+            </a:r>
+          </a:p>
+        </p:txBody>
+      </p:sp>
+      <p:graphicFrame>
+        <p:nvGraphicFramePr>
+          <p:cNvPr id="2" name="표 1">
+            <a:extLst>
+              <a:ext uri="{FF2B5EF4-FFF2-40B4-BE49-F238E27FC236}">
+                <a16:creationId xmlns:a16="http://schemas.microsoft.com/office/drawing/2014/main" id="{A0F1BE45-6B30-6BF6-0B70-39EBCE4D93A9}"/>
+              </a:ext>
+            </a:extLst>
+          </p:cNvPr>
+          <p:cNvGraphicFramePr>
+            <a:graphicFrameLocks noGrp="1"/>
+          </p:cNvGraphicFramePr>
+          <p:nvPr>
+            <p:extLst>
+              <p:ext uri="{D42A27DB-BD31-4B8C-83A1-F6EECF244321}">
+                <p14:modId xmlns:p14="http://schemas.microsoft.com/office/powerpoint/2010/main" val="2159620055"/>
+              </p:ext>
+            </p:extLst>
+          </p:nvPr>
+        </p:nvGraphicFramePr>
+        <p:xfrm>
+          <a:off x="1870710" y="1996440"/>
+          <a:ext cx="8450580" cy="2865120"/>
+        </p:xfrm>
+        <a:graphic>
+          <a:graphicData uri="http://schemas.openxmlformats.org/drawingml/2006/table">
+            <a:tbl>
+              <a:tblPr firstRow="1" bandRow="1">
+                <a:tableStyleId>{5C22544A-7EE6-4342-B048-85BDC9FD1C3A}</a:tableStyleId>
+              </a:tblPr>
+              <a:tblGrid>
+                <a:gridCol w="8450580">
+                  <a:extLst>
+                    <a:ext uri="{9D8B030D-6E8A-4147-A177-3AD203B41FA5}">
+                      <a16:colId xmlns:a16="http://schemas.microsoft.com/office/drawing/2014/main" val="3852552135"/>
+                    </a:ext>
+                  </a:extLst>
+                </a:gridCol>
+              </a:tblGrid>
+              <a:tr h="0">
+                <a:tc>
+                  <a:txBody>
+                    <a:bodyPr/>
+                    <a:lstStyle/>
+                    <a:p>
+                      <a:pPr algn="l" latinLnBrk="1"/>
+                      <a:r>
+                        <a:rPr lang="ko-KR" altLang="en-US" sz="1400" b="0" dirty="0">
+                          <a:solidFill>
+                            <a:schemeClr val="tx1"/>
+                          </a:solidFill>
+                        </a:rPr>
+                        <a:t>투사체</a:t>
+                      </a:r>
+                    </a:p>
+                  </a:txBody>
+                  <a:tcPr>
+                    <a:lnL w="12700" cmpd="sng">
+                      <a:noFill/>
+                    </a:lnL>
+                    <a:lnR w="12700" cmpd="sng">
+                      <a:noFill/>
+                    </a:lnR>
+                    <a:lnT w="12700" cmpd="sng">
+                      <a:noFill/>
+                    </a:lnT>
+                    <a:lnB w="12700" cap="flat" cmpd="sng" algn="ctr">
+                      <a:solidFill>
+                        <a:schemeClr val="tx1"/>
+                      </a:solidFill>
+                      <a:prstDash val="solid"/>
+                      <a:round/>
+                      <a:headEnd type="none" w="med" len="med"/>
+                      <a:tailEnd type="none" w="med" len="med"/>
+                    </a:lnB>
+                    <a:lnTlToBr w="12700" cmpd="sng">
+                      <a:noFill/>
+                      <a:prstDash val="solid"/>
+                    </a:lnTlToBr>
+                    <a:lnBlToTr w="12700" cmpd="sng">
+                      <a:noFill/>
+                      <a:prstDash val="solid"/>
+                    </a:lnBlToTr>
+                    <a:solidFill>
+                      <a:schemeClr val="bg1">
+                        <a:lumMod val="95000"/>
+                      </a:schemeClr>
+                    </a:solidFill>
+                  </a:tcPr>
+                </a:tc>
+                <a:extLst>
+                  <a:ext uri="{0D108BD9-81ED-4DB2-BD59-A6C34878D82A}">
+                    <a16:rowId xmlns:a16="http://schemas.microsoft.com/office/drawing/2014/main" val="4129766453"/>
+                  </a:ext>
+                </a:extLst>
+              </a:tr>
+              <a:tr h="0">
+                <a:tc>
+                  <a:txBody>
+                    <a:bodyPr/>
+                    <a:lstStyle/>
+                    <a:p>
+                      <a:pPr algn="l" latinLnBrk="1"/>
+                      <a:r>
+                        <a:rPr lang="ko-KR" altLang="en-US" sz="1400" b="0" dirty="0">
+                          <a:solidFill>
+                            <a:schemeClr val="tx1"/>
+                          </a:solidFill>
+                        </a:rPr>
+                        <a:t>스킬을 사용할 때 발사되는 투사체에 대한 처리이다</a:t>
+                      </a:r>
+                      <a:r>
+                        <a:rPr lang="en-US" altLang="ko-KR" sz="1400" b="0" dirty="0">
+                          <a:solidFill>
+                            <a:schemeClr val="tx1"/>
+                          </a:solidFill>
+                        </a:rPr>
+                        <a:t>.</a:t>
+                      </a:r>
+                    </a:p>
+                  </a:txBody>
+                  <a:tcPr>
+                    <a:lnL w="12700" cmpd="sng">
+                      <a:noFill/>
+                    </a:lnL>
+                    <a:lnR w="12700" cmpd="sng">
+                      <a:noFill/>
+                    </a:lnR>
+                    <a:lnT w="12700" cap="flat" cmpd="sng" algn="ctr">
+                      <a:solidFill>
+                        <a:schemeClr val="tx1"/>
+                      </a:solidFill>
+                      <a:prstDash val="solid"/>
+                      <a:round/>
+                      <a:headEnd type="none" w="med" len="med"/>
+                      <a:tailEnd type="none" w="med" len="med"/>
+                    </a:lnT>
+                    <a:lnB w="12700" cap="flat" cmpd="sng" algn="ctr">
+                      <a:noFill/>
+                      <a:prstDash val="solid"/>
+                      <a:round/>
+                      <a:headEnd type="none" w="med" len="med"/>
+                      <a:tailEnd type="none" w="med" len="med"/>
+                    </a:lnB>
+                    <a:lnTlToBr w="12700" cmpd="sng">
+                      <a:noFill/>
+                      <a:prstDash val="solid"/>
+                    </a:lnTlToBr>
+                    <a:lnBlToTr w="12700" cmpd="sng">
+                      <a:noFill/>
+                      <a:prstDash val="solid"/>
+                    </a:lnBlToTr>
+                    <a:noFill/>
+                  </a:tcPr>
+                </a:tc>
+                <a:extLst>
+                  <a:ext uri="{0D108BD9-81ED-4DB2-BD59-A6C34878D82A}">
+                    <a16:rowId xmlns:a16="http://schemas.microsoft.com/office/drawing/2014/main" val="3386730004"/>
+                  </a:ext>
+                </a:extLst>
+              </a:tr>
+              <a:tr h="0">
+                <a:tc>
+                  <a:txBody>
+                    <a:bodyPr/>
+                    <a:lstStyle/>
+                    <a:p>
+                      <a:pPr algn="l" latinLnBrk="1"/>
+                      <a:r>
+                        <a:rPr lang="ko-KR" altLang="en-US" sz="1400" b="0" dirty="0">
+                          <a:solidFill>
+                            <a:schemeClr val="tx1"/>
+                          </a:solidFill>
+                        </a:rPr>
+                        <a:t>투사체를 발사 하지 않는 경우 해당 처리를 하지 않는다</a:t>
+                      </a:r>
+                      <a:r>
+                        <a:rPr lang="en-US" altLang="ko-KR" sz="1400" b="0" dirty="0">
+                          <a:solidFill>
+                            <a:schemeClr val="tx1"/>
+                          </a:solidFill>
+                        </a:rPr>
+                        <a:t>.</a:t>
+                      </a:r>
+                    </a:p>
+                  </a:txBody>
+                  <a:tcPr>
+                    <a:lnL w="12700" cmpd="sng">
+                      <a:noFill/>
+                    </a:lnL>
+                    <a:lnR w="12700" cmpd="sng">
+                      <a:noFill/>
+                    </a:lnR>
+                    <a:lnT w="12700" cap="flat" cmpd="sng" algn="ctr">
+                      <a:noFill/>
+                      <a:prstDash val="solid"/>
+                      <a:round/>
+                      <a:headEnd type="none" w="med" len="med"/>
+                      <a:tailEnd type="none" w="med" len="med"/>
+                    </a:lnT>
+                    <a:lnB w="12700" cap="flat" cmpd="sng" algn="ctr">
+                      <a:noFill/>
+                      <a:prstDash val="solid"/>
+                      <a:round/>
+                      <a:headEnd type="none" w="med" len="med"/>
+                      <a:tailEnd type="none" w="med" len="med"/>
+                    </a:lnB>
+                    <a:lnTlToBr w="12700" cmpd="sng">
+                      <a:noFill/>
+                      <a:prstDash val="solid"/>
+                    </a:lnTlToBr>
+                    <a:lnBlToTr w="12700" cmpd="sng">
+                      <a:noFill/>
+                      <a:prstDash val="solid"/>
+                    </a:lnBlToTr>
+                    <a:noFill/>
+                  </a:tcPr>
+                </a:tc>
+                <a:extLst>
+                  <a:ext uri="{0D108BD9-81ED-4DB2-BD59-A6C34878D82A}">
+                    <a16:rowId xmlns:a16="http://schemas.microsoft.com/office/drawing/2014/main" val="1470410232"/>
+                  </a:ext>
+                </a:extLst>
+              </a:tr>
+              <a:tr h="0">
+                <a:tc>
+                  <a:txBody>
+                    <a:bodyPr/>
+                    <a:lstStyle/>
+                    <a:p>
+                      <a:pPr algn="l" latinLnBrk="1"/>
+                      <a:r>
+                        <a:rPr lang="ko-KR" altLang="en-US" sz="1400" b="0" dirty="0">
+                          <a:solidFill>
+                            <a:schemeClr val="tx1"/>
+                          </a:solidFill>
+                        </a:rPr>
+                        <a:t>스킬의 적용 대상에 따라서 처리 방법이 다르다</a:t>
+                      </a:r>
+                      <a:r>
+                        <a:rPr lang="en-US" altLang="ko-KR" sz="1400" b="0" dirty="0">
+                          <a:solidFill>
+                            <a:schemeClr val="tx1"/>
+                          </a:solidFill>
+                        </a:rPr>
+                        <a:t>.</a:t>
+                      </a:r>
+                    </a:p>
+                  </a:txBody>
+                  <a:tcPr>
+                    <a:lnL w="12700" cmpd="sng">
+                      <a:noFill/>
+                    </a:lnL>
+                    <a:lnR w="12700" cmpd="sng">
+                      <a:noFill/>
+                    </a:lnR>
+                    <a:lnT w="12700" cap="flat" cmpd="sng" algn="ctr">
+                      <a:noFill/>
+                      <a:prstDash val="solid"/>
+                      <a:round/>
+                      <a:headEnd type="none" w="med" len="med"/>
+                      <a:tailEnd type="none" w="med" len="med"/>
+                    </a:lnT>
+                    <a:lnB w="12700" cap="flat" cmpd="sng" algn="ctr">
+                      <a:noFill/>
+                      <a:prstDash val="solid"/>
+                      <a:round/>
+                      <a:headEnd type="none" w="med" len="med"/>
+                      <a:tailEnd type="none" w="med" len="med"/>
+                    </a:lnB>
+                    <a:lnTlToBr w="12700" cmpd="sng">
+                      <a:noFill/>
+                      <a:prstDash val="solid"/>
+                    </a:lnTlToBr>
+                    <a:lnBlToTr w="12700" cmpd="sng">
+                      <a:noFill/>
+                      <a:prstDash val="solid"/>
+                    </a:lnBlToTr>
+                    <a:noFill/>
+                  </a:tcPr>
+                </a:tc>
+                <a:extLst>
+                  <a:ext uri="{0D108BD9-81ED-4DB2-BD59-A6C34878D82A}">
+                    <a16:rowId xmlns:a16="http://schemas.microsoft.com/office/drawing/2014/main" val="4070148531"/>
+                  </a:ext>
+                </a:extLst>
+              </a:tr>
+              <a:tr h="0">
+                <a:tc>
+                  <a:txBody>
+                    <a:bodyPr/>
+                    <a:lstStyle/>
+                    <a:p>
+                      <a:pPr algn="l" latinLnBrk="1"/>
+                      <a:endParaRPr lang="en-US" altLang="ko-KR" sz="1400" b="0" dirty="0">
+                        <a:solidFill>
+                          <a:schemeClr val="tx1"/>
+                        </a:solidFill>
+                      </a:endParaRPr>
+                    </a:p>
+                  </a:txBody>
+                  <a:tcPr>
+                    <a:lnL w="12700" cmpd="sng">
+                      <a:noFill/>
+                    </a:lnL>
+                    <a:lnR w="12700" cmpd="sng">
+                      <a:noFill/>
+                    </a:lnR>
+                    <a:lnT w="12700" cap="flat" cmpd="sng" algn="ctr">
+                      <a:noFill/>
+                      <a:prstDash val="solid"/>
+                      <a:round/>
+                      <a:headEnd type="none" w="med" len="med"/>
+                      <a:tailEnd type="none" w="med" len="med"/>
+                    </a:lnT>
+                    <a:lnB w="12700" cap="flat" cmpd="sng" algn="ctr">
+                      <a:noFill/>
+                      <a:prstDash val="solid"/>
+                      <a:round/>
+                      <a:headEnd type="none" w="med" len="med"/>
+                      <a:tailEnd type="none" w="med" len="med"/>
+                    </a:lnB>
+                    <a:lnTlToBr w="12700" cmpd="sng">
+                      <a:noFill/>
+                      <a:prstDash val="solid"/>
+                    </a:lnTlToBr>
+                    <a:lnBlToTr w="12700" cmpd="sng">
+                      <a:noFill/>
+                      <a:prstDash val="solid"/>
+                    </a:lnBlToTr>
+                    <a:noFill/>
+                  </a:tcPr>
+                </a:tc>
+                <a:extLst>
+                  <a:ext uri="{0D108BD9-81ED-4DB2-BD59-A6C34878D82A}">
+                    <a16:rowId xmlns:a16="http://schemas.microsoft.com/office/drawing/2014/main" val="2640167422"/>
+                  </a:ext>
+                </a:extLst>
+              </a:tr>
+              <a:tr h="0">
+                <a:tc>
+                  <a:txBody>
+                    <a:bodyPr/>
+                    <a:lstStyle/>
+                    <a:p>
+                      <a:pPr algn="l" latinLnBrk="1"/>
+                      <a:r>
+                        <a:rPr lang="ko-KR" altLang="en-US" sz="1400" b="0" dirty="0">
+                          <a:solidFill>
+                            <a:schemeClr val="tx1"/>
+                          </a:solidFill>
+                        </a:rPr>
+                        <a:t>처리 방법 목록</a:t>
+                      </a:r>
+                      <a:endParaRPr lang="en-US" altLang="ko-KR" sz="1400" b="0" dirty="0">
+                        <a:solidFill>
+                          <a:schemeClr val="tx1"/>
+                        </a:solidFill>
+                      </a:endParaRPr>
+                    </a:p>
+                  </a:txBody>
+                  <a:tcPr>
+                    <a:lnL w="12700" cmpd="sng">
+                      <a:noFill/>
+                    </a:lnL>
+                    <a:lnR w="12700" cmpd="sng">
+                      <a:noFill/>
+                    </a:lnR>
+                    <a:lnT w="12700" cap="flat" cmpd="sng" algn="ctr">
+                      <a:noFill/>
+                      <a:prstDash val="solid"/>
+                      <a:round/>
+                      <a:headEnd type="none" w="med" len="med"/>
+                      <a:tailEnd type="none" w="med" len="med"/>
+                    </a:lnT>
+                    <a:lnB w="12700" cap="flat" cmpd="sng" algn="ctr">
+                      <a:solidFill>
+                        <a:schemeClr val="tx1"/>
+                      </a:solidFill>
+                      <a:prstDash val="solid"/>
+                      <a:round/>
+                      <a:headEnd type="none" w="med" len="med"/>
+                      <a:tailEnd type="none" w="med" len="med"/>
+                    </a:lnB>
+                    <a:lnTlToBr w="12700" cmpd="sng">
+                      <a:noFill/>
+                      <a:prstDash val="solid"/>
+                    </a:lnTlToBr>
+                    <a:lnBlToTr w="12700" cmpd="sng">
+                      <a:noFill/>
+                      <a:prstDash val="solid"/>
+                    </a:lnBlToTr>
+                    <a:solidFill>
+                      <a:schemeClr val="bg1">
+                        <a:lumMod val="95000"/>
+                      </a:schemeClr>
+                    </a:solidFill>
+                  </a:tcPr>
+                </a:tc>
+                <a:extLst>
+                  <a:ext uri="{0D108BD9-81ED-4DB2-BD59-A6C34878D82A}">
+                    <a16:rowId xmlns:a16="http://schemas.microsoft.com/office/drawing/2014/main" val="4103515606"/>
+                  </a:ext>
+                </a:extLst>
+              </a:tr>
+              <a:tr h="246289">
+                <a:tc>
+                  <a:txBody>
+                    <a:bodyPr/>
+                    <a:lstStyle/>
+                    <a:p>
+                      <a:pPr marL="742950" lvl="1" indent="-285750" algn="l" latinLnBrk="1">
+                        <a:buFont typeface="Wingdings" panose="05000000000000000000" pitchFamily="2" charset="2"/>
+                        <a:buChar char="u"/>
+                      </a:pPr>
+                      <a:r>
+                        <a:rPr lang="en-US" altLang="ko-KR" sz="1400" b="0" dirty="0">
+                          <a:solidFill>
+                            <a:schemeClr val="tx1"/>
+                          </a:solidFill>
+                        </a:rPr>
+                        <a:t>‘</a:t>
+                      </a:r>
+                      <a:r>
+                        <a:rPr lang="ko-KR" altLang="en-US" sz="1400" b="0" dirty="0">
+                          <a:solidFill>
+                            <a:schemeClr val="tx1"/>
+                          </a:solidFill>
+                        </a:rPr>
+                        <a:t>타겟</a:t>
+                      </a:r>
+                      <a:r>
+                        <a:rPr lang="en-US" altLang="ko-KR" sz="1400" b="0" dirty="0">
+                          <a:solidFill>
+                            <a:schemeClr val="tx1"/>
+                          </a:solidFill>
+                        </a:rPr>
+                        <a:t>’</a:t>
+                      </a:r>
+                    </a:p>
+                    <a:p>
+                      <a:pPr marL="1200150" lvl="2" indent="-285750" algn="l" latinLnBrk="1">
+                        <a:buFont typeface="Wingdings" panose="05000000000000000000" pitchFamily="2" charset="2"/>
+                        <a:buChar char="u"/>
+                      </a:pPr>
+                      <a:r>
+                        <a:rPr lang="ko-KR" altLang="en-US" sz="1400" b="0" dirty="0">
+                          <a:solidFill>
+                            <a:schemeClr val="tx1"/>
+                          </a:solidFill>
+                        </a:rPr>
+                        <a:t>이미 스킬을 사용하여 투사체가 발사 됐을 경우 해당 투사체를 적용 대상에게 유도 된다</a:t>
+                      </a:r>
+                      <a:r>
+                        <a:rPr lang="en-US" altLang="ko-KR" sz="1400" b="0" dirty="0">
+                          <a:solidFill>
+                            <a:schemeClr val="tx1"/>
+                          </a:solidFill>
+                        </a:rPr>
+                        <a:t>.</a:t>
+                      </a:r>
+                    </a:p>
+                  </a:txBody>
+                  <a:tcPr>
+                    <a:lnL w="12700" cmpd="sng">
+                      <a:noFill/>
+                    </a:lnL>
+                    <a:lnR w="12700" cmpd="sng">
+                      <a:noFill/>
+                    </a:lnR>
+                    <a:lnT w="12700" cap="flat" cmpd="sng" algn="ctr">
+                      <a:solidFill>
+                        <a:schemeClr val="tx1"/>
+                      </a:solidFill>
+                      <a:prstDash val="solid"/>
+                      <a:round/>
+                      <a:headEnd type="none" w="med" len="med"/>
+                      <a:tailEnd type="none" w="med" len="med"/>
+                    </a:lnT>
+                    <a:lnB w="12700" cap="flat" cmpd="sng" algn="ctr">
+                      <a:noFill/>
+                      <a:prstDash val="solid"/>
+                      <a:round/>
+                      <a:headEnd type="none" w="med" len="med"/>
+                      <a:tailEnd type="none" w="med" len="med"/>
+                    </a:lnB>
+                    <a:lnTlToBr w="12700" cmpd="sng">
+                      <a:noFill/>
+                      <a:prstDash val="solid"/>
+                    </a:lnTlToBr>
+                    <a:lnBlToTr w="12700" cmpd="sng">
+                      <a:noFill/>
+                      <a:prstDash val="solid"/>
+                    </a:lnBlToTr>
+                    <a:noFill/>
+                  </a:tcPr>
+                </a:tc>
+                <a:extLst>
+                  <a:ext uri="{0D108BD9-81ED-4DB2-BD59-A6C34878D82A}">
+                    <a16:rowId xmlns:a16="http://schemas.microsoft.com/office/drawing/2014/main" val="1458965696"/>
+                  </a:ext>
+                </a:extLst>
+              </a:tr>
+              <a:tr h="246289">
+                <a:tc>
+                  <a:txBody>
+                    <a:bodyPr/>
+                    <a:lstStyle/>
+                    <a:p>
+                      <a:pPr marL="742950" lvl="1" indent="-285750" algn="l" latinLnBrk="1">
+                        <a:buFont typeface="Wingdings" panose="05000000000000000000" pitchFamily="2" charset="2"/>
+                        <a:buChar char="u"/>
+                      </a:pPr>
+                      <a:r>
+                        <a:rPr lang="en-US" altLang="ko-KR" sz="1400" b="0" dirty="0">
+                          <a:solidFill>
+                            <a:schemeClr val="tx1"/>
+                          </a:solidFill>
+                        </a:rPr>
+                        <a:t>‘</a:t>
+                      </a:r>
+                      <a:r>
+                        <a:rPr lang="ko-KR" altLang="en-US" sz="1400" b="0" dirty="0">
+                          <a:solidFill>
+                            <a:schemeClr val="tx1"/>
+                          </a:solidFill>
+                        </a:rPr>
+                        <a:t>논 타겟</a:t>
+                      </a:r>
+                      <a:r>
+                        <a:rPr lang="en-US" altLang="ko-KR" sz="1400" b="0" dirty="0">
+                          <a:solidFill>
+                            <a:schemeClr val="tx1"/>
+                          </a:solidFill>
+                        </a:rPr>
+                        <a:t>’</a:t>
+                      </a:r>
+                    </a:p>
+                    <a:p>
+                      <a:pPr marL="1200150" lvl="2" indent="-285750" algn="l" latinLnBrk="1">
+                        <a:buFont typeface="Wingdings" panose="05000000000000000000" pitchFamily="2" charset="2"/>
+                        <a:buChar char="u"/>
+                      </a:pPr>
+                      <a:r>
+                        <a:rPr lang="ko-KR" altLang="en-US" sz="1400" b="0" dirty="0">
+                          <a:solidFill>
+                            <a:schemeClr val="tx1"/>
+                          </a:solidFill>
+                        </a:rPr>
+                        <a:t>스킬을 사용한 지형 방향으로 발사된다</a:t>
+                      </a:r>
+                      <a:r>
+                        <a:rPr lang="en-US" altLang="ko-KR" sz="1400" b="0" dirty="0">
+                          <a:solidFill>
+                            <a:schemeClr val="tx1"/>
+                          </a:solidFill>
+                        </a:rPr>
+                        <a:t>.</a:t>
+                      </a:r>
+                    </a:p>
+                  </a:txBody>
+                  <a:tcPr>
+                    <a:lnL w="12700" cmpd="sng">
+                      <a:noFill/>
+                    </a:lnL>
+                    <a:lnR w="12700" cmpd="sng">
+                      <a:noFill/>
+                    </a:lnR>
+                    <a:lnT w="12700" cap="flat" cmpd="sng" algn="ctr">
+                      <a:noFill/>
+                      <a:prstDash val="solid"/>
+                      <a:round/>
+                      <a:headEnd type="none" w="med" len="med"/>
+                      <a:tailEnd type="none" w="med" len="med"/>
+                    </a:lnT>
+                    <a:lnB w="12700" cap="flat" cmpd="sng" algn="ctr">
+                      <a:noFill/>
+                      <a:prstDash val="solid"/>
+                      <a:round/>
+                      <a:headEnd type="none" w="med" len="med"/>
+                      <a:tailEnd type="none" w="med" len="med"/>
+                    </a:lnB>
+                    <a:lnTlToBr w="12700" cmpd="sng">
+                      <a:noFill/>
+                      <a:prstDash val="solid"/>
+                    </a:lnTlToBr>
+                    <a:lnBlToTr w="12700" cmpd="sng">
+                      <a:noFill/>
+                      <a:prstDash val="solid"/>
+                    </a:lnBlToTr>
+                    <a:noFill/>
+                  </a:tcPr>
+                </a:tc>
+                <a:extLst>
+                  <a:ext uri="{0D108BD9-81ED-4DB2-BD59-A6C34878D82A}">
+                    <a16:rowId xmlns:a16="http://schemas.microsoft.com/office/drawing/2014/main" val="2418085743"/>
+                  </a:ext>
+                </a:extLst>
+              </a:tr>
+            </a:tbl>
+          </a:graphicData>
+        </a:graphic>
+      </p:graphicFrame>
+    </p:spTree>
+    <p:extLst>
+      <p:ext uri="{BB962C8B-B14F-4D97-AF65-F5344CB8AC3E}">
+        <p14:creationId xmlns:p14="http://schemas.microsoft.com/office/powerpoint/2010/main" val="1189285025"/>
+      </p:ext>
+    </p:extLst>
+  </p:cSld>
+  <p:clrMapOvr>
+    <a:masterClrMapping/>
+  </p:clrMapOvr>
+</p:sld>
+</file>
+
+<file path=ppt/slides/slide47.xml><?xml version="1.0" encoding="utf-8"?>
+<p:sld xmlns:a="http://schemas.openxmlformats.org/drawingml/2006/main" xmlns:r="http://schemas.openxmlformats.org/officeDocument/2006/relationships" xmlns:p="http://schemas.openxmlformats.org/presentationml/2006/main">
+  <p:cSld>
+    <p:spTree>
+      <p:nvGrpSpPr>
+        <p:cNvPr id="1" name="">
+          <a:extLst>
+            <a:ext uri="{FF2B5EF4-FFF2-40B4-BE49-F238E27FC236}">
+              <a16:creationId xmlns:a16="http://schemas.microsoft.com/office/drawing/2014/main" id="{50A10F00-CD86-EBEB-D2A1-112BFFCF9C83}"/>
+            </a:ext>
+          </a:extLst>
+        </p:cNvPr>
+        <p:cNvGrpSpPr/>
+        <p:nvPr/>
+      </p:nvGrpSpPr>
+      <p:grpSpPr>
+        <a:xfrm>
+          <a:off x="0" y="0"/>
+          <a:ext cx="0" cy="0"/>
+          <a:chOff x="0" y="0"/>
+          <a:chExt cx="0" cy="0"/>
+        </a:xfrm>
+      </p:grpSpPr>
+      <p:sp>
+        <p:nvSpPr>
+          <p:cNvPr id="7" name="제목 1">
+            <a:extLst>
+              <a:ext uri="{FF2B5EF4-FFF2-40B4-BE49-F238E27FC236}">
+                <a16:creationId xmlns:a16="http://schemas.microsoft.com/office/drawing/2014/main" id="{11143C5B-6B7E-D1FE-391F-7E6EF9275599}"/>
+              </a:ext>
+            </a:extLst>
+          </p:cNvPr>
+          <p:cNvSpPr txBox="1">
+            <a:spLocks/>
+          </p:cNvSpPr>
+          <p:nvPr/>
+        </p:nvSpPr>
+        <p:spPr>
+          <a:xfrm>
+            <a:off x="695325" y="292100"/>
+            <a:ext cx="10801350" cy="861695"/>
+          </a:xfrm>
+          <a:prstGeom prst="rect">
+            <a:avLst/>
+          </a:prstGeom>
+        </p:spPr>
+        <p:txBody>
+          <a:bodyPr vert="horz" lIns="91440" tIns="45720" rIns="91440" bIns="45720" rtlCol="0" anchor="ctr">
+            <a:normAutofit/>
+          </a:bodyPr>
+          <a:lstStyle>
+            <a:lvl1pPr algn="l" defTabSz="914400" rtl="0" eaLnBrk="1" latinLnBrk="1" hangingPunct="1">
+              <a:lnSpc>
+                <a:spcPct val="90000"/>
+              </a:lnSpc>
+              <a:spcBef>
+                <a:spcPct val="0"/>
+              </a:spcBef>
+              <a:buNone/>
+              <a:defRPr sz="4400" kern="1200">
+                <a:solidFill>
+                  <a:schemeClr val="tx1"/>
+                </a:solidFill>
+                <a:latin typeface="+mj-lt"/>
+                <a:ea typeface="+mj-ea"/>
+                <a:cs typeface="+mj-cs"/>
+              </a:defRPr>
+            </a:lvl1pPr>
+          </a:lstStyle>
+          <a:p>
+            <a:r>
+              <a:rPr lang="ko-KR" altLang="en-US" dirty="0"/>
+              <a:t>액션 </a:t>
+            </a:r>
+            <a:r>
+              <a:rPr lang="en-US" altLang="ko-KR" dirty="0"/>
+              <a:t>&amp; </a:t>
+            </a:r>
+            <a:r>
+              <a:rPr lang="ko-KR" altLang="en-US" dirty="0"/>
+              <a:t>슈팅 </a:t>
+            </a:r>
+            <a:r>
+              <a:rPr lang="en-US" altLang="ko-KR" dirty="0"/>
+              <a:t>– 2. </a:t>
+            </a:r>
+            <a:r>
+              <a:rPr lang="ko-KR" altLang="en-US" dirty="0"/>
+              <a:t>투사체 차트</a:t>
+            </a:r>
+          </a:p>
+        </p:txBody>
+      </p:sp>
+    </p:spTree>
+    <p:extLst>
+      <p:ext uri="{BB962C8B-B14F-4D97-AF65-F5344CB8AC3E}">
+        <p14:creationId xmlns:p14="http://schemas.microsoft.com/office/powerpoint/2010/main" val="1124958946"/>
+      </p:ext>
+    </p:extLst>
+  </p:cSld>
+  <p:clrMapOvr>
+    <a:masterClrMapping/>
+  </p:clrMapOvr>
+</p:sld>
+</file>
+
+<file path=ppt/slides/slide48.xml><?xml version="1.0" encoding="utf-8"?>
+<p:sld xmlns:a="http://schemas.openxmlformats.org/drawingml/2006/main" xmlns:r="http://schemas.openxmlformats.org/officeDocument/2006/relationships" xmlns:p="http://schemas.openxmlformats.org/presentationml/2006/main">
+  <p:cSld>
+    <p:spTree>
+      <p:nvGrpSpPr>
+        <p:cNvPr id="1" name="">
+          <a:extLst>
+            <a:ext uri="{FF2B5EF4-FFF2-40B4-BE49-F238E27FC236}">
+              <a16:creationId xmlns:a16="http://schemas.microsoft.com/office/drawing/2014/main" id="{C04C1DA5-3104-5839-BC1F-459CC613FF0C}"/>
+            </a:ext>
+          </a:extLst>
+        </p:cNvPr>
+        <p:cNvGrpSpPr/>
+        <p:nvPr/>
+      </p:nvGrpSpPr>
+      <p:grpSpPr>
+        <a:xfrm>
+          <a:off x="0" y="0"/>
+          <a:ext cx="0" cy="0"/>
+          <a:chOff x="0" y="0"/>
+          <a:chExt cx="0" cy="0"/>
+        </a:xfrm>
+      </p:grpSpPr>
+      <p:sp>
+        <p:nvSpPr>
+          <p:cNvPr id="7" name="제목 1">
+            <a:extLst>
+              <a:ext uri="{FF2B5EF4-FFF2-40B4-BE49-F238E27FC236}">
+                <a16:creationId xmlns:a16="http://schemas.microsoft.com/office/drawing/2014/main" id="{8C04F9E0-EDE2-83AB-5FF8-80CCAD8FB423}"/>
+              </a:ext>
+            </a:extLst>
+          </p:cNvPr>
+          <p:cNvSpPr txBox="1">
+            <a:spLocks/>
+          </p:cNvSpPr>
+          <p:nvPr/>
+        </p:nvSpPr>
+        <p:spPr>
+          <a:xfrm>
+            <a:off x="695325" y="292100"/>
+            <a:ext cx="10801350" cy="861695"/>
+          </a:xfrm>
+          <a:prstGeom prst="rect">
+            <a:avLst/>
+          </a:prstGeom>
+        </p:spPr>
+        <p:txBody>
+          <a:bodyPr vert="horz" lIns="91440" tIns="45720" rIns="91440" bIns="45720" rtlCol="0" anchor="ctr">
+            <a:normAutofit/>
+          </a:bodyPr>
+          <a:lstStyle>
+            <a:lvl1pPr algn="l" defTabSz="914400" rtl="0" eaLnBrk="1" latinLnBrk="1" hangingPunct="1">
+              <a:lnSpc>
+                <a:spcPct val="90000"/>
+              </a:lnSpc>
+              <a:spcBef>
+                <a:spcPct val="0"/>
+              </a:spcBef>
+              <a:buNone/>
+              <a:defRPr sz="4400" kern="1200">
+                <a:solidFill>
+                  <a:schemeClr val="tx1"/>
+                </a:solidFill>
+                <a:latin typeface="+mj-lt"/>
+                <a:ea typeface="+mj-ea"/>
+                <a:cs typeface="+mj-cs"/>
+              </a:defRPr>
+            </a:lvl1pPr>
+          </a:lstStyle>
+          <a:p>
+            <a:r>
+              <a:rPr lang="ko-KR" altLang="en-US" dirty="0"/>
+              <a:t>액션 </a:t>
+            </a:r>
+            <a:r>
+              <a:rPr lang="en-US" altLang="ko-KR" dirty="0"/>
+              <a:t>&amp; </a:t>
+            </a:r>
+            <a:r>
+              <a:rPr lang="ko-KR" altLang="en-US" dirty="0"/>
+              <a:t>슈팅 </a:t>
+            </a:r>
+            <a:r>
+              <a:rPr lang="en-US" altLang="ko-KR" dirty="0"/>
+              <a:t>– 3. </a:t>
+            </a:r>
+            <a:r>
+              <a:rPr lang="ko-KR" altLang="en-US" dirty="0"/>
+              <a:t>변화 요소</a:t>
+            </a:r>
+          </a:p>
+        </p:txBody>
+      </p:sp>
+      <p:graphicFrame>
+        <p:nvGraphicFramePr>
+          <p:cNvPr id="2" name="표 1">
+            <a:extLst>
+              <a:ext uri="{FF2B5EF4-FFF2-40B4-BE49-F238E27FC236}">
+                <a16:creationId xmlns:a16="http://schemas.microsoft.com/office/drawing/2014/main" id="{26E2D43B-6423-EE3C-D8BA-A3477356AAF9}"/>
+              </a:ext>
+            </a:extLst>
+          </p:cNvPr>
+          <p:cNvGraphicFramePr>
+            <a:graphicFrameLocks noGrp="1"/>
+          </p:cNvGraphicFramePr>
+          <p:nvPr>
+            <p:extLst>
+              <p:ext uri="{D42A27DB-BD31-4B8C-83A1-F6EECF244321}">
+                <p14:modId xmlns:p14="http://schemas.microsoft.com/office/powerpoint/2010/main" val="2669096955"/>
+              </p:ext>
+            </p:extLst>
+          </p:nvPr>
+        </p:nvGraphicFramePr>
+        <p:xfrm>
+          <a:off x="2059622" y="1508760"/>
+          <a:ext cx="8072755" cy="3840480"/>
+        </p:xfrm>
+        <a:graphic>
+          <a:graphicData uri="http://schemas.openxmlformats.org/drawingml/2006/table">
+            <a:tbl>
+              <a:tblPr firstRow="1" bandRow="1">
+                <a:tableStyleId>{5C22544A-7EE6-4342-B048-85BDC9FD1C3A}</a:tableStyleId>
+              </a:tblPr>
+              <a:tblGrid>
+                <a:gridCol w="8072755">
+                  <a:extLst>
+                    <a:ext uri="{9D8B030D-6E8A-4147-A177-3AD203B41FA5}">
+                      <a16:colId xmlns:a16="http://schemas.microsoft.com/office/drawing/2014/main" val="3852552135"/>
+                    </a:ext>
+                  </a:extLst>
+                </a:gridCol>
+              </a:tblGrid>
+              <a:tr h="0">
+                <a:tc>
+                  <a:txBody>
+                    <a:bodyPr/>
+                    <a:lstStyle/>
+                    <a:p>
+                      <a:pPr algn="l" latinLnBrk="1"/>
+                      <a:r>
+                        <a:rPr lang="ko-KR" altLang="en-US" sz="1400" b="0" dirty="0">
+                          <a:solidFill>
+                            <a:schemeClr val="tx1"/>
+                          </a:solidFill>
+                        </a:rPr>
+                        <a:t>변화 요소</a:t>
+                      </a:r>
+                    </a:p>
+                  </a:txBody>
+                  <a:tcPr>
+                    <a:lnL w="12700" cmpd="sng">
+                      <a:noFill/>
+                    </a:lnL>
+                    <a:lnR w="12700" cmpd="sng">
+                      <a:noFill/>
+                    </a:lnR>
+                    <a:lnT w="12700" cmpd="sng">
+                      <a:noFill/>
+                    </a:lnT>
+                    <a:lnB w="12700" cap="flat" cmpd="sng" algn="ctr">
+                      <a:solidFill>
+                        <a:schemeClr val="tx1"/>
+                      </a:solidFill>
+                      <a:prstDash val="solid"/>
+                      <a:round/>
+                      <a:headEnd type="none" w="med" len="med"/>
+                      <a:tailEnd type="none" w="med" len="med"/>
+                    </a:lnB>
+                    <a:lnTlToBr w="12700" cmpd="sng">
+                      <a:noFill/>
+                      <a:prstDash val="solid"/>
+                    </a:lnTlToBr>
+                    <a:lnBlToTr w="12700" cmpd="sng">
+                      <a:noFill/>
+                      <a:prstDash val="solid"/>
+                    </a:lnBlToTr>
+                    <a:solidFill>
+                      <a:schemeClr val="bg1">
+                        <a:lumMod val="95000"/>
+                      </a:schemeClr>
+                    </a:solidFill>
+                  </a:tcPr>
+                </a:tc>
+                <a:extLst>
+                  <a:ext uri="{0D108BD9-81ED-4DB2-BD59-A6C34878D82A}">
+                    <a16:rowId xmlns:a16="http://schemas.microsoft.com/office/drawing/2014/main" val="4129766453"/>
+                  </a:ext>
+                </a:extLst>
+              </a:tr>
+              <a:tr h="0">
+                <a:tc>
+                  <a:txBody>
+                    <a:bodyPr/>
+                    <a:lstStyle/>
+                    <a:p>
+                      <a:pPr algn="l" latinLnBrk="1"/>
+                      <a:r>
+                        <a:rPr lang="ko-KR" altLang="en-US" sz="1400" b="0" dirty="0">
+                          <a:solidFill>
+                            <a:schemeClr val="tx1"/>
+                          </a:solidFill>
+                        </a:rPr>
+                        <a:t>다양한 요소에 따른 스킬의 변화에 따른 처리이다</a:t>
+                      </a:r>
+                      <a:r>
+                        <a:rPr lang="en-US" altLang="ko-KR" sz="1400" b="0" dirty="0">
+                          <a:solidFill>
+                            <a:schemeClr val="tx1"/>
+                          </a:solidFill>
+                        </a:rPr>
+                        <a:t>.</a:t>
+                      </a:r>
+                    </a:p>
+                  </a:txBody>
+                  <a:tcPr>
+                    <a:lnL w="12700" cmpd="sng">
+                      <a:noFill/>
+                    </a:lnL>
+                    <a:lnR w="12700" cmpd="sng">
+                      <a:noFill/>
+                    </a:lnR>
+                    <a:lnT w="12700" cap="flat" cmpd="sng" algn="ctr">
+                      <a:solidFill>
+                        <a:schemeClr val="tx1"/>
+                      </a:solidFill>
+                      <a:prstDash val="solid"/>
+                      <a:round/>
+                      <a:headEnd type="none" w="med" len="med"/>
+                      <a:tailEnd type="none" w="med" len="med"/>
+                    </a:lnT>
+                    <a:lnB w="12700" cap="flat" cmpd="sng" algn="ctr">
+                      <a:noFill/>
+                      <a:prstDash val="solid"/>
+                      <a:round/>
+                      <a:headEnd type="none" w="med" len="med"/>
+                      <a:tailEnd type="none" w="med" len="med"/>
+                    </a:lnB>
+                    <a:lnTlToBr w="12700" cmpd="sng">
+                      <a:noFill/>
+                      <a:prstDash val="solid"/>
+                    </a:lnTlToBr>
+                    <a:lnBlToTr w="12700" cmpd="sng">
+                      <a:noFill/>
+                      <a:prstDash val="solid"/>
+                    </a:lnBlToTr>
+                    <a:noFill/>
+                  </a:tcPr>
+                </a:tc>
+                <a:extLst>
+                  <a:ext uri="{0D108BD9-81ED-4DB2-BD59-A6C34878D82A}">
+                    <a16:rowId xmlns:a16="http://schemas.microsoft.com/office/drawing/2014/main" val="3386730004"/>
+                  </a:ext>
+                </a:extLst>
+              </a:tr>
+              <a:tr h="0">
+                <a:tc>
+                  <a:txBody>
+                    <a:bodyPr/>
+                    <a:lstStyle/>
+                    <a:p>
+                      <a:pPr algn="l" latinLnBrk="1"/>
+                      <a:endParaRPr lang="en-US" altLang="ko-KR" sz="1400" b="0" dirty="0">
+                        <a:solidFill>
+                          <a:schemeClr val="tx1"/>
+                        </a:solidFill>
+                      </a:endParaRPr>
+                    </a:p>
+                  </a:txBody>
+                  <a:tcPr>
+                    <a:lnL w="12700" cmpd="sng">
+                      <a:noFill/>
+                    </a:lnL>
+                    <a:lnR w="12700" cmpd="sng">
+                      <a:noFill/>
+                    </a:lnR>
+                    <a:lnT w="12700" cap="flat" cmpd="sng" algn="ctr">
+                      <a:noFill/>
+                      <a:prstDash val="solid"/>
+                      <a:round/>
+                      <a:headEnd type="none" w="med" len="med"/>
+                      <a:tailEnd type="none" w="med" len="med"/>
+                    </a:lnT>
+                    <a:lnB w="12700" cap="flat" cmpd="sng" algn="ctr">
+                      <a:noFill/>
+                      <a:prstDash val="solid"/>
+                      <a:round/>
+                      <a:headEnd type="none" w="med" len="med"/>
+                      <a:tailEnd type="none" w="med" len="med"/>
+                    </a:lnB>
+                    <a:lnTlToBr w="12700" cmpd="sng">
+                      <a:noFill/>
+                      <a:prstDash val="solid"/>
+                    </a:lnTlToBr>
+                    <a:lnBlToTr w="12700" cmpd="sng">
+                      <a:noFill/>
+                      <a:prstDash val="solid"/>
+                    </a:lnBlToTr>
+                    <a:noFill/>
+                  </a:tcPr>
+                </a:tc>
+                <a:extLst>
+                  <a:ext uri="{0D108BD9-81ED-4DB2-BD59-A6C34878D82A}">
+                    <a16:rowId xmlns:a16="http://schemas.microsoft.com/office/drawing/2014/main" val="1470410232"/>
+                  </a:ext>
+                </a:extLst>
+              </a:tr>
+              <a:tr h="0">
+                <a:tc>
+                  <a:txBody>
+                    <a:bodyPr/>
+                    <a:lstStyle/>
+                    <a:p>
+                      <a:pPr algn="l" latinLnBrk="1"/>
+                      <a:r>
+                        <a:rPr lang="ko-KR" altLang="en-US" sz="1400" b="0" dirty="0">
+                          <a:solidFill>
+                            <a:schemeClr val="tx1"/>
+                          </a:solidFill>
+                        </a:rPr>
+                        <a:t>변화 요소 목록</a:t>
+                      </a:r>
+                      <a:endParaRPr lang="en-US" altLang="ko-KR" sz="1400" b="0" dirty="0">
+                        <a:solidFill>
+                          <a:schemeClr val="tx1"/>
+                        </a:solidFill>
+                      </a:endParaRPr>
+                    </a:p>
+                  </a:txBody>
+                  <a:tcPr>
+                    <a:lnL w="12700" cmpd="sng">
+                      <a:noFill/>
+                    </a:lnL>
+                    <a:lnR w="12700" cmpd="sng">
+                      <a:noFill/>
+                    </a:lnR>
+                    <a:lnT w="12700" cap="flat" cmpd="sng" algn="ctr">
+                      <a:noFill/>
+                      <a:prstDash val="solid"/>
+                      <a:round/>
+                      <a:headEnd type="none" w="med" len="med"/>
+                      <a:tailEnd type="none" w="med" len="med"/>
+                    </a:lnT>
+                    <a:lnB w="12700" cap="flat" cmpd="sng" algn="ctr">
+                      <a:solidFill>
+                        <a:schemeClr val="tx1"/>
+                      </a:solidFill>
+                      <a:prstDash val="solid"/>
+                      <a:round/>
+                      <a:headEnd type="none" w="med" len="med"/>
+                      <a:tailEnd type="none" w="med" len="med"/>
+                    </a:lnB>
+                    <a:lnTlToBr w="12700" cmpd="sng">
+                      <a:noFill/>
+                      <a:prstDash val="solid"/>
+                    </a:lnTlToBr>
+                    <a:lnBlToTr w="12700" cmpd="sng">
+                      <a:noFill/>
+                      <a:prstDash val="solid"/>
+                    </a:lnBlToTr>
+                    <a:solidFill>
+                      <a:schemeClr val="bg1">
+                        <a:lumMod val="95000"/>
+                      </a:schemeClr>
+                    </a:solidFill>
+                  </a:tcPr>
+                </a:tc>
+                <a:extLst>
+                  <a:ext uri="{0D108BD9-81ED-4DB2-BD59-A6C34878D82A}">
+                    <a16:rowId xmlns:a16="http://schemas.microsoft.com/office/drawing/2014/main" val="4103515606"/>
+                  </a:ext>
+                </a:extLst>
+              </a:tr>
+              <a:tr h="246289">
+                <a:tc>
+                  <a:txBody>
+                    <a:bodyPr/>
+                    <a:lstStyle/>
+                    <a:p>
+                      <a:pPr marL="742950" lvl="1" indent="-285750" algn="l" latinLnBrk="1">
+                        <a:buFont typeface="Wingdings" panose="05000000000000000000" pitchFamily="2" charset="2"/>
+                        <a:buChar char="u"/>
+                      </a:pPr>
+                      <a:r>
+                        <a:rPr lang="ko-KR" altLang="en-US" sz="1400" b="0" dirty="0">
+                          <a:solidFill>
+                            <a:schemeClr val="tx1"/>
+                          </a:solidFill>
+                        </a:rPr>
+                        <a:t>캐릭터 상태</a:t>
+                      </a:r>
+                      <a:endParaRPr lang="en-US" altLang="ko-KR" sz="1400" b="0" dirty="0">
+                        <a:solidFill>
+                          <a:schemeClr val="tx1"/>
+                        </a:solidFill>
+                      </a:endParaRPr>
+                    </a:p>
+                    <a:p>
+                      <a:pPr marL="914400" lvl="2" indent="0" algn="l" latinLnBrk="1">
+                        <a:buFont typeface="Wingdings" panose="05000000000000000000" pitchFamily="2" charset="2"/>
+                        <a:buNone/>
+                      </a:pPr>
+                      <a:r>
+                        <a:rPr lang="ko-KR" altLang="en-US" sz="1400" b="0" dirty="0">
+                          <a:solidFill>
+                            <a:schemeClr val="tx1"/>
+                          </a:solidFill>
+                        </a:rPr>
+                        <a:t>스킬 사용 중에 캐릭터 상태 변화에 따른 처리 요소들</a:t>
+                      </a:r>
+                      <a:endParaRPr lang="en-US" altLang="ko-KR" sz="1400" b="0" dirty="0">
+                        <a:solidFill>
+                          <a:schemeClr val="tx1"/>
+                        </a:solidFill>
+                      </a:endParaRPr>
+                    </a:p>
+                    <a:p>
+                      <a:pPr marL="1200150" lvl="2" indent="-285750" algn="l" latinLnBrk="1">
+                        <a:buFont typeface="Wingdings" panose="05000000000000000000" pitchFamily="2" charset="2"/>
+                        <a:buChar char="§"/>
+                      </a:pPr>
+                      <a:r>
+                        <a:rPr lang="ko-KR" altLang="en-US" sz="1400" b="0" dirty="0">
+                          <a:solidFill>
+                            <a:schemeClr val="tx1"/>
+                          </a:solidFill>
+                        </a:rPr>
+                        <a:t>액션 상태</a:t>
+                      </a:r>
+                      <a:endParaRPr lang="en-US" altLang="ko-KR" sz="1400" b="0" dirty="0">
+                        <a:solidFill>
+                          <a:schemeClr val="tx1"/>
+                        </a:solidFill>
+                      </a:endParaRPr>
+                    </a:p>
+                    <a:p>
+                      <a:pPr marL="1657350" lvl="3" indent="-285750" algn="l" latinLnBrk="1">
+                        <a:buFont typeface="Arial" panose="020B0604020202020204" pitchFamily="34" charset="0"/>
+                        <a:buChar char="•"/>
+                      </a:pPr>
+                      <a:r>
+                        <a:rPr lang="ko-KR" altLang="en-US" sz="1400" b="0" dirty="0">
+                          <a:solidFill>
+                            <a:schemeClr val="tx1"/>
+                          </a:solidFill>
+                        </a:rPr>
+                        <a:t>공격을 받아 피격 상태가 되면 스킬 사용이 실패한다</a:t>
+                      </a:r>
+                      <a:r>
+                        <a:rPr lang="en-US" altLang="ko-KR" sz="1400" b="0" dirty="0">
+                          <a:solidFill>
+                            <a:schemeClr val="tx1"/>
+                          </a:solidFill>
+                        </a:rPr>
+                        <a:t>.</a:t>
+                      </a:r>
+                    </a:p>
+                    <a:p>
+                      <a:pPr marL="1200150" lvl="2" indent="-285750" algn="l" latinLnBrk="1">
+                        <a:buFont typeface="Wingdings" panose="05000000000000000000" pitchFamily="2" charset="2"/>
+                        <a:buChar char="§"/>
+                      </a:pPr>
+                      <a:r>
+                        <a:rPr lang="ko-KR" altLang="en-US" sz="1400" b="0" dirty="0">
+                          <a:solidFill>
+                            <a:schemeClr val="tx1"/>
+                          </a:solidFill>
+                        </a:rPr>
+                        <a:t>상태 이상 상태</a:t>
+                      </a:r>
+                      <a:endParaRPr lang="en-US" altLang="ko-KR" sz="1400" b="0" dirty="0">
+                        <a:solidFill>
+                          <a:schemeClr val="tx1"/>
+                        </a:solidFill>
+                      </a:endParaRPr>
+                    </a:p>
+                    <a:p>
+                      <a:pPr marL="1657350" lvl="3" indent="-285750" algn="l" latinLnBrk="1">
+                        <a:buFont typeface="Arial" panose="020B0604020202020204" pitchFamily="34" charset="0"/>
+                        <a:buChar char="•"/>
+                      </a:pPr>
+                      <a:r>
+                        <a:rPr lang="ko-KR" altLang="en-US" sz="1400" b="0" dirty="0">
+                          <a:solidFill>
+                            <a:schemeClr val="tx1"/>
+                          </a:solidFill>
+                        </a:rPr>
+                        <a:t>사용하는 스킬 사용을 제한하는 상태 이상에 걸릴 경우 스킬 사용이 실패한다</a:t>
+                      </a:r>
+                      <a:r>
+                        <a:rPr lang="en-US" altLang="ko-KR" sz="1400" b="0" dirty="0">
+                          <a:solidFill>
+                            <a:schemeClr val="tx1"/>
+                          </a:solidFill>
+                        </a:rPr>
+                        <a:t>.</a:t>
+                      </a:r>
+                    </a:p>
+                  </a:txBody>
+                  <a:tcPr>
+                    <a:lnL w="12700" cmpd="sng">
+                      <a:noFill/>
+                    </a:lnL>
+                    <a:lnR w="12700" cmpd="sng">
+                      <a:noFill/>
+                    </a:lnR>
+                    <a:lnT w="12700" cap="flat" cmpd="sng" algn="ctr">
+                      <a:solidFill>
+                        <a:schemeClr val="tx1"/>
+                      </a:solidFill>
+                      <a:prstDash val="solid"/>
+                      <a:round/>
+                      <a:headEnd type="none" w="med" len="med"/>
+                      <a:tailEnd type="none" w="med" len="med"/>
+                    </a:lnT>
+                    <a:lnB w="12700" cap="flat" cmpd="sng" algn="ctr">
+                      <a:noFill/>
+                      <a:prstDash val="solid"/>
+                      <a:round/>
+                      <a:headEnd type="none" w="med" len="med"/>
+                      <a:tailEnd type="none" w="med" len="med"/>
+                    </a:lnB>
+                    <a:lnTlToBr w="12700" cmpd="sng">
+                      <a:noFill/>
+                      <a:prstDash val="solid"/>
+                    </a:lnTlToBr>
+                    <a:lnBlToTr w="12700" cmpd="sng">
+                      <a:noFill/>
+                      <a:prstDash val="solid"/>
+                    </a:lnBlToTr>
+                    <a:noFill/>
+                  </a:tcPr>
+                </a:tc>
+                <a:extLst>
+                  <a:ext uri="{0D108BD9-81ED-4DB2-BD59-A6C34878D82A}">
+                    <a16:rowId xmlns:a16="http://schemas.microsoft.com/office/drawing/2014/main" val="2418085743"/>
+                  </a:ext>
+                </a:extLst>
+              </a:tr>
+              <a:tr h="246289">
+                <a:tc>
+                  <a:txBody>
+                    <a:bodyPr/>
+                    <a:lstStyle/>
+                    <a:p>
+                      <a:pPr marL="742950" lvl="1" indent="-285750" algn="l" latinLnBrk="1">
+                        <a:buFont typeface="Wingdings" panose="05000000000000000000" pitchFamily="2" charset="2"/>
+                        <a:buChar char="u"/>
+                      </a:pPr>
+                      <a:r>
+                        <a:rPr lang="ko-KR" altLang="en-US" sz="1400" b="0" dirty="0">
+                          <a:solidFill>
+                            <a:schemeClr val="tx1"/>
+                          </a:solidFill>
+                        </a:rPr>
+                        <a:t>장애물</a:t>
+                      </a:r>
+                      <a:endParaRPr lang="en-US" altLang="ko-KR" sz="1400" b="0" dirty="0">
+                        <a:solidFill>
+                          <a:schemeClr val="tx1"/>
+                        </a:solidFill>
+                      </a:endParaRPr>
+                    </a:p>
+                    <a:p>
+                      <a:pPr marL="1200150" lvl="2" indent="-285750" algn="l" latinLnBrk="1">
+                        <a:buFont typeface="Wingdings" panose="05000000000000000000" pitchFamily="2" charset="2"/>
+                        <a:buChar char="§"/>
+                      </a:pPr>
+                      <a:r>
+                        <a:rPr lang="ko-KR" altLang="en-US" sz="1400" b="0" dirty="0">
+                          <a:solidFill>
+                            <a:schemeClr val="tx1"/>
+                          </a:solidFill>
+                        </a:rPr>
+                        <a:t>투사체 사용</a:t>
+                      </a:r>
+                      <a:r>
+                        <a:rPr lang="en-US" altLang="ko-KR" sz="1400" b="0" dirty="0">
+                          <a:solidFill>
+                            <a:schemeClr val="tx1"/>
+                          </a:solidFill>
+                        </a:rPr>
+                        <a:t>/</a:t>
+                      </a:r>
+                      <a:r>
+                        <a:rPr lang="ko-KR" altLang="en-US" sz="1400" b="0" dirty="0">
+                          <a:solidFill>
+                            <a:schemeClr val="tx1"/>
+                          </a:solidFill>
+                        </a:rPr>
+                        <a:t>미사용</a:t>
+                      </a:r>
+                      <a:endParaRPr lang="en-US" altLang="ko-KR" sz="1400" b="0" dirty="0">
+                        <a:solidFill>
+                          <a:schemeClr val="tx1"/>
+                        </a:solidFill>
+                      </a:endParaRPr>
+                    </a:p>
+                    <a:p>
+                      <a:pPr marL="1200150" lvl="2" indent="-285750" algn="l" latinLnBrk="1">
+                        <a:buFont typeface="Wingdings" panose="05000000000000000000" pitchFamily="2" charset="2"/>
+                        <a:buChar char="§"/>
+                      </a:pPr>
+                      <a:r>
+                        <a:rPr lang="ko-KR" altLang="en-US" sz="1400" b="0" dirty="0">
+                          <a:solidFill>
+                            <a:schemeClr val="tx1"/>
+                          </a:solidFill>
+                        </a:rPr>
+                        <a:t>장애물의 종류</a:t>
+                      </a:r>
+                      <a:endParaRPr lang="en-US" altLang="ko-KR" sz="1400" b="0" dirty="0">
+                        <a:solidFill>
+                          <a:schemeClr val="tx1"/>
+                        </a:solidFill>
+                      </a:endParaRPr>
+                    </a:p>
+                  </a:txBody>
+                  <a:tcPr>
+                    <a:lnL w="12700" cmpd="sng">
+                      <a:noFill/>
+                    </a:lnL>
+                    <a:lnR w="12700" cmpd="sng">
+                      <a:noFill/>
+                    </a:lnR>
+                    <a:lnT w="12700" cap="flat" cmpd="sng" algn="ctr">
+                      <a:noFill/>
+                      <a:prstDash val="solid"/>
+                      <a:round/>
+                      <a:headEnd type="none" w="med" len="med"/>
+                      <a:tailEnd type="none" w="med" len="med"/>
+                    </a:lnT>
+                    <a:lnB w="12700" cap="flat" cmpd="sng" algn="ctr">
+                      <a:noFill/>
+                      <a:prstDash val="solid"/>
+                      <a:round/>
+                      <a:headEnd type="none" w="med" len="med"/>
+                      <a:tailEnd type="none" w="med" len="med"/>
+                    </a:lnB>
+                    <a:lnTlToBr w="12700" cmpd="sng">
+                      <a:noFill/>
+                      <a:prstDash val="solid"/>
+                    </a:lnTlToBr>
+                    <a:lnBlToTr w="12700" cmpd="sng">
+                      <a:noFill/>
+                      <a:prstDash val="solid"/>
+                    </a:lnBlToTr>
+                    <a:noFill/>
+                  </a:tcPr>
+                </a:tc>
+                <a:extLst>
+                  <a:ext uri="{0D108BD9-81ED-4DB2-BD59-A6C34878D82A}">
+                    <a16:rowId xmlns:a16="http://schemas.microsoft.com/office/drawing/2014/main" val="779709036"/>
+                  </a:ext>
+                </a:extLst>
+              </a:tr>
+              <a:tr h="246289">
+                <a:tc>
+                  <a:txBody>
+                    <a:bodyPr/>
+                    <a:lstStyle/>
+                    <a:p>
+                      <a:pPr marL="742950" lvl="1" indent="-285750" algn="l" latinLnBrk="1">
+                        <a:buFont typeface="Wingdings" panose="05000000000000000000" pitchFamily="2" charset="2"/>
+                        <a:buChar char="u"/>
+                      </a:pPr>
+                      <a:r>
+                        <a:rPr lang="ko-KR" altLang="en-US" sz="1400" b="0" dirty="0">
+                          <a:solidFill>
+                            <a:schemeClr val="tx1"/>
+                          </a:solidFill>
+                        </a:rPr>
+                        <a:t>자원 부족</a:t>
+                      </a:r>
+                      <a:endParaRPr lang="en-US" altLang="ko-KR" sz="1400" b="0" dirty="0">
+                        <a:solidFill>
+                          <a:schemeClr val="tx1"/>
+                        </a:solidFill>
+                      </a:endParaRPr>
+                    </a:p>
+                    <a:p>
+                      <a:pPr marL="1200150" lvl="2" indent="-285750" algn="l" latinLnBrk="1">
+                        <a:buFont typeface="Wingdings" panose="05000000000000000000" pitchFamily="2" charset="2"/>
+                        <a:buChar char="§"/>
+                      </a:pPr>
+                      <a:r>
+                        <a:rPr lang="ko-KR" altLang="en-US" sz="1400" b="0" dirty="0">
+                          <a:solidFill>
+                            <a:schemeClr val="tx1"/>
+                          </a:solidFill>
+                        </a:rPr>
+                        <a:t>시전 방식</a:t>
+                      </a:r>
+                      <a:endParaRPr lang="en-US" altLang="ko-KR" sz="1400" b="0" dirty="0">
+                        <a:solidFill>
+                          <a:schemeClr val="tx1"/>
+                        </a:solidFill>
+                      </a:endParaRPr>
+                    </a:p>
+                  </a:txBody>
+                  <a:tcPr>
+                    <a:lnL w="12700" cmpd="sng">
+                      <a:noFill/>
+                    </a:lnL>
+                    <a:lnR w="12700" cmpd="sng">
+                      <a:noFill/>
+                    </a:lnR>
+                    <a:lnT w="12700" cap="flat" cmpd="sng" algn="ctr">
+                      <a:noFill/>
+                      <a:prstDash val="solid"/>
+                      <a:round/>
+                      <a:headEnd type="none" w="med" len="med"/>
+                      <a:tailEnd type="none" w="med" len="med"/>
+                    </a:lnT>
+                    <a:lnB w="12700" cap="flat" cmpd="sng" algn="ctr">
+                      <a:noFill/>
+                      <a:prstDash val="solid"/>
+                      <a:round/>
+                      <a:headEnd type="none" w="med" len="med"/>
+                      <a:tailEnd type="none" w="med" len="med"/>
+                    </a:lnB>
+                    <a:lnTlToBr w="12700" cmpd="sng">
+                      <a:noFill/>
+                      <a:prstDash val="solid"/>
+                    </a:lnTlToBr>
+                    <a:lnBlToTr w="12700" cmpd="sng">
+                      <a:noFill/>
+                      <a:prstDash val="solid"/>
+                    </a:lnBlToTr>
+                    <a:noFill/>
+                  </a:tcPr>
+                </a:tc>
+                <a:extLst>
+                  <a:ext uri="{0D108BD9-81ED-4DB2-BD59-A6C34878D82A}">
+                    <a16:rowId xmlns:a16="http://schemas.microsoft.com/office/drawing/2014/main" val="3662520672"/>
+                  </a:ext>
+                </a:extLst>
+              </a:tr>
+            </a:tbl>
+          </a:graphicData>
+        </a:graphic>
+      </p:graphicFrame>
+    </p:spTree>
+    <p:extLst>
+      <p:ext uri="{BB962C8B-B14F-4D97-AF65-F5344CB8AC3E}">
+        <p14:creationId xmlns:p14="http://schemas.microsoft.com/office/powerpoint/2010/main" val="103628067"/>
+      </p:ext>
+    </p:extLst>
+  </p:cSld>
+  <p:clrMapOvr>
+    <a:masterClrMapping/>
+  </p:clrMapOvr>
+</p:sld>
+</file>
+
+<file path=ppt/slides/slide49.xml><?xml version="1.0" encoding="utf-8"?>
+<p:sld xmlns:a="http://schemas.openxmlformats.org/drawingml/2006/main" xmlns:r="http://schemas.openxmlformats.org/officeDocument/2006/relationships" xmlns:p="http://schemas.openxmlformats.org/presentationml/2006/main">
+  <p:cSld>
+    <p:spTree>
+      <p:nvGrpSpPr>
+        <p:cNvPr id="1" name="">
+          <a:extLst>
+            <a:ext uri="{FF2B5EF4-FFF2-40B4-BE49-F238E27FC236}">
+              <a16:creationId xmlns:a16="http://schemas.microsoft.com/office/drawing/2014/main" id="{7DBADB5A-D83F-D4BD-98D1-962D822B326E}"/>
+            </a:ext>
+          </a:extLst>
+        </p:cNvPr>
+        <p:cNvGrpSpPr/>
+        <p:nvPr/>
+      </p:nvGrpSpPr>
+      <p:grpSpPr>
+        <a:xfrm>
+          <a:off x="0" y="0"/>
+          <a:ext cx="0" cy="0"/>
+          <a:chOff x="0" y="0"/>
+          <a:chExt cx="0" cy="0"/>
+        </a:xfrm>
+      </p:grpSpPr>
+      <p:sp>
+        <p:nvSpPr>
+          <p:cNvPr id="7" name="제목 1">
+            <a:extLst>
+              <a:ext uri="{FF2B5EF4-FFF2-40B4-BE49-F238E27FC236}">
+                <a16:creationId xmlns:a16="http://schemas.microsoft.com/office/drawing/2014/main" id="{B3AB2618-24E3-BBFC-5CBD-5738A44A8021}"/>
+              </a:ext>
+            </a:extLst>
+          </p:cNvPr>
+          <p:cNvSpPr txBox="1">
+            <a:spLocks/>
+          </p:cNvSpPr>
+          <p:nvPr/>
+        </p:nvSpPr>
+        <p:spPr>
+          <a:xfrm>
+            <a:off x="695325" y="292100"/>
+            <a:ext cx="10801350" cy="861695"/>
+          </a:xfrm>
+          <a:prstGeom prst="rect">
+            <a:avLst/>
+          </a:prstGeom>
+        </p:spPr>
+        <p:txBody>
+          <a:bodyPr vert="horz" lIns="91440" tIns="45720" rIns="91440" bIns="45720" rtlCol="0" anchor="ctr">
+            <a:normAutofit/>
+          </a:bodyPr>
+          <a:lstStyle>
+            <a:lvl1pPr algn="l" defTabSz="914400" rtl="0" eaLnBrk="1" latinLnBrk="1" hangingPunct="1">
+              <a:lnSpc>
+                <a:spcPct val="90000"/>
+              </a:lnSpc>
+              <a:spcBef>
+                <a:spcPct val="0"/>
+              </a:spcBef>
+              <a:buNone/>
+              <a:defRPr sz="4400" kern="1200">
+                <a:solidFill>
+                  <a:schemeClr val="tx1"/>
+                </a:solidFill>
+                <a:latin typeface="+mj-lt"/>
+                <a:ea typeface="+mj-ea"/>
+                <a:cs typeface="+mj-cs"/>
+              </a:defRPr>
+            </a:lvl1pPr>
+          </a:lstStyle>
+          <a:p>
+            <a:r>
+              <a:rPr lang="ko-KR" altLang="en-US" dirty="0"/>
+              <a:t>액션 </a:t>
+            </a:r>
+            <a:r>
+              <a:rPr lang="en-US" altLang="ko-KR" dirty="0"/>
+              <a:t>&amp; </a:t>
+            </a:r>
+            <a:r>
+              <a:rPr lang="ko-KR" altLang="en-US" dirty="0"/>
+              <a:t>슈팅 </a:t>
+            </a:r>
+            <a:r>
+              <a:rPr lang="en-US" altLang="ko-KR" dirty="0"/>
+              <a:t>– 3. </a:t>
+            </a:r>
+            <a:r>
+              <a:rPr lang="ko-KR" altLang="en-US" dirty="0"/>
+              <a:t>변화 요소 차트</a:t>
+            </a:r>
+          </a:p>
+        </p:txBody>
+      </p:sp>
+    </p:spTree>
+    <p:extLst>
+      <p:ext uri="{BB962C8B-B14F-4D97-AF65-F5344CB8AC3E}">
+        <p14:creationId xmlns:p14="http://schemas.microsoft.com/office/powerpoint/2010/main" val="2642875085"/>
+      </p:ext>
+    </p:extLst>
+  </p:cSld>
+  <p:clrMapOvr>
+    <a:masterClrMapping/>
+  </p:clrMapOvr>
+</p:sld>
+</file>
+
 <file path=ppt/slides/slide5.xml><?xml version="1.0" encoding="utf-8"?>
 <p:sld xmlns:a="http://schemas.openxmlformats.org/drawingml/2006/main" xmlns:r="http://schemas.openxmlformats.org/officeDocument/2006/relationships" xmlns:p="http://schemas.openxmlformats.org/presentationml/2006/main">
   <p:cSld>
@@ -27561,6 +31071,648 @@
     <p:extLst>
       <p:ext uri="{BB962C8B-B14F-4D97-AF65-F5344CB8AC3E}">
         <p14:creationId xmlns:p14="http://schemas.microsoft.com/office/powerpoint/2010/main" val="1090810644"/>
+      </p:ext>
+    </p:extLst>
+  </p:cSld>
+  <p:clrMapOvr>
+    <a:masterClrMapping/>
+  </p:clrMapOvr>
+</p:sld>
+</file>
+
+<file path=ppt/slides/slide50.xml><?xml version="1.0" encoding="utf-8"?>
+<p:sld xmlns:a="http://schemas.openxmlformats.org/drawingml/2006/main" xmlns:r="http://schemas.openxmlformats.org/officeDocument/2006/relationships" xmlns:p="http://schemas.openxmlformats.org/presentationml/2006/main">
+  <p:cSld>
+    <p:spTree>
+      <p:nvGrpSpPr>
+        <p:cNvPr id="1" name="">
+          <a:extLst>
+            <a:ext uri="{FF2B5EF4-FFF2-40B4-BE49-F238E27FC236}">
+              <a16:creationId xmlns:a16="http://schemas.microsoft.com/office/drawing/2014/main" id="{0179CEA0-7671-6602-C58D-55B482E19B92}"/>
+            </a:ext>
+          </a:extLst>
+        </p:cNvPr>
+        <p:cNvGrpSpPr/>
+        <p:nvPr/>
+      </p:nvGrpSpPr>
+      <p:grpSpPr>
+        <a:xfrm>
+          <a:off x="0" y="0"/>
+          <a:ext cx="0" cy="0"/>
+          <a:chOff x="0" y="0"/>
+          <a:chExt cx="0" cy="0"/>
+        </a:xfrm>
+      </p:grpSpPr>
+      <p:sp>
+        <p:nvSpPr>
+          <p:cNvPr id="7" name="제목 1">
+            <a:extLst>
+              <a:ext uri="{FF2B5EF4-FFF2-40B4-BE49-F238E27FC236}">
+                <a16:creationId xmlns:a16="http://schemas.microsoft.com/office/drawing/2014/main" id="{94ED0CEF-75BD-C166-74A5-F9968860FA69}"/>
+              </a:ext>
+            </a:extLst>
+          </p:cNvPr>
+          <p:cNvSpPr txBox="1">
+            <a:spLocks/>
+          </p:cNvSpPr>
+          <p:nvPr/>
+        </p:nvSpPr>
+        <p:spPr>
+          <a:xfrm>
+            <a:off x="695325" y="292100"/>
+            <a:ext cx="10801350" cy="861695"/>
+          </a:xfrm>
+          <a:prstGeom prst="rect">
+            <a:avLst/>
+          </a:prstGeom>
+        </p:spPr>
+        <p:txBody>
+          <a:bodyPr vert="horz" lIns="91440" tIns="45720" rIns="91440" bIns="45720" rtlCol="0" anchor="ctr">
+            <a:normAutofit/>
+          </a:bodyPr>
+          <a:lstStyle>
+            <a:lvl1pPr algn="l" defTabSz="914400" rtl="0" eaLnBrk="1" latinLnBrk="1" hangingPunct="1">
+              <a:lnSpc>
+                <a:spcPct val="90000"/>
+              </a:lnSpc>
+              <a:spcBef>
+                <a:spcPct val="0"/>
+              </a:spcBef>
+              <a:buNone/>
+              <a:defRPr sz="4400" kern="1200">
+                <a:solidFill>
+                  <a:schemeClr val="tx1"/>
+                </a:solidFill>
+                <a:latin typeface="+mj-lt"/>
+                <a:ea typeface="+mj-ea"/>
+                <a:cs typeface="+mj-cs"/>
+              </a:defRPr>
+            </a:lvl1pPr>
+          </a:lstStyle>
+          <a:p>
+            <a:r>
+              <a:rPr lang="ko-KR" altLang="en-US" dirty="0"/>
+              <a:t>액션 </a:t>
+            </a:r>
+            <a:r>
+              <a:rPr lang="en-US" altLang="ko-KR" dirty="0"/>
+              <a:t>&amp; </a:t>
+            </a:r>
+            <a:r>
+              <a:rPr lang="ko-KR" altLang="en-US" dirty="0"/>
+              <a:t>슈팅 </a:t>
+            </a:r>
+            <a:r>
+              <a:rPr lang="en-US" altLang="ko-KR" dirty="0"/>
+              <a:t>– 4. </a:t>
+            </a:r>
+            <a:r>
+              <a:rPr lang="ko-KR" altLang="en-US" dirty="0"/>
+              <a:t>기타 요소</a:t>
+            </a:r>
+          </a:p>
+        </p:txBody>
+      </p:sp>
+      <p:graphicFrame>
+        <p:nvGraphicFramePr>
+          <p:cNvPr id="2" name="표 1">
+            <a:extLst>
+              <a:ext uri="{FF2B5EF4-FFF2-40B4-BE49-F238E27FC236}">
+                <a16:creationId xmlns:a16="http://schemas.microsoft.com/office/drawing/2014/main" id="{9DF8C4F3-6418-FC83-1EC1-1698BF13BE31}"/>
+              </a:ext>
+            </a:extLst>
+          </p:cNvPr>
+          <p:cNvGraphicFramePr>
+            <a:graphicFrameLocks noGrp="1"/>
+          </p:cNvGraphicFramePr>
+          <p:nvPr>
+            <p:extLst>
+              <p:ext uri="{D42A27DB-BD31-4B8C-83A1-F6EECF244321}">
+                <p14:modId xmlns:p14="http://schemas.microsoft.com/office/powerpoint/2010/main" val="2587255043"/>
+              </p:ext>
+            </p:extLst>
+          </p:nvPr>
+        </p:nvGraphicFramePr>
+        <p:xfrm>
+          <a:off x="3041491" y="2240280"/>
+          <a:ext cx="6109018" cy="2377440"/>
+        </p:xfrm>
+        <a:graphic>
+          <a:graphicData uri="http://schemas.openxmlformats.org/drawingml/2006/table">
+            <a:tbl>
+              <a:tblPr firstRow="1" bandRow="1">
+                <a:tableStyleId>{5C22544A-7EE6-4342-B048-85BDC9FD1C3A}</a:tableStyleId>
+              </a:tblPr>
+              <a:tblGrid>
+                <a:gridCol w="6109018">
+                  <a:extLst>
+                    <a:ext uri="{9D8B030D-6E8A-4147-A177-3AD203B41FA5}">
+                      <a16:colId xmlns:a16="http://schemas.microsoft.com/office/drawing/2014/main" val="3852552135"/>
+                    </a:ext>
+                  </a:extLst>
+                </a:gridCol>
+              </a:tblGrid>
+              <a:tr h="0">
+                <a:tc>
+                  <a:txBody>
+                    <a:bodyPr/>
+                    <a:lstStyle/>
+                    <a:p>
+                      <a:pPr algn="l" latinLnBrk="1"/>
+                      <a:r>
+                        <a:rPr lang="ko-KR" altLang="en-US" sz="1400" b="0" dirty="0">
+                          <a:solidFill>
+                            <a:schemeClr val="tx1"/>
+                          </a:solidFill>
+                        </a:rPr>
+                        <a:t>기타 요소</a:t>
+                      </a:r>
+                    </a:p>
+                  </a:txBody>
+                  <a:tcPr>
+                    <a:lnL w="12700" cmpd="sng">
+                      <a:noFill/>
+                    </a:lnL>
+                    <a:lnR w="12700" cmpd="sng">
+                      <a:noFill/>
+                    </a:lnR>
+                    <a:lnT w="12700" cmpd="sng">
+                      <a:noFill/>
+                    </a:lnT>
+                    <a:lnB w="12700" cap="flat" cmpd="sng" algn="ctr">
+                      <a:solidFill>
+                        <a:schemeClr val="tx1"/>
+                      </a:solidFill>
+                      <a:prstDash val="solid"/>
+                      <a:round/>
+                      <a:headEnd type="none" w="med" len="med"/>
+                      <a:tailEnd type="none" w="med" len="med"/>
+                    </a:lnB>
+                    <a:lnTlToBr w="12700" cmpd="sng">
+                      <a:noFill/>
+                      <a:prstDash val="solid"/>
+                    </a:lnTlToBr>
+                    <a:lnBlToTr w="12700" cmpd="sng">
+                      <a:noFill/>
+                      <a:prstDash val="solid"/>
+                    </a:lnBlToTr>
+                    <a:solidFill>
+                      <a:schemeClr val="bg1">
+                        <a:lumMod val="95000"/>
+                      </a:schemeClr>
+                    </a:solidFill>
+                  </a:tcPr>
+                </a:tc>
+                <a:extLst>
+                  <a:ext uri="{0D108BD9-81ED-4DB2-BD59-A6C34878D82A}">
+                    <a16:rowId xmlns:a16="http://schemas.microsoft.com/office/drawing/2014/main" val="4129766453"/>
+                  </a:ext>
+                </a:extLst>
+              </a:tr>
+              <a:tr h="0">
+                <a:tc>
+                  <a:txBody>
+                    <a:bodyPr/>
+                    <a:lstStyle/>
+                    <a:p>
+                      <a:pPr algn="l" latinLnBrk="1"/>
+                      <a:r>
+                        <a:rPr lang="ko-KR" altLang="en-US" sz="1400" b="0" dirty="0">
+                          <a:solidFill>
+                            <a:schemeClr val="tx1"/>
+                          </a:solidFill>
+                        </a:rPr>
+                        <a:t>일부 스킬에 적용되는 요소들에 대한 처리 단계이다</a:t>
+                      </a:r>
+                      <a:r>
+                        <a:rPr lang="en-US" altLang="ko-KR" sz="1400" b="0" dirty="0">
+                          <a:solidFill>
+                            <a:schemeClr val="tx1"/>
+                          </a:solidFill>
+                        </a:rPr>
+                        <a:t>.</a:t>
+                      </a:r>
+                    </a:p>
+                  </a:txBody>
+                  <a:tcPr>
+                    <a:lnL w="12700" cmpd="sng">
+                      <a:noFill/>
+                    </a:lnL>
+                    <a:lnR w="12700" cmpd="sng">
+                      <a:noFill/>
+                    </a:lnR>
+                    <a:lnT w="12700" cap="flat" cmpd="sng" algn="ctr">
+                      <a:solidFill>
+                        <a:schemeClr val="tx1"/>
+                      </a:solidFill>
+                      <a:prstDash val="solid"/>
+                      <a:round/>
+                      <a:headEnd type="none" w="med" len="med"/>
+                      <a:tailEnd type="none" w="med" len="med"/>
+                    </a:lnT>
+                    <a:lnB w="12700" cap="flat" cmpd="sng" algn="ctr">
+                      <a:noFill/>
+                      <a:prstDash val="solid"/>
+                      <a:round/>
+                      <a:headEnd type="none" w="med" len="med"/>
+                      <a:tailEnd type="none" w="med" len="med"/>
+                    </a:lnB>
+                    <a:lnTlToBr w="12700" cmpd="sng">
+                      <a:noFill/>
+                      <a:prstDash val="solid"/>
+                    </a:lnTlToBr>
+                    <a:lnBlToTr w="12700" cmpd="sng">
+                      <a:noFill/>
+                      <a:prstDash val="solid"/>
+                    </a:lnBlToTr>
+                    <a:noFill/>
+                  </a:tcPr>
+                </a:tc>
+                <a:extLst>
+                  <a:ext uri="{0D108BD9-81ED-4DB2-BD59-A6C34878D82A}">
+                    <a16:rowId xmlns:a16="http://schemas.microsoft.com/office/drawing/2014/main" val="3386730004"/>
+                  </a:ext>
+                </a:extLst>
+              </a:tr>
+              <a:tr h="0">
+                <a:tc>
+                  <a:txBody>
+                    <a:bodyPr/>
+                    <a:lstStyle/>
+                    <a:p>
+                      <a:pPr algn="l" latinLnBrk="1"/>
+                      <a:endParaRPr lang="en-US" altLang="ko-KR" sz="1400" b="0" dirty="0">
+                        <a:solidFill>
+                          <a:schemeClr val="tx1"/>
+                        </a:solidFill>
+                      </a:endParaRPr>
+                    </a:p>
+                  </a:txBody>
+                  <a:tcPr>
+                    <a:lnL w="12700" cmpd="sng">
+                      <a:noFill/>
+                    </a:lnL>
+                    <a:lnR w="12700" cmpd="sng">
+                      <a:noFill/>
+                    </a:lnR>
+                    <a:lnT w="12700" cap="flat" cmpd="sng" algn="ctr">
+                      <a:noFill/>
+                      <a:prstDash val="solid"/>
+                      <a:round/>
+                      <a:headEnd type="none" w="med" len="med"/>
+                      <a:tailEnd type="none" w="med" len="med"/>
+                    </a:lnT>
+                    <a:lnB w="12700" cap="flat" cmpd="sng" algn="ctr">
+                      <a:noFill/>
+                      <a:prstDash val="solid"/>
+                      <a:round/>
+                      <a:headEnd type="none" w="med" len="med"/>
+                      <a:tailEnd type="none" w="med" len="med"/>
+                    </a:lnB>
+                    <a:lnTlToBr w="12700" cmpd="sng">
+                      <a:noFill/>
+                      <a:prstDash val="solid"/>
+                    </a:lnTlToBr>
+                    <a:lnBlToTr w="12700" cmpd="sng">
+                      <a:noFill/>
+                      <a:prstDash val="solid"/>
+                    </a:lnBlToTr>
+                    <a:noFill/>
+                  </a:tcPr>
+                </a:tc>
+                <a:extLst>
+                  <a:ext uri="{0D108BD9-81ED-4DB2-BD59-A6C34878D82A}">
+                    <a16:rowId xmlns:a16="http://schemas.microsoft.com/office/drawing/2014/main" val="1470410232"/>
+                  </a:ext>
+                </a:extLst>
+              </a:tr>
+              <a:tr h="0">
+                <a:tc>
+                  <a:txBody>
+                    <a:bodyPr/>
+                    <a:lstStyle/>
+                    <a:p>
+                      <a:pPr algn="l" latinLnBrk="1"/>
+                      <a:r>
+                        <a:rPr lang="ko-KR" altLang="en-US" sz="1400" b="0" dirty="0">
+                          <a:solidFill>
+                            <a:schemeClr val="tx1"/>
+                          </a:solidFill>
+                        </a:rPr>
+                        <a:t>기타 요소 종류</a:t>
+                      </a:r>
+                      <a:endParaRPr lang="en-US" altLang="ko-KR" sz="1400" b="0" dirty="0">
+                        <a:solidFill>
+                          <a:schemeClr val="tx1"/>
+                        </a:solidFill>
+                      </a:endParaRPr>
+                    </a:p>
+                  </a:txBody>
+                  <a:tcPr>
+                    <a:lnL w="12700" cmpd="sng">
+                      <a:noFill/>
+                    </a:lnL>
+                    <a:lnR w="12700" cmpd="sng">
+                      <a:noFill/>
+                    </a:lnR>
+                    <a:lnT w="12700" cap="flat" cmpd="sng" algn="ctr">
+                      <a:noFill/>
+                      <a:prstDash val="solid"/>
+                      <a:round/>
+                      <a:headEnd type="none" w="med" len="med"/>
+                      <a:tailEnd type="none" w="med" len="med"/>
+                    </a:lnT>
+                    <a:lnB w="12700" cap="flat" cmpd="sng" algn="ctr">
+                      <a:solidFill>
+                        <a:schemeClr val="tx1"/>
+                      </a:solidFill>
+                      <a:prstDash val="solid"/>
+                      <a:round/>
+                      <a:headEnd type="none" w="med" len="med"/>
+                      <a:tailEnd type="none" w="med" len="med"/>
+                    </a:lnB>
+                    <a:lnTlToBr w="12700" cmpd="sng">
+                      <a:noFill/>
+                      <a:prstDash val="solid"/>
+                    </a:lnTlToBr>
+                    <a:lnBlToTr w="12700" cmpd="sng">
+                      <a:noFill/>
+                      <a:prstDash val="solid"/>
+                    </a:lnBlToTr>
+                    <a:solidFill>
+                      <a:schemeClr val="bg1">
+                        <a:lumMod val="95000"/>
+                      </a:schemeClr>
+                    </a:solidFill>
+                  </a:tcPr>
+                </a:tc>
+                <a:extLst>
+                  <a:ext uri="{0D108BD9-81ED-4DB2-BD59-A6C34878D82A}">
+                    <a16:rowId xmlns:a16="http://schemas.microsoft.com/office/drawing/2014/main" val="4103515606"/>
+                  </a:ext>
+                </a:extLst>
+              </a:tr>
+              <a:tr h="246289">
+                <a:tc>
+                  <a:txBody>
+                    <a:bodyPr/>
+                    <a:lstStyle/>
+                    <a:p>
+                      <a:pPr marL="742950" lvl="1" indent="-285750" algn="l" latinLnBrk="1">
+                        <a:buFont typeface="Wingdings" panose="05000000000000000000" pitchFamily="2" charset="2"/>
+                        <a:buChar char="u"/>
+                      </a:pPr>
+                      <a:r>
+                        <a:rPr lang="ko-KR" altLang="en-US" sz="1400" b="0" dirty="0">
+                          <a:solidFill>
+                            <a:schemeClr val="tx1"/>
+                          </a:solidFill>
+                        </a:rPr>
+                        <a:t>시전 방식</a:t>
+                      </a:r>
+                      <a:endParaRPr lang="en-US" altLang="ko-KR" sz="1400" b="0" dirty="0">
+                        <a:solidFill>
+                          <a:schemeClr val="tx1"/>
+                        </a:solidFill>
+                      </a:endParaRPr>
+                    </a:p>
+                    <a:p>
+                      <a:pPr marL="1200150" lvl="2" indent="-285750" algn="l" latinLnBrk="1">
+                        <a:buFont typeface="Wingdings" panose="05000000000000000000" pitchFamily="2" charset="2"/>
+                        <a:buChar char="§"/>
+                      </a:pPr>
+                      <a:r>
+                        <a:rPr lang="ko-KR" altLang="en-US" sz="1400" b="0" dirty="0">
+                          <a:solidFill>
+                            <a:schemeClr val="tx1"/>
+                          </a:solidFill>
+                        </a:rPr>
+                        <a:t>충전</a:t>
+                      </a:r>
+                      <a:endParaRPr lang="en-US" altLang="ko-KR" sz="1400" b="0" dirty="0">
+                        <a:solidFill>
+                          <a:schemeClr val="tx1"/>
+                        </a:solidFill>
+                      </a:endParaRPr>
+                    </a:p>
+                    <a:p>
+                      <a:pPr marL="1657350" lvl="3" indent="-285750" algn="l" latinLnBrk="1">
+                        <a:buFont typeface="Arial" panose="020B0604020202020204" pitchFamily="34" charset="0"/>
+                        <a:buChar char="•"/>
+                      </a:pPr>
+                      <a:r>
+                        <a:rPr lang="ko-KR" altLang="en-US" sz="1400" b="0" dirty="0">
+                          <a:solidFill>
+                            <a:schemeClr val="tx1"/>
+                          </a:solidFill>
+                        </a:rPr>
+                        <a:t>스킬을 충전한 시간에 비례하여 효과가 상승한다</a:t>
+                      </a:r>
+                      <a:r>
+                        <a:rPr lang="en-US" altLang="ko-KR" sz="1400" b="0" dirty="0">
+                          <a:solidFill>
+                            <a:schemeClr val="tx1"/>
+                          </a:solidFill>
+                        </a:rPr>
+                        <a:t>.</a:t>
+                      </a:r>
+                    </a:p>
+                    <a:p>
+                      <a:pPr marL="1200150" lvl="2" indent="-285750" algn="l" latinLnBrk="1">
+                        <a:buFont typeface="Wingdings" panose="05000000000000000000" pitchFamily="2" charset="2"/>
+                        <a:buChar char="§"/>
+                      </a:pPr>
+                      <a:r>
+                        <a:rPr lang="ko-KR" altLang="en-US" sz="1400" b="0" dirty="0">
+                          <a:solidFill>
+                            <a:schemeClr val="tx1"/>
+                          </a:solidFill>
+                        </a:rPr>
+                        <a:t>캐스팅</a:t>
+                      </a:r>
+                      <a:endParaRPr lang="en-US" altLang="ko-KR" sz="1400" b="0" dirty="0">
+                        <a:solidFill>
+                          <a:schemeClr val="tx1"/>
+                        </a:solidFill>
+                      </a:endParaRPr>
+                    </a:p>
+                    <a:p>
+                      <a:pPr marL="1657350" lvl="3" indent="-285750" algn="l" latinLnBrk="1">
+                        <a:buFont typeface="Arial" panose="020B0604020202020204" pitchFamily="34" charset="0"/>
+                        <a:buChar char="•"/>
+                      </a:pPr>
+                      <a:r>
+                        <a:rPr lang="ko-KR" altLang="en-US" sz="1400" b="0" dirty="0">
+                          <a:solidFill>
+                            <a:schemeClr val="tx1"/>
+                          </a:solidFill>
+                        </a:rPr>
+                        <a:t>시전 시간에 공격을 받을 경우 스킬 사용이 실패한다</a:t>
+                      </a:r>
+                      <a:r>
+                        <a:rPr lang="en-US" altLang="ko-KR" sz="1400" b="0" dirty="0">
+                          <a:solidFill>
+                            <a:schemeClr val="tx1"/>
+                          </a:solidFill>
+                        </a:rPr>
+                        <a:t>.</a:t>
+                      </a:r>
+                    </a:p>
+                  </a:txBody>
+                  <a:tcPr>
+                    <a:lnL w="12700" cmpd="sng">
+                      <a:noFill/>
+                    </a:lnL>
+                    <a:lnR w="12700" cmpd="sng">
+                      <a:noFill/>
+                    </a:lnR>
+                    <a:lnT w="12700" cap="flat" cmpd="sng" algn="ctr">
+                      <a:solidFill>
+                        <a:schemeClr val="tx1"/>
+                      </a:solidFill>
+                      <a:prstDash val="solid"/>
+                      <a:round/>
+                      <a:headEnd type="none" w="med" len="med"/>
+                      <a:tailEnd type="none" w="med" len="med"/>
+                    </a:lnT>
+                    <a:lnB w="12700" cap="flat" cmpd="sng" algn="ctr">
+                      <a:noFill/>
+                      <a:prstDash val="solid"/>
+                      <a:round/>
+                      <a:headEnd type="none" w="med" len="med"/>
+                      <a:tailEnd type="none" w="med" len="med"/>
+                    </a:lnB>
+                    <a:lnTlToBr w="12700" cmpd="sng">
+                      <a:noFill/>
+                      <a:prstDash val="solid"/>
+                    </a:lnTlToBr>
+                    <a:lnBlToTr w="12700" cmpd="sng">
+                      <a:noFill/>
+                      <a:prstDash val="solid"/>
+                    </a:lnBlToTr>
+                    <a:noFill/>
+                  </a:tcPr>
+                </a:tc>
+                <a:extLst>
+                  <a:ext uri="{0D108BD9-81ED-4DB2-BD59-A6C34878D82A}">
+                    <a16:rowId xmlns:a16="http://schemas.microsoft.com/office/drawing/2014/main" val="1458965696"/>
+                  </a:ext>
+                </a:extLst>
+              </a:tr>
+            </a:tbl>
+          </a:graphicData>
+        </a:graphic>
+      </p:graphicFrame>
+    </p:spTree>
+    <p:extLst>
+      <p:ext uri="{BB962C8B-B14F-4D97-AF65-F5344CB8AC3E}">
+        <p14:creationId xmlns:p14="http://schemas.microsoft.com/office/powerpoint/2010/main" val="3826503333"/>
+      </p:ext>
+    </p:extLst>
+  </p:cSld>
+  <p:clrMapOvr>
+    <a:masterClrMapping/>
+  </p:clrMapOvr>
+</p:sld>
+</file>
+
+<file path=ppt/slides/slide51.xml><?xml version="1.0" encoding="utf-8"?>
+<p:sld xmlns:a="http://schemas.openxmlformats.org/drawingml/2006/main" xmlns:r="http://schemas.openxmlformats.org/officeDocument/2006/relationships" xmlns:p="http://schemas.openxmlformats.org/presentationml/2006/main">
+  <p:cSld>
+    <p:spTree>
+      <p:nvGrpSpPr>
+        <p:cNvPr id="1" name="">
+          <a:extLst>
+            <a:ext uri="{FF2B5EF4-FFF2-40B4-BE49-F238E27FC236}">
+              <a16:creationId xmlns:a16="http://schemas.microsoft.com/office/drawing/2014/main" id="{9833352C-07C7-BE37-1A5A-AE8A761D40DA}"/>
+            </a:ext>
+          </a:extLst>
+        </p:cNvPr>
+        <p:cNvGrpSpPr/>
+        <p:nvPr/>
+      </p:nvGrpSpPr>
+      <p:grpSpPr>
+        <a:xfrm>
+          <a:off x="0" y="0"/>
+          <a:ext cx="0" cy="0"/>
+          <a:chOff x="0" y="0"/>
+          <a:chExt cx="0" cy="0"/>
+        </a:xfrm>
+      </p:grpSpPr>
+      <p:sp>
+        <p:nvSpPr>
+          <p:cNvPr id="7" name="제목 1">
+            <a:extLst>
+              <a:ext uri="{FF2B5EF4-FFF2-40B4-BE49-F238E27FC236}">
+                <a16:creationId xmlns:a16="http://schemas.microsoft.com/office/drawing/2014/main" id="{AF8B8AEF-A3A4-D348-6096-69B1B6710F47}"/>
+              </a:ext>
+            </a:extLst>
+          </p:cNvPr>
+          <p:cNvSpPr txBox="1">
+            <a:spLocks/>
+          </p:cNvSpPr>
+          <p:nvPr/>
+        </p:nvSpPr>
+        <p:spPr>
+          <a:xfrm>
+            <a:off x="695325" y="292100"/>
+            <a:ext cx="10801350" cy="861695"/>
+          </a:xfrm>
+          <a:prstGeom prst="rect">
+            <a:avLst/>
+          </a:prstGeom>
+        </p:spPr>
+        <p:txBody>
+          <a:bodyPr vert="horz" lIns="91440" tIns="45720" rIns="91440" bIns="45720" rtlCol="0" anchor="ctr">
+            <a:normAutofit/>
+          </a:bodyPr>
+          <a:lstStyle>
+            <a:lvl1pPr algn="l" defTabSz="914400" rtl="0" eaLnBrk="1" latinLnBrk="1" hangingPunct="1">
+              <a:lnSpc>
+                <a:spcPct val="90000"/>
+              </a:lnSpc>
+              <a:spcBef>
+                <a:spcPct val="0"/>
+              </a:spcBef>
+              <a:buNone/>
+              <a:defRPr sz="4400" kern="1200">
+                <a:solidFill>
+                  <a:schemeClr val="tx1"/>
+                </a:solidFill>
+                <a:latin typeface="+mj-lt"/>
+                <a:ea typeface="+mj-ea"/>
+                <a:cs typeface="+mj-cs"/>
+              </a:defRPr>
+            </a:lvl1pPr>
+          </a:lstStyle>
+          <a:p>
+            <a:r>
+              <a:rPr lang="ko-KR" altLang="en-US" dirty="0"/>
+              <a:t>액션 </a:t>
+            </a:r>
+            <a:r>
+              <a:rPr lang="en-US" altLang="ko-KR" dirty="0"/>
+              <a:t>&amp; </a:t>
+            </a:r>
+            <a:r>
+              <a:rPr lang="ko-KR" altLang="en-US" dirty="0"/>
+              <a:t>슈팅 </a:t>
+            </a:r>
+            <a:r>
+              <a:rPr lang="en-US" altLang="ko-KR" dirty="0"/>
+              <a:t>– 4. </a:t>
+            </a:r>
+            <a:r>
+              <a:rPr lang="ko-KR" altLang="en-US" dirty="0"/>
+              <a:t>기타 요소 차트</a:t>
+            </a:r>
+          </a:p>
+        </p:txBody>
+      </p:sp>
+    </p:spTree>
+    <p:extLst>
+      <p:ext uri="{BB962C8B-B14F-4D97-AF65-F5344CB8AC3E}">
+        <p14:creationId xmlns:p14="http://schemas.microsoft.com/office/powerpoint/2010/main" val="2535093025"/>
       </p:ext>
     </p:extLst>
   </p:cSld>

--- a/기획/방랑엽사전/스킬 시스템 기획서.pptx
+++ b/기획/방랑엽사전/스킬 시스템 기획서.pptx
@@ -5,7 +5,7 @@
     <p:sldMasterId id="2147483715" r:id="rId1"/>
   </p:sldMasterIdLst>
   <p:notesMasterIdLst>
-    <p:notesMasterId r:id="rId53"/>
+    <p:notesMasterId r:id="rId54"/>
   </p:notesMasterIdLst>
   <p:sldIdLst>
     <p:sldId id="258" r:id="rId2"/>
@@ -53,12 +53,13 @@
     <p:sldId id="349" r:id="rId44"/>
     <p:sldId id="350" r:id="rId45"/>
     <p:sldId id="351" r:id="rId46"/>
-    <p:sldId id="354" r:id="rId47"/>
-    <p:sldId id="355" r:id="rId48"/>
-    <p:sldId id="352" r:id="rId49"/>
-    <p:sldId id="353" r:id="rId50"/>
-    <p:sldId id="356" r:id="rId51"/>
-    <p:sldId id="357" r:id="rId52"/>
+    <p:sldId id="358" r:id="rId47"/>
+    <p:sldId id="354" r:id="rId48"/>
+    <p:sldId id="355" r:id="rId49"/>
+    <p:sldId id="352" r:id="rId50"/>
+    <p:sldId id="353" r:id="rId51"/>
+    <p:sldId id="356" r:id="rId52"/>
+    <p:sldId id="357" r:id="rId53"/>
   </p:sldIdLst>
   <p:sldSz cx="12192000" cy="6858000"/>
   <p:notesSz cx="6858000" cy="9144000"/>
@@ -28348,9 +28349,50 @@
               <a:rPr lang="ko-KR" altLang="en-US" dirty="0"/>
               <a:t>시전 방식 차트</a:t>
             </a:r>
+            <a:r>
+              <a:rPr lang="en-US" altLang="ko-KR" dirty="0"/>
+              <a:t>1</a:t>
+            </a:r>
+            <a:endParaRPr lang="ko-KR" altLang="en-US" dirty="0"/>
           </a:p>
         </p:txBody>
       </p:sp>
+      <p:pic>
+        <p:nvPicPr>
+          <p:cNvPr id="4" name="그림 3">
+            <a:extLst>
+              <a:ext uri="{FF2B5EF4-FFF2-40B4-BE49-F238E27FC236}">
+                <a16:creationId xmlns:a16="http://schemas.microsoft.com/office/drawing/2014/main" id="{17DC39AE-DD41-44C9-A4ED-842353E07483}"/>
+              </a:ext>
+            </a:extLst>
+          </p:cNvPr>
+          <p:cNvPicPr>
+            <a:picLocks noChangeAspect="1"/>
+          </p:cNvPicPr>
+          <p:nvPr/>
+        </p:nvPicPr>
+        <p:blipFill>
+          <a:blip r:embed="rId2">
+            <a:extLst>
+              <a:ext uri="{28A0092B-C50C-407E-A947-70E740481C1C}">
+                <a14:useLocalDpi xmlns:a14="http://schemas.microsoft.com/office/drawing/2010/main" val="0"/>
+              </a:ext>
+            </a:extLst>
+          </a:blip>
+          <a:stretch>
+            <a:fillRect/>
+          </a:stretch>
+        </p:blipFill>
+        <p:spPr>
+          <a:xfrm>
+            <a:off x="1328737" y="1222375"/>
+            <a:ext cx="9534525" cy="5343525"/>
+          </a:xfrm>
+          <a:prstGeom prst="rect">
+            <a:avLst/>
+          </a:prstGeom>
+        </p:spPr>
+      </p:pic>
     </p:spTree>
     <p:extLst>
       <p:ext uri="{BB962C8B-B14F-4D97-AF65-F5344CB8AC3E}">
@@ -28365,6 +28407,153 @@
 </file>
 
 <file path=ppt/slides/slide46.xml><?xml version="1.0" encoding="utf-8"?>
+<p:sld xmlns:a="http://schemas.openxmlformats.org/drawingml/2006/main" xmlns:r="http://schemas.openxmlformats.org/officeDocument/2006/relationships" xmlns:p="http://schemas.openxmlformats.org/presentationml/2006/main">
+  <p:cSld>
+    <p:spTree>
+      <p:nvGrpSpPr>
+        <p:cNvPr id="1" name="">
+          <a:extLst>
+            <a:ext uri="{FF2B5EF4-FFF2-40B4-BE49-F238E27FC236}">
+              <a16:creationId xmlns:a16="http://schemas.microsoft.com/office/drawing/2014/main" id="{D9B489F1-1369-D05C-11F5-D2858117635A}"/>
+            </a:ext>
+          </a:extLst>
+        </p:cNvPr>
+        <p:cNvGrpSpPr/>
+        <p:nvPr/>
+      </p:nvGrpSpPr>
+      <p:grpSpPr>
+        <a:xfrm>
+          <a:off x="0" y="0"/>
+          <a:ext cx="0" cy="0"/>
+          <a:chOff x="0" y="0"/>
+          <a:chExt cx="0" cy="0"/>
+        </a:xfrm>
+      </p:grpSpPr>
+      <p:sp>
+        <p:nvSpPr>
+          <p:cNvPr id="7" name="제목 1">
+            <a:extLst>
+              <a:ext uri="{FF2B5EF4-FFF2-40B4-BE49-F238E27FC236}">
+                <a16:creationId xmlns:a16="http://schemas.microsoft.com/office/drawing/2014/main" id="{4A17963E-6CCC-7B56-8B35-6EC12F5E1621}"/>
+              </a:ext>
+            </a:extLst>
+          </p:cNvPr>
+          <p:cNvSpPr txBox="1">
+            <a:spLocks/>
+          </p:cNvSpPr>
+          <p:nvPr/>
+        </p:nvSpPr>
+        <p:spPr>
+          <a:xfrm>
+            <a:off x="695325" y="292100"/>
+            <a:ext cx="10801350" cy="861695"/>
+          </a:xfrm>
+          <a:prstGeom prst="rect">
+            <a:avLst/>
+          </a:prstGeom>
+        </p:spPr>
+        <p:txBody>
+          <a:bodyPr vert="horz" lIns="91440" tIns="45720" rIns="91440" bIns="45720" rtlCol="0" anchor="ctr">
+            <a:normAutofit/>
+          </a:bodyPr>
+          <a:lstStyle>
+            <a:lvl1pPr algn="l" defTabSz="914400" rtl="0" eaLnBrk="1" latinLnBrk="1" hangingPunct="1">
+              <a:lnSpc>
+                <a:spcPct val="90000"/>
+              </a:lnSpc>
+              <a:spcBef>
+                <a:spcPct val="0"/>
+              </a:spcBef>
+              <a:buNone/>
+              <a:defRPr sz="4400" kern="1200">
+                <a:solidFill>
+                  <a:schemeClr val="tx1"/>
+                </a:solidFill>
+                <a:latin typeface="+mj-lt"/>
+                <a:ea typeface="+mj-ea"/>
+                <a:cs typeface="+mj-cs"/>
+              </a:defRPr>
+            </a:lvl1pPr>
+          </a:lstStyle>
+          <a:p>
+            <a:r>
+              <a:rPr lang="ko-KR" altLang="en-US" dirty="0"/>
+              <a:t>액션 </a:t>
+            </a:r>
+            <a:r>
+              <a:rPr lang="en-US" altLang="ko-KR" dirty="0"/>
+              <a:t>&amp; </a:t>
+            </a:r>
+            <a:r>
+              <a:rPr lang="ko-KR" altLang="en-US" dirty="0"/>
+              <a:t>슈팅 </a:t>
+            </a:r>
+            <a:r>
+              <a:rPr lang="en-US" altLang="ko-KR" dirty="0"/>
+              <a:t>– 1. </a:t>
+            </a:r>
+            <a:r>
+              <a:rPr lang="ko-KR" altLang="en-US" dirty="0"/>
+              <a:t>시전 방식 차트</a:t>
+            </a:r>
+            <a:r>
+              <a:rPr lang="en-US" altLang="ko-KR" dirty="0"/>
+              <a:t>2</a:t>
+            </a:r>
+            <a:endParaRPr lang="ko-KR" altLang="en-US" dirty="0"/>
+          </a:p>
+        </p:txBody>
+      </p:sp>
+      <p:pic>
+        <p:nvPicPr>
+          <p:cNvPr id="4" name="그림 3">
+            <a:extLst>
+              <a:ext uri="{FF2B5EF4-FFF2-40B4-BE49-F238E27FC236}">
+                <a16:creationId xmlns:a16="http://schemas.microsoft.com/office/drawing/2014/main" id="{EB1058DE-450A-48D2-9744-6FA0A1E9BFB0}"/>
+              </a:ext>
+            </a:extLst>
+          </p:cNvPr>
+          <p:cNvPicPr>
+            <a:picLocks noChangeAspect="1"/>
+          </p:cNvPicPr>
+          <p:nvPr/>
+        </p:nvPicPr>
+        <p:blipFill>
+          <a:blip r:embed="rId2">
+            <a:extLst>
+              <a:ext uri="{28A0092B-C50C-407E-A947-70E740481C1C}">
+                <a14:useLocalDpi xmlns:a14="http://schemas.microsoft.com/office/drawing/2010/main" val="0"/>
+              </a:ext>
+            </a:extLst>
+          </a:blip>
+          <a:stretch>
+            <a:fillRect/>
+          </a:stretch>
+        </p:blipFill>
+        <p:spPr>
+          <a:xfrm>
+            <a:off x="1484984" y="1158875"/>
+            <a:ext cx="9222032" cy="5536904"/>
+          </a:xfrm>
+          <a:prstGeom prst="rect">
+            <a:avLst/>
+          </a:prstGeom>
+        </p:spPr>
+      </p:pic>
+    </p:spTree>
+    <p:extLst>
+      <p:ext uri="{BB962C8B-B14F-4D97-AF65-F5344CB8AC3E}">
+        <p14:creationId xmlns:p14="http://schemas.microsoft.com/office/powerpoint/2010/main" val="4063779872"/>
+      </p:ext>
+    </p:extLst>
+  </p:cSld>
+  <p:clrMapOvr>
+    <a:masterClrMapping/>
+  </p:clrMapOvr>
+</p:sld>
+</file>
+
+<file path=ppt/slides/slide47.xml><?xml version="1.0" encoding="utf-8"?>
 <p:sld xmlns:a="http://schemas.openxmlformats.org/drawingml/2006/main" xmlns:r="http://schemas.openxmlformats.org/officeDocument/2006/relationships" xmlns:p="http://schemas.openxmlformats.org/presentationml/2006/main">
   <p:cSld>
     <p:spTree>
@@ -28472,7 +28661,7 @@
           <p:nvPr>
             <p:extLst>
               <p:ext uri="{D42A27DB-BD31-4B8C-83A1-F6EECF244321}">
-                <p14:modId xmlns:p14="http://schemas.microsoft.com/office/powerpoint/2010/main" val="2159620055"/>
+                <p14:modId xmlns:p14="http://schemas.microsoft.com/office/powerpoint/2010/main" val="3709909285"/>
               </p:ext>
             </p:extLst>
           </p:nvPr>
@@ -28900,7 +29089,7 @@
                     <a:p>
                       <a:pPr marL="1200150" lvl="2" indent="-285750" algn="l" latinLnBrk="1">
                         <a:buFont typeface="Wingdings" panose="05000000000000000000" pitchFamily="2" charset="2"/>
-                        <a:buChar char="u"/>
+                        <a:buChar char="§"/>
                       </a:pPr>
                       <a:r>
                         <a:rPr lang="ko-KR" altLang="en-US" sz="1400" b="0" dirty="0">
@@ -28998,7 +29187,7 @@
                     <a:p>
                       <a:pPr marL="1200150" lvl="2" indent="-285750" algn="l" latinLnBrk="1">
                         <a:buFont typeface="Wingdings" panose="05000000000000000000" pitchFamily="2" charset="2"/>
-                        <a:buChar char="u"/>
+                        <a:buChar char="§"/>
                       </a:pPr>
                       <a:r>
                         <a:rPr lang="ko-KR" altLang="en-US" sz="1400" b="0" dirty="0">
@@ -29073,7 +29262,7 @@
 </p:sld>
 </file>
 
-<file path=ppt/slides/slide47.xml><?xml version="1.0" encoding="utf-8"?>
+<file path=ppt/slides/slide48.xml><?xml version="1.0" encoding="utf-8"?>
 <p:sld xmlns:a="http://schemas.openxmlformats.org/drawingml/2006/main" xmlns:r="http://schemas.openxmlformats.org/officeDocument/2006/relationships" xmlns:p="http://schemas.openxmlformats.org/presentationml/2006/main">
   <p:cSld>
     <p:spTree>
@@ -29166,6 +29355,42 @@
           </a:p>
         </p:txBody>
       </p:sp>
+      <p:pic>
+        <p:nvPicPr>
+          <p:cNvPr id="3" name="그림 2">
+            <a:extLst>
+              <a:ext uri="{FF2B5EF4-FFF2-40B4-BE49-F238E27FC236}">
+                <a16:creationId xmlns:a16="http://schemas.microsoft.com/office/drawing/2014/main" id="{9A93C17E-1A7B-4FEF-9C01-7B1DB66253C7}"/>
+              </a:ext>
+            </a:extLst>
+          </p:cNvPr>
+          <p:cNvPicPr>
+            <a:picLocks noChangeAspect="1"/>
+          </p:cNvPicPr>
+          <p:nvPr/>
+        </p:nvPicPr>
+        <p:blipFill>
+          <a:blip r:embed="rId2">
+            <a:extLst>
+              <a:ext uri="{28A0092B-C50C-407E-A947-70E740481C1C}">
+                <a14:useLocalDpi xmlns:a14="http://schemas.microsoft.com/office/drawing/2010/main" val="0"/>
+              </a:ext>
+            </a:extLst>
+          </a:blip>
+          <a:stretch>
+            <a:fillRect/>
+          </a:stretch>
+        </p:blipFill>
+        <p:spPr>
+          <a:xfrm>
+            <a:off x="3340893" y="1273298"/>
+            <a:ext cx="5510213" cy="5292602"/>
+          </a:xfrm>
+          <a:prstGeom prst="rect">
+            <a:avLst/>
+          </a:prstGeom>
+        </p:spPr>
+      </p:pic>
     </p:spTree>
     <p:extLst>
       <p:ext uri="{BB962C8B-B14F-4D97-AF65-F5344CB8AC3E}">
@@ -29179,7 +29404,7 @@
 </p:sld>
 </file>
 
-<file path=ppt/slides/slide48.xml><?xml version="1.0" encoding="utf-8"?>
+<file path=ppt/slides/slide49.xml><?xml version="1.0" encoding="utf-8"?>
 <p:sld xmlns:a="http://schemas.openxmlformats.org/drawingml/2006/main" xmlns:r="http://schemas.openxmlformats.org/officeDocument/2006/relationships" xmlns:p="http://schemas.openxmlformats.org/presentationml/2006/main">
   <p:cSld>
     <p:spTree>
@@ -29287,14 +29512,14 @@
           <p:nvPr>
             <p:extLst>
               <p:ext uri="{D42A27DB-BD31-4B8C-83A1-F6EECF244321}">
-                <p14:modId xmlns:p14="http://schemas.microsoft.com/office/powerpoint/2010/main" val="2669096955"/>
+                <p14:modId xmlns:p14="http://schemas.microsoft.com/office/powerpoint/2010/main" val="844122293"/>
               </p:ext>
             </p:extLst>
           </p:nvPr>
         </p:nvGraphicFramePr>
         <p:xfrm>
-          <a:off x="2059622" y="1508760"/>
-          <a:ext cx="8072755" cy="3840480"/>
+          <a:off x="2059622" y="1702191"/>
+          <a:ext cx="8072755" cy="3322320"/>
         </p:xfrm>
         <a:graphic>
           <a:graphicData uri="http://schemas.openxmlformats.org/drawingml/2006/table">
@@ -29834,88 +30059,6 @@
                   </a:ext>
                 </a:extLst>
               </a:tr>
-              <a:tr h="246289">
-                <a:tc>
-                  <a:txBody>
-                    <a:bodyPr/>
-                    <a:lstStyle/>
-                    <a:p>
-                      <a:pPr marL="742950" lvl="1" indent="-285750" algn="l" latinLnBrk="1">
-                        <a:buFont typeface="Wingdings" panose="05000000000000000000" pitchFamily="2" charset="2"/>
-                        <a:buChar char="u"/>
-                      </a:pPr>
-                      <a:r>
-                        <a:rPr lang="ko-KR" altLang="en-US" sz="1400" b="0" dirty="0">
-                          <a:solidFill>
-                            <a:schemeClr val="tx1"/>
-                          </a:solidFill>
-                        </a:rPr>
-                        <a:t>자원 부족</a:t>
-                      </a:r>
-                      <a:endParaRPr lang="en-US" altLang="ko-KR" sz="1400" b="0" dirty="0">
-                        <a:solidFill>
-                          <a:schemeClr val="tx1"/>
-                        </a:solidFill>
-                      </a:endParaRPr>
-                    </a:p>
-                    <a:p>
-                      <a:pPr marL="1200150" lvl="2" indent="-285750" algn="l" latinLnBrk="1">
-                        <a:buFont typeface="Wingdings" panose="05000000000000000000" pitchFamily="2" charset="2"/>
-                        <a:buChar char="§"/>
-                      </a:pPr>
-                      <a:r>
-                        <a:rPr lang="ko-KR" altLang="en-US" sz="1400" b="0" dirty="0">
-                          <a:solidFill>
-                            <a:schemeClr val="tx1"/>
-                          </a:solidFill>
-                        </a:rPr>
-                        <a:t>시전 방식</a:t>
-                      </a:r>
-                      <a:endParaRPr lang="en-US" altLang="ko-KR" sz="1400" b="0" dirty="0">
-                        <a:solidFill>
-                          <a:schemeClr val="tx1"/>
-                        </a:solidFill>
-                      </a:endParaRPr>
-                    </a:p>
-                  </a:txBody>
-                  <a:tcPr>
-                    <a:lnL w="12700" cmpd="sng">
-                      <a:noFill/>
-                    </a:lnL>
-                    <a:lnR w="12700" cmpd="sng">
-                      <a:noFill/>
-                    </a:lnR>
-                    <a:lnT w="12700" cap="flat" cmpd="sng" algn="ctr">
-                      <a:noFill/>
-                      <a:prstDash val="solid"/>
-                      <a:round/>
-                      <a:headEnd type="none" w="med" len="med"/>
-                      <a:tailEnd type="none" w="med" len="med"/>
-                    </a:lnT>
-                    <a:lnB w="12700" cap="flat" cmpd="sng" algn="ctr">
-                      <a:noFill/>
-                      <a:prstDash val="solid"/>
-                      <a:round/>
-                      <a:headEnd type="none" w="med" len="med"/>
-                      <a:tailEnd type="none" w="med" len="med"/>
-                    </a:lnB>
-                    <a:lnTlToBr w="12700" cmpd="sng">
-                      <a:noFill/>
-                      <a:prstDash val="solid"/>
-                    </a:lnTlToBr>
-                    <a:lnBlToTr w="12700" cmpd="sng">
-                      <a:noFill/>
-                      <a:prstDash val="solid"/>
-                    </a:lnBlToTr>
-                    <a:noFill/>
-                  </a:tcPr>
-                </a:tc>
-                <a:extLst>
-                  <a:ext uri="{0D108BD9-81ED-4DB2-BD59-A6C34878D82A}">
-                    <a16:rowId xmlns:a16="http://schemas.microsoft.com/office/drawing/2014/main" val="3662520672"/>
-                  </a:ext>
-                </a:extLst>
-              </a:tr>
             </a:tbl>
           </a:graphicData>
         </a:graphic>
@@ -29924,112 +30067,6 @@
     <p:extLst>
       <p:ext uri="{BB962C8B-B14F-4D97-AF65-F5344CB8AC3E}">
         <p14:creationId xmlns:p14="http://schemas.microsoft.com/office/powerpoint/2010/main" val="103628067"/>
-      </p:ext>
-    </p:extLst>
-  </p:cSld>
-  <p:clrMapOvr>
-    <a:masterClrMapping/>
-  </p:clrMapOvr>
-</p:sld>
-</file>
-
-<file path=ppt/slides/slide49.xml><?xml version="1.0" encoding="utf-8"?>
-<p:sld xmlns:a="http://schemas.openxmlformats.org/drawingml/2006/main" xmlns:r="http://schemas.openxmlformats.org/officeDocument/2006/relationships" xmlns:p="http://schemas.openxmlformats.org/presentationml/2006/main">
-  <p:cSld>
-    <p:spTree>
-      <p:nvGrpSpPr>
-        <p:cNvPr id="1" name="">
-          <a:extLst>
-            <a:ext uri="{FF2B5EF4-FFF2-40B4-BE49-F238E27FC236}">
-              <a16:creationId xmlns:a16="http://schemas.microsoft.com/office/drawing/2014/main" id="{7DBADB5A-D83F-D4BD-98D1-962D822B326E}"/>
-            </a:ext>
-          </a:extLst>
-        </p:cNvPr>
-        <p:cNvGrpSpPr/>
-        <p:nvPr/>
-      </p:nvGrpSpPr>
-      <p:grpSpPr>
-        <a:xfrm>
-          <a:off x="0" y="0"/>
-          <a:ext cx="0" cy="0"/>
-          <a:chOff x="0" y="0"/>
-          <a:chExt cx="0" cy="0"/>
-        </a:xfrm>
-      </p:grpSpPr>
-      <p:sp>
-        <p:nvSpPr>
-          <p:cNvPr id="7" name="제목 1">
-            <a:extLst>
-              <a:ext uri="{FF2B5EF4-FFF2-40B4-BE49-F238E27FC236}">
-                <a16:creationId xmlns:a16="http://schemas.microsoft.com/office/drawing/2014/main" id="{B3AB2618-24E3-BBFC-5CBD-5738A44A8021}"/>
-              </a:ext>
-            </a:extLst>
-          </p:cNvPr>
-          <p:cNvSpPr txBox="1">
-            <a:spLocks/>
-          </p:cNvSpPr>
-          <p:nvPr/>
-        </p:nvSpPr>
-        <p:spPr>
-          <a:xfrm>
-            <a:off x="695325" y="292100"/>
-            <a:ext cx="10801350" cy="861695"/>
-          </a:xfrm>
-          <a:prstGeom prst="rect">
-            <a:avLst/>
-          </a:prstGeom>
-        </p:spPr>
-        <p:txBody>
-          <a:bodyPr vert="horz" lIns="91440" tIns="45720" rIns="91440" bIns="45720" rtlCol="0" anchor="ctr">
-            <a:normAutofit/>
-          </a:bodyPr>
-          <a:lstStyle>
-            <a:lvl1pPr algn="l" defTabSz="914400" rtl="0" eaLnBrk="1" latinLnBrk="1" hangingPunct="1">
-              <a:lnSpc>
-                <a:spcPct val="90000"/>
-              </a:lnSpc>
-              <a:spcBef>
-                <a:spcPct val="0"/>
-              </a:spcBef>
-              <a:buNone/>
-              <a:defRPr sz="4400" kern="1200">
-                <a:solidFill>
-                  <a:schemeClr val="tx1"/>
-                </a:solidFill>
-                <a:latin typeface="+mj-lt"/>
-                <a:ea typeface="+mj-ea"/>
-                <a:cs typeface="+mj-cs"/>
-              </a:defRPr>
-            </a:lvl1pPr>
-          </a:lstStyle>
-          <a:p>
-            <a:r>
-              <a:rPr lang="ko-KR" altLang="en-US" dirty="0"/>
-              <a:t>액션 </a:t>
-            </a:r>
-            <a:r>
-              <a:rPr lang="en-US" altLang="ko-KR" dirty="0"/>
-              <a:t>&amp; </a:t>
-            </a:r>
-            <a:r>
-              <a:rPr lang="ko-KR" altLang="en-US" dirty="0"/>
-              <a:t>슈팅 </a:t>
-            </a:r>
-            <a:r>
-              <a:rPr lang="en-US" altLang="ko-KR" dirty="0"/>
-              <a:t>– 3. </a:t>
-            </a:r>
-            <a:r>
-              <a:rPr lang="ko-KR" altLang="en-US" dirty="0"/>
-              <a:t>변화 요소 차트</a:t>
-            </a:r>
-          </a:p>
-        </p:txBody>
-      </p:sp>
-    </p:spTree>
-    <p:extLst>
-      <p:ext uri="{BB962C8B-B14F-4D97-AF65-F5344CB8AC3E}">
-        <p14:creationId xmlns:p14="http://schemas.microsoft.com/office/powerpoint/2010/main" val="2642875085"/>
       </p:ext>
     </p:extLst>
   </p:cSld>
@@ -31088,6 +31125,112 @@
         <p:cNvPr id="1" name="">
           <a:extLst>
             <a:ext uri="{FF2B5EF4-FFF2-40B4-BE49-F238E27FC236}">
+              <a16:creationId xmlns:a16="http://schemas.microsoft.com/office/drawing/2014/main" id="{7DBADB5A-D83F-D4BD-98D1-962D822B326E}"/>
+            </a:ext>
+          </a:extLst>
+        </p:cNvPr>
+        <p:cNvGrpSpPr/>
+        <p:nvPr/>
+      </p:nvGrpSpPr>
+      <p:grpSpPr>
+        <a:xfrm>
+          <a:off x="0" y="0"/>
+          <a:ext cx="0" cy="0"/>
+          <a:chOff x="0" y="0"/>
+          <a:chExt cx="0" cy="0"/>
+        </a:xfrm>
+      </p:grpSpPr>
+      <p:sp>
+        <p:nvSpPr>
+          <p:cNvPr id="7" name="제목 1">
+            <a:extLst>
+              <a:ext uri="{FF2B5EF4-FFF2-40B4-BE49-F238E27FC236}">
+                <a16:creationId xmlns:a16="http://schemas.microsoft.com/office/drawing/2014/main" id="{B3AB2618-24E3-BBFC-5CBD-5738A44A8021}"/>
+              </a:ext>
+            </a:extLst>
+          </p:cNvPr>
+          <p:cNvSpPr txBox="1">
+            <a:spLocks/>
+          </p:cNvSpPr>
+          <p:nvPr/>
+        </p:nvSpPr>
+        <p:spPr>
+          <a:xfrm>
+            <a:off x="695325" y="292100"/>
+            <a:ext cx="10801350" cy="861695"/>
+          </a:xfrm>
+          <a:prstGeom prst="rect">
+            <a:avLst/>
+          </a:prstGeom>
+        </p:spPr>
+        <p:txBody>
+          <a:bodyPr vert="horz" lIns="91440" tIns="45720" rIns="91440" bIns="45720" rtlCol="0" anchor="ctr">
+            <a:normAutofit/>
+          </a:bodyPr>
+          <a:lstStyle>
+            <a:lvl1pPr algn="l" defTabSz="914400" rtl="0" eaLnBrk="1" latinLnBrk="1" hangingPunct="1">
+              <a:lnSpc>
+                <a:spcPct val="90000"/>
+              </a:lnSpc>
+              <a:spcBef>
+                <a:spcPct val="0"/>
+              </a:spcBef>
+              <a:buNone/>
+              <a:defRPr sz="4400" kern="1200">
+                <a:solidFill>
+                  <a:schemeClr val="tx1"/>
+                </a:solidFill>
+                <a:latin typeface="+mj-lt"/>
+                <a:ea typeface="+mj-ea"/>
+                <a:cs typeface="+mj-cs"/>
+              </a:defRPr>
+            </a:lvl1pPr>
+          </a:lstStyle>
+          <a:p>
+            <a:r>
+              <a:rPr lang="ko-KR" altLang="en-US" dirty="0"/>
+              <a:t>액션 </a:t>
+            </a:r>
+            <a:r>
+              <a:rPr lang="en-US" altLang="ko-KR" dirty="0"/>
+              <a:t>&amp; </a:t>
+            </a:r>
+            <a:r>
+              <a:rPr lang="ko-KR" altLang="en-US" dirty="0"/>
+              <a:t>슈팅 </a:t>
+            </a:r>
+            <a:r>
+              <a:rPr lang="en-US" altLang="ko-KR" dirty="0"/>
+              <a:t>– 3. </a:t>
+            </a:r>
+            <a:r>
+              <a:rPr lang="ko-KR" altLang="en-US" dirty="0"/>
+              <a:t>변화 요소 차트</a:t>
+            </a:r>
+          </a:p>
+        </p:txBody>
+      </p:sp>
+    </p:spTree>
+    <p:extLst>
+      <p:ext uri="{BB962C8B-B14F-4D97-AF65-F5344CB8AC3E}">
+        <p14:creationId xmlns:p14="http://schemas.microsoft.com/office/powerpoint/2010/main" val="2642875085"/>
+      </p:ext>
+    </p:extLst>
+  </p:cSld>
+  <p:clrMapOvr>
+    <a:masterClrMapping/>
+  </p:clrMapOvr>
+</p:sld>
+</file>
+
+<file path=ppt/slides/slide51.xml><?xml version="1.0" encoding="utf-8"?>
+<p:sld xmlns:a="http://schemas.openxmlformats.org/drawingml/2006/main" xmlns:r="http://schemas.openxmlformats.org/officeDocument/2006/relationships" xmlns:p="http://schemas.openxmlformats.org/presentationml/2006/main">
+  <p:cSld>
+    <p:spTree>
+      <p:nvGrpSpPr>
+        <p:cNvPr id="1" name="">
+          <a:extLst>
+            <a:ext uri="{FF2B5EF4-FFF2-40B4-BE49-F238E27FC236}">
               <a16:creationId xmlns:a16="http://schemas.microsoft.com/office/drawing/2014/main" id="{0179CEA0-7671-6602-C58D-55B482E19B92}"/>
             </a:ext>
           </a:extLst>
@@ -31616,7 +31759,7 @@
 </p:sld>
 </file>
 
-<file path=ppt/slides/slide51.xml><?xml version="1.0" encoding="utf-8"?>
+<file path=ppt/slides/slide52.xml><?xml version="1.0" encoding="utf-8"?>
 <p:sld xmlns:a="http://schemas.openxmlformats.org/drawingml/2006/main" xmlns:r="http://schemas.openxmlformats.org/officeDocument/2006/relationships" xmlns:p="http://schemas.openxmlformats.org/presentationml/2006/main">
   <p:cSld>
     <p:spTree>

--- a/기획/방랑엽사전/스킬 시스템 기획서.pptx
+++ b/기획/방랑엽사전/스킬 시스템 기획서.pptx
@@ -5,7 +5,7 @@
     <p:sldMasterId id="2147483715" r:id="rId1"/>
   </p:sldMasterIdLst>
   <p:notesMasterIdLst>
-    <p:notesMasterId r:id="rId54"/>
+    <p:notesMasterId r:id="rId57"/>
   </p:notesMasterIdLst>
   <p:sldIdLst>
     <p:sldId id="258" r:id="rId2"/>
@@ -58,8 +58,11 @@
     <p:sldId id="355" r:id="rId49"/>
     <p:sldId id="352" r:id="rId50"/>
     <p:sldId id="353" r:id="rId51"/>
-    <p:sldId id="356" r:id="rId52"/>
-    <p:sldId id="357" r:id="rId53"/>
+    <p:sldId id="359" r:id="rId52"/>
+    <p:sldId id="360" r:id="rId53"/>
+    <p:sldId id="361" r:id="rId54"/>
+    <p:sldId id="356" r:id="rId55"/>
+    <p:sldId id="357" r:id="rId56"/>
   </p:sldIdLst>
   <p:sldSz cx="12192000" cy="6858000"/>
   <p:notesSz cx="6858000" cy="9144000"/>
@@ -296,7 +299,7 @@
           <a:p>
             <a:fld id="{C8649E71-8129-4905-BAC0-51D65A0C1379}" type="datetimeFigureOut">
               <a:rPr lang="ko-KR" altLang="en-US" smtClean="0"/>
-              <a:t>2024-02-26</a:t>
+              <a:t>2024-02-27</a:t>
             </a:fld>
             <a:endParaRPr lang="ko-KR" altLang="en-US"/>
           </a:p>
@@ -794,7 +797,7 @@
           <a:p>
             <a:fld id="{523D6941-6B33-4834-BC65-A333846D27E6}" type="datetimeFigureOut">
               <a:rPr lang="ko-KR" altLang="en-US" smtClean="0"/>
-              <a:t>2024-02-26</a:t>
+              <a:t>2024-02-27</a:t>
             </a:fld>
             <a:endParaRPr lang="ko-KR" altLang="en-US"/>
           </a:p>
@@ -992,7 +995,7 @@
           <a:p>
             <a:fld id="{523D6941-6B33-4834-BC65-A333846D27E6}" type="datetimeFigureOut">
               <a:rPr lang="ko-KR" altLang="en-US" smtClean="0"/>
-              <a:t>2024-02-26</a:t>
+              <a:t>2024-02-27</a:t>
             </a:fld>
             <a:endParaRPr lang="ko-KR" altLang="en-US"/>
           </a:p>
@@ -1200,7 +1203,7 @@
           <a:p>
             <a:fld id="{523D6941-6B33-4834-BC65-A333846D27E6}" type="datetimeFigureOut">
               <a:rPr lang="ko-KR" altLang="en-US" smtClean="0"/>
-              <a:t>2024-02-26</a:t>
+              <a:t>2024-02-27</a:t>
             </a:fld>
             <a:endParaRPr lang="ko-KR" altLang="en-US"/>
           </a:p>
@@ -1413,7 +1416,7 @@
           <a:p>
             <a:fld id="{523D6941-6B33-4834-BC65-A333846D27E6}" type="datetimeFigureOut">
               <a:rPr lang="ko-KR" altLang="en-US" smtClean="0"/>
-              <a:t>2024-02-26</a:t>
+              <a:t>2024-02-27</a:t>
             </a:fld>
             <a:endParaRPr lang="ko-KR" altLang="en-US"/>
           </a:p>
@@ -1698,7 +1701,7 @@
           <a:p>
             <a:fld id="{523D6941-6B33-4834-BC65-A333846D27E6}" type="datetimeFigureOut">
               <a:rPr lang="ko-KR" altLang="en-US" smtClean="0"/>
-              <a:t>2024-02-26</a:t>
+              <a:t>2024-02-27</a:t>
             </a:fld>
             <a:endParaRPr lang="ko-KR" altLang="en-US"/>
           </a:p>
@@ -1963,7 +1966,7 @@
           <a:p>
             <a:fld id="{523D6941-6B33-4834-BC65-A333846D27E6}" type="datetimeFigureOut">
               <a:rPr lang="ko-KR" altLang="en-US" smtClean="0"/>
-              <a:t>2024-02-26</a:t>
+              <a:t>2024-02-27</a:t>
             </a:fld>
             <a:endParaRPr lang="ko-KR" altLang="en-US"/>
           </a:p>
@@ -2375,7 +2378,7 @@
           <a:p>
             <a:fld id="{523D6941-6B33-4834-BC65-A333846D27E6}" type="datetimeFigureOut">
               <a:rPr lang="ko-KR" altLang="en-US" smtClean="0"/>
-              <a:t>2024-02-26</a:t>
+              <a:t>2024-02-27</a:t>
             </a:fld>
             <a:endParaRPr lang="ko-KR" altLang="en-US"/>
           </a:p>
@@ -2516,7 +2519,7 @@
           <a:p>
             <a:fld id="{523D6941-6B33-4834-BC65-A333846D27E6}" type="datetimeFigureOut">
               <a:rPr lang="ko-KR" altLang="en-US" smtClean="0"/>
-              <a:t>2024-02-26</a:t>
+              <a:t>2024-02-27</a:t>
             </a:fld>
             <a:endParaRPr lang="ko-KR" altLang="en-US"/>
           </a:p>
@@ -2629,7 +2632,7 @@
           <a:p>
             <a:fld id="{523D6941-6B33-4834-BC65-A333846D27E6}" type="datetimeFigureOut">
               <a:rPr lang="ko-KR" altLang="en-US" smtClean="0"/>
-              <a:t>2024-02-26</a:t>
+              <a:t>2024-02-27</a:t>
             </a:fld>
             <a:endParaRPr lang="ko-KR" altLang="en-US"/>
           </a:p>
@@ -2940,7 +2943,7 @@
           <a:p>
             <a:fld id="{523D6941-6B33-4834-BC65-A333846D27E6}" type="datetimeFigureOut">
               <a:rPr lang="ko-KR" altLang="en-US" smtClean="0"/>
-              <a:t>2024-02-26</a:t>
+              <a:t>2024-02-27</a:t>
             </a:fld>
             <a:endParaRPr lang="ko-KR" altLang="en-US"/>
           </a:p>
@@ -3228,7 +3231,7 @@
           <a:p>
             <a:fld id="{523D6941-6B33-4834-BC65-A333846D27E6}" type="datetimeFigureOut">
               <a:rPr lang="ko-KR" altLang="en-US" smtClean="0"/>
-              <a:t>2024-02-26</a:t>
+              <a:t>2024-02-27</a:t>
             </a:fld>
             <a:endParaRPr lang="ko-KR" altLang="en-US"/>
           </a:p>
@@ -3469,7 +3472,7 @@
           <a:p>
             <a:fld id="{523D6941-6B33-4834-BC65-A333846D27E6}" type="datetimeFigureOut">
               <a:rPr lang="ko-KR" altLang="en-US" smtClean="0"/>
-              <a:t>2024-02-26</a:t>
+              <a:t>2024-02-27</a:t>
             </a:fld>
             <a:endParaRPr lang="ko-KR" altLang="en-US"/>
           </a:p>
@@ -28359,10 +28362,10 @@
       </p:sp>
       <p:pic>
         <p:nvPicPr>
-          <p:cNvPr id="4" name="그림 3">
+          <p:cNvPr id="3" name="그림 2" descr="텍스트, 스크린샷, 원, 폰트이(가) 표시된 사진&#10;&#10;자동 생성된 설명">
             <a:extLst>
               <a:ext uri="{FF2B5EF4-FFF2-40B4-BE49-F238E27FC236}">
-                <a16:creationId xmlns:a16="http://schemas.microsoft.com/office/drawing/2014/main" id="{17DC39AE-DD41-44C9-A4ED-842353E07483}"/>
+                <a16:creationId xmlns:a16="http://schemas.microsoft.com/office/drawing/2014/main" id="{7D068CB5-35E5-A70C-A3F1-9D4BA7D1318B}"/>
               </a:ext>
             </a:extLst>
           </p:cNvPr>
@@ -28506,10 +28509,10 @@
       </p:sp>
       <p:pic>
         <p:nvPicPr>
-          <p:cNvPr id="4" name="그림 3">
+          <p:cNvPr id="9" name="그림 8" descr="텍스트, 스크린샷, 원, 폰트이(가) 표시된 사진&#10;&#10;자동 생성된 설명">
             <a:extLst>
               <a:ext uri="{FF2B5EF4-FFF2-40B4-BE49-F238E27FC236}">
-                <a16:creationId xmlns:a16="http://schemas.microsoft.com/office/drawing/2014/main" id="{EB1058DE-450A-48D2-9744-6FA0A1E9BFB0}"/>
+                <a16:creationId xmlns:a16="http://schemas.microsoft.com/office/drawing/2014/main" id="{75442C43-DAF9-F5C0-033F-7B5B11DCD7B2}"/>
               </a:ext>
             </a:extLst>
           </p:cNvPr>
@@ -28532,8 +28535,8 @@
         </p:blipFill>
         <p:spPr>
           <a:xfrm>
-            <a:off x="1484984" y="1158875"/>
-            <a:ext cx="9222032" cy="5536904"/>
+            <a:off x="1328737" y="1158875"/>
+            <a:ext cx="9534525" cy="5343525"/>
           </a:xfrm>
           <a:prstGeom prst="rect">
             <a:avLst/>
@@ -31207,9 +31210,50 @@
               <a:rPr lang="ko-KR" altLang="en-US" dirty="0"/>
               <a:t>변화 요소 차트</a:t>
             </a:r>
+            <a:r>
+              <a:rPr lang="en-US" altLang="ko-KR" dirty="0"/>
+              <a:t>1</a:t>
+            </a:r>
+            <a:endParaRPr lang="ko-KR" altLang="en-US" dirty="0"/>
           </a:p>
         </p:txBody>
       </p:sp>
+      <p:pic>
+        <p:nvPicPr>
+          <p:cNvPr id="5" name="그림 4" descr="스크린샷, 원, 그래픽, 그래픽 디자인이(가) 표시된 사진&#10;&#10;자동 생성된 설명">
+            <a:extLst>
+              <a:ext uri="{FF2B5EF4-FFF2-40B4-BE49-F238E27FC236}">
+                <a16:creationId xmlns:a16="http://schemas.microsoft.com/office/drawing/2014/main" id="{AB42E934-FBBB-4270-7800-386FB446504E}"/>
+              </a:ext>
+            </a:extLst>
+          </p:cNvPr>
+          <p:cNvPicPr>
+            <a:picLocks noChangeAspect="1"/>
+          </p:cNvPicPr>
+          <p:nvPr/>
+        </p:nvPicPr>
+        <p:blipFill>
+          <a:blip r:embed="rId2">
+            <a:extLst>
+              <a:ext uri="{28A0092B-C50C-407E-A947-70E740481C1C}">
+                <a14:useLocalDpi xmlns:a14="http://schemas.microsoft.com/office/drawing/2010/main" val="0"/>
+              </a:ext>
+            </a:extLst>
+          </a:blip>
+          <a:stretch>
+            <a:fillRect/>
+          </a:stretch>
+        </p:blipFill>
+        <p:spPr>
+          <a:xfrm>
+            <a:off x="1369137" y="1158875"/>
+            <a:ext cx="9453726" cy="5563875"/>
+          </a:xfrm>
+          <a:prstGeom prst="rect">
+            <a:avLst/>
+          </a:prstGeom>
+        </p:spPr>
+      </p:pic>
     </p:spTree>
     <p:extLst>
       <p:ext uri="{BB962C8B-B14F-4D97-AF65-F5344CB8AC3E}">
@@ -31224,6 +31268,447 @@
 </file>
 
 <file path=ppt/slides/slide51.xml><?xml version="1.0" encoding="utf-8"?>
+<p:sld xmlns:a="http://schemas.openxmlformats.org/drawingml/2006/main" xmlns:r="http://schemas.openxmlformats.org/officeDocument/2006/relationships" xmlns:p="http://schemas.openxmlformats.org/presentationml/2006/main">
+  <p:cSld>
+    <p:spTree>
+      <p:nvGrpSpPr>
+        <p:cNvPr id="1" name="">
+          <a:extLst>
+            <a:ext uri="{FF2B5EF4-FFF2-40B4-BE49-F238E27FC236}">
+              <a16:creationId xmlns:a16="http://schemas.microsoft.com/office/drawing/2014/main" id="{706FB6C0-04C0-717A-28D3-6F40C4870BB1}"/>
+            </a:ext>
+          </a:extLst>
+        </p:cNvPr>
+        <p:cNvGrpSpPr/>
+        <p:nvPr/>
+      </p:nvGrpSpPr>
+      <p:grpSpPr>
+        <a:xfrm>
+          <a:off x="0" y="0"/>
+          <a:ext cx="0" cy="0"/>
+          <a:chOff x="0" y="0"/>
+          <a:chExt cx="0" cy="0"/>
+        </a:xfrm>
+      </p:grpSpPr>
+      <p:sp>
+        <p:nvSpPr>
+          <p:cNvPr id="7" name="제목 1">
+            <a:extLst>
+              <a:ext uri="{FF2B5EF4-FFF2-40B4-BE49-F238E27FC236}">
+                <a16:creationId xmlns:a16="http://schemas.microsoft.com/office/drawing/2014/main" id="{7964E33C-D2F6-5296-E0B2-C31991846256}"/>
+              </a:ext>
+            </a:extLst>
+          </p:cNvPr>
+          <p:cNvSpPr txBox="1">
+            <a:spLocks/>
+          </p:cNvSpPr>
+          <p:nvPr/>
+        </p:nvSpPr>
+        <p:spPr>
+          <a:xfrm>
+            <a:off x="695325" y="292100"/>
+            <a:ext cx="10801350" cy="861695"/>
+          </a:xfrm>
+          <a:prstGeom prst="rect">
+            <a:avLst/>
+          </a:prstGeom>
+        </p:spPr>
+        <p:txBody>
+          <a:bodyPr vert="horz" lIns="91440" tIns="45720" rIns="91440" bIns="45720" rtlCol="0" anchor="ctr">
+            <a:normAutofit/>
+          </a:bodyPr>
+          <a:lstStyle>
+            <a:lvl1pPr algn="l" defTabSz="914400" rtl="0" eaLnBrk="1" latinLnBrk="1" hangingPunct="1">
+              <a:lnSpc>
+                <a:spcPct val="90000"/>
+              </a:lnSpc>
+              <a:spcBef>
+                <a:spcPct val="0"/>
+              </a:spcBef>
+              <a:buNone/>
+              <a:defRPr sz="4400" kern="1200">
+                <a:solidFill>
+                  <a:schemeClr val="tx1"/>
+                </a:solidFill>
+                <a:latin typeface="+mj-lt"/>
+                <a:ea typeface="+mj-ea"/>
+                <a:cs typeface="+mj-cs"/>
+              </a:defRPr>
+            </a:lvl1pPr>
+          </a:lstStyle>
+          <a:p>
+            <a:r>
+              <a:rPr lang="ko-KR" altLang="en-US" dirty="0"/>
+              <a:t>액션 </a:t>
+            </a:r>
+            <a:r>
+              <a:rPr lang="en-US" altLang="ko-KR" dirty="0"/>
+              <a:t>&amp; </a:t>
+            </a:r>
+            <a:r>
+              <a:rPr lang="ko-KR" altLang="en-US" dirty="0"/>
+              <a:t>슈팅 </a:t>
+            </a:r>
+            <a:r>
+              <a:rPr lang="en-US" altLang="ko-KR" dirty="0"/>
+              <a:t>– 3. </a:t>
+            </a:r>
+            <a:r>
+              <a:rPr lang="ko-KR" altLang="en-US" dirty="0"/>
+              <a:t>변화 요소 차트</a:t>
+            </a:r>
+            <a:r>
+              <a:rPr lang="en-US" altLang="ko-KR" dirty="0"/>
+              <a:t>2</a:t>
+            </a:r>
+            <a:endParaRPr lang="ko-KR" altLang="en-US" dirty="0"/>
+          </a:p>
+        </p:txBody>
+      </p:sp>
+      <p:pic>
+        <p:nvPicPr>
+          <p:cNvPr id="3" name="그림 2" descr="텍스트, 스크린샷, 폰트, 원이(가) 표시된 사진&#10;&#10;자동 생성된 설명">
+            <a:extLst>
+              <a:ext uri="{FF2B5EF4-FFF2-40B4-BE49-F238E27FC236}">
+                <a16:creationId xmlns:a16="http://schemas.microsoft.com/office/drawing/2014/main" id="{454C348B-5EFD-0668-D430-4E02C42EE570}"/>
+              </a:ext>
+            </a:extLst>
+          </p:cNvPr>
+          <p:cNvPicPr>
+            <a:picLocks noChangeAspect="1"/>
+          </p:cNvPicPr>
+          <p:nvPr/>
+        </p:nvPicPr>
+        <p:blipFill>
+          <a:blip r:embed="rId2">
+            <a:extLst>
+              <a:ext uri="{28A0092B-C50C-407E-A947-70E740481C1C}">
+                <a14:useLocalDpi xmlns:a14="http://schemas.microsoft.com/office/drawing/2010/main" val="0"/>
+              </a:ext>
+            </a:extLst>
+          </a:blip>
+          <a:stretch>
+            <a:fillRect/>
+          </a:stretch>
+        </p:blipFill>
+        <p:spPr>
+          <a:xfrm>
+            <a:off x="2951217" y="1158875"/>
+            <a:ext cx="6289565" cy="5428636"/>
+          </a:xfrm>
+          <a:prstGeom prst="rect">
+            <a:avLst/>
+          </a:prstGeom>
+        </p:spPr>
+      </p:pic>
+    </p:spTree>
+    <p:extLst>
+      <p:ext uri="{BB962C8B-B14F-4D97-AF65-F5344CB8AC3E}">
+        <p14:creationId xmlns:p14="http://schemas.microsoft.com/office/powerpoint/2010/main" val="2782610511"/>
+      </p:ext>
+    </p:extLst>
+  </p:cSld>
+  <p:clrMapOvr>
+    <a:masterClrMapping/>
+  </p:clrMapOvr>
+</p:sld>
+</file>
+
+<file path=ppt/slides/slide52.xml><?xml version="1.0" encoding="utf-8"?>
+<p:sld xmlns:a="http://schemas.openxmlformats.org/drawingml/2006/main" xmlns:r="http://schemas.openxmlformats.org/officeDocument/2006/relationships" xmlns:p="http://schemas.openxmlformats.org/presentationml/2006/main">
+  <p:cSld>
+    <p:spTree>
+      <p:nvGrpSpPr>
+        <p:cNvPr id="1" name="">
+          <a:extLst>
+            <a:ext uri="{FF2B5EF4-FFF2-40B4-BE49-F238E27FC236}">
+              <a16:creationId xmlns:a16="http://schemas.microsoft.com/office/drawing/2014/main" id="{2F1AF86D-ED23-C2F1-A461-0EB250A9C09F}"/>
+            </a:ext>
+          </a:extLst>
+        </p:cNvPr>
+        <p:cNvGrpSpPr/>
+        <p:nvPr/>
+      </p:nvGrpSpPr>
+      <p:grpSpPr>
+        <a:xfrm>
+          <a:off x="0" y="0"/>
+          <a:ext cx="0" cy="0"/>
+          <a:chOff x="0" y="0"/>
+          <a:chExt cx="0" cy="0"/>
+        </a:xfrm>
+      </p:grpSpPr>
+      <p:sp>
+        <p:nvSpPr>
+          <p:cNvPr id="7" name="제목 1">
+            <a:extLst>
+              <a:ext uri="{FF2B5EF4-FFF2-40B4-BE49-F238E27FC236}">
+                <a16:creationId xmlns:a16="http://schemas.microsoft.com/office/drawing/2014/main" id="{8E061D75-CEC0-292C-A1C7-11F4656F4B8A}"/>
+              </a:ext>
+            </a:extLst>
+          </p:cNvPr>
+          <p:cNvSpPr txBox="1">
+            <a:spLocks/>
+          </p:cNvSpPr>
+          <p:nvPr/>
+        </p:nvSpPr>
+        <p:spPr>
+          <a:xfrm>
+            <a:off x="695325" y="292100"/>
+            <a:ext cx="10801350" cy="861695"/>
+          </a:xfrm>
+          <a:prstGeom prst="rect">
+            <a:avLst/>
+          </a:prstGeom>
+        </p:spPr>
+        <p:txBody>
+          <a:bodyPr vert="horz" lIns="91440" tIns="45720" rIns="91440" bIns="45720" rtlCol="0" anchor="ctr">
+            <a:normAutofit/>
+          </a:bodyPr>
+          <a:lstStyle>
+            <a:lvl1pPr algn="l" defTabSz="914400" rtl="0" eaLnBrk="1" latinLnBrk="1" hangingPunct="1">
+              <a:lnSpc>
+                <a:spcPct val="90000"/>
+              </a:lnSpc>
+              <a:spcBef>
+                <a:spcPct val="0"/>
+              </a:spcBef>
+              <a:buNone/>
+              <a:defRPr sz="4400" kern="1200">
+                <a:solidFill>
+                  <a:schemeClr val="tx1"/>
+                </a:solidFill>
+                <a:latin typeface="+mj-lt"/>
+                <a:ea typeface="+mj-ea"/>
+                <a:cs typeface="+mj-cs"/>
+              </a:defRPr>
+            </a:lvl1pPr>
+          </a:lstStyle>
+          <a:p>
+            <a:r>
+              <a:rPr lang="ko-KR" altLang="en-US" dirty="0"/>
+              <a:t>액션 </a:t>
+            </a:r>
+            <a:r>
+              <a:rPr lang="en-US" altLang="ko-KR" dirty="0"/>
+              <a:t>&amp; </a:t>
+            </a:r>
+            <a:r>
+              <a:rPr lang="ko-KR" altLang="en-US" dirty="0"/>
+              <a:t>슈팅 </a:t>
+            </a:r>
+            <a:r>
+              <a:rPr lang="en-US" altLang="ko-KR" dirty="0"/>
+              <a:t>– 3. </a:t>
+            </a:r>
+            <a:r>
+              <a:rPr lang="ko-KR" altLang="en-US" dirty="0"/>
+              <a:t>변화 요소 차트</a:t>
+            </a:r>
+            <a:r>
+              <a:rPr lang="en-US" altLang="ko-KR" dirty="0"/>
+              <a:t>3</a:t>
+            </a:r>
+            <a:endParaRPr lang="ko-KR" altLang="en-US" dirty="0"/>
+          </a:p>
+        </p:txBody>
+      </p:sp>
+      <p:pic>
+        <p:nvPicPr>
+          <p:cNvPr id="3" name="그림 2" descr="스크린샷, 텍스트, 폰트, 그래픽이(가) 표시된 사진&#10;&#10;자동 생성된 설명">
+            <a:extLst>
+              <a:ext uri="{FF2B5EF4-FFF2-40B4-BE49-F238E27FC236}">
+                <a16:creationId xmlns:a16="http://schemas.microsoft.com/office/drawing/2014/main" id="{4D0C3D04-D3C2-9ECA-CCB1-3F5DF8621FC4}"/>
+              </a:ext>
+            </a:extLst>
+          </p:cNvPr>
+          <p:cNvPicPr>
+            <a:picLocks noChangeAspect="1"/>
+          </p:cNvPicPr>
+          <p:nvPr/>
+        </p:nvPicPr>
+        <p:blipFill>
+          <a:blip r:embed="rId2">
+            <a:extLst>
+              <a:ext uri="{28A0092B-C50C-407E-A947-70E740481C1C}">
+                <a14:useLocalDpi xmlns:a14="http://schemas.microsoft.com/office/drawing/2010/main" val="0"/>
+              </a:ext>
+            </a:extLst>
+          </a:blip>
+          <a:stretch>
+            <a:fillRect/>
+          </a:stretch>
+        </p:blipFill>
+        <p:spPr>
+          <a:xfrm>
+            <a:off x="0" y="1530285"/>
+            <a:ext cx="12192000" cy="3865329"/>
+          </a:xfrm>
+          <a:prstGeom prst="rect">
+            <a:avLst/>
+          </a:prstGeom>
+        </p:spPr>
+      </p:pic>
+    </p:spTree>
+    <p:extLst>
+      <p:ext uri="{BB962C8B-B14F-4D97-AF65-F5344CB8AC3E}">
+        <p14:creationId xmlns:p14="http://schemas.microsoft.com/office/powerpoint/2010/main" val="3571656306"/>
+      </p:ext>
+    </p:extLst>
+  </p:cSld>
+  <p:clrMapOvr>
+    <a:masterClrMapping/>
+  </p:clrMapOvr>
+</p:sld>
+</file>
+
+<file path=ppt/slides/slide53.xml><?xml version="1.0" encoding="utf-8"?>
+<p:sld xmlns:a="http://schemas.openxmlformats.org/drawingml/2006/main" xmlns:r="http://schemas.openxmlformats.org/officeDocument/2006/relationships" xmlns:p="http://schemas.openxmlformats.org/presentationml/2006/main">
+  <p:cSld>
+    <p:spTree>
+      <p:nvGrpSpPr>
+        <p:cNvPr id="1" name="">
+          <a:extLst>
+            <a:ext uri="{FF2B5EF4-FFF2-40B4-BE49-F238E27FC236}">
+              <a16:creationId xmlns:a16="http://schemas.microsoft.com/office/drawing/2014/main" id="{09A982E8-D986-429E-1F4C-8FB340B71E6A}"/>
+            </a:ext>
+          </a:extLst>
+        </p:cNvPr>
+        <p:cNvGrpSpPr/>
+        <p:nvPr/>
+      </p:nvGrpSpPr>
+      <p:grpSpPr>
+        <a:xfrm>
+          <a:off x="0" y="0"/>
+          <a:ext cx="0" cy="0"/>
+          <a:chOff x="0" y="0"/>
+          <a:chExt cx="0" cy="0"/>
+        </a:xfrm>
+      </p:grpSpPr>
+      <p:sp>
+        <p:nvSpPr>
+          <p:cNvPr id="7" name="제목 1">
+            <a:extLst>
+              <a:ext uri="{FF2B5EF4-FFF2-40B4-BE49-F238E27FC236}">
+                <a16:creationId xmlns:a16="http://schemas.microsoft.com/office/drawing/2014/main" id="{30A9786D-32C4-14E0-C790-96ABF34BC682}"/>
+              </a:ext>
+            </a:extLst>
+          </p:cNvPr>
+          <p:cNvSpPr txBox="1">
+            <a:spLocks/>
+          </p:cNvSpPr>
+          <p:nvPr/>
+        </p:nvSpPr>
+        <p:spPr>
+          <a:xfrm>
+            <a:off x="695325" y="292100"/>
+            <a:ext cx="10801350" cy="861695"/>
+          </a:xfrm>
+          <a:prstGeom prst="rect">
+            <a:avLst/>
+          </a:prstGeom>
+        </p:spPr>
+        <p:txBody>
+          <a:bodyPr vert="horz" lIns="91440" tIns="45720" rIns="91440" bIns="45720" rtlCol="0" anchor="ctr">
+            <a:normAutofit/>
+          </a:bodyPr>
+          <a:lstStyle>
+            <a:lvl1pPr algn="l" defTabSz="914400" rtl="0" eaLnBrk="1" latinLnBrk="1" hangingPunct="1">
+              <a:lnSpc>
+                <a:spcPct val="90000"/>
+              </a:lnSpc>
+              <a:spcBef>
+                <a:spcPct val="0"/>
+              </a:spcBef>
+              <a:buNone/>
+              <a:defRPr sz="4400" kern="1200">
+                <a:solidFill>
+                  <a:schemeClr val="tx1"/>
+                </a:solidFill>
+                <a:latin typeface="+mj-lt"/>
+                <a:ea typeface="+mj-ea"/>
+                <a:cs typeface="+mj-cs"/>
+              </a:defRPr>
+            </a:lvl1pPr>
+          </a:lstStyle>
+          <a:p>
+            <a:r>
+              <a:rPr lang="ko-KR" altLang="en-US" dirty="0"/>
+              <a:t>액션 </a:t>
+            </a:r>
+            <a:r>
+              <a:rPr lang="en-US" altLang="ko-KR" dirty="0"/>
+              <a:t>&amp; </a:t>
+            </a:r>
+            <a:r>
+              <a:rPr lang="ko-KR" altLang="en-US" dirty="0"/>
+              <a:t>슈팅 </a:t>
+            </a:r>
+            <a:r>
+              <a:rPr lang="en-US" altLang="ko-KR" dirty="0"/>
+              <a:t>– 3. </a:t>
+            </a:r>
+            <a:r>
+              <a:rPr lang="ko-KR" altLang="en-US" dirty="0"/>
+              <a:t>변화 요소 차트</a:t>
+            </a:r>
+            <a:r>
+              <a:rPr lang="en-US" altLang="ko-KR" dirty="0"/>
+              <a:t>4</a:t>
+            </a:r>
+            <a:endParaRPr lang="ko-KR" altLang="en-US" dirty="0"/>
+          </a:p>
+        </p:txBody>
+      </p:sp>
+      <p:pic>
+        <p:nvPicPr>
+          <p:cNvPr id="3" name="그림 2" descr="텍스트, 스크린샷, 폰트, 원이(가) 표시된 사진&#10;&#10;자동 생성된 설명">
+            <a:extLst>
+              <a:ext uri="{FF2B5EF4-FFF2-40B4-BE49-F238E27FC236}">
+                <a16:creationId xmlns:a16="http://schemas.microsoft.com/office/drawing/2014/main" id="{0D219602-E28D-88DD-A1C6-EC593CC83616}"/>
+              </a:ext>
+            </a:extLst>
+          </p:cNvPr>
+          <p:cNvPicPr>
+            <a:picLocks noChangeAspect="1"/>
+          </p:cNvPicPr>
+          <p:nvPr/>
+        </p:nvPicPr>
+        <p:blipFill>
+          <a:blip r:embed="rId2">
+            <a:extLst>
+              <a:ext uri="{28A0092B-C50C-407E-A947-70E740481C1C}">
+                <a14:useLocalDpi xmlns:a14="http://schemas.microsoft.com/office/drawing/2010/main" val="0"/>
+              </a:ext>
+            </a:extLst>
+          </a:blip>
+          <a:stretch>
+            <a:fillRect/>
+          </a:stretch>
+        </p:blipFill>
+        <p:spPr>
+          <a:xfrm>
+            <a:off x="2791555" y="1158875"/>
+            <a:ext cx="6608889" cy="5566751"/>
+          </a:xfrm>
+          <a:prstGeom prst="rect">
+            <a:avLst/>
+          </a:prstGeom>
+        </p:spPr>
+      </p:pic>
+    </p:spTree>
+    <p:extLst>
+      <p:ext uri="{BB962C8B-B14F-4D97-AF65-F5344CB8AC3E}">
+        <p14:creationId xmlns:p14="http://schemas.microsoft.com/office/powerpoint/2010/main" val="1398152144"/>
+      </p:ext>
+    </p:extLst>
+  </p:cSld>
+  <p:clrMapOvr>
+    <a:masterClrMapping/>
+  </p:clrMapOvr>
+</p:sld>
+</file>
+
+<file path=ppt/slides/slide54.xml><?xml version="1.0" encoding="utf-8"?>
 <p:sld xmlns:a="http://schemas.openxmlformats.org/drawingml/2006/main" xmlns:r="http://schemas.openxmlformats.org/officeDocument/2006/relationships" xmlns:p="http://schemas.openxmlformats.org/presentationml/2006/main">
   <p:cSld>
     <p:spTree>
@@ -31331,14 +31816,14 @@
           <p:nvPr>
             <p:extLst>
               <p:ext uri="{D42A27DB-BD31-4B8C-83A1-F6EECF244321}">
-                <p14:modId xmlns:p14="http://schemas.microsoft.com/office/powerpoint/2010/main" val="2587255043"/>
+                <p14:modId xmlns:p14="http://schemas.microsoft.com/office/powerpoint/2010/main" val="383316103"/>
               </p:ext>
             </p:extLst>
           </p:nvPr>
         </p:nvGraphicFramePr>
         <p:xfrm>
           <a:off x="3041491" y="2240280"/>
-          <a:ext cx="6109018" cy="2377440"/>
+          <a:ext cx="6109018" cy="1524000"/>
         </p:xfrm>
         <a:graphic>
           <a:graphicData uri="http://schemas.openxmlformats.org/drawingml/2006/table">
@@ -31605,101 +32090,11 @@
                         <a:buFont typeface="Wingdings" panose="05000000000000000000" pitchFamily="2" charset="2"/>
                         <a:buChar char="u"/>
                       </a:pPr>
-                      <a:r>
-                        <a:rPr lang="ko-KR" altLang="en-US" sz="1400" b="0" dirty="0">
-                          <a:solidFill>
-                            <a:schemeClr val="tx1"/>
-                          </a:solidFill>
-                        </a:rPr>
-                        <a:t>시전 방식</a:t>
-                      </a:r>
                       <a:endParaRPr lang="en-US" altLang="ko-KR" sz="1400" b="0" dirty="0">
                         <a:solidFill>
                           <a:schemeClr val="tx1"/>
                         </a:solidFill>
                       </a:endParaRPr>
-                    </a:p>
-                    <a:p>
-                      <a:pPr marL="1200150" lvl="2" indent="-285750" algn="l" latinLnBrk="1">
-                        <a:buFont typeface="Wingdings" panose="05000000000000000000" pitchFamily="2" charset="2"/>
-                        <a:buChar char="§"/>
-                      </a:pPr>
-                      <a:r>
-                        <a:rPr lang="ko-KR" altLang="en-US" sz="1400" b="0" dirty="0">
-                          <a:solidFill>
-                            <a:schemeClr val="tx1"/>
-                          </a:solidFill>
-                        </a:rPr>
-                        <a:t>충전</a:t>
-                      </a:r>
-                      <a:endParaRPr lang="en-US" altLang="ko-KR" sz="1400" b="0" dirty="0">
-                        <a:solidFill>
-                          <a:schemeClr val="tx1"/>
-                        </a:solidFill>
-                      </a:endParaRPr>
-                    </a:p>
-                    <a:p>
-                      <a:pPr marL="1657350" lvl="3" indent="-285750" algn="l" latinLnBrk="1">
-                        <a:buFont typeface="Arial" panose="020B0604020202020204" pitchFamily="34" charset="0"/>
-                        <a:buChar char="•"/>
-                      </a:pPr>
-                      <a:r>
-                        <a:rPr lang="ko-KR" altLang="en-US" sz="1400" b="0" dirty="0">
-                          <a:solidFill>
-                            <a:schemeClr val="tx1"/>
-                          </a:solidFill>
-                        </a:rPr>
-                        <a:t>스킬을 충전한 시간에 비례하여 효과가 상승한다</a:t>
-                      </a:r>
-                      <a:r>
-                        <a:rPr lang="en-US" altLang="ko-KR" sz="1400" b="0" dirty="0">
-                          <a:solidFill>
-                            <a:schemeClr val="tx1"/>
-                          </a:solidFill>
-                        </a:rPr>
-                        <a:t>.</a:t>
-                      </a:r>
-                    </a:p>
-                    <a:p>
-                      <a:pPr marL="1200150" lvl="2" indent="-285750" algn="l" latinLnBrk="1">
-                        <a:buFont typeface="Wingdings" panose="05000000000000000000" pitchFamily="2" charset="2"/>
-                        <a:buChar char="§"/>
-                      </a:pPr>
-                      <a:r>
-                        <a:rPr lang="ko-KR" altLang="en-US" sz="1400" b="0" dirty="0">
-                          <a:solidFill>
-                            <a:schemeClr val="tx1"/>
-                          </a:solidFill>
-                        </a:rPr>
-                        <a:t>캐스팅</a:t>
-                      </a:r>
-                      <a:endParaRPr lang="en-US" altLang="ko-KR" sz="1400" b="0" dirty="0">
-                        <a:solidFill>
-                          <a:schemeClr val="tx1"/>
-                        </a:solidFill>
-                      </a:endParaRPr>
-                    </a:p>
-                    <a:p>
-                      <a:pPr marL="1657350" lvl="3" indent="-285750" algn="l" latinLnBrk="1">
-                        <a:buFont typeface="Arial" panose="020B0604020202020204" pitchFamily="34" charset="0"/>
-                        <a:buChar char="•"/>
-                      </a:pPr>
-                      <a:r>
-                        <a:rPr lang="ko-KR" altLang="en-US" sz="1400" b="0" dirty="0">
-                          <a:solidFill>
-                            <a:schemeClr val="tx1"/>
-                          </a:solidFill>
-                        </a:rPr>
-                        <a:t>시전 시간에 공격을 받을 경우 스킬 사용이 실패한다</a:t>
-                      </a:r>
-                      <a:r>
-                        <a:rPr lang="en-US" altLang="ko-KR" sz="1400" b="0" dirty="0">
-                          <a:solidFill>
-                            <a:schemeClr val="tx1"/>
-                          </a:solidFill>
-                        </a:rPr>
-                        <a:t>.</a:t>
-                      </a:r>
                     </a:p>
                   </a:txBody>
                   <a:tcPr>
@@ -31759,7 +32154,7 @@
 </p:sld>
 </file>
 
-<file path=ppt/slides/slide52.xml><?xml version="1.0" encoding="utf-8"?>
+<file path=ppt/slides/slide55.xml><?xml version="1.0" encoding="utf-8"?>
 <p:sld xmlns:a="http://schemas.openxmlformats.org/drawingml/2006/main" xmlns:r="http://schemas.openxmlformats.org/officeDocument/2006/relationships" xmlns:p="http://schemas.openxmlformats.org/presentationml/2006/main">
   <p:cSld>
     <p:spTree>

--- a/기획/방랑엽사전/스킬 시스템 기획서.pptx
+++ b/기획/방랑엽사전/스킬 시스템 기획서.pptx
@@ -28362,10 +28362,10 @@
       </p:sp>
       <p:pic>
         <p:nvPicPr>
-          <p:cNvPr id="3" name="그림 2" descr="텍스트, 스크린샷, 원, 폰트이(가) 표시된 사진&#10;&#10;자동 생성된 설명">
+          <p:cNvPr id="4" name="그림 3">
             <a:extLst>
               <a:ext uri="{FF2B5EF4-FFF2-40B4-BE49-F238E27FC236}">
-                <a16:creationId xmlns:a16="http://schemas.microsoft.com/office/drawing/2014/main" id="{7D068CB5-35E5-A70C-A3F1-9D4BA7D1318B}"/>
+                <a16:creationId xmlns:a16="http://schemas.microsoft.com/office/drawing/2014/main" id="{816D5664-5850-454E-90AF-04FDCA361256}"/>
               </a:ext>
             </a:extLst>
           </p:cNvPr>
@@ -28388,8 +28388,8 @@
         </p:blipFill>
         <p:spPr>
           <a:xfrm>
-            <a:off x="1328737" y="1222375"/>
-            <a:ext cx="9534525" cy="5343525"/>
+            <a:off x="2471737" y="1328737"/>
+            <a:ext cx="7248525" cy="4200525"/>
           </a:xfrm>
           <a:prstGeom prst="rect">
             <a:avLst/>
@@ -28509,10 +28509,10 @@
       </p:sp>
       <p:pic>
         <p:nvPicPr>
-          <p:cNvPr id="9" name="그림 8" descr="텍스트, 스크린샷, 원, 폰트이(가) 표시된 사진&#10;&#10;자동 생성된 설명">
+          <p:cNvPr id="3" name="그림 2">
             <a:extLst>
               <a:ext uri="{FF2B5EF4-FFF2-40B4-BE49-F238E27FC236}">
-                <a16:creationId xmlns:a16="http://schemas.microsoft.com/office/drawing/2014/main" id="{75442C43-DAF9-F5C0-033F-7B5B11DCD7B2}"/>
+                <a16:creationId xmlns:a16="http://schemas.microsoft.com/office/drawing/2014/main" id="{79948A80-2346-438D-9E36-FB7721DD1711}"/>
               </a:ext>
             </a:extLst>
           </p:cNvPr>
@@ -28535,8 +28535,8 @@
         </p:blipFill>
         <p:spPr>
           <a:xfrm>
-            <a:off x="1328737" y="1158875"/>
-            <a:ext cx="9534525" cy="5343525"/>
+            <a:off x="2471737" y="1328737"/>
+            <a:ext cx="7248525" cy="4200525"/>
           </a:xfrm>
           <a:prstGeom prst="rect">
             <a:avLst/>
@@ -29360,10 +29360,10 @@
       </p:sp>
       <p:pic>
         <p:nvPicPr>
-          <p:cNvPr id="3" name="그림 2">
+          <p:cNvPr id="4" name="그림 3">
             <a:extLst>
               <a:ext uri="{FF2B5EF4-FFF2-40B4-BE49-F238E27FC236}">
-                <a16:creationId xmlns:a16="http://schemas.microsoft.com/office/drawing/2014/main" id="{9A93C17E-1A7B-4FEF-9C01-7B1DB66253C7}"/>
+                <a16:creationId xmlns:a16="http://schemas.microsoft.com/office/drawing/2014/main" id="{855E07BC-7EB0-413E-B75E-C6876B176589}"/>
               </a:ext>
             </a:extLst>
           </p:cNvPr>
@@ -29386,8 +29386,8 @@
         </p:blipFill>
         <p:spPr>
           <a:xfrm>
-            <a:off x="3340893" y="1273298"/>
-            <a:ext cx="5510213" cy="5292602"/>
+            <a:off x="4376737" y="1328737"/>
+            <a:ext cx="3438525" cy="4200525"/>
           </a:xfrm>
           <a:prstGeom prst="rect">
             <a:avLst/>

--- a/기획/방랑엽사전/스킬 시스템 기획서.pptx
+++ b/기획/방랑엽사전/스킬 시스템 기획서.pptx
@@ -299,7 +299,7 @@
           <a:p>
             <a:fld id="{C8649E71-8129-4905-BAC0-51D65A0C1379}" type="datetimeFigureOut">
               <a:rPr lang="ko-KR" altLang="en-US" smtClean="0"/>
-              <a:t>2024-02-27</a:t>
+              <a:t>2024-02-28</a:t>
             </a:fld>
             <a:endParaRPr lang="ko-KR" altLang="en-US"/>
           </a:p>
@@ -797,7 +797,7 @@
           <a:p>
             <a:fld id="{523D6941-6B33-4834-BC65-A333846D27E6}" type="datetimeFigureOut">
               <a:rPr lang="ko-KR" altLang="en-US" smtClean="0"/>
-              <a:t>2024-02-27</a:t>
+              <a:t>2024-02-28</a:t>
             </a:fld>
             <a:endParaRPr lang="ko-KR" altLang="en-US"/>
           </a:p>
@@ -995,7 +995,7 @@
           <a:p>
             <a:fld id="{523D6941-6B33-4834-BC65-A333846D27E6}" type="datetimeFigureOut">
               <a:rPr lang="ko-KR" altLang="en-US" smtClean="0"/>
-              <a:t>2024-02-27</a:t>
+              <a:t>2024-02-28</a:t>
             </a:fld>
             <a:endParaRPr lang="ko-KR" altLang="en-US"/>
           </a:p>
@@ -1203,7 +1203,7 @@
           <a:p>
             <a:fld id="{523D6941-6B33-4834-BC65-A333846D27E6}" type="datetimeFigureOut">
               <a:rPr lang="ko-KR" altLang="en-US" smtClean="0"/>
-              <a:t>2024-02-27</a:t>
+              <a:t>2024-02-28</a:t>
             </a:fld>
             <a:endParaRPr lang="ko-KR" altLang="en-US"/>
           </a:p>
@@ -1416,7 +1416,7 @@
           <a:p>
             <a:fld id="{523D6941-6B33-4834-BC65-A333846D27E6}" type="datetimeFigureOut">
               <a:rPr lang="ko-KR" altLang="en-US" smtClean="0"/>
-              <a:t>2024-02-27</a:t>
+              <a:t>2024-02-28</a:t>
             </a:fld>
             <a:endParaRPr lang="ko-KR" altLang="en-US"/>
           </a:p>
@@ -1701,7 +1701,7 @@
           <a:p>
             <a:fld id="{523D6941-6B33-4834-BC65-A333846D27E6}" type="datetimeFigureOut">
               <a:rPr lang="ko-KR" altLang="en-US" smtClean="0"/>
-              <a:t>2024-02-27</a:t>
+              <a:t>2024-02-28</a:t>
             </a:fld>
             <a:endParaRPr lang="ko-KR" altLang="en-US"/>
           </a:p>
@@ -1966,7 +1966,7 @@
           <a:p>
             <a:fld id="{523D6941-6B33-4834-BC65-A333846D27E6}" type="datetimeFigureOut">
               <a:rPr lang="ko-KR" altLang="en-US" smtClean="0"/>
-              <a:t>2024-02-27</a:t>
+              <a:t>2024-02-28</a:t>
             </a:fld>
             <a:endParaRPr lang="ko-KR" altLang="en-US"/>
           </a:p>
@@ -2378,7 +2378,7 @@
           <a:p>
             <a:fld id="{523D6941-6B33-4834-BC65-A333846D27E6}" type="datetimeFigureOut">
               <a:rPr lang="ko-KR" altLang="en-US" smtClean="0"/>
-              <a:t>2024-02-27</a:t>
+              <a:t>2024-02-28</a:t>
             </a:fld>
             <a:endParaRPr lang="ko-KR" altLang="en-US"/>
           </a:p>
@@ -2519,7 +2519,7 @@
           <a:p>
             <a:fld id="{523D6941-6B33-4834-BC65-A333846D27E6}" type="datetimeFigureOut">
               <a:rPr lang="ko-KR" altLang="en-US" smtClean="0"/>
-              <a:t>2024-02-27</a:t>
+              <a:t>2024-02-28</a:t>
             </a:fld>
             <a:endParaRPr lang="ko-KR" altLang="en-US"/>
           </a:p>
@@ -2632,7 +2632,7 @@
           <a:p>
             <a:fld id="{523D6941-6B33-4834-BC65-A333846D27E6}" type="datetimeFigureOut">
               <a:rPr lang="ko-KR" altLang="en-US" smtClean="0"/>
-              <a:t>2024-02-27</a:t>
+              <a:t>2024-02-28</a:t>
             </a:fld>
             <a:endParaRPr lang="ko-KR" altLang="en-US"/>
           </a:p>
@@ -2943,7 +2943,7 @@
           <a:p>
             <a:fld id="{523D6941-6B33-4834-BC65-A333846D27E6}" type="datetimeFigureOut">
               <a:rPr lang="ko-KR" altLang="en-US" smtClean="0"/>
-              <a:t>2024-02-27</a:t>
+              <a:t>2024-02-28</a:t>
             </a:fld>
             <a:endParaRPr lang="ko-KR" altLang="en-US"/>
           </a:p>
@@ -3231,7 +3231,7 @@
           <a:p>
             <a:fld id="{523D6941-6B33-4834-BC65-A333846D27E6}" type="datetimeFigureOut">
               <a:rPr lang="ko-KR" altLang="en-US" smtClean="0"/>
-              <a:t>2024-02-27</a:t>
+              <a:t>2024-02-28</a:t>
             </a:fld>
             <a:endParaRPr lang="ko-KR" altLang="en-US"/>
           </a:p>
@@ -3472,7 +3472,7 @@
           <a:p>
             <a:fld id="{523D6941-6B33-4834-BC65-A333846D27E6}" type="datetimeFigureOut">
               <a:rPr lang="ko-KR" altLang="en-US" smtClean="0"/>
-              <a:t>2024-02-27</a:t>
+              <a:t>2024-02-28</a:t>
             </a:fld>
             <a:endParaRPr lang="ko-KR" altLang="en-US"/>
           </a:p>
@@ -28362,10 +28362,10 @@
       </p:sp>
       <p:pic>
         <p:nvPicPr>
-          <p:cNvPr id="4" name="그림 3">
+          <p:cNvPr id="3" name="그림 2" descr="텍스트, 스크린샷, 원, 도표이(가) 표시된 사진&#10;&#10;자동 생성된 설명">
             <a:extLst>
               <a:ext uri="{FF2B5EF4-FFF2-40B4-BE49-F238E27FC236}">
-                <a16:creationId xmlns:a16="http://schemas.microsoft.com/office/drawing/2014/main" id="{816D5664-5850-454E-90AF-04FDCA361256}"/>
+                <a16:creationId xmlns:a16="http://schemas.microsoft.com/office/drawing/2014/main" id="{55458291-FA27-2DCF-4CF9-D932CF2D8B2C}"/>
               </a:ext>
             </a:extLst>
           </p:cNvPr>
@@ -28388,8 +28388,8 @@
         </p:blipFill>
         <p:spPr>
           <a:xfrm>
-            <a:off x="2471737" y="1328737"/>
-            <a:ext cx="7248525" cy="4200525"/>
+            <a:off x="0" y="1540395"/>
+            <a:ext cx="12192000" cy="5025505"/>
           </a:xfrm>
           <a:prstGeom prst="rect">
             <a:avLst/>
@@ -28509,10 +28509,10 @@
       </p:sp>
       <p:pic>
         <p:nvPicPr>
-          <p:cNvPr id="3" name="그림 2">
+          <p:cNvPr id="4" name="그림 3" descr="텍스트, 스크린샷, 폰트, 그래픽이(가) 표시된 사진&#10;&#10;자동 생성된 설명">
             <a:extLst>
               <a:ext uri="{FF2B5EF4-FFF2-40B4-BE49-F238E27FC236}">
-                <a16:creationId xmlns:a16="http://schemas.microsoft.com/office/drawing/2014/main" id="{79948A80-2346-438D-9E36-FB7721DD1711}"/>
+                <a16:creationId xmlns:a16="http://schemas.microsoft.com/office/drawing/2014/main" id="{12B9124C-C880-63E6-D8A6-2A767FC98E9C}"/>
               </a:ext>
             </a:extLst>
           </p:cNvPr>
@@ -31220,10 +31220,10 @@
       </p:sp>
       <p:pic>
         <p:nvPicPr>
-          <p:cNvPr id="5" name="그림 4" descr="스크린샷, 원, 그래픽, 그래픽 디자인이(가) 표시된 사진&#10;&#10;자동 생성된 설명">
+          <p:cNvPr id="3" name="그림 2" descr="스크린샷, 그래픽, 원, 패턴이(가) 표시된 사진&#10;&#10;자동 생성된 설명">
             <a:extLst>
               <a:ext uri="{FF2B5EF4-FFF2-40B4-BE49-F238E27FC236}">
-                <a16:creationId xmlns:a16="http://schemas.microsoft.com/office/drawing/2014/main" id="{AB42E934-FBBB-4270-7800-386FB446504E}"/>
+                <a16:creationId xmlns:a16="http://schemas.microsoft.com/office/drawing/2014/main" id="{57032764-F467-DF63-8833-B757A8E1A068}"/>
               </a:ext>
             </a:extLst>
           </p:cNvPr>
@@ -31246,8 +31246,8 @@
         </p:blipFill>
         <p:spPr>
           <a:xfrm>
-            <a:off x="1369137" y="1158875"/>
-            <a:ext cx="9453726" cy="5563875"/>
+            <a:off x="695325" y="1257744"/>
+            <a:ext cx="10801350" cy="5441435"/>
           </a:xfrm>
           <a:prstGeom prst="rect">
             <a:avLst/>
@@ -31367,10 +31367,10 @@
       </p:sp>
       <p:pic>
         <p:nvPicPr>
-          <p:cNvPr id="3" name="그림 2" descr="텍스트, 스크린샷, 폰트, 원이(가) 표시된 사진&#10;&#10;자동 생성된 설명">
+          <p:cNvPr id="4" name="그림 3" descr="텍스트, 스크린샷, 폰트, 원이(가) 표시된 사진&#10;&#10;자동 생성된 설명">
             <a:extLst>
               <a:ext uri="{FF2B5EF4-FFF2-40B4-BE49-F238E27FC236}">
-                <a16:creationId xmlns:a16="http://schemas.microsoft.com/office/drawing/2014/main" id="{454C348B-5EFD-0668-D430-4E02C42EE570}"/>
+                <a16:creationId xmlns:a16="http://schemas.microsoft.com/office/drawing/2014/main" id="{AAB9A3DA-F749-E783-3596-40A817B366B7}"/>
               </a:ext>
             </a:extLst>
           </p:cNvPr>
@@ -31393,8 +31393,8 @@
         </p:blipFill>
         <p:spPr>
           <a:xfrm>
-            <a:off x="2951217" y="1158875"/>
-            <a:ext cx="6289565" cy="5428636"/>
+            <a:off x="2083287" y="1165665"/>
+            <a:ext cx="8025425" cy="5520520"/>
           </a:xfrm>
           <a:prstGeom prst="rect">
             <a:avLst/>
@@ -31514,10 +31514,10 @@
       </p:sp>
       <p:pic>
         <p:nvPicPr>
-          <p:cNvPr id="3" name="그림 2" descr="스크린샷, 텍스트, 폰트, 그래픽이(가) 표시된 사진&#10;&#10;자동 생성된 설명">
+          <p:cNvPr id="4" name="그림 3" descr="스크린샷, 텍스트, 폰트, 그래픽이(가) 표시된 사진&#10;&#10;자동 생성된 설명">
             <a:extLst>
               <a:ext uri="{FF2B5EF4-FFF2-40B4-BE49-F238E27FC236}">
-                <a16:creationId xmlns:a16="http://schemas.microsoft.com/office/drawing/2014/main" id="{4D0C3D04-D3C2-9ECA-CCB1-3F5DF8621FC4}"/>
+                <a16:creationId xmlns:a16="http://schemas.microsoft.com/office/drawing/2014/main" id="{AE366D76-4D43-D8AC-20CC-F8397DC88F81}"/>
               </a:ext>
             </a:extLst>
           </p:cNvPr>
@@ -31540,7 +31540,7 @@
         </p:blipFill>
         <p:spPr>
           <a:xfrm>
-            <a:off x="0" y="1530285"/>
+            <a:off x="0" y="1496335"/>
             <a:ext cx="12192000" cy="3865329"/>
           </a:xfrm>
           <a:prstGeom prst="rect">
@@ -31661,10 +31661,10 @@
       </p:sp>
       <p:pic>
         <p:nvPicPr>
-          <p:cNvPr id="3" name="그림 2" descr="텍스트, 스크린샷, 폰트, 원이(가) 표시된 사진&#10;&#10;자동 생성된 설명">
+          <p:cNvPr id="4" name="그림 3" descr="텍스트, 스크린샷, 폰트, 도표이(가) 표시된 사진&#10;&#10;자동 생성된 설명">
             <a:extLst>
               <a:ext uri="{FF2B5EF4-FFF2-40B4-BE49-F238E27FC236}">
-                <a16:creationId xmlns:a16="http://schemas.microsoft.com/office/drawing/2014/main" id="{0D219602-E28D-88DD-A1C6-EC593CC83616}"/>
+                <a16:creationId xmlns:a16="http://schemas.microsoft.com/office/drawing/2014/main" id="{396D424A-B8C8-61BB-EDCD-27DF62528948}"/>
               </a:ext>
             </a:extLst>
           </p:cNvPr>
@@ -31687,8 +31687,8 @@
         </p:blipFill>
         <p:spPr>
           <a:xfrm>
-            <a:off x="2791555" y="1158875"/>
-            <a:ext cx="6608889" cy="5566751"/>
+            <a:off x="1113435" y="1158875"/>
+            <a:ext cx="9965130" cy="5517279"/>
           </a:xfrm>
           <a:prstGeom prst="rect">
             <a:avLst/>
@@ -31816,14 +31816,14 @@
           <p:nvPr>
             <p:extLst>
               <p:ext uri="{D42A27DB-BD31-4B8C-83A1-F6EECF244321}">
-                <p14:modId xmlns:p14="http://schemas.microsoft.com/office/powerpoint/2010/main" val="383316103"/>
+                <p14:modId xmlns:p14="http://schemas.microsoft.com/office/powerpoint/2010/main" val="1553881704"/>
               </p:ext>
             </p:extLst>
           </p:nvPr>
         </p:nvGraphicFramePr>
         <p:xfrm>
           <a:off x="3041491" y="2240280"/>
-          <a:ext cx="6109018" cy="1524000"/>
+          <a:ext cx="6109018" cy="1950720"/>
         </p:xfrm>
         <a:graphic>
           <a:graphicData uri="http://schemas.openxmlformats.org/drawingml/2006/table">
@@ -31910,7 +31910,7 @@
                             <a:schemeClr val="tx1"/>
                           </a:solidFill>
                         </a:rPr>
-                        <a:t>일부 스킬에 적용되는 요소들에 대한 처리 단계이다</a:t>
+                        <a:t>기타 요소들에 대한 처리 단계이다</a:t>
                       </a:r>
                       <a:r>
                         <a:rPr lang="en-US" altLang="ko-KR" sz="1400" b="0" dirty="0">
@@ -32090,6 +32090,52 @@
                         <a:buFont typeface="Wingdings" panose="05000000000000000000" pitchFamily="2" charset="2"/>
                         <a:buChar char="u"/>
                       </a:pPr>
+                      <a:r>
+                        <a:rPr lang="ko-KR" altLang="en-US" sz="1400" b="0" dirty="0">
+                          <a:solidFill>
+                            <a:schemeClr val="tx1"/>
+                          </a:solidFill>
+                        </a:rPr>
+                        <a:t>높이</a:t>
+                      </a:r>
+                      <a:endParaRPr lang="en-US" altLang="ko-KR" sz="1400" b="0" dirty="0">
+                        <a:solidFill>
+                          <a:schemeClr val="tx1"/>
+                        </a:solidFill>
+                      </a:endParaRPr>
+                    </a:p>
+                    <a:p>
+                      <a:pPr marL="742950" lvl="1" indent="-285750" algn="l" latinLnBrk="1">
+                        <a:buFont typeface="Wingdings" panose="05000000000000000000" pitchFamily="2" charset="2"/>
+                        <a:buChar char="u"/>
+                      </a:pPr>
+                      <a:r>
+                        <a:rPr lang="ko-KR" altLang="en-US" sz="1400" b="0" dirty="0">
+                          <a:solidFill>
+                            <a:schemeClr val="tx1"/>
+                          </a:solidFill>
+                        </a:rPr>
+                        <a:t>스킬 실패</a:t>
+                      </a:r>
+                      <a:endParaRPr lang="en-US" altLang="ko-KR" sz="1400" b="0" dirty="0">
+                        <a:solidFill>
+                          <a:schemeClr val="tx1"/>
+                        </a:solidFill>
+                      </a:endParaRPr>
+                    </a:p>
+                    <a:p>
+                      <a:pPr marL="742950" lvl="1" indent="-285750" algn="l" latinLnBrk="1">
+                        <a:buFont typeface="Wingdings" panose="05000000000000000000" pitchFamily="2" charset="2"/>
+                        <a:buChar char="u"/>
+                      </a:pPr>
+                      <a:r>
+                        <a:rPr lang="ko-KR" altLang="en-US" sz="1400" b="0" dirty="0">
+                          <a:solidFill>
+                            <a:schemeClr val="tx1"/>
+                          </a:solidFill>
+                        </a:rPr>
+                        <a:t>스킬 취소</a:t>
+                      </a:r>
                       <a:endParaRPr lang="en-US" altLang="ko-KR" sz="1400" b="0" dirty="0">
                         <a:solidFill>
                           <a:schemeClr val="tx1"/>
@@ -32247,6 +32293,42 @@
           </a:p>
         </p:txBody>
       </p:sp>
+      <p:pic>
+        <p:nvPicPr>
+          <p:cNvPr id="5" name="그림 4" descr="텍스트, 스크린샷, 폰트, 그래픽이(가) 표시된 사진&#10;&#10;자동 생성된 설명">
+            <a:extLst>
+              <a:ext uri="{FF2B5EF4-FFF2-40B4-BE49-F238E27FC236}">
+                <a16:creationId xmlns:a16="http://schemas.microsoft.com/office/drawing/2014/main" id="{79EEB581-60AF-11D2-EE5E-ED73325244DA}"/>
+              </a:ext>
+            </a:extLst>
+          </p:cNvPr>
+          <p:cNvPicPr>
+            <a:picLocks noChangeAspect="1"/>
+          </p:cNvPicPr>
+          <p:nvPr/>
+        </p:nvPicPr>
+        <p:blipFill>
+          <a:blip r:embed="rId2">
+            <a:extLst>
+              <a:ext uri="{28A0092B-C50C-407E-A947-70E740481C1C}">
+                <a14:useLocalDpi xmlns:a14="http://schemas.microsoft.com/office/drawing/2010/main" val="0"/>
+              </a:ext>
+            </a:extLst>
+          </a:blip>
+          <a:stretch>
+            <a:fillRect/>
+          </a:stretch>
+        </p:blipFill>
+        <p:spPr>
+          <a:xfrm>
+            <a:off x="2471737" y="1900237"/>
+            <a:ext cx="7248525" cy="3057525"/>
+          </a:xfrm>
+          <a:prstGeom prst="rect">
+            <a:avLst/>
+          </a:prstGeom>
+        </p:spPr>
+      </p:pic>
     </p:spTree>
     <p:extLst>
       <p:ext uri="{BB962C8B-B14F-4D97-AF65-F5344CB8AC3E}">

--- a/기획/방랑엽사전/스킬 시스템 기획서.pptx
+++ b/기획/방랑엽사전/스킬 시스템 기획서.pptx
@@ -5,7 +5,7 @@
     <p:sldMasterId id="2147483715" r:id="rId1"/>
   </p:sldMasterIdLst>
   <p:notesMasterIdLst>
-    <p:notesMasterId r:id="rId57"/>
+    <p:notesMasterId r:id="rId58"/>
   </p:notesMasterIdLst>
   <p:sldIdLst>
     <p:sldId id="258" r:id="rId2"/>
@@ -63,6 +63,7 @@
     <p:sldId id="361" r:id="rId54"/>
     <p:sldId id="356" r:id="rId55"/>
     <p:sldId id="357" r:id="rId56"/>
+    <p:sldId id="362" r:id="rId57"/>
   </p:sldIdLst>
   <p:sldSz cx="12192000" cy="6858000"/>
   <p:notesSz cx="6858000" cy="9144000"/>
@@ -31661,10 +31662,10 @@
       </p:sp>
       <p:pic>
         <p:nvPicPr>
-          <p:cNvPr id="4" name="그림 3" descr="텍스트, 스크린샷, 폰트, 도표이(가) 표시된 사진&#10;&#10;자동 생성된 설명">
+          <p:cNvPr id="3" name="그림 2">
             <a:extLst>
               <a:ext uri="{FF2B5EF4-FFF2-40B4-BE49-F238E27FC236}">
-                <a16:creationId xmlns:a16="http://schemas.microsoft.com/office/drawing/2014/main" id="{396D424A-B8C8-61BB-EDCD-27DF62528948}"/>
+                <a16:creationId xmlns:a16="http://schemas.microsoft.com/office/drawing/2014/main" id="{CE2E6D6E-5408-4E22-96F8-2439D0A1F083}"/>
               </a:ext>
             </a:extLst>
           </p:cNvPr>
@@ -31687,8 +31688,8 @@
         </p:blipFill>
         <p:spPr>
           <a:xfrm>
-            <a:off x="1113435" y="1158875"/>
-            <a:ext cx="9965130" cy="5517279"/>
+            <a:off x="3019241" y="1227178"/>
+            <a:ext cx="6153517" cy="5506630"/>
           </a:xfrm>
           <a:prstGeom prst="rect">
             <a:avLst/>
@@ -32333,6 +32334,414 @@
     <p:extLst>
       <p:ext uri="{BB962C8B-B14F-4D97-AF65-F5344CB8AC3E}">
         <p14:creationId xmlns:p14="http://schemas.microsoft.com/office/powerpoint/2010/main" val="2535093025"/>
+      </p:ext>
+    </p:extLst>
+  </p:cSld>
+  <p:clrMapOvr>
+    <a:masterClrMapping/>
+  </p:clrMapOvr>
+</p:sld>
+</file>
+
+<file path=ppt/slides/slide56.xml><?xml version="1.0" encoding="utf-8"?>
+<p:sld xmlns:a="http://schemas.openxmlformats.org/drawingml/2006/main" xmlns:r="http://schemas.openxmlformats.org/officeDocument/2006/relationships" xmlns:p="http://schemas.openxmlformats.org/presentationml/2006/main">
+  <p:cSld>
+    <p:spTree>
+      <p:nvGrpSpPr>
+        <p:cNvPr id="1" name="">
+          <a:extLst>
+            <a:ext uri="{FF2B5EF4-FFF2-40B4-BE49-F238E27FC236}">
+              <a16:creationId xmlns:a16="http://schemas.microsoft.com/office/drawing/2014/main" id="{0179CEA0-7671-6602-C58D-55B482E19B92}"/>
+            </a:ext>
+          </a:extLst>
+        </p:cNvPr>
+        <p:cNvGrpSpPr/>
+        <p:nvPr/>
+      </p:nvGrpSpPr>
+      <p:grpSpPr>
+        <a:xfrm>
+          <a:off x="0" y="0"/>
+          <a:ext cx="0" cy="0"/>
+          <a:chOff x="0" y="0"/>
+          <a:chExt cx="0" cy="0"/>
+        </a:xfrm>
+      </p:grpSpPr>
+      <p:sp>
+        <p:nvSpPr>
+          <p:cNvPr id="7" name="제목 1">
+            <a:extLst>
+              <a:ext uri="{FF2B5EF4-FFF2-40B4-BE49-F238E27FC236}">
+                <a16:creationId xmlns:a16="http://schemas.microsoft.com/office/drawing/2014/main" id="{94ED0CEF-75BD-C166-74A5-F9968860FA69}"/>
+              </a:ext>
+            </a:extLst>
+          </p:cNvPr>
+          <p:cNvSpPr txBox="1">
+            <a:spLocks/>
+          </p:cNvSpPr>
+          <p:nvPr/>
+        </p:nvSpPr>
+        <p:spPr>
+          <a:xfrm>
+            <a:off x="695325" y="292100"/>
+            <a:ext cx="10801350" cy="861695"/>
+          </a:xfrm>
+          <a:prstGeom prst="rect">
+            <a:avLst/>
+          </a:prstGeom>
+        </p:spPr>
+        <p:txBody>
+          <a:bodyPr vert="horz" lIns="91440" tIns="45720" rIns="91440" bIns="45720" rtlCol="0" anchor="ctr">
+            <a:normAutofit/>
+          </a:bodyPr>
+          <a:lstStyle>
+            <a:lvl1pPr algn="l" defTabSz="914400" rtl="0" eaLnBrk="1" latinLnBrk="1" hangingPunct="1">
+              <a:lnSpc>
+                <a:spcPct val="90000"/>
+              </a:lnSpc>
+              <a:spcBef>
+                <a:spcPct val="0"/>
+              </a:spcBef>
+              <a:buNone/>
+              <a:defRPr sz="4400" kern="1200">
+                <a:solidFill>
+                  <a:schemeClr val="tx1"/>
+                </a:solidFill>
+                <a:latin typeface="+mj-lt"/>
+                <a:ea typeface="+mj-ea"/>
+                <a:cs typeface="+mj-cs"/>
+              </a:defRPr>
+            </a:lvl1pPr>
+          </a:lstStyle>
+          <a:p>
+            <a:r>
+              <a:rPr lang="ko-KR" altLang="en-US" dirty="0"/>
+              <a:t>결과</a:t>
+            </a:r>
+          </a:p>
+        </p:txBody>
+      </p:sp>
+      <p:graphicFrame>
+        <p:nvGraphicFramePr>
+          <p:cNvPr id="2" name="표 1">
+            <a:extLst>
+              <a:ext uri="{FF2B5EF4-FFF2-40B4-BE49-F238E27FC236}">
+                <a16:creationId xmlns:a16="http://schemas.microsoft.com/office/drawing/2014/main" id="{9DF8C4F3-6418-FC83-1EC1-1698BF13BE31}"/>
+              </a:ext>
+            </a:extLst>
+          </p:cNvPr>
+          <p:cNvGraphicFramePr>
+            <a:graphicFrameLocks noGrp="1"/>
+          </p:cNvGraphicFramePr>
+          <p:nvPr>
+            <p:extLst>
+              <p:ext uri="{D42A27DB-BD31-4B8C-83A1-F6EECF244321}">
+                <p14:modId xmlns:p14="http://schemas.microsoft.com/office/powerpoint/2010/main" val="2368465012"/>
+              </p:ext>
+            </p:extLst>
+          </p:nvPr>
+        </p:nvGraphicFramePr>
+        <p:xfrm>
+          <a:off x="3041491" y="2240280"/>
+          <a:ext cx="6109018" cy="1524000"/>
+        </p:xfrm>
+        <a:graphic>
+          <a:graphicData uri="http://schemas.openxmlformats.org/drawingml/2006/table">
+            <a:tbl>
+              <a:tblPr firstRow="1" bandRow="1">
+                <a:tableStyleId>{5C22544A-7EE6-4342-B048-85BDC9FD1C3A}</a:tableStyleId>
+              </a:tblPr>
+              <a:tblGrid>
+                <a:gridCol w="6109018">
+                  <a:extLst>
+                    <a:ext uri="{9D8B030D-6E8A-4147-A177-3AD203B41FA5}">
+                      <a16:colId xmlns:a16="http://schemas.microsoft.com/office/drawing/2014/main" val="3852552135"/>
+                    </a:ext>
+                  </a:extLst>
+                </a:gridCol>
+              </a:tblGrid>
+              <a:tr h="0">
+                <a:tc>
+                  <a:txBody>
+                    <a:bodyPr/>
+                    <a:lstStyle/>
+                    <a:p>
+                      <a:pPr algn="l" latinLnBrk="1"/>
+                      <a:endParaRPr lang="ko-KR" altLang="en-US" sz="1400" b="0" dirty="0">
+                        <a:solidFill>
+                          <a:schemeClr val="tx1"/>
+                        </a:solidFill>
+                      </a:endParaRPr>
+                    </a:p>
+                  </a:txBody>
+                  <a:tcPr>
+                    <a:lnL w="12700" cmpd="sng">
+                      <a:noFill/>
+                    </a:lnL>
+                    <a:lnR w="12700" cmpd="sng">
+                      <a:noFill/>
+                    </a:lnR>
+                    <a:lnT w="12700" cmpd="sng">
+                      <a:noFill/>
+                    </a:lnT>
+                    <a:lnB w="12700" cap="flat" cmpd="sng" algn="ctr">
+                      <a:solidFill>
+                        <a:schemeClr val="tx1"/>
+                      </a:solidFill>
+                      <a:prstDash val="solid"/>
+                      <a:round/>
+                      <a:headEnd type="none" w="med" len="med"/>
+                      <a:tailEnd type="none" w="med" len="med"/>
+                    </a:lnB>
+                    <a:lnTlToBr w="12700" cmpd="sng">
+                      <a:noFill/>
+                      <a:prstDash val="solid"/>
+                    </a:lnTlToBr>
+                    <a:lnBlToTr w="12700" cmpd="sng">
+                      <a:noFill/>
+                      <a:prstDash val="solid"/>
+                    </a:lnBlToTr>
+                    <a:solidFill>
+                      <a:schemeClr val="bg1">
+                        <a:lumMod val="95000"/>
+                      </a:schemeClr>
+                    </a:solidFill>
+                  </a:tcPr>
+                </a:tc>
+                <a:extLst>
+                  <a:ext uri="{0D108BD9-81ED-4DB2-BD59-A6C34878D82A}">
+                    <a16:rowId xmlns:a16="http://schemas.microsoft.com/office/drawing/2014/main" val="4129766453"/>
+                  </a:ext>
+                </a:extLst>
+              </a:tr>
+              <a:tr h="0">
+                <a:tc>
+                  <a:txBody>
+                    <a:bodyPr/>
+                    <a:lstStyle/>
+                    <a:p>
+                      <a:pPr algn="l" latinLnBrk="1"/>
+                      <a:endParaRPr lang="en-US" altLang="ko-KR" sz="1400" b="0" dirty="0">
+                        <a:solidFill>
+                          <a:schemeClr val="tx1"/>
+                        </a:solidFill>
+                      </a:endParaRPr>
+                    </a:p>
+                  </a:txBody>
+                  <a:tcPr>
+                    <a:lnL w="12700" cmpd="sng">
+                      <a:noFill/>
+                    </a:lnL>
+                    <a:lnR w="12700" cmpd="sng">
+                      <a:noFill/>
+                    </a:lnR>
+                    <a:lnT w="12700" cap="flat" cmpd="sng" algn="ctr">
+                      <a:solidFill>
+                        <a:schemeClr val="tx1"/>
+                      </a:solidFill>
+                      <a:prstDash val="solid"/>
+                      <a:round/>
+                      <a:headEnd type="none" w="med" len="med"/>
+                      <a:tailEnd type="none" w="med" len="med"/>
+                    </a:lnT>
+                    <a:lnB w="12700" cap="flat" cmpd="sng" algn="ctr">
+                      <a:noFill/>
+                      <a:prstDash val="solid"/>
+                      <a:round/>
+                      <a:headEnd type="none" w="med" len="med"/>
+                      <a:tailEnd type="none" w="med" len="med"/>
+                    </a:lnB>
+                    <a:lnTlToBr w="12700" cmpd="sng">
+                      <a:noFill/>
+                      <a:prstDash val="solid"/>
+                    </a:lnTlToBr>
+                    <a:lnBlToTr w="12700" cmpd="sng">
+                      <a:noFill/>
+                      <a:prstDash val="solid"/>
+                    </a:lnBlToTr>
+                    <a:noFill/>
+                  </a:tcPr>
+                </a:tc>
+                <a:extLst>
+                  <a:ext uri="{0D108BD9-81ED-4DB2-BD59-A6C34878D82A}">
+                    <a16:rowId xmlns:a16="http://schemas.microsoft.com/office/drawing/2014/main" val="3386730004"/>
+                  </a:ext>
+                </a:extLst>
+              </a:tr>
+              <a:tr h="0">
+                <a:tc>
+                  <a:txBody>
+                    <a:bodyPr/>
+                    <a:lstStyle/>
+                    <a:p>
+                      <a:pPr algn="l" latinLnBrk="1"/>
+                      <a:endParaRPr lang="en-US" altLang="ko-KR" sz="1400" b="0" dirty="0">
+                        <a:solidFill>
+                          <a:schemeClr val="tx1"/>
+                        </a:solidFill>
+                      </a:endParaRPr>
+                    </a:p>
+                  </a:txBody>
+                  <a:tcPr>
+                    <a:lnL w="12700" cmpd="sng">
+                      <a:noFill/>
+                    </a:lnL>
+                    <a:lnR w="12700" cmpd="sng">
+                      <a:noFill/>
+                    </a:lnR>
+                    <a:lnT w="12700" cap="flat" cmpd="sng" algn="ctr">
+                      <a:noFill/>
+                      <a:prstDash val="solid"/>
+                      <a:round/>
+                      <a:headEnd type="none" w="med" len="med"/>
+                      <a:tailEnd type="none" w="med" len="med"/>
+                    </a:lnT>
+                    <a:lnB w="12700" cap="flat" cmpd="sng" algn="ctr">
+                      <a:noFill/>
+                      <a:prstDash val="solid"/>
+                      <a:round/>
+                      <a:headEnd type="none" w="med" len="med"/>
+                      <a:tailEnd type="none" w="med" len="med"/>
+                    </a:lnB>
+                    <a:lnTlToBr w="12700" cmpd="sng">
+                      <a:noFill/>
+                      <a:prstDash val="solid"/>
+                    </a:lnTlToBr>
+                    <a:lnBlToTr w="12700" cmpd="sng">
+                      <a:noFill/>
+                      <a:prstDash val="solid"/>
+                    </a:lnBlToTr>
+                    <a:noFill/>
+                  </a:tcPr>
+                </a:tc>
+                <a:extLst>
+                  <a:ext uri="{0D108BD9-81ED-4DB2-BD59-A6C34878D82A}">
+                    <a16:rowId xmlns:a16="http://schemas.microsoft.com/office/drawing/2014/main" val="1470410232"/>
+                  </a:ext>
+                </a:extLst>
+              </a:tr>
+              <a:tr h="0">
+                <a:tc>
+                  <a:txBody>
+                    <a:bodyPr/>
+                    <a:lstStyle/>
+                    <a:p>
+                      <a:pPr algn="l" latinLnBrk="1"/>
+                      <a:endParaRPr lang="en-US" altLang="ko-KR" sz="1400" b="0" dirty="0">
+                        <a:solidFill>
+                          <a:schemeClr val="tx1"/>
+                        </a:solidFill>
+                      </a:endParaRPr>
+                    </a:p>
+                  </a:txBody>
+                  <a:tcPr>
+                    <a:lnL w="12700" cmpd="sng">
+                      <a:noFill/>
+                    </a:lnL>
+                    <a:lnR w="12700" cmpd="sng">
+                      <a:noFill/>
+                    </a:lnR>
+                    <a:lnT w="12700" cap="flat" cmpd="sng" algn="ctr">
+                      <a:noFill/>
+                      <a:prstDash val="solid"/>
+                      <a:round/>
+                      <a:headEnd type="none" w="med" len="med"/>
+                      <a:tailEnd type="none" w="med" len="med"/>
+                    </a:lnT>
+                    <a:lnB w="12700" cap="flat" cmpd="sng" algn="ctr">
+                      <a:solidFill>
+                        <a:schemeClr val="tx1"/>
+                      </a:solidFill>
+                      <a:prstDash val="solid"/>
+                      <a:round/>
+                      <a:headEnd type="none" w="med" len="med"/>
+                      <a:tailEnd type="none" w="med" len="med"/>
+                    </a:lnB>
+                    <a:lnTlToBr w="12700" cmpd="sng">
+                      <a:noFill/>
+                      <a:prstDash val="solid"/>
+                    </a:lnTlToBr>
+                    <a:lnBlToTr w="12700" cmpd="sng">
+                      <a:noFill/>
+                      <a:prstDash val="solid"/>
+                    </a:lnBlToTr>
+                    <a:solidFill>
+                      <a:schemeClr val="bg1">
+                        <a:lumMod val="95000"/>
+                      </a:schemeClr>
+                    </a:solidFill>
+                  </a:tcPr>
+                </a:tc>
+                <a:extLst>
+                  <a:ext uri="{0D108BD9-81ED-4DB2-BD59-A6C34878D82A}">
+                    <a16:rowId xmlns:a16="http://schemas.microsoft.com/office/drawing/2014/main" val="4103515606"/>
+                  </a:ext>
+                </a:extLst>
+              </a:tr>
+              <a:tr h="246289">
+                <a:tc>
+                  <a:txBody>
+                    <a:bodyPr/>
+                    <a:lstStyle/>
+                    <a:p>
+                      <a:pPr marL="742950" lvl="1" indent="-285750" algn="l" latinLnBrk="1">
+                        <a:buFont typeface="Wingdings" panose="05000000000000000000" pitchFamily="2" charset="2"/>
+                        <a:buChar char="u"/>
+                      </a:pPr>
+                      <a:endParaRPr lang="en-US" altLang="ko-KR" sz="1400" b="0" dirty="0">
+                        <a:solidFill>
+                          <a:schemeClr val="tx1"/>
+                        </a:solidFill>
+                      </a:endParaRPr>
+                    </a:p>
+                  </a:txBody>
+                  <a:tcPr>
+                    <a:lnL w="12700" cmpd="sng">
+                      <a:noFill/>
+                    </a:lnL>
+                    <a:lnR w="12700" cmpd="sng">
+                      <a:noFill/>
+                    </a:lnR>
+                    <a:lnT w="12700" cap="flat" cmpd="sng" algn="ctr">
+                      <a:solidFill>
+                        <a:schemeClr val="tx1"/>
+                      </a:solidFill>
+                      <a:prstDash val="solid"/>
+                      <a:round/>
+                      <a:headEnd type="none" w="med" len="med"/>
+                      <a:tailEnd type="none" w="med" len="med"/>
+                    </a:lnT>
+                    <a:lnB w="12700" cap="flat" cmpd="sng" algn="ctr">
+                      <a:noFill/>
+                      <a:prstDash val="solid"/>
+                      <a:round/>
+                      <a:headEnd type="none" w="med" len="med"/>
+                      <a:tailEnd type="none" w="med" len="med"/>
+                    </a:lnB>
+                    <a:lnTlToBr w="12700" cmpd="sng">
+                      <a:noFill/>
+                      <a:prstDash val="solid"/>
+                    </a:lnTlToBr>
+                    <a:lnBlToTr w="12700" cmpd="sng">
+                      <a:noFill/>
+                      <a:prstDash val="solid"/>
+                    </a:lnBlToTr>
+                    <a:noFill/>
+                  </a:tcPr>
+                </a:tc>
+                <a:extLst>
+                  <a:ext uri="{0D108BD9-81ED-4DB2-BD59-A6C34878D82A}">
+                    <a16:rowId xmlns:a16="http://schemas.microsoft.com/office/drawing/2014/main" val="1458965696"/>
+                  </a:ext>
+                </a:extLst>
+              </a:tr>
+            </a:tbl>
+          </a:graphicData>
+        </a:graphic>
+      </p:graphicFrame>
+    </p:spTree>
+    <p:extLst>
+      <p:ext uri="{BB962C8B-B14F-4D97-AF65-F5344CB8AC3E}">
+        <p14:creationId xmlns:p14="http://schemas.microsoft.com/office/powerpoint/2010/main" val="3975850258"/>
       </p:ext>
     </p:extLst>
   </p:cSld>

--- a/기획/방랑엽사전/스킬 시스템 기획서.pptx
+++ b/기획/방랑엽사전/스킬 시스템 기획서.pptx
@@ -5,7 +5,7 @@
     <p:sldMasterId id="2147483715" r:id="rId1"/>
   </p:sldMasterIdLst>
   <p:notesMasterIdLst>
-    <p:notesMasterId r:id="rId58"/>
+    <p:notesMasterId r:id="rId64"/>
   </p:notesMasterIdLst>
   <p:sldIdLst>
     <p:sldId id="258" r:id="rId2"/>
@@ -54,16 +54,22 @@
     <p:sldId id="350" r:id="rId45"/>
     <p:sldId id="351" r:id="rId46"/>
     <p:sldId id="358" r:id="rId47"/>
-    <p:sldId id="354" r:id="rId48"/>
-    <p:sldId id="355" r:id="rId49"/>
-    <p:sldId id="352" r:id="rId50"/>
-    <p:sldId id="353" r:id="rId51"/>
-    <p:sldId id="359" r:id="rId52"/>
-    <p:sldId id="360" r:id="rId53"/>
-    <p:sldId id="361" r:id="rId54"/>
-    <p:sldId id="356" r:id="rId55"/>
-    <p:sldId id="357" r:id="rId56"/>
-    <p:sldId id="362" r:id="rId57"/>
+    <p:sldId id="363" r:id="rId48"/>
+    <p:sldId id="364" r:id="rId49"/>
+    <p:sldId id="354" r:id="rId50"/>
+    <p:sldId id="355" r:id="rId51"/>
+    <p:sldId id="352" r:id="rId52"/>
+    <p:sldId id="353" r:id="rId53"/>
+    <p:sldId id="359" r:id="rId54"/>
+    <p:sldId id="360" r:id="rId55"/>
+    <p:sldId id="361" r:id="rId56"/>
+    <p:sldId id="356" r:id="rId57"/>
+    <p:sldId id="365" r:id="rId58"/>
+    <p:sldId id="366" r:id="rId59"/>
+    <p:sldId id="367" r:id="rId60"/>
+    <p:sldId id="368" r:id="rId61"/>
+    <p:sldId id="369" r:id="rId62"/>
+    <p:sldId id="362" r:id="rId63"/>
   </p:sldIdLst>
   <p:sldSz cx="12192000" cy="6858000"/>
   <p:notesSz cx="6858000" cy="9144000"/>
@@ -300,7 +306,7 @@
           <a:p>
             <a:fld id="{C8649E71-8129-4905-BAC0-51D65A0C1379}" type="datetimeFigureOut">
               <a:rPr lang="ko-KR" altLang="en-US" smtClean="0"/>
-              <a:t>2024-02-28</a:t>
+              <a:t>2024-02-29</a:t>
             </a:fld>
             <a:endParaRPr lang="ko-KR" altLang="en-US"/>
           </a:p>
@@ -798,7 +804,7 @@
           <a:p>
             <a:fld id="{523D6941-6B33-4834-BC65-A333846D27E6}" type="datetimeFigureOut">
               <a:rPr lang="ko-KR" altLang="en-US" smtClean="0"/>
-              <a:t>2024-02-28</a:t>
+              <a:t>2024-02-29</a:t>
             </a:fld>
             <a:endParaRPr lang="ko-KR" altLang="en-US"/>
           </a:p>
@@ -996,7 +1002,7 @@
           <a:p>
             <a:fld id="{523D6941-6B33-4834-BC65-A333846D27E6}" type="datetimeFigureOut">
               <a:rPr lang="ko-KR" altLang="en-US" smtClean="0"/>
-              <a:t>2024-02-28</a:t>
+              <a:t>2024-02-29</a:t>
             </a:fld>
             <a:endParaRPr lang="ko-KR" altLang="en-US"/>
           </a:p>
@@ -1204,7 +1210,7 @@
           <a:p>
             <a:fld id="{523D6941-6B33-4834-BC65-A333846D27E6}" type="datetimeFigureOut">
               <a:rPr lang="ko-KR" altLang="en-US" smtClean="0"/>
-              <a:t>2024-02-28</a:t>
+              <a:t>2024-02-29</a:t>
             </a:fld>
             <a:endParaRPr lang="ko-KR" altLang="en-US"/>
           </a:p>
@@ -1417,7 +1423,7 @@
           <a:p>
             <a:fld id="{523D6941-6B33-4834-BC65-A333846D27E6}" type="datetimeFigureOut">
               <a:rPr lang="ko-KR" altLang="en-US" smtClean="0"/>
-              <a:t>2024-02-28</a:t>
+              <a:t>2024-02-29</a:t>
             </a:fld>
             <a:endParaRPr lang="ko-KR" altLang="en-US"/>
           </a:p>
@@ -1702,7 +1708,7 @@
           <a:p>
             <a:fld id="{523D6941-6B33-4834-BC65-A333846D27E6}" type="datetimeFigureOut">
               <a:rPr lang="ko-KR" altLang="en-US" smtClean="0"/>
-              <a:t>2024-02-28</a:t>
+              <a:t>2024-02-29</a:t>
             </a:fld>
             <a:endParaRPr lang="ko-KR" altLang="en-US"/>
           </a:p>
@@ -1967,7 +1973,7 @@
           <a:p>
             <a:fld id="{523D6941-6B33-4834-BC65-A333846D27E6}" type="datetimeFigureOut">
               <a:rPr lang="ko-KR" altLang="en-US" smtClean="0"/>
-              <a:t>2024-02-28</a:t>
+              <a:t>2024-02-29</a:t>
             </a:fld>
             <a:endParaRPr lang="ko-KR" altLang="en-US"/>
           </a:p>
@@ -2379,7 +2385,7 @@
           <a:p>
             <a:fld id="{523D6941-6B33-4834-BC65-A333846D27E6}" type="datetimeFigureOut">
               <a:rPr lang="ko-KR" altLang="en-US" smtClean="0"/>
-              <a:t>2024-02-28</a:t>
+              <a:t>2024-02-29</a:t>
             </a:fld>
             <a:endParaRPr lang="ko-KR" altLang="en-US"/>
           </a:p>
@@ -2520,7 +2526,7 @@
           <a:p>
             <a:fld id="{523D6941-6B33-4834-BC65-A333846D27E6}" type="datetimeFigureOut">
               <a:rPr lang="ko-KR" altLang="en-US" smtClean="0"/>
-              <a:t>2024-02-28</a:t>
+              <a:t>2024-02-29</a:t>
             </a:fld>
             <a:endParaRPr lang="ko-KR" altLang="en-US"/>
           </a:p>
@@ -2633,7 +2639,7 @@
           <a:p>
             <a:fld id="{523D6941-6B33-4834-BC65-A333846D27E6}" type="datetimeFigureOut">
               <a:rPr lang="ko-KR" altLang="en-US" smtClean="0"/>
-              <a:t>2024-02-28</a:t>
+              <a:t>2024-02-29</a:t>
             </a:fld>
             <a:endParaRPr lang="ko-KR" altLang="en-US"/>
           </a:p>
@@ -2944,7 +2950,7 @@
           <a:p>
             <a:fld id="{523D6941-6B33-4834-BC65-A333846D27E6}" type="datetimeFigureOut">
               <a:rPr lang="ko-KR" altLang="en-US" smtClean="0"/>
-              <a:t>2024-02-28</a:t>
+              <a:t>2024-02-29</a:t>
             </a:fld>
             <a:endParaRPr lang="ko-KR" altLang="en-US"/>
           </a:p>
@@ -3232,7 +3238,7 @@
           <a:p>
             <a:fld id="{523D6941-6B33-4834-BC65-A333846D27E6}" type="datetimeFigureOut">
               <a:rPr lang="ko-KR" altLang="en-US" smtClean="0"/>
-              <a:t>2024-02-28</a:t>
+              <a:t>2024-02-29</a:t>
             </a:fld>
             <a:endParaRPr lang="ko-KR" altLang="en-US"/>
           </a:p>
@@ -3473,7 +3479,7 @@
           <a:p>
             <a:fld id="{523D6941-6B33-4834-BC65-A333846D27E6}" type="datetimeFigureOut">
               <a:rPr lang="ko-KR" altLang="en-US" smtClean="0"/>
-              <a:t>2024-02-28</a:t>
+              <a:t>2024-02-29</a:t>
             </a:fld>
             <a:endParaRPr lang="ko-KR" altLang="en-US"/>
           </a:p>
@@ -28361,42 +28367,171 @@
           </a:p>
         </p:txBody>
       </p:sp>
-      <p:pic>
-        <p:nvPicPr>
-          <p:cNvPr id="3" name="그림 2" descr="텍스트, 스크린샷, 원, 도표이(가) 표시된 사진&#10;&#10;자동 생성된 설명">
+      <p:grpSp>
+        <p:nvGrpSpPr>
+          <p:cNvPr id="16" name="그룹 15">
             <a:extLst>
               <a:ext uri="{FF2B5EF4-FFF2-40B4-BE49-F238E27FC236}">
-                <a16:creationId xmlns:a16="http://schemas.microsoft.com/office/drawing/2014/main" id="{55458291-FA27-2DCF-4CF9-D932CF2D8B2C}"/>
+                <a16:creationId xmlns:a16="http://schemas.microsoft.com/office/drawing/2014/main" id="{831B3E27-4453-FB8E-29DC-18BEB60DD091}"/>
               </a:ext>
             </a:extLst>
           </p:cNvPr>
-          <p:cNvPicPr>
-            <a:picLocks noChangeAspect="1"/>
-          </p:cNvPicPr>
+          <p:cNvGrpSpPr/>
           <p:nvPr/>
-        </p:nvPicPr>
-        <p:blipFill>
-          <a:blip r:embed="rId2">
-            <a:extLst>
-              <a:ext uri="{28A0092B-C50C-407E-A947-70E740481C1C}">
-                <a14:useLocalDpi xmlns:a14="http://schemas.microsoft.com/office/drawing/2010/main" val="0"/>
-              </a:ext>
-            </a:extLst>
-          </a:blip>
-          <a:stretch>
-            <a:fillRect/>
-          </a:stretch>
-        </p:blipFill>
-        <p:spPr>
+        </p:nvGrpSpPr>
+        <p:grpSpPr>
           <a:xfrm>
-            <a:off x="0" y="1540395"/>
-            <a:ext cx="12192000" cy="5025505"/>
+            <a:off x="2551310" y="1998186"/>
+            <a:ext cx="7089380" cy="2871787"/>
+            <a:chOff x="1501083" y="1544320"/>
+            <a:chExt cx="7089380" cy="2871787"/>
           </a:xfrm>
-          <a:prstGeom prst="rect">
-            <a:avLst/>
-          </a:prstGeom>
-        </p:spPr>
-      </p:pic>
+        </p:grpSpPr>
+        <p:pic>
+          <p:nvPicPr>
+            <p:cNvPr id="6" name="그림 5" descr="텍스트, 폰트, 화이트, 스크린샷이(가) 표시된 사진&#10;&#10;자동 생성된 설명">
+              <a:extLst>
+                <a:ext uri="{FF2B5EF4-FFF2-40B4-BE49-F238E27FC236}">
+                  <a16:creationId xmlns:a16="http://schemas.microsoft.com/office/drawing/2014/main" id="{F6D2FB31-376C-B38D-7BFE-47E41B5458CB}"/>
+                </a:ext>
+              </a:extLst>
+            </p:cNvPr>
+            <p:cNvPicPr>
+              <a:picLocks noChangeAspect="1"/>
+            </p:cNvPicPr>
+            <p:nvPr/>
+          </p:nvPicPr>
+          <p:blipFill>
+            <a:blip r:embed="rId2">
+              <a:extLst>
+                <a:ext uri="{28A0092B-C50C-407E-A947-70E740481C1C}">
+                  <a14:useLocalDpi xmlns:a14="http://schemas.microsoft.com/office/drawing/2010/main" val="0"/>
+                </a:ext>
+              </a:extLst>
+            </a:blip>
+            <a:stretch>
+              <a:fillRect/>
+            </a:stretch>
+          </p:blipFill>
+          <p:spPr>
+            <a:xfrm>
+              <a:off x="1501083" y="1549400"/>
+              <a:ext cx="1533525" cy="1914525"/>
+            </a:xfrm>
+            <a:prstGeom prst="rect">
+              <a:avLst/>
+            </a:prstGeom>
+          </p:spPr>
+        </p:pic>
+        <p:pic>
+          <p:nvPicPr>
+            <p:cNvPr id="9" name="그림 8" descr="텍스트, 화이트, 폰트, 블랙이(가) 표시된 사진&#10;&#10;자동 생성된 설명">
+              <a:extLst>
+                <a:ext uri="{FF2B5EF4-FFF2-40B4-BE49-F238E27FC236}">
+                  <a16:creationId xmlns:a16="http://schemas.microsoft.com/office/drawing/2014/main" id="{CBB24E66-CE4C-0BCB-1993-7AFA45B7E7FF}"/>
+                </a:ext>
+              </a:extLst>
+            </p:cNvPr>
+            <p:cNvPicPr>
+              <a:picLocks noChangeAspect="1"/>
+            </p:cNvPicPr>
+            <p:nvPr/>
+          </p:nvPicPr>
+          <p:blipFill>
+            <a:blip r:embed="rId3">
+              <a:extLst>
+                <a:ext uri="{28A0092B-C50C-407E-A947-70E740481C1C}">
+                  <a14:useLocalDpi xmlns:a14="http://schemas.microsoft.com/office/drawing/2010/main" val="0"/>
+                </a:ext>
+              </a:extLst>
+            </a:blip>
+            <a:stretch>
+              <a:fillRect/>
+            </a:stretch>
+          </p:blipFill>
+          <p:spPr>
+            <a:xfrm>
+              <a:off x="3237413" y="3644582"/>
+              <a:ext cx="5353050" cy="771525"/>
+            </a:xfrm>
+            <a:prstGeom prst="rect">
+              <a:avLst/>
+            </a:prstGeom>
+          </p:spPr>
+        </p:pic>
+        <p:pic>
+          <p:nvPicPr>
+            <p:cNvPr id="11" name="그림 10" descr="텍스트, 화이트, 폰트이(가) 표시된 사진&#10;&#10;자동 생성된 설명">
+              <a:extLst>
+                <a:ext uri="{FF2B5EF4-FFF2-40B4-BE49-F238E27FC236}">
+                  <a16:creationId xmlns:a16="http://schemas.microsoft.com/office/drawing/2014/main" id="{26C27FB4-EA32-5C1A-F5D1-6AA0155422EE}"/>
+                </a:ext>
+              </a:extLst>
+            </p:cNvPr>
+            <p:cNvPicPr>
+              <a:picLocks noChangeAspect="1"/>
+            </p:cNvPicPr>
+            <p:nvPr/>
+          </p:nvPicPr>
+          <p:blipFill>
+            <a:blip r:embed="rId4">
+              <a:extLst>
+                <a:ext uri="{28A0092B-C50C-407E-A947-70E740481C1C}">
+                  <a14:useLocalDpi xmlns:a14="http://schemas.microsoft.com/office/drawing/2010/main" val="0"/>
+                </a:ext>
+              </a:extLst>
+            </a:blip>
+            <a:stretch>
+              <a:fillRect/>
+            </a:stretch>
+          </p:blipFill>
+          <p:spPr>
+            <a:xfrm>
+              <a:off x="3237413" y="1544320"/>
+              <a:ext cx="5343525" cy="771525"/>
+            </a:xfrm>
+            <a:prstGeom prst="rect">
+              <a:avLst/>
+            </a:prstGeom>
+          </p:spPr>
+        </p:pic>
+        <p:pic>
+          <p:nvPicPr>
+            <p:cNvPr id="13" name="그림 12" descr="텍스트, 화이트, 폰트이(가) 표시된 사진&#10;&#10;자동 생성된 설명">
+              <a:extLst>
+                <a:ext uri="{FF2B5EF4-FFF2-40B4-BE49-F238E27FC236}">
+                  <a16:creationId xmlns:a16="http://schemas.microsoft.com/office/drawing/2014/main" id="{3B5A7093-F664-13C8-504C-391A11C2D31B}"/>
+                </a:ext>
+              </a:extLst>
+            </p:cNvPr>
+            <p:cNvPicPr>
+              <a:picLocks noChangeAspect="1"/>
+            </p:cNvPicPr>
+            <p:nvPr/>
+          </p:nvPicPr>
+          <p:blipFill>
+            <a:blip r:embed="rId5">
+              <a:extLst>
+                <a:ext uri="{28A0092B-C50C-407E-A947-70E740481C1C}">
+                  <a14:useLocalDpi xmlns:a14="http://schemas.microsoft.com/office/drawing/2010/main" val="0"/>
+                </a:ext>
+              </a:extLst>
+            </a:blip>
+            <a:stretch>
+              <a:fillRect/>
+            </a:stretch>
+          </p:blipFill>
+          <p:spPr>
+            <a:xfrm>
+              <a:off x="3237413" y="2589688"/>
+              <a:ext cx="5343525" cy="781050"/>
+            </a:xfrm>
+            <a:prstGeom prst="rect">
+              <a:avLst/>
+            </a:prstGeom>
+          </p:spPr>
+        </p:pic>
+      </p:grpSp>
     </p:spTree>
     <p:extLst>
       <p:ext uri="{BB962C8B-B14F-4D97-AF65-F5344CB8AC3E}">
@@ -28508,42 +28643,99 @@
           </a:p>
         </p:txBody>
       </p:sp>
-      <p:pic>
-        <p:nvPicPr>
-          <p:cNvPr id="4" name="그림 3" descr="텍스트, 스크린샷, 폰트, 그래픽이(가) 표시된 사진&#10;&#10;자동 생성된 설명">
+      <p:grpSp>
+        <p:nvGrpSpPr>
+          <p:cNvPr id="6" name="그룹 5">
             <a:extLst>
               <a:ext uri="{FF2B5EF4-FFF2-40B4-BE49-F238E27FC236}">
-                <a16:creationId xmlns:a16="http://schemas.microsoft.com/office/drawing/2014/main" id="{12B9124C-C880-63E6-D8A6-2A767FC98E9C}"/>
+                <a16:creationId xmlns:a16="http://schemas.microsoft.com/office/drawing/2014/main" id="{0E6483AD-CF82-18A4-C364-0099BE3F13FF}"/>
               </a:ext>
             </a:extLst>
           </p:cNvPr>
-          <p:cNvPicPr>
-            <a:picLocks noChangeAspect="1"/>
-          </p:cNvPicPr>
+          <p:cNvGrpSpPr/>
           <p:nvPr/>
-        </p:nvPicPr>
-        <p:blipFill>
-          <a:blip r:embed="rId2">
-            <a:extLst>
-              <a:ext uri="{28A0092B-C50C-407E-A947-70E740481C1C}">
-                <a14:useLocalDpi xmlns:a14="http://schemas.microsoft.com/office/drawing/2010/main" val="0"/>
-              </a:ext>
-            </a:extLst>
-          </a:blip>
-          <a:stretch>
-            <a:fillRect/>
-          </a:stretch>
-        </p:blipFill>
-        <p:spPr>
+        </p:nvGrpSpPr>
+        <p:grpSpPr>
           <a:xfrm>
-            <a:off x="2471737" y="1328737"/>
-            <a:ext cx="7248525" cy="4200525"/>
+            <a:off x="695325" y="1335527"/>
+            <a:ext cx="9986962" cy="4200525"/>
+            <a:chOff x="690563" y="1328737"/>
+            <a:chExt cx="9986962" cy="4200525"/>
           </a:xfrm>
-          <a:prstGeom prst="rect">
-            <a:avLst/>
-          </a:prstGeom>
-        </p:spPr>
-      </p:pic>
+        </p:grpSpPr>
+        <p:pic>
+          <p:nvPicPr>
+            <p:cNvPr id="2" name="그림 1" descr="텍스트, 스크린샷, 폰트, 원이(가) 표시된 사진&#10;&#10;자동 생성된 설명">
+              <a:extLst>
+                <a:ext uri="{FF2B5EF4-FFF2-40B4-BE49-F238E27FC236}">
+                  <a16:creationId xmlns:a16="http://schemas.microsoft.com/office/drawing/2014/main" id="{9B42ECA7-CD3D-922E-3E80-DA2F69C36EB3}"/>
+                </a:ext>
+              </a:extLst>
+            </p:cNvPr>
+            <p:cNvPicPr>
+              <a:picLocks noChangeAspect="1"/>
+            </p:cNvPicPr>
+            <p:nvPr/>
+          </p:nvPicPr>
+          <p:blipFill>
+            <a:blip r:embed="rId2">
+              <a:extLst>
+                <a:ext uri="{28A0092B-C50C-407E-A947-70E740481C1C}">
+                  <a14:useLocalDpi xmlns:a14="http://schemas.microsoft.com/office/drawing/2010/main" val="0"/>
+                </a:ext>
+              </a:extLst>
+            </a:blip>
+            <a:stretch>
+              <a:fillRect/>
+            </a:stretch>
+          </p:blipFill>
+          <p:spPr>
+            <a:xfrm>
+              <a:off x="6096000" y="1328737"/>
+              <a:ext cx="4581525" cy="4200525"/>
+            </a:xfrm>
+            <a:prstGeom prst="rect">
+              <a:avLst/>
+            </a:prstGeom>
+          </p:spPr>
+        </p:pic>
+        <p:pic>
+          <p:nvPicPr>
+            <p:cNvPr id="5" name="그림 4" descr="텍스트, 폰트, 스크린샷, 그래픽이(가) 표시된 사진&#10;&#10;자동 생성된 설명">
+              <a:extLst>
+                <a:ext uri="{FF2B5EF4-FFF2-40B4-BE49-F238E27FC236}">
+                  <a16:creationId xmlns:a16="http://schemas.microsoft.com/office/drawing/2014/main" id="{C4C2CBA4-A2A4-F459-67FD-88E3408C32EC}"/>
+                </a:ext>
+              </a:extLst>
+            </p:cNvPr>
+            <p:cNvPicPr>
+              <a:picLocks noChangeAspect="1"/>
+            </p:cNvPicPr>
+            <p:nvPr/>
+          </p:nvPicPr>
+          <p:blipFill>
+            <a:blip r:embed="rId3">
+              <a:extLst>
+                <a:ext uri="{28A0092B-C50C-407E-A947-70E740481C1C}">
+                  <a14:useLocalDpi xmlns:a14="http://schemas.microsoft.com/office/drawing/2010/main" val="0"/>
+                </a:ext>
+              </a:extLst>
+            </a:blip>
+            <a:stretch>
+              <a:fillRect/>
+            </a:stretch>
+          </p:blipFill>
+          <p:spPr>
+            <a:xfrm>
+              <a:off x="690563" y="1900237"/>
+              <a:ext cx="5343525" cy="3057525"/>
+            </a:xfrm>
+            <a:prstGeom prst="rect">
+              <a:avLst/>
+            </a:prstGeom>
+          </p:spPr>
+        </p:pic>
+      </p:grpSp>
     </p:spTree>
     <p:extLst>
       <p:ext uri="{BB962C8B-B14F-4D97-AF65-F5344CB8AC3E}">
@@ -28558,6 +28750,414 @@
 </file>
 
 <file path=ppt/slides/slide47.xml><?xml version="1.0" encoding="utf-8"?>
+<p:sld xmlns:a="http://schemas.openxmlformats.org/drawingml/2006/main" xmlns:r="http://schemas.openxmlformats.org/officeDocument/2006/relationships" xmlns:p="http://schemas.openxmlformats.org/presentationml/2006/main">
+  <p:cSld>
+    <p:spTree>
+      <p:nvGrpSpPr>
+        <p:cNvPr id="1" name="">
+          <a:extLst>
+            <a:ext uri="{FF2B5EF4-FFF2-40B4-BE49-F238E27FC236}">
+              <a16:creationId xmlns:a16="http://schemas.microsoft.com/office/drawing/2014/main" id="{AFD267AA-3D65-07CC-AD7E-C6D366346A8E}"/>
+            </a:ext>
+          </a:extLst>
+        </p:cNvPr>
+        <p:cNvGrpSpPr/>
+        <p:nvPr/>
+      </p:nvGrpSpPr>
+      <p:grpSpPr>
+        <a:xfrm>
+          <a:off x="0" y="0"/>
+          <a:ext cx="0" cy="0"/>
+          <a:chOff x="0" y="0"/>
+          <a:chExt cx="0" cy="0"/>
+        </a:xfrm>
+      </p:grpSpPr>
+      <p:sp>
+        <p:nvSpPr>
+          <p:cNvPr id="7" name="제목 1">
+            <a:extLst>
+              <a:ext uri="{FF2B5EF4-FFF2-40B4-BE49-F238E27FC236}">
+                <a16:creationId xmlns:a16="http://schemas.microsoft.com/office/drawing/2014/main" id="{979B3AF3-B07F-477E-4BC0-29C1CA75EB7E}"/>
+              </a:ext>
+            </a:extLst>
+          </p:cNvPr>
+          <p:cNvSpPr txBox="1">
+            <a:spLocks/>
+          </p:cNvSpPr>
+          <p:nvPr/>
+        </p:nvSpPr>
+        <p:spPr>
+          <a:xfrm>
+            <a:off x="695325" y="292100"/>
+            <a:ext cx="10801350" cy="861695"/>
+          </a:xfrm>
+          <a:prstGeom prst="rect">
+            <a:avLst/>
+          </a:prstGeom>
+        </p:spPr>
+        <p:txBody>
+          <a:bodyPr vert="horz" lIns="91440" tIns="45720" rIns="91440" bIns="45720" rtlCol="0" anchor="ctr">
+            <a:normAutofit/>
+          </a:bodyPr>
+          <a:lstStyle>
+            <a:lvl1pPr algn="l" defTabSz="914400" rtl="0" eaLnBrk="1" latinLnBrk="1" hangingPunct="1">
+              <a:lnSpc>
+                <a:spcPct val="90000"/>
+              </a:lnSpc>
+              <a:spcBef>
+                <a:spcPct val="0"/>
+              </a:spcBef>
+              <a:buNone/>
+              <a:defRPr sz="4400" kern="1200">
+                <a:solidFill>
+                  <a:schemeClr val="tx1"/>
+                </a:solidFill>
+                <a:latin typeface="+mj-lt"/>
+                <a:ea typeface="+mj-ea"/>
+                <a:cs typeface="+mj-cs"/>
+              </a:defRPr>
+            </a:lvl1pPr>
+          </a:lstStyle>
+          <a:p>
+            <a:r>
+              <a:rPr lang="ko-KR" altLang="en-US" dirty="0"/>
+              <a:t>액션 </a:t>
+            </a:r>
+            <a:r>
+              <a:rPr lang="en-US" altLang="ko-KR" dirty="0"/>
+              <a:t>&amp; </a:t>
+            </a:r>
+            <a:r>
+              <a:rPr lang="ko-KR" altLang="en-US" dirty="0"/>
+              <a:t>슈팅 </a:t>
+            </a:r>
+            <a:r>
+              <a:rPr lang="en-US" altLang="ko-KR" dirty="0"/>
+              <a:t>– 1. </a:t>
+            </a:r>
+            <a:r>
+              <a:rPr lang="ko-KR" altLang="en-US" dirty="0"/>
+              <a:t>시전 방식 차트</a:t>
+            </a:r>
+            <a:r>
+              <a:rPr lang="en-US" altLang="ko-KR" dirty="0"/>
+              <a:t>3</a:t>
+            </a:r>
+            <a:endParaRPr lang="ko-KR" altLang="en-US" dirty="0"/>
+          </a:p>
+        </p:txBody>
+      </p:sp>
+      <p:grpSp>
+        <p:nvGrpSpPr>
+          <p:cNvPr id="14" name="그룹 13">
+            <a:extLst>
+              <a:ext uri="{FF2B5EF4-FFF2-40B4-BE49-F238E27FC236}">
+                <a16:creationId xmlns:a16="http://schemas.microsoft.com/office/drawing/2014/main" id="{988BE03B-32E8-9F3D-CF71-0CF28A2D406B}"/>
+              </a:ext>
+            </a:extLst>
+          </p:cNvPr>
+          <p:cNvGrpSpPr/>
+          <p:nvPr/>
+        </p:nvGrpSpPr>
+        <p:grpSpPr>
+          <a:xfrm>
+            <a:off x="2491510" y="1766887"/>
+            <a:ext cx="7208979" cy="3324225"/>
+            <a:chOff x="1416050" y="1766887"/>
+            <a:chExt cx="7208979" cy="3324225"/>
+          </a:xfrm>
+        </p:grpSpPr>
+        <p:pic>
+          <p:nvPicPr>
+            <p:cNvPr id="11" name="그림 10" descr="텍스트, 스크린샷, 폰트, 도표이(가) 표시된 사진&#10;&#10;자동 생성된 설명">
+              <a:extLst>
+                <a:ext uri="{FF2B5EF4-FFF2-40B4-BE49-F238E27FC236}">
+                  <a16:creationId xmlns:a16="http://schemas.microsoft.com/office/drawing/2014/main" id="{A49DC4E3-A8DC-7998-7EA1-AFF6C37E4526}"/>
+                </a:ext>
+              </a:extLst>
+            </p:cNvPr>
+            <p:cNvPicPr>
+              <a:picLocks noChangeAspect="1"/>
+            </p:cNvPicPr>
+            <p:nvPr/>
+          </p:nvPicPr>
+          <p:blipFill>
+            <a:blip r:embed="rId2">
+              <a:extLst>
+                <a:ext uri="{28A0092B-C50C-407E-A947-70E740481C1C}">
+                  <a14:useLocalDpi xmlns:a14="http://schemas.microsoft.com/office/drawing/2010/main" val="0"/>
+                </a:ext>
+              </a:extLst>
+            </a:blip>
+            <a:stretch>
+              <a:fillRect/>
+            </a:stretch>
+          </p:blipFill>
+          <p:spPr>
+            <a:xfrm>
+              <a:off x="1416050" y="1766887"/>
+              <a:ext cx="5343525" cy="3324225"/>
+            </a:xfrm>
+            <a:prstGeom prst="rect">
+              <a:avLst/>
+            </a:prstGeom>
+          </p:spPr>
+        </p:pic>
+        <p:pic>
+          <p:nvPicPr>
+            <p:cNvPr id="13" name="그림 12" descr="텍스트, 폰트, 스크린샷, 화이트이(가) 표시된 사진&#10;&#10;자동 생성된 설명">
+              <a:extLst>
+                <a:ext uri="{FF2B5EF4-FFF2-40B4-BE49-F238E27FC236}">
+                  <a16:creationId xmlns:a16="http://schemas.microsoft.com/office/drawing/2014/main" id="{9FAD48A3-B824-91C8-A000-9DA8D6AFD0BF}"/>
+                </a:ext>
+              </a:extLst>
+            </p:cNvPr>
+            <p:cNvPicPr>
+              <a:picLocks noChangeAspect="1"/>
+            </p:cNvPicPr>
+            <p:nvPr/>
+          </p:nvPicPr>
+          <p:blipFill>
+            <a:blip r:embed="rId3">
+              <a:extLst>
+                <a:ext uri="{28A0092B-C50C-407E-A947-70E740481C1C}">
+                  <a14:useLocalDpi xmlns:a14="http://schemas.microsoft.com/office/drawing/2010/main" val="0"/>
+                </a:ext>
+              </a:extLst>
+            </a:blip>
+            <a:stretch>
+              <a:fillRect/>
+            </a:stretch>
+          </p:blipFill>
+          <p:spPr>
+            <a:xfrm>
+              <a:off x="7091504" y="1900237"/>
+              <a:ext cx="1533525" cy="3057525"/>
+            </a:xfrm>
+            <a:prstGeom prst="rect">
+              <a:avLst/>
+            </a:prstGeom>
+          </p:spPr>
+        </p:pic>
+      </p:grpSp>
+    </p:spTree>
+    <p:extLst>
+      <p:ext uri="{BB962C8B-B14F-4D97-AF65-F5344CB8AC3E}">
+        <p14:creationId xmlns:p14="http://schemas.microsoft.com/office/powerpoint/2010/main" val="214393983"/>
+      </p:ext>
+    </p:extLst>
+  </p:cSld>
+  <p:clrMapOvr>
+    <a:masterClrMapping/>
+  </p:clrMapOvr>
+</p:sld>
+</file>
+
+<file path=ppt/slides/slide48.xml><?xml version="1.0" encoding="utf-8"?>
+<p:sld xmlns:a="http://schemas.openxmlformats.org/drawingml/2006/main" xmlns:r="http://schemas.openxmlformats.org/officeDocument/2006/relationships" xmlns:p="http://schemas.openxmlformats.org/presentationml/2006/main">
+  <p:cSld>
+    <p:spTree>
+      <p:nvGrpSpPr>
+        <p:cNvPr id="1" name="">
+          <a:extLst>
+            <a:ext uri="{FF2B5EF4-FFF2-40B4-BE49-F238E27FC236}">
+              <a16:creationId xmlns:a16="http://schemas.microsoft.com/office/drawing/2014/main" id="{96D78B7C-D3D6-71DA-DD65-481493CACFC2}"/>
+            </a:ext>
+          </a:extLst>
+        </p:cNvPr>
+        <p:cNvGrpSpPr/>
+        <p:nvPr/>
+      </p:nvGrpSpPr>
+      <p:grpSpPr>
+        <a:xfrm>
+          <a:off x="0" y="0"/>
+          <a:ext cx="0" cy="0"/>
+          <a:chOff x="0" y="0"/>
+          <a:chExt cx="0" cy="0"/>
+        </a:xfrm>
+      </p:grpSpPr>
+      <p:sp>
+        <p:nvSpPr>
+          <p:cNvPr id="7" name="제목 1">
+            <a:extLst>
+              <a:ext uri="{FF2B5EF4-FFF2-40B4-BE49-F238E27FC236}">
+                <a16:creationId xmlns:a16="http://schemas.microsoft.com/office/drawing/2014/main" id="{14E6FF24-525E-378A-C8EC-CDA1B8146A1D}"/>
+              </a:ext>
+            </a:extLst>
+          </p:cNvPr>
+          <p:cNvSpPr txBox="1">
+            <a:spLocks/>
+          </p:cNvSpPr>
+          <p:nvPr/>
+        </p:nvSpPr>
+        <p:spPr>
+          <a:xfrm>
+            <a:off x="695325" y="292100"/>
+            <a:ext cx="10801350" cy="861695"/>
+          </a:xfrm>
+          <a:prstGeom prst="rect">
+            <a:avLst/>
+          </a:prstGeom>
+        </p:spPr>
+        <p:txBody>
+          <a:bodyPr vert="horz" lIns="91440" tIns="45720" rIns="91440" bIns="45720" rtlCol="0" anchor="ctr">
+            <a:normAutofit/>
+          </a:bodyPr>
+          <a:lstStyle>
+            <a:lvl1pPr algn="l" defTabSz="914400" rtl="0" eaLnBrk="1" latinLnBrk="1" hangingPunct="1">
+              <a:lnSpc>
+                <a:spcPct val="90000"/>
+              </a:lnSpc>
+              <a:spcBef>
+                <a:spcPct val="0"/>
+              </a:spcBef>
+              <a:buNone/>
+              <a:defRPr sz="4400" kern="1200">
+                <a:solidFill>
+                  <a:schemeClr val="tx1"/>
+                </a:solidFill>
+                <a:latin typeface="+mj-lt"/>
+                <a:ea typeface="+mj-ea"/>
+                <a:cs typeface="+mj-cs"/>
+              </a:defRPr>
+            </a:lvl1pPr>
+          </a:lstStyle>
+          <a:p>
+            <a:r>
+              <a:rPr lang="ko-KR" altLang="en-US" dirty="0"/>
+              <a:t>액션 </a:t>
+            </a:r>
+            <a:r>
+              <a:rPr lang="en-US" altLang="ko-KR" dirty="0"/>
+              <a:t>&amp; </a:t>
+            </a:r>
+            <a:r>
+              <a:rPr lang="ko-KR" altLang="en-US" dirty="0"/>
+              <a:t>슈팅 </a:t>
+            </a:r>
+            <a:r>
+              <a:rPr lang="en-US" altLang="ko-KR" dirty="0"/>
+              <a:t>– 1. </a:t>
+            </a:r>
+            <a:r>
+              <a:rPr lang="ko-KR" altLang="en-US" dirty="0"/>
+              <a:t>시전 방식 차트</a:t>
+            </a:r>
+            <a:r>
+              <a:rPr lang="en-US" altLang="ko-KR" dirty="0"/>
+              <a:t>3</a:t>
+            </a:r>
+            <a:endParaRPr lang="ko-KR" altLang="en-US" dirty="0"/>
+          </a:p>
+        </p:txBody>
+      </p:sp>
+      <p:grpSp>
+        <p:nvGrpSpPr>
+          <p:cNvPr id="2" name="그룹 1">
+            <a:extLst>
+              <a:ext uri="{FF2B5EF4-FFF2-40B4-BE49-F238E27FC236}">
+                <a16:creationId xmlns:a16="http://schemas.microsoft.com/office/drawing/2014/main" id="{866D6773-23FE-37A8-6590-3FE09F630A2E}"/>
+              </a:ext>
+            </a:extLst>
+          </p:cNvPr>
+          <p:cNvGrpSpPr/>
+          <p:nvPr/>
+        </p:nvGrpSpPr>
+        <p:grpSpPr>
+          <a:xfrm>
+            <a:off x="1400882" y="1263883"/>
+            <a:ext cx="9390235" cy="5507967"/>
+            <a:chOff x="695325" y="185737"/>
+            <a:chExt cx="11058525" cy="6486525"/>
+          </a:xfrm>
+        </p:grpSpPr>
+        <p:pic>
+          <p:nvPicPr>
+            <p:cNvPr id="4" name="그림 3" descr="텍스트, 폰트, 스크린샷, 디자인이(가) 표시된 사진&#10;&#10;자동 생성된 설명">
+              <a:extLst>
+                <a:ext uri="{FF2B5EF4-FFF2-40B4-BE49-F238E27FC236}">
+                  <a16:creationId xmlns:a16="http://schemas.microsoft.com/office/drawing/2014/main" id="{70A0CA3B-FC17-5ACE-8C2F-F29CEE18EA92}"/>
+                </a:ext>
+              </a:extLst>
+            </p:cNvPr>
+            <p:cNvPicPr>
+              <a:picLocks noChangeAspect="1"/>
+            </p:cNvPicPr>
+            <p:nvPr/>
+          </p:nvPicPr>
+          <p:blipFill>
+            <a:blip r:embed="rId2">
+              <a:extLst>
+                <a:ext uri="{28A0092B-C50C-407E-A947-70E740481C1C}">
+                  <a14:useLocalDpi xmlns:a14="http://schemas.microsoft.com/office/drawing/2010/main" val="0"/>
+                </a:ext>
+              </a:extLst>
+            </a:blip>
+            <a:stretch>
+              <a:fillRect/>
+            </a:stretch>
+          </p:blipFill>
+          <p:spPr>
+            <a:xfrm>
+              <a:off x="5267325" y="1328737"/>
+              <a:ext cx="6486525" cy="4200525"/>
+            </a:xfrm>
+            <a:prstGeom prst="rect">
+              <a:avLst/>
+            </a:prstGeom>
+          </p:spPr>
+        </p:pic>
+        <p:pic>
+          <p:nvPicPr>
+            <p:cNvPr id="9" name="그림 8" descr="텍스트, 스크린샷, 폰트, 원이(가) 표시된 사진&#10;&#10;자동 생성된 설명">
+              <a:extLst>
+                <a:ext uri="{FF2B5EF4-FFF2-40B4-BE49-F238E27FC236}">
+                  <a16:creationId xmlns:a16="http://schemas.microsoft.com/office/drawing/2014/main" id="{00444A5B-F905-A7F3-5337-824772A22549}"/>
+                </a:ext>
+              </a:extLst>
+            </p:cNvPr>
+            <p:cNvPicPr>
+              <a:picLocks noChangeAspect="1"/>
+            </p:cNvPicPr>
+            <p:nvPr/>
+          </p:nvPicPr>
+          <p:blipFill>
+            <a:blip r:embed="rId3">
+              <a:extLst>
+                <a:ext uri="{28A0092B-C50C-407E-A947-70E740481C1C}">
+                  <a14:useLocalDpi xmlns:a14="http://schemas.microsoft.com/office/drawing/2010/main" val="0"/>
+                </a:ext>
+              </a:extLst>
+            </a:blip>
+            <a:stretch>
+              <a:fillRect/>
+            </a:stretch>
+          </p:blipFill>
+          <p:spPr>
+            <a:xfrm>
+              <a:off x="695325" y="185737"/>
+              <a:ext cx="4572000" cy="6486525"/>
+            </a:xfrm>
+            <a:prstGeom prst="rect">
+              <a:avLst/>
+            </a:prstGeom>
+          </p:spPr>
+        </p:pic>
+      </p:grpSp>
+    </p:spTree>
+    <p:extLst>
+      <p:ext uri="{BB962C8B-B14F-4D97-AF65-F5344CB8AC3E}">
+        <p14:creationId xmlns:p14="http://schemas.microsoft.com/office/powerpoint/2010/main" val="564293562"/>
+      </p:ext>
+    </p:extLst>
+  </p:cSld>
+  <p:clrMapOvr>
+    <a:masterClrMapping/>
+  </p:clrMapOvr>
+</p:sld>
+</file>
+
+<file path=ppt/slides/slide49.xml><?xml version="1.0" encoding="utf-8"?>
 <p:sld xmlns:a="http://schemas.openxmlformats.org/drawingml/2006/main" xmlns:r="http://schemas.openxmlformats.org/officeDocument/2006/relationships" xmlns:p="http://schemas.openxmlformats.org/presentationml/2006/main">
   <p:cSld>
     <p:spTree>
@@ -29257,820 +29857,6 @@
     <p:extLst>
       <p:ext uri="{BB962C8B-B14F-4D97-AF65-F5344CB8AC3E}">
         <p14:creationId xmlns:p14="http://schemas.microsoft.com/office/powerpoint/2010/main" val="1189285025"/>
-      </p:ext>
-    </p:extLst>
-  </p:cSld>
-  <p:clrMapOvr>
-    <a:masterClrMapping/>
-  </p:clrMapOvr>
-</p:sld>
-</file>
-
-<file path=ppt/slides/slide48.xml><?xml version="1.0" encoding="utf-8"?>
-<p:sld xmlns:a="http://schemas.openxmlformats.org/drawingml/2006/main" xmlns:r="http://schemas.openxmlformats.org/officeDocument/2006/relationships" xmlns:p="http://schemas.openxmlformats.org/presentationml/2006/main">
-  <p:cSld>
-    <p:spTree>
-      <p:nvGrpSpPr>
-        <p:cNvPr id="1" name="">
-          <a:extLst>
-            <a:ext uri="{FF2B5EF4-FFF2-40B4-BE49-F238E27FC236}">
-              <a16:creationId xmlns:a16="http://schemas.microsoft.com/office/drawing/2014/main" id="{50A10F00-CD86-EBEB-D2A1-112BFFCF9C83}"/>
-            </a:ext>
-          </a:extLst>
-        </p:cNvPr>
-        <p:cNvGrpSpPr/>
-        <p:nvPr/>
-      </p:nvGrpSpPr>
-      <p:grpSpPr>
-        <a:xfrm>
-          <a:off x="0" y="0"/>
-          <a:ext cx="0" cy="0"/>
-          <a:chOff x="0" y="0"/>
-          <a:chExt cx="0" cy="0"/>
-        </a:xfrm>
-      </p:grpSpPr>
-      <p:sp>
-        <p:nvSpPr>
-          <p:cNvPr id="7" name="제목 1">
-            <a:extLst>
-              <a:ext uri="{FF2B5EF4-FFF2-40B4-BE49-F238E27FC236}">
-                <a16:creationId xmlns:a16="http://schemas.microsoft.com/office/drawing/2014/main" id="{11143C5B-6B7E-D1FE-391F-7E6EF9275599}"/>
-              </a:ext>
-            </a:extLst>
-          </p:cNvPr>
-          <p:cNvSpPr txBox="1">
-            <a:spLocks/>
-          </p:cNvSpPr>
-          <p:nvPr/>
-        </p:nvSpPr>
-        <p:spPr>
-          <a:xfrm>
-            <a:off x="695325" y="292100"/>
-            <a:ext cx="10801350" cy="861695"/>
-          </a:xfrm>
-          <a:prstGeom prst="rect">
-            <a:avLst/>
-          </a:prstGeom>
-        </p:spPr>
-        <p:txBody>
-          <a:bodyPr vert="horz" lIns="91440" tIns="45720" rIns="91440" bIns="45720" rtlCol="0" anchor="ctr">
-            <a:normAutofit/>
-          </a:bodyPr>
-          <a:lstStyle>
-            <a:lvl1pPr algn="l" defTabSz="914400" rtl="0" eaLnBrk="1" latinLnBrk="1" hangingPunct="1">
-              <a:lnSpc>
-                <a:spcPct val="90000"/>
-              </a:lnSpc>
-              <a:spcBef>
-                <a:spcPct val="0"/>
-              </a:spcBef>
-              <a:buNone/>
-              <a:defRPr sz="4400" kern="1200">
-                <a:solidFill>
-                  <a:schemeClr val="tx1"/>
-                </a:solidFill>
-                <a:latin typeface="+mj-lt"/>
-                <a:ea typeface="+mj-ea"/>
-                <a:cs typeface="+mj-cs"/>
-              </a:defRPr>
-            </a:lvl1pPr>
-          </a:lstStyle>
-          <a:p>
-            <a:r>
-              <a:rPr lang="ko-KR" altLang="en-US" dirty="0"/>
-              <a:t>액션 </a:t>
-            </a:r>
-            <a:r>
-              <a:rPr lang="en-US" altLang="ko-KR" dirty="0"/>
-              <a:t>&amp; </a:t>
-            </a:r>
-            <a:r>
-              <a:rPr lang="ko-KR" altLang="en-US" dirty="0"/>
-              <a:t>슈팅 </a:t>
-            </a:r>
-            <a:r>
-              <a:rPr lang="en-US" altLang="ko-KR" dirty="0"/>
-              <a:t>– 2. </a:t>
-            </a:r>
-            <a:r>
-              <a:rPr lang="ko-KR" altLang="en-US" dirty="0"/>
-              <a:t>투사체 차트</a:t>
-            </a:r>
-          </a:p>
-        </p:txBody>
-      </p:sp>
-      <p:pic>
-        <p:nvPicPr>
-          <p:cNvPr id="4" name="그림 3">
-            <a:extLst>
-              <a:ext uri="{FF2B5EF4-FFF2-40B4-BE49-F238E27FC236}">
-                <a16:creationId xmlns:a16="http://schemas.microsoft.com/office/drawing/2014/main" id="{855E07BC-7EB0-413E-B75E-C6876B176589}"/>
-              </a:ext>
-            </a:extLst>
-          </p:cNvPr>
-          <p:cNvPicPr>
-            <a:picLocks noChangeAspect="1"/>
-          </p:cNvPicPr>
-          <p:nvPr/>
-        </p:nvPicPr>
-        <p:blipFill>
-          <a:blip r:embed="rId2">
-            <a:extLst>
-              <a:ext uri="{28A0092B-C50C-407E-A947-70E740481C1C}">
-                <a14:useLocalDpi xmlns:a14="http://schemas.microsoft.com/office/drawing/2010/main" val="0"/>
-              </a:ext>
-            </a:extLst>
-          </a:blip>
-          <a:stretch>
-            <a:fillRect/>
-          </a:stretch>
-        </p:blipFill>
-        <p:spPr>
-          <a:xfrm>
-            <a:off x="4376737" y="1328737"/>
-            <a:ext cx="3438525" cy="4200525"/>
-          </a:xfrm>
-          <a:prstGeom prst="rect">
-            <a:avLst/>
-          </a:prstGeom>
-        </p:spPr>
-      </p:pic>
-    </p:spTree>
-    <p:extLst>
-      <p:ext uri="{BB962C8B-B14F-4D97-AF65-F5344CB8AC3E}">
-        <p14:creationId xmlns:p14="http://schemas.microsoft.com/office/powerpoint/2010/main" val="1124958946"/>
-      </p:ext>
-    </p:extLst>
-  </p:cSld>
-  <p:clrMapOvr>
-    <a:masterClrMapping/>
-  </p:clrMapOvr>
-</p:sld>
-</file>
-
-<file path=ppt/slides/slide49.xml><?xml version="1.0" encoding="utf-8"?>
-<p:sld xmlns:a="http://schemas.openxmlformats.org/drawingml/2006/main" xmlns:r="http://schemas.openxmlformats.org/officeDocument/2006/relationships" xmlns:p="http://schemas.openxmlformats.org/presentationml/2006/main">
-  <p:cSld>
-    <p:spTree>
-      <p:nvGrpSpPr>
-        <p:cNvPr id="1" name="">
-          <a:extLst>
-            <a:ext uri="{FF2B5EF4-FFF2-40B4-BE49-F238E27FC236}">
-              <a16:creationId xmlns:a16="http://schemas.microsoft.com/office/drawing/2014/main" id="{C04C1DA5-3104-5839-BC1F-459CC613FF0C}"/>
-            </a:ext>
-          </a:extLst>
-        </p:cNvPr>
-        <p:cNvGrpSpPr/>
-        <p:nvPr/>
-      </p:nvGrpSpPr>
-      <p:grpSpPr>
-        <a:xfrm>
-          <a:off x="0" y="0"/>
-          <a:ext cx="0" cy="0"/>
-          <a:chOff x="0" y="0"/>
-          <a:chExt cx="0" cy="0"/>
-        </a:xfrm>
-      </p:grpSpPr>
-      <p:sp>
-        <p:nvSpPr>
-          <p:cNvPr id="7" name="제목 1">
-            <a:extLst>
-              <a:ext uri="{FF2B5EF4-FFF2-40B4-BE49-F238E27FC236}">
-                <a16:creationId xmlns:a16="http://schemas.microsoft.com/office/drawing/2014/main" id="{8C04F9E0-EDE2-83AB-5FF8-80CCAD8FB423}"/>
-              </a:ext>
-            </a:extLst>
-          </p:cNvPr>
-          <p:cNvSpPr txBox="1">
-            <a:spLocks/>
-          </p:cNvSpPr>
-          <p:nvPr/>
-        </p:nvSpPr>
-        <p:spPr>
-          <a:xfrm>
-            <a:off x="695325" y="292100"/>
-            <a:ext cx="10801350" cy="861695"/>
-          </a:xfrm>
-          <a:prstGeom prst="rect">
-            <a:avLst/>
-          </a:prstGeom>
-        </p:spPr>
-        <p:txBody>
-          <a:bodyPr vert="horz" lIns="91440" tIns="45720" rIns="91440" bIns="45720" rtlCol="0" anchor="ctr">
-            <a:normAutofit/>
-          </a:bodyPr>
-          <a:lstStyle>
-            <a:lvl1pPr algn="l" defTabSz="914400" rtl="0" eaLnBrk="1" latinLnBrk="1" hangingPunct="1">
-              <a:lnSpc>
-                <a:spcPct val="90000"/>
-              </a:lnSpc>
-              <a:spcBef>
-                <a:spcPct val="0"/>
-              </a:spcBef>
-              <a:buNone/>
-              <a:defRPr sz="4400" kern="1200">
-                <a:solidFill>
-                  <a:schemeClr val="tx1"/>
-                </a:solidFill>
-                <a:latin typeface="+mj-lt"/>
-                <a:ea typeface="+mj-ea"/>
-                <a:cs typeface="+mj-cs"/>
-              </a:defRPr>
-            </a:lvl1pPr>
-          </a:lstStyle>
-          <a:p>
-            <a:r>
-              <a:rPr lang="ko-KR" altLang="en-US" dirty="0"/>
-              <a:t>액션 </a:t>
-            </a:r>
-            <a:r>
-              <a:rPr lang="en-US" altLang="ko-KR" dirty="0"/>
-              <a:t>&amp; </a:t>
-            </a:r>
-            <a:r>
-              <a:rPr lang="ko-KR" altLang="en-US" dirty="0"/>
-              <a:t>슈팅 </a:t>
-            </a:r>
-            <a:r>
-              <a:rPr lang="en-US" altLang="ko-KR" dirty="0"/>
-              <a:t>– 3. </a:t>
-            </a:r>
-            <a:r>
-              <a:rPr lang="ko-KR" altLang="en-US" dirty="0"/>
-              <a:t>변화 요소</a:t>
-            </a:r>
-          </a:p>
-        </p:txBody>
-      </p:sp>
-      <p:graphicFrame>
-        <p:nvGraphicFramePr>
-          <p:cNvPr id="2" name="표 1">
-            <a:extLst>
-              <a:ext uri="{FF2B5EF4-FFF2-40B4-BE49-F238E27FC236}">
-                <a16:creationId xmlns:a16="http://schemas.microsoft.com/office/drawing/2014/main" id="{26E2D43B-6423-EE3C-D8BA-A3477356AAF9}"/>
-              </a:ext>
-            </a:extLst>
-          </p:cNvPr>
-          <p:cNvGraphicFramePr>
-            <a:graphicFrameLocks noGrp="1"/>
-          </p:cNvGraphicFramePr>
-          <p:nvPr>
-            <p:extLst>
-              <p:ext uri="{D42A27DB-BD31-4B8C-83A1-F6EECF244321}">
-                <p14:modId xmlns:p14="http://schemas.microsoft.com/office/powerpoint/2010/main" val="844122293"/>
-              </p:ext>
-            </p:extLst>
-          </p:nvPr>
-        </p:nvGraphicFramePr>
-        <p:xfrm>
-          <a:off x="2059622" y="1702191"/>
-          <a:ext cx="8072755" cy="3322320"/>
-        </p:xfrm>
-        <a:graphic>
-          <a:graphicData uri="http://schemas.openxmlformats.org/drawingml/2006/table">
-            <a:tbl>
-              <a:tblPr firstRow="1" bandRow="1">
-                <a:tableStyleId>{5C22544A-7EE6-4342-B048-85BDC9FD1C3A}</a:tableStyleId>
-              </a:tblPr>
-              <a:tblGrid>
-                <a:gridCol w="8072755">
-                  <a:extLst>
-                    <a:ext uri="{9D8B030D-6E8A-4147-A177-3AD203B41FA5}">
-                      <a16:colId xmlns:a16="http://schemas.microsoft.com/office/drawing/2014/main" val="3852552135"/>
-                    </a:ext>
-                  </a:extLst>
-                </a:gridCol>
-              </a:tblGrid>
-              <a:tr h="0">
-                <a:tc>
-                  <a:txBody>
-                    <a:bodyPr/>
-                    <a:lstStyle/>
-                    <a:p>
-                      <a:pPr algn="l" latinLnBrk="1"/>
-                      <a:r>
-                        <a:rPr lang="ko-KR" altLang="en-US" sz="1400" b="0" dirty="0">
-                          <a:solidFill>
-                            <a:schemeClr val="tx1"/>
-                          </a:solidFill>
-                        </a:rPr>
-                        <a:t>변화 요소</a:t>
-                      </a:r>
-                    </a:p>
-                  </a:txBody>
-                  <a:tcPr>
-                    <a:lnL w="12700" cmpd="sng">
-                      <a:noFill/>
-                    </a:lnL>
-                    <a:lnR w="12700" cmpd="sng">
-                      <a:noFill/>
-                    </a:lnR>
-                    <a:lnT w="12700" cmpd="sng">
-                      <a:noFill/>
-                    </a:lnT>
-                    <a:lnB w="12700" cap="flat" cmpd="sng" algn="ctr">
-                      <a:solidFill>
-                        <a:schemeClr val="tx1"/>
-                      </a:solidFill>
-                      <a:prstDash val="solid"/>
-                      <a:round/>
-                      <a:headEnd type="none" w="med" len="med"/>
-                      <a:tailEnd type="none" w="med" len="med"/>
-                    </a:lnB>
-                    <a:lnTlToBr w="12700" cmpd="sng">
-                      <a:noFill/>
-                      <a:prstDash val="solid"/>
-                    </a:lnTlToBr>
-                    <a:lnBlToTr w="12700" cmpd="sng">
-                      <a:noFill/>
-                      <a:prstDash val="solid"/>
-                    </a:lnBlToTr>
-                    <a:solidFill>
-                      <a:schemeClr val="bg1">
-                        <a:lumMod val="95000"/>
-                      </a:schemeClr>
-                    </a:solidFill>
-                  </a:tcPr>
-                </a:tc>
-                <a:extLst>
-                  <a:ext uri="{0D108BD9-81ED-4DB2-BD59-A6C34878D82A}">
-                    <a16:rowId xmlns:a16="http://schemas.microsoft.com/office/drawing/2014/main" val="4129766453"/>
-                  </a:ext>
-                </a:extLst>
-              </a:tr>
-              <a:tr h="0">
-                <a:tc>
-                  <a:txBody>
-                    <a:bodyPr/>
-                    <a:lstStyle/>
-                    <a:p>
-                      <a:pPr algn="l" latinLnBrk="1"/>
-                      <a:r>
-                        <a:rPr lang="ko-KR" altLang="en-US" sz="1400" b="0" dirty="0">
-                          <a:solidFill>
-                            <a:schemeClr val="tx1"/>
-                          </a:solidFill>
-                        </a:rPr>
-                        <a:t>다양한 요소에 따른 스킬의 변화에 따른 처리이다</a:t>
-                      </a:r>
-                      <a:r>
-                        <a:rPr lang="en-US" altLang="ko-KR" sz="1400" b="0" dirty="0">
-                          <a:solidFill>
-                            <a:schemeClr val="tx1"/>
-                          </a:solidFill>
-                        </a:rPr>
-                        <a:t>.</a:t>
-                      </a:r>
-                    </a:p>
-                  </a:txBody>
-                  <a:tcPr>
-                    <a:lnL w="12700" cmpd="sng">
-                      <a:noFill/>
-                    </a:lnL>
-                    <a:lnR w="12700" cmpd="sng">
-                      <a:noFill/>
-                    </a:lnR>
-                    <a:lnT w="12700" cap="flat" cmpd="sng" algn="ctr">
-                      <a:solidFill>
-                        <a:schemeClr val="tx1"/>
-                      </a:solidFill>
-                      <a:prstDash val="solid"/>
-                      <a:round/>
-                      <a:headEnd type="none" w="med" len="med"/>
-                      <a:tailEnd type="none" w="med" len="med"/>
-                    </a:lnT>
-                    <a:lnB w="12700" cap="flat" cmpd="sng" algn="ctr">
-                      <a:noFill/>
-                      <a:prstDash val="solid"/>
-                      <a:round/>
-                      <a:headEnd type="none" w="med" len="med"/>
-                      <a:tailEnd type="none" w="med" len="med"/>
-                    </a:lnB>
-                    <a:lnTlToBr w="12700" cmpd="sng">
-                      <a:noFill/>
-                      <a:prstDash val="solid"/>
-                    </a:lnTlToBr>
-                    <a:lnBlToTr w="12700" cmpd="sng">
-                      <a:noFill/>
-                      <a:prstDash val="solid"/>
-                    </a:lnBlToTr>
-                    <a:noFill/>
-                  </a:tcPr>
-                </a:tc>
-                <a:extLst>
-                  <a:ext uri="{0D108BD9-81ED-4DB2-BD59-A6C34878D82A}">
-                    <a16:rowId xmlns:a16="http://schemas.microsoft.com/office/drawing/2014/main" val="3386730004"/>
-                  </a:ext>
-                </a:extLst>
-              </a:tr>
-              <a:tr h="0">
-                <a:tc>
-                  <a:txBody>
-                    <a:bodyPr/>
-                    <a:lstStyle/>
-                    <a:p>
-                      <a:pPr algn="l" latinLnBrk="1"/>
-                      <a:endParaRPr lang="en-US" altLang="ko-KR" sz="1400" b="0" dirty="0">
-                        <a:solidFill>
-                          <a:schemeClr val="tx1"/>
-                        </a:solidFill>
-                      </a:endParaRPr>
-                    </a:p>
-                  </a:txBody>
-                  <a:tcPr>
-                    <a:lnL w="12700" cmpd="sng">
-                      <a:noFill/>
-                    </a:lnL>
-                    <a:lnR w="12700" cmpd="sng">
-                      <a:noFill/>
-                    </a:lnR>
-                    <a:lnT w="12700" cap="flat" cmpd="sng" algn="ctr">
-                      <a:noFill/>
-                      <a:prstDash val="solid"/>
-                      <a:round/>
-                      <a:headEnd type="none" w="med" len="med"/>
-                      <a:tailEnd type="none" w="med" len="med"/>
-                    </a:lnT>
-                    <a:lnB w="12700" cap="flat" cmpd="sng" algn="ctr">
-                      <a:noFill/>
-                      <a:prstDash val="solid"/>
-                      <a:round/>
-                      <a:headEnd type="none" w="med" len="med"/>
-                      <a:tailEnd type="none" w="med" len="med"/>
-                    </a:lnB>
-                    <a:lnTlToBr w="12700" cmpd="sng">
-                      <a:noFill/>
-                      <a:prstDash val="solid"/>
-                    </a:lnTlToBr>
-                    <a:lnBlToTr w="12700" cmpd="sng">
-                      <a:noFill/>
-                      <a:prstDash val="solid"/>
-                    </a:lnBlToTr>
-                    <a:noFill/>
-                  </a:tcPr>
-                </a:tc>
-                <a:extLst>
-                  <a:ext uri="{0D108BD9-81ED-4DB2-BD59-A6C34878D82A}">
-                    <a16:rowId xmlns:a16="http://schemas.microsoft.com/office/drawing/2014/main" val="1470410232"/>
-                  </a:ext>
-                </a:extLst>
-              </a:tr>
-              <a:tr h="0">
-                <a:tc>
-                  <a:txBody>
-                    <a:bodyPr/>
-                    <a:lstStyle/>
-                    <a:p>
-                      <a:pPr algn="l" latinLnBrk="1"/>
-                      <a:r>
-                        <a:rPr lang="ko-KR" altLang="en-US" sz="1400" b="0" dirty="0">
-                          <a:solidFill>
-                            <a:schemeClr val="tx1"/>
-                          </a:solidFill>
-                        </a:rPr>
-                        <a:t>변화 요소 목록</a:t>
-                      </a:r>
-                      <a:endParaRPr lang="en-US" altLang="ko-KR" sz="1400" b="0" dirty="0">
-                        <a:solidFill>
-                          <a:schemeClr val="tx1"/>
-                        </a:solidFill>
-                      </a:endParaRPr>
-                    </a:p>
-                  </a:txBody>
-                  <a:tcPr>
-                    <a:lnL w="12700" cmpd="sng">
-                      <a:noFill/>
-                    </a:lnL>
-                    <a:lnR w="12700" cmpd="sng">
-                      <a:noFill/>
-                    </a:lnR>
-                    <a:lnT w="12700" cap="flat" cmpd="sng" algn="ctr">
-                      <a:noFill/>
-                      <a:prstDash val="solid"/>
-                      <a:round/>
-                      <a:headEnd type="none" w="med" len="med"/>
-                      <a:tailEnd type="none" w="med" len="med"/>
-                    </a:lnT>
-                    <a:lnB w="12700" cap="flat" cmpd="sng" algn="ctr">
-                      <a:solidFill>
-                        <a:schemeClr val="tx1"/>
-                      </a:solidFill>
-                      <a:prstDash val="solid"/>
-                      <a:round/>
-                      <a:headEnd type="none" w="med" len="med"/>
-                      <a:tailEnd type="none" w="med" len="med"/>
-                    </a:lnB>
-                    <a:lnTlToBr w="12700" cmpd="sng">
-                      <a:noFill/>
-                      <a:prstDash val="solid"/>
-                    </a:lnTlToBr>
-                    <a:lnBlToTr w="12700" cmpd="sng">
-                      <a:noFill/>
-                      <a:prstDash val="solid"/>
-                    </a:lnBlToTr>
-                    <a:solidFill>
-                      <a:schemeClr val="bg1">
-                        <a:lumMod val="95000"/>
-                      </a:schemeClr>
-                    </a:solidFill>
-                  </a:tcPr>
-                </a:tc>
-                <a:extLst>
-                  <a:ext uri="{0D108BD9-81ED-4DB2-BD59-A6C34878D82A}">
-                    <a16:rowId xmlns:a16="http://schemas.microsoft.com/office/drawing/2014/main" val="4103515606"/>
-                  </a:ext>
-                </a:extLst>
-              </a:tr>
-              <a:tr h="246289">
-                <a:tc>
-                  <a:txBody>
-                    <a:bodyPr/>
-                    <a:lstStyle/>
-                    <a:p>
-                      <a:pPr marL="742950" lvl="1" indent="-285750" algn="l" latinLnBrk="1">
-                        <a:buFont typeface="Wingdings" panose="05000000000000000000" pitchFamily="2" charset="2"/>
-                        <a:buChar char="u"/>
-                      </a:pPr>
-                      <a:r>
-                        <a:rPr lang="ko-KR" altLang="en-US" sz="1400" b="0" dirty="0">
-                          <a:solidFill>
-                            <a:schemeClr val="tx1"/>
-                          </a:solidFill>
-                        </a:rPr>
-                        <a:t>캐릭터 상태</a:t>
-                      </a:r>
-                      <a:endParaRPr lang="en-US" altLang="ko-KR" sz="1400" b="0" dirty="0">
-                        <a:solidFill>
-                          <a:schemeClr val="tx1"/>
-                        </a:solidFill>
-                      </a:endParaRPr>
-                    </a:p>
-                    <a:p>
-                      <a:pPr marL="914400" lvl="2" indent="0" algn="l" latinLnBrk="1">
-                        <a:buFont typeface="Wingdings" panose="05000000000000000000" pitchFamily="2" charset="2"/>
-                        <a:buNone/>
-                      </a:pPr>
-                      <a:r>
-                        <a:rPr lang="ko-KR" altLang="en-US" sz="1400" b="0" dirty="0">
-                          <a:solidFill>
-                            <a:schemeClr val="tx1"/>
-                          </a:solidFill>
-                        </a:rPr>
-                        <a:t>스킬 사용 중에 캐릭터 상태 변화에 따른 처리 요소들</a:t>
-                      </a:r>
-                      <a:endParaRPr lang="en-US" altLang="ko-KR" sz="1400" b="0" dirty="0">
-                        <a:solidFill>
-                          <a:schemeClr val="tx1"/>
-                        </a:solidFill>
-                      </a:endParaRPr>
-                    </a:p>
-                    <a:p>
-                      <a:pPr marL="1200150" lvl="2" indent="-285750" algn="l" latinLnBrk="1">
-                        <a:buFont typeface="Wingdings" panose="05000000000000000000" pitchFamily="2" charset="2"/>
-                        <a:buChar char="§"/>
-                      </a:pPr>
-                      <a:r>
-                        <a:rPr lang="ko-KR" altLang="en-US" sz="1400" b="0" dirty="0">
-                          <a:solidFill>
-                            <a:schemeClr val="tx1"/>
-                          </a:solidFill>
-                        </a:rPr>
-                        <a:t>액션 상태</a:t>
-                      </a:r>
-                      <a:endParaRPr lang="en-US" altLang="ko-KR" sz="1400" b="0" dirty="0">
-                        <a:solidFill>
-                          <a:schemeClr val="tx1"/>
-                        </a:solidFill>
-                      </a:endParaRPr>
-                    </a:p>
-                    <a:p>
-                      <a:pPr marL="1657350" lvl="3" indent="-285750" algn="l" latinLnBrk="1">
-                        <a:buFont typeface="Arial" panose="020B0604020202020204" pitchFamily="34" charset="0"/>
-                        <a:buChar char="•"/>
-                      </a:pPr>
-                      <a:r>
-                        <a:rPr lang="ko-KR" altLang="en-US" sz="1400" b="0" dirty="0">
-                          <a:solidFill>
-                            <a:schemeClr val="tx1"/>
-                          </a:solidFill>
-                        </a:rPr>
-                        <a:t>공격을 받아 피격 상태가 되면 스킬 사용이 실패한다</a:t>
-                      </a:r>
-                      <a:r>
-                        <a:rPr lang="en-US" altLang="ko-KR" sz="1400" b="0" dirty="0">
-                          <a:solidFill>
-                            <a:schemeClr val="tx1"/>
-                          </a:solidFill>
-                        </a:rPr>
-                        <a:t>.</a:t>
-                      </a:r>
-                    </a:p>
-                    <a:p>
-                      <a:pPr marL="1200150" lvl="2" indent="-285750" algn="l" latinLnBrk="1">
-                        <a:buFont typeface="Wingdings" panose="05000000000000000000" pitchFamily="2" charset="2"/>
-                        <a:buChar char="§"/>
-                      </a:pPr>
-                      <a:r>
-                        <a:rPr lang="ko-KR" altLang="en-US" sz="1400" b="0" dirty="0">
-                          <a:solidFill>
-                            <a:schemeClr val="tx1"/>
-                          </a:solidFill>
-                        </a:rPr>
-                        <a:t>상태 이상 상태</a:t>
-                      </a:r>
-                      <a:endParaRPr lang="en-US" altLang="ko-KR" sz="1400" b="0" dirty="0">
-                        <a:solidFill>
-                          <a:schemeClr val="tx1"/>
-                        </a:solidFill>
-                      </a:endParaRPr>
-                    </a:p>
-                    <a:p>
-                      <a:pPr marL="1657350" lvl="3" indent="-285750" algn="l" latinLnBrk="1">
-                        <a:buFont typeface="Arial" panose="020B0604020202020204" pitchFamily="34" charset="0"/>
-                        <a:buChar char="•"/>
-                      </a:pPr>
-                      <a:r>
-                        <a:rPr lang="ko-KR" altLang="en-US" sz="1400" b="0" dirty="0">
-                          <a:solidFill>
-                            <a:schemeClr val="tx1"/>
-                          </a:solidFill>
-                        </a:rPr>
-                        <a:t>사용하는 스킬 사용을 제한하는 상태 이상에 걸릴 경우 스킬 사용이 실패한다</a:t>
-                      </a:r>
-                      <a:r>
-                        <a:rPr lang="en-US" altLang="ko-KR" sz="1400" b="0" dirty="0">
-                          <a:solidFill>
-                            <a:schemeClr val="tx1"/>
-                          </a:solidFill>
-                        </a:rPr>
-                        <a:t>.</a:t>
-                      </a:r>
-                    </a:p>
-                  </a:txBody>
-                  <a:tcPr>
-                    <a:lnL w="12700" cmpd="sng">
-                      <a:noFill/>
-                    </a:lnL>
-                    <a:lnR w="12700" cmpd="sng">
-                      <a:noFill/>
-                    </a:lnR>
-                    <a:lnT w="12700" cap="flat" cmpd="sng" algn="ctr">
-                      <a:solidFill>
-                        <a:schemeClr val="tx1"/>
-                      </a:solidFill>
-                      <a:prstDash val="solid"/>
-                      <a:round/>
-                      <a:headEnd type="none" w="med" len="med"/>
-                      <a:tailEnd type="none" w="med" len="med"/>
-                    </a:lnT>
-                    <a:lnB w="12700" cap="flat" cmpd="sng" algn="ctr">
-                      <a:noFill/>
-                      <a:prstDash val="solid"/>
-                      <a:round/>
-                      <a:headEnd type="none" w="med" len="med"/>
-                      <a:tailEnd type="none" w="med" len="med"/>
-                    </a:lnB>
-                    <a:lnTlToBr w="12700" cmpd="sng">
-                      <a:noFill/>
-                      <a:prstDash val="solid"/>
-                    </a:lnTlToBr>
-                    <a:lnBlToTr w="12700" cmpd="sng">
-                      <a:noFill/>
-                      <a:prstDash val="solid"/>
-                    </a:lnBlToTr>
-                    <a:noFill/>
-                  </a:tcPr>
-                </a:tc>
-                <a:extLst>
-                  <a:ext uri="{0D108BD9-81ED-4DB2-BD59-A6C34878D82A}">
-                    <a16:rowId xmlns:a16="http://schemas.microsoft.com/office/drawing/2014/main" val="2418085743"/>
-                  </a:ext>
-                </a:extLst>
-              </a:tr>
-              <a:tr h="246289">
-                <a:tc>
-                  <a:txBody>
-                    <a:bodyPr/>
-                    <a:lstStyle/>
-                    <a:p>
-                      <a:pPr marL="742950" lvl="1" indent="-285750" algn="l" latinLnBrk="1">
-                        <a:buFont typeface="Wingdings" panose="05000000000000000000" pitchFamily="2" charset="2"/>
-                        <a:buChar char="u"/>
-                      </a:pPr>
-                      <a:r>
-                        <a:rPr lang="ko-KR" altLang="en-US" sz="1400" b="0" dirty="0">
-                          <a:solidFill>
-                            <a:schemeClr val="tx1"/>
-                          </a:solidFill>
-                        </a:rPr>
-                        <a:t>장애물</a:t>
-                      </a:r>
-                      <a:endParaRPr lang="en-US" altLang="ko-KR" sz="1400" b="0" dirty="0">
-                        <a:solidFill>
-                          <a:schemeClr val="tx1"/>
-                        </a:solidFill>
-                      </a:endParaRPr>
-                    </a:p>
-                    <a:p>
-                      <a:pPr marL="1200150" lvl="2" indent="-285750" algn="l" latinLnBrk="1">
-                        <a:buFont typeface="Wingdings" panose="05000000000000000000" pitchFamily="2" charset="2"/>
-                        <a:buChar char="§"/>
-                      </a:pPr>
-                      <a:r>
-                        <a:rPr lang="ko-KR" altLang="en-US" sz="1400" b="0" dirty="0">
-                          <a:solidFill>
-                            <a:schemeClr val="tx1"/>
-                          </a:solidFill>
-                        </a:rPr>
-                        <a:t>투사체 사용</a:t>
-                      </a:r>
-                      <a:r>
-                        <a:rPr lang="en-US" altLang="ko-KR" sz="1400" b="0" dirty="0">
-                          <a:solidFill>
-                            <a:schemeClr val="tx1"/>
-                          </a:solidFill>
-                        </a:rPr>
-                        <a:t>/</a:t>
-                      </a:r>
-                      <a:r>
-                        <a:rPr lang="ko-KR" altLang="en-US" sz="1400" b="0" dirty="0">
-                          <a:solidFill>
-                            <a:schemeClr val="tx1"/>
-                          </a:solidFill>
-                        </a:rPr>
-                        <a:t>미사용</a:t>
-                      </a:r>
-                      <a:endParaRPr lang="en-US" altLang="ko-KR" sz="1400" b="0" dirty="0">
-                        <a:solidFill>
-                          <a:schemeClr val="tx1"/>
-                        </a:solidFill>
-                      </a:endParaRPr>
-                    </a:p>
-                    <a:p>
-                      <a:pPr marL="1200150" lvl="2" indent="-285750" algn="l" latinLnBrk="1">
-                        <a:buFont typeface="Wingdings" panose="05000000000000000000" pitchFamily="2" charset="2"/>
-                        <a:buChar char="§"/>
-                      </a:pPr>
-                      <a:r>
-                        <a:rPr lang="ko-KR" altLang="en-US" sz="1400" b="0" dirty="0">
-                          <a:solidFill>
-                            <a:schemeClr val="tx1"/>
-                          </a:solidFill>
-                        </a:rPr>
-                        <a:t>장애물의 종류</a:t>
-                      </a:r>
-                      <a:endParaRPr lang="en-US" altLang="ko-KR" sz="1400" b="0" dirty="0">
-                        <a:solidFill>
-                          <a:schemeClr val="tx1"/>
-                        </a:solidFill>
-                      </a:endParaRPr>
-                    </a:p>
-                  </a:txBody>
-                  <a:tcPr>
-                    <a:lnL w="12700" cmpd="sng">
-                      <a:noFill/>
-                    </a:lnL>
-                    <a:lnR w="12700" cmpd="sng">
-                      <a:noFill/>
-                    </a:lnR>
-                    <a:lnT w="12700" cap="flat" cmpd="sng" algn="ctr">
-                      <a:noFill/>
-                      <a:prstDash val="solid"/>
-                      <a:round/>
-                      <a:headEnd type="none" w="med" len="med"/>
-                      <a:tailEnd type="none" w="med" len="med"/>
-                    </a:lnT>
-                    <a:lnB w="12700" cap="flat" cmpd="sng" algn="ctr">
-                      <a:noFill/>
-                      <a:prstDash val="solid"/>
-                      <a:round/>
-                      <a:headEnd type="none" w="med" len="med"/>
-                      <a:tailEnd type="none" w="med" len="med"/>
-                    </a:lnB>
-                    <a:lnTlToBr w="12700" cmpd="sng">
-                      <a:noFill/>
-                      <a:prstDash val="solid"/>
-                    </a:lnTlToBr>
-                    <a:lnBlToTr w="12700" cmpd="sng">
-                      <a:noFill/>
-                      <a:prstDash val="solid"/>
-                    </a:lnBlToTr>
-                    <a:noFill/>
-                  </a:tcPr>
-                </a:tc>
-                <a:extLst>
-                  <a:ext uri="{0D108BD9-81ED-4DB2-BD59-A6C34878D82A}">
-                    <a16:rowId xmlns:a16="http://schemas.microsoft.com/office/drawing/2014/main" val="779709036"/>
-                  </a:ext>
-                </a:extLst>
-              </a:tr>
-            </a:tbl>
-          </a:graphicData>
-        </a:graphic>
-      </p:graphicFrame>
-    </p:spTree>
-    <p:extLst>
-      <p:ext uri="{BB962C8B-B14F-4D97-AF65-F5344CB8AC3E}">
-        <p14:creationId xmlns:p14="http://schemas.microsoft.com/office/powerpoint/2010/main" val="103628067"/>
       </p:ext>
     </p:extLst>
   </p:cSld>
@@ -31129,6 +30915,877 @@
         <p:cNvPr id="1" name="">
           <a:extLst>
             <a:ext uri="{FF2B5EF4-FFF2-40B4-BE49-F238E27FC236}">
+              <a16:creationId xmlns:a16="http://schemas.microsoft.com/office/drawing/2014/main" id="{50A10F00-CD86-EBEB-D2A1-112BFFCF9C83}"/>
+            </a:ext>
+          </a:extLst>
+        </p:cNvPr>
+        <p:cNvGrpSpPr/>
+        <p:nvPr/>
+      </p:nvGrpSpPr>
+      <p:grpSpPr>
+        <a:xfrm>
+          <a:off x="0" y="0"/>
+          <a:ext cx="0" cy="0"/>
+          <a:chOff x="0" y="0"/>
+          <a:chExt cx="0" cy="0"/>
+        </a:xfrm>
+      </p:grpSpPr>
+      <p:sp>
+        <p:nvSpPr>
+          <p:cNvPr id="7" name="제목 1">
+            <a:extLst>
+              <a:ext uri="{FF2B5EF4-FFF2-40B4-BE49-F238E27FC236}">
+                <a16:creationId xmlns:a16="http://schemas.microsoft.com/office/drawing/2014/main" id="{11143C5B-6B7E-D1FE-391F-7E6EF9275599}"/>
+              </a:ext>
+            </a:extLst>
+          </p:cNvPr>
+          <p:cNvSpPr txBox="1">
+            <a:spLocks/>
+          </p:cNvSpPr>
+          <p:nvPr/>
+        </p:nvSpPr>
+        <p:spPr>
+          <a:xfrm>
+            <a:off x="695325" y="292100"/>
+            <a:ext cx="10801350" cy="861695"/>
+          </a:xfrm>
+          <a:prstGeom prst="rect">
+            <a:avLst/>
+          </a:prstGeom>
+        </p:spPr>
+        <p:txBody>
+          <a:bodyPr vert="horz" lIns="91440" tIns="45720" rIns="91440" bIns="45720" rtlCol="0" anchor="ctr">
+            <a:normAutofit/>
+          </a:bodyPr>
+          <a:lstStyle>
+            <a:lvl1pPr algn="l" defTabSz="914400" rtl="0" eaLnBrk="1" latinLnBrk="1" hangingPunct="1">
+              <a:lnSpc>
+                <a:spcPct val="90000"/>
+              </a:lnSpc>
+              <a:spcBef>
+                <a:spcPct val="0"/>
+              </a:spcBef>
+              <a:buNone/>
+              <a:defRPr sz="4400" kern="1200">
+                <a:solidFill>
+                  <a:schemeClr val="tx1"/>
+                </a:solidFill>
+                <a:latin typeface="+mj-lt"/>
+                <a:ea typeface="+mj-ea"/>
+                <a:cs typeface="+mj-cs"/>
+              </a:defRPr>
+            </a:lvl1pPr>
+          </a:lstStyle>
+          <a:p>
+            <a:r>
+              <a:rPr lang="ko-KR" altLang="en-US" dirty="0"/>
+              <a:t>액션 </a:t>
+            </a:r>
+            <a:r>
+              <a:rPr lang="en-US" altLang="ko-KR" dirty="0"/>
+              <a:t>&amp; </a:t>
+            </a:r>
+            <a:r>
+              <a:rPr lang="ko-KR" altLang="en-US" dirty="0"/>
+              <a:t>슈팅 </a:t>
+            </a:r>
+            <a:r>
+              <a:rPr lang="en-US" altLang="ko-KR" dirty="0"/>
+              <a:t>– 2. </a:t>
+            </a:r>
+            <a:r>
+              <a:rPr lang="ko-KR" altLang="en-US" dirty="0"/>
+              <a:t>투사체 차트</a:t>
+            </a:r>
+          </a:p>
+        </p:txBody>
+      </p:sp>
+      <p:grpSp>
+        <p:nvGrpSpPr>
+          <p:cNvPr id="8" name="그룹 7">
+            <a:extLst>
+              <a:ext uri="{FF2B5EF4-FFF2-40B4-BE49-F238E27FC236}">
+                <a16:creationId xmlns:a16="http://schemas.microsoft.com/office/drawing/2014/main" id="{6CEF00A3-7E21-8742-EEF3-521AAE59D2C2}"/>
+              </a:ext>
+            </a:extLst>
+          </p:cNvPr>
+          <p:cNvGrpSpPr/>
+          <p:nvPr/>
+        </p:nvGrpSpPr>
+        <p:grpSpPr>
+          <a:xfrm>
+            <a:off x="2456011" y="1900237"/>
+            <a:ext cx="7279977" cy="3057525"/>
+            <a:chOff x="2818644" y="1900237"/>
+            <a:chExt cx="7279977" cy="3057525"/>
+          </a:xfrm>
+        </p:grpSpPr>
+        <p:pic>
+          <p:nvPicPr>
+            <p:cNvPr id="3" name="그림 2" descr="텍스트, 폰트, 화이트, 블랙이(가) 표시된 사진&#10;&#10;자동 생성된 설명">
+              <a:extLst>
+                <a:ext uri="{FF2B5EF4-FFF2-40B4-BE49-F238E27FC236}">
+                  <a16:creationId xmlns:a16="http://schemas.microsoft.com/office/drawing/2014/main" id="{6C23EA0E-9D6E-5AC6-62B1-0F17D3AA9B03}"/>
+                </a:ext>
+              </a:extLst>
+            </p:cNvPr>
+            <p:cNvPicPr>
+              <a:picLocks noChangeAspect="1"/>
+            </p:cNvPicPr>
+            <p:nvPr/>
+          </p:nvPicPr>
+          <p:blipFill>
+            <a:blip r:embed="rId2">
+              <a:extLst>
+                <a:ext uri="{28A0092B-C50C-407E-A947-70E740481C1C}">
+                  <a14:useLocalDpi xmlns:a14="http://schemas.microsoft.com/office/drawing/2010/main" val="0"/>
+                </a:ext>
+              </a:extLst>
+            </a:blip>
+            <a:stretch>
+              <a:fillRect/>
+            </a:stretch>
+          </p:blipFill>
+          <p:spPr>
+            <a:xfrm>
+              <a:off x="4755096" y="1900237"/>
+              <a:ext cx="5343525" cy="771525"/>
+            </a:xfrm>
+            <a:prstGeom prst="rect">
+              <a:avLst/>
+            </a:prstGeom>
+          </p:spPr>
+        </p:pic>
+        <p:pic>
+          <p:nvPicPr>
+            <p:cNvPr id="6" name="그림 5" descr="텍스트, 폰트, 스크린샷, 화이트이(가) 표시된 사진&#10;&#10;자동 생성된 설명">
+              <a:extLst>
+                <a:ext uri="{FF2B5EF4-FFF2-40B4-BE49-F238E27FC236}">
+                  <a16:creationId xmlns:a16="http://schemas.microsoft.com/office/drawing/2014/main" id="{9A144EDC-CD87-1274-C4AB-8A7F1A8B2531}"/>
+                </a:ext>
+              </a:extLst>
+            </p:cNvPr>
+            <p:cNvPicPr>
+              <a:picLocks noChangeAspect="1"/>
+            </p:cNvPicPr>
+            <p:nvPr/>
+          </p:nvPicPr>
+          <p:blipFill>
+            <a:blip r:embed="rId3">
+              <a:extLst>
+                <a:ext uri="{28A0092B-C50C-407E-A947-70E740481C1C}">
+                  <a14:useLocalDpi xmlns:a14="http://schemas.microsoft.com/office/drawing/2010/main" val="0"/>
+                </a:ext>
+              </a:extLst>
+            </a:blip>
+            <a:stretch>
+              <a:fillRect/>
+            </a:stretch>
+          </p:blipFill>
+          <p:spPr>
+            <a:xfrm>
+              <a:off x="2818644" y="1900237"/>
+              <a:ext cx="1533525" cy="3057525"/>
+            </a:xfrm>
+            <a:prstGeom prst="rect">
+              <a:avLst/>
+            </a:prstGeom>
+          </p:spPr>
+        </p:pic>
+      </p:grpSp>
+    </p:spTree>
+    <p:extLst>
+      <p:ext uri="{BB962C8B-B14F-4D97-AF65-F5344CB8AC3E}">
+        <p14:creationId xmlns:p14="http://schemas.microsoft.com/office/powerpoint/2010/main" val="1124958946"/>
+      </p:ext>
+    </p:extLst>
+  </p:cSld>
+  <p:clrMapOvr>
+    <a:masterClrMapping/>
+  </p:clrMapOvr>
+</p:sld>
+</file>
+
+<file path=ppt/slides/slide51.xml><?xml version="1.0" encoding="utf-8"?>
+<p:sld xmlns:a="http://schemas.openxmlformats.org/drawingml/2006/main" xmlns:r="http://schemas.openxmlformats.org/officeDocument/2006/relationships" xmlns:p="http://schemas.openxmlformats.org/presentationml/2006/main">
+  <p:cSld>
+    <p:spTree>
+      <p:nvGrpSpPr>
+        <p:cNvPr id="1" name="">
+          <a:extLst>
+            <a:ext uri="{FF2B5EF4-FFF2-40B4-BE49-F238E27FC236}">
+              <a16:creationId xmlns:a16="http://schemas.microsoft.com/office/drawing/2014/main" id="{C04C1DA5-3104-5839-BC1F-459CC613FF0C}"/>
+            </a:ext>
+          </a:extLst>
+        </p:cNvPr>
+        <p:cNvGrpSpPr/>
+        <p:nvPr/>
+      </p:nvGrpSpPr>
+      <p:grpSpPr>
+        <a:xfrm>
+          <a:off x="0" y="0"/>
+          <a:ext cx="0" cy="0"/>
+          <a:chOff x="0" y="0"/>
+          <a:chExt cx="0" cy="0"/>
+        </a:xfrm>
+      </p:grpSpPr>
+      <p:sp>
+        <p:nvSpPr>
+          <p:cNvPr id="7" name="제목 1">
+            <a:extLst>
+              <a:ext uri="{FF2B5EF4-FFF2-40B4-BE49-F238E27FC236}">
+                <a16:creationId xmlns:a16="http://schemas.microsoft.com/office/drawing/2014/main" id="{8C04F9E0-EDE2-83AB-5FF8-80CCAD8FB423}"/>
+              </a:ext>
+            </a:extLst>
+          </p:cNvPr>
+          <p:cNvSpPr txBox="1">
+            <a:spLocks/>
+          </p:cNvSpPr>
+          <p:nvPr/>
+        </p:nvSpPr>
+        <p:spPr>
+          <a:xfrm>
+            <a:off x="695325" y="292100"/>
+            <a:ext cx="10801350" cy="861695"/>
+          </a:xfrm>
+          <a:prstGeom prst="rect">
+            <a:avLst/>
+          </a:prstGeom>
+        </p:spPr>
+        <p:txBody>
+          <a:bodyPr vert="horz" lIns="91440" tIns="45720" rIns="91440" bIns="45720" rtlCol="0" anchor="ctr">
+            <a:normAutofit/>
+          </a:bodyPr>
+          <a:lstStyle>
+            <a:lvl1pPr algn="l" defTabSz="914400" rtl="0" eaLnBrk="1" latinLnBrk="1" hangingPunct="1">
+              <a:lnSpc>
+                <a:spcPct val="90000"/>
+              </a:lnSpc>
+              <a:spcBef>
+                <a:spcPct val="0"/>
+              </a:spcBef>
+              <a:buNone/>
+              <a:defRPr sz="4400" kern="1200">
+                <a:solidFill>
+                  <a:schemeClr val="tx1"/>
+                </a:solidFill>
+                <a:latin typeface="+mj-lt"/>
+                <a:ea typeface="+mj-ea"/>
+                <a:cs typeface="+mj-cs"/>
+              </a:defRPr>
+            </a:lvl1pPr>
+          </a:lstStyle>
+          <a:p>
+            <a:r>
+              <a:rPr lang="ko-KR" altLang="en-US" dirty="0"/>
+              <a:t>액션 </a:t>
+            </a:r>
+            <a:r>
+              <a:rPr lang="en-US" altLang="ko-KR" dirty="0"/>
+              <a:t>&amp; </a:t>
+            </a:r>
+            <a:r>
+              <a:rPr lang="ko-KR" altLang="en-US" dirty="0"/>
+              <a:t>슈팅 </a:t>
+            </a:r>
+            <a:r>
+              <a:rPr lang="en-US" altLang="ko-KR" dirty="0"/>
+              <a:t>– 3. </a:t>
+            </a:r>
+            <a:r>
+              <a:rPr lang="ko-KR" altLang="en-US" dirty="0"/>
+              <a:t>변화 요소</a:t>
+            </a:r>
+          </a:p>
+        </p:txBody>
+      </p:sp>
+      <p:graphicFrame>
+        <p:nvGraphicFramePr>
+          <p:cNvPr id="2" name="표 1">
+            <a:extLst>
+              <a:ext uri="{FF2B5EF4-FFF2-40B4-BE49-F238E27FC236}">
+                <a16:creationId xmlns:a16="http://schemas.microsoft.com/office/drawing/2014/main" id="{26E2D43B-6423-EE3C-D8BA-A3477356AAF9}"/>
+              </a:ext>
+            </a:extLst>
+          </p:cNvPr>
+          <p:cNvGraphicFramePr>
+            <a:graphicFrameLocks noGrp="1"/>
+          </p:cNvGraphicFramePr>
+          <p:nvPr>
+            <p:extLst>
+              <p:ext uri="{D42A27DB-BD31-4B8C-83A1-F6EECF244321}">
+                <p14:modId xmlns:p14="http://schemas.microsoft.com/office/powerpoint/2010/main" val="844122293"/>
+              </p:ext>
+            </p:extLst>
+          </p:nvPr>
+        </p:nvGraphicFramePr>
+        <p:xfrm>
+          <a:off x="2059622" y="1702191"/>
+          <a:ext cx="8072755" cy="3322320"/>
+        </p:xfrm>
+        <a:graphic>
+          <a:graphicData uri="http://schemas.openxmlformats.org/drawingml/2006/table">
+            <a:tbl>
+              <a:tblPr firstRow="1" bandRow="1">
+                <a:tableStyleId>{5C22544A-7EE6-4342-B048-85BDC9FD1C3A}</a:tableStyleId>
+              </a:tblPr>
+              <a:tblGrid>
+                <a:gridCol w="8072755">
+                  <a:extLst>
+                    <a:ext uri="{9D8B030D-6E8A-4147-A177-3AD203B41FA5}">
+                      <a16:colId xmlns:a16="http://schemas.microsoft.com/office/drawing/2014/main" val="3852552135"/>
+                    </a:ext>
+                  </a:extLst>
+                </a:gridCol>
+              </a:tblGrid>
+              <a:tr h="0">
+                <a:tc>
+                  <a:txBody>
+                    <a:bodyPr/>
+                    <a:lstStyle/>
+                    <a:p>
+                      <a:pPr algn="l" latinLnBrk="1"/>
+                      <a:r>
+                        <a:rPr lang="ko-KR" altLang="en-US" sz="1400" b="0" dirty="0">
+                          <a:solidFill>
+                            <a:schemeClr val="tx1"/>
+                          </a:solidFill>
+                        </a:rPr>
+                        <a:t>변화 요소</a:t>
+                      </a:r>
+                    </a:p>
+                  </a:txBody>
+                  <a:tcPr>
+                    <a:lnL w="12700" cmpd="sng">
+                      <a:noFill/>
+                    </a:lnL>
+                    <a:lnR w="12700" cmpd="sng">
+                      <a:noFill/>
+                    </a:lnR>
+                    <a:lnT w="12700" cmpd="sng">
+                      <a:noFill/>
+                    </a:lnT>
+                    <a:lnB w="12700" cap="flat" cmpd="sng" algn="ctr">
+                      <a:solidFill>
+                        <a:schemeClr val="tx1"/>
+                      </a:solidFill>
+                      <a:prstDash val="solid"/>
+                      <a:round/>
+                      <a:headEnd type="none" w="med" len="med"/>
+                      <a:tailEnd type="none" w="med" len="med"/>
+                    </a:lnB>
+                    <a:lnTlToBr w="12700" cmpd="sng">
+                      <a:noFill/>
+                      <a:prstDash val="solid"/>
+                    </a:lnTlToBr>
+                    <a:lnBlToTr w="12700" cmpd="sng">
+                      <a:noFill/>
+                      <a:prstDash val="solid"/>
+                    </a:lnBlToTr>
+                    <a:solidFill>
+                      <a:schemeClr val="bg1">
+                        <a:lumMod val="95000"/>
+                      </a:schemeClr>
+                    </a:solidFill>
+                  </a:tcPr>
+                </a:tc>
+                <a:extLst>
+                  <a:ext uri="{0D108BD9-81ED-4DB2-BD59-A6C34878D82A}">
+                    <a16:rowId xmlns:a16="http://schemas.microsoft.com/office/drawing/2014/main" val="4129766453"/>
+                  </a:ext>
+                </a:extLst>
+              </a:tr>
+              <a:tr h="0">
+                <a:tc>
+                  <a:txBody>
+                    <a:bodyPr/>
+                    <a:lstStyle/>
+                    <a:p>
+                      <a:pPr algn="l" latinLnBrk="1"/>
+                      <a:r>
+                        <a:rPr lang="ko-KR" altLang="en-US" sz="1400" b="0" dirty="0">
+                          <a:solidFill>
+                            <a:schemeClr val="tx1"/>
+                          </a:solidFill>
+                        </a:rPr>
+                        <a:t>다양한 요소에 따른 스킬의 변화에 따른 처리이다</a:t>
+                      </a:r>
+                      <a:r>
+                        <a:rPr lang="en-US" altLang="ko-KR" sz="1400" b="0" dirty="0">
+                          <a:solidFill>
+                            <a:schemeClr val="tx1"/>
+                          </a:solidFill>
+                        </a:rPr>
+                        <a:t>.</a:t>
+                      </a:r>
+                    </a:p>
+                  </a:txBody>
+                  <a:tcPr>
+                    <a:lnL w="12700" cmpd="sng">
+                      <a:noFill/>
+                    </a:lnL>
+                    <a:lnR w="12700" cmpd="sng">
+                      <a:noFill/>
+                    </a:lnR>
+                    <a:lnT w="12700" cap="flat" cmpd="sng" algn="ctr">
+                      <a:solidFill>
+                        <a:schemeClr val="tx1"/>
+                      </a:solidFill>
+                      <a:prstDash val="solid"/>
+                      <a:round/>
+                      <a:headEnd type="none" w="med" len="med"/>
+                      <a:tailEnd type="none" w="med" len="med"/>
+                    </a:lnT>
+                    <a:lnB w="12700" cap="flat" cmpd="sng" algn="ctr">
+                      <a:noFill/>
+                      <a:prstDash val="solid"/>
+                      <a:round/>
+                      <a:headEnd type="none" w="med" len="med"/>
+                      <a:tailEnd type="none" w="med" len="med"/>
+                    </a:lnB>
+                    <a:lnTlToBr w="12700" cmpd="sng">
+                      <a:noFill/>
+                      <a:prstDash val="solid"/>
+                    </a:lnTlToBr>
+                    <a:lnBlToTr w="12700" cmpd="sng">
+                      <a:noFill/>
+                      <a:prstDash val="solid"/>
+                    </a:lnBlToTr>
+                    <a:noFill/>
+                  </a:tcPr>
+                </a:tc>
+                <a:extLst>
+                  <a:ext uri="{0D108BD9-81ED-4DB2-BD59-A6C34878D82A}">
+                    <a16:rowId xmlns:a16="http://schemas.microsoft.com/office/drawing/2014/main" val="3386730004"/>
+                  </a:ext>
+                </a:extLst>
+              </a:tr>
+              <a:tr h="0">
+                <a:tc>
+                  <a:txBody>
+                    <a:bodyPr/>
+                    <a:lstStyle/>
+                    <a:p>
+                      <a:pPr algn="l" latinLnBrk="1"/>
+                      <a:endParaRPr lang="en-US" altLang="ko-KR" sz="1400" b="0" dirty="0">
+                        <a:solidFill>
+                          <a:schemeClr val="tx1"/>
+                        </a:solidFill>
+                      </a:endParaRPr>
+                    </a:p>
+                  </a:txBody>
+                  <a:tcPr>
+                    <a:lnL w="12700" cmpd="sng">
+                      <a:noFill/>
+                    </a:lnL>
+                    <a:lnR w="12700" cmpd="sng">
+                      <a:noFill/>
+                    </a:lnR>
+                    <a:lnT w="12700" cap="flat" cmpd="sng" algn="ctr">
+                      <a:noFill/>
+                      <a:prstDash val="solid"/>
+                      <a:round/>
+                      <a:headEnd type="none" w="med" len="med"/>
+                      <a:tailEnd type="none" w="med" len="med"/>
+                    </a:lnT>
+                    <a:lnB w="12700" cap="flat" cmpd="sng" algn="ctr">
+                      <a:noFill/>
+                      <a:prstDash val="solid"/>
+                      <a:round/>
+                      <a:headEnd type="none" w="med" len="med"/>
+                      <a:tailEnd type="none" w="med" len="med"/>
+                    </a:lnB>
+                    <a:lnTlToBr w="12700" cmpd="sng">
+                      <a:noFill/>
+                      <a:prstDash val="solid"/>
+                    </a:lnTlToBr>
+                    <a:lnBlToTr w="12700" cmpd="sng">
+                      <a:noFill/>
+                      <a:prstDash val="solid"/>
+                    </a:lnBlToTr>
+                    <a:noFill/>
+                  </a:tcPr>
+                </a:tc>
+                <a:extLst>
+                  <a:ext uri="{0D108BD9-81ED-4DB2-BD59-A6C34878D82A}">
+                    <a16:rowId xmlns:a16="http://schemas.microsoft.com/office/drawing/2014/main" val="1470410232"/>
+                  </a:ext>
+                </a:extLst>
+              </a:tr>
+              <a:tr h="0">
+                <a:tc>
+                  <a:txBody>
+                    <a:bodyPr/>
+                    <a:lstStyle/>
+                    <a:p>
+                      <a:pPr algn="l" latinLnBrk="1"/>
+                      <a:r>
+                        <a:rPr lang="ko-KR" altLang="en-US" sz="1400" b="0" dirty="0">
+                          <a:solidFill>
+                            <a:schemeClr val="tx1"/>
+                          </a:solidFill>
+                        </a:rPr>
+                        <a:t>변화 요소 목록</a:t>
+                      </a:r>
+                      <a:endParaRPr lang="en-US" altLang="ko-KR" sz="1400" b="0" dirty="0">
+                        <a:solidFill>
+                          <a:schemeClr val="tx1"/>
+                        </a:solidFill>
+                      </a:endParaRPr>
+                    </a:p>
+                  </a:txBody>
+                  <a:tcPr>
+                    <a:lnL w="12700" cmpd="sng">
+                      <a:noFill/>
+                    </a:lnL>
+                    <a:lnR w="12700" cmpd="sng">
+                      <a:noFill/>
+                    </a:lnR>
+                    <a:lnT w="12700" cap="flat" cmpd="sng" algn="ctr">
+                      <a:noFill/>
+                      <a:prstDash val="solid"/>
+                      <a:round/>
+                      <a:headEnd type="none" w="med" len="med"/>
+                      <a:tailEnd type="none" w="med" len="med"/>
+                    </a:lnT>
+                    <a:lnB w="12700" cap="flat" cmpd="sng" algn="ctr">
+                      <a:solidFill>
+                        <a:schemeClr val="tx1"/>
+                      </a:solidFill>
+                      <a:prstDash val="solid"/>
+                      <a:round/>
+                      <a:headEnd type="none" w="med" len="med"/>
+                      <a:tailEnd type="none" w="med" len="med"/>
+                    </a:lnB>
+                    <a:lnTlToBr w="12700" cmpd="sng">
+                      <a:noFill/>
+                      <a:prstDash val="solid"/>
+                    </a:lnTlToBr>
+                    <a:lnBlToTr w="12700" cmpd="sng">
+                      <a:noFill/>
+                      <a:prstDash val="solid"/>
+                    </a:lnBlToTr>
+                    <a:solidFill>
+                      <a:schemeClr val="bg1">
+                        <a:lumMod val="95000"/>
+                      </a:schemeClr>
+                    </a:solidFill>
+                  </a:tcPr>
+                </a:tc>
+                <a:extLst>
+                  <a:ext uri="{0D108BD9-81ED-4DB2-BD59-A6C34878D82A}">
+                    <a16:rowId xmlns:a16="http://schemas.microsoft.com/office/drawing/2014/main" val="4103515606"/>
+                  </a:ext>
+                </a:extLst>
+              </a:tr>
+              <a:tr h="246289">
+                <a:tc>
+                  <a:txBody>
+                    <a:bodyPr/>
+                    <a:lstStyle/>
+                    <a:p>
+                      <a:pPr marL="742950" lvl="1" indent="-285750" algn="l" latinLnBrk="1">
+                        <a:buFont typeface="Wingdings" panose="05000000000000000000" pitchFamily="2" charset="2"/>
+                        <a:buChar char="u"/>
+                      </a:pPr>
+                      <a:r>
+                        <a:rPr lang="ko-KR" altLang="en-US" sz="1400" b="0" dirty="0">
+                          <a:solidFill>
+                            <a:schemeClr val="tx1"/>
+                          </a:solidFill>
+                        </a:rPr>
+                        <a:t>캐릭터 상태</a:t>
+                      </a:r>
+                      <a:endParaRPr lang="en-US" altLang="ko-KR" sz="1400" b="0" dirty="0">
+                        <a:solidFill>
+                          <a:schemeClr val="tx1"/>
+                        </a:solidFill>
+                      </a:endParaRPr>
+                    </a:p>
+                    <a:p>
+                      <a:pPr marL="914400" lvl="2" indent="0" algn="l" latinLnBrk="1">
+                        <a:buFont typeface="Wingdings" panose="05000000000000000000" pitchFamily="2" charset="2"/>
+                        <a:buNone/>
+                      </a:pPr>
+                      <a:r>
+                        <a:rPr lang="ko-KR" altLang="en-US" sz="1400" b="0" dirty="0">
+                          <a:solidFill>
+                            <a:schemeClr val="tx1"/>
+                          </a:solidFill>
+                        </a:rPr>
+                        <a:t>스킬 사용 중에 캐릭터 상태 변화에 따른 처리 요소들</a:t>
+                      </a:r>
+                      <a:endParaRPr lang="en-US" altLang="ko-KR" sz="1400" b="0" dirty="0">
+                        <a:solidFill>
+                          <a:schemeClr val="tx1"/>
+                        </a:solidFill>
+                      </a:endParaRPr>
+                    </a:p>
+                    <a:p>
+                      <a:pPr marL="1200150" lvl="2" indent="-285750" algn="l" latinLnBrk="1">
+                        <a:buFont typeface="Wingdings" panose="05000000000000000000" pitchFamily="2" charset="2"/>
+                        <a:buChar char="§"/>
+                      </a:pPr>
+                      <a:r>
+                        <a:rPr lang="ko-KR" altLang="en-US" sz="1400" b="0" dirty="0">
+                          <a:solidFill>
+                            <a:schemeClr val="tx1"/>
+                          </a:solidFill>
+                        </a:rPr>
+                        <a:t>액션 상태</a:t>
+                      </a:r>
+                      <a:endParaRPr lang="en-US" altLang="ko-KR" sz="1400" b="0" dirty="0">
+                        <a:solidFill>
+                          <a:schemeClr val="tx1"/>
+                        </a:solidFill>
+                      </a:endParaRPr>
+                    </a:p>
+                    <a:p>
+                      <a:pPr marL="1657350" lvl="3" indent="-285750" algn="l" latinLnBrk="1">
+                        <a:buFont typeface="Arial" panose="020B0604020202020204" pitchFamily="34" charset="0"/>
+                        <a:buChar char="•"/>
+                      </a:pPr>
+                      <a:r>
+                        <a:rPr lang="ko-KR" altLang="en-US" sz="1400" b="0" dirty="0">
+                          <a:solidFill>
+                            <a:schemeClr val="tx1"/>
+                          </a:solidFill>
+                        </a:rPr>
+                        <a:t>공격을 받아 피격 상태가 되면 스킬 사용이 실패한다</a:t>
+                      </a:r>
+                      <a:r>
+                        <a:rPr lang="en-US" altLang="ko-KR" sz="1400" b="0" dirty="0">
+                          <a:solidFill>
+                            <a:schemeClr val="tx1"/>
+                          </a:solidFill>
+                        </a:rPr>
+                        <a:t>.</a:t>
+                      </a:r>
+                    </a:p>
+                    <a:p>
+                      <a:pPr marL="1200150" lvl="2" indent="-285750" algn="l" latinLnBrk="1">
+                        <a:buFont typeface="Wingdings" panose="05000000000000000000" pitchFamily="2" charset="2"/>
+                        <a:buChar char="§"/>
+                      </a:pPr>
+                      <a:r>
+                        <a:rPr lang="ko-KR" altLang="en-US" sz="1400" b="0" dirty="0">
+                          <a:solidFill>
+                            <a:schemeClr val="tx1"/>
+                          </a:solidFill>
+                        </a:rPr>
+                        <a:t>상태 이상 상태</a:t>
+                      </a:r>
+                      <a:endParaRPr lang="en-US" altLang="ko-KR" sz="1400" b="0" dirty="0">
+                        <a:solidFill>
+                          <a:schemeClr val="tx1"/>
+                        </a:solidFill>
+                      </a:endParaRPr>
+                    </a:p>
+                    <a:p>
+                      <a:pPr marL="1657350" lvl="3" indent="-285750" algn="l" latinLnBrk="1">
+                        <a:buFont typeface="Arial" panose="020B0604020202020204" pitchFamily="34" charset="0"/>
+                        <a:buChar char="•"/>
+                      </a:pPr>
+                      <a:r>
+                        <a:rPr lang="ko-KR" altLang="en-US" sz="1400" b="0" dirty="0">
+                          <a:solidFill>
+                            <a:schemeClr val="tx1"/>
+                          </a:solidFill>
+                        </a:rPr>
+                        <a:t>사용하는 스킬 사용을 제한하는 상태 이상에 걸릴 경우 스킬 사용이 실패한다</a:t>
+                      </a:r>
+                      <a:r>
+                        <a:rPr lang="en-US" altLang="ko-KR" sz="1400" b="0" dirty="0">
+                          <a:solidFill>
+                            <a:schemeClr val="tx1"/>
+                          </a:solidFill>
+                        </a:rPr>
+                        <a:t>.</a:t>
+                      </a:r>
+                    </a:p>
+                  </a:txBody>
+                  <a:tcPr>
+                    <a:lnL w="12700" cmpd="sng">
+                      <a:noFill/>
+                    </a:lnL>
+                    <a:lnR w="12700" cmpd="sng">
+                      <a:noFill/>
+                    </a:lnR>
+                    <a:lnT w="12700" cap="flat" cmpd="sng" algn="ctr">
+                      <a:solidFill>
+                        <a:schemeClr val="tx1"/>
+                      </a:solidFill>
+                      <a:prstDash val="solid"/>
+                      <a:round/>
+                      <a:headEnd type="none" w="med" len="med"/>
+                      <a:tailEnd type="none" w="med" len="med"/>
+                    </a:lnT>
+                    <a:lnB w="12700" cap="flat" cmpd="sng" algn="ctr">
+                      <a:noFill/>
+                      <a:prstDash val="solid"/>
+                      <a:round/>
+                      <a:headEnd type="none" w="med" len="med"/>
+                      <a:tailEnd type="none" w="med" len="med"/>
+                    </a:lnB>
+                    <a:lnTlToBr w="12700" cmpd="sng">
+                      <a:noFill/>
+                      <a:prstDash val="solid"/>
+                    </a:lnTlToBr>
+                    <a:lnBlToTr w="12700" cmpd="sng">
+                      <a:noFill/>
+                      <a:prstDash val="solid"/>
+                    </a:lnBlToTr>
+                    <a:noFill/>
+                  </a:tcPr>
+                </a:tc>
+                <a:extLst>
+                  <a:ext uri="{0D108BD9-81ED-4DB2-BD59-A6C34878D82A}">
+                    <a16:rowId xmlns:a16="http://schemas.microsoft.com/office/drawing/2014/main" val="2418085743"/>
+                  </a:ext>
+                </a:extLst>
+              </a:tr>
+              <a:tr h="246289">
+                <a:tc>
+                  <a:txBody>
+                    <a:bodyPr/>
+                    <a:lstStyle/>
+                    <a:p>
+                      <a:pPr marL="742950" lvl="1" indent="-285750" algn="l" latinLnBrk="1">
+                        <a:buFont typeface="Wingdings" panose="05000000000000000000" pitchFamily="2" charset="2"/>
+                        <a:buChar char="u"/>
+                      </a:pPr>
+                      <a:r>
+                        <a:rPr lang="ko-KR" altLang="en-US" sz="1400" b="0" dirty="0">
+                          <a:solidFill>
+                            <a:schemeClr val="tx1"/>
+                          </a:solidFill>
+                        </a:rPr>
+                        <a:t>장애물</a:t>
+                      </a:r>
+                      <a:endParaRPr lang="en-US" altLang="ko-KR" sz="1400" b="0" dirty="0">
+                        <a:solidFill>
+                          <a:schemeClr val="tx1"/>
+                        </a:solidFill>
+                      </a:endParaRPr>
+                    </a:p>
+                    <a:p>
+                      <a:pPr marL="1200150" lvl="2" indent="-285750" algn="l" latinLnBrk="1">
+                        <a:buFont typeface="Wingdings" panose="05000000000000000000" pitchFamily="2" charset="2"/>
+                        <a:buChar char="§"/>
+                      </a:pPr>
+                      <a:r>
+                        <a:rPr lang="ko-KR" altLang="en-US" sz="1400" b="0" dirty="0">
+                          <a:solidFill>
+                            <a:schemeClr val="tx1"/>
+                          </a:solidFill>
+                        </a:rPr>
+                        <a:t>투사체 사용</a:t>
+                      </a:r>
+                      <a:r>
+                        <a:rPr lang="en-US" altLang="ko-KR" sz="1400" b="0" dirty="0">
+                          <a:solidFill>
+                            <a:schemeClr val="tx1"/>
+                          </a:solidFill>
+                        </a:rPr>
+                        <a:t>/</a:t>
+                      </a:r>
+                      <a:r>
+                        <a:rPr lang="ko-KR" altLang="en-US" sz="1400" b="0" dirty="0">
+                          <a:solidFill>
+                            <a:schemeClr val="tx1"/>
+                          </a:solidFill>
+                        </a:rPr>
+                        <a:t>미사용</a:t>
+                      </a:r>
+                      <a:endParaRPr lang="en-US" altLang="ko-KR" sz="1400" b="0" dirty="0">
+                        <a:solidFill>
+                          <a:schemeClr val="tx1"/>
+                        </a:solidFill>
+                      </a:endParaRPr>
+                    </a:p>
+                    <a:p>
+                      <a:pPr marL="1200150" lvl="2" indent="-285750" algn="l" latinLnBrk="1">
+                        <a:buFont typeface="Wingdings" panose="05000000000000000000" pitchFamily="2" charset="2"/>
+                        <a:buChar char="§"/>
+                      </a:pPr>
+                      <a:r>
+                        <a:rPr lang="ko-KR" altLang="en-US" sz="1400" b="0" dirty="0">
+                          <a:solidFill>
+                            <a:schemeClr val="tx1"/>
+                          </a:solidFill>
+                        </a:rPr>
+                        <a:t>장애물의 종류</a:t>
+                      </a:r>
+                      <a:endParaRPr lang="en-US" altLang="ko-KR" sz="1400" b="0" dirty="0">
+                        <a:solidFill>
+                          <a:schemeClr val="tx1"/>
+                        </a:solidFill>
+                      </a:endParaRPr>
+                    </a:p>
+                  </a:txBody>
+                  <a:tcPr>
+                    <a:lnL w="12700" cmpd="sng">
+                      <a:noFill/>
+                    </a:lnL>
+                    <a:lnR w="12700" cmpd="sng">
+                      <a:noFill/>
+                    </a:lnR>
+                    <a:lnT w="12700" cap="flat" cmpd="sng" algn="ctr">
+                      <a:noFill/>
+                      <a:prstDash val="solid"/>
+                      <a:round/>
+                      <a:headEnd type="none" w="med" len="med"/>
+                      <a:tailEnd type="none" w="med" len="med"/>
+                    </a:lnT>
+                    <a:lnB w="12700" cap="flat" cmpd="sng" algn="ctr">
+                      <a:noFill/>
+                      <a:prstDash val="solid"/>
+                      <a:round/>
+                      <a:headEnd type="none" w="med" len="med"/>
+                      <a:tailEnd type="none" w="med" len="med"/>
+                    </a:lnB>
+                    <a:lnTlToBr w="12700" cmpd="sng">
+                      <a:noFill/>
+                      <a:prstDash val="solid"/>
+                    </a:lnTlToBr>
+                    <a:lnBlToTr w="12700" cmpd="sng">
+                      <a:noFill/>
+                      <a:prstDash val="solid"/>
+                    </a:lnBlToTr>
+                    <a:noFill/>
+                  </a:tcPr>
+                </a:tc>
+                <a:extLst>
+                  <a:ext uri="{0D108BD9-81ED-4DB2-BD59-A6C34878D82A}">
+                    <a16:rowId xmlns:a16="http://schemas.microsoft.com/office/drawing/2014/main" val="779709036"/>
+                  </a:ext>
+                </a:extLst>
+              </a:tr>
+            </a:tbl>
+          </a:graphicData>
+        </a:graphic>
+      </p:graphicFrame>
+    </p:spTree>
+    <p:extLst>
+      <p:ext uri="{BB962C8B-B14F-4D97-AF65-F5344CB8AC3E}">
+        <p14:creationId xmlns:p14="http://schemas.microsoft.com/office/powerpoint/2010/main" val="103628067"/>
+      </p:ext>
+    </p:extLst>
+  </p:cSld>
+  <p:clrMapOvr>
+    <a:masterClrMapping/>
+  </p:clrMapOvr>
+</p:sld>
+</file>
+
+<file path=ppt/slides/slide52.xml><?xml version="1.0" encoding="utf-8"?>
+<p:sld xmlns:a="http://schemas.openxmlformats.org/drawingml/2006/main" xmlns:r="http://schemas.openxmlformats.org/officeDocument/2006/relationships" xmlns:p="http://schemas.openxmlformats.org/presentationml/2006/main">
+  <p:cSld>
+    <p:spTree>
+      <p:nvGrpSpPr>
+        <p:cNvPr id="1" name="">
+          <a:extLst>
+            <a:ext uri="{FF2B5EF4-FFF2-40B4-BE49-F238E27FC236}">
               <a16:creationId xmlns:a16="http://schemas.microsoft.com/office/drawing/2014/main" id="{7DBADB5A-D83F-D4BD-98D1-962D822B326E}"/>
             </a:ext>
           </a:extLst>
@@ -31221,10 +31878,10 @@
       </p:sp>
       <p:pic>
         <p:nvPicPr>
-          <p:cNvPr id="3" name="그림 2" descr="스크린샷, 그래픽, 원, 패턴이(가) 표시된 사진&#10;&#10;자동 생성된 설명">
+          <p:cNvPr id="4" name="그림 3" descr="텍스트, 스크린샷, 폰트, 원이(가) 표시된 사진&#10;&#10;자동 생성된 설명">
             <a:extLst>
               <a:ext uri="{FF2B5EF4-FFF2-40B4-BE49-F238E27FC236}">
-                <a16:creationId xmlns:a16="http://schemas.microsoft.com/office/drawing/2014/main" id="{57032764-F467-DF63-8833-B757A8E1A068}"/>
+                <a16:creationId xmlns:a16="http://schemas.microsoft.com/office/drawing/2014/main" id="{6423A682-EF66-400E-8154-7F005F3B1309}"/>
               </a:ext>
             </a:extLst>
           </p:cNvPr>
@@ -31247,8 +31904,8 @@
         </p:blipFill>
         <p:spPr>
           <a:xfrm>
-            <a:off x="695325" y="1257744"/>
-            <a:ext cx="10801350" cy="5441435"/>
+            <a:off x="2466975" y="1222375"/>
+            <a:ext cx="7258050" cy="5343525"/>
           </a:xfrm>
           <a:prstGeom prst="rect">
             <a:avLst/>
@@ -31268,7 +31925,7 @@
 </p:sld>
 </file>
 
-<file path=ppt/slides/slide51.xml><?xml version="1.0" encoding="utf-8"?>
+<file path=ppt/slides/slide53.xml><?xml version="1.0" encoding="utf-8"?>
 <p:sld xmlns:a="http://schemas.openxmlformats.org/drawingml/2006/main" xmlns:r="http://schemas.openxmlformats.org/officeDocument/2006/relationships" xmlns:p="http://schemas.openxmlformats.org/presentationml/2006/main">
   <p:cSld>
     <p:spTree>
@@ -31366,42 +32023,135 @@
           </a:p>
         </p:txBody>
       </p:sp>
-      <p:pic>
-        <p:nvPicPr>
-          <p:cNvPr id="4" name="그림 3" descr="텍스트, 스크린샷, 폰트, 원이(가) 표시된 사진&#10;&#10;자동 생성된 설명">
+      <p:grpSp>
+        <p:nvGrpSpPr>
+          <p:cNvPr id="10" name="그룹 9">
             <a:extLst>
               <a:ext uri="{FF2B5EF4-FFF2-40B4-BE49-F238E27FC236}">
-                <a16:creationId xmlns:a16="http://schemas.microsoft.com/office/drawing/2014/main" id="{AAB9A3DA-F749-E783-3596-40A817B366B7}"/>
+                <a16:creationId xmlns:a16="http://schemas.microsoft.com/office/drawing/2014/main" id="{3C535416-8DD2-07BE-F407-EED290D01E0C}"/>
               </a:ext>
             </a:extLst>
           </p:cNvPr>
-          <p:cNvPicPr>
-            <a:picLocks noChangeAspect="1"/>
-          </p:cNvPicPr>
+          <p:cNvGrpSpPr/>
           <p:nvPr/>
-        </p:nvPicPr>
-        <p:blipFill>
-          <a:blip r:embed="rId2">
-            <a:extLst>
-              <a:ext uri="{28A0092B-C50C-407E-A947-70E740481C1C}">
-                <a14:useLocalDpi xmlns:a14="http://schemas.microsoft.com/office/drawing/2010/main" val="0"/>
-              </a:ext>
-            </a:extLst>
-          </a:blip>
-          <a:stretch>
-            <a:fillRect/>
-          </a:stretch>
-        </p:blipFill>
-        <p:spPr>
+        </p:nvGrpSpPr>
+        <p:grpSpPr>
           <a:xfrm>
-            <a:off x="2083287" y="1165665"/>
-            <a:ext cx="8025425" cy="5520520"/>
+            <a:off x="1416608" y="1192182"/>
+            <a:ext cx="9358784" cy="5480080"/>
+            <a:chOff x="690563" y="185737"/>
+            <a:chExt cx="11077573" cy="6486525"/>
           </a:xfrm>
-          <a:prstGeom prst="rect">
-            <a:avLst/>
-          </a:prstGeom>
-        </p:spPr>
-      </p:pic>
+        </p:grpSpPr>
+        <p:pic>
+          <p:nvPicPr>
+            <p:cNvPr id="3" name="그림 2" descr="텍스트, 폰트, 스크린샷, 그래픽이(가) 표시된 사진&#10;&#10;자동 생성된 설명">
+              <a:extLst>
+                <a:ext uri="{FF2B5EF4-FFF2-40B4-BE49-F238E27FC236}">
+                  <a16:creationId xmlns:a16="http://schemas.microsoft.com/office/drawing/2014/main" id="{1701ED62-37D2-3E55-8063-C59EF708551E}"/>
+                </a:ext>
+              </a:extLst>
+            </p:cNvPr>
+            <p:cNvPicPr>
+              <a:picLocks noChangeAspect="1"/>
+            </p:cNvPicPr>
+            <p:nvPr/>
+          </p:nvPicPr>
+          <p:blipFill>
+            <a:blip r:embed="rId2">
+              <a:extLst>
+                <a:ext uri="{28A0092B-C50C-407E-A947-70E740481C1C}">
+                  <a14:useLocalDpi xmlns:a14="http://schemas.microsoft.com/office/drawing/2010/main" val="0"/>
+                </a:ext>
+              </a:extLst>
+            </a:blip>
+            <a:stretch>
+              <a:fillRect/>
+            </a:stretch>
+          </p:blipFill>
+          <p:spPr>
+            <a:xfrm>
+              <a:off x="690563" y="1328736"/>
+              <a:ext cx="3438525" cy="4200525"/>
+            </a:xfrm>
+            <a:prstGeom prst="rect">
+              <a:avLst/>
+            </a:prstGeom>
+          </p:spPr>
+        </p:pic>
+        <p:pic>
+          <p:nvPicPr>
+            <p:cNvPr id="6" name="그림 5" descr="텍스트, 스크린샷, 폰트, 도표이(가) 표시된 사진&#10;&#10;자동 생성된 설명">
+              <a:extLst>
+                <a:ext uri="{FF2B5EF4-FFF2-40B4-BE49-F238E27FC236}">
+                  <a16:creationId xmlns:a16="http://schemas.microsoft.com/office/drawing/2014/main" id="{2F69B23A-6901-4B5C-320B-4764DCFA53B5}"/>
+                </a:ext>
+              </a:extLst>
+            </p:cNvPr>
+            <p:cNvPicPr>
+              <a:picLocks noChangeAspect="1"/>
+            </p:cNvPicPr>
+            <p:nvPr/>
+          </p:nvPicPr>
+          <p:blipFill>
+            <a:blip r:embed="rId3">
+              <a:extLst>
+                <a:ext uri="{28A0092B-C50C-407E-A947-70E740481C1C}">
+                  <a14:useLocalDpi xmlns:a14="http://schemas.microsoft.com/office/drawing/2010/main" val="0"/>
+                </a:ext>
+              </a:extLst>
+            </a:blip>
+            <a:stretch>
+              <a:fillRect/>
+            </a:stretch>
+          </p:blipFill>
+          <p:spPr>
+            <a:xfrm>
+              <a:off x="8062911" y="185737"/>
+              <a:ext cx="3705225" cy="6486525"/>
+            </a:xfrm>
+            <a:prstGeom prst="rect">
+              <a:avLst/>
+            </a:prstGeom>
+          </p:spPr>
+        </p:pic>
+        <p:pic>
+          <p:nvPicPr>
+            <p:cNvPr id="9" name="그림 8" descr="텍스트, 스크린샷, 폰트, 도표이(가) 표시된 사진&#10;&#10;자동 생성된 설명">
+              <a:extLst>
+                <a:ext uri="{FF2B5EF4-FFF2-40B4-BE49-F238E27FC236}">
+                  <a16:creationId xmlns:a16="http://schemas.microsoft.com/office/drawing/2014/main" id="{345DD85B-2956-68C0-936D-99EEA22300D5}"/>
+                </a:ext>
+              </a:extLst>
+            </p:cNvPr>
+            <p:cNvPicPr>
+              <a:picLocks noChangeAspect="1"/>
+            </p:cNvPicPr>
+            <p:nvPr/>
+          </p:nvPicPr>
+          <p:blipFill>
+            <a:blip r:embed="rId4">
+              <a:extLst>
+                <a:ext uri="{28A0092B-C50C-407E-A947-70E740481C1C}">
+                  <a14:useLocalDpi xmlns:a14="http://schemas.microsoft.com/office/drawing/2010/main" val="0"/>
+                </a:ext>
+              </a:extLst>
+            </a:blip>
+            <a:stretch>
+              <a:fillRect/>
+            </a:stretch>
+          </p:blipFill>
+          <p:spPr>
+            <a:xfrm>
+              <a:off x="4376737" y="185737"/>
+              <a:ext cx="3438525" cy="6486525"/>
+            </a:xfrm>
+            <a:prstGeom prst="rect">
+              <a:avLst/>
+            </a:prstGeom>
+          </p:spPr>
+        </p:pic>
+      </p:grpSp>
     </p:spTree>
     <p:extLst>
       <p:ext uri="{BB962C8B-B14F-4D97-AF65-F5344CB8AC3E}">
@@ -31415,7 +32165,7 @@
 </p:sld>
 </file>
 
-<file path=ppt/slides/slide52.xml><?xml version="1.0" encoding="utf-8"?>
+<file path=ppt/slides/slide54.xml><?xml version="1.0" encoding="utf-8"?>
 <p:sld xmlns:a="http://schemas.openxmlformats.org/drawingml/2006/main" xmlns:r="http://schemas.openxmlformats.org/officeDocument/2006/relationships" xmlns:p="http://schemas.openxmlformats.org/presentationml/2006/main">
   <p:cSld>
     <p:spTree>
@@ -31513,42 +32263,135 @@
           </a:p>
         </p:txBody>
       </p:sp>
-      <p:pic>
-        <p:nvPicPr>
-          <p:cNvPr id="4" name="그림 3" descr="스크린샷, 텍스트, 폰트, 그래픽이(가) 표시된 사진&#10;&#10;자동 생성된 설명">
+      <p:grpSp>
+        <p:nvGrpSpPr>
+          <p:cNvPr id="10" name="그룹 9">
             <a:extLst>
               <a:ext uri="{FF2B5EF4-FFF2-40B4-BE49-F238E27FC236}">
-                <a16:creationId xmlns:a16="http://schemas.microsoft.com/office/drawing/2014/main" id="{AE366D76-4D43-D8AC-20CC-F8397DC88F81}"/>
+                <a16:creationId xmlns:a16="http://schemas.microsoft.com/office/drawing/2014/main" id="{307BFB03-76B1-C320-2E8E-FC814E2D3A2D}"/>
               </a:ext>
             </a:extLst>
           </p:cNvPr>
-          <p:cNvPicPr>
-            <a:picLocks noChangeAspect="1"/>
-          </p:cNvPicPr>
+          <p:cNvGrpSpPr/>
           <p:nvPr/>
-        </p:nvPicPr>
-        <p:blipFill>
-          <a:blip r:embed="rId2">
-            <a:extLst>
-              <a:ext uri="{28A0092B-C50C-407E-A947-70E740481C1C}">
-                <a14:useLocalDpi xmlns:a14="http://schemas.microsoft.com/office/drawing/2010/main" val="0"/>
-              </a:ext>
-            </a:extLst>
-          </a:blip>
-          <a:stretch>
-            <a:fillRect/>
-          </a:stretch>
-        </p:blipFill>
-        <p:spPr>
+        </p:nvGrpSpPr>
+        <p:grpSpPr>
           <a:xfrm>
-            <a:off x="0" y="1496335"/>
-            <a:ext cx="12192000" cy="3865329"/>
+            <a:off x="1205714" y="1265378"/>
+            <a:ext cx="9780571" cy="5343526"/>
+            <a:chOff x="1574478" y="1291390"/>
+            <a:chExt cx="9780571" cy="5343526"/>
           </a:xfrm>
-          <a:prstGeom prst="rect">
-            <a:avLst/>
-          </a:prstGeom>
-        </p:spPr>
-      </p:pic>
+        </p:grpSpPr>
+        <p:pic>
+          <p:nvPicPr>
+            <p:cNvPr id="3" name="그림 2" descr="텍스트, 스크린샷, 원, 폰트이(가) 표시된 사진&#10;&#10;자동 생성된 설명">
+              <a:extLst>
+                <a:ext uri="{FF2B5EF4-FFF2-40B4-BE49-F238E27FC236}">
+                  <a16:creationId xmlns:a16="http://schemas.microsoft.com/office/drawing/2014/main" id="{8F11E93D-7CB8-1DFE-8EBD-0AF9BF5B149D}"/>
+                </a:ext>
+              </a:extLst>
+            </p:cNvPr>
+            <p:cNvPicPr>
+              <a:picLocks noChangeAspect="1"/>
+            </p:cNvPicPr>
+            <p:nvPr/>
+          </p:nvPicPr>
+          <p:blipFill>
+            <a:blip r:embed="rId2">
+              <a:extLst>
+                <a:ext uri="{28A0092B-C50C-407E-A947-70E740481C1C}">
+                  <a14:useLocalDpi xmlns:a14="http://schemas.microsoft.com/office/drawing/2010/main" val="0"/>
+                </a:ext>
+              </a:extLst>
+            </a:blip>
+            <a:stretch>
+              <a:fillRect/>
+            </a:stretch>
+          </p:blipFill>
+          <p:spPr>
+            <a:xfrm>
+              <a:off x="3793001" y="1291390"/>
+              <a:ext cx="3438525" cy="5343525"/>
+            </a:xfrm>
+            <a:prstGeom prst="rect">
+              <a:avLst/>
+            </a:prstGeom>
+          </p:spPr>
+        </p:pic>
+        <p:pic>
+          <p:nvPicPr>
+            <p:cNvPr id="6" name="그림 5" descr="텍스트, 폰트, 스크린샷, 디자인이(가) 표시된 사진&#10;&#10;자동 생성된 설명">
+              <a:extLst>
+                <a:ext uri="{FF2B5EF4-FFF2-40B4-BE49-F238E27FC236}">
+                  <a16:creationId xmlns:a16="http://schemas.microsoft.com/office/drawing/2014/main" id="{EEBD49F8-51CA-44C1-D244-83BC924BD182}"/>
+                </a:ext>
+              </a:extLst>
+            </p:cNvPr>
+            <p:cNvPicPr>
+              <a:picLocks noChangeAspect="1"/>
+            </p:cNvPicPr>
+            <p:nvPr/>
+          </p:nvPicPr>
+          <p:blipFill>
+            <a:blip r:embed="rId3">
+              <a:extLst>
+                <a:ext uri="{28A0092B-C50C-407E-A947-70E740481C1C}">
+                  <a14:useLocalDpi xmlns:a14="http://schemas.microsoft.com/office/drawing/2010/main" val="0"/>
+                </a:ext>
+              </a:extLst>
+            </a:blip>
+            <a:stretch>
+              <a:fillRect/>
+            </a:stretch>
+          </p:blipFill>
+          <p:spPr>
+            <a:xfrm>
+              <a:off x="1574478" y="1291390"/>
+              <a:ext cx="1809750" cy="4200525"/>
+            </a:xfrm>
+            <a:prstGeom prst="rect">
+              <a:avLst/>
+            </a:prstGeom>
+          </p:spPr>
+        </p:pic>
+        <p:pic>
+          <p:nvPicPr>
+            <p:cNvPr id="9" name="그림 8" descr="텍스트, 스크린샷, 원, 폰트이(가) 표시된 사진&#10;&#10;자동 생성된 설명">
+              <a:extLst>
+                <a:ext uri="{FF2B5EF4-FFF2-40B4-BE49-F238E27FC236}">
+                  <a16:creationId xmlns:a16="http://schemas.microsoft.com/office/drawing/2014/main" id="{68700C6B-FED5-29A2-E9BF-00829A67C88C}"/>
+                </a:ext>
+              </a:extLst>
+            </p:cNvPr>
+            <p:cNvPicPr>
+              <a:picLocks noChangeAspect="1"/>
+            </p:cNvPicPr>
+            <p:nvPr/>
+          </p:nvPicPr>
+          <p:blipFill>
+            <a:blip r:embed="rId4">
+              <a:extLst>
+                <a:ext uri="{28A0092B-C50C-407E-A947-70E740481C1C}">
+                  <a14:useLocalDpi xmlns:a14="http://schemas.microsoft.com/office/drawing/2010/main" val="0"/>
+                </a:ext>
+              </a:extLst>
+            </a:blip>
+            <a:stretch>
+              <a:fillRect/>
+            </a:stretch>
+          </p:blipFill>
+          <p:spPr>
+            <a:xfrm>
+              <a:off x="7640299" y="1291391"/>
+              <a:ext cx="3714750" cy="5343525"/>
+            </a:xfrm>
+            <a:prstGeom prst="rect">
+              <a:avLst/>
+            </a:prstGeom>
+          </p:spPr>
+        </p:pic>
+      </p:grpSp>
     </p:spTree>
     <p:extLst>
       <p:ext uri="{BB962C8B-B14F-4D97-AF65-F5344CB8AC3E}">
@@ -31562,7 +32405,7 @@
 </p:sld>
 </file>
 
-<file path=ppt/slides/slide53.xml><?xml version="1.0" encoding="utf-8"?>
+<file path=ppt/slides/slide55.xml><?xml version="1.0" encoding="utf-8"?>
 <p:sld xmlns:a="http://schemas.openxmlformats.org/drawingml/2006/main" xmlns:r="http://schemas.openxmlformats.org/officeDocument/2006/relationships" xmlns:p="http://schemas.openxmlformats.org/presentationml/2006/main">
   <p:cSld>
     <p:spTree>
@@ -31660,680 +32503,103 @@
           </a:p>
         </p:txBody>
       </p:sp>
-      <p:pic>
-        <p:nvPicPr>
-          <p:cNvPr id="3" name="그림 2">
+      <p:grpSp>
+        <p:nvGrpSpPr>
+          <p:cNvPr id="8" name="그룹 7">
             <a:extLst>
               <a:ext uri="{FF2B5EF4-FFF2-40B4-BE49-F238E27FC236}">
-                <a16:creationId xmlns:a16="http://schemas.microsoft.com/office/drawing/2014/main" id="{CE2E6D6E-5408-4E22-96F8-2439D0A1F083}"/>
+                <a16:creationId xmlns:a16="http://schemas.microsoft.com/office/drawing/2014/main" id="{BA8EC015-ADB5-3F47-3D54-BC82E7558676}"/>
               </a:ext>
             </a:extLst>
           </p:cNvPr>
-          <p:cNvPicPr>
-            <a:picLocks noChangeAspect="1"/>
-          </p:cNvPicPr>
+          <p:cNvGrpSpPr/>
           <p:nvPr/>
-        </p:nvPicPr>
-        <p:blipFill>
-          <a:blip r:embed="rId2">
-            <a:extLst>
-              <a:ext uri="{28A0092B-C50C-407E-A947-70E740481C1C}">
-                <a14:useLocalDpi xmlns:a14="http://schemas.microsoft.com/office/drawing/2010/main" val="0"/>
-              </a:ext>
-            </a:extLst>
-          </a:blip>
-          <a:stretch>
-            <a:fillRect/>
-          </a:stretch>
-        </p:blipFill>
-        <p:spPr>
+        </p:nvGrpSpPr>
+        <p:grpSpPr>
           <a:xfrm>
-            <a:off x="3019241" y="1227178"/>
-            <a:ext cx="6153517" cy="5506630"/>
+            <a:off x="432585" y="1670506"/>
+            <a:ext cx="11326829" cy="4200525"/>
+            <a:chOff x="695325" y="1670506"/>
+            <a:chExt cx="11326829" cy="4200525"/>
           </a:xfrm>
-          <a:prstGeom prst="rect">
-            <a:avLst/>
-          </a:prstGeom>
-        </p:spPr>
-      </p:pic>
+        </p:grpSpPr>
+        <p:pic>
+          <p:nvPicPr>
+            <p:cNvPr id="4" name="그림 3" descr="텍스트, 폰트, 스크린샷, 그래픽이(가) 표시된 사진&#10;&#10;자동 생성된 설명">
+              <a:extLst>
+                <a:ext uri="{FF2B5EF4-FFF2-40B4-BE49-F238E27FC236}">
+                  <a16:creationId xmlns:a16="http://schemas.microsoft.com/office/drawing/2014/main" id="{0D12E9C5-AC5A-F8C4-DAB3-B05F2023C290}"/>
+                </a:ext>
+              </a:extLst>
+            </p:cNvPr>
+            <p:cNvPicPr>
+              <a:picLocks noChangeAspect="1"/>
+            </p:cNvPicPr>
+            <p:nvPr/>
+          </p:nvPicPr>
+          <p:blipFill>
+            <a:blip r:embed="rId2">
+              <a:extLst>
+                <a:ext uri="{28A0092B-C50C-407E-A947-70E740481C1C}">
+                  <a14:useLocalDpi xmlns:a14="http://schemas.microsoft.com/office/drawing/2010/main" val="0"/>
+                </a:ext>
+              </a:extLst>
+            </a:blip>
+            <a:stretch>
+              <a:fillRect/>
+            </a:stretch>
+          </p:blipFill>
+          <p:spPr>
+            <a:xfrm>
+              <a:off x="4497404" y="1670506"/>
+              <a:ext cx="7524750" cy="3057525"/>
+            </a:xfrm>
+            <a:prstGeom prst="rect">
+              <a:avLst/>
+            </a:prstGeom>
+          </p:spPr>
+        </p:pic>
+        <p:pic>
+          <p:nvPicPr>
+            <p:cNvPr id="6" name="그림 5" descr="텍스트, 폰트, 스크린샷, 디자인이(가) 표시된 사진&#10;&#10;자동 생성된 설명">
+              <a:extLst>
+                <a:ext uri="{FF2B5EF4-FFF2-40B4-BE49-F238E27FC236}">
+                  <a16:creationId xmlns:a16="http://schemas.microsoft.com/office/drawing/2014/main" id="{28C2AD30-CEB4-2F8B-D36E-9BFE6D863C18}"/>
+                </a:ext>
+              </a:extLst>
+            </p:cNvPr>
+            <p:cNvPicPr>
+              <a:picLocks noChangeAspect="1"/>
+            </p:cNvPicPr>
+            <p:nvPr/>
+          </p:nvPicPr>
+          <p:blipFill>
+            <a:blip r:embed="rId3">
+              <a:extLst>
+                <a:ext uri="{28A0092B-C50C-407E-A947-70E740481C1C}">
+                  <a14:useLocalDpi xmlns:a14="http://schemas.microsoft.com/office/drawing/2010/main" val="0"/>
+                </a:ext>
+              </a:extLst>
+            </a:blip>
+            <a:stretch>
+              <a:fillRect/>
+            </a:stretch>
+          </p:blipFill>
+          <p:spPr>
+            <a:xfrm>
+              <a:off x="695325" y="1670506"/>
+              <a:ext cx="5619750" cy="4200525"/>
+            </a:xfrm>
+            <a:prstGeom prst="rect">
+              <a:avLst/>
+            </a:prstGeom>
+          </p:spPr>
+        </p:pic>
+      </p:grpSp>
     </p:spTree>
     <p:extLst>
       <p:ext uri="{BB962C8B-B14F-4D97-AF65-F5344CB8AC3E}">
         <p14:creationId xmlns:p14="http://schemas.microsoft.com/office/powerpoint/2010/main" val="1398152144"/>
-      </p:ext>
-    </p:extLst>
-  </p:cSld>
-  <p:clrMapOvr>
-    <a:masterClrMapping/>
-  </p:clrMapOvr>
-</p:sld>
-</file>
-
-<file path=ppt/slides/slide54.xml><?xml version="1.0" encoding="utf-8"?>
-<p:sld xmlns:a="http://schemas.openxmlformats.org/drawingml/2006/main" xmlns:r="http://schemas.openxmlformats.org/officeDocument/2006/relationships" xmlns:p="http://schemas.openxmlformats.org/presentationml/2006/main">
-  <p:cSld>
-    <p:spTree>
-      <p:nvGrpSpPr>
-        <p:cNvPr id="1" name="">
-          <a:extLst>
-            <a:ext uri="{FF2B5EF4-FFF2-40B4-BE49-F238E27FC236}">
-              <a16:creationId xmlns:a16="http://schemas.microsoft.com/office/drawing/2014/main" id="{0179CEA0-7671-6602-C58D-55B482E19B92}"/>
-            </a:ext>
-          </a:extLst>
-        </p:cNvPr>
-        <p:cNvGrpSpPr/>
-        <p:nvPr/>
-      </p:nvGrpSpPr>
-      <p:grpSpPr>
-        <a:xfrm>
-          <a:off x="0" y="0"/>
-          <a:ext cx="0" cy="0"/>
-          <a:chOff x="0" y="0"/>
-          <a:chExt cx="0" cy="0"/>
-        </a:xfrm>
-      </p:grpSpPr>
-      <p:sp>
-        <p:nvSpPr>
-          <p:cNvPr id="7" name="제목 1">
-            <a:extLst>
-              <a:ext uri="{FF2B5EF4-FFF2-40B4-BE49-F238E27FC236}">
-                <a16:creationId xmlns:a16="http://schemas.microsoft.com/office/drawing/2014/main" id="{94ED0CEF-75BD-C166-74A5-F9968860FA69}"/>
-              </a:ext>
-            </a:extLst>
-          </p:cNvPr>
-          <p:cNvSpPr txBox="1">
-            <a:spLocks/>
-          </p:cNvSpPr>
-          <p:nvPr/>
-        </p:nvSpPr>
-        <p:spPr>
-          <a:xfrm>
-            <a:off x="695325" y="292100"/>
-            <a:ext cx="10801350" cy="861695"/>
-          </a:xfrm>
-          <a:prstGeom prst="rect">
-            <a:avLst/>
-          </a:prstGeom>
-        </p:spPr>
-        <p:txBody>
-          <a:bodyPr vert="horz" lIns="91440" tIns="45720" rIns="91440" bIns="45720" rtlCol="0" anchor="ctr">
-            <a:normAutofit/>
-          </a:bodyPr>
-          <a:lstStyle>
-            <a:lvl1pPr algn="l" defTabSz="914400" rtl="0" eaLnBrk="1" latinLnBrk="1" hangingPunct="1">
-              <a:lnSpc>
-                <a:spcPct val="90000"/>
-              </a:lnSpc>
-              <a:spcBef>
-                <a:spcPct val="0"/>
-              </a:spcBef>
-              <a:buNone/>
-              <a:defRPr sz="4400" kern="1200">
-                <a:solidFill>
-                  <a:schemeClr val="tx1"/>
-                </a:solidFill>
-                <a:latin typeface="+mj-lt"/>
-                <a:ea typeface="+mj-ea"/>
-                <a:cs typeface="+mj-cs"/>
-              </a:defRPr>
-            </a:lvl1pPr>
-          </a:lstStyle>
-          <a:p>
-            <a:r>
-              <a:rPr lang="ko-KR" altLang="en-US" dirty="0"/>
-              <a:t>액션 </a:t>
-            </a:r>
-            <a:r>
-              <a:rPr lang="en-US" altLang="ko-KR" dirty="0"/>
-              <a:t>&amp; </a:t>
-            </a:r>
-            <a:r>
-              <a:rPr lang="ko-KR" altLang="en-US" dirty="0"/>
-              <a:t>슈팅 </a:t>
-            </a:r>
-            <a:r>
-              <a:rPr lang="en-US" altLang="ko-KR" dirty="0"/>
-              <a:t>– 4. </a:t>
-            </a:r>
-            <a:r>
-              <a:rPr lang="ko-KR" altLang="en-US" dirty="0"/>
-              <a:t>기타 요소</a:t>
-            </a:r>
-          </a:p>
-        </p:txBody>
-      </p:sp>
-      <p:graphicFrame>
-        <p:nvGraphicFramePr>
-          <p:cNvPr id="2" name="표 1">
-            <a:extLst>
-              <a:ext uri="{FF2B5EF4-FFF2-40B4-BE49-F238E27FC236}">
-                <a16:creationId xmlns:a16="http://schemas.microsoft.com/office/drawing/2014/main" id="{9DF8C4F3-6418-FC83-1EC1-1698BF13BE31}"/>
-              </a:ext>
-            </a:extLst>
-          </p:cNvPr>
-          <p:cNvGraphicFramePr>
-            <a:graphicFrameLocks noGrp="1"/>
-          </p:cNvGraphicFramePr>
-          <p:nvPr>
-            <p:extLst>
-              <p:ext uri="{D42A27DB-BD31-4B8C-83A1-F6EECF244321}">
-                <p14:modId xmlns:p14="http://schemas.microsoft.com/office/powerpoint/2010/main" val="1553881704"/>
-              </p:ext>
-            </p:extLst>
-          </p:nvPr>
-        </p:nvGraphicFramePr>
-        <p:xfrm>
-          <a:off x="3041491" y="2240280"/>
-          <a:ext cx="6109018" cy="1950720"/>
-        </p:xfrm>
-        <a:graphic>
-          <a:graphicData uri="http://schemas.openxmlformats.org/drawingml/2006/table">
-            <a:tbl>
-              <a:tblPr firstRow="1" bandRow="1">
-                <a:tableStyleId>{5C22544A-7EE6-4342-B048-85BDC9FD1C3A}</a:tableStyleId>
-              </a:tblPr>
-              <a:tblGrid>
-                <a:gridCol w="6109018">
-                  <a:extLst>
-                    <a:ext uri="{9D8B030D-6E8A-4147-A177-3AD203B41FA5}">
-                      <a16:colId xmlns:a16="http://schemas.microsoft.com/office/drawing/2014/main" val="3852552135"/>
-                    </a:ext>
-                  </a:extLst>
-                </a:gridCol>
-              </a:tblGrid>
-              <a:tr h="0">
-                <a:tc>
-                  <a:txBody>
-                    <a:bodyPr/>
-                    <a:lstStyle/>
-                    <a:p>
-                      <a:pPr algn="l" latinLnBrk="1"/>
-                      <a:r>
-                        <a:rPr lang="ko-KR" altLang="en-US" sz="1400" b="0" dirty="0">
-                          <a:solidFill>
-                            <a:schemeClr val="tx1"/>
-                          </a:solidFill>
-                        </a:rPr>
-                        <a:t>기타 요소</a:t>
-                      </a:r>
-                    </a:p>
-                  </a:txBody>
-                  <a:tcPr>
-                    <a:lnL w="12700" cmpd="sng">
-                      <a:noFill/>
-                    </a:lnL>
-                    <a:lnR w="12700" cmpd="sng">
-                      <a:noFill/>
-                    </a:lnR>
-                    <a:lnT w="12700" cmpd="sng">
-                      <a:noFill/>
-                    </a:lnT>
-                    <a:lnB w="12700" cap="flat" cmpd="sng" algn="ctr">
-                      <a:solidFill>
-                        <a:schemeClr val="tx1"/>
-                      </a:solidFill>
-                      <a:prstDash val="solid"/>
-                      <a:round/>
-                      <a:headEnd type="none" w="med" len="med"/>
-                      <a:tailEnd type="none" w="med" len="med"/>
-                    </a:lnB>
-                    <a:lnTlToBr w="12700" cmpd="sng">
-                      <a:noFill/>
-                      <a:prstDash val="solid"/>
-                    </a:lnTlToBr>
-                    <a:lnBlToTr w="12700" cmpd="sng">
-                      <a:noFill/>
-                      <a:prstDash val="solid"/>
-                    </a:lnBlToTr>
-                    <a:solidFill>
-                      <a:schemeClr val="bg1">
-                        <a:lumMod val="95000"/>
-                      </a:schemeClr>
-                    </a:solidFill>
-                  </a:tcPr>
-                </a:tc>
-                <a:extLst>
-                  <a:ext uri="{0D108BD9-81ED-4DB2-BD59-A6C34878D82A}">
-                    <a16:rowId xmlns:a16="http://schemas.microsoft.com/office/drawing/2014/main" val="4129766453"/>
-                  </a:ext>
-                </a:extLst>
-              </a:tr>
-              <a:tr h="0">
-                <a:tc>
-                  <a:txBody>
-                    <a:bodyPr/>
-                    <a:lstStyle/>
-                    <a:p>
-                      <a:pPr algn="l" latinLnBrk="1"/>
-                      <a:r>
-                        <a:rPr lang="ko-KR" altLang="en-US" sz="1400" b="0" dirty="0">
-                          <a:solidFill>
-                            <a:schemeClr val="tx1"/>
-                          </a:solidFill>
-                        </a:rPr>
-                        <a:t>기타 요소들에 대한 처리 단계이다</a:t>
-                      </a:r>
-                      <a:r>
-                        <a:rPr lang="en-US" altLang="ko-KR" sz="1400" b="0" dirty="0">
-                          <a:solidFill>
-                            <a:schemeClr val="tx1"/>
-                          </a:solidFill>
-                        </a:rPr>
-                        <a:t>.</a:t>
-                      </a:r>
-                    </a:p>
-                  </a:txBody>
-                  <a:tcPr>
-                    <a:lnL w="12700" cmpd="sng">
-                      <a:noFill/>
-                    </a:lnL>
-                    <a:lnR w="12700" cmpd="sng">
-                      <a:noFill/>
-                    </a:lnR>
-                    <a:lnT w="12700" cap="flat" cmpd="sng" algn="ctr">
-                      <a:solidFill>
-                        <a:schemeClr val="tx1"/>
-                      </a:solidFill>
-                      <a:prstDash val="solid"/>
-                      <a:round/>
-                      <a:headEnd type="none" w="med" len="med"/>
-                      <a:tailEnd type="none" w="med" len="med"/>
-                    </a:lnT>
-                    <a:lnB w="12700" cap="flat" cmpd="sng" algn="ctr">
-                      <a:noFill/>
-                      <a:prstDash val="solid"/>
-                      <a:round/>
-                      <a:headEnd type="none" w="med" len="med"/>
-                      <a:tailEnd type="none" w="med" len="med"/>
-                    </a:lnB>
-                    <a:lnTlToBr w="12700" cmpd="sng">
-                      <a:noFill/>
-                      <a:prstDash val="solid"/>
-                    </a:lnTlToBr>
-                    <a:lnBlToTr w="12700" cmpd="sng">
-                      <a:noFill/>
-                      <a:prstDash val="solid"/>
-                    </a:lnBlToTr>
-                    <a:noFill/>
-                  </a:tcPr>
-                </a:tc>
-                <a:extLst>
-                  <a:ext uri="{0D108BD9-81ED-4DB2-BD59-A6C34878D82A}">
-                    <a16:rowId xmlns:a16="http://schemas.microsoft.com/office/drawing/2014/main" val="3386730004"/>
-                  </a:ext>
-                </a:extLst>
-              </a:tr>
-              <a:tr h="0">
-                <a:tc>
-                  <a:txBody>
-                    <a:bodyPr/>
-                    <a:lstStyle/>
-                    <a:p>
-                      <a:pPr algn="l" latinLnBrk="1"/>
-                      <a:endParaRPr lang="en-US" altLang="ko-KR" sz="1400" b="0" dirty="0">
-                        <a:solidFill>
-                          <a:schemeClr val="tx1"/>
-                        </a:solidFill>
-                      </a:endParaRPr>
-                    </a:p>
-                  </a:txBody>
-                  <a:tcPr>
-                    <a:lnL w="12700" cmpd="sng">
-                      <a:noFill/>
-                    </a:lnL>
-                    <a:lnR w="12700" cmpd="sng">
-                      <a:noFill/>
-                    </a:lnR>
-                    <a:lnT w="12700" cap="flat" cmpd="sng" algn="ctr">
-                      <a:noFill/>
-                      <a:prstDash val="solid"/>
-                      <a:round/>
-                      <a:headEnd type="none" w="med" len="med"/>
-                      <a:tailEnd type="none" w="med" len="med"/>
-                    </a:lnT>
-                    <a:lnB w="12700" cap="flat" cmpd="sng" algn="ctr">
-                      <a:noFill/>
-                      <a:prstDash val="solid"/>
-                      <a:round/>
-                      <a:headEnd type="none" w="med" len="med"/>
-                      <a:tailEnd type="none" w="med" len="med"/>
-                    </a:lnB>
-                    <a:lnTlToBr w="12700" cmpd="sng">
-                      <a:noFill/>
-                      <a:prstDash val="solid"/>
-                    </a:lnTlToBr>
-                    <a:lnBlToTr w="12700" cmpd="sng">
-                      <a:noFill/>
-                      <a:prstDash val="solid"/>
-                    </a:lnBlToTr>
-                    <a:noFill/>
-                  </a:tcPr>
-                </a:tc>
-                <a:extLst>
-                  <a:ext uri="{0D108BD9-81ED-4DB2-BD59-A6C34878D82A}">
-                    <a16:rowId xmlns:a16="http://schemas.microsoft.com/office/drawing/2014/main" val="1470410232"/>
-                  </a:ext>
-                </a:extLst>
-              </a:tr>
-              <a:tr h="0">
-                <a:tc>
-                  <a:txBody>
-                    <a:bodyPr/>
-                    <a:lstStyle/>
-                    <a:p>
-                      <a:pPr algn="l" latinLnBrk="1"/>
-                      <a:r>
-                        <a:rPr lang="ko-KR" altLang="en-US" sz="1400" b="0" dirty="0">
-                          <a:solidFill>
-                            <a:schemeClr val="tx1"/>
-                          </a:solidFill>
-                        </a:rPr>
-                        <a:t>기타 요소 종류</a:t>
-                      </a:r>
-                      <a:endParaRPr lang="en-US" altLang="ko-KR" sz="1400" b="0" dirty="0">
-                        <a:solidFill>
-                          <a:schemeClr val="tx1"/>
-                        </a:solidFill>
-                      </a:endParaRPr>
-                    </a:p>
-                  </a:txBody>
-                  <a:tcPr>
-                    <a:lnL w="12700" cmpd="sng">
-                      <a:noFill/>
-                    </a:lnL>
-                    <a:lnR w="12700" cmpd="sng">
-                      <a:noFill/>
-                    </a:lnR>
-                    <a:lnT w="12700" cap="flat" cmpd="sng" algn="ctr">
-                      <a:noFill/>
-                      <a:prstDash val="solid"/>
-                      <a:round/>
-                      <a:headEnd type="none" w="med" len="med"/>
-                      <a:tailEnd type="none" w="med" len="med"/>
-                    </a:lnT>
-                    <a:lnB w="12700" cap="flat" cmpd="sng" algn="ctr">
-                      <a:solidFill>
-                        <a:schemeClr val="tx1"/>
-                      </a:solidFill>
-                      <a:prstDash val="solid"/>
-                      <a:round/>
-                      <a:headEnd type="none" w="med" len="med"/>
-                      <a:tailEnd type="none" w="med" len="med"/>
-                    </a:lnB>
-                    <a:lnTlToBr w="12700" cmpd="sng">
-                      <a:noFill/>
-                      <a:prstDash val="solid"/>
-                    </a:lnTlToBr>
-                    <a:lnBlToTr w="12700" cmpd="sng">
-                      <a:noFill/>
-                      <a:prstDash val="solid"/>
-                    </a:lnBlToTr>
-                    <a:solidFill>
-                      <a:schemeClr val="bg1">
-                        <a:lumMod val="95000"/>
-                      </a:schemeClr>
-                    </a:solidFill>
-                  </a:tcPr>
-                </a:tc>
-                <a:extLst>
-                  <a:ext uri="{0D108BD9-81ED-4DB2-BD59-A6C34878D82A}">
-                    <a16:rowId xmlns:a16="http://schemas.microsoft.com/office/drawing/2014/main" val="4103515606"/>
-                  </a:ext>
-                </a:extLst>
-              </a:tr>
-              <a:tr h="246289">
-                <a:tc>
-                  <a:txBody>
-                    <a:bodyPr/>
-                    <a:lstStyle/>
-                    <a:p>
-                      <a:pPr marL="742950" lvl="1" indent="-285750" algn="l" latinLnBrk="1">
-                        <a:buFont typeface="Wingdings" panose="05000000000000000000" pitchFamily="2" charset="2"/>
-                        <a:buChar char="u"/>
-                      </a:pPr>
-                      <a:r>
-                        <a:rPr lang="ko-KR" altLang="en-US" sz="1400" b="0" dirty="0">
-                          <a:solidFill>
-                            <a:schemeClr val="tx1"/>
-                          </a:solidFill>
-                        </a:rPr>
-                        <a:t>높이</a:t>
-                      </a:r>
-                      <a:endParaRPr lang="en-US" altLang="ko-KR" sz="1400" b="0" dirty="0">
-                        <a:solidFill>
-                          <a:schemeClr val="tx1"/>
-                        </a:solidFill>
-                      </a:endParaRPr>
-                    </a:p>
-                    <a:p>
-                      <a:pPr marL="742950" lvl="1" indent="-285750" algn="l" latinLnBrk="1">
-                        <a:buFont typeface="Wingdings" panose="05000000000000000000" pitchFamily="2" charset="2"/>
-                        <a:buChar char="u"/>
-                      </a:pPr>
-                      <a:r>
-                        <a:rPr lang="ko-KR" altLang="en-US" sz="1400" b="0" dirty="0">
-                          <a:solidFill>
-                            <a:schemeClr val="tx1"/>
-                          </a:solidFill>
-                        </a:rPr>
-                        <a:t>스킬 실패</a:t>
-                      </a:r>
-                      <a:endParaRPr lang="en-US" altLang="ko-KR" sz="1400" b="0" dirty="0">
-                        <a:solidFill>
-                          <a:schemeClr val="tx1"/>
-                        </a:solidFill>
-                      </a:endParaRPr>
-                    </a:p>
-                    <a:p>
-                      <a:pPr marL="742950" lvl="1" indent="-285750" algn="l" latinLnBrk="1">
-                        <a:buFont typeface="Wingdings" panose="05000000000000000000" pitchFamily="2" charset="2"/>
-                        <a:buChar char="u"/>
-                      </a:pPr>
-                      <a:r>
-                        <a:rPr lang="ko-KR" altLang="en-US" sz="1400" b="0" dirty="0">
-                          <a:solidFill>
-                            <a:schemeClr val="tx1"/>
-                          </a:solidFill>
-                        </a:rPr>
-                        <a:t>스킬 취소</a:t>
-                      </a:r>
-                      <a:endParaRPr lang="en-US" altLang="ko-KR" sz="1400" b="0" dirty="0">
-                        <a:solidFill>
-                          <a:schemeClr val="tx1"/>
-                        </a:solidFill>
-                      </a:endParaRPr>
-                    </a:p>
-                  </a:txBody>
-                  <a:tcPr>
-                    <a:lnL w="12700" cmpd="sng">
-                      <a:noFill/>
-                    </a:lnL>
-                    <a:lnR w="12700" cmpd="sng">
-                      <a:noFill/>
-                    </a:lnR>
-                    <a:lnT w="12700" cap="flat" cmpd="sng" algn="ctr">
-                      <a:solidFill>
-                        <a:schemeClr val="tx1"/>
-                      </a:solidFill>
-                      <a:prstDash val="solid"/>
-                      <a:round/>
-                      <a:headEnd type="none" w="med" len="med"/>
-                      <a:tailEnd type="none" w="med" len="med"/>
-                    </a:lnT>
-                    <a:lnB w="12700" cap="flat" cmpd="sng" algn="ctr">
-                      <a:noFill/>
-                      <a:prstDash val="solid"/>
-                      <a:round/>
-                      <a:headEnd type="none" w="med" len="med"/>
-                      <a:tailEnd type="none" w="med" len="med"/>
-                    </a:lnB>
-                    <a:lnTlToBr w="12700" cmpd="sng">
-                      <a:noFill/>
-                      <a:prstDash val="solid"/>
-                    </a:lnTlToBr>
-                    <a:lnBlToTr w="12700" cmpd="sng">
-                      <a:noFill/>
-                      <a:prstDash val="solid"/>
-                    </a:lnBlToTr>
-                    <a:noFill/>
-                  </a:tcPr>
-                </a:tc>
-                <a:extLst>
-                  <a:ext uri="{0D108BD9-81ED-4DB2-BD59-A6C34878D82A}">
-                    <a16:rowId xmlns:a16="http://schemas.microsoft.com/office/drawing/2014/main" val="1458965696"/>
-                  </a:ext>
-                </a:extLst>
-              </a:tr>
-            </a:tbl>
-          </a:graphicData>
-        </a:graphic>
-      </p:graphicFrame>
-    </p:spTree>
-    <p:extLst>
-      <p:ext uri="{BB962C8B-B14F-4D97-AF65-F5344CB8AC3E}">
-        <p14:creationId xmlns:p14="http://schemas.microsoft.com/office/powerpoint/2010/main" val="3826503333"/>
-      </p:ext>
-    </p:extLst>
-  </p:cSld>
-  <p:clrMapOvr>
-    <a:masterClrMapping/>
-  </p:clrMapOvr>
-</p:sld>
-</file>
-
-<file path=ppt/slides/slide55.xml><?xml version="1.0" encoding="utf-8"?>
-<p:sld xmlns:a="http://schemas.openxmlformats.org/drawingml/2006/main" xmlns:r="http://schemas.openxmlformats.org/officeDocument/2006/relationships" xmlns:p="http://schemas.openxmlformats.org/presentationml/2006/main">
-  <p:cSld>
-    <p:spTree>
-      <p:nvGrpSpPr>
-        <p:cNvPr id="1" name="">
-          <a:extLst>
-            <a:ext uri="{FF2B5EF4-FFF2-40B4-BE49-F238E27FC236}">
-              <a16:creationId xmlns:a16="http://schemas.microsoft.com/office/drawing/2014/main" id="{9833352C-07C7-BE37-1A5A-AE8A761D40DA}"/>
-            </a:ext>
-          </a:extLst>
-        </p:cNvPr>
-        <p:cNvGrpSpPr/>
-        <p:nvPr/>
-      </p:nvGrpSpPr>
-      <p:grpSpPr>
-        <a:xfrm>
-          <a:off x="0" y="0"/>
-          <a:ext cx="0" cy="0"/>
-          <a:chOff x="0" y="0"/>
-          <a:chExt cx="0" cy="0"/>
-        </a:xfrm>
-      </p:grpSpPr>
-      <p:sp>
-        <p:nvSpPr>
-          <p:cNvPr id="7" name="제목 1">
-            <a:extLst>
-              <a:ext uri="{FF2B5EF4-FFF2-40B4-BE49-F238E27FC236}">
-                <a16:creationId xmlns:a16="http://schemas.microsoft.com/office/drawing/2014/main" id="{AF8B8AEF-A3A4-D348-6096-69B1B6710F47}"/>
-              </a:ext>
-            </a:extLst>
-          </p:cNvPr>
-          <p:cNvSpPr txBox="1">
-            <a:spLocks/>
-          </p:cNvSpPr>
-          <p:nvPr/>
-        </p:nvSpPr>
-        <p:spPr>
-          <a:xfrm>
-            <a:off x="695325" y="292100"/>
-            <a:ext cx="10801350" cy="861695"/>
-          </a:xfrm>
-          <a:prstGeom prst="rect">
-            <a:avLst/>
-          </a:prstGeom>
-        </p:spPr>
-        <p:txBody>
-          <a:bodyPr vert="horz" lIns="91440" tIns="45720" rIns="91440" bIns="45720" rtlCol="0" anchor="ctr">
-            <a:normAutofit/>
-          </a:bodyPr>
-          <a:lstStyle>
-            <a:lvl1pPr algn="l" defTabSz="914400" rtl="0" eaLnBrk="1" latinLnBrk="1" hangingPunct="1">
-              <a:lnSpc>
-                <a:spcPct val="90000"/>
-              </a:lnSpc>
-              <a:spcBef>
-                <a:spcPct val="0"/>
-              </a:spcBef>
-              <a:buNone/>
-              <a:defRPr sz="4400" kern="1200">
-                <a:solidFill>
-                  <a:schemeClr val="tx1"/>
-                </a:solidFill>
-                <a:latin typeface="+mj-lt"/>
-                <a:ea typeface="+mj-ea"/>
-                <a:cs typeface="+mj-cs"/>
-              </a:defRPr>
-            </a:lvl1pPr>
-          </a:lstStyle>
-          <a:p>
-            <a:r>
-              <a:rPr lang="ko-KR" altLang="en-US" dirty="0"/>
-              <a:t>액션 </a:t>
-            </a:r>
-            <a:r>
-              <a:rPr lang="en-US" altLang="ko-KR" dirty="0"/>
-              <a:t>&amp; </a:t>
-            </a:r>
-            <a:r>
-              <a:rPr lang="ko-KR" altLang="en-US" dirty="0"/>
-              <a:t>슈팅 </a:t>
-            </a:r>
-            <a:r>
-              <a:rPr lang="en-US" altLang="ko-KR" dirty="0"/>
-              <a:t>– 4. </a:t>
-            </a:r>
-            <a:r>
-              <a:rPr lang="ko-KR" altLang="en-US" dirty="0"/>
-              <a:t>기타 요소 차트</a:t>
-            </a:r>
-          </a:p>
-        </p:txBody>
-      </p:sp>
-      <p:pic>
-        <p:nvPicPr>
-          <p:cNvPr id="5" name="그림 4" descr="텍스트, 스크린샷, 폰트, 그래픽이(가) 표시된 사진&#10;&#10;자동 생성된 설명">
-            <a:extLst>
-              <a:ext uri="{FF2B5EF4-FFF2-40B4-BE49-F238E27FC236}">
-                <a16:creationId xmlns:a16="http://schemas.microsoft.com/office/drawing/2014/main" id="{79EEB581-60AF-11D2-EE5E-ED73325244DA}"/>
-              </a:ext>
-            </a:extLst>
-          </p:cNvPr>
-          <p:cNvPicPr>
-            <a:picLocks noChangeAspect="1"/>
-          </p:cNvPicPr>
-          <p:nvPr/>
-        </p:nvPicPr>
-        <p:blipFill>
-          <a:blip r:embed="rId2">
-            <a:extLst>
-              <a:ext uri="{28A0092B-C50C-407E-A947-70E740481C1C}">
-                <a14:useLocalDpi xmlns:a14="http://schemas.microsoft.com/office/drawing/2010/main" val="0"/>
-              </a:ext>
-            </a:extLst>
-          </a:blip>
-          <a:stretch>
-            <a:fillRect/>
-          </a:stretch>
-        </p:blipFill>
-        <p:spPr>
-          <a:xfrm>
-            <a:off x="2471737" y="1900237"/>
-            <a:ext cx="7248525" cy="3057525"/>
-          </a:xfrm>
-          <a:prstGeom prst="rect">
-            <a:avLst/>
-          </a:prstGeom>
-        </p:spPr>
-      </p:pic>
-    </p:spTree>
-    <p:extLst>
-      <p:ext uri="{BB962C8B-B14F-4D97-AF65-F5344CB8AC3E}">
-        <p14:creationId xmlns:p14="http://schemas.microsoft.com/office/powerpoint/2010/main" val="2535093025"/>
       </p:ext>
     </p:extLst>
   </p:cSld>
@@ -32415,7 +32681,23 @@
           <a:p>
             <a:r>
               <a:rPr lang="ko-KR" altLang="en-US" dirty="0"/>
-              <a:t>결과</a:t>
+              <a:t>액션 </a:t>
+            </a:r>
+            <a:r>
+              <a:rPr lang="en-US" altLang="ko-KR" dirty="0"/>
+              <a:t>&amp; </a:t>
+            </a:r>
+            <a:r>
+              <a:rPr lang="ko-KR" altLang="en-US" dirty="0"/>
+              <a:t>슈팅 </a:t>
+            </a:r>
+            <a:r>
+              <a:rPr lang="en-US" altLang="ko-KR" dirty="0"/>
+              <a:t>– 4. </a:t>
+            </a:r>
+            <a:r>
+              <a:rPr lang="ko-KR" altLang="en-US" dirty="0"/>
+              <a:t>기타 요소</a:t>
             </a:r>
           </a:p>
         </p:txBody>
@@ -32435,14 +32717,14 @@
           <p:nvPr>
             <p:extLst>
               <p:ext uri="{D42A27DB-BD31-4B8C-83A1-F6EECF244321}">
-                <p14:modId xmlns:p14="http://schemas.microsoft.com/office/powerpoint/2010/main" val="2368465012"/>
+                <p14:modId xmlns:p14="http://schemas.microsoft.com/office/powerpoint/2010/main" val="1741763151"/>
               </p:ext>
             </p:extLst>
           </p:nvPr>
         </p:nvGraphicFramePr>
         <p:xfrm>
-          <a:off x="3041491" y="2240280"/>
-          <a:ext cx="6109018" cy="1524000"/>
+          <a:off x="3745547" y="2240280"/>
+          <a:ext cx="4700905" cy="2377440"/>
         </p:xfrm>
         <a:graphic>
           <a:graphicData uri="http://schemas.openxmlformats.org/drawingml/2006/table">
@@ -32451,7 +32733,7 @@
                 <a:tableStyleId>{5C22544A-7EE6-4342-B048-85BDC9FD1C3A}</a:tableStyleId>
               </a:tblPr>
               <a:tblGrid>
-                <a:gridCol w="6109018">
+                <a:gridCol w="4700905">
                   <a:extLst>
                     <a:ext uri="{9D8B030D-6E8A-4147-A177-3AD203B41FA5}">
                       <a16:colId xmlns:a16="http://schemas.microsoft.com/office/drawing/2014/main" val="3852552135"/>
@@ -32466,11 +32748,14 @@
                     <a:lstStyle/>
                     <a:p>
                       <a:pPr algn="l" latinLnBrk="1"/>
-                      <a:endParaRPr lang="ko-KR" altLang="en-US" sz="1400" b="0" dirty="0">
-                        <a:solidFill>
-                          <a:schemeClr val="tx1"/>
-                        </a:solidFill>
-                      </a:endParaRPr>
+                      <a:r>
+                        <a:rPr lang="ko-KR" altLang="en-US" sz="1400" b="0" dirty="0">
+                          <a:solidFill>
+                            <a:schemeClr val="tx1"/>
+                          </a:solidFill>
+                        </a:rPr>
+                        <a:t>기타 요소</a:t>
+                      </a:r>
                     </a:p>
                   </a:txBody>
                   <a:tcPr>
@@ -32520,11 +32805,22 @@
                     <a:lstStyle/>
                     <a:p>
                       <a:pPr algn="l" latinLnBrk="1"/>
-                      <a:endParaRPr lang="en-US" altLang="ko-KR" sz="1400" b="0" dirty="0">
-                        <a:solidFill>
-                          <a:schemeClr val="tx1"/>
-                        </a:solidFill>
-                      </a:endParaRPr>
+                      <a:r>
+                        <a:rPr lang="ko-KR" altLang="en-US" sz="1400" b="0" dirty="0">
+                          <a:solidFill>
+                            <a:schemeClr val="tx1"/>
+                          </a:solidFill>
+                        </a:rPr>
+                        <a:t>일부 스킬에 적용하는 기타 요소에 대한 처리 단계이다</a:t>
+                      </a:r>
+                      <a:r>
+                        <a:rPr lang="en-US" altLang="ko-KR" sz="1400" b="0" dirty="0">
+                          <a:solidFill>
+                            <a:schemeClr val="tx1"/>
+                          </a:solidFill>
+                        </a:rPr>
+                        <a:t>.</a:t>
+                      </a:r>
                     </a:p>
                   </a:txBody>
                   <a:tcPr>
@@ -32626,6 +32922,14 @@
                     <a:lstStyle/>
                     <a:p>
                       <a:pPr algn="l" latinLnBrk="1"/>
+                      <a:r>
+                        <a:rPr lang="ko-KR" altLang="en-US" sz="1400" b="0" dirty="0">
+                          <a:solidFill>
+                            <a:schemeClr val="tx1"/>
+                          </a:solidFill>
+                        </a:rPr>
+                        <a:t>기타 요소 종류</a:t>
+                      </a:r>
                       <a:endParaRPr lang="en-US" altLang="ko-KR" sz="1400" b="0" dirty="0">
                         <a:solidFill>
                           <a:schemeClr val="tx1"/>
@@ -32687,6 +32991,90 @@
                         <a:buFont typeface="Wingdings" panose="05000000000000000000" pitchFamily="2" charset="2"/>
                         <a:buChar char="u"/>
                       </a:pPr>
+                      <a:r>
+                        <a:rPr lang="ko-KR" altLang="en-US" sz="1400" b="0" dirty="0">
+                          <a:solidFill>
+                            <a:schemeClr val="tx1"/>
+                          </a:solidFill>
+                        </a:rPr>
+                        <a:t>높이</a:t>
+                      </a:r>
+                      <a:endParaRPr lang="en-US" altLang="ko-KR" sz="1400" b="0" dirty="0">
+                        <a:solidFill>
+                          <a:schemeClr val="tx1"/>
+                        </a:solidFill>
+                      </a:endParaRPr>
+                    </a:p>
+                    <a:p>
+                      <a:pPr marL="1200150" lvl="2" indent="-285750" algn="l" latinLnBrk="1">
+                        <a:buFont typeface="Wingdings" panose="05000000000000000000" pitchFamily="2" charset="2"/>
+                        <a:buChar char="§"/>
+                      </a:pPr>
+                      <a:r>
+                        <a:rPr lang="ko-KR" altLang="en-US" sz="1400" b="0" dirty="0">
+                          <a:solidFill>
+                            <a:schemeClr val="tx1"/>
+                          </a:solidFill>
+                        </a:rPr>
+                        <a:t>시전 조건에 높이가 있는 경우</a:t>
+                      </a:r>
+                      <a:endParaRPr lang="en-US" altLang="ko-KR" sz="1400" b="0" dirty="0">
+                        <a:solidFill>
+                          <a:schemeClr val="tx1"/>
+                        </a:solidFill>
+                      </a:endParaRPr>
+                    </a:p>
+                    <a:p>
+                      <a:pPr marL="1657350" lvl="3" indent="-285750" algn="l" latinLnBrk="1">
+                        <a:buFont typeface="Arial" panose="020B0604020202020204" pitchFamily="34" charset="0"/>
+                        <a:buChar char="•"/>
+                      </a:pPr>
+                      <a:r>
+                        <a:rPr lang="ko-KR" altLang="en-US" sz="1400" b="0" dirty="0">
+                          <a:solidFill>
+                            <a:schemeClr val="tx1"/>
+                          </a:solidFill>
+                        </a:rPr>
+                        <a:t>현재 높이가 적정 높이 이상인 경우</a:t>
+                      </a:r>
+                      <a:endParaRPr lang="en-US" altLang="ko-KR" sz="1400" b="0" dirty="0">
+                        <a:solidFill>
+                          <a:schemeClr val="tx1"/>
+                        </a:solidFill>
+                      </a:endParaRPr>
+                    </a:p>
+                    <a:p>
+                      <a:pPr marL="1657350" lvl="3" indent="-285750" algn="l" latinLnBrk="1">
+                        <a:buFont typeface="Arial" panose="020B0604020202020204" pitchFamily="34" charset="0"/>
+                        <a:buChar char="•"/>
+                      </a:pPr>
+                      <a:r>
+                        <a:rPr lang="ko-KR" altLang="en-US" sz="1400" b="0" dirty="0">
+                          <a:solidFill>
+                            <a:schemeClr val="tx1"/>
+                          </a:solidFill>
+                        </a:rPr>
+                        <a:t>현재 높이가 적정 높이 미만인 경우</a:t>
+                      </a:r>
+                      <a:endParaRPr lang="en-US" altLang="ko-KR" sz="1400" b="0" dirty="0">
+                        <a:solidFill>
+                          <a:schemeClr val="tx1"/>
+                        </a:solidFill>
+                      </a:endParaRPr>
+                    </a:p>
+                    <a:p>
+                      <a:pPr marL="1200150" lvl="2" indent="-285750" algn="l" latinLnBrk="1">
+                        <a:buFont typeface="Wingdings" panose="05000000000000000000" pitchFamily="2" charset="2"/>
+                        <a:buChar char="§"/>
+                      </a:pPr>
+                      <a:r>
+                        <a:rPr lang="ko-KR" altLang="en-US" sz="1400" b="0" dirty="0">
+                          <a:solidFill>
+                            <a:schemeClr val="tx1"/>
+                          </a:solidFill>
+                        </a:rPr>
+                        <a:t>시전 조건에 높이가 없는 경우</a:t>
+                      </a:r>
                       <a:endParaRPr lang="en-US" altLang="ko-KR" sz="1400" b="0" dirty="0">
                         <a:solidFill>
                           <a:schemeClr val="tx1"/>
@@ -32741,7 +33129,433 @@
     </p:spTree>
     <p:extLst>
       <p:ext uri="{BB962C8B-B14F-4D97-AF65-F5344CB8AC3E}">
-        <p14:creationId xmlns:p14="http://schemas.microsoft.com/office/powerpoint/2010/main" val="3975850258"/>
+        <p14:creationId xmlns:p14="http://schemas.microsoft.com/office/powerpoint/2010/main" val="3826503333"/>
+      </p:ext>
+    </p:extLst>
+  </p:cSld>
+  <p:clrMapOvr>
+    <a:masterClrMapping/>
+  </p:clrMapOvr>
+</p:sld>
+</file>
+
+<file path=ppt/slides/slide57.xml><?xml version="1.0" encoding="utf-8"?>
+<p:sld xmlns:a="http://schemas.openxmlformats.org/drawingml/2006/main" xmlns:r="http://schemas.openxmlformats.org/officeDocument/2006/relationships" xmlns:p="http://schemas.openxmlformats.org/presentationml/2006/main">
+  <p:cSld>
+    <p:spTree>
+      <p:nvGrpSpPr>
+        <p:cNvPr id="1" name="">
+          <a:extLst>
+            <a:ext uri="{FF2B5EF4-FFF2-40B4-BE49-F238E27FC236}">
+              <a16:creationId xmlns:a16="http://schemas.microsoft.com/office/drawing/2014/main" id="{BB66966A-1171-8DE7-733F-17FBB1E208EE}"/>
+            </a:ext>
+          </a:extLst>
+        </p:cNvPr>
+        <p:cNvGrpSpPr/>
+        <p:nvPr/>
+      </p:nvGrpSpPr>
+      <p:grpSpPr>
+        <a:xfrm>
+          <a:off x="0" y="0"/>
+          <a:ext cx="0" cy="0"/>
+          <a:chOff x="0" y="0"/>
+          <a:chExt cx="0" cy="0"/>
+        </a:xfrm>
+      </p:grpSpPr>
+      <p:sp>
+        <p:nvSpPr>
+          <p:cNvPr id="7" name="제목 1">
+            <a:extLst>
+              <a:ext uri="{FF2B5EF4-FFF2-40B4-BE49-F238E27FC236}">
+                <a16:creationId xmlns:a16="http://schemas.microsoft.com/office/drawing/2014/main" id="{9D492C60-405A-3D4B-D6D2-7C25B87449C9}"/>
+              </a:ext>
+            </a:extLst>
+          </p:cNvPr>
+          <p:cNvSpPr txBox="1">
+            <a:spLocks/>
+          </p:cNvSpPr>
+          <p:nvPr/>
+        </p:nvSpPr>
+        <p:spPr>
+          <a:xfrm>
+            <a:off x="695325" y="292100"/>
+            <a:ext cx="10801350" cy="861695"/>
+          </a:xfrm>
+          <a:prstGeom prst="rect">
+            <a:avLst/>
+          </a:prstGeom>
+        </p:spPr>
+        <p:txBody>
+          <a:bodyPr vert="horz" lIns="91440" tIns="45720" rIns="91440" bIns="45720" rtlCol="0" anchor="ctr">
+            <a:normAutofit/>
+          </a:bodyPr>
+          <a:lstStyle>
+            <a:lvl1pPr algn="l" defTabSz="914400" rtl="0" eaLnBrk="1" latinLnBrk="1" hangingPunct="1">
+              <a:lnSpc>
+                <a:spcPct val="90000"/>
+              </a:lnSpc>
+              <a:spcBef>
+                <a:spcPct val="0"/>
+              </a:spcBef>
+              <a:buNone/>
+              <a:defRPr sz="4400" kern="1200">
+                <a:solidFill>
+                  <a:schemeClr val="tx1"/>
+                </a:solidFill>
+                <a:latin typeface="+mj-lt"/>
+                <a:ea typeface="+mj-ea"/>
+                <a:cs typeface="+mj-cs"/>
+              </a:defRPr>
+            </a:lvl1pPr>
+          </a:lstStyle>
+          <a:p>
+            <a:r>
+              <a:rPr lang="ko-KR" altLang="en-US" dirty="0"/>
+              <a:t>액션 </a:t>
+            </a:r>
+            <a:r>
+              <a:rPr lang="en-US" altLang="ko-KR" dirty="0"/>
+              <a:t>&amp; </a:t>
+            </a:r>
+            <a:r>
+              <a:rPr lang="ko-KR" altLang="en-US" dirty="0"/>
+              <a:t>슈팅 </a:t>
+            </a:r>
+            <a:r>
+              <a:rPr lang="en-US" altLang="ko-KR" dirty="0"/>
+              <a:t>– 4. </a:t>
+            </a:r>
+            <a:r>
+              <a:rPr lang="ko-KR" altLang="en-US" dirty="0"/>
+              <a:t>기타 요소 차트</a:t>
+            </a:r>
+          </a:p>
+        </p:txBody>
+      </p:sp>
+      <p:pic>
+        <p:nvPicPr>
+          <p:cNvPr id="3" name="그림 2" descr="텍스트, 폰트, 친필, 스크린샷이(가) 표시된 사진&#10;&#10;자동 생성된 설명">
+            <a:extLst>
+              <a:ext uri="{FF2B5EF4-FFF2-40B4-BE49-F238E27FC236}">
+                <a16:creationId xmlns:a16="http://schemas.microsoft.com/office/drawing/2014/main" id="{8F8AF553-FAAE-BA44-69F8-3609BE69C0CC}"/>
+              </a:ext>
+            </a:extLst>
+          </p:cNvPr>
+          <p:cNvPicPr>
+            <a:picLocks noChangeAspect="1"/>
+          </p:cNvPicPr>
+          <p:nvPr/>
+        </p:nvPicPr>
+        <p:blipFill>
+          <a:blip r:embed="rId2">
+            <a:extLst>
+              <a:ext uri="{28A0092B-C50C-407E-A947-70E740481C1C}">
+                <a14:useLocalDpi xmlns:a14="http://schemas.microsoft.com/office/drawing/2010/main" val="0"/>
+              </a:ext>
+            </a:extLst>
+          </a:blip>
+          <a:stretch>
+            <a:fillRect/>
+          </a:stretch>
+        </p:blipFill>
+        <p:spPr>
+          <a:xfrm>
+            <a:off x="4243387" y="1900237"/>
+            <a:ext cx="3705225" cy="3057525"/>
+          </a:xfrm>
+          <a:prstGeom prst="rect">
+            <a:avLst/>
+          </a:prstGeom>
+        </p:spPr>
+      </p:pic>
+    </p:spTree>
+    <p:extLst>
+      <p:ext uri="{BB962C8B-B14F-4D97-AF65-F5344CB8AC3E}">
+        <p14:creationId xmlns:p14="http://schemas.microsoft.com/office/powerpoint/2010/main" val="3158342388"/>
+      </p:ext>
+    </p:extLst>
+  </p:cSld>
+  <p:clrMapOvr>
+    <a:masterClrMapping/>
+  </p:clrMapOvr>
+</p:sld>
+</file>
+
+<file path=ppt/slides/slide58.xml><?xml version="1.0" encoding="utf-8"?>
+<p:sld xmlns:a="http://schemas.openxmlformats.org/drawingml/2006/main" xmlns:r="http://schemas.openxmlformats.org/officeDocument/2006/relationships" xmlns:p="http://schemas.openxmlformats.org/presentationml/2006/main">
+  <p:cSld>
+    <p:spTree>
+      <p:nvGrpSpPr>
+        <p:cNvPr id="1" name="">
+          <a:extLst>
+            <a:ext uri="{FF2B5EF4-FFF2-40B4-BE49-F238E27FC236}">
+              <a16:creationId xmlns:a16="http://schemas.microsoft.com/office/drawing/2014/main" id="{7F61E87A-9952-D5FD-9623-DFE05150997C}"/>
+            </a:ext>
+          </a:extLst>
+        </p:cNvPr>
+        <p:cNvGrpSpPr/>
+        <p:nvPr/>
+      </p:nvGrpSpPr>
+      <p:grpSpPr>
+        <a:xfrm>
+          <a:off x="0" y="0"/>
+          <a:ext cx="0" cy="0"/>
+          <a:chOff x="0" y="0"/>
+          <a:chExt cx="0" cy="0"/>
+        </a:xfrm>
+      </p:grpSpPr>
+      <p:sp>
+        <p:nvSpPr>
+          <p:cNvPr id="7" name="제목 1">
+            <a:extLst>
+              <a:ext uri="{FF2B5EF4-FFF2-40B4-BE49-F238E27FC236}">
+                <a16:creationId xmlns:a16="http://schemas.microsoft.com/office/drawing/2014/main" id="{4CBA4150-C337-C178-5D84-2FA3627F5536}"/>
+              </a:ext>
+            </a:extLst>
+          </p:cNvPr>
+          <p:cNvSpPr txBox="1">
+            <a:spLocks/>
+          </p:cNvSpPr>
+          <p:nvPr/>
+        </p:nvSpPr>
+        <p:spPr>
+          <a:xfrm>
+            <a:off x="695325" y="292100"/>
+            <a:ext cx="10801350" cy="861695"/>
+          </a:xfrm>
+          <a:prstGeom prst="rect">
+            <a:avLst/>
+          </a:prstGeom>
+        </p:spPr>
+        <p:txBody>
+          <a:bodyPr vert="horz" lIns="91440" tIns="45720" rIns="91440" bIns="45720" rtlCol="0" anchor="ctr">
+            <a:normAutofit/>
+          </a:bodyPr>
+          <a:lstStyle>
+            <a:lvl1pPr algn="l" defTabSz="914400" rtl="0" eaLnBrk="1" latinLnBrk="1" hangingPunct="1">
+              <a:lnSpc>
+                <a:spcPct val="90000"/>
+              </a:lnSpc>
+              <a:spcBef>
+                <a:spcPct val="0"/>
+              </a:spcBef>
+              <a:buNone/>
+              <a:defRPr sz="4400" kern="1200">
+                <a:solidFill>
+                  <a:schemeClr val="tx1"/>
+                </a:solidFill>
+                <a:latin typeface="+mj-lt"/>
+                <a:ea typeface="+mj-ea"/>
+                <a:cs typeface="+mj-cs"/>
+              </a:defRPr>
+            </a:lvl1pPr>
+          </a:lstStyle>
+          <a:p>
+            <a:r>
+              <a:rPr lang="ko-KR" altLang="en-US" dirty="0"/>
+              <a:t>액션 </a:t>
+            </a:r>
+            <a:r>
+              <a:rPr lang="en-US" altLang="ko-KR" dirty="0"/>
+              <a:t>&amp; </a:t>
+            </a:r>
+            <a:r>
+              <a:rPr lang="ko-KR" altLang="en-US" dirty="0"/>
+              <a:t>슈팅 </a:t>
+            </a:r>
+            <a:r>
+              <a:rPr lang="en-US" altLang="ko-KR" dirty="0"/>
+              <a:t>– </a:t>
+            </a:r>
+            <a:r>
+              <a:rPr lang="ko-KR" altLang="en-US" dirty="0"/>
+              <a:t>즉시 시전 전체 차트</a:t>
+            </a:r>
+          </a:p>
+        </p:txBody>
+      </p:sp>
+      <p:pic>
+        <p:nvPicPr>
+          <p:cNvPr id="4" name="그림 3" descr="텍스트, 스크린샷, 그래픽, 그래픽 디자인이(가) 표시된 사진&#10;&#10;자동 생성된 설명">
+            <a:extLst>
+              <a:ext uri="{FF2B5EF4-FFF2-40B4-BE49-F238E27FC236}">
+                <a16:creationId xmlns:a16="http://schemas.microsoft.com/office/drawing/2014/main" id="{38C2AD49-CAA5-8B61-4BBC-E7BEF34ABDA9}"/>
+              </a:ext>
+            </a:extLst>
+          </p:cNvPr>
+          <p:cNvPicPr>
+            <a:picLocks noChangeAspect="1"/>
+          </p:cNvPicPr>
+          <p:nvPr/>
+        </p:nvPicPr>
+        <p:blipFill>
+          <a:blip r:embed="rId2" cstate="print">
+            <a:extLst>
+              <a:ext uri="{28A0092B-C50C-407E-A947-70E740481C1C}">
+                <a14:useLocalDpi xmlns:a14="http://schemas.microsoft.com/office/drawing/2010/main" val="0"/>
+              </a:ext>
+            </a:extLst>
+          </a:blip>
+          <a:stretch>
+            <a:fillRect/>
+          </a:stretch>
+        </p:blipFill>
+        <p:spPr>
+          <a:xfrm>
+            <a:off x="3592656" y="1158875"/>
+            <a:ext cx="5006688" cy="5699125"/>
+          </a:xfrm>
+          <a:prstGeom prst="rect">
+            <a:avLst/>
+          </a:prstGeom>
+        </p:spPr>
+      </p:pic>
+    </p:spTree>
+    <p:extLst>
+      <p:ext uri="{BB962C8B-B14F-4D97-AF65-F5344CB8AC3E}">
+        <p14:creationId xmlns:p14="http://schemas.microsoft.com/office/powerpoint/2010/main" val="1359637572"/>
+      </p:ext>
+    </p:extLst>
+  </p:cSld>
+  <p:clrMapOvr>
+    <a:masterClrMapping/>
+  </p:clrMapOvr>
+</p:sld>
+</file>
+
+<file path=ppt/slides/slide59.xml><?xml version="1.0" encoding="utf-8"?>
+<p:sld xmlns:a="http://schemas.openxmlformats.org/drawingml/2006/main" xmlns:r="http://schemas.openxmlformats.org/officeDocument/2006/relationships" xmlns:p="http://schemas.openxmlformats.org/presentationml/2006/main">
+  <p:cSld>
+    <p:spTree>
+      <p:nvGrpSpPr>
+        <p:cNvPr id="1" name="">
+          <a:extLst>
+            <a:ext uri="{FF2B5EF4-FFF2-40B4-BE49-F238E27FC236}">
+              <a16:creationId xmlns:a16="http://schemas.microsoft.com/office/drawing/2014/main" id="{83B8B90D-3775-4DE0-A7AC-C34887B4F2BF}"/>
+            </a:ext>
+          </a:extLst>
+        </p:cNvPr>
+        <p:cNvGrpSpPr/>
+        <p:nvPr/>
+      </p:nvGrpSpPr>
+      <p:grpSpPr>
+        <a:xfrm>
+          <a:off x="0" y="0"/>
+          <a:ext cx="0" cy="0"/>
+          <a:chOff x="0" y="0"/>
+          <a:chExt cx="0" cy="0"/>
+        </a:xfrm>
+      </p:grpSpPr>
+      <p:sp>
+        <p:nvSpPr>
+          <p:cNvPr id="7" name="제목 1">
+            <a:extLst>
+              <a:ext uri="{FF2B5EF4-FFF2-40B4-BE49-F238E27FC236}">
+                <a16:creationId xmlns:a16="http://schemas.microsoft.com/office/drawing/2014/main" id="{A648F1DE-A418-9984-00B8-A05712A148E4}"/>
+              </a:ext>
+            </a:extLst>
+          </p:cNvPr>
+          <p:cNvSpPr txBox="1">
+            <a:spLocks/>
+          </p:cNvSpPr>
+          <p:nvPr/>
+        </p:nvSpPr>
+        <p:spPr>
+          <a:xfrm>
+            <a:off x="695325" y="292100"/>
+            <a:ext cx="10801350" cy="861695"/>
+          </a:xfrm>
+          <a:prstGeom prst="rect">
+            <a:avLst/>
+          </a:prstGeom>
+        </p:spPr>
+        <p:txBody>
+          <a:bodyPr vert="horz" lIns="91440" tIns="45720" rIns="91440" bIns="45720" rtlCol="0" anchor="ctr">
+            <a:normAutofit/>
+          </a:bodyPr>
+          <a:lstStyle>
+            <a:lvl1pPr algn="l" defTabSz="914400" rtl="0" eaLnBrk="1" latinLnBrk="1" hangingPunct="1">
+              <a:lnSpc>
+                <a:spcPct val="90000"/>
+              </a:lnSpc>
+              <a:spcBef>
+                <a:spcPct val="0"/>
+              </a:spcBef>
+              <a:buNone/>
+              <a:defRPr sz="4400" kern="1200">
+                <a:solidFill>
+                  <a:schemeClr val="tx1"/>
+                </a:solidFill>
+                <a:latin typeface="+mj-lt"/>
+                <a:ea typeface="+mj-ea"/>
+                <a:cs typeface="+mj-cs"/>
+              </a:defRPr>
+            </a:lvl1pPr>
+          </a:lstStyle>
+          <a:p>
+            <a:r>
+              <a:rPr lang="ko-KR" altLang="en-US" dirty="0"/>
+              <a:t>액션 </a:t>
+            </a:r>
+            <a:r>
+              <a:rPr lang="en-US" altLang="ko-KR" dirty="0"/>
+              <a:t>&amp; </a:t>
+            </a:r>
+            <a:r>
+              <a:rPr lang="ko-KR" altLang="en-US" dirty="0"/>
+              <a:t>슈팅 </a:t>
+            </a:r>
+            <a:r>
+              <a:rPr lang="en-US" altLang="ko-KR" dirty="0"/>
+              <a:t>– </a:t>
+            </a:r>
+            <a:r>
+              <a:rPr lang="ko-KR" altLang="en-US" dirty="0"/>
+              <a:t>충전 시전 전체 차트</a:t>
+            </a:r>
+          </a:p>
+        </p:txBody>
+      </p:sp>
+      <p:pic>
+        <p:nvPicPr>
+          <p:cNvPr id="3" name="그림 2" descr="텍스트, 스크린샷, 그래픽, 그래픽 디자인이(가) 표시된 사진&#10;&#10;자동 생성된 설명">
+            <a:extLst>
+              <a:ext uri="{FF2B5EF4-FFF2-40B4-BE49-F238E27FC236}">
+                <a16:creationId xmlns:a16="http://schemas.microsoft.com/office/drawing/2014/main" id="{6F43A397-7FF4-2079-8F12-EBC9B17A1655}"/>
+              </a:ext>
+            </a:extLst>
+          </p:cNvPr>
+          <p:cNvPicPr>
+            <a:picLocks noChangeAspect="1"/>
+          </p:cNvPicPr>
+          <p:nvPr/>
+        </p:nvPicPr>
+        <p:blipFill>
+          <a:blip r:embed="rId2" cstate="print">
+            <a:extLst>
+              <a:ext uri="{28A0092B-C50C-407E-A947-70E740481C1C}">
+                <a14:useLocalDpi xmlns:a14="http://schemas.microsoft.com/office/drawing/2010/main" val="0"/>
+              </a:ext>
+            </a:extLst>
+          </a:blip>
+          <a:stretch>
+            <a:fillRect/>
+          </a:stretch>
+        </p:blipFill>
+        <p:spPr>
+          <a:xfrm>
+            <a:off x="3442020" y="1158875"/>
+            <a:ext cx="5307959" cy="5699125"/>
+          </a:xfrm>
+          <a:prstGeom prst="rect">
+            <a:avLst/>
+          </a:prstGeom>
+        </p:spPr>
+      </p:pic>
+    </p:spTree>
+    <p:extLst>
+      <p:ext uri="{BB962C8B-B14F-4D97-AF65-F5344CB8AC3E}">
+        <p14:creationId xmlns:p14="http://schemas.microsoft.com/office/powerpoint/2010/main" val="3880215020"/>
       </p:ext>
     </p:extLst>
   </p:cSld>
@@ -33320,6 +34134,702 @@
     <p:extLst>
       <p:ext uri="{BB962C8B-B14F-4D97-AF65-F5344CB8AC3E}">
         <p14:creationId xmlns:p14="http://schemas.microsoft.com/office/powerpoint/2010/main" val="60037164"/>
+      </p:ext>
+    </p:extLst>
+  </p:cSld>
+  <p:clrMapOvr>
+    <a:masterClrMapping/>
+  </p:clrMapOvr>
+</p:sld>
+</file>
+
+<file path=ppt/slides/slide60.xml><?xml version="1.0" encoding="utf-8"?>
+<p:sld xmlns:a="http://schemas.openxmlformats.org/drawingml/2006/main" xmlns:r="http://schemas.openxmlformats.org/officeDocument/2006/relationships" xmlns:p="http://schemas.openxmlformats.org/presentationml/2006/main">
+  <p:cSld>
+    <p:spTree>
+      <p:nvGrpSpPr>
+        <p:cNvPr id="1" name="">
+          <a:extLst>
+            <a:ext uri="{FF2B5EF4-FFF2-40B4-BE49-F238E27FC236}">
+              <a16:creationId xmlns:a16="http://schemas.microsoft.com/office/drawing/2014/main" id="{2F753314-15D8-A0AD-EAFD-71160A43FE09}"/>
+            </a:ext>
+          </a:extLst>
+        </p:cNvPr>
+        <p:cNvGrpSpPr/>
+        <p:nvPr/>
+      </p:nvGrpSpPr>
+      <p:grpSpPr>
+        <a:xfrm>
+          <a:off x="0" y="0"/>
+          <a:ext cx="0" cy="0"/>
+          <a:chOff x="0" y="0"/>
+          <a:chExt cx="0" cy="0"/>
+        </a:xfrm>
+      </p:grpSpPr>
+      <p:sp>
+        <p:nvSpPr>
+          <p:cNvPr id="7" name="제목 1">
+            <a:extLst>
+              <a:ext uri="{FF2B5EF4-FFF2-40B4-BE49-F238E27FC236}">
+                <a16:creationId xmlns:a16="http://schemas.microsoft.com/office/drawing/2014/main" id="{67C66AFA-8092-BF83-1E5D-C0C97B0EE23A}"/>
+              </a:ext>
+            </a:extLst>
+          </p:cNvPr>
+          <p:cNvSpPr txBox="1">
+            <a:spLocks/>
+          </p:cNvSpPr>
+          <p:nvPr/>
+        </p:nvSpPr>
+        <p:spPr>
+          <a:xfrm>
+            <a:off x="695325" y="292100"/>
+            <a:ext cx="10801350" cy="861695"/>
+          </a:xfrm>
+          <a:prstGeom prst="rect">
+            <a:avLst/>
+          </a:prstGeom>
+        </p:spPr>
+        <p:txBody>
+          <a:bodyPr vert="horz" lIns="91440" tIns="45720" rIns="91440" bIns="45720" rtlCol="0" anchor="ctr">
+            <a:normAutofit/>
+          </a:bodyPr>
+          <a:lstStyle>
+            <a:lvl1pPr algn="l" defTabSz="914400" rtl="0" eaLnBrk="1" latinLnBrk="1" hangingPunct="1">
+              <a:lnSpc>
+                <a:spcPct val="90000"/>
+              </a:lnSpc>
+              <a:spcBef>
+                <a:spcPct val="0"/>
+              </a:spcBef>
+              <a:buNone/>
+              <a:defRPr sz="4400" kern="1200">
+                <a:solidFill>
+                  <a:schemeClr val="tx1"/>
+                </a:solidFill>
+                <a:latin typeface="+mj-lt"/>
+                <a:ea typeface="+mj-ea"/>
+                <a:cs typeface="+mj-cs"/>
+              </a:defRPr>
+            </a:lvl1pPr>
+          </a:lstStyle>
+          <a:p>
+            <a:r>
+              <a:rPr lang="ko-KR" altLang="en-US" dirty="0"/>
+              <a:t>액션 </a:t>
+            </a:r>
+            <a:r>
+              <a:rPr lang="en-US" altLang="ko-KR" dirty="0"/>
+              <a:t>&amp; </a:t>
+            </a:r>
+            <a:r>
+              <a:rPr lang="ko-KR" altLang="en-US" dirty="0"/>
+              <a:t>슈팅 </a:t>
+            </a:r>
+            <a:r>
+              <a:rPr lang="en-US" altLang="ko-KR" dirty="0"/>
+              <a:t>– </a:t>
+            </a:r>
+            <a:r>
+              <a:rPr lang="ko-KR" altLang="en-US" dirty="0"/>
+              <a:t>캐스팅 시전 전체 차트</a:t>
+            </a:r>
+          </a:p>
+        </p:txBody>
+      </p:sp>
+      <p:pic>
+        <p:nvPicPr>
+          <p:cNvPr id="3" name="그림 2" descr="텍스트, 스크린샷, 그래픽, 그래픽 디자인이(가) 표시된 사진&#10;&#10;자동 생성된 설명">
+            <a:extLst>
+              <a:ext uri="{FF2B5EF4-FFF2-40B4-BE49-F238E27FC236}">
+                <a16:creationId xmlns:a16="http://schemas.microsoft.com/office/drawing/2014/main" id="{C398D588-62C6-28BD-CCF6-F3F6C6B1DAE5}"/>
+              </a:ext>
+            </a:extLst>
+          </p:cNvPr>
+          <p:cNvPicPr>
+            <a:picLocks noChangeAspect="1"/>
+          </p:cNvPicPr>
+          <p:nvPr/>
+        </p:nvPicPr>
+        <p:blipFill>
+          <a:blip r:embed="rId2" cstate="print">
+            <a:extLst>
+              <a:ext uri="{28A0092B-C50C-407E-A947-70E740481C1C}">
+                <a14:useLocalDpi xmlns:a14="http://schemas.microsoft.com/office/drawing/2010/main" val="0"/>
+              </a:ext>
+            </a:extLst>
+          </a:blip>
+          <a:stretch>
+            <a:fillRect/>
+          </a:stretch>
+        </p:blipFill>
+        <p:spPr>
+          <a:xfrm>
+            <a:off x="3446145" y="1158875"/>
+            <a:ext cx="5299710" cy="5707119"/>
+          </a:xfrm>
+          <a:prstGeom prst="rect">
+            <a:avLst/>
+          </a:prstGeom>
+        </p:spPr>
+      </p:pic>
+    </p:spTree>
+    <p:extLst>
+      <p:ext uri="{BB962C8B-B14F-4D97-AF65-F5344CB8AC3E}">
+        <p14:creationId xmlns:p14="http://schemas.microsoft.com/office/powerpoint/2010/main" val="1197616852"/>
+      </p:ext>
+    </p:extLst>
+  </p:cSld>
+  <p:clrMapOvr>
+    <a:masterClrMapping/>
+  </p:clrMapOvr>
+</p:sld>
+</file>
+
+<file path=ppt/slides/slide61.xml><?xml version="1.0" encoding="utf-8"?>
+<p:sld xmlns:a="http://schemas.openxmlformats.org/drawingml/2006/main" xmlns:r="http://schemas.openxmlformats.org/officeDocument/2006/relationships" xmlns:p="http://schemas.openxmlformats.org/presentationml/2006/main">
+  <p:cSld>
+    <p:spTree>
+      <p:nvGrpSpPr>
+        <p:cNvPr id="1" name="">
+          <a:extLst>
+            <a:ext uri="{FF2B5EF4-FFF2-40B4-BE49-F238E27FC236}">
+              <a16:creationId xmlns:a16="http://schemas.microsoft.com/office/drawing/2014/main" id="{B76CD42F-3B7F-F913-AFF0-A5A58E5E5C91}"/>
+            </a:ext>
+          </a:extLst>
+        </p:cNvPr>
+        <p:cNvGrpSpPr/>
+        <p:nvPr/>
+      </p:nvGrpSpPr>
+      <p:grpSpPr>
+        <a:xfrm>
+          <a:off x="0" y="0"/>
+          <a:ext cx="0" cy="0"/>
+          <a:chOff x="0" y="0"/>
+          <a:chExt cx="0" cy="0"/>
+        </a:xfrm>
+      </p:grpSpPr>
+      <p:sp>
+        <p:nvSpPr>
+          <p:cNvPr id="7" name="제목 1">
+            <a:extLst>
+              <a:ext uri="{FF2B5EF4-FFF2-40B4-BE49-F238E27FC236}">
+                <a16:creationId xmlns:a16="http://schemas.microsoft.com/office/drawing/2014/main" id="{AF7B15FF-D46F-30F5-CDBE-E1DBC1F15EF3}"/>
+              </a:ext>
+            </a:extLst>
+          </p:cNvPr>
+          <p:cNvSpPr txBox="1">
+            <a:spLocks/>
+          </p:cNvSpPr>
+          <p:nvPr/>
+        </p:nvSpPr>
+        <p:spPr>
+          <a:xfrm>
+            <a:off x="695325" y="292100"/>
+            <a:ext cx="10801350" cy="861695"/>
+          </a:xfrm>
+          <a:prstGeom prst="rect">
+            <a:avLst/>
+          </a:prstGeom>
+        </p:spPr>
+        <p:txBody>
+          <a:bodyPr vert="horz" lIns="91440" tIns="45720" rIns="91440" bIns="45720" rtlCol="0" anchor="ctr">
+            <a:normAutofit/>
+          </a:bodyPr>
+          <a:lstStyle>
+            <a:lvl1pPr algn="l" defTabSz="914400" rtl="0" eaLnBrk="1" latinLnBrk="1" hangingPunct="1">
+              <a:lnSpc>
+                <a:spcPct val="90000"/>
+              </a:lnSpc>
+              <a:spcBef>
+                <a:spcPct val="0"/>
+              </a:spcBef>
+              <a:buNone/>
+              <a:defRPr sz="4400" kern="1200">
+                <a:solidFill>
+                  <a:schemeClr val="tx1"/>
+                </a:solidFill>
+                <a:latin typeface="+mj-lt"/>
+                <a:ea typeface="+mj-ea"/>
+                <a:cs typeface="+mj-cs"/>
+              </a:defRPr>
+            </a:lvl1pPr>
+          </a:lstStyle>
+          <a:p>
+            <a:r>
+              <a:rPr lang="ko-KR" altLang="en-US" dirty="0"/>
+              <a:t>액션 </a:t>
+            </a:r>
+            <a:r>
+              <a:rPr lang="en-US" altLang="ko-KR" dirty="0"/>
+              <a:t>&amp; </a:t>
+            </a:r>
+            <a:r>
+              <a:rPr lang="ko-KR" altLang="en-US" dirty="0"/>
+              <a:t>슈팅 </a:t>
+            </a:r>
+            <a:r>
+              <a:rPr lang="en-US" altLang="ko-KR" dirty="0"/>
+              <a:t>– </a:t>
+            </a:r>
+            <a:r>
+              <a:rPr lang="ko-KR" altLang="en-US" dirty="0" err="1"/>
+              <a:t>채널링</a:t>
+            </a:r>
+            <a:r>
+              <a:rPr lang="ko-KR" altLang="en-US" dirty="0"/>
+              <a:t> 시전 전체 차트</a:t>
+            </a:r>
+          </a:p>
+        </p:txBody>
+      </p:sp>
+      <p:pic>
+        <p:nvPicPr>
+          <p:cNvPr id="3" name="그림 2" descr="텍스트, 스크린샷, 그래픽, 그래픽 디자인이(가) 표시된 사진&#10;&#10;자동 생성된 설명">
+            <a:extLst>
+              <a:ext uri="{FF2B5EF4-FFF2-40B4-BE49-F238E27FC236}">
+                <a16:creationId xmlns:a16="http://schemas.microsoft.com/office/drawing/2014/main" id="{1241686D-6F64-2618-B612-CFDA52C5A6BB}"/>
+              </a:ext>
+            </a:extLst>
+          </p:cNvPr>
+          <p:cNvPicPr>
+            <a:picLocks noChangeAspect="1"/>
+          </p:cNvPicPr>
+          <p:nvPr/>
+        </p:nvPicPr>
+        <p:blipFill>
+          <a:blip r:embed="rId2" cstate="print">
+            <a:extLst>
+              <a:ext uri="{28A0092B-C50C-407E-A947-70E740481C1C}">
+                <a14:useLocalDpi xmlns:a14="http://schemas.microsoft.com/office/drawing/2010/main" val="0"/>
+              </a:ext>
+            </a:extLst>
+          </a:blip>
+          <a:stretch>
+            <a:fillRect/>
+          </a:stretch>
+        </p:blipFill>
+        <p:spPr>
+          <a:xfrm>
+            <a:off x="3779849" y="1158875"/>
+            <a:ext cx="4632301" cy="5699125"/>
+          </a:xfrm>
+          <a:prstGeom prst="rect">
+            <a:avLst/>
+          </a:prstGeom>
+        </p:spPr>
+      </p:pic>
+    </p:spTree>
+    <p:extLst>
+      <p:ext uri="{BB962C8B-B14F-4D97-AF65-F5344CB8AC3E}">
+        <p14:creationId xmlns:p14="http://schemas.microsoft.com/office/powerpoint/2010/main" val="3144826823"/>
+      </p:ext>
+    </p:extLst>
+  </p:cSld>
+  <p:clrMapOvr>
+    <a:masterClrMapping/>
+  </p:clrMapOvr>
+</p:sld>
+</file>
+
+<file path=ppt/slides/slide62.xml><?xml version="1.0" encoding="utf-8"?>
+<p:sld xmlns:a="http://schemas.openxmlformats.org/drawingml/2006/main" xmlns:r="http://schemas.openxmlformats.org/officeDocument/2006/relationships" xmlns:p="http://schemas.openxmlformats.org/presentationml/2006/main">
+  <p:cSld>
+    <p:spTree>
+      <p:nvGrpSpPr>
+        <p:cNvPr id="1" name="">
+          <a:extLst>
+            <a:ext uri="{FF2B5EF4-FFF2-40B4-BE49-F238E27FC236}">
+              <a16:creationId xmlns:a16="http://schemas.microsoft.com/office/drawing/2014/main" id="{0179CEA0-7671-6602-C58D-55B482E19B92}"/>
+            </a:ext>
+          </a:extLst>
+        </p:cNvPr>
+        <p:cNvGrpSpPr/>
+        <p:nvPr/>
+      </p:nvGrpSpPr>
+      <p:grpSpPr>
+        <a:xfrm>
+          <a:off x="0" y="0"/>
+          <a:ext cx="0" cy="0"/>
+          <a:chOff x="0" y="0"/>
+          <a:chExt cx="0" cy="0"/>
+        </a:xfrm>
+      </p:grpSpPr>
+      <p:sp>
+        <p:nvSpPr>
+          <p:cNvPr id="7" name="제목 1">
+            <a:extLst>
+              <a:ext uri="{FF2B5EF4-FFF2-40B4-BE49-F238E27FC236}">
+                <a16:creationId xmlns:a16="http://schemas.microsoft.com/office/drawing/2014/main" id="{94ED0CEF-75BD-C166-74A5-F9968860FA69}"/>
+              </a:ext>
+            </a:extLst>
+          </p:cNvPr>
+          <p:cNvSpPr txBox="1">
+            <a:spLocks/>
+          </p:cNvSpPr>
+          <p:nvPr/>
+        </p:nvSpPr>
+        <p:spPr>
+          <a:xfrm>
+            <a:off x="695325" y="292100"/>
+            <a:ext cx="10801350" cy="861695"/>
+          </a:xfrm>
+          <a:prstGeom prst="rect">
+            <a:avLst/>
+          </a:prstGeom>
+        </p:spPr>
+        <p:txBody>
+          <a:bodyPr vert="horz" lIns="91440" tIns="45720" rIns="91440" bIns="45720" rtlCol="0" anchor="ctr">
+            <a:normAutofit/>
+          </a:bodyPr>
+          <a:lstStyle>
+            <a:lvl1pPr algn="l" defTabSz="914400" rtl="0" eaLnBrk="1" latinLnBrk="1" hangingPunct="1">
+              <a:lnSpc>
+                <a:spcPct val="90000"/>
+              </a:lnSpc>
+              <a:spcBef>
+                <a:spcPct val="0"/>
+              </a:spcBef>
+              <a:buNone/>
+              <a:defRPr sz="4400" kern="1200">
+                <a:solidFill>
+                  <a:schemeClr val="tx1"/>
+                </a:solidFill>
+                <a:latin typeface="+mj-lt"/>
+                <a:ea typeface="+mj-ea"/>
+                <a:cs typeface="+mj-cs"/>
+              </a:defRPr>
+            </a:lvl1pPr>
+          </a:lstStyle>
+          <a:p>
+            <a:r>
+              <a:rPr lang="ko-KR" altLang="en-US" dirty="0"/>
+              <a:t>결과</a:t>
+            </a:r>
+          </a:p>
+        </p:txBody>
+      </p:sp>
+      <p:graphicFrame>
+        <p:nvGraphicFramePr>
+          <p:cNvPr id="2" name="표 1">
+            <a:extLst>
+              <a:ext uri="{FF2B5EF4-FFF2-40B4-BE49-F238E27FC236}">
+                <a16:creationId xmlns:a16="http://schemas.microsoft.com/office/drawing/2014/main" id="{9DF8C4F3-6418-FC83-1EC1-1698BF13BE31}"/>
+              </a:ext>
+            </a:extLst>
+          </p:cNvPr>
+          <p:cNvGraphicFramePr>
+            <a:graphicFrameLocks noGrp="1"/>
+          </p:cNvGraphicFramePr>
+          <p:nvPr>
+            <p:extLst>
+              <p:ext uri="{D42A27DB-BD31-4B8C-83A1-F6EECF244321}">
+                <p14:modId xmlns:p14="http://schemas.microsoft.com/office/powerpoint/2010/main" val="2368465012"/>
+              </p:ext>
+            </p:extLst>
+          </p:nvPr>
+        </p:nvGraphicFramePr>
+        <p:xfrm>
+          <a:off x="3041491" y="2240280"/>
+          <a:ext cx="6109018" cy="1524000"/>
+        </p:xfrm>
+        <a:graphic>
+          <a:graphicData uri="http://schemas.openxmlformats.org/drawingml/2006/table">
+            <a:tbl>
+              <a:tblPr firstRow="1" bandRow="1">
+                <a:tableStyleId>{5C22544A-7EE6-4342-B048-85BDC9FD1C3A}</a:tableStyleId>
+              </a:tblPr>
+              <a:tblGrid>
+                <a:gridCol w="6109018">
+                  <a:extLst>
+                    <a:ext uri="{9D8B030D-6E8A-4147-A177-3AD203B41FA5}">
+                      <a16:colId xmlns:a16="http://schemas.microsoft.com/office/drawing/2014/main" val="3852552135"/>
+                    </a:ext>
+                  </a:extLst>
+                </a:gridCol>
+              </a:tblGrid>
+              <a:tr h="0">
+                <a:tc>
+                  <a:txBody>
+                    <a:bodyPr/>
+                    <a:lstStyle/>
+                    <a:p>
+                      <a:pPr algn="l" latinLnBrk="1"/>
+                      <a:endParaRPr lang="ko-KR" altLang="en-US" sz="1400" b="0" dirty="0">
+                        <a:solidFill>
+                          <a:schemeClr val="tx1"/>
+                        </a:solidFill>
+                      </a:endParaRPr>
+                    </a:p>
+                  </a:txBody>
+                  <a:tcPr>
+                    <a:lnL w="12700" cmpd="sng">
+                      <a:noFill/>
+                    </a:lnL>
+                    <a:lnR w="12700" cmpd="sng">
+                      <a:noFill/>
+                    </a:lnR>
+                    <a:lnT w="12700" cmpd="sng">
+                      <a:noFill/>
+                    </a:lnT>
+                    <a:lnB w="12700" cap="flat" cmpd="sng" algn="ctr">
+                      <a:solidFill>
+                        <a:schemeClr val="tx1"/>
+                      </a:solidFill>
+                      <a:prstDash val="solid"/>
+                      <a:round/>
+                      <a:headEnd type="none" w="med" len="med"/>
+                      <a:tailEnd type="none" w="med" len="med"/>
+                    </a:lnB>
+                    <a:lnTlToBr w="12700" cmpd="sng">
+                      <a:noFill/>
+                      <a:prstDash val="solid"/>
+                    </a:lnTlToBr>
+                    <a:lnBlToTr w="12700" cmpd="sng">
+                      <a:noFill/>
+                      <a:prstDash val="solid"/>
+                    </a:lnBlToTr>
+                    <a:solidFill>
+                      <a:schemeClr val="bg1">
+                        <a:lumMod val="95000"/>
+                      </a:schemeClr>
+                    </a:solidFill>
+                  </a:tcPr>
+                </a:tc>
+                <a:extLst>
+                  <a:ext uri="{0D108BD9-81ED-4DB2-BD59-A6C34878D82A}">
+                    <a16:rowId xmlns:a16="http://schemas.microsoft.com/office/drawing/2014/main" val="4129766453"/>
+                  </a:ext>
+                </a:extLst>
+              </a:tr>
+              <a:tr h="0">
+                <a:tc>
+                  <a:txBody>
+                    <a:bodyPr/>
+                    <a:lstStyle/>
+                    <a:p>
+                      <a:pPr algn="l" latinLnBrk="1"/>
+                      <a:endParaRPr lang="en-US" altLang="ko-KR" sz="1400" b="0" dirty="0">
+                        <a:solidFill>
+                          <a:schemeClr val="tx1"/>
+                        </a:solidFill>
+                      </a:endParaRPr>
+                    </a:p>
+                  </a:txBody>
+                  <a:tcPr>
+                    <a:lnL w="12700" cmpd="sng">
+                      <a:noFill/>
+                    </a:lnL>
+                    <a:lnR w="12700" cmpd="sng">
+                      <a:noFill/>
+                    </a:lnR>
+                    <a:lnT w="12700" cap="flat" cmpd="sng" algn="ctr">
+                      <a:solidFill>
+                        <a:schemeClr val="tx1"/>
+                      </a:solidFill>
+                      <a:prstDash val="solid"/>
+                      <a:round/>
+                      <a:headEnd type="none" w="med" len="med"/>
+                      <a:tailEnd type="none" w="med" len="med"/>
+                    </a:lnT>
+                    <a:lnB w="12700" cap="flat" cmpd="sng" algn="ctr">
+                      <a:noFill/>
+                      <a:prstDash val="solid"/>
+                      <a:round/>
+                      <a:headEnd type="none" w="med" len="med"/>
+                      <a:tailEnd type="none" w="med" len="med"/>
+                    </a:lnB>
+                    <a:lnTlToBr w="12700" cmpd="sng">
+                      <a:noFill/>
+                      <a:prstDash val="solid"/>
+                    </a:lnTlToBr>
+                    <a:lnBlToTr w="12700" cmpd="sng">
+                      <a:noFill/>
+                      <a:prstDash val="solid"/>
+                    </a:lnBlToTr>
+                    <a:noFill/>
+                  </a:tcPr>
+                </a:tc>
+                <a:extLst>
+                  <a:ext uri="{0D108BD9-81ED-4DB2-BD59-A6C34878D82A}">
+                    <a16:rowId xmlns:a16="http://schemas.microsoft.com/office/drawing/2014/main" val="3386730004"/>
+                  </a:ext>
+                </a:extLst>
+              </a:tr>
+              <a:tr h="0">
+                <a:tc>
+                  <a:txBody>
+                    <a:bodyPr/>
+                    <a:lstStyle/>
+                    <a:p>
+                      <a:pPr algn="l" latinLnBrk="1"/>
+                      <a:endParaRPr lang="en-US" altLang="ko-KR" sz="1400" b="0" dirty="0">
+                        <a:solidFill>
+                          <a:schemeClr val="tx1"/>
+                        </a:solidFill>
+                      </a:endParaRPr>
+                    </a:p>
+                  </a:txBody>
+                  <a:tcPr>
+                    <a:lnL w="12700" cmpd="sng">
+                      <a:noFill/>
+                    </a:lnL>
+                    <a:lnR w="12700" cmpd="sng">
+                      <a:noFill/>
+                    </a:lnR>
+                    <a:lnT w="12700" cap="flat" cmpd="sng" algn="ctr">
+                      <a:noFill/>
+                      <a:prstDash val="solid"/>
+                      <a:round/>
+                      <a:headEnd type="none" w="med" len="med"/>
+                      <a:tailEnd type="none" w="med" len="med"/>
+                    </a:lnT>
+                    <a:lnB w="12700" cap="flat" cmpd="sng" algn="ctr">
+                      <a:noFill/>
+                      <a:prstDash val="solid"/>
+                      <a:round/>
+                      <a:headEnd type="none" w="med" len="med"/>
+                      <a:tailEnd type="none" w="med" len="med"/>
+                    </a:lnB>
+                    <a:lnTlToBr w="12700" cmpd="sng">
+                      <a:noFill/>
+                      <a:prstDash val="solid"/>
+                    </a:lnTlToBr>
+                    <a:lnBlToTr w="12700" cmpd="sng">
+                      <a:noFill/>
+                      <a:prstDash val="solid"/>
+                    </a:lnBlToTr>
+                    <a:noFill/>
+                  </a:tcPr>
+                </a:tc>
+                <a:extLst>
+                  <a:ext uri="{0D108BD9-81ED-4DB2-BD59-A6C34878D82A}">
+                    <a16:rowId xmlns:a16="http://schemas.microsoft.com/office/drawing/2014/main" val="1470410232"/>
+                  </a:ext>
+                </a:extLst>
+              </a:tr>
+              <a:tr h="0">
+                <a:tc>
+                  <a:txBody>
+                    <a:bodyPr/>
+                    <a:lstStyle/>
+                    <a:p>
+                      <a:pPr algn="l" latinLnBrk="1"/>
+                      <a:endParaRPr lang="en-US" altLang="ko-KR" sz="1400" b="0" dirty="0">
+                        <a:solidFill>
+                          <a:schemeClr val="tx1"/>
+                        </a:solidFill>
+                      </a:endParaRPr>
+                    </a:p>
+                  </a:txBody>
+                  <a:tcPr>
+                    <a:lnL w="12700" cmpd="sng">
+                      <a:noFill/>
+                    </a:lnL>
+                    <a:lnR w="12700" cmpd="sng">
+                      <a:noFill/>
+                    </a:lnR>
+                    <a:lnT w="12700" cap="flat" cmpd="sng" algn="ctr">
+                      <a:noFill/>
+                      <a:prstDash val="solid"/>
+                      <a:round/>
+                      <a:headEnd type="none" w="med" len="med"/>
+                      <a:tailEnd type="none" w="med" len="med"/>
+                    </a:lnT>
+                    <a:lnB w="12700" cap="flat" cmpd="sng" algn="ctr">
+                      <a:solidFill>
+                        <a:schemeClr val="tx1"/>
+                      </a:solidFill>
+                      <a:prstDash val="solid"/>
+                      <a:round/>
+                      <a:headEnd type="none" w="med" len="med"/>
+                      <a:tailEnd type="none" w="med" len="med"/>
+                    </a:lnB>
+                    <a:lnTlToBr w="12700" cmpd="sng">
+                      <a:noFill/>
+                      <a:prstDash val="solid"/>
+                    </a:lnTlToBr>
+                    <a:lnBlToTr w="12700" cmpd="sng">
+                      <a:noFill/>
+                      <a:prstDash val="solid"/>
+                    </a:lnBlToTr>
+                    <a:solidFill>
+                      <a:schemeClr val="bg1">
+                        <a:lumMod val="95000"/>
+                      </a:schemeClr>
+                    </a:solidFill>
+                  </a:tcPr>
+                </a:tc>
+                <a:extLst>
+                  <a:ext uri="{0D108BD9-81ED-4DB2-BD59-A6C34878D82A}">
+                    <a16:rowId xmlns:a16="http://schemas.microsoft.com/office/drawing/2014/main" val="4103515606"/>
+                  </a:ext>
+                </a:extLst>
+              </a:tr>
+              <a:tr h="246289">
+                <a:tc>
+                  <a:txBody>
+                    <a:bodyPr/>
+                    <a:lstStyle/>
+                    <a:p>
+                      <a:pPr marL="742950" lvl="1" indent="-285750" algn="l" latinLnBrk="1">
+                        <a:buFont typeface="Wingdings" panose="05000000000000000000" pitchFamily="2" charset="2"/>
+                        <a:buChar char="u"/>
+                      </a:pPr>
+                      <a:endParaRPr lang="en-US" altLang="ko-KR" sz="1400" b="0" dirty="0">
+                        <a:solidFill>
+                          <a:schemeClr val="tx1"/>
+                        </a:solidFill>
+                      </a:endParaRPr>
+                    </a:p>
+                  </a:txBody>
+                  <a:tcPr>
+                    <a:lnL w="12700" cmpd="sng">
+                      <a:noFill/>
+                    </a:lnL>
+                    <a:lnR w="12700" cmpd="sng">
+                      <a:noFill/>
+                    </a:lnR>
+                    <a:lnT w="12700" cap="flat" cmpd="sng" algn="ctr">
+                      <a:solidFill>
+                        <a:schemeClr val="tx1"/>
+                      </a:solidFill>
+                      <a:prstDash val="solid"/>
+                      <a:round/>
+                      <a:headEnd type="none" w="med" len="med"/>
+                      <a:tailEnd type="none" w="med" len="med"/>
+                    </a:lnT>
+                    <a:lnB w="12700" cap="flat" cmpd="sng" algn="ctr">
+                      <a:noFill/>
+                      <a:prstDash val="solid"/>
+                      <a:round/>
+                      <a:headEnd type="none" w="med" len="med"/>
+                      <a:tailEnd type="none" w="med" len="med"/>
+                    </a:lnB>
+                    <a:lnTlToBr w="12700" cmpd="sng">
+                      <a:noFill/>
+                      <a:prstDash val="solid"/>
+                    </a:lnTlToBr>
+                    <a:lnBlToTr w="12700" cmpd="sng">
+                      <a:noFill/>
+                      <a:prstDash val="solid"/>
+                    </a:lnBlToTr>
+                    <a:noFill/>
+                  </a:tcPr>
+                </a:tc>
+                <a:extLst>
+                  <a:ext uri="{0D108BD9-81ED-4DB2-BD59-A6C34878D82A}">
+                    <a16:rowId xmlns:a16="http://schemas.microsoft.com/office/drawing/2014/main" val="1458965696"/>
+                  </a:ext>
+                </a:extLst>
+              </a:tr>
+            </a:tbl>
+          </a:graphicData>
+        </a:graphic>
+      </p:graphicFrame>
+    </p:spTree>
+    <p:extLst>
+      <p:ext uri="{BB962C8B-B14F-4D97-AF65-F5344CB8AC3E}">
+        <p14:creationId xmlns:p14="http://schemas.microsoft.com/office/powerpoint/2010/main" val="3975850258"/>
       </p:ext>
     </p:extLst>
   </p:cSld>

--- a/기획/방랑엽사전/스킬 시스템 기획서.pptx
+++ b/기획/방랑엽사전/스킬 시스템 기획서.pptx
@@ -23951,7 +23951,7 @@
           <a:p>
             <a:r>
               <a:rPr lang="ko-KR" altLang="en-US" dirty="0"/>
-              <a:t>준비 </a:t>
+              <a:t>발동 </a:t>
             </a:r>
             <a:r>
               <a:rPr lang="en-US" altLang="ko-KR" dirty="0"/>

--- a/기획/방랑엽사전/스킬 시스템 기획서.pptx
+++ b/기획/방랑엽사전/스킬 시스템 기획서.pptx
@@ -27858,13 +27858,13 @@
           <p:nvPr>
             <p:extLst>
               <p:ext uri="{D42A27DB-BD31-4B8C-83A1-F6EECF244321}">
-                <p14:modId xmlns:p14="http://schemas.microsoft.com/office/powerpoint/2010/main" val="1808100115"/>
+                <p14:modId xmlns:p14="http://schemas.microsoft.com/office/powerpoint/2010/main" val="1252303676"/>
               </p:ext>
             </p:extLst>
           </p:nvPr>
         </p:nvGraphicFramePr>
         <p:xfrm>
-          <a:off x="3061335" y="1463040"/>
+          <a:off x="3152457" y="2103120"/>
           <a:ext cx="5887085" cy="2651760"/>
         </p:xfrm>
         <a:graphic>
@@ -28998,7 +28998,7 @@
         </p:blipFill>
         <p:spPr bwMode="auto">
           <a:xfrm>
-            <a:off x="1857573" y="1153795"/>
+            <a:off x="695325" y="1153795"/>
             <a:ext cx="8476854" cy="4548187"/>
           </a:xfrm>
           <a:prstGeom prst="rect">
@@ -29151,7 +29151,7 @@
         </p:blipFill>
         <p:spPr bwMode="auto">
           <a:xfrm>
-            <a:off x="2760463" y="1160463"/>
+            <a:off x="2760463" y="1153795"/>
             <a:ext cx="6671074" cy="5719762"/>
           </a:xfrm>
           <a:prstGeom prst="rect">
@@ -31615,14 +31615,14 @@
           <p:nvPr>
             <p:extLst>
               <p:ext uri="{D42A27DB-BD31-4B8C-83A1-F6EECF244321}">
-                <p14:modId xmlns:p14="http://schemas.microsoft.com/office/powerpoint/2010/main" val="2089910247"/>
+                <p14:modId xmlns:p14="http://schemas.microsoft.com/office/powerpoint/2010/main" val="2707154239"/>
               </p:ext>
             </p:extLst>
           </p:nvPr>
         </p:nvGraphicFramePr>
         <p:xfrm>
-          <a:off x="2059622" y="1702191"/>
-          <a:ext cx="8072755" cy="2895600"/>
+          <a:off x="1572736" y="2209800"/>
+          <a:ext cx="9046528" cy="2438400"/>
         </p:xfrm>
         <a:graphic>
           <a:graphicData uri="http://schemas.openxmlformats.org/drawingml/2006/table">
@@ -31631,16 +31631,30 @@
                 <a:tableStyleId>{5C22544A-7EE6-4342-B048-85BDC9FD1C3A}</a:tableStyleId>
               </a:tblPr>
               <a:tblGrid>
-                <a:gridCol w="8072755">
+                <a:gridCol w="1195705">
                   <a:extLst>
                     <a:ext uri="{9D8B030D-6E8A-4147-A177-3AD203B41FA5}">
                       <a16:colId xmlns:a16="http://schemas.microsoft.com/office/drawing/2014/main" val="3852552135"/>
                     </a:ext>
                   </a:extLst>
                 </a:gridCol>
+                <a:gridCol w="1435418">
+                  <a:extLst>
+                    <a:ext uri="{9D8B030D-6E8A-4147-A177-3AD203B41FA5}">
+                      <a16:colId xmlns:a16="http://schemas.microsoft.com/office/drawing/2014/main" val="3012709225"/>
+                    </a:ext>
+                  </a:extLst>
+                </a:gridCol>
+                <a:gridCol w="6415405">
+                  <a:extLst>
+                    <a:ext uri="{9D8B030D-6E8A-4147-A177-3AD203B41FA5}">
+                      <a16:colId xmlns:a16="http://schemas.microsoft.com/office/drawing/2014/main" val="1569932897"/>
+                    </a:ext>
+                  </a:extLst>
+                </a:gridCol>
               </a:tblGrid>
               <a:tr h="0">
-                <a:tc>
+                <a:tc gridSpan="3">
                   <a:txBody>
                     <a:bodyPr/>
                     <a:lstStyle/>
@@ -31690,6 +31704,28 @@
                     </a:solidFill>
                   </a:tcPr>
                 </a:tc>
+                <a:tc hMerge="1">
+                  <a:txBody>
+                    <a:bodyPr/>
+                    <a:lstStyle/>
+                    <a:p>
+                      <a:pPr latinLnBrk="1"/>
+                      <a:endParaRPr lang="ko-KR" altLang="en-US"/>
+                    </a:p>
+                  </a:txBody>
+                  <a:tcPr/>
+                </a:tc>
+                <a:tc hMerge="1">
+                  <a:txBody>
+                    <a:bodyPr/>
+                    <a:lstStyle/>
+                    <a:p>
+                      <a:pPr latinLnBrk="1"/>
+                      <a:endParaRPr lang="ko-KR" altLang="en-US"/>
+                    </a:p>
+                  </a:txBody>
+                  <a:tcPr/>
+                </a:tc>
                 <a:extLst>
                   <a:ext uri="{0D108BD9-81ED-4DB2-BD59-A6C34878D82A}">
                     <a16:rowId xmlns:a16="http://schemas.microsoft.com/office/drawing/2014/main" val="4129766453"/>
@@ -31697,7 +31733,7 @@
                 </a:extLst>
               </a:tr>
               <a:tr h="0">
-                <a:tc>
+                <a:tc gridSpan="3">
                   <a:txBody>
                     <a:bodyPr/>
                     <a:lstStyle/>
@@ -31754,6 +31790,28 @@
                     </a:lnBlToTr>
                     <a:noFill/>
                   </a:tcPr>
+                </a:tc>
+                <a:tc hMerge="1">
+                  <a:txBody>
+                    <a:bodyPr/>
+                    <a:lstStyle/>
+                    <a:p>
+                      <a:pPr latinLnBrk="1"/>
+                      <a:endParaRPr lang="ko-KR" altLang="en-US"/>
+                    </a:p>
+                  </a:txBody>
+                  <a:tcPr/>
+                </a:tc>
+                <a:tc hMerge="1">
+                  <a:txBody>
+                    <a:bodyPr/>
+                    <a:lstStyle/>
+                    <a:p>
+                      <a:pPr latinLnBrk="1"/>
+                      <a:endParaRPr lang="ko-KR" altLang="en-US"/>
+                    </a:p>
+                  </a:txBody>
+                  <a:tcPr/>
                 </a:tc>
                 <a:extLst>
                   <a:ext uri="{0D108BD9-81ED-4DB2-BD59-A6C34878D82A}">
@@ -31762,7 +31820,7 @@
                 </a:extLst>
               </a:tr>
               <a:tr h="0">
-                <a:tc>
+                <a:tc gridSpan="3">
                   <a:txBody>
                     <a:bodyPr/>
                     <a:lstStyle/>
@@ -31807,6 +31865,28 @@
                     <a:noFill/>
                   </a:tcPr>
                 </a:tc>
+                <a:tc hMerge="1">
+                  <a:txBody>
+                    <a:bodyPr/>
+                    <a:lstStyle/>
+                    <a:p>
+                      <a:pPr latinLnBrk="1"/>
+                      <a:endParaRPr lang="ko-KR" altLang="en-US"/>
+                    </a:p>
+                  </a:txBody>
+                  <a:tcPr/>
+                </a:tc>
+                <a:tc hMerge="1">
+                  <a:txBody>
+                    <a:bodyPr/>
+                    <a:lstStyle/>
+                    <a:p>
+                      <a:pPr latinLnBrk="1"/>
+                      <a:endParaRPr lang="ko-KR" altLang="en-US"/>
+                    </a:p>
+                  </a:txBody>
+                  <a:tcPr/>
+                </a:tc>
                 <a:extLst>
                   <a:ext uri="{0D108BD9-81ED-4DB2-BD59-A6C34878D82A}">
                     <a16:rowId xmlns:a16="http://schemas.microsoft.com/office/drawing/2014/main" val="1470410232"/>
@@ -31814,7 +31894,7 @@
                 </a:extLst>
               </a:tr>
               <a:tr h="0">
-                <a:tc>
+                <a:tc gridSpan="3">
                   <a:txBody>
                     <a:bodyPr/>
                     <a:lstStyle/>
@@ -31873,21 +31953,43 @@
                     </a:solidFill>
                   </a:tcPr>
                 </a:tc>
+                <a:tc hMerge="1">
+                  <a:txBody>
+                    <a:bodyPr/>
+                    <a:lstStyle/>
+                    <a:p>
+                      <a:pPr latinLnBrk="1"/>
+                      <a:endParaRPr lang="ko-KR" altLang="en-US"/>
+                    </a:p>
+                  </a:txBody>
+                  <a:tcPr/>
+                </a:tc>
+                <a:tc hMerge="1">
+                  <a:txBody>
+                    <a:bodyPr/>
+                    <a:lstStyle/>
+                    <a:p>
+                      <a:pPr latinLnBrk="1"/>
+                      <a:endParaRPr lang="ko-KR" altLang="en-US"/>
+                    </a:p>
+                  </a:txBody>
+                  <a:tcPr/>
+                </a:tc>
                 <a:extLst>
                   <a:ext uri="{0D108BD9-81ED-4DB2-BD59-A6C34878D82A}">
                     <a16:rowId xmlns:a16="http://schemas.microsoft.com/office/drawing/2014/main" val="4103515606"/>
                   </a:ext>
                 </a:extLst>
               </a:tr>
-              <a:tr h="246289">
-                <a:tc>
+              <a:tr h="0">
+                <a:tc rowSpan="2">
                   <a:txBody>
                     <a:bodyPr/>
                     <a:lstStyle/>
                     <a:p>
-                      <a:pPr marL="742950" lvl="1" indent="-285750" algn="l" latinLnBrk="1">
+                      <a:pPr marL="0" lvl="0" indent="0" algn="ctr" latinLnBrk="1">
                         <a:buFont typeface="Wingdings" panose="05000000000000000000" pitchFamily="2" charset="2"/>
-                        <a:buChar char="u"/>
+                        <a:buNone/>
                       </a:pPr>
                       <a:r>
                         <a:rPr lang="ko-KR" altLang="en-US" sz="1400" b="0" dirty="0">
@@ -31903,114 +32005,23 @@
                         </a:solidFill>
                       </a:endParaRPr>
                     </a:p>
-                    <a:p>
-                      <a:pPr marL="914400" lvl="2" indent="0" algn="l" latinLnBrk="1">
-                        <a:buFont typeface="Wingdings" panose="05000000000000000000" pitchFamily="2" charset="2"/>
-                        <a:buNone/>
-                      </a:pPr>
-                      <a:r>
-                        <a:rPr lang="ko-KR" altLang="en-US" sz="1400" b="0" dirty="0">
-                          <a:solidFill>
-                            <a:schemeClr val="tx1"/>
-                          </a:solidFill>
-                        </a:rPr>
-                        <a:t>스킬 사용 중에 캐릭터 상태 변화에 따른 처리 요소들</a:t>
-                      </a:r>
-                      <a:endParaRPr lang="en-US" altLang="ko-KR" sz="1400" b="0" dirty="0">
-                        <a:solidFill>
-                          <a:schemeClr val="tx1"/>
-                        </a:solidFill>
-                      </a:endParaRPr>
-                    </a:p>
-                    <a:p>
-                      <a:pPr marL="1200150" lvl="2" indent="-285750" algn="l" latinLnBrk="1">
-                        <a:buFont typeface="Wingdings" panose="05000000000000000000" pitchFamily="2" charset="2"/>
-                        <a:buChar char="§"/>
-                      </a:pPr>
-                      <a:r>
-                        <a:rPr lang="ko-KR" altLang="en-US" sz="1400" b="0" dirty="0">
-                          <a:solidFill>
-                            <a:schemeClr val="tx1"/>
-                          </a:solidFill>
-                        </a:rPr>
-                        <a:t>액션 상태</a:t>
-                      </a:r>
-                      <a:endParaRPr lang="en-US" altLang="ko-KR" sz="1400" b="0" dirty="0">
-                        <a:solidFill>
-                          <a:schemeClr val="tx1"/>
-                        </a:solidFill>
-                      </a:endParaRPr>
-                    </a:p>
-                    <a:p>
-                      <a:pPr marL="1657350" lvl="3" indent="-285750" algn="l" latinLnBrk="1">
-                        <a:buFont typeface="Arial" panose="020B0604020202020204" pitchFamily="34" charset="0"/>
-                        <a:buChar char="•"/>
-                      </a:pPr>
-                      <a:r>
-                        <a:rPr lang="ko-KR" altLang="en-US" sz="1400" b="0" dirty="0">
-                          <a:solidFill>
-                            <a:schemeClr val="tx1"/>
-                          </a:solidFill>
-                        </a:rPr>
-                        <a:t>공격을 받아 피격 상태가 되면 스킬 사용이 실패한다</a:t>
-                      </a:r>
-                      <a:r>
-                        <a:rPr lang="en-US" altLang="ko-KR" sz="1400" b="0" dirty="0">
-                          <a:solidFill>
-                            <a:schemeClr val="tx1"/>
-                          </a:solidFill>
-                        </a:rPr>
-                        <a:t>.</a:t>
-                      </a:r>
-                    </a:p>
-                    <a:p>
-                      <a:pPr marL="1200150" lvl="2" indent="-285750" algn="l" latinLnBrk="1">
-                        <a:buFont typeface="Wingdings" panose="05000000000000000000" pitchFamily="2" charset="2"/>
-                        <a:buChar char="§"/>
-                      </a:pPr>
-                      <a:r>
-                        <a:rPr lang="ko-KR" altLang="en-US" sz="1400" b="0" dirty="0">
-                          <a:solidFill>
-                            <a:schemeClr val="tx1"/>
-                          </a:solidFill>
-                        </a:rPr>
-                        <a:t>상태 이상 상태</a:t>
-                      </a:r>
-                      <a:endParaRPr lang="en-US" altLang="ko-KR" sz="1400" b="0" dirty="0">
-                        <a:solidFill>
-                          <a:schemeClr val="tx1"/>
-                        </a:solidFill>
-                      </a:endParaRPr>
-                    </a:p>
-                    <a:p>
-                      <a:pPr marL="1657350" lvl="3" indent="-285750" algn="l" latinLnBrk="1">
-                        <a:buFont typeface="Arial" panose="020B0604020202020204" pitchFamily="34" charset="0"/>
-                        <a:buChar char="•"/>
-                      </a:pPr>
-                      <a:r>
-                        <a:rPr lang="ko-KR" altLang="en-US" sz="1400" b="0" dirty="0">
-                          <a:solidFill>
-                            <a:schemeClr val="tx1"/>
-                          </a:solidFill>
-                        </a:rPr>
-                        <a:t>사용하는 스킬 사용을 제한하는 상태 이상에 걸릴 경우 스킬 사용이 실패한다</a:t>
-                      </a:r>
-                      <a:r>
-                        <a:rPr lang="en-US" altLang="ko-KR" sz="1400" b="0" dirty="0">
-                          <a:solidFill>
-                            <a:schemeClr val="tx1"/>
-                          </a:solidFill>
-                        </a:rPr>
-                        <a:t>.</a:t>
-                      </a:r>
-                    </a:p>
                   </a:txBody>
-                  <a:tcPr>
-                    <a:lnL w="12700" cmpd="sng">
-                      <a:noFill/>
+                  <a:tcPr anchor="ctr">
+                    <a:lnL w="12700" cap="flat" cmpd="sng" algn="ctr">
+                      <a:noFill/>
+                      <a:prstDash val="solid"/>
+                      <a:round/>
+                      <a:headEnd type="none" w="med" len="med"/>
+                      <a:tailEnd type="none" w="med" len="med"/>
                     </a:lnL>
-                    <a:lnR w="12700" cmpd="sng">
-                      <a:noFill/>
+                    <a:lnR w="12700" cap="flat" cmpd="sng" algn="ctr">
+                      <a:solidFill>
+                        <a:schemeClr val="tx1"/>
+                      </a:solidFill>
+                      <a:prstDash val="solid"/>
+                      <a:round/>
+                      <a:headEnd type="none" w="med" len="med"/>
+                      <a:tailEnd type="none" w="med" len="med"/>
                     </a:lnR>
                     <a:lnT w="12700" cap="flat" cmpd="sng" algn="ctr">
                       <a:solidFill>
@@ -32022,7 +32033,162 @@
                       <a:tailEnd type="none" w="med" len="med"/>
                     </a:lnT>
                     <a:lnB w="12700" cap="flat" cmpd="sng" algn="ctr">
-                      <a:noFill/>
+                      <a:solidFill>
+                        <a:schemeClr val="tx1"/>
+                      </a:solidFill>
+                      <a:prstDash val="solid"/>
+                      <a:round/>
+                      <a:headEnd type="none" w="med" len="med"/>
+                      <a:tailEnd type="none" w="med" len="med"/>
+                    </a:lnB>
+                    <a:lnTlToBr w="12700" cmpd="sng">
+                      <a:noFill/>
+                      <a:prstDash val="solid"/>
+                    </a:lnTlToBr>
+                    <a:lnBlToTr w="12700" cmpd="sng">
+                      <a:noFill/>
+                      <a:prstDash val="solid"/>
+                    </a:lnBlToTr>
+                    <a:noFill/>
+                  </a:tcPr>
+                </a:tc>
+                <a:tc>
+                  <a:txBody>
+                    <a:bodyPr/>
+                    <a:lstStyle/>
+                    <a:p>
+                      <a:pPr marL="0" lvl="0" indent="0" algn="ctr" latinLnBrk="1">
+                        <a:buFont typeface="Wingdings" panose="05000000000000000000" pitchFamily="2" charset="2"/>
+                        <a:buNone/>
+                      </a:pPr>
+                      <a:r>
+                        <a:rPr lang="ko-KR" altLang="en-US" sz="1400" b="0" dirty="0">
+                          <a:solidFill>
+                            <a:schemeClr val="tx1"/>
+                          </a:solidFill>
+                        </a:rPr>
+                        <a:t>액션 상태</a:t>
+                      </a:r>
+                    </a:p>
+                  </a:txBody>
+                  <a:tcPr anchor="ctr">
+                    <a:lnL w="12700" cap="flat" cmpd="sng" algn="ctr">
+                      <a:solidFill>
+                        <a:schemeClr val="tx1"/>
+                      </a:solidFill>
+                      <a:prstDash val="solid"/>
+                      <a:round/>
+                      <a:headEnd type="none" w="med" len="med"/>
+                      <a:tailEnd type="none" w="med" len="med"/>
+                    </a:lnL>
+                    <a:lnR w="12700" cap="flat" cmpd="sng" algn="ctr">
+                      <a:solidFill>
+                        <a:schemeClr val="tx1"/>
+                      </a:solidFill>
+                      <a:prstDash val="solid"/>
+                      <a:round/>
+                      <a:headEnd type="none" w="med" len="med"/>
+                      <a:tailEnd type="none" w="med" len="med"/>
+                    </a:lnR>
+                    <a:lnT w="12700" cap="flat" cmpd="sng" algn="ctr">
+                      <a:solidFill>
+                        <a:schemeClr val="tx1"/>
+                      </a:solidFill>
+                      <a:prstDash val="solid"/>
+                      <a:round/>
+                      <a:headEnd type="none" w="med" len="med"/>
+                      <a:tailEnd type="none" w="med" len="med"/>
+                    </a:lnT>
+                    <a:lnB w="12700" cap="flat" cmpd="sng" algn="ctr">
+                      <a:solidFill>
+                        <a:schemeClr val="tx1"/>
+                      </a:solidFill>
+                      <a:prstDash val="solid"/>
+                      <a:round/>
+                      <a:headEnd type="none" w="med" len="med"/>
+                      <a:tailEnd type="none" w="med" len="med"/>
+                    </a:lnB>
+                    <a:lnTlToBr w="12700" cmpd="sng">
+                      <a:noFill/>
+                      <a:prstDash val="solid"/>
+                    </a:lnTlToBr>
+                    <a:lnBlToTr w="12700" cmpd="sng">
+                      <a:noFill/>
+                      <a:prstDash val="solid"/>
+                    </a:lnBlToTr>
+                    <a:noFill/>
+                  </a:tcPr>
+                </a:tc>
+                <a:tc>
+                  <a:txBody>
+                    <a:bodyPr/>
+                    <a:lstStyle/>
+                    <a:p>
+                      <a:pPr marL="0" marR="0" lvl="0" indent="0" algn="l" defTabSz="914400" rtl="0" eaLnBrk="1" fontAlgn="auto" latinLnBrk="1" hangingPunct="1">
+                        <a:lnSpc>
+                          <a:spcPct val="100000"/>
+                        </a:lnSpc>
+                        <a:spcBef>
+                          <a:spcPts val="0"/>
+                        </a:spcBef>
+                        <a:spcAft>
+                          <a:spcPts val="0"/>
+                        </a:spcAft>
+                        <a:buClrTx/>
+                        <a:buSzTx/>
+                        <a:buFont typeface="Arial" panose="020B0604020202020204" pitchFamily="34" charset="0"/>
+                        <a:buNone/>
+                        <a:tabLst/>
+                        <a:defRPr/>
+                      </a:pPr>
+                      <a:r>
+                        <a:rPr lang="ko-KR" altLang="en-US" sz="1400" b="0" dirty="0">
+                          <a:solidFill>
+                            <a:schemeClr val="tx1"/>
+                          </a:solidFill>
+                        </a:rPr>
+                        <a:t>공격을 받아 피격 상태가 되면 스킬 사용이 실패한다</a:t>
+                      </a:r>
+                      <a:r>
+                        <a:rPr lang="en-US" altLang="ko-KR" sz="1400" b="0" dirty="0">
+                          <a:solidFill>
+                            <a:schemeClr val="tx1"/>
+                          </a:solidFill>
+                        </a:rPr>
+                        <a:t>.</a:t>
+                      </a:r>
+                    </a:p>
+                  </a:txBody>
+                  <a:tcPr anchor="ctr">
+                    <a:lnL w="12700" cap="flat" cmpd="sng" algn="ctr">
+                      <a:solidFill>
+                        <a:schemeClr val="tx1"/>
+                      </a:solidFill>
+                      <a:prstDash val="solid"/>
+                      <a:round/>
+                      <a:headEnd type="none" w="med" len="med"/>
+                      <a:tailEnd type="none" w="med" len="med"/>
+                    </a:lnL>
+                    <a:lnR w="12700" cap="flat" cmpd="sng" algn="ctr">
+                      <a:noFill/>
+                      <a:prstDash val="solid"/>
+                      <a:round/>
+                      <a:headEnd type="none" w="med" len="med"/>
+                      <a:tailEnd type="none" w="med" len="med"/>
+                    </a:lnR>
+                    <a:lnT w="12700" cap="flat" cmpd="sng" algn="ctr">
+                      <a:solidFill>
+                        <a:schemeClr val="tx1"/>
+                      </a:solidFill>
+                      <a:prstDash val="solid"/>
+                      <a:round/>
+                      <a:headEnd type="none" w="med" len="med"/>
+                      <a:tailEnd type="none" w="med" len="med"/>
+                    </a:lnT>
+                    <a:lnB w="12700" cap="flat" cmpd="sng" algn="ctr">
+                      <a:solidFill>
+                        <a:schemeClr val="tx1"/>
+                      </a:solidFill>
                       <a:prstDash val="solid"/>
                       <a:round/>
                       <a:headEnd type="none" w="med" len="med"/>
@@ -32045,15 +32211,26 @@
                   </a:ext>
                 </a:extLst>
               </a:tr>
-              <a:tr h="246289">
+              <a:tr h="0">
+                <a:tc vMerge="1">
+                  <a:txBody>
+                    <a:bodyPr/>
+                    <a:lstStyle/>
+                    <a:p>
+                      <a:pPr latinLnBrk="1"/>
+                      <a:endParaRPr lang="ko-KR" altLang="en-US"/>
+                    </a:p>
+                  </a:txBody>
+                  <a:tcPr/>
+                </a:tc>
                 <a:tc>
                   <a:txBody>
                     <a:bodyPr/>
                     <a:lstStyle/>
                     <a:p>
-                      <a:pPr marL="742950" lvl="1" indent="-285750" algn="l" latinLnBrk="1">
+                      <a:pPr marL="0" lvl="0" indent="0" algn="ctr" latinLnBrk="1">
                         <a:buFont typeface="Wingdings" panose="05000000000000000000" pitchFamily="2" charset="2"/>
-                        <a:buChar char="u"/>
+                        <a:buNone/>
                       </a:pPr>
                       <a:r>
                         <a:rPr lang="ko-KR" altLang="en-US" sz="1400" b="0" dirty="0">
@@ -32061,7 +32238,7 @@
                             <a:schemeClr val="tx1"/>
                           </a:solidFill>
                         </a:rPr>
-                        <a:t>장애물</a:t>
+                        <a:t>상태 이상 상태</a:t>
                       </a:r>
                       <a:endParaRPr lang="en-US" altLang="ko-KR" sz="1400" b="0" dirty="0">
                         <a:solidFill>
@@ -32070,22 +32247,344 @@
                       </a:endParaRPr>
                     </a:p>
                   </a:txBody>
-                  <a:tcPr>
-                    <a:lnL w="12700" cmpd="sng">
-                      <a:noFill/>
+                  <a:tcPr anchor="ctr">
+                    <a:lnL w="12700" cap="flat" cmpd="sng" algn="ctr">
+                      <a:solidFill>
+                        <a:schemeClr val="tx1"/>
+                      </a:solidFill>
+                      <a:prstDash val="solid"/>
+                      <a:round/>
+                      <a:headEnd type="none" w="med" len="med"/>
+                      <a:tailEnd type="none" w="med" len="med"/>
                     </a:lnL>
-                    <a:lnR w="12700" cmpd="sng">
-                      <a:noFill/>
+                    <a:lnR w="12700" cap="flat" cmpd="sng" algn="ctr">
+                      <a:solidFill>
+                        <a:schemeClr val="tx1"/>
+                      </a:solidFill>
+                      <a:prstDash val="solid"/>
+                      <a:round/>
+                      <a:headEnd type="none" w="med" len="med"/>
+                      <a:tailEnd type="none" w="med" len="med"/>
                     </a:lnR>
                     <a:lnT w="12700" cap="flat" cmpd="sng" algn="ctr">
-                      <a:noFill/>
+                      <a:solidFill>
+                        <a:schemeClr val="tx1"/>
+                      </a:solidFill>
                       <a:prstDash val="solid"/>
                       <a:round/>
                       <a:headEnd type="none" w="med" len="med"/>
                       <a:tailEnd type="none" w="med" len="med"/>
                     </a:lnT>
                     <a:lnB w="12700" cap="flat" cmpd="sng" algn="ctr">
-                      <a:noFill/>
+                      <a:solidFill>
+                        <a:schemeClr val="tx1"/>
+                      </a:solidFill>
+                      <a:prstDash val="solid"/>
+                      <a:round/>
+                      <a:headEnd type="none" w="med" len="med"/>
+                      <a:tailEnd type="none" w="med" len="med"/>
+                    </a:lnB>
+                    <a:lnTlToBr w="12700" cmpd="sng">
+                      <a:noFill/>
+                      <a:prstDash val="solid"/>
+                    </a:lnTlToBr>
+                    <a:lnBlToTr w="12700" cmpd="sng">
+                      <a:noFill/>
+                      <a:prstDash val="solid"/>
+                    </a:lnBlToTr>
+                    <a:noFill/>
+                  </a:tcPr>
+                </a:tc>
+                <a:tc>
+                  <a:txBody>
+                    <a:bodyPr/>
+                    <a:lstStyle/>
+                    <a:p>
+                      <a:pPr marL="0" marR="0" lvl="0" indent="0" algn="l" defTabSz="914400" rtl="0" eaLnBrk="1" fontAlgn="auto" latinLnBrk="1" hangingPunct="1">
+                        <a:lnSpc>
+                          <a:spcPct val="100000"/>
+                        </a:lnSpc>
+                        <a:spcBef>
+                          <a:spcPts val="0"/>
+                        </a:spcBef>
+                        <a:spcAft>
+                          <a:spcPts val="0"/>
+                        </a:spcAft>
+                        <a:buClrTx/>
+                        <a:buSzTx/>
+                        <a:buFont typeface="Arial" panose="020B0604020202020204" pitchFamily="34" charset="0"/>
+                        <a:buNone/>
+                        <a:tabLst/>
+                        <a:defRPr/>
+                      </a:pPr>
+                      <a:r>
+                        <a:rPr lang="ko-KR" altLang="en-US" sz="1400" b="0" dirty="0">
+                          <a:solidFill>
+                            <a:schemeClr val="tx1"/>
+                          </a:solidFill>
+                        </a:rPr>
+                        <a:t>사용하는 스킬 사용을 제한하는 상태 이상에 걸릴 경우 스킬 사용이 실패한다</a:t>
+                      </a:r>
+                      <a:r>
+                        <a:rPr lang="en-US" altLang="ko-KR" sz="1400" b="0" dirty="0">
+                          <a:solidFill>
+                            <a:schemeClr val="tx1"/>
+                          </a:solidFill>
+                        </a:rPr>
+                        <a:t>.</a:t>
+                      </a:r>
+                    </a:p>
+                  </a:txBody>
+                  <a:tcPr anchor="ctr">
+                    <a:lnL w="12700" cap="flat" cmpd="sng" algn="ctr">
+                      <a:solidFill>
+                        <a:schemeClr val="tx1"/>
+                      </a:solidFill>
+                      <a:prstDash val="solid"/>
+                      <a:round/>
+                      <a:headEnd type="none" w="med" len="med"/>
+                      <a:tailEnd type="none" w="med" len="med"/>
+                    </a:lnL>
+                    <a:lnR w="12700" cap="flat" cmpd="sng" algn="ctr">
+                      <a:noFill/>
+                      <a:prstDash val="solid"/>
+                      <a:round/>
+                      <a:headEnd type="none" w="med" len="med"/>
+                      <a:tailEnd type="none" w="med" len="med"/>
+                    </a:lnR>
+                    <a:lnT w="12700" cap="flat" cmpd="sng" algn="ctr">
+                      <a:solidFill>
+                        <a:schemeClr val="tx1"/>
+                      </a:solidFill>
+                      <a:prstDash val="solid"/>
+                      <a:round/>
+                      <a:headEnd type="none" w="med" len="med"/>
+                      <a:tailEnd type="none" w="med" len="med"/>
+                    </a:lnT>
+                    <a:lnB w="12700" cap="flat" cmpd="sng" algn="ctr">
+                      <a:solidFill>
+                        <a:schemeClr val="tx1"/>
+                      </a:solidFill>
+                      <a:prstDash val="solid"/>
+                      <a:round/>
+                      <a:headEnd type="none" w="med" len="med"/>
+                      <a:tailEnd type="none" w="med" len="med"/>
+                    </a:lnB>
+                    <a:lnTlToBr w="12700" cmpd="sng">
+                      <a:noFill/>
+                      <a:prstDash val="solid"/>
+                    </a:lnTlToBr>
+                    <a:lnBlToTr w="12700" cmpd="sng">
+                      <a:noFill/>
+                      <a:prstDash val="solid"/>
+                    </a:lnBlToTr>
+                    <a:noFill/>
+                  </a:tcPr>
+                </a:tc>
+                <a:extLst>
+                  <a:ext uri="{0D108BD9-81ED-4DB2-BD59-A6C34878D82A}">
+                    <a16:rowId xmlns:a16="http://schemas.microsoft.com/office/drawing/2014/main" val="128969970"/>
+                  </a:ext>
+                </a:extLst>
+              </a:tr>
+              <a:tr h="0">
+                <a:tc rowSpan="2">
+                  <a:txBody>
+                    <a:bodyPr/>
+                    <a:lstStyle/>
+                    <a:p>
+                      <a:pPr marL="0" lvl="0" indent="0" algn="ctr" latinLnBrk="1">
+                        <a:buFont typeface="Wingdings" panose="05000000000000000000" pitchFamily="2" charset="2"/>
+                        <a:buNone/>
+                      </a:pPr>
+                      <a:r>
+                        <a:rPr lang="ko-KR" altLang="en-US" sz="1400" b="0" dirty="0">
+                          <a:solidFill>
+                            <a:schemeClr val="tx1"/>
+                          </a:solidFill>
+                        </a:rPr>
+                        <a:t>장애물</a:t>
+                      </a:r>
+                      <a:endParaRPr lang="en-US" altLang="ko-KR" sz="1400" b="0" dirty="0">
+                        <a:solidFill>
+                          <a:schemeClr val="tx1"/>
+                        </a:solidFill>
+                      </a:endParaRPr>
+                    </a:p>
+                  </a:txBody>
+                  <a:tcPr anchor="ctr">
+                    <a:lnL w="12700" cap="flat" cmpd="sng" algn="ctr">
+                      <a:noFill/>
+                      <a:prstDash val="solid"/>
+                      <a:round/>
+                      <a:headEnd type="none" w="med" len="med"/>
+                      <a:tailEnd type="none" w="med" len="med"/>
+                    </a:lnL>
+                    <a:lnR w="12700" cap="flat" cmpd="sng" algn="ctr">
+                      <a:solidFill>
+                        <a:schemeClr val="tx1"/>
+                      </a:solidFill>
+                      <a:prstDash val="solid"/>
+                      <a:round/>
+                      <a:headEnd type="none" w="med" len="med"/>
+                      <a:tailEnd type="none" w="med" len="med"/>
+                    </a:lnR>
+                    <a:lnT w="12700" cap="flat" cmpd="sng" algn="ctr">
+                      <a:solidFill>
+                        <a:schemeClr val="tx1"/>
+                      </a:solidFill>
+                      <a:prstDash val="solid"/>
+                      <a:round/>
+                      <a:headEnd type="none" w="med" len="med"/>
+                      <a:tailEnd type="none" w="med" len="med"/>
+                    </a:lnT>
+                    <a:lnB w="12700" cap="flat" cmpd="sng" algn="ctr">
+                      <a:noFill/>
+                      <a:prstDash val="solid"/>
+                      <a:round/>
+                      <a:headEnd type="none" w="med" len="med"/>
+                      <a:tailEnd type="none" w="med" len="med"/>
+                    </a:lnB>
+                    <a:lnTlToBr w="12700" cmpd="sng">
+                      <a:noFill/>
+                      <a:prstDash val="solid"/>
+                    </a:lnTlToBr>
+                    <a:lnBlToTr w="12700" cmpd="sng">
+                      <a:noFill/>
+                      <a:prstDash val="solid"/>
+                    </a:lnBlToTr>
+                    <a:noFill/>
+                  </a:tcPr>
+                </a:tc>
+                <a:tc>
+                  <a:txBody>
+                    <a:bodyPr/>
+                    <a:lstStyle/>
+                    <a:p>
+                      <a:pPr marL="0" lvl="0" indent="0" algn="ctr" latinLnBrk="1">
+                        <a:buFont typeface="Wingdings" panose="05000000000000000000" pitchFamily="2" charset="2"/>
+                        <a:buNone/>
+                      </a:pPr>
+                      <a:r>
+                        <a:rPr lang="ko-KR" altLang="en-US" sz="1400" b="0" dirty="0">
+                          <a:solidFill>
+                            <a:schemeClr val="tx1"/>
+                          </a:solidFill>
+                        </a:rPr>
+                        <a:t>파괴 가능</a:t>
+                      </a:r>
+                      <a:endParaRPr lang="en-US" altLang="ko-KR" sz="1400" b="0" dirty="0">
+                        <a:solidFill>
+                          <a:schemeClr val="tx1"/>
+                        </a:solidFill>
+                      </a:endParaRPr>
+                    </a:p>
+                  </a:txBody>
+                  <a:tcPr anchor="ctr">
+                    <a:lnL w="12700" cap="flat" cmpd="sng" algn="ctr">
+                      <a:solidFill>
+                        <a:schemeClr val="tx1"/>
+                      </a:solidFill>
+                      <a:prstDash val="solid"/>
+                      <a:round/>
+                      <a:headEnd type="none" w="med" len="med"/>
+                      <a:tailEnd type="none" w="med" len="med"/>
+                    </a:lnL>
+                    <a:lnR w="12700" cap="flat" cmpd="sng" algn="ctr">
+                      <a:solidFill>
+                        <a:schemeClr val="tx1"/>
+                      </a:solidFill>
+                      <a:prstDash val="solid"/>
+                      <a:round/>
+                      <a:headEnd type="none" w="med" len="med"/>
+                      <a:tailEnd type="none" w="med" len="med"/>
+                    </a:lnR>
+                    <a:lnT w="12700" cap="flat" cmpd="sng" algn="ctr">
+                      <a:solidFill>
+                        <a:schemeClr val="tx1"/>
+                      </a:solidFill>
+                      <a:prstDash val="solid"/>
+                      <a:round/>
+                      <a:headEnd type="none" w="med" len="med"/>
+                      <a:tailEnd type="none" w="med" len="med"/>
+                    </a:lnT>
+                    <a:lnB w="12700" cap="flat" cmpd="sng" algn="ctr">
+                      <a:solidFill>
+                        <a:schemeClr val="tx1"/>
+                      </a:solidFill>
+                      <a:prstDash val="solid"/>
+                      <a:round/>
+                      <a:headEnd type="none" w="med" len="med"/>
+                      <a:tailEnd type="none" w="med" len="med"/>
+                    </a:lnB>
+                    <a:lnTlToBr w="12700" cmpd="sng">
+                      <a:noFill/>
+                      <a:prstDash val="solid"/>
+                    </a:lnTlToBr>
+                    <a:lnBlToTr w="12700" cmpd="sng">
+                      <a:noFill/>
+                      <a:prstDash val="solid"/>
+                    </a:lnBlToTr>
+                    <a:noFill/>
+                  </a:tcPr>
+                </a:tc>
+                <a:tc>
+                  <a:txBody>
+                    <a:bodyPr/>
+                    <a:lstStyle/>
+                    <a:p>
+                      <a:pPr marL="0" lvl="0" indent="0" algn="l" latinLnBrk="1">
+                        <a:buFont typeface="Wingdings" panose="05000000000000000000" pitchFamily="2" charset="2"/>
+                        <a:buNone/>
+                      </a:pPr>
+                      <a:r>
+                        <a:rPr lang="ko-KR" altLang="en-US" sz="1400" b="0" dirty="0">
+                          <a:solidFill>
+                            <a:schemeClr val="tx1"/>
+                          </a:solidFill>
+                        </a:rPr>
+                        <a:t>파괴가 가능한 항아리 같은 오브젝트들이다</a:t>
+                      </a:r>
+                      <a:r>
+                        <a:rPr lang="en-US" altLang="ko-KR" sz="1400" b="0" dirty="0">
+                          <a:solidFill>
+                            <a:schemeClr val="tx1"/>
+                          </a:solidFill>
+                        </a:rPr>
+                        <a:t>.</a:t>
+                      </a:r>
+                    </a:p>
+                  </a:txBody>
+                  <a:tcPr anchor="ctr">
+                    <a:lnL w="12700" cap="flat" cmpd="sng" algn="ctr">
+                      <a:solidFill>
+                        <a:schemeClr val="tx1"/>
+                      </a:solidFill>
+                      <a:prstDash val="solid"/>
+                      <a:round/>
+                      <a:headEnd type="none" w="med" len="med"/>
+                      <a:tailEnd type="none" w="med" len="med"/>
+                    </a:lnL>
+                    <a:lnR w="12700" cap="flat" cmpd="sng" algn="ctr">
+                      <a:noFill/>
+                      <a:prstDash val="solid"/>
+                      <a:round/>
+                      <a:headEnd type="none" w="med" len="med"/>
+                      <a:tailEnd type="none" w="med" len="med"/>
+                    </a:lnR>
+                    <a:lnT w="12700" cap="flat" cmpd="sng" algn="ctr">
+                      <a:solidFill>
+                        <a:schemeClr val="tx1"/>
+                      </a:solidFill>
+                      <a:prstDash val="solid"/>
+                      <a:round/>
+                      <a:headEnd type="none" w="med" len="med"/>
+                      <a:tailEnd type="none" w="med" len="med"/>
+                    </a:lnT>
+                    <a:lnB w="12700" cap="flat" cmpd="sng" algn="ctr">
+                      <a:solidFill>
+                        <a:schemeClr val="tx1"/>
+                      </a:solidFill>
                       <a:prstDash val="solid"/>
                       <a:round/>
                       <a:headEnd type="none" w="med" len="med"/>
@@ -32105,6 +32604,218 @@
                 <a:extLst>
                   <a:ext uri="{0D108BD9-81ED-4DB2-BD59-A6C34878D82A}">
                     <a16:rowId xmlns:a16="http://schemas.microsoft.com/office/drawing/2014/main" val="779709036"/>
+                  </a:ext>
+                </a:extLst>
+              </a:tr>
+              <a:tr h="0">
+                <a:tc vMerge="1">
+                  <a:txBody>
+                    <a:bodyPr/>
+                    <a:lstStyle/>
+                    <a:p>
+                      <a:pPr marL="0" lvl="0" indent="0" algn="ctr" latinLnBrk="1">
+                        <a:buFont typeface="Wingdings" panose="05000000000000000000" pitchFamily="2" charset="2"/>
+                        <a:buNone/>
+                      </a:pPr>
+                      <a:endParaRPr lang="en-US" altLang="ko-KR" sz="1400" b="0" dirty="0">
+                        <a:solidFill>
+                          <a:schemeClr val="tx1"/>
+                        </a:solidFill>
+                      </a:endParaRPr>
+                    </a:p>
+                  </a:txBody>
+                  <a:tcPr anchor="ctr">
+                    <a:lnL w="12700" cap="flat" cmpd="sng" algn="ctr">
+                      <a:solidFill>
+                        <a:schemeClr val="tx1"/>
+                      </a:solidFill>
+                      <a:prstDash val="solid"/>
+                      <a:round/>
+                      <a:headEnd type="none" w="med" len="med"/>
+                      <a:tailEnd type="none" w="med" len="med"/>
+                    </a:lnL>
+                    <a:lnR w="12700" cap="flat" cmpd="sng" algn="ctr">
+                      <a:solidFill>
+                        <a:schemeClr val="tx1"/>
+                      </a:solidFill>
+                      <a:prstDash val="solid"/>
+                      <a:round/>
+                      <a:headEnd type="none" w="med" len="med"/>
+                      <a:tailEnd type="none" w="med" len="med"/>
+                    </a:lnR>
+                    <a:lnT w="12700" cap="flat" cmpd="sng" algn="ctr">
+                      <a:solidFill>
+                        <a:schemeClr val="tx1"/>
+                      </a:solidFill>
+                      <a:prstDash val="solid"/>
+                      <a:round/>
+                      <a:headEnd type="none" w="med" len="med"/>
+                      <a:tailEnd type="none" w="med" len="med"/>
+                    </a:lnT>
+                    <a:lnB w="12700" cap="flat" cmpd="sng" algn="ctr">
+                      <a:solidFill>
+                        <a:schemeClr val="tx1"/>
+                      </a:solidFill>
+                      <a:prstDash val="solid"/>
+                      <a:round/>
+                      <a:headEnd type="none" w="med" len="med"/>
+                      <a:tailEnd type="none" w="med" len="med"/>
+                    </a:lnB>
+                    <a:lnTlToBr w="12700" cmpd="sng">
+                      <a:noFill/>
+                      <a:prstDash val="solid"/>
+                    </a:lnTlToBr>
+                    <a:lnBlToTr w="12700" cmpd="sng">
+                      <a:noFill/>
+                      <a:prstDash val="solid"/>
+                    </a:lnBlToTr>
+                    <a:noFill/>
+                  </a:tcPr>
+                </a:tc>
+                <a:tc>
+                  <a:txBody>
+                    <a:bodyPr/>
+                    <a:lstStyle/>
+                    <a:p>
+                      <a:pPr marL="0" lvl="0" indent="0" algn="ctr" latinLnBrk="1">
+                        <a:buFont typeface="Wingdings" panose="05000000000000000000" pitchFamily="2" charset="2"/>
+                        <a:buNone/>
+                      </a:pPr>
+                      <a:r>
+                        <a:rPr lang="ko-KR" altLang="en-US" sz="1400" b="0" dirty="0">
+                          <a:solidFill>
+                            <a:schemeClr val="tx1"/>
+                          </a:solidFill>
+                        </a:rPr>
+                        <a:t>넘을 수 없는</a:t>
+                      </a:r>
+                      <a:endParaRPr lang="en-US" altLang="ko-KR" sz="1400" b="0" dirty="0">
+                        <a:solidFill>
+                          <a:schemeClr val="tx1"/>
+                        </a:solidFill>
+                      </a:endParaRPr>
+                    </a:p>
+                  </a:txBody>
+                  <a:tcPr anchor="ctr">
+                    <a:lnL w="12700" cap="flat" cmpd="sng" algn="ctr">
+                      <a:solidFill>
+                        <a:schemeClr val="tx1"/>
+                      </a:solidFill>
+                      <a:prstDash val="solid"/>
+                      <a:round/>
+                      <a:headEnd type="none" w="med" len="med"/>
+                      <a:tailEnd type="none" w="med" len="med"/>
+                    </a:lnL>
+                    <a:lnR w="12700" cap="flat" cmpd="sng" algn="ctr">
+                      <a:solidFill>
+                        <a:schemeClr val="tx1"/>
+                      </a:solidFill>
+                      <a:prstDash val="solid"/>
+                      <a:round/>
+                      <a:headEnd type="none" w="med" len="med"/>
+                      <a:tailEnd type="none" w="med" len="med"/>
+                    </a:lnR>
+                    <a:lnT w="12700" cap="flat" cmpd="sng" algn="ctr">
+                      <a:solidFill>
+                        <a:schemeClr val="tx1"/>
+                      </a:solidFill>
+                      <a:prstDash val="solid"/>
+                      <a:round/>
+                      <a:headEnd type="none" w="med" len="med"/>
+                      <a:tailEnd type="none" w="med" len="med"/>
+                    </a:lnT>
+                    <a:lnB w="12700" cap="flat" cmpd="sng" algn="ctr">
+                      <a:noFill/>
+                      <a:prstDash val="solid"/>
+                      <a:round/>
+                      <a:headEnd type="none" w="med" len="med"/>
+                      <a:tailEnd type="none" w="med" len="med"/>
+                    </a:lnB>
+                    <a:lnTlToBr w="12700" cmpd="sng">
+                      <a:noFill/>
+                      <a:prstDash val="solid"/>
+                    </a:lnTlToBr>
+                    <a:lnBlToTr w="12700" cmpd="sng">
+                      <a:noFill/>
+                      <a:prstDash val="solid"/>
+                    </a:lnBlToTr>
+                    <a:noFill/>
+                  </a:tcPr>
+                </a:tc>
+                <a:tc>
+                  <a:txBody>
+                    <a:bodyPr/>
+                    <a:lstStyle/>
+                    <a:p>
+                      <a:pPr marL="0" lvl="0" indent="0" algn="l" latinLnBrk="1">
+                        <a:buFont typeface="Wingdings" panose="05000000000000000000" pitchFamily="2" charset="2"/>
+                        <a:buNone/>
+                      </a:pPr>
+                      <a:r>
+                        <a:rPr lang="ko-KR" altLang="en-US" sz="1400" b="0" dirty="0">
+                          <a:solidFill>
+                            <a:schemeClr val="tx1"/>
+                          </a:solidFill>
+                        </a:rPr>
+                        <a:t>넘을 수 없는 벽과 같은 지형들이다</a:t>
+                      </a:r>
+                      <a:r>
+                        <a:rPr lang="en-US" altLang="ko-KR" sz="1400" b="0" dirty="0">
+                          <a:solidFill>
+                            <a:schemeClr val="tx1"/>
+                          </a:solidFill>
+                        </a:rPr>
+                        <a:t>.</a:t>
+                      </a:r>
+                    </a:p>
+                  </a:txBody>
+                  <a:tcPr anchor="ctr">
+                    <a:lnL w="12700" cap="flat" cmpd="sng" algn="ctr">
+                      <a:solidFill>
+                        <a:schemeClr val="tx1"/>
+                      </a:solidFill>
+                      <a:prstDash val="solid"/>
+                      <a:round/>
+                      <a:headEnd type="none" w="med" len="med"/>
+                      <a:tailEnd type="none" w="med" len="med"/>
+                    </a:lnL>
+                    <a:lnR w="12700" cap="flat" cmpd="sng" algn="ctr">
+                      <a:noFill/>
+                      <a:prstDash val="solid"/>
+                      <a:round/>
+                      <a:headEnd type="none" w="med" len="med"/>
+                      <a:tailEnd type="none" w="med" len="med"/>
+                    </a:lnR>
+                    <a:lnT w="12700" cap="flat" cmpd="sng" algn="ctr">
+                      <a:solidFill>
+                        <a:schemeClr val="tx1"/>
+                      </a:solidFill>
+                      <a:prstDash val="solid"/>
+                      <a:round/>
+                      <a:headEnd type="none" w="med" len="med"/>
+                      <a:tailEnd type="none" w="med" len="med"/>
+                    </a:lnT>
+                    <a:lnB w="12700" cap="flat" cmpd="sng" algn="ctr">
+                      <a:noFill/>
+                      <a:prstDash val="solid"/>
+                      <a:round/>
+                      <a:headEnd type="none" w="med" len="med"/>
+                      <a:tailEnd type="none" w="med" len="med"/>
+                    </a:lnB>
+                    <a:lnTlToBr w="12700" cmpd="sng">
+                      <a:noFill/>
+                      <a:prstDash val="solid"/>
+                    </a:lnTlToBr>
+                    <a:lnBlToTr w="12700" cmpd="sng">
+                      <a:noFill/>
+                      <a:prstDash val="solid"/>
+                    </a:lnBlToTr>
+                    <a:noFill/>
+                  </a:tcPr>
+                </a:tc>
+                <a:extLst>
+                  <a:ext uri="{0D108BD9-81ED-4DB2-BD59-A6C34878D82A}">
+                    <a16:rowId xmlns:a16="http://schemas.microsoft.com/office/drawing/2014/main" val="3411830391"/>
                   </a:ext>
                 </a:extLst>
               </a:tr>
@@ -32413,7 +33124,7 @@
             </a:r>
             <a:r>
               <a:rPr lang="ko-KR" altLang="en-US" dirty="0"/>
-              <a:t>투사체 장애물 차트</a:t>
+              <a:t>장애물 차트</a:t>
             </a:r>
           </a:p>
         </p:txBody>
@@ -34337,14 +35048,14 @@
           <p:nvPr>
             <p:extLst>
               <p:ext uri="{D42A27DB-BD31-4B8C-83A1-F6EECF244321}">
-                <p14:modId xmlns:p14="http://schemas.microsoft.com/office/powerpoint/2010/main" val="2921796381"/>
+                <p14:modId xmlns:p14="http://schemas.microsoft.com/office/powerpoint/2010/main" val="4228191656"/>
               </p:ext>
             </p:extLst>
           </p:nvPr>
         </p:nvGraphicFramePr>
         <p:xfrm>
-          <a:off x="3445510" y="2453640"/>
-          <a:ext cx="5300980" cy="1950720"/>
+          <a:off x="2532697" y="2301240"/>
+          <a:ext cx="7126605" cy="2255520"/>
         </p:xfrm>
         <a:graphic>
           <a:graphicData uri="http://schemas.openxmlformats.org/drawingml/2006/table">
@@ -34353,7 +35064,7 @@
                 <a:tableStyleId>{5C22544A-7EE6-4342-B048-85BDC9FD1C3A}</a:tableStyleId>
               </a:tblPr>
               <a:tblGrid>
-                <a:gridCol w="5300980">
+                <a:gridCol w="7126605">
                   <a:extLst>
                     <a:ext uri="{9D8B030D-6E8A-4147-A177-3AD203B41FA5}">
                       <a16:colId xmlns:a16="http://schemas.microsoft.com/office/drawing/2014/main" val="3852552135"/>
@@ -34487,6 +35198,69 @@
                     <a:lstStyle/>
                     <a:p>
                       <a:pPr algn="l" latinLnBrk="1"/>
+                      <a:r>
+                        <a:rPr lang="ko-KR" altLang="en-US" sz="1400" b="0" dirty="0">
+                          <a:solidFill>
+                            <a:schemeClr val="tx1"/>
+                          </a:solidFill>
+                        </a:rPr>
+                        <a:t>스킬이 명중하지 않는 경우에는 상대가 스킬을 방어했을 경우와 회피했을 경우가 있다</a:t>
+                      </a:r>
+                      <a:r>
+                        <a:rPr lang="en-US" altLang="ko-KR" sz="1400" b="0" dirty="0">
+                          <a:solidFill>
+                            <a:schemeClr val="tx1"/>
+                          </a:solidFill>
+                        </a:rPr>
+                        <a:t>.</a:t>
+                      </a:r>
+                    </a:p>
+                  </a:txBody>
+                  <a:tcPr>
+                    <a:lnL w="12700" cmpd="sng">
+                      <a:noFill/>
+                    </a:lnL>
+                    <a:lnR w="12700" cmpd="sng">
+                      <a:noFill/>
+                    </a:lnR>
+                    <a:lnT w="12700" cap="flat" cmpd="sng" algn="ctr">
+                      <a:noFill/>
+                      <a:prstDash val="solid"/>
+                      <a:round/>
+                      <a:headEnd type="none" w="med" len="med"/>
+                      <a:tailEnd type="none" w="med" len="med"/>
+                    </a:lnT>
+                    <a:lnB w="12700" cap="flat" cmpd="sng" algn="ctr">
+                      <a:noFill/>
+                      <a:prstDash val="solid"/>
+                      <a:round/>
+                      <a:headEnd type="none" w="med" len="med"/>
+                      <a:tailEnd type="none" w="med" len="med"/>
+                    </a:lnB>
+                    <a:lnTlToBr w="12700" cmpd="sng">
+                      <a:noFill/>
+                      <a:prstDash val="solid"/>
+                    </a:lnTlToBr>
+                    <a:lnBlToTr w="12700" cmpd="sng">
+                      <a:noFill/>
+                      <a:prstDash val="solid"/>
+                    </a:lnBlToTr>
+                    <a:noFill/>
+                  </a:tcPr>
+                </a:tc>
+                <a:extLst>
+                  <a:ext uri="{0D108BD9-81ED-4DB2-BD59-A6C34878D82A}">
+                    <a16:rowId xmlns:a16="http://schemas.microsoft.com/office/drawing/2014/main" val="43376757"/>
+                  </a:ext>
+                </a:extLst>
+              </a:tr>
+              <a:tr h="0">
+                <a:tc>
+                  <a:txBody>
+                    <a:bodyPr/>
+                    <a:lstStyle/>
+                    <a:p>
+                      <a:pPr algn="l" latinLnBrk="1"/>
                       <a:endParaRPr lang="en-US" altLang="ko-KR" sz="1400" b="0" dirty="0">
                         <a:solidFill>
                           <a:schemeClr val="tx1"/>
@@ -34528,7 +35302,7 @@
                 </a:tc>
                 <a:extLst>
                   <a:ext uri="{0D108BD9-81ED-4DB2-BD59-A6C34878D82A}">
-                    <a16:rowId xmlns:a16="http://schemas.microsoft.com/office/drawing/2014/main" val="1470410232"/>
+                    <a16:rowId xmlns:a16="http://schemas.microsoft.com/office/drawing/2014/main" val="2936157912"/>
                   </a:ext>
                 </a:extLst>
               </a:tr>
@@ -37152,13 +37926,13 @@
           <p:nvPr>
             <p:extLst>
               <p:ext uri="{D42A27DB-BD31-4B8C-83A1-F6EECF244321}">
-                <p14:modId xmlns:p14="http://schemas.microsoft.com/office/powerpoint/2010/main" val="3695185287"/>
+                <p14:modId xmlns:p14="http://schemas.microsoft.com/office/powerpoint/2010/main" val="4010570737"/>
               </p:ext>
             </p:extLst>
           </p:nvPr>
         </p:nvGraphicFramePr>
         <p:xfrm>
-          <a:off x="2135028" y="2468880"/>
+          <a:off x="2135028" y="2026920"/>
           <a:ext cx="7921943" cy="2804160"/>
         </p:xfrm>
         <a:graphic>
@@ -38916,7 +39690,7 @@
           <p:nvPr>
             <p:extLst>
               <p:ext uri="{D42A27DB-BD31-4B8C-83A1-F6EECF244321}">
-                <p14:modId xmlns:p14="http://schemas.microsoft.com/office/powerpoint/2010/main" val="1193724811"/>
+                <p14:modId xmlns:p14="http://schemas.microsoft.com/office/powerpoint/2010/main" val="2952771033"/>
               </p:ext>
             </p:extLst>
           </p:nvPr>
